--- a/WebContent/발표/프로젝트5.pptx
+++ b/WebContent/발표/프로젝트5.pptx
@@ -12,6 +12,11 @@
     <p:sldId id="306" r:id="rId6"/>
     <p:sldId id="310" r:id="rId7"/>
     <p:sldId id="309" r:id="rId8"/>
+    <p:sldId id="311" r:id="rId9"/>
+    <p:sldId id="312" r:id="rId10"/>
+    <p:sldId id="313" r:id="rId11"/>
+    <p:sldId id="314" r:id="rId12"/>
+    <p:sldId id="315" r:id="rId13"/>
   </p:sldIdLst>
   <p:sldSz cx="12192000" cy="6858000"/>
   <p:notesSz cx="6858000" cy="9144000"/>
@@ -6982,7 +6987,7 @@
           <p:cNvPr id="22" name="그림 21">
             <a:extLst>
               <a:ext uri="{FF2B5EF4-FFF2-40B4-BE49-F238E27FC236}">
-                <a16:creationId xmlns:a16="http://schemas.microsoft.com/office/drawing/2014/main" xmlns="" id="{928BE64D-A24F-42CB-B298-FBF49719BA30}"/>
+                <a16:creationId xmlns="" xmlns:a16="http://schemas.microsoft.com/office/drawing/2014/main" id="{928BE64D-A24F-42CB-B298-FBF49719BA30}"/>
               </a:ext>
             </a:extLst>
           </p:cNvPr>
@@ -7010,6 +7015,2234 @@
     <p:extLst>
       <p:ext uri="{BB962C8B-B14F-4D97-AF65-F5344CB8AC3E}">
         <p14:creationId xmlns:p14="http://schemas.microsoft.com/office/powerpoint/2010/main" val="3447233025"/>
+      </p:ext>
+    </p:extLst>
+  </p:cSld>
+  <p:clrMapOvr>
+    <a:masterClrMapping/>
+  </p:clrMapOvr>
+  <p:timing>
+    <p:tnLst>
+      <p:par>
+        <p:cTn id="1" dur="indefinite" restart="never" nodeType="tmRoot"/>
+      </p:par>
+    </p:tnLst>
+  </p:timing>
+</p:sld>
+</file>
+
+<file path=ppt/slides/slide10.xml><?xml version="1.0" encoding="utf-8"?>
+<p:sld xmlns:a="http://schemas.openxmlformats.org/drawingml/2006/main" xmlns:r="http://schemas.openxmlformats.org/officeDocument/2006/relationships" xmlns:p="http://schemas.openxmlformats.org/presentationml/2006/main">
+  <p:cSld>
+    <p:spTree>
+      <p:nvGrpSpPr>
+        <p:cNvPr id="1" name=""/>
+        <p:cNvGrpSpPr/>
+        <p:nvPr/>
+      </p:nvGrpSpPr>
+      <p:grpSpPr>
+        <a:xfrm>
+          <a:off x="0" y="0"/>
+          <a:ext cx="0" cy="0"/>
+          <a:chOff x="0" y="0"/>
+          <a:chExt cx="0" cy="0"/>
+        </a:xfrm>
+      </p:grpSpPr>
+      <p:grpSp>
+        <p:nvGrpSpPr>
+          <p:cNvPr id="4" name="그룹 3"/>
+          <p:cNvGrpSpPr/>
+          <p:nvPr/>
+        </p:nvGrpSpPr>
+        <p:grpSpPr>
+          <a:xfrm>
+            <a:off x="152400" y="83680"/>
+            <a:ext cx="11903770" cy="6774320"/>
+            <a:chOff x="152400" y="83680"/>
+            <a:chExt cx="11903770" cy="6774320"/>
+          </a:xfrm>
+        </p:grpSpPr>
+        <p:sp>
+          <p:nvSpPr>
+            <p:cNvPr id="68" name="양쪽 모서리가 둥근 사각형 67"/>
+            <p:cNvSpPr/>
+            <p:nvPr/>
+          </p:nvSpPr>
+          <p:spPr>
+            <a:xfrm>
+              <a:off x="338203" y="83680"/>
+              <a:ext cx="11548997" cy="6482219"/>
+            </a:xfrm>
+            <a:prstGeom prst="round2SameRect">
+              <a:avLst>
+                <a:gd name="adj1" fmla="val 4566"/>
+                <a:gd name="adj2" fmla="val 0"/>
+              </a:avLst>
+            </a:prstGeom>
+            <a:pattFill prst="ltDnDiag">
+              <a:fgClr>
+                <a:schemeClr val="bg1">
+                  <a:lumMod val="75000"/>
+                </a:schemeClr>
+              </a:fgClr>
+              <a:bgClr>
+                <a:schemeClr val="bg1">
+                  <a:lumMod val="95000"/>
+                </a:schemeClr>
+              </a:bgClr>
+            </a:pattFill>
+            <a:ln w="28575">
+              <a:solidFill>
+                <a:schemeClr val="bg1">
+                  <a:lumMod val="50000"/>
+                </a:schemeClr>
+              </a:solidFill>
+            </a:ln>
+          </p:spPr>
+          <p:style>
+            <a:lnRef idx="2">
+              <a:schemeClr val="accent1">
+                <a:shade val="50000"/>
+              </a:schemeClr>
+            </a:lnRef>
+            <a:fillRef idx="1">
+              <a:schemeClr val="accent1"/>
+            </a:fillRef>
+            <a:effectRef idx="0">
+              <a:schemeClr val="accent1"/>
+            </a:effectRef>
+            <a:fontRef idx="minor">
+              <a:schemeClr val="lt1"/>
+            </a:fontRef>
+          </p:style>
+          <p:txBody>
+            <a:bodyPr rtlCol="0" anchor="ctr"/>
+            <a:lstStyle/>
+            <a:p>
+              <a:pPr algn="ctr"/>
+              <a:endParaRPr lang="ko-KR" altLang="en-US"/>
+            </a:p>
+          </p:txBody>
+        </p:sp>
+        <p:sp>
+          <p:nvSpPr>
+            <p:cNvPr id="69" name="양쪽 모서리가 둥근 사각형 68"/>
+            <p:cNvSpPr/>
+            <p:nvPr/>
+          </p:nvSpPr>
+          <p:spPr>
+            <a:xfrm>
+              <a:off x="524266" y="241300"/>
+              <a:ext cx="11176871" cy="6133424"/>
+            </a:xfrm>
+            <a:prstGeom prst="round2SameRect">
+              <a:avLst>
+                <a:gd name="adj1" fmla="val 3284"/>
+                <a:gd name="adj2" fmla="val 0"/>
+              </a:avLst>
+            </a:prstGeom>
+            <a:solidFill>
+              <a:schemeClr val="bg1"/>
+            </a:solidFill>
+            <a:ln w="19050">
+              <a:solidFill>
+                <a:schemeClr val="bg1">
+                  <a:lumMod val="50000"/>
+                </a:schemeClr>
+              </a:solidFill>
+            </a:ln>
+          </p:spPr>
+          <p:style>
+            <a:lnRef idx="2">
+              <a:schemeClr val="accent1">
+                <a:shade val="50000"/>
+              </a:schemeClr>
+            </a:lnRef>
+            <a:fillRef idx="1">
+              <a:schemeClr val="accent1"/>
+            </a:fillRef>
+            <a:effectRef idx="0">
+              <a:schemeClr val="accent1"/>
+            </a:effectRef>
+            <a:fontRef idx="minor">
+              <a:schemeClr val="lt1"/>
+            </a:fontRef>
+          </p:style>
+          <p:txBody>
+            <a:bodyPr rtlCol="0" anchor="ctr"/>
+            <a:lstStyle/>
+            <a:p>
+              <a:pPr algn="ctr"/>
+              <a:endParaRPr lang="ko-KR" altLang="en-US"/>
+            </a:p>
+          </p:txBody>
+        </p:sp>
+        <p:sp>
+          <p:nvSpPr>
+            <p:cNvPr id="84" name="양쪽 모서리가 둥근 사각형 83"/>
+            <p:cNvSpPr/>
+            <p:nvPr/>
+          </p:nvSpPr>
+          <p:spPr>
+            <a:xfrm rot="16200000">
+              <a:off x="1176083" y="5641873"/>
+              <a:ext cx="108000" cy="1798840"/>
+            </a:xfrm>
+            <a:prstGeom prst="round2SameRect">
+              <a:avLst>
+                <a:gd name="adj1" fmla="val 19304"/>
+                <a:gd name="adj2" fmla="val 0"/>
+              </a:avLst>
+            </a:prstGeom>
+            <a:gradFill flip="none" rotWithShape="1">
+              <a:gsLst>
+                <a:gs pos="17000">
+                  <a:schemeClr val="bg1">
+                    <a:lumMod val="50000"/>
+                  </a:schemeClr>
+                </a:gs>
+                <a:gs pos="59000">
+                  <a:schemeClr val="bg1">
+                    <a:shade val="100000"/>
+                    <a:satMod val="115000"/>
+                  </a:schemeClr>
+                </a:gs>
+              </a:gsLst>
+              <a:lin ang="0" scaled="1"/>
+              <a:tileRect/>
+            </a:gradFill>
+            <a:ln w="19050">
+              <a:solidFill>
+                <a:schemeClr val="bg1">
+                  <a:lumMod val="50000"/>
+                </a:schemeClr>
+              </a:solidFill>
+            </a:ln>
+          </p:spPr>
+          <p:style>
+            <a:lnRef idx="2">
+              <a:schemeClr val="accent1">
+                <a:shade val="50000"/>
+              </a:schemeClr>
+            </a:lnRef>
+            <a:fillRef idx="1">
+              <a:schemeClr val="accent1"/>
+            </a:fillRef>
+            <a:effectRef idx="0">
+              <a:schemeClr val="accent1"/>
+            </a:effectRef>
+            <a:fontRef idx="minor">
+              <a:schemeClr val="lt1"/>
+            </a:fontRef>
+          </p:style>
+          <p:txBody>
+            <a:bodyPr rtlCol="0" anchor="ctr"/>
+            <a:lstStyle/>
+            <a:p>
+              <a:pPr algn="ctr"/>
+              <a:endParaRPr lang="ko-KR" altLang="en-US">
+                <a:solidFill>
+                  <a:prstClr val="white"/>
+                </a:solidFill>
+              </a:endParaRPr>
+            </a:p>
+          </p:txBody>
+        </p:sp>
+        <p:sp>
+          <p:nvSpPr>
+            <p:cNvPr id="85" name="양쪽 모서리가 둥근 사각형 84"/>
+            <p:cNvSpPr/>
+            <p:nvPr/>
+          </p:nvSpPr>
+          <p:spPr>
+            <a:xfrm rot="5400000" flipH="1">
+              <a:off x="10930593" y="5641871"/>
+              <a:ext cx="108000" cy="1798840"/>
+            </a:xfrm>
+            <a:prstGeom prst="round2SameRect">
+              <a:avLst>
+                <a:gd name="adj1" fmla="val 19304"/>
+                <a:gd name="adj2" fmla="val 0"/>
+              </a:avLst>
+            </a:prstGeom>
+            <a:gradFill flip="none" rotWithShape="1">
+              <a:gsLst>
+                <a:gs pos="17000">
+                  <a:schemeClr val="bg1">
+                    <a:lumMod val="50000"/>
+                  </a:schemeClr>
+                </a:gs>
+                <a:gs pos="59000">
+                  <a:schemeClr val="bg1">
+                    <a:shade val="100000"/>
+                    <a:satMod val="115000"/>
+                  </a:schemeClr>
+                </a:gs>
+              </a:gsLst>
+              <a:lin ang="0" scaled="1"/>
+              <a:tileRect/>
+            </a:gradFill>
+            <a:ln w="19050">
+              <a:solidFill>
+                <a:schemeClr val="bg1">
+                  <a:lumMod val="50000"/>
+                </a:schemeClr>
+              </a:solidFill>
+            </a:ln>
+          </p:spPr>
+          <p:style>
+            <a:lnRef idx="2">
+              <a:schemeClr val="accent1">
+                <a:shade val="50000"/>
+              </a:schemeClr>
+            </a:lnRef>
+            <a:fillRef idx="1">
+              <a:schemeClr val="accent1"/>
+            </a:fillRef>
+            <a:effectRef idx="0">
+              <a:schemeClr val="accent1"/>
+            </a:effectRef>
+            <a:fontRef idx="minor">
+              <a:schemeClr val="lt1"/>
+            </a:fontRef>
+          </p:style>
+          <p:txBody>
+            <a:bodyPr rtlCol="0" anchor="ctr"/>
+            <a:lstStyle/>
+            <a:p>
+              <a:pPr algn="ctr"/>
+              <a:endParaRPr lang="ko-KR" altLang="en-US">
+                <a:solidFill>
+                  <a:prstClr val="white"/>
+                </a:solidFill>
+              </a:endParaRPr>
+            </a:p>
+          </p:txBody>
+        </p:sp>
+        <p:sp>
+          <p:nvSpPr>
+            <p:cNvPr id="86" name="양쪽 모서리가 둥근 사각형 85"/>
+            <p:cNvSpPr/>
+            <p:nvPr/>
+          </p:nvSpPr>
+          <p:spPr>
+            <a:xfrm rot="16200000">
+              <a:off x="6053339" y="2563457"/>
+              <a:ext cx="108000" cy="7955668"/>
+            </a:xfrm>
+            <a:prstGeom prst="round2SameRect">
+              <a:avLst>
+                <a:gd name="adj1" fmla="val 0"/>
+                <a:gd name="adj2" fmla="val 0"/>
+              </a:avLst>
+            </a:prstGeom>
+            <a:gradFill flip="none" rotWithShape="1">
+              <a:gsLst>
+                <a:gs pos="17000">
+                  <a:schemeClr val="bg1">
+                    <a:lumMod val="50000"/>
+                  </a:schemeClr>
+                </a:gs>
+                <a:gs pos="59000">
+                  <a:schemeClr val="bg1">
+                    <a:shade val="100000"/>
+                    <a:satMod val="115000"/>
+                  </a:schemeClr>
+                </a:gs>
+              </a:gsLst>
+              <a:lin ang="0" scaled="1"/>
+              <a:tileRect/>
+            </a:gradFill>
+            <a:ln w="19050">
+              <a:solidFill>
+                <a:schemeClr val="bg1">
+                  <a:lumMod val="50000"/>
+                </a:schemeClr>
+              </a:solidFill>
+            </a:ln>
+          </p:spPr>
+          <p:style>
+            <a:lnRef idx="2">
+              <a:schemeClr val="accent1">
+                <a:shade val="50000"/>
+              </a:schemeClr>
+            </a:lnRef>
+            <a:fillRef idx="1">
+              <a:schemeClr val="accent1"/>
+            </a:fillRef>
+            <a:effectRef idx="0">
+              <a:schemeClr val="accent1"/>
+            </a:effectRef>
+            <a:fontRef idx="minor">
+              <a:schemeClr val="lt1"/>
+            </a:fontRef>
+          </p:style>
+          <p:txBody>
+            <a:bodyPr rtlCol="0" anchor="ctr"/>
+            <a:lstStyle/>
+            <a:p>
+              <a:pPr algn="ctr"/>
+              <a:endParaRPr lang="ko-KR" altLang="en-US">
+                <a:solidFill>
+                  <a:prstClr val="white"/>
+                </a:solidFill>
+              </a:endParaRPr>
+            </a:p>
+          </p:txBody>
+        </p:sp>
+        <p:sp>
+          <p:nvSpPr>
+            <p:cNvPr id="14" name="자유형 13"/>
+            <p:cNvSpPr/>
+            <p:nvPr/>
+          </p:nvSpPr>
+          <p:spPr>
+            <a:xfrm>
+              <a:off x="158507" y="6590451"/>
+              <a:ext cx="11897663" cy="267549"/>
+            </a:xfrm>
+            <a:custGeom>
+              <a:avLst/>
+              <a:gdLst>
+                <a:gd name="connsiteX0" fmla="*/ 195955 w 11897663"/>
+                <a:gd name="connsiteY0" fmla="*/ 0 h 267549"/>
+                <a:gd name="connsiteX1" fmla="*/ 11701708 w 11897663"/>
+                <a:gd name="connsiteY1" fmla="*/ 0 h 267549"/>
+                <a:gd name="connsiteX2" fmla="*/ 11897663 w 11897663"/>
+                <a:gd name="connsiteY2" fmla="*/ 267549 h 267549"/>
+                <a:gd name="connsiteX3" fmla="*/ 0 w 11897663"/>
+                <a:gd name="connsiteY3" fmla="*/ 267549 h 267549"/>
+              </a:gdLst>
+              <a:ahLst/>
+              <a:cxnLst>
+                <a:cxn ang="0">
+                  <a:pos x="connsiteX0" y="connsiteY0"/>
+                </a:cxn>
+                <a:cxn ang="0">
+                  <a:pos x="connsiteX1" y="connsiteY1"/>
+                </a:cxn>
+                <a:cxn ang="0">
+                  <a:pos x="connsiteX2" y="connsiteY2"/>
+                </a:cxn>
+                <a:cxn ang="0">
+                  <a:pos x="connsiteX3" y="connsiteY3"/>
+                </a:cxn>
+              </a:cxnLst>
+              <a:rect l="l" t="t" r="r" b="b"/>
+              <a:pathLst>
+                <a:path w="11897663" h="267549">
+                  <a:moveTo>
+                    <a:pt x="195955" y="0"/>
+                  </a:moveTo>
+                  <a:lnTo>
+                    <a:pt x="11701708" y="0"/>
+                  </a:lnTo>
+                  <a:lnTo>
+                    <a:pt x="11897663" y="267549"/>
+                  </a:lnTo>
+                  <a:lnTo>
+                    <a:pt x="0" y="267549"/>
+                  </a:lnTo>
+                  <a:close/>
+                </a:path>
+              </a:pathLst>
+            </a:custGeom>
+            <a:solidFill>
+              <a:schemeClr val="bg1"/>
+            </a:solidFill>
+            <a:ln w="19050">
+              <a:solidFill>
+                <a:schemeClr val="bg1">
+                  <a:lumMod val="50000"/>
+                </a:schemeClr>
+              </a:solidFill>
+            </a:ln>
+          </p:spPr>
+          <p:style>
+            <a:lnRef idx="2">
+              <a:schemeClr val="accent1">
+                <a:shade val="50000"/>
+              </a:schemeClr>
+            </a:lnRef>
+            <a:fillRef idx="1">
+              <a:schemeClr val="accent1"/>
+            </a:fillRef>
+            <a:effectRef idx="0">
+              <a:schemeClr val="accent1"/>
+            </a:effectRef>
+            <a:fontRef idx="minor">
+              <a:schemeClr val="lt1"/>
+            </a:fontRef>
+          </p:style>
+          <p:txBody>
+            <a:bodyPr wrap="square" rtlCol="0" anchor="ctr">
+              <a:noAutofit/>
+            </a:bodyPr>
+            <a:lstStyle/>
+            <a:p>
+              <a:pPr algn="ctr"/>
+              <a:endParaRPr lang="ko-KR" altLang="en-US">
+                <a:solidFill>
+                  <a:prstClr val="white"/>
+                </a:solidFill>
+              </a:endParaRPr>
+            </a:p>
+          </p:txBody>
+        </p:sp>
+        <p:sp>
+          <p:nvSpPr>
+            <p:cNvPr id="26" name="자유형 25"/>
+            <p:cNvSpPr/>
+            <p:nvPr/>
+          </p:nvSpPr>
+          <p:spPr>
+            <a:xfrm>
+              <a:off x="152400" y="6565900"/>
+              <a:ext cx="11750381" cy="292100"/>
+            </a:xfrm>
+            <a:custGeom>
+              <a:avLst/>
+              <a:gdLst>
+                <a:gd name="connsiteX0" fmla="*/ 177800 w 11722100"/>
+                <a:gd name="connsiteY0" fmla="*/ 0 h 292100"/>
+                <a:gd name="connsiteX1" fmla="*/ 0 w 11722100"/>
+                <a:gd name="connsiteY1" fmla="*/ 292100 h 292100"/>
+                <a:gd name="connsiteX2" fmla="*/ 11722100 w 11722100"/>
+                <a:gd name="connsiteY2" fmla="*/ 50800 h 292100"/>
+                <a:gd name="connsiteX3" fmla="*/ 177800 w 11722100"/>
+                <a:gd name="connsiteY3" fmla="*/ 0 h 292100"/>
+                <a:gd name="connsiteX0" fmla="*/ 206081 w 11722100"/>
+                <a:gd name="connsiteY0" fmla="*/ 0 h 292100"/>
+                <a:gd name="connsiteX1" fmla="*/ 0 w 11722100"/>
+                <a:gd name="connsiteY1" fmla="*/ 292100 h 292100"/>
+                <a:gd name="connsiteX2" fmla="*/ 11722100 w 11722100"/>
+                <a:gd name="connsiteY2" fmla="*/ 50800 h 292100"/>
+                <a:gd name="connsiteX3" fmla="*/ 206081 w 11722100"/>
+                <a:gd name="connsiteY3" fmla="*/ 0 h 292100"/>
+                <a:gd name="connsiteX0" fmla="*/ 206081 w 11750381"/>
+                <a:gd name="connsiteY0" fmla="*/ 0 h 292100"/>
+                <a:gd name="connsiteX1" fmla="*/ 0 w 11750381"/>
+                <a:gd name="connsiteY1" fmla="*/ 292100 h 292100"/>
+                <a:gd name="connsiteX2" fmla="*/ 11750381 w 11750381"/>
+                <a:gd name="connsiteY2" fmla="*/ 31947 h 292100"/>
+                <a:gd name="connsiteX3" fmla="*/ 206081 w 11750381"/>
+                <a:gd name="connsiteY3" fmla="*/ 0 h 292100"/>
+              </a:gdLst>
+              <a:ahLst/>
+              <a:cxnLst>
+                <a:cxn ang="0">
+                  <a:pos x="connsiteX0" y="connsiteY0"/>
+                </a:cxn>
+                <a:cxn ang="0">
+                  <a:pos x="connsiteX1" y="connsiteY1"/>
+                </a:cxn>
+                <a:cxn ang="0">
+                  <a:pos x="connsiteX2" y="connsiteY2"/>
+                </a:cxn>
+                <a:cxn ang="0">
+                  <a:pos x="connsiteX3" y="connsiteY3"/>
+                </a:cxn>
+              </a:cxnLst>
+              <a:rect l="l" t="t" r="r" b="b"/>
+              <a:pathLst>
+                <a:path w="11750381" h="292100">
+                  <a:moveTo>
+                    <a:pt x="206081" y="0"/>
+                  </a:moveTo>
+                  <a:lnTo>
+                    <a:pt x="0" y="292100"/>
+                  </a:lnTo>
+                  <a:lnTo>
+                    <a:pt x="11750381" y="31947"/>
+                  </a:lnTo>
+                  <a:lnTo>
+                    <a:pt x="206081" y="0"/>
+                  </a:lnTo>
+                  <a:close/>
+                </a:path>
+              </a:pathLst>
+            </a:custGeom>
+            <a:solidFill>
+              <a:schemeClr val="tx1">
+                <a:alpha val="13000"/>
+              </a:schemeClr>
+            </a:solidFill>
+            <a:ln>
+              <a:noFill/>
+            </a:ln>
+          </p:spPr>
+          <p:style>
+            <a:lnRef idx="2">
+              <a:schemeClr val="accent1">
+                <a:shade val="50000"/>
+              </a:schemeClr>
+            </a:lnRef>
+            <a:fillRef idx="1">
+              <a:schemeClr val="accent1"/>
+            </a:fillRef>
+            <a:effectRef idx="0">
+              <a:schemeClr val="accent1"/>
+            </a:effectRef>
+            <a:fontRef idx="minor">
+              <a:schemeClr val="lt1"/>
+            </a:fontRef>
+          </p:style>
+          <p:txBody>
+            <a:bodyPr rtlCol="0" anchor="ctr"/>
+            <a:lstStyle/>
+            <a:p>
+              <a:pPr algn="ctr"/>
+              <a:endParaRPr lang="ko-KR" altLang="en-US"/>
+            </a:p>
+          </p:txBody>
+        </p:sp>
+        <p:sp>
+          <p:nvSpPr>
+            <p:cNvPr id="15" name="모서리가 둥근 직사각형 14"/>
+            <p:cNvSpPr/>
+            <p:nvPr/>
+          </p:nvSpPr>
+          <p:spPr>
+            <a:xfrm>
+              <a:off x="524266" y="6670585"/>
+              <a:ext cx="597524" cy="64121"/>
+            </a:xfrm>
+            <a:prstGeom prst="roundRect">
+              <a:avLst>
+                <a:gd name="adj" fmla="val 50000"/>
+              </a:avLst>
+            </a:prstGeom>
+            <a:solidFill>
+              <a:srgbClr val="00B0F0"/>
+            </a:solidFill>
+            <a:ln>
+              <a:solidFill>
+                <a:schemeClr val="bg1">
+                  <a:lumMod val="50000"/>
+                </a:schemeClr>
+              </a:solidFill>
+            </a:ln>
+          </p:spPr>
+          <p:style>
+            <a:lnRef idx="2">
+              <a:schemeClr val="accent1">
+                <a:shade val="50000"/>
+              </a:schemeClr>
+            </a:lnRef>
+            <a:fillRef idx="1">
+              <a:schemeClr val="accent1"/>
+            </a:fillRef>
+            <a:effectRef idx="0">
+              <a:schemeClr val="accent1"/>
+            </a:effectRef>
+            <a:fontRef idx="minor">
+              <a:schemeClr val="lt1"/>
+            </a:fontRef>
+          </p:style>
+          <p:txBody>
+            <a:bodyPr rtlCol="0" anchor="ctr"/>
+            <a:lstStyle/>
+            <a:p>
+              <a:pPr algn="ctr"/>
+              <a:endParaRPr lang="ko-KR" altLang="en-US"/>
+            </a:p>
+          </p:txBody>
+        </p:sp>
+      </p:grpSp>
+      <p:sp>
+        <p:nvSpPr>
+          <p:cNvPr id="82" name="직사각형 81"/>
+          <p:cNvSpPr/>
+          <p:nvPr/>
+        </p:nvSpPr>
+        <p:spPr>
+          <a:xfrm>
+            <a:off x="3353610" y="228600"/>
+            <a:ext cx="5484781" cy="738664"/>
+          </a:xfrm>
+          <a:prstGeom prst="rect">
+            <a:avLst/>
+          </a:prstGeom>
+        </p:spPr>
+        <p:txBody>
+          <a:bodyPr wrap="square">
+            <a:spAutoFit/>
+          </a:bodyPr>
+          <a:lstStyle/>
+          <a:p>
+            <a:pPr algn="ctr">
+              <a:lnSpc>
+                <a:spcPct val="150000"/>
+              </a:lnSpc>
+            </a:pPr>
+            <a:r>
+              <a:rPr lang="ko-KR" altLang="en-US" sz="2000" i="1" dirty="0" smtClean="0">
+                <a:solidFill>
+                  <a:schemeClr val="bg1">
+                    <a:lumMod val="50000"/>
+                  </a:schemeClr>
+                </a:solidFill>
+              </a:rPr>
+              <a:t>웹</a:t>
+            </a:r>
+            <a:r>
+              <a:rPr lang="en-US" altLang="ko-KR" sz="2000" i="1" dirty="0" smtClean="0">
+                <a:solidFill>
+                  <a:schemeClr val="bg1">
+                    <a:lumMod val="50000"/>
+                  </a:schemeClr>
+                </a:solidFill>
+              </a:rPr>
+              <a:t>·</a:t>
+            </a:r>
+            <a:r>
+              <a:rPr lang="ko-KR" altLang="en-US" sz="2000" i="1" dirty="0" err="1" smtClean="0">
+                <a:solidFill>
+                  <a:schemeClr val="bg1">
+                    <a:lumMod val="50000"/>
+                  </a:schemeClr>
+                </a:solidFill>
+              </a:rPr>
+              <a:t>안드로이드</a:t>
+            </a:r>
+            <a:r>
+              <a:rPr lang="ko-KR" altLang="en-US" sz="2000" i="1" dirty="0" smtClean="0">
+                <a:solidFill>
+                  <a:schemeClr val="bg1">
+                    <a:lumMod val="50000"/>
+                  </a:schemeClr>
+                </a:solidFill>
+              </a:rPr>
+              <a:t> </a:t>
+            </a:r>
+            <a:r>
+              <a:rPr lang="en-US" altLang="ko-KR" sz="2800" b="1" i="1" dirty="0" err="1" smtClean="0">
+                <a:solidFill>
+                  <a:schemeClr val="bg1">
+                    <a:lumMod val="50000"/>
+                  </a:schemeClr>
+                </a:solidFill>
+              </a:rPr>
+              <a:t>Web·Android</a:t>
+            </a:r>
+            <a:endParaRPr lang="en-US" altLang="ko-KR" sz="2800" b="1" i="1" dirty="0">
+              <a:solidFill>
+                <a:schemeClr val="bg1">
+                  <a:lumMod val="50000"/>
+                </a:schemeClr>
+              </a:solidFill>
+            </a:endParaRPr>
+          </a:p>
+        </p:txBody>
+      </p:sp>
+      <p:sp>
+        <p:nvSpPr>
+          <p:cNvPr id="2" name="직사각형 1"/>
+          <p:cNvSpPr/>
+          <p:nvPr/>
+        </p:nvSpPr>
+        <p:spPr>
+          <a:xfrm>
+            <a:off x="777269" y="1664044"/>
+            <a:ext cx="7569580" cy="4423719"/>
+          </a:xfrm>
+          <a:prstGeom prst="rect">
+            <a:avLst/>
+          </a:prstGeom>
+          <a:solidFill>
+            <a:schemeClr val="bg1"/>
+          </a:solidFill>
+          <a:ln>
+            <a:solidFill>
+              <a:schemeClr val="tx1"/>
+            </a:solidFill>
+          </a:ln>
+        </p:spPr>
+        <p:style>
+          <a:lnRef idx="2">
+            <a:schemeClr val="accent1">
+              <a:shade val="50000"/>
+            </a:schemeClr>
+          </a:lnRef>
+          <a:fillRef idx="1">
+            <a:schemeClr val="accent1"/>
+          </a:fillRef>
+          <a:effectRef idx="0">
+            <a:schemeClr val="accent1"/>
+          </a:effectRef>
+          <a:fontRef idx="minor">
+            <a:schemeClr val="lt1"/>
+          </a:fontRef>
+        </p:style>
+        <p:txBody>
+          <a:bodyPr rtlCol="0" anchor="ctr"/>
+          <a:lstStyle/>
+          <a:p>
+            <a:pPr algn="ctr"/>
+            <a:endParaRPr lang="ko-KR" altLang="en-US"/>
+          </a:p>
+        </p:txBody>
+      </p:sp>
+      <p:sp>
+        <p:nvSpPr>
+          <p:cNvPr id="3" name="직사각형 2"/>
+          <p:cNvSpPr/>
+          <p:nvPr/>
+        </p:nvSpPr>
+        <p:spPr>
+          <a:xfrm>
+            <a:off x="8602764" y="1664043"/>
+            <a:ext cx="2811968" cy="4423719"/>
+          </a:xfrm>
+          <a:prstGeom prst="rect">
+            <a:avLst/>
+          </a:prstGeom>
+          <a:solidFill>
+            <a:schemeClr val="bg1"/>
+          </a:solidFill>
+          <a:ln>
+            <a:solidFill>
+              <a:schemeClr val="tx1"/>
+            </a:solidFill>
+          </a:ln>
+        </p:spPr>
+        <p:style>
+          <a:lnRef idx="2">
+            <a:schemeClr val="accent1">
+              <a:shade val="50000"/>
+            </a:schemeClr>
+          </a:lnRef>
+          <a:fillRef idx="1">
+            <a:schemeClr val="accent1"/>
+          </a:fillRef>
+          <a:effectRef idx="0">
+            <a:schemeClr val="accent1"/>
+          </a:effectRef>
+          <a:fontRef idx="minor">
+            <a:schemeClr val="lt1"/>
+          </a:fontRef>
+        </p:style>
+        <p:txBody>
+          <a:bodyPr rtlCol="0" anchor="ctr"/>
+          <a:lstStyle/>
+          <a:p>
+            <a:pPr algn="ctr"/>
+            <a:endParaRPr lang="ko-KR" altLang="en-US"/>
+          </a:p>
+        </p:txBody>
+      </p:sp>
+    </p:spTree>
+    <p:extLst>
+      <p:ext uri="{BB962C8B-B14F-4D97-AF65-F5344CB8AC3E}">
+        <p14:creationId xmlns:p14="http://schemas.microsoft.com/office/powerpoint/2010/main" val="260607755"/>
+      </p:ext>
+    </p:extLst>
+  </p:cSld>
+  <p:clrMapOvr>
+    <a:masterClrMapping/>
+  </p:clrMapOvr>
+  <p:timing>
+    <p:tnLst>
+      <p:par>
+        <p:cTn id="1" dur="indefinite" restart="never" nodeType="tmRoot"/>
+      </p:par>
+    </p:tnLst>
+  </p:timing>
+</p:sld>
+</file>
+
+<file path=ppt/slides/slide11.xml><?xml version="1.0" encoding="utf-8"?>
+<p:sld xmlns:a="http://schemas.openxmlformats.org/drawingml/2006/main" xmlns:r="http://schemas.openxmlformats.org/officeDocument/2006/relationships" xmlns:p="http://schemas.openxmlformats.org/presentationml/2006/main">
+  <p:cSld>
+    <p:spTree>
+      <p:nvGrpSpPr>
+        <p:cNvPr id="1" name=""/>
+        <p:cNvGrpSpPr/>
+        <p:nvPr/>
+      </p:nvGrpSpPr>
+      <p:grpSpPr>
+        <a:xfrm>
+          <a:off x="0" y="0"/>
+          <a:ext cx="0" cy="0"/>
+          <a:chOff x="0" y="0"/>
+          <a:chExt cx="0" cy="0"/>
+        </a:xfrm>
+      </p:grpSpPr>
+      <p:grpSp>
+        <p:nvGrpSpPr>
+          <p:cNvPr id="4" name="그룹 3"/>
+          <p:cNvGrpSpPr/>
+          <p:nvPr/>
+        </p:nvGrpSpPr>
+        <p:grpSpPr>
+          <a:xfrm>
+            <a:off x="152400" y="83680"/>
+            <a:ext cx="11903770" cy="6774320"/>
+            <a:chOff x="152400" y="83680"/>
+            <a:chExt cx="11903770" cy="6774320"/>
+          </a:xfrm>
+        </p:grpSpPr>
+        <p:sp>
+          <p:nvSpPr>
+            <p:cNvPr id="68" name="양쪽 모서리가 둥근 사각형 67"/>
+            <p:cNvSpPr/>
+            <p:nvPr/>
+          </p:nvSpPr>
+          <p:spPr>
+            <a:xfrm>
+              <a:off x="338203" y="83680"/>
+              <a:ext cx="11548997" cy="6482219"/>
+            </a:xfrm>
+            <a:prstGeom prst="round2SameRect">
+              <a:avLst>
+                <a:gd name="adj1" fmla="val 4566"/>
+                <a:gd name="adj2" fmla="val 0"/>
+              </a:avLst>
+            </a:prstGeom>
+            <a:pattFill prst="ltDnDiag">
+              <a:fgClr>
+                <a:schemeClr val="bg1">
+                  <a:lumMod val="75000"/>
+                </a:schemeClr>
+              </a:fgClr>
+              <a:bgClr>
+                <a:schemeClr val="bg1">
+                  <a:lumMod val="95000"/>
+                </a:schemeClr>
+              </a:bgClr>
+            </a:pattFill>
+            <a:ln w="28575">
+              <a:solidFill>
+                <a:schemeClr val="bg1">
+                  <a:lumMod val="50000"/>
+                </a:schemeClr>
+              </a:solidFill>
+            </a:ln>
+          </p:spPr>
+          <p:style>
+            <a:lnRef idx="2">
+              <a:schemeClr val="accent1">
+                <a:shade val="50000"/>
+              </a:schemeClr>
+            </a:lnRef>
+            <a:fillRef idx="1">
+              <a:schemeClr val="accent1"/>
+            </a:fillRef>
+            <a:effectRef idx="0">
+              <a:schemeClr val="accent1"/>
+            </a:effectRef>
+            <a:fontRef idx="minor">
+              <a:schemeClr val="lt1"/>
+            </a:fontRef>
+          </p:style>
+          <p:txBody>
+            <a:bodyPr rtlCol="0" anchor="ctr"/>
+            <a:lstStyle/>
+            <a:p>
+              <a:pPr algn="ctr"/>
+              <a:endParaRPr lang="ko-KR" altLang="en-US"/>
+            </a:p>
+          </p:txBody>
+        </p:sp>
+        <p:sp>
+          <p:nvSpPr>
+            <p:cNvPr id="69" name="양쪽 모서리가 둥근 사각형 68"/>
+            <p:cNvSpPr/>
+            <p:nvPr/>
+          </p:nvSpPr>
+          <p:spPr>
+            <a:xfrm>
+              <a:off x="524266" y="241300"/>
+              <a:ext cx="11176871" cy="6133424"/>
+            </a:xfrm>
+            <a:prstGeom prst="round2SameRect">
+              <a:avLst>
+                <a:gd name="adj1" fmla="val 3284"/>
+                <a:gd name="adj2" fmla="val 0"/>
+              </a:avLst>
+            </a:prstGeom>
+            <a:solidFill>
+              <a:schemeClr val="bg1"/>
+            </a:solidFill>
+            <a:ln w="19050">
+              <a:solidFill>
+                <a:schemeClr val="bg1">
+                  <a:lumMod val="50000"/>
+                </a:schemeClr>
+              </a:solidFill>
+            </a:ln>
+          </p:spPr>
+          <p:style>
+            <a:lnRef idx="2">
+              <a:schemeClr val="accent1">
+                <a:shade val="50000"/>
+              </a:schemeClr>
+            </a:lnRef>
+            <a:fillRef idx="1">
+              <a:schemeClr val="accent1"/>
+            </a:fillRef>
+            <a:effectRef idx="0">
+              <a:schemeClr val="accent1"/>
+            </a:effectRef>
+            <a:fontRef idx="minor">
+              <a:schemeClr val="lt1"/>
+            </a:fontRef>
+          </p:style>
+          <p:txBody>
+            <a:bodyPr rtlCol="0" anchor="ctr"/>
+            <a:lstStyle/>
+            <a:p>
+              <a:pPr algn="ctr"/>
+              <a:endParaRPr lang="ko-KR" altLang="en-US"/>
+            </a:p>
+          </p:txBody>
+        </p:sp>
+        <p:sp>
+          <p:nvSpPr>
+            <p:cNvPr id="84" name="양쪽 모서리가 둥근 사각형 83"/>
+            <p:cNvSpPr/>
+            <p:nvPr/>
+          </p:nvSpPr>
+          <p:spPr>
+            <a:xfrm rot="16200000">
+              <a:off x="1176083" y="5641873"/>
+              <a:ext cx="108000" cy="1798840"/>
+            </a:xfrm>
+            <a:prstGeom prst="round2SameRect">
+              <a:avLst>
+                <a:gd name="adj1" fmla="val 19304"/>
+                <a:gd name="adj2" fmla="val 0"/>
+              </a:avLst>
+            </a:prstGeom>
+            <a:gradFill flip="none" rotWithShape="1">
+              <a:gsLst>
+                <a:gs pos="17000">
+                  <a:schemeClr val="bg1">
+                    <a:lumMod val="50000"/>
+                  </a:schemeClr>
+                </a:gs>
+                <a:gs pos="59000">
+                  <a:schemeClr val="bg1">
+                    <a:shade val="100000"/>
+                    <a:satMod val="115000"/>
+                  </a:schemeClr>
+                </a:gs>
+              </a:gsLst>
+              <a:lin ang="0" scaled="1"/>
+              <a:tileRect/>
+            </a:gradFill>
+            <a:ln w="19050">
+              <a:solidFill>
+                <a:schemeClr val="bg1">
+                  <a:lumMod val="50000"/>
+                </a:schemeClr>
+              </a:solidFill>
+            </a:ln>
+          </p:spPr>
+          <p:style>
+            <a:lnRef idx="2">
+              <a:schemeClr val="accent1">
+                <a:shade val="50000"/>
+              </a:schemeClr>
+            </a:lnRef>
+            <a:fillRef idx="1">
+              <a:schemeClr val="accent1"/>
+            </a:fillRef>
+            <a:effectRef idx="0">
+              <a:schemeClr val="accent1"/>
+            </a:effectRef>
+            <a:fontRef idx="minor">
+              <a:schemeClr val="lt1"/>
+            </a:fontRef>
+          </p:style>
+          <p:txBody>
+            <a:bodyPr rtlCol="0" anchor="ctr"/>
+            <a:lstStyle/>
+            <a:p>
+              <a:pPr algn="ctr"/>
+              <a:endParaRPr lang="ko-KR" altLang="en-US">
+                <a:solidFill>
+                  <a:prstClr val="white"/>
+                </a:solidFill>
+              </a:endParaRPr>
+            </a:p>
+          </p:txBody>
+        </p:sp>
+        <p:sp>
+          <p:nvSpPr>
+            <p:cNvPr id="85" name="양쪽 모서리가 둥근 사각형 84"/>
+            <p:cNvSpPr/>
+            <p:nvPr/>
+          </p:nvSpPr>
+          <p:spPr>
+            <a:xfrm rot="5400000" flipH="1">
+              <a:off x="10930593" y="5641871"/>
+              <a:ext cx="108000" cy="1798840"/>
+            </a:xfrm>
+            <a:prstGeom prst="round2SameRect">
+              <a:avLst>
+                <a:gd name="adj1" fmla="val 19304"/>
+                <a:gd name="adj2" fmla="val 0"/>
+              </a:avLst>
+            </a:prstGeom>
+            <a:gradFill flip="none" rotWithShape="1">
+              <a:gsLst>
+                <a:gs pos="17000">
+                  <a:schemeClr val="bg1">
+                    <a:lumMod val="50000"/>
+                  </a:schemeClr>
+                </a:gs>
+                <a:gs pos="59000">
+                  <a:schemeClr val="bg1">
+                    <a:shade val="100000"/>
+                    <a:satMod val="115000"/>
+                  </a:schemeClr>
+                </a:gs>
+              </a:gsLst>
+              <a:lin ang="0" scaled="1"/>
+              <a:tileRect/>
+            </a:gradFill>
+            <a:ln w="19050">
+              <a:solidFill>
+                <a:schemeClr val="bg1">
+                  <a:lumMod val="50000"/>
+                </a:schemeClr>
+              </a:solidFill>
+            </a:ln>
+          </p:spPr>
+          <p:style>
+            <a:lnRef idx="2">
+              <a:schemeClr val="accent1">
+                <a:shade val="50000"/>
+              </a:schemeClr>
+            </a:lnRef>
+            <a:fillRef idx="1">
+              <a:schemeClr val="accent1"/>
+            </a:fillRef>
+            <a:effectRef idx="0">
+              <a:schemeClr val="accent1"/>
+            </a:effectRef>
+            <a:fontRef idx="minor">
+              <a:schemeClr val="lt1"/>
+            </a:fontRef>
+          </p:style>
+          <p:txBody>
+            <a:bodyPr rtlCol="0" anchor="ctr"/>
+            <a:lstStyle/>
+            <a:p>
+              <a:pPr algn="ctr"/>
+              <a:endParaRPr lang="ko-KR" altLang="en-US">
+                <a:solidFill>
+                  <a:prstClr val="white"/>
+                </a:solidFill>
+              </a:endParaRPr>
+            </a:p>
+          </p:txBody>
+        </p:sp>
+        <p:sp>
+          <p:nvSpPr>
+            <p:cNvPr id="86" name="양쪽 모서리가 둥근 사각형 85"/>
+            <p:cNvSpPr/>
+            <p:nvPr/>
+          </p:nvSpPr>
+          <p:spPr>
+            <a:xfrm rot="16200000">
+              <a:off x="6053339" y="2563457"/>
+              <a:ext cx="108000" cy="7955668"/>
+            </a:xfrm>
+            <a:prstGeom prst="round2SameRect">
+              <a:avLst>
+                <a:gd name="adj1" fmla="val 0"/>
+                <a:gd name="adj2" fmla="val 0"/>
+              </a:avLst>
+            </a:prstGeom>
+            <a:gradFill flip="none" rotWithShape="1">
+              <a:gsLst>
+                <a:gs pos="17000">
+                  <a:schemeClr val="bg1">
+                    <a:lumMod val="50000"/>
+                  </a:schemeClr>
+                </a:gs>
+                <a:gs pos="59000">
+                  <a:schemeClr val="bg1">
+                    <a:shade val="100000"/>
+                    <a:satMod val="115000"/>
+                  </a:schemeClr>
+                </a:gs>
+              </a:gsLst>
+              <a:lin ang="0" scaled="1"/>
+              <a:tileRect/>
+            </a:gradFill>
+            <a:ln w="19050">
+              <a:solidFill>
+                <a:schemeClr val="bg1">
+                  <a:lumMod val="50000"/>
+                </a:schemeClr>
+              </a:solidFill>
+            </a:ln>
+          </p:spPr>
+          <p:style>
+            <a:lnRef idx="2">
+              <a:schemeClr val="accent1">
+                <a:shade val="50000"/>
+              </a:schemeClr>
+            </a:lnRef>
+            <a:fillRef idx="1">
+              <a:schemeClr val="accent1"/>
+            </a:fillRef>
+            <a:effectRef idx="0">
+              <a:schemeClr val="accent1"/>
+            </a:effectRef>
+            <a:fontRef idx="minor">
+              <a:schemeClr val="lt1"/>
+            </a:fontRef>
+          </p:style>
+          <p:txBody>
+            <a:bodyPr rtlCol="0" anchor="ctr"/>
+            <a:lstStyle/>
+            <a:p>
+              <a:pPr algn="ctr"/>
+              <a:endParaRPr lang="ko-KR" altLang="en-US">
+                <a:solidFill>
+                  <a:prstClr val="white"/>
+                </a:solidFill>
+              </a:endParaRPr>
+            </a:p>
+          </p:txBody>
+        </p:sp>
+        <p:sp>
+          <p:nvSpPr>
+            <p:cNvPr id="14" name="자유형 13"/>
+            <p:cNvSpPr/>
+            <p:nvPr/>
+          </p:nvSpPr>
+          <p:spPr>
+            <a:xfrm>
+              <a:off x="158507" y="6590451"/>
+              <a:ext cx="11897663" cy="267549"/>
+            </a:xfrm>
+            <a:custGeom>
+              <a:avLst/>
+              <a:gdLst>
+                <a:gd name="connsiteX0" fmla="*/ 195955 w 11897663"/>
+                <a:gd name="connsiteY0" fmla="*/ 0 h 267549"/>
+                <a:gd name="connsiteX1" fmla="*/ 11701708 w 11897663"/>
+                <a:gd name="connsiteY1" fmla="*/ 0 h 267549"/>
+                <a:gd name="connsiteX2" fmla="*/ 11897663 w 11897663"/>
+                <a:gd name="connsiteY2" fmla="*/ 267549 h 267549"/>
+                <a:gd name="connsiteX3" fmla="*/ 0 w 11897663"/>
+                <a:gd name="connsiteY3" fmla="*/ 267549 h 267549"/>
+              </a:gdLst>
+              <a:ahLst/>
+              <a:cxnLst>
+                <a:cxn ang="0">
+                  <a:pos x="connsiteX0" y="connsiteY0"/>
+                </a:cxn>
+                <a:cxn ang="0">
+                  <a:pos x="connsiteX1" y="connsiteY1"/>
+                </a:cxn>
+                <a:cxn ang="0">
+                  <a:pos x="connsiteX2" y="connsiteY2"/>
+                </a:cxn>
+                <a:cxn ang="0">
+                  <a:pos x="connsiteX3" y="connsiteY3"/>
+                </a:cxn>
+              </a:cxnLst>
+              <a:rect l="l" t="t" r="r" b="b"/>
+              <a:pathLst>
+                <a:path w="11897663" h="267549">
+                  <a:moveTo>
+                    <a:pt x="195955" y="0"/>
+                  </a:moveTo>
+                  <a:lnTo>
+                    <a:pt x="11701708" y="0"/>
+                  </a:lnTo>
+                  <a:lnTo>
+                    <a:pt x="11897663" y="267549"/>
+                  </a:lnTo>
+                  <a:lnTo>
+                    <a:pt x="0" y="267549"/>
+                  </a:lnTo>
+                  <a:close/>
+                </a:path>
+              </a:pathLst>
+            </a:custGeom>
+            <a:solidFill>
+              <a:schemeClr val="bg1"/>
+            </a:solidFill>
+            <a:ln w="19050">
+              <a:solidFill>
+                <a:schemeClr val="bg1">
+                  <a:lumMod val="50000"/>
+                </a:schemeClr>
+              </a:solidFill>
+            </a:ln>
+          </p:spPr>
+          <p:style>
+            <a:lnRef idx="2">
+              <a:schemeClr val="accent1">
+                <a:shade val="50000"/>
+              </a:schemeClr>
+            </a:lnRef>
+            <a:fillRef idx="1">
+              <a:schemeClr val="accent1"/>
+            </a:fillRef>
+            <a:effectRef idx="0">
+              <a:schemeClr val="accent1"/>
+            </a:effectRef>
+            <a:fontRef idx="minor">
+              <a:schemeClr val="lt1"/>
+            </a:fontRef>
+          </p:style>
+          <p:txBody>
+            <a:bodyPr wrap="square" rtlCol="0" anchor="ctr">
+              <a:noAutofit/>
+            </a:bodyPr>
+            <a:lstStyle/>
+            <a:p>
+              <a:pPr algn="ctr"/>
+              <a:endParaRPr lang="ko-KR" altLang="en-US">
+                <a:solidFill>
+                  <a:prstClr val="white"/>
+                </a:solidFill>
+              </a:endParaRPr>
+            </a:p>
+          </p:txBody>
+        </p:sp>
+        <p:sp>
+          <p:nvSpPr>
+            <p:cNvPr id="26" name="자유형 25"/>
+            <p:cNvSpPr/>
+            <p:nvPr/>
+          </p:nvSpPr>
+          <p:spPr>
+            <a:xfrm>
+              <a:off x="152400" y="6565900"/>
+              <a:ext cx="11750381" cy="292100"/>
+            </a:xfrm>
+            <a:custGeom>
+              <a:avLst/>
+              <a:gdLst>
+                <a:gd name="connsiteX0" fmla="*/ 177800 w 11722100"/>
+                <a:gd name="connsiteY0" fmla="*/ 0 h 292100"/>
+                <a:gd name="connsiteX1" fmla="*/ 0 w 11722100"/>
+                <a:gd name="connsiteY1" fmla="*/ 292100 h 292100"/>
+                <a:gd name="connsiteX2" fmla="*/ 11722100 w 11722100"/>
+                <a:gd name="connsiteY2" fmla="*/ 50800 h 292100"/>
+                <a:gd name="connsiteX3" fmla="*/ 177800 w 11722100"/>
+                <a:gd name="connsiteY3" fmla="*/ 0 h 292100"/>
+                <a:gd name="connsiteX0" fmla="*/ 206081 w 11722100"/>
+                <a:gd name="connsiteY0" fmla="*/ 0 h 292100"/>
+                <a:gd name="connsiteX1" fmla="*/ 0 w 11722100"/>
+                <a:gd name="connsiteY1" fmla="*/ 292100 h 292100"/>
+                <a:gd name="connsiteX2" fmla="*/ 11722100 w 11722100"/>
+                <a:gd name="connsiteY2" fmla="*/ 50800 h 292100"/>
+                <a:gd name="connsiteX3" fmla="*/ 206081 w 11722100"/>
+                <a:gd name="connsiteY3" fmla="*/ 0 h 292100"/>
+                <a:gd name="connsiteX0" fmla="*/ 206081 w 11750381"/>
+                <a:gd name="connsiteY0" fmla="*/ 0 h 292100"/>
+                <a:gd name="connsiteX1" fmla="*/ 0 w 11750381"/>
+                <a:gd name="connsiteY1" fmla="*/ 292100 h 292100"/>
+                <a:gd name="connsiteX2" fmla="*/ 11750381 w 11750381"/>
+                <a:gd name="connsiteY2" fmla="*/ 31947 h 292100"/>
+                <a:gd name="connsiteX3" fmla="*/ 206081 w 11750381"/>
+                <a:gd name="connsiteY3" fmla="*/ 0 h 292100"/>
+              </a:gdLst>
+              <a:ahLst/>
+              <a:cxnLst>
+                <a:cxn ang="0">
+                  <a:pos x="connsiteX0" y="connsiteY0"/>
+                </a:cxn>
+                <a:cxn ang="0">
+                  <a:pos x="connsiteX1" y="connsiteY1"/>
+                </a:cxn>
+                <a:cxn ang="0">
+                  <a:pos x="connsiteX2" y="connsiteY2"/>
+                </a:cxn>
+                <a:cxn ang="0">
+                  <a:pos x="connsiteX3" y="connsiteY3"/>
+                </a:cxn>
+              </a:cxnLst>
+              <a:rect l="l" t="t" r="r" b="b"/>
+              <a:pathLst>
+                <a:path w="11750381" h="292100">
+                  <a:moveTo>
+                    <a:pt x="206081" y="0"/>
+                  </a:moveTo>
+                  <a:lnTo>
+                    <a:pt x="0" y="292100"/>
+                  </a:lnTo>
+                  <a:lnTo>
+                    <a:pt x="11750381" y="31947"/>
+                  </a:lnTo>
+                  <a:lnTo>
+                    <a:pt x="206081" y="0"/>
+                  </a:lnTo>
+                  <a:close/>
+                </a:path>
+              </a:pathLst>
+            </a:custGeom>
+            <a:solidFill>
+              <a:schemeClr val="tx1">
+                <a:alpha val="13000"/>
+              </a:schemeClr>
+            </a:solidFill>
+            <a:ln>
+              <a:noFill/>
+            </a:ln>
+          </p:spPr>
+          <p:style>
+            <a:lnRef idx="2">
+              <a:schemeClr val="accent1">
+                <a:shade val="50000"/>
+              </a:schemeClr>
+            </a:lnRef>
+            <a:fillRef idx="1">
+              <a:schemeClr val="accent1"/>
+            </a:fillRef>
+            <a:effectRef idx="0">
+              <a:schemeClr val="accent1"/>
+            </a:effectRef>
+            <a:fontRef idx="minor">
+              <a:schemeClr val="lt1"/>
+            </a:fontRef>
+          </p:style>
+          <p:txBody>
+            <a:bodyPr rtlCol="0" anchor="ctr"/>
+            <a:lstStyle/>
+            <a:p>
+              <a:pPr algn="ctr"/>
+              <a:endParaRPr lang="ko-KR" altLang="en-US"/>
+            </a:p>
+          </p:txBody>
+        </p:sp>
+        <p:sp>
+          <p:nvSpPr>
+            <p:cNvPr id="15" name="모서리가 둥근 직사각형 14"/>
+            <p:cNvSpPr/>
+            <p:nvPr/>
+          </p:nvSpPr>
+          <p:spPr>
+            <a:xfrm>
+              <a:off x="524266" y="6670585"/>
+              <a:ext cx="597524" cy="64121"/>
+            </a:xfrm>
+            <a:prstGeom prst="roundRect">
+              <a:avLst>
+                <a:gd name="adj" fmla="val 50000"/>
+              </a:avLst>
+            </a:prstGeom>
+            <a:solidFill>
+              <a:srgbClr val="00B0F0"/>
+            </a:solidFill>
+            <a:ln>
+              <a:solidFill>
+                <a:schemeClr val="bg1">
+                  <a:lumMod val="50000"/>
+                </a:schemeClr>
+              </a:solidFill>
+            </a:ln>
+          </p:spPr>
+          <p:style>
+            <a:lnRef idx="2">
+              <a:schemeClr val="accent1">
+                <a:shade val="50000"/>
+              </a:schemeClr>
+            </a:lnRef>
+            <a:fillRef idx="1">
+              <a:schemeClr val="accent1"/>
+            </a:fillRef>
+            <a:effectRef idx="0">
+              <a:schemeClr val="accent1"/>
+            </a:effectRef>
+            <a:fontRef idx="minor">
+              <a:schemeClr val="lt1"/>
+            </a:fontRef>
+          </p:style>
+          <p:txBody>
+            <a:bodyPr rtlCol="0" anchor="ctr"/>
+            <a:lstStyle/>
+            <a:p>
+              <a:pPr algn="ctr"/>
+              <a:endParaRPr lang="ko-KR" altLang="en-US"/>
+            </a:p>
+          </p:txBody>
+        </p:sp>
+      </p:grpSp>
+      <p:sp>
+        <p:nvSpPr>
+          <p:cNvPr id="82" name="직사각형 81"/>
+          <p:cNvSpPr/>
+          <p:nvPr/>
+        </p:nvSpPr>
+        <p:spPr>
+          <a:xfrm>
+            <a:off x="3353610" y="228600"/>
+            <a:ext cx="5484781" cy="655372"/>
+          </a:xfrm>
+          <a:prstGeom prst="rect">
+            <a:avLst/>
+          </a:prstGeom>
+        </p:spPr>
+        <p:txBody>
+          <a:bodyPr wrap="square">
+            <a:spAutoFit/>
+          </a:bodyPr>
+          <a:lstStyle/>
+          <a:p>
+            <a:pPr algn="ctr">
+              <a:lnSpc>
+                <a:spcPct val="150000"/>
+              </a:lnSpc>
+            </a:pPr>
+            <a:r>
+              <a:rPr lang="ko-KR" altLang="en-US" sz="2000" i="1" dirty="0" smtClean="0">
+                <a:solidFill>
+                  <a:schemeClr val="bg1">
+                    <a:lumMod val="50000"/>
+                  </a:schemeClr>
+                </a:solidFill>
+              </a:rPr>
+              <a:t>진행도</a:t>
+            </a:r>
+            <a:r>
+              <a:rPr lang="ko-KR" altLang="en-US" sz="2000" i="1" dirty="0" smtClean="0">
+                <a:solidFill>
+                  <a:schemeClr val="bg1">
+                    <a:lumMod val="50000"/>
+                  </a:schemeClr>
+                </a:solidFill>
+              </a:rPr>
+              <a:t> </a:t>
+            </a:r>
+            <a:r>
+              <a:rPr lang="en-US" altLang="ko-KR" sz="2800" b="1" i="1" dirty="0" smtClean="0">
+                <a:solidFill>
+                  <a:schemeClr val="bg1">
+                    <a:lumMod val="50000"/>
+                  </a:schemeClr>
+                </a:solidFill>
+              </a:rPr>
+              <a:t>Progress</a:t>
+            </a:r>
+            <a:endParaRPr lang="en-US" altLang="ko-KR" sz="2800" b="1" i="1" dirty="0">
+              <a:solidFill>
+                <a:schemeClr val="bg1">
+                  <a:lumMod val="50000"/>
+                </a:schemeClr>
+              </a:solidFill>
+            </a:endParaRPr>
+          </a:p>
+        </p:txBody>
+      </p:sp>
+    </p:spTree>
+    <p:extLst>
+      <p:ext uri="{BB962C8B-B14F-4D97-AF65-F5344CB8AC3E}">
+        <p14:creationId xmlns:p14="http://schemas.microsoft.com/office/powerpoint/2010/main" val="209962418"/>
+      </p:ext>
+    </p:extLst>
+  </p:cSld>
+  <p:clrMapOvr>
+    <a:masterClrMapping/>
+  </p:clrMapOvr>
+  <p:timing>
+    <p:tnLst>
+      <p:par>
+        <p:cTn id="1" dur="indefinite" restart="never" nodeType="tmRoot"/>
+      </p:par>
+    </p:tnLst>
+  </p:timing>
+</p:sld>
+</file>
+
+<file path=ppt/slides/slide12.xml><?xml version="1.0" encoding="utf-8"?>
+<p:sld xmlns:a="http://schemas.openxmlformats.org/drawingml/2006/main" xmlns:r="http://schemas.openxmlformats.org/officeDocument/2006/relationships" xmlns:p="http://schemas.openxmlformats.org/presentationml/2006/main">
+  <p:cSld>
+    <p:spTree>
+      <p:nvGrpSpPr>
+        <p:cNvPr id="1" name=""/>
+        <p:cNvGrpSpPr/>
+        <p:nvPr/>
+      </p:nvGrpSpPr>
+      <p:grpSpPr>
+        <a:xfrm>
+          <a:off x="0" y="0"/>
+          <a:ext cx="0" cy="0"/>
+          <a:chOff x="0" y="0"/>
+          <a:chExt cx="0" cy="0"/>
+        </a:xfrm>
+      </p:grpSpPr>
+      <p:grpSp>
+        <p:nvGrpSpPr>
+          <p:cNvPr id="4" name="그룹 3"/>
+          <p:cNvGrpSpPr/>
+          <p:nvPr/>
+        </p:nvGrpSpPr>
+        <p:grpSpPr>
+          <a:xfrm>
+            <a:off x="152400" y="83680"/>
+            <a:ext cx="11903770" cy="6774320"/>
+            <a:chOff x="152400" y="83680"/>
+            <a:chExt cx="11903770" cy="6774320"/>
+          </a:xfrm>
+        </p:grpSpPr>
+        <p:sp>
+          <p:nvSpPr>
+            <p:cNvPr id="68" name="양쪽 모서리가 둥근 사각형 67"/>
+            <p:cNvSpPr/>
+            <p:nvPr/>
+          </p:nvSpPr>
+          <p:spPr>
+            <a:xfrm>
+              <a:off x="338203" y="83680"/>
+              <a:ext cx="11548997" cy="6482219"/>
+            </a:xfrm>
+            <a:prstGeom prst="round2SameRect">
+              <a:avLst>
+                <a:gd name="adj1" fmla="val 4566"/>
+                <a:gd name="adj2" fmla="val 0"/>
+              </a:avLst>
+            </a:prstGeom>
+            <a:pattFill prst="ltDnDiag">
+              <a:fgClr>
+                <a:schemeClr val="bg1">
+                  <a:lumMod val="75000"/>
+                </a:schemeClr>
+              </a:fgClr>
+              <a:bgClr>
+                <a:schemeClr val="bg1">
+                  <a:lumMod val="95000"/>
+                </a:schemeClr>
+              </a:bgClr>
+            </a:pattFill>
+            <a:ln w="28575">
+              <a:solidFill>
+                <a:schemeClr val="bg1">
+                  <a:lumMod val="50000"/>
+                </a:schemeClr>
+              </a:solidFill>
+            </a:ln>
+          </p:spPr>
+          <p:style>
+            <a:lnRef idx="2">
+              <a:schemeClr val="accent1">
+                <a:shade val="50000"/>
+              </a:schemeClr>
+            </a:lnRef>
+            <a:fillRef idx="1">
+              <a:schemeClr val="accent1"/>
+            </a:fillRef>
+            <a:effectRef idx="0">
+              <a:schemeClr val="accent1"/>
+            </a:effectRef>
+            <a:fontRef idx="minor">
+              <a:schemeClr val="lt1"/>
+            </a:fontRef>
+          </p:style>
+          <p:txBody>
+            <a:bodyPr rtlCol="0" anchor="ctr"/>
+            <a:lstStyle/>
+            <a:p>
+              <a:pPr algn="ctr"/>
+              <a:endParaRPr lang="ko-KR" altLang="en-US"/>
+            </a:p>
+          </p:txBody>
+        </p:sp>
+        <p:sp>
+          <p:nvSpPr>
+            <p:cNvPr id="69" name="양쪽 모서리가 둥근 사각형 68"/>
+            <p:cNvSpPr/>
+            <p:nvPr/>
+          </p:nvSpPr>
+          <p:spPr>
+            <a:xfrm>
+              <a:off x="524266" y="241300"/>
+              <a:ext cx="11176871" cy="6133424"/>
+            </a:xfrm>
+            <a:prstGeom prst="round2SameRect">
+              <a:avLst>
+                <a:gd name="adj1" fmla="val 3284"/>
+                <a:gd name="adj2" fmla="val 0"/>
+              </a:avLst>
+            </a:prstGeom>
+            <a:solidFill>
+              <a:schemeClr val="bg1"/>
+            </a:solidFill>
+            <a:ln w="19050">
+              <a:solidFill>
+                <a:schemeClr val="bg1">
+                  <a:lumMod val="50000"/>
+                </a:schemeClr>
+              </a:solidFill>
+            </a:ln>
+          </p:spPr>
+          <p:style>
+            <a:lnRef idx="2">
+              <a:schemeClr val="accent1">
+                <a:shade val="50000"/>
+              </a:schemeClr>
+            </a:lnRef>
+            <a:fillRef idx="1">
+              <a:schemeClr val="accent1"/>
+            </a:fillRef>
+            <a:effectRef idx="0">
+              <a:schemeClr val="accent1"/>
+            </a:effectRef>
+            <a:fontRef idx="minor">
+              <a:schemeClr val="lt1"/>
+            </a:fontRef>
+          </p:style>
+          <p:txBody>
+            <a:bodyPr rtlCol="0" anchor="ctr"/>
+            <a:lstStyle/>
+            <a:p>
+              <a:pPr algn="ctr"/>
+              <a:endParaRPr lang="ko-KR" altLang="en-US"/>
+            </a:p>
+          </p:txBody>
+        </p:sp>
+        <p:sp>
+          <p:nvSpPr>
+            <p:cNvPr id="84" name="양쪽 모서리가 둥근 사각형 83"/>
+            <p:cNvSpPr/>
+            <p:nvPr/>
+          </p:nvSpPr>
+          <p:spPr>
+            <a:xfrm rot="16200000">
+              <a:off x="1176083" y="5641873"/>
+              <a:ext cx="108000" cy="1798840"/>
+            </a:xfrm>
+            <a:prstGeom prst="round2SameRect">
+              <a:avLst>
+                <a:gd name="adj1" fmla="val 19304"/>
+                <a:gd name="adj2" fmla="val 0"/>
+              </a:avLst>
+            </a:prstGeom>
+            <a:gradFill flip="none" rotWithShape="1">
+              <a:gsLst>
+                <a:gs pos="17000">
+                  <a:schemeClr val="bg1">
+                    <a:lumMod val="50000"/>
+                  </a:schemeClr>
+                </a:gs>
+                <a:gs pos="59000">
+                  <a:schemeClr val="bg1">
+                    <a:shade val="100000"/>
+                    <a:satMod val="115000"/>
+                  </a:schemeClr>
+                </a:gs>
+              </a:gsLst>
+              <a:lin ang="0" scaled="1"/>
+              <a:tileRect/>
+            </a:gradFill>
+            <a:ln w="19050">
+              <a:solidFill>
+                <a:schemeClr val="bg1">
+                  <a:lumMod val="50000"/>
+                </a:schemeClr>
+              </a:solidFill>
+            </a:ln>
+          </p:spPr>
+          <p:style>
+            <a:lnRef idx="2">
+              <a:schemeClr val="accent1">
+                <a:shade val="50000"/>
+              </a:schemeClr>
+            </a:lnRef>
+            <a:fillRef idx="1">
+              <a:schemeClr val="accent1"/>
+            </a:fillRef>
+            <a:effectRef idx="0">
+              <a:schemeClr val="accent1"/>
+            </a:effectRef>
+            <a:fontRef idx="minor">
+              <a:schemeClr val="lt1"/>
+            </a:fontRef>
+          </p:style>
+          <p:txBody>
+            <a:bodyPr rtlCol="0" anchor="ctr"/>
+            <a:lstStyle/>
+            <a:p>
+              <a:pPr algn="ctr"/>
+              <a:endParaRPr lang="ko-KR" altLang="en-US">
+                <a:solidFill>
+                  <a:prstClr val="white"/>
+                </a:solidFill>
+              </a:endParaRPr>
+            </a:p>
+          </p:txBody>
+        </p:sp>
+        <p:sp>
+          <p:nvSpPr>
+            <p:cNvPr id="85" name="양쪽 모서리가 둥근 사각형 84"/>
+            <p:cNvSpPr/>
+            <p:nvPr/>
+          </p:nvSpPr>
+          <p:spPr>
+            <a:xfrm rot="5400000" flipH="1">
+              <a:off x="10930593" y="5641871"/>
+              <a:ext cx="108000" cy="1798840"/>
+            </a:xfrm>
+            <a:prstGeom prst="round2SameRect">
+              <a:avLst>
+                <a:gd name="adj1" fmla="val 19304"/>
+                <a:gd name="adj2" fmla="val 0"/>
+              </a:avLst>
+            </a:prstGeom>
+            <a:gradFill flip="none" rotWithShape="1">
+              <a:gsLst>
+                <a:gs pos="17000">
+                  <a:schemeClr val="bg1">
+                    <a:lumMod val="50000"/>
+                  </a:schemeClr>
+                </a:gs>
+                <a:gs pos="59000">
+                  <a:schemeClr val="bg1">
+                    <a:shade val="100000"/>
+                    <a:satMod val="115000"/>
+                  </a:schemeClr>
+                </a:gs>
+              </a:gsLst>
+              <a:lin ang="0" scaled="1"/>
+              <a:tileRect/>
+            </a:gradFill>
+            <a:ln w="19050">
+              <a:solidFill>
+                <a:schemeClr val="bg1">
+                  <a:lumMod val="50000"/>
+                </a:schemeClr>
+              </a:solidFill>
+            </a:ln>
+          </p:spPr>
+          <p:style>
+            <a:lnRef idx="2">
+              <a:schemeClr val="accent1">
+                <a:shade val="50000"/>
+              </a:schemeClr>
+            </a:lnRef>
+            <a:fillRef idx="1">
+              <a:schemeClr val="accent1"/>
+            </a:fillRef>
+            <a:effectRef idx="0">
+              <a:schemeClr val="accent1"/>
+            </a:effectRef>
+            <a:fontRef idx="minor">
+              <a:schemeClr val="lt1"/>
+            </a:fontRef>
+          </p:style>
+          <p:txBody>
+            <a:bodyPr rtlCol="0" anchor="ctr"/>
+            <a:lstStyle/>
+            <a:p>
+              <a:pPr algn="ctr"/>
+              <a:endParaRPr lang="ko-KR" altLang="en-US">
+                <a:solidFill>
+                  <a:prstClr val="white"/>
+                </a:solidFill>
+              </a:endParaRPr>
+            </a:p>
+          </p:txBody>
+        </p:sp>
+        <p:sp>
+          <p:nvSpPr>
+            <p:cNvPr id="86" name="양쪽 모서리가 둥근 사각형 85"/>
+            <p:cNvSpPr/>
+            <p:nvPr/>
+          </p:nvSpPr>
+          <p:spPr>
+            <a:xfrm rot="16200000">
+              <a:off x="6053339" y="2563457"/>
+              <a:ext cx="108000" cy="7955668"/>
+            </a:xfrm>
+            <a:prstGeom prst="round2SameRect">
+              <a:avLst>
+                <a:gd name="adj1" fmla="val 0"/>
+                <a:gd name="adj2" fmla="val 0"/>
+              </a:avLst>
+            </a:prstGeom>
+            <a:gradFill flip="none" rotWithShape="1">
+              <a:gsLst>
+                <a:gs pos="17000">
+                  <a:schemeClr val="bg1">
+                    <a:lumMod val="50000"/>
+                  </a:schemeClr>
+                </a:gs>
+                <a:gs pos="59000">
+                  <a:schemeClr val="bg1">
+                    <a:shade val="100000"/>
+                    <a:satMod val="115000"/>
+                  </a:schemeClr>
+                </a:gs>
+              </a:gsLst>
+              <a:lin ang="0" scaled="1"/>
+              <a:tileRect/>
+            </a:gradFill>
+            <a:ln w="19050">
+              <a:solidFill>
+                <a:schemeClr val="bg1">
+                  <a:lumMod val="50000"/>
+                </a:schemeClr>
+              </a:solidFill>
+            </a:ln>
+          </p:spPr>
+          <p:style>
+            <a:lnRef idx="2">
+              <a:schemeClr val="accent1">
+                <a:shade val="50000"/>
+              </a:schemeClr>
+            </a:lnRef>
+            <a:fillRef idx="1">
+              <a:schemeClr val="accent1"/>
+            </a:fillRef>
+            <a:effectRef idx="0">
+              <a:schemeClr val="accent1"/>
+            </a:effectRef>
+            <a:fontRef idx="minor">
+              <a:schemeClr val="lt1"/>
+            </a:fontRef>
+          </p:style>
+          <p:txBody>
+            <a:bodyPr rtlCol="0" anchor="ctr"/>
+            <a:lstStyle/>
+            <a:p>
+              <a:pPr algn="ctr"/>
+              <a:endParaRPr lang="ko-KR" altLang="en-US">
+                <a:solidFill>
+                  <a:prstClr val="white"/>
+                </a:solidFill>
+              </a:endParaRPr>
+            </a:p>
+          </p:txBody>
+        </p:sp>
+        <p:sp>
+          <p:nvSpPr>
+            <p:cNvPr id="14" name="자유형 13"/>
+            <p:cNvSpPr/>
+            <p:nvPr/>
+          </p:nvSpPr>
+          <p:spPr>
+            <a:xfrm>
+              <a:off x="158507" y="6590451"/>
+              <a:ext cx="11897663" cy="267549"/>
+            </a:xfrm>
+            <a:custGeom>
+              <a:avLst/>
+              <a:gdLst>
+                <a:gd name="connsiteX0" fmla="*/ 195955 w 11897663"/>
+                <a:gd name="connsiteY0" fmla="*/ 0 h 267549"/>
+                <a:gd name="connsiteX1" fmla="*/ 11701708 w 11897663"/>
+                <a:gd name="connsiteY1" fmla="*/ 0 h 267549"/>
+                <a:gd name="connsiteX2" fmla="*/ 11897663 w 11897663"/>
+                <a:gd name="connsiteY2" fmla="*/ 267549 h 267549"/>
+                <a:gd name="connsiteX3" fmla="*/ 0 w 11897663"/>
+                <a:gd name="connsiteY3" fmla="*/ 267549 h 267549"/>
+              </a:gdLst>
+              <a:ahLst/>
+              <a:cxnLst>
+                <a:cxn ang="0">
+                  <a:pos x="connsiteX0" y="connsiteY0"/>
+                </a:cxn>
+                <a:cxn ang="0">
+                  <a:pos x="connsiteX1" y="connsiteY1"/>
+                </a:cxn>
+                <a:cxn ang="0">
+                  <a:pos x="connsiteX2" y="connsiteY2"/>
+                </a:cxn>
+                <a:cxn ang="0">
+                  <a:pos x="connsiteX3" y="connsiteY3"/>
+                </a:cxn>
+              </a:cxnLst>
+              <a:rect l="l" t="t" r="r" b="b"/>
+              <a:pathLst>
+                <a:path w="11897663" h="267549">
+                  <a:moveTo>
+                    <a:pt x="195955" y="0"/>
+                  </a:moveTo>
+                  <a:lnTo>
+                    <a:pt x="11701708" y="0"/>
+                  </a:lnTo>
+                  <a:lnTo>
+                    <a:pt x="11897663" y="267549"/>
+                  </a:lnTo>
+                  <a:lnTo>
+                    <a:pt x="0" y="267549"/>
+                  </a:lnTo>
+                  <a:close/>
+                </a:path>
+              </a:pathLst>
+            </a:custGeom>
+            <a:solidFill>
+              <a:schemeClr val="bg1"/>
+            </a:solidFill>
+            <a:ln w="19050">
+              <a:solidFill>
+                <a:schemeClr val="bg1">
+                  <a:lumMod val="50000"/>
+                </a:schemeClr>
+              </a:solidFill>
+            </a:ln>
+          </p:spPr>
+          <p:style>
+            <a:lnRef idx="2">
+              <a:schemeClr val="accent1">
+                <a:shade val="50000"/>
+              </a:schemeClr>
+            </a:lnRef>
+            <a:fillRef idx="1">
+              <a:schemeClr val="accent1"/>
+            </a:fillRef>
+            <a:effectRef idx="0">
+              <a:schemeClr val="accent1"/>
+            </a:effectRef>
+            <a:fontRef idx="minor">
+              <a:schemeClr val="lt1"/>
+            </a:fontRef>
+          </p:style>
+          <p:txBody>
+            <a:bodyPr wrap="square" rtlCol="0" anchor="ctr">
+              <a:noAutofit/>
+            </a:bodyPr>
+            <a:lstStyle/>
+            <a:p>
+              <a:pPr algn="ctr"/>
+              <a:endParaRPr lang="ko-KR" altLang="en-US">
+                <a:solidFill>
+                  <a:prstClr val="white"/>
+                </a:solidFill>
+              </a:endParaRPr>
+            </a:p>
+          </p:txBody>
+        </p:sp>
+        <p:sp>
+          <p:nvSpPr>
+            <p:cNvPr id="26" name="자유형 25"/>
+            <p:cNvSpPr/>
+            <p:nvPr/>
+          </p:nvSpPr>
+          <p:spPr>
+            <a:xfrm>
+              <a:off x="152400" y="6565900"/>
+              <a:ext cx="11750381" cy="292100"/>
+            </a:xfrm>
+            <a:custGeom>
+              <a:avLst/>
+              <a:gdLst>
+                <a:gd name="connsiteX0" fmla="*/ 177800 w 11722100"/>
+                <a:gd name="connsiteY0" fmla="*/ 0 h 292100"/>
+                <a:gd name="connsiteX1" fmla="*/ 0 w 11722100"/>
+                <a:gd name="connsiteY1" fmla="*/ 292100 h 292100"/>
+                <a:gd name="connsiteX2" fmla="*/ 11722100 w 11722100"/>
+                <a:gd name="connsiteY2" fmla="*/ 50800 h 292100"/>
+                <a:gd name="connsiteX3" fmla="*/ 177800 w 11722100"/>
+                <a:gd name="connsiteY3" fmla="*/ 0 h 292100"/>
+                <a:gd name="connsiteX0" fmla="*/ 206081 w 11722100"/>
+                <a:gd name="connsiteY0" fmla="*/ 0 h 292100"/>
+                <a:gd name="connsiteX1" fmla="*/ 0 w 11722100"/>
+                <a:gd name="connsiteY1" fmla="*/ 292100 h 292100"/>
+                <a:gd name="connsiteX2" fmla="*/ 11722100 w 11722100"/>
+                <a:gd name="connsiteY2" fmla="*/ 50800 h 292100"/>
+                <a:gd name="connsiteX3" fmla="*/ 206081 w 11722100"/>
+                <a:gd name="connsiteY3" fmla="*/ 0 h 292100"/>
+                <a:gd name="connsiteX0" fmla="*/ 206081 w 11750381"/>
+                <a:gd name="connsiteY0" fmla="*/ 0 h 292100"/>
+                <a:gd name="connsiteX1" fmla="*/ 0 w 11750381"/>
+                <a:gd name="connsiteY1" fmla="*/ 292100 h 292100"/>
+                <a:gd name="connsiteX2" fmla="*/ 11750381 w 11750381"/>
+                <a:gd name="connsiteY2" fmla="*/ 31947 h 292100"/>
+                <a:gd name="connsiteX3" fmla="*/ 206081 w 11750381"/>
+                <a:gd name="connsiteY3" fmla="*/ 0 h 292100"/>
+              </a:gdLst>
+              <a:ahLst/>
+              <a:cxnLst>
+                <a:cxn ang="0">
+                  <a:pos x="connsiteX0" y="connsiteY0"/>
+                </a:cxn>
+                <a:cxn ang="0">
+                  <a:pos x="connsiteX1" y="connsiteY1"/>
+                </a:cxn>
+                <a:cxn ang="0">
+                  <a:pos x="connsiteX2" y="connsiteY2"/>
+                </a:cxn>
+                <a:cxn ang="0">
+                  <a:pos x="connsiteX3" y="connsiteY3"/>
+                </a:cxn>
+              </a:cxnLst>
+              <a:rect l="l" t="t" r="r" b="b"/>
+              <a:pathLst>
+                <a:path w="11750381" h="292100">
+                  <a:moveTo>
+                    <a:pt x="206081" y="0"/>
+                  </a:moveTo>
+                  <a:lnTo>
+                    <a:pt x="0" y="292100"/>
+                  </a:lnTo>
+                  <a:lnTo>
+                    <a:pt x="11750381" y="31947"/>
+                  </a:lnTo>
+                  <a:lnTo>
+                    <a:pt x="206081" y="0"/>
+                  </a:lnTo>
+                  <a:close/>
+                </a:path>
+              </a:pathLst>
+            </a:custGeom>
+            <a:solidFill>
+              <a:schemeClr val="tx1">
+                <a:alpha val="13000"/>
+              </a:schemeClr>
+            </a:solidFill>
+            <a:ln>
+              <a:noFill/>
+            </a:ln>
+          </p:spPr>
+          <p:style>
+            <a:lnRef idx="2">
+              <a:schemeClr val="accent1">
+                <a:shade val="50000"/>
+              </a:schemeClr>
+            </a:lnRef>
+            <a:fillRef idx="1">
+              <a:schemeClr val="accent1"/>
+            </a:fillRef>
+            <a:effectRef idx="0">
+              <a:schemeClr val="accent1"/>
+            </a:effectRef>
+            <a:fontRef idx="minor">
+              <a:schemeClr val="lt1"/>
+            </a:fontRef>
+          </p:style>
+          <p:txBody>
+            <a:bodyPr rtlCol="0" anchor="ctr"/>
+            <a:lstStyle/>
+            <a:p>
+              <a:pPr algn="ctr"/>
+              <a:endParaRPr lang="ko-KR" altLang="en-US"/>
+            </a:p>
+          </p:txBody>
+        </p:sp>
+        <p:sp>
+          <p:nvSpPr>
+            <p:cNvPr id="15" name="모서리가 둥근 직사각형 14"/>
+            <p:cNvSpPr/>
+            <p:nvPr/>
+          </p:nvSpPr>
+          <p:spPr>
+            <a:xfrm>
+              <a:off x="524266" y="6670585"/>
+              <a:ext cx="597524" cy="64121"/>
+            </a:xfrm>
+            <a:prstGeom prst="roundRect">
+              <a:avLst>
+                <a:gd name="adj" fmla="val 50000"/>
+              </a:avLst>
+            </a:prstGeom>
+            <a:solidFill>
+              <a:srgbClr val="00B0F0"/>
+            </a:solidFill>
+            <a:ln>
+              <a:solidFill>
+                <a:schemeClr val="bg1">
+                  <a:lumMod val="50000"/>
+                </a:schemeClr>
+              </a:solidFill>
+            </a:ln>
+          </p:spPr>
+          <p:style>
+            <a:lnRef idx="2">
+              <a:schemeClr val="accent1">
+                <a:shade val="50000"/>
+              </a:schemeClr>
+            </a:lnRef>
+            <a:fillRef idx="1">
+              <a:schemeClr val="accent1"/>
+            </a:fillRef>
+            <a:effectRef idx="0">
+              <a:schemeClr val="accent1"/>
+            </a:effectRef>
+            <a:fontRef idx="minor">
+              <a:schemeClr val="lt1"/>
+            </a:fontRef>
+          </p:style>
+          <p:txBody>
+            <a:bodyPr rtlCol="0" anchor="ctr"/>
+            <a:lstStyle/>
+            <a:p>
+              <a:pPr algn="ctr"/>
+              <a:endParaRPr lang="ko-KR" altLang="en-US"/>
+            </a:p>
+          </p:txBody>
+        </p:sp>
+      </p:grpSp>
+      <p:sp>
+        <p:nvSpPr>
+          <p:cNvPr id="82" name="직사각형 81"/>
+          <p:cNvSpPr/>
+          <p:nvPr/>
+        </p:nvSpPr>
+        <p:spPr>
+          <a:xfrm>
+            <a:off x="3353610" y="228600"/>
+            <a:ext cx="5484781" cy="655372"/>
+          </a:xfrm>
+          <a:prstGeom prst="rect">
+            <a:avLst/>
+          </a:prstGeom>
+        </p:spPr>
+        <p:txBody>
+          <a:bodyPr wrap="square">
+            <a:spAutoFit/>
+          </a:bodyPr>
+          <a:lstStyle/>
+          <a:p>
+            <a:pPr algn="ctr">
+              <a:lnSpc>
+                <a:spcPct val="150000"/>
+              </a:lnSpc>
+            </a:pPr>
+            <a:r>
+              <a:rPr lang="ko-KR" altLang="en-US" sz="2000" i="1" dirty="0" smtClean="0">
+                <a:solidFill>
+                  <a:schemeClr val="bg1">
+                    <a:lumMod val="50000"/>
+                  </a:schemeClr>
+                </a:solidFill>
+              </a:rPr>
+              <a:t>논의</a:t>
+            </a:r>
+            <a:r>
+              <a:rPr lang="ko-KR" altLang="en-US" sz="2000" i="1" dirty="0" smtClean="0">
+                <a:solidFill>
+                  <a:schemeClr val="bg1">
+                    <a:lumMod val="50000"/>
+                  </a:schemeClr>
+                </a:solidFill>
+              </a:rPr>
+              <a:t> </a:t>
+            </a:r>
+            <a:r>
+              <a:rPr lang="en-US" altLang="ko-KR" sz="2800" b="1" i="1" dirty="0" smtClean="0">
+                <a:solidFill>
+                  <a:schemeClr val="bg1">
+                    <a:lumMod val="50000"/>
+                  </a:schemeClr>
+                </a:solidFill>
+              </a:rPr>
+              <a:t>Issue</a:t>
+            </a:r>
+            <a:endParaRPr lang="en-US" altLang="ko-KR" sz="2800" b="1" i="1" dirty="0">
+              <a:solidFill>
+                <a:schemeClr val="bg1">
+                  <a:lumMod val="50000"/>
+                </a:schemeClr>
+              </a:solidFill>
+            </a:endParaRPr>
+          </a:p>
+        </p:txBody>
+      </p:sp>
+    </p:spTree>
+    <p:extLst>
+      <p:ext uri="{BB962C8B-B14F-4D97-AF65-F5344CB8AC3E}">
+        <p14:creationId xmlns:p14="http://schemas.microsoft.com/office/powerpoint/2010/main" val="3821294017"/>
       </p:ext>
     </p:extLst>
   </p:cSld>
@@ -11550,6 +13783,1609 @@
     <p:extLst>
       <p:ext uri="{BB962C8B-B14F-4D97-AF65-F5344CB8AC3E}">
         <p14:creationId xmlns:p14="http://schemas.microsoft.com/office/powerpoint/2010/main" val="2509087889"/>
+      </p:ext>
+    </p:extLst>
+  </p:cSld>
+  <p:clrMapOvr>
+    <a:masterClrMapping/>
+  </p:clrMapOvr>
+  <p:timing>
+    <p:tnLst>
+      <p:par>
+        <p:cTn id="1" dur="indefinite" restart="never" nodeType="tmRoot"/>
+      </p:par>
+    </p:tnLst>
+  </p:timing>
+</p:sld>
+</file>
+
+<file path=ppt/slides/slide8.xml><?xml version="1.0" encoding="utf-8"?>
+<p:sld xmlns:a="http://schemas.openxmlformats.org/drawingml/2006/main" xmlns:r="http://schemas.openxmlformats.org/officeDocument/2006/relationships" xmlns:p="http://schemas.openxmlformats.org/presentationml/2006/main">
+  <p:cSld>
+    <p:bg>
+      <p:bgPr>
+        <a:blipFill dpi="0" rotWithShape="1">
+          <a:blip r:embed="rId2">
+            <a:alphaModFix amt="36000"/>
+            <a:lum/>
+          </a:blip>
+          <a:srcRect/>
+          <a:tile tx="0" ty="0" sx="70000" sy="70000" flip="none" algn="tl"/>
+        </a:blipFill>
+        <a:effectLst/>
+      </p:bgPr>
+    </p:bg>
+    <p:spTree>
+      <p:nvGrpSpPr>
+        <p:cNvPr id="1" name=""/>
+        <p:cNvGrpSpPr/>
+        <p:nvPr/>
+      </p:nvGrpSpPr>
+      <p:grpSpPr>
+        <a:xfrm>
+          <a:off x="0" y="0"/>
+          <a:ext cx="0" cy="0"/>
+          <a:chOff x="0" y="0"/>
+          <a:chExt cx="0" cy="0"/>
+        </a:xfrm>
+      </p:grpSpPr>
+      <p:grpSp>
+        <p:nvGrpSpPr>
+          <p:cNvPr id="4" name="그룹 3"/>
+          <p:cNvGrpSpPr/>
+          <p:nvPr/>
+        </p:nvGrpSpPr>
+        <p:grpSpPr>
+          <a:xfrm>
+            <a:off x="152400" y="83680"/>
+            <a:ext cx="11903770" cy="6774320"/>
+            <a:chOff x="152400" y="83680"/>
+            <a:chExt cx="11903770" cy="6774320"/>
+          </a:xfrm>
+        </p:grpSpPr>
+        <p:sp>
+          <p:nvSpPr>
+            <p:cNvPr id="68" name="양쪽 모서리가 둥근 사각형 67"/>
+            <p:cNvSpPr/>
+            <p:nvPr/>
+          </p:nvSpPr>
+          <p:spPr>
+            <a:xfrm>
+              <a:off x="338203" y="83680"/>
+              <a:ext cx="11548997" cy="6482219"/>
+            </a:xfrm>
+            <a:prstGeom prst="round2SameRect">
+              <a:avLst>
+                <a:gd name="adj1" fmla="val 4566"/>
+                <a:gd name="adj2" fmla="val 0"/>
+              </a:avLst>
+            </a:prstGeom>
+            <a:pattFill prst="ltDnDiag">
+              <a:fgClr>
+                <a:schemeClr val="bg1">
+                  <a:lumMod val="75000"/>
+                </a:schemeClr>
+              </a:fgClr>
+              <a:bgClr>
+                <a:schemeClr val="bg1">
+                  <a:lumMod val="95000"/>
+                </a:schemeClr>
+              </a:bgClr>
+            </a:pattFill>
+            <a:ln w="28575">
+              <a:solidFill>
+                <a:schemeClr val="bg1">
+                  <a:lumMod val="50000"/>
+                </a:schemeClr>
+              </a:solidFill>
+            </a:ln>
+          </p:spPr>
+          <p:style>
+            <a:lnRef idx="2">
+              <a:schemeClr val="accent1">
+                <a:shade val="50000"/>
+              </a:schemeClr>
+            </a:lnRef>
+            <a:fillRef idx="1">
+              <a:schemeClr val="accent1"/>
+            </a:fillRef>
+            <a:effectRef idx="0">
+              <a:schemeClr val="accent1"/>
+            </a:effectRef>
+            <a:fontRef idx="minor">
+              <a:schemeClr val="lt1"/>
+            </a:fontRef>
+          </p:style>
+          <p:txBody>
+            <a:bodyPr rtlCol="0" anchor="ctr"/>
+            <a:lstStyle/>
+            <a:p>
+              <a:pPr algn="ctr"/>
+              <a:endParaRPr lang="ko-KR" altLang="en-US"/>
+            </a:p>
+          </p:txBody>
+        </p:sp>
+        <p:sp>
+          <p:nvSpPr>
+            <p:cNvPr id="69" name="양쪽 모서리가 둥근 사각형 68"/>
+            <p:cNvSpPr/>
+            <p:nvPr/>
+          </p:nvSpPr>
+          <p:spPr>
+            <a:xfrm>
+              <a:off x="524266" y="241300"/>
+              <a:ext cx="11176871" cy="6133424"/>
+            </a:xfrm>
+            <a:prstGeom prst="round2SameRect">
+              <a:avLst>
+                <a:gd name="adj1" fmla="val 3284"/>
+                <a:gd name="adj2" fmla="val 0"/>
+              </a:avLst>
+            </a:prstGeom>
+            <a:solidFill>
+              <a:schemeClr val="bg1"/>
+            </a:solidFill>
+            <a:ln w="19050">
+              <a:solidFill>
+                <a:schemeClr val="bg1">
+                  <a:lumMod val="50000"/>
+                </a:schemeClr>
+              </a:solidFill>
+            </a:ln>
+          </p:spPr>
+          <p:style>
+            <a:lnRef idx="2">
+              <a:schemeClr val="accent1">
+                <a:shade val="50000"/>
+              </a:schemeClr>
+            </a:lnRef>
+            <a:fillRef idx="1">
+              <a:schemeClr val="accent1"/>
+            </a:fillRef>
+            <a:effectRef idx="0">
+              <a:schemeClr val="accent1"/>
+            </a:effectRef>
+            <a:fontRef idx="minor">
+              <a:schemeClr val="lt1"/>
+            </a:fontRef>
+          </p:style>
+          <p:txBody>
+            <a:bodyPr rtlCol="0" anchor="ctr"/>
+            <a:lstStyle/>
+            <a:p>
+              <a:pPr algn="ctr"/>
+              <a:endParaRPr lang="ko-KR" altLang="en-US"/>
+            </a:p>
+          </p:txBody>
+        </p:sp>
+        <p:sp>
+          <p:nvSpPr>
+            <p:cNvPr id="84" name="양쪽 모서리가 둥근 사각형 83"/>
+            <p:cNvSpPr/>
+            <p:nvPr/>
+          </p:nvSpPr>
+          <p:spPr>
+            <a:xfrm rot="16200000">
+              <a:off x="1176083" y="5641873"/>
+              <a:ext cx="108000" cy="1798840"/>
+            </a:xfrm>
+            <a:prstGeom prst="round2SameRect">
+              <a:avLst>
+                <a:gd name="adj1" fmla="val 19304"/>
+                <a:gd name="adj2" fmla="val 0"/>
+              </a:avLst>
+            </a:prstGeom>
+            <a:gradFill flip="none" rotWithShape="1">
+              <a:gsLst>
+                <a:gs pos="17000">
+                  <a:schemeClr val="bg1">
+                    <a:lumMod val="50000"/>
+                  </a:schemeClr>
+                </a:gs>
+                <a:gs pos="59000">
+                  <a:schemeClr val="bg1">
+                    <a:shade val="100000"/>
+                    <a:satMod val="115000"/>
+                  </a:schemeClr>
+                </a:gs>
+              </a:gsLst>
+              <a:lin ang="0" scaled="1"/>
+              <a:tileRect/>
+            </a:gradFill>
+            <a:ln w="19050">
+              <a:solidFill>
+                <a:schemeClr val="bg1">
+                  <a:lumMod val="50000"/>
+                </a:schemeClr>
+              </a:solidFill>
+            </a:ln>
+          </p:spPr>
+          <p:style>
+            <a:lnRef idx="2">
+              <a:schemeClr val="accent1">
+                <a:shade val="50000"/>
+              </a:schemeClr>
+            </a:lnRef>
+            <a:fillRef idx="1">
+              <a:schemeClr val="accent1"/>
+            </a:fillRef>
+            <a:effectRef idx="0">
+              <a:schemeClr val="accent1"/>
+            </a:effectRef>
+            <a:fontRef idx="minor">
+              <a:schemeClr val="lt1"/>
+            </a:fontRef>
+          </p:style>
+          <p:txBody>
+            <a:bodyPr rtlCol="0" anchor="ctr"/>
+            <a:lstStyle/>
+            <a:p>
+              <a:pPr algn="ctr"/>
+              <a:endParaRPr lang="ko-KR" altLang="en-US">
+                <a:solidFill>
+                  <a:prstClr val="white"/>
+                </a:solidFill>
+              </a:endParaRPr>
+            </a:p>
+          </p:txBody>
+        </p:sp>
+        <p:sp>
+          <p:nvSpPr>
+            <p:cNvPr id="85" name="양쪽 모서리가 둥근 사각형 84"/>
+            <p:cNvSpPr/>
+            <p:nvPr/>
+          </p:nvSpPr>
+          <p:spPr>
+            <a:xfrm rot="5400000" flipH="1">
+              <a:off x="10930593" y="5641871"/>
+              <a:ext cx="108000" cy="1798840"/>
+            </a:xfrm>
+            <a:prstGeom prst="round2SameRect">
+              <a:avLst>
+                <a:gd name="adj1" fmla="val 19304"/>
+                <a:gd name="adj2" fmla="val 0"/>
+              </a:avLst>
+            </a:prstGeom>
+            <a:gradFill flip="none" rotWithShape="1">
+              <a:gsLst>
+                <a:gs pos="17000">
+                  <a:schemeClr val="bg1">
+                    <a:lumMod val="50000"/>
+                  </a:schemeClr>
+                </a:gs>
+                <a:gs pos="59000">
+                  <a:schemeClr val="bg1">
+                    <a:shade val="100000"/>
+                    <a:satMod val="115000"/>
+                  </a:schemeClr>
+                </a:gs>
+              </a:gsLst>
+              <a:lin ang="0" scaled="1"/>
+              <a:tileRect/>
+            </a:gradFill>
+            <a:ln w="19050">
+              <a:solidFill>
+                <a:schemeClr val="bg1">
+                  <a:lumMod val="50000"/>
+                </a:schemeClr>
+              </a:solidFill>
+            </a:ln>
+          </p:spPr>
+          <p:style>
+            <a:lnRef idx="2">
+              <a:schemeClr val="accent1">
+                <a:shade val="50000"/>
+              </a:schemeClr>
+            </a:lnRef>
+            <a:fillRef idx="1">
+              <a:schemeClr val="accent1"/>
+            </a:fillRef>
+            <a:effectRef idx="0">
+              <a:schemeClr val="accent1"/>
+            </a:effectRef>
+            <a:fontRef idx="minor">
+              <a:schemeClr val="lt1"/>
+            </a:fontRef>
+          </p:style>
+          <p:txBody>
+            <a:bodyPr rtlCol="0" anchor="ctr"/>
+            <a:lstStyle/>
+            <a:p>
+              <a:pPr algn="ctr"/>
+              <a:endParaRPr lang="ko-KR" altLang="en-US">
+                <a:solidFill>
+                  <a:prstClr val="white"/>
+                </a:solidFill>
+              </a:endParaRPr>
+            </a:p>
+          </p:txBody>
+        </p:sp>
+        <p:sp>
+          <p:nvSpPr>
+            <p:cNvPr id="86" name="양쪽 모서리가 둥근 사각형 85"/>
+            <p:cNvSpPr/>
+            <p:nvPr/>
+          </p:nvSpPr>
+          <p:spPr>
+            <a:xfrm rot="16200000">
+              <a:off x="6053339" y="2563457"/>
+              <a:ext cx="108000" cy="7955668"/>
+            </a:xfrm>
+            <a:prstGeom prst="round2SameRect">
+              <a:avLst>
+                <a:gd name="adj1" fmla="val 0"/>
+                <a:gd name="adj2" fmla="val 0"/>
+              </a:avLst>
+            </a:prstGeom>
+            <a:gradFill flip="none" rotWithShape="1">
+              <a:gsLst>
+                <a:gs pos="17000">
+                  <a:schemeClr val="bg1">
+                    <a:lumMod val="50000"/>
+                  </a:schemeClr>
+                </a:gs>
+                <a:gs pos="59000">
+                  <a:schemeClr val="bg1">
+                    <a:shade val="100000"/>
+                    <a:satMod val="115000"/>
+                  </a:schemeClr>
+                </a:gs>
+              </a:gsLst>
+              <a:lin ang="0" scaled="1"/>
+              <a:tileRect/>
+            </a:gradFill>
+            <a:ln w="19050">
+              <a:solidFill>
+                <a:schemeClr val="bg1">
+                  <a:lumMod val="50000"/>
+                </a:schemeClr>
+              </a:solidFill>
+            </a:ln>
+          </p:spPr>
+          <p:style>
+            <a:lnRef idx="2">
+              <a:schemeClr val="accent1">
+                <a:shade val="50000"/>
+              </a:schemeClr>
+            </a:lnRef>
+            <a:fillRef idx="1">
+              <a:schemeClr val="accent1"/>
+            </a:fillRef>
+            <a:effectRef idx="0">
+              <a:schemeClr val="accent1"/>
+            </a:effectRef>
+            <a:fontRef idx="minor">
+              <a:schemeClr val="lt1"/>
+            </a:fontRef>
+          </p:style>
+          <p:txBody>
+            <a:bodyPr rtlCol="0" anchor="ctr"/>
+            <a:lstStyle/>
+            <a:p>
+              <a:pPr algn="ctr"/>
+              <a:endParaRPr lang="ko-KR" altLang="en-US">
+                <a:solidFill>
+                  <a:prstClr val="white"/>
+                </a:solidFill>
+              </a:endParaRPr>
+            </a:p>
+          </p:txBody>
+        </p:sp>
+        <p:sp>
+          <p:nvSpPr>
+            <p:cNvPr id="14" name="자유형 13"/>
+            <p:cNvSpPr/>
+            <p:nvPr/>
+          </p:nvSpPr>
+          <p:spPr>
+            <a:xfrm>
+              <a:off x="158507" y="6590451"/>
+              <a:ext cx="11897663" cy="267549"/>
+            </a:xfrm>
+            <a:custGeom>
+              <a:avLst/>
+              <a:gdLst>
+                <a:gd name="connsiteX0" fmla="*/ 195955 w 11897663"/>
+                <a:gd name="connsiteY0" fmla="*/ 0 h 267549"/>
+                <a:gd name="connsiteX1" fmla="*/ 11701708 w 11897663"/>
+                <a:gd name="connsiteY1" fmla="*/ 0 h 267549"/>
+                <a:gd name="connsiteX2" fmla="*/ 11897663 w 11897663"/>
+                <a:gd name="connsiteY2" fmla="*/ 267549 h 267549"/>
+                <a:gd name="connsiteX3" fmla="*/ 0 w 11897663"/>
+                <a:gd name="connsiteY3" fmla="*/ 267549 h 267549"/>
+              </a:gdLst>
+              <a:ahLst/>
+              <a:cxnLst>
+                <a:cxn ang="0">
+                  <a:pos x="connsiteX0" y="connsiteY0"/>
+                </a:cxn>
+                <a:cxn ang="0">
+                  <a:pos x="connsiteX1" y="connsiteY1"/>
+                </a:cxn>
+                <a:cxn ang="0">
+                  <a:pos x="connsiteX2" y="connsiteY2"/>
+                </a:cxn>
+                <a:cxn ang="0">
+                  <a:pos x="connsiteX3" y="connsiteY3"/>
+                </a:cxn>
+              </a:cxnLst>
+              <a:rect l="l" t="t" r="r" b="b"/>
+              <a:pathLst>
+                <a:path w="11897663" h="267549">
+                  <a:moveTo>
+                    <a:pt x="195955" y="0"/>
+                  </a:moveTo>
+                  <a:lnTo>
+                    <a:pt x="11701708" y="0"/>
+                  </a:lnTo>
+                  <a:lnTo>
+                    <a:pt x="11897663" y="267549"/>
+                  </a:lnTo>
+                  <a:lnTo>
+                    <a:pt x="0" y="267549"/>
+                  </a:lnTo>
+                  <a:close/>
+                </a:path>
+              </a:pathLst>
+            </a:custGeom>
+            <a:solidFill>
+              <a:schemeClr val="bg1"/>
+            </a:solidFill>
+            <a:ln w="19050">
+              <a:solidFill>
+                <a:schemeClr val="bg1">
+                  <a:lumMod val="50000"/>
+                </a:schemeClr>
+              </a:solidFill>
+            </a:ln>
+          </p:spPr>
+          <p:style>
+            <a:lnRef idx="2">
+              <a:schemeClr val="accent1">
+                <a:shade val="50000"/>
+              </a:schemeClr>
+            </a:lnRef>
+            <a:fillRef idx="1">
+              <a:schemeClr val="accent1"/>
+            </a:fillRef>
+            <a:effectRef idx="0">
+              <a:schemeClr val="accent1"/>
+            </a:effectRef>
+            <a:fontRef idx="minor">
+              <a:schemeClr val="lt1"/>
+            </a:fontRef>
+          </p:style>
+          <p:txBody>
+            <a:bodyPr wrap="square" rtlCol="0" anchor="ctr">
+              <a:noAutofit/>
+            </a:bodyPr>
+            <a:lstStyle/>
+            <a:p>
+              <a:pPr algn="ctr"/>
+              <a:endParaRPr lang="ko-KR" altLang="en-US">
+                <a:solidFill>
+                  <a:prstClr val="white"/>
+                </a:solidFill>
+              </a:endParaRPr>
+            </a:p>
+          </p:txBody>
+        </p:sp>
+        <p:sp>
+          <p:nvSpPr>
+            <p:cNvPr id="26" name="자유형 25"/>
+            <p:cNvSpPr/>
+            <p:nvPr/>
+          </p:nvSpPr>
+          <p:spPr>
+            <a:xfrm>
+              <a:off x="152400" y="6565900"/>
+              <a:ext cx="11750381" cy="292100"/>
+            </a:xfrm>
+            <a:custGeom>
+              <a:avLst/>
+              <a:gdLst>
+                <a:gd name="connsiteX0" fmla="*/ 177800 w 11722100"/>
+                <a:gd name="connsiteY0" fmla="*/ 0 h 292100"/>
+                <a:gd name="connsiteX1" fmla="*/ 0 w 11722100"/>
+                <a:gd name="connsiteY1" fmla="*/ 292100 h 292100"/>
+                <a:gd name="connsiteX2" fmla="*/ 11722100 w 11722100"/>
+                <a:gd name="connsiteY2" fmla="*/ 50800 h 292100"/>
+                <a:gd name="connsiteX3" fmla="*/ 177800 w 11722100"/>
+                <a:gd name="connsiteY3" fmla="*/ 0 h 292100"/>
+                <a:gd name="connsiteX0" fmla="*/ 206081 w 11722100"/>
+                <a:gd name="connsiteY0" fmla="*/ 0 h 292100"/>
+                <a:gd name="connsiteX1" fmla="*/ 0 w 11722100"/>
+                <a:gd name="connsiteY1" fmla="*/ 292100 h 292100"/>
+                <a:gd name="connsiteX2" fmla="*/ 11722100 w 11722100"/>
+                <a:gd name="connsiteY2" fmla="*/ 50800 h 292100"/>
+                <a:gd name="connsiteX3" fmla="*/ 206081 w 11722100"/>
+                <a:gd name="connsiteY3" fmla="*/ 0 h 292100"/>
+                <a:gd name="connsiteX0" fmla="*/ 206081 w 11750381"/>
+                <a:gd name="connsiteY0" fmla="*/ 0 h 292100"/>
+                <a:gd name="connsiteX1" fmla="*/ 0 w 11750381"/>
+                <a:gd name="connsiteY1" fmla="*/ 292100 h 292100"/>
+                <a:gd name="connsiteX2" fmla="*/ 11750381 w 11750381"/>
+                <a:gd name="connsiteY2" fmla="*/ 31947 h 292100"/>
+                <a:gd name="connsiteX3" fmla="*/ 206081 w 11750381"/>
+                <a:gd name="connsiteY3" fmla="*/ 0 h 292100"/>
+              </a:gdLst>
+              <a:ahLst/>
+              <a:cxnLst>
+                <a:cxn ang="0">
+                  <a:pos x="connsiteX0" y="connsiteY0"/>
+                </a:cxn>
+                <a:cxn ang="0">
+                  <a:pos x="connsiteX1" y="connsiteY1"/>
+                </a:cxn>
+                <a:cxn ang="0">
+                  <a:pos x="connsiteX2" y="connsiteY2"/>
+                </a:cxn>
+                <a:cxn ang="0">
+                  <a:pos x="connsiteX3" y="connsiteY3"/>
+                </a:cxn>
+              </a:cxnLst>
+              <a:rect l="l" t="t" r="r" b="b"/>
+              <a:pathLst>
+                <a:path w="11750381" h="292100">
+                  <a:moveTo>
+                    <a:pt x="206081" y="0"/>
+                  </a:moveTo>
+                  <a:lnTo>
+                    <a:pt x="0" y="292100"/>
+                  </a:lnTo>
+                  <a:lnTo>
+                    <a:pt x="11750381" y="31947"/>
+                  </a:lnTo>
+                  <a:lnTo>
+                    <a:pt x="206081" y="0"/>
+                  </a:lnTo>
+                  <a:close/>
+                </a:path>
+              </a:pathLst>
+            </a:custGeom>
+            <a:solidFill>
+              <a:schemeClr val="tx1">
+                <a:alpha val="13000"/>
+              </a:schemeClr>
+            </a:solidFill>
+            <a:ln>
+              <a:noFill/>
+            </a:ln>
+          </p:spPr>
+          <p:style>
+            <a:lnRef idx="2">
+              <a:schemeClr val="accent1">
+                <a:shade val="50000"/>
+              </a:schemeClr>
+            </a:lnRef>
+            <a:fillRef idx="1">
+              <a:schemeClr val="accent1"/>
+            </a:fillRef>
+            <a:effectRef idx="0">
+              <a:schemeClr val="accent1"/>
+            </a:effectRef>
+            <a:fontRef idx="minor">
+              <a:schemeClr val="lt1"/>
+            </a:fontRef>
+          </p:style>
+          <p:txBody>
+            <a:bodyPr rtlCol="0" anchor="ctr"/>
+            <a:lstStyle/>
+            <a:p>
+              <a:pPr algn="ctr"/>
+              <a:endParaRPr lang="ko-KR" altLang="en-US"/>
+            </a:p>
+          </p:txBody>
+        </p:sp>
+        <p:sp>
+          <p:nvSpPr>
+            <p:cNvPr id="15" name="모서리가 둥근 직사각형 14"/>
+            <p:cNvSpPr/>
+            <p:nvPr/>
+          </p:nvSpPr>
+          <p:spPr>
+            <a:xfrm>
+              <a:off x="524266" y="6670585"/>
+              <a:ext cx="597524" cy="64121"/>
+            </a:xfrm>
+            <a:prstGeom prst="roundRect">
+              <a:avLst>
+                <a:gd name="adj" fmla="val 50000"/>
+              </a:avLst>
+            </a:prstGeom>
+            <a:solidFill>
+              <a:srgbClr val="00B0F0"/>
+            </a:solidFill>
+            <a:ln>
+              <a:solidFill>
+                <a:schemeClr val="bg1">
+                  <a:lumMod val="50000"/>
+                </a:schemeClr>
+              </a:solidFill>
+            </a:ln>
+          </p:spPr>
+          <p:style>
+            <a:lnRef idx="2">
+              <a:schemeClr val="accent1">
+                <a:shade val="50000"/>
+              </a:schemeClr>
+            </a:lnRef>
+            <a:fillRef idx="1">
+              <a:schemeClr val="accent1"/>
+            </a:fillRef>
+            <a:effectRef idx="0">
+              <a:schemeClr val="accent1"/>
+            </a:effectRef>
+            <a:fontRef idx="minor">
+              <a:schemeClr val="lt1"/>
+            </a:fontRef>
+          </p:style>
+          <p:txBody>
+            <a:bodyPr rtlCol="0" anchor="ctr"/>
+            <a:lstStyle/>
+            <a:p>
+              <a:pPr algn="ctr"/>
+              <a:endParaRPr lang="ko-KR" altLang="en-US"/>
+            </a:p>
+          </p:txBody>
+        </p:sp>
+      </p:grpSp>
+      <p:sp>
+        <p:nvSpPr>
+          <p:cNvPr id="82" name="직사각형 81"/>
+          <p:cNvSpPr/>
+          <p:nvPr/>
+        </p:nvSpPr>
+        <p:spPr>
+          <a:xfrm>
+            <a:off x="3353610" y="228600"/>
+            <a:ext cx="5484781" cy="655372"/>
+          </a:xfrm>
+          <a:prstGeom prst="rect">
+            <a:avLst/>
+          </a:prstGeom>
+        </p:spPr>
+        <p:txBody>
+          <a:bodyPr wrap="square">
+            <a:spAutoFit/>
+          </a:bodyPr>
+          <a:lstStyle/>
+          <a:p>
+            <a:pPr algn="ctr">
+              <a:lnSpc>
+                <a:spcPct val="150000"/>
+              </a:lnSpc>
+            </a:pPr>
+            <a:r>
+              <a:rPr lang="ko-KR" altLang="en-US" sz="2000" i="1" dirty="0" smtClean="0">
+                <a:solidFill>
+                  <a:schemeClr val="bg1">
+                    <a:lumMod val="50000"/>
+                  </a:schemeClr>
+                </a:solidFill>
+              </a:rPr>
+              <a:t>화면구현 </a:t>
+            </a:r>
+            <a:r>
+              <a:rPr lang="en-US" altLang="ko-KR" sz="2800" b="1" i="1" dirty="0" smtClean="0">
+                <a:solidFill>
+                  <a:schemeClr val="bg1">
+                    <a:lumMod val="50000"/>
+                  </a:schemeClr>
+                </a:solidFill>
+              </a:rPr>
+              <a:t>Implement Screen</a:t>
+            </a:r>
+            <a:endParaRPr lang="en-US" altLang="ko-KR" sz="2800" b="1" i="1" dirty="0">
+              <a:solidFill>
+                <a:schemeClr val="bg1">
+                  <a:lumMod val="50000"/>
+                </a:schemeClr>
+              </a:solidFill>
+            </a:endParaRPr>
+          </a:p>
+        </p:txBody>
+      </p:sp>
+      <p:sp>
+        <p:nvSpPr>
+          <p:cNvPr id="2" name="직사각형 1"/>
+          <p:cNvSpPr/>
+          <p:nvPr/>
+        </p:nvSpPr>
+        <p:spPr>
+          <a:xfrm>
+            <a:off x="777269" y="1664044"/>
+            <a:ext cx="7569580" cy="4423719"/>
+          </a:xfrm>
+          <a:prstGeom prst="rect">
+            <a:avLst/>
+          </a:prstGeom>
+          <a:solidFill>
+            <a:schemeClr val="bg1"/>
+          </a:solidFill>
+          <a:ln>
+            <a:solidFill>
+              <a:schemeClr val="tx1"/>
+            </a:solidFill>
+          </a:ln>
+        </p:spPr>
+        <p:style>
+          <a:lnRef idx="2">
+            <a:schemeClr val="accent1">
+              <a:shade val="50000"/>
+            </a:schemeClr>
+          </a:lnRef>
+          <a:fillRef idx="1">
+            <a:schemeClr val="accent1"/>
+          </a:fillRef>
+          <a:effectRef idx="0">
+            <a:schemeClr val="accent1"/>
+          </a:effectRef>
+          <a:fontRef idx="minor">
+            <a:schemeClr val="lt1"/>
+          </a:fontRef>
+        </p:style>
+        <p:txBody>
+          <a:bodyPr rtlCol="0" anchor="ctr"/>
+          <a:lstStyle/>
+          <a:p>
+            <a:pPr algn="ctr"/>
+            <a:endParaRPr lang="ko-KR" altLang="en-US"/>
+          </a:p>
+        </p:txBody>
+      </p:sp>
+      <p:sp>
+        <p:nvSpPr>
+          <p:cNvPr id="3" name="직사각형 2"/>
+          <p:cNvSpPr/>
+          <p:nvPr/>
+        </p:nvSpPr>
+        <p:spPr>
+          <a:xfrm>
+            <a:off x="8602764" y="1664043"/>
+            <a:ext cx="2811968" cy="4423719"/>
+          </a:xfrm>
+          <a:prstGeom prst="rect">
+            <a:avLst/>
+          </a:prstGeom>
+          <a:solidFill>
+            <a:schemeClr val="bg1"/>
+          </a:solidFill>
+          <a:ln>
+            <a:solidFill>
+              <a:schemeClr val="tx1"/>
+            </a:solidFill>
+          </a:ln>
+        </p:spPr>
+        <p:style>
+          <a:lnRef idx="2">
+            <a:schemeClr val="accent1">
+              <a:shade val="50000"/>
+            </a:schemeClr>
+          </a:lnRef>
+          <a:fillRef idx="1">
+            <a:schemeClr val="accent1"/>
+          </a:fillRef>
+          <a:effectRef idx="0">
+            <a:schemeClr val="accent1"/>
+          </a:effectRef>
+          <a:fontRef idx="minor">
+            <a:schemeClr val="lt1"/>
+          </a:fontRef>
+        </p:style>
+        <p:txBody>
+          <a:bodyPr rtlCol="0" anchor="ctr"/>
+          <a:lstStyle/>
+          <a:p>
+            <a:pPr algn="ctr"/>
+            <a:endParaRPr lang="ko-KR" altLang="en-US"/>
+          </a:p>
+        </p:txBody>
+      </p:sp>
+    </p:spTree>
+    <p:extLst>
+      <p:ext uri="{BB962C8B-B14F-4D97-AF65-F5344CB8AC3E}">
+        <p14:creationId xmlns:p14="http://schemas.microsoft.com/office/powerpoint/2010/main" val="46698870"/>
+      </p:ext>
+    </p:extLst>
+  </p:cSld>
+  <p:clrMapOvr>
+    <a:masterClrMapping/>
+  </p:clrMapOvr>
+  <p:timing>
+    <p:tnLst>
+      <p:par>
+        <p:cTn id="1" dur="indefinite" restart="never" nodeType="tmRoot"/>
+      </p:par>
+    </p:tnLst>
+  </p:timing>
+</p:sld>
+</file>
+
+<file path=ppt/slides/slide9.xml><?xml version="1.0" encoding="utf-8"?>
+<p:sld xmlns:a="http://schemas.openxmlformats.org/drawingml/2006/main" xmlns:r="http://schemas.openxmlformats.org/officeDocument/2006/relationships" xmlns:p="http://schemas.openxmlformats.org/presentationml/2006/main">
+  <p:cSld>
+    <p:spTree>
+      <p:nvGrpSpPr>
+        <p:cNvPr id="1" name=""/>
+        <p:cNvGrpSpPr/>
+        <p:nvPr/>
+      </p:nvGrpSpPr>
+      <p:grpSpPr>
+        <a:xfrm>
+          <a:off x="0" y="0"/>
+          <a:ext cx="0" cy="0"/>
+          <a:chOff x="0" y="0"/>
+          <a:chExt cx="0" cy="0"/>
+        </a:xfrm>
+      </p:grpSpPr>
+      <p:grpSp>
+        <p:nvGrpSpPr>
+          <p:cNvPr id="4" name="그룹 3"/>
+          <p:cNvGrpSpPr/>
+          <p:nvPr/>
+        </p:nvGrpSpPr>
+        <p:grpSpPr>
+          <a:xfrm>
+            <a:off x="152400" y="83680"/>
+            <a:ext cx="11903770" cy="6774320"/>
+            <a:chOff x="152400" y="83680"/>
+            <a:chExt cx="11903770" cy="6774320"/>
+          </a:xfrm>
+        </p:grpSpPr>
+        <p:sp>
+          <p:nvSpPr>
+            <p:cNvPr id="68" name="양쪽 모서리가 둥근 사각형 67"/>
+            <p:cNvSpPr/>
+            <p:nvPr/>
+          </p:nvSpPr>
+          <p:spPr>
+            <a:xfrm>
+              <a:off x="338203" y="83680"/>
+              <a:ext cx="11548997" cy="6482219"/>
+            </a:xfrm>
+            <a:prstGeom prst="round2SameRect">
+              <a:avLst>
+                <a:gd name="adj1" fmla="val 4566"/>
+                <a:gd name="adj2" fmla="val 0"/>
+              </a:avLst>
+            </a:prstGeom>
+            <a:pattFill prst="ltDnDiag">
+              <a:fgClr>
+                <a:schemeClr val="bg1">
+                  <a:lumMod val="75000"/>
+                </a:schemeClr>
+              </a:fgClr>
+              <a:bgClr>
+                <a:schemeClr val="bg1">
+                  <a:lumMod val="95000"/>
+                </a:schemeClr>
+              </a:bgClr>
+            </a:pattFill>
+            <a:ln w="28575">
+              <a:solidFill>
+                <a:schemeClr val="bg1">
+                  <a:lumMod val="50000"/>
+                </a:schemeClr>
+              </a:solidFill>
+            </a:ln>
+          </p:spPr>
+          <p:style>
+            <a:lnRef idx="2">
+              <a:schemeClr val="accent1">
+                <a:shade val="50000"/>
+              </a:schemeClr>
+            </a:lnRef>
+            <a:fillRef idx="1">
+              <a:schemeClr val="accent1"/>
+            </a:fillRef>
+            <a:effectRef idx="0">
+              <a:schemeClr val="accent1"/>
+            </a:effectRef>
+            <a:fontRef idx="minor">
+              <a:schemeClr val="lt1"/>
+            </a:fontRef>
+          </p:style>
+          <p:txBody>
+            <a:bodyPr rtlCol="0" anchor="ctr"/>
+            <a:lstStyle/>
+            <a:p>
+              <a:pPr algn="ctr"/>
+              <a:endParaRPr lang="ko-KR" altLang="en-US"/>
+            </a:p>
+          </p:txBody>
+        </p:sp>
+        <p:sp>
+          <p:nvSpPr>
+            <p:cNvPr id="69" name="양쪽 모서리가 둥근 사각형 68"/>
+            <p:cNvSpPr/>
+            <p:nvPr/>
+          </p:nvSpPr>
+          <p:spPr>
+            <a:xfrm>
+              <a:off x="524266" y="241300"/>
+              <a:ext cx="11176871" cy="6133424"/>
+            </a:xfrm>
+            <a:prstGeom prst="round2SameRect">
+              <a:avLst>
+                <a:gd name="adj1" fmla="val 3284"/>
+                <a:gd name="adj2" fmla="val 0"/>
+              </a:avLst>
+            </a:prstGeom>
+            <a:solidFill>
+              <a:schemeClr val="bg1"/>
+            </a:solidFill>
+            <a:ln w="19050">
+              <a:solidFill>
+                <a:schemeClr val="bg1">
+                  <a:lumMod val="50000"/>
+                </a:schemeClr>
+              </a:solidFill>
+            </a:ln>
+          </p:spPr>
+          <p:style>
+            <a:lnRef idx="2">
+              <a:schemeClr val="accent1">
+                <a:shade val="50000"/>
+              </a:schemeClr>
+            </a:lnRef>
+            <a:fillRef idx="1">
+              <a:schemeClr val="accent1"/>
+            </a:fillRef>
+            <a:effectRef idx="0">
+              <a:schemeClr val="accent1"/>
+            </a:effectRef>
+            <a:fontRef idx="minor">
+              <a:schemeClr val="lt1"/>
+            </a:fontRef>
+          </p:style>
+          <p:txBody>
+            <a:bodyPr rtlCol="0" anchor="ctr"/>
+            <a:lstStyle/>
+            <a:p>
+              <a:pPr algn="ctr"/>
+              <a:endParaRPr lang="ko-KR" altLang="en-US"/>
+            </a:p>
+          </p:txBody>
+        </p:sp>
+        <p:sp>
+          <p:nvSpPr>
+            <p:cNvPr id="84" name="양쪽 모서리가 둥근 사각형 83"/>
+            <p:cNvSpPr/>
+            <p:nvPr/>
+          </p:nvSpPr>
+          <p:spPr>
+            <a:xfrm rot="16200000">
+              <a:off x="1176083" y="5641873"/>
+              <a:ext cx="108000" cy="1798840"/>
+            </a:xfrm>
+            <a:prstGeom prst="round2SameRect">
+              <a:avLst>
+                <a:gd name="adj1" fmla="val 19304"/>
+                <a:gd name="adj2" fmla="val 0"/>
+              </a:avLst>
+            </a:prstGeom>
+            <a:gradFill flip="none" rotWithShape="1">
+              <a:gsLst>
+                <a:gs pos="17000">
+                  <a:schemeClr val="bg1">
+                    <a:lumMod val="50000"/>
+                  </a:schemeClr>
+                </a:gs>
+                <a:gs pos="59000">
+                  <a:schemeClr val="bg1">
+                    <a:shade val="100000"/>
+                    <a:satMod val="115000"/>
+                  </a:schemeClr>
+                </a:gs>
+              </a:gsLst>
+              <a:lin ang="0" scaled="1"/>
+              <a:tileRect/>
+            </a:gradFill>
+            <a:ln w="19050">
+              <a:solidFill>
+                <a:schemeClr val="bg1">
+                  <a:lumMod val="50000"/>
+                </a:schemeClr>
+              </a:solidFill>
+            </a:ln>
+          </p:spPr>
+          <p:style>
+            <a:lnRef idx="2">
+              <a:schemeClr val="accent1">
+                <a:shade val="50000"/>
+              </a:schemeClr>
+            </a:lnRef>
+            <a:fillRef idx="1">
+              <a:schemeClr val="accent1"/>
+            </a:fillRef>
+            <a:effectRef idx="0">
+              <a:schemeClr val="accent1"/>
+            </a:effectRef>
+            <a:fontRef idx="minor">
+              <a:schemeClr val="lt1"/>
+            </a:fontRef>
+          </p:style>
+          <p:txBody>
+            <a:bodyPr rtlCol="0" anchor="ctr"/>
+            <a:lstStyle/>
+            <a:p>
+              <a:pPr algn="ctr"/>
+              <a:endParaRPr lang="ko-KR" altLang="en-US">
+                <a:solidFill>
+                  <a:prstClr val="white"/>
+                </a:solidFill>
+              </a:endParaRPr>
+            </a:p>
+          </p:txBody>
+        </p:sp>
+        <p:sp>
+          <p:nvSpPr>
+            <p:cNvPr id="85" name="양쪽 모서리가 둥근 사각형 84"/>
+            <p:cNvSpPr/>
+            <p:nvPr/>
+          </p:nvSpPr>
+          <p:spPr>
+            <a:xfrm rot="5400000" flipH="1">
+              <a:off x="10930593" y="5641871"/>
+              <a:ext cx="108000" cy="1798840"/>
+            </a:xfrm>
+            <a:prstGeom prst="round2SameRect">
+              <a:avLst>
+                <a:gd name="adj1" fmla="val 19304"/>
+                <a:gd name="adj2" fmla="val 0"/>
+              </a:avLst>
+            </a:prstGeom>
+            <a:gradFill flip="none" rotWithShape="1">
+              <a:gsLst>
+                <a:gs pos="17000">
+                  <a:schemeClr val="bg1">
+                    <a:lumMod val="50000"/>
+                  </a:schemeClr>
+                </a:gs>
+                <a:gs pos="59000">
+                  <a:schemeClr val="bg1">
+                    <a:shade val="100000"/>
+                    <a:satMod val="115000"/>
+                  </a:schemeClr>
+                </a:gs>
+              </a:gsLst>
+              <a:lin ang="0" scaled="1"/>
+              <a:tileRect/>
+            </a:gradFill>
+            <a:ln w="19050">
+              <a:solidFill>
+                <a:schemeClr val="bg1">
+                  <a:lumMod val="50000"/>
+                </a:schemeClr>
+              </a:solidFill>
+            </a:ln>
+          </p:spPr>
+          <p:style>
+            <a:lnRef idx="2">
+              <a:schemeClr val="accent1">
+                <a:shade val="50000"/>
+              </a:schemeClr>
+            </a:lnRef>
+            <a:fillRef idx="1">
+              <a:schemeClr val="accent1"/>
+            </a:fillRef>
+            <a:effectRef idx="0">
+              <a:schemeClr val="accent1"/>
+            </a:effectRef>
+            <a:fontRef idx="minor">
+              <a:schemeClr val="lt1"/>
+            </a:fontRef>
+          </p:style>
+          <p:txBody>
+            <a:bodyPr rtlCol="0" anchor="ctr"/>
+            <a:lstStyle/>
+            <a:p>
+              <a:pPr algn="ctr"/>
+              <a:endParaRPr lang="ko-KR" altLang="en-US">
+                <a:solidFill>
+                  <a:prstClr val="white"/>
+                </a:solidFill>
+              </a:endParaRPr>
+            </a:p>
+          </p:txBody>
+        </p:sp>
+        <p:sp>
+          <p:nvSpPr>
+            <p:cNvPr id="86" name="양쪽 모서리가 둥근 사각형 85"/>
+            <p:cNvSpPr/>
+            <p:nvPr/>
+          </p:nvSpPr>
+          <p:spPr>
+            <a:xfrm rot="16200000">
+              <a:off x="6053339" y="2563457"/>
+              <a:ext cx="108000" cy="7955668"/>
+            </a:xfrm>
+            <a:prstGeom prst="round2SameRect">
+              <a:avLst>
+                <a:gd name="adj1" fmla="val 0"/>
+                <a:gd name="adj2" fmla="val 0"/>
+              </a:avLst>
+            </a:prstGeom>
+            <a:gradFill flip="none" rotWithShape="1">
+              <a:gsLst>
+                <a:gs pos="17000">
+                  <a:schemeClr val="bg1">
+                    <a:lumMod val="50000"/>
+                  </a:schemeClr>
+                </a:gs>
+                <a:gs pos="59000">
+                  <a:schemeClr val="bg1">
+                    <a:shade val="100000"/>
+                    <a:satMod val="115000"/>
+                  </a:schemeClr>
+                </a:gs>
+              </a:gsLst>
+              <a:lin ang="0" scaled="1"/>
+              <a:tileRect/>
+            </a:gradFill>
+            <a:ln w="19050">
+              <a:solidFill>
+                <a:schemeClr val="bg1">
+                  <a:lumMod val="50000"/>
+                </a:schemeClr>
+              </a:solidFill>
+            </a:ln>
+          </p:spPr>
+          <p:style>
+            <a:lnRef idx="2">
+              <a:schemeClr val="accent1">
+                <a:shade val="50000"/>
+              </a:schemeClr>
+            </a:lnRef>
+            <a:fillRef idx="1">
+              <a:schemeClr val="accent1"/>
+            </a:fillRef>
+            <a:effectRef idx="0">
+              <a:schemeClr val="accent1"/>
+            </a:effectRef>
+            <a:fontRef idx="minor">
+              <a:schemeClr val="lt1"/>
+            </a:fontRef>
+          </p:style>
+          <p:txBody>
+            <a:bodyPr rtlCol="0" anchor="ctr"/>
+            <a:lstStyle/>
+            <a:p>
+              <a:pPr algn="ctr"/>
+              <a:endParaRPr lang="ko-KR" altLang="en-US">
+                <a:solidFill>
+                  <a:prstClr val="white"/>
+                </a:solidFill>
+              </a:endParaRPr>
+            </a:p>
+          </p:txBody>
+        </p:sp>
+        <p:sp>
+          <p:nvSpPr>
+            <p:cNvPr id="14" name="자유형 13"/>
+            <p:cNvSpPr/>
+            <p:nvPr/>
+          </p:nvSpPr>
+          <p:spPr>
+            <a:xfrm>
+              <a:off x="158507" y="6590451"/>
+              <a:ext cx="11897663" cy="267549"/>
+            </a:xfrm>
+            <a:custGeom>
+              <a:avLst/>
+              <a:gdLst>
+                <a:gd name="connsiteX0" fmla="*/ 195955 w 11897663"/>
+                <a:gd name="connsiteY0" fmla="*/ 0 h 267549"/>
+                <a:gd name="connsiteX1" fmla="*/ 11701708 w 11897663"/>
+                <a:gd name="connsiteY1" fmla="*/ 0 h 267549"/>
+                <a:gd name="connsiteX2" fmla="*/ 11897663 w 11897663"/>
+                <a:gd name="connsiteY2" fmla="*/ 267549 h 267549"/>
+                <a:gd name="connsiteX3" fmla="*/ 0 w 11897663"/>
+                <a:gd name="connsiteY3" fmla="*/ 267549 h 267549"/>
+              </a:gdLst>
+              <a:ahLst/>
+              <a:cxnLst>
+                <a:cxn ang="0">
+                  <a:pos x="connsiteX0" y="connsiteY0"/>
+                </a:cxn>
+                <a:cxn ang="0">
+                  <a:pos x="connsiteX1" y="connsiteY1"/>
+                </a:cxn>
+                <a:cxn ang="0">
+                  <a:pos x="connsiteX2" y="connsiteY2"/>
+                </a:cxn>
+                <a:cxn ang="0">
+                  <a:pos x="connsiteX3" y="connsiteY3"/>
+                </a:cxn>
+              </a:cxnLst>
+              <a:rect l="l" t="t" r="r" b="b"/>
+              <a:pathLst>
+                <a:path w="11897663" h="267549">
+                  <a:moveTo>
+                    <a:pt x="195955" y="0"/>
+                  </a:moveTo>
+                  <a:lnTo>
+                    <a:pt x="11701708" y="0"/>
+                  </a:lnTo>
+                  <a:lnTo>
+                    <a:pt x="11897663" y="267549"/>
+                  </a:lnTo>
+                  <a:lnTo>
+                    <a:pt x="0" y="267549"/>
+                  </a:lnTo>
+                  <a:close/>
+                </a:path>
+              </a:pathLst>
+            </a:custGeom>
+            <a:solidFill>
+              <a:schemeClr val="bg1"/>
+            </a:solidFill>
+            <a:ln w="19050">
+              <a:solidFill>
+                <a:schemeClr val="bg1">
+                  <a:lumMod val="50000"/>
+                </a:schemeClr>
+              </a:solidFill>
+            </a:ln>
+          </p:spPr>
+          <p:style>
+            <a:lnRef idx="2">
+              <a:schemeClr val="accent1">
+                <a:shade val="50000"/>
+              </a:schemeClr>
+            </a:lnRef>
+            <a:fillRef idx="1">
+              <a:schemeClr val="accent1"/>
+            </a:fillRef>
+            <a:effectRef idx="0">
+              <a:schemeClr val="accent1"/>
+            </a:effectRef>
+            <a:fontRef idx="minor">
+              <a:schemeClr val="lt1"/>
+            </a:fontRef>
+          </p:style>
+          <p:txBody>
+            <a:bodyPr wrap="square" rtlCol="0" anchor="ctr">
+              <a:noAutofit/>
+            </a:bodyPr>
+            <a:lstStyle/>
+            <a:p>
+              <a:pPr algn="ctr"/>
+              <a:endParaRPr lang="ko-KR" altLang="en-US">
+                <a:solidFill>
+                  <a:prstClr val="white"/>
+                </a:solidFill>
+              </a:endParaRPr>
+            </a:p>
+          </p:txBody>
+        </p:sp>
+        <p:sp>
+          <p:nvSpPr>
+            <p:cNvPr id="26" name="자유형 25"/>
+            <p:cNvSpPr/>
+            <p:nvPr/>
+          </p:nvSpPr>
+          <p:spPr>
+            <a:xfrm>
+              <a:off x="152400" y="6565900"/>
+              <a:ext cx="11750381" cy="292100"/>
+            </a:xfrm>
+            <a:custGeom>
+              <a:avLst/>
+              <a:gdLst>
+                <a:gd name="connsiteX0" fmla="*/ 177800 w 11722100"/>
+                <a:gd name="connsiteY0" fmla="*/ 0 h 292100"/>
+                <a:gd name="connsiteX1" fmla="*/ 0 w 11722100"/>
+                <a:gd name="connsiteY1" fmla="*/ 292100 h 292100"/>
+                <a:gd name="connsiteX2" fmla="*/ 11722100 w 11722100"/>
+                <a:gd name="connsiteY2" fmla="*/ 50800 h 292100"/>
+                <a:gd name="connsiteX3" fmla="*/ 177800 w 11722100"/>
+                <a:gd name="connsiteY3" fmla="*/ 0 h 292100"/>
+                <a:gd name="connsiteX0" fmla="*/ 206081 w 11722100"/>
+                <a:gd name="connsiteY0" fmla="*/ 0 h 292100"/>
+                <a:gd name="connsiteX1" fmla="*/ 0 w 11722100"/>
+                <a:gd name="connsiteY1" fmla="*/ 292100 h 292100"/>
+                <a:gd name="connsiteX2" fmla="*/ 11722100 w 11722100"/>
+                <a:gd name="connsiteY2" fmla="*/ 50800 h 292100"/>
+                <a:gd name="connsiteX3" fmla="*/ 206081 w 11722100"/>
+                <a:gd name="connsiteY3" fmla="*/ 0 h 292100"/>
+                <a:gd name="connsiteX0" fmla="*/ 206081 w 11750381"/>
+                <a:gd name="connsiteY0" fmla="*/ 0 h 292100"/>
+                <a:gd name="connsiteX1" fmla="*/ 0 w 11750381"/>
+                <a:gd name="connsiteY1" fmla="*/ 292100 h 292100"/>
+                <a:gd name="connsiteX2" fmla="*/ 11750381 w 11750381"/>
+                <a:gd name="connsiteY2" fmla="*/ 31947 h 292100"/>
+                <a:gd name="connsiteX3" fmla="*/ 206081 w 11750381"/>
+                <a:gd name="connsiteY3" fmla="*/ 0 h 292100"/>
+              </a:gdLst>
+              <a:ahLst/>
+              <a:cxnLst>
+                <a:cxn ang="0">
+                  <a:pos x="connsiteX0" y="connsiteY0"/>
+                </a:cxn>
+                <a:cxn ang="0">
+                  <a:pos x="connsiteX1" y="connsiteY1"/>
+                </a:cxn>
+                <a:cxn ang="0">
+                  <a:pos x="connsiteX2" y="connsiteY2"/>
+                </a:cxn>
+                <a:cxn ang="0">
+                  <a:pos x="connsiteX3" y="connsiteY3"/>
+                </a:cxn>
+              </a:cxnLst>
+              <a:rect l="l" t="t" r="r" b="b"/>
+              <a:pathLst>
+                <a:path w="11750381" h="292100">
+                  <a:moveTo>
+                    <a:pt x="206081" y="0"/>
+                  </a:moveTo>
+                  <a:lnTo>
+                    <a:pt x="0" y="292100"/>
+                  </a:lnTo>
+                  <a:lnTo>
+                    <a:pt x="11750381" y="31947"/>
+                  </a:lnTo>
+                  <a:lnTo>
+                    <a:pt x="206081" y="0"/>
+                  </a:lnTo>
+                  <a:close/>
+                </a:path>
+              </a:pathLst>
+            </a:custGeom>
+            <a:solidFill>
+              <a:schemeClr val="tx1">
+                <a:alpha val="13000"/>
+              </a:schemeClr>
+            </a:solidFill>
+            <a:ln>
+              <a:noFill/>
+            </a:ln>
+          </p:spPr>
+          <p:style>
+            <a:lnRef idx="2">
+              <a:schemeClr val="accent1">
+                <a:shade val="50000"/>
+              </a:schemeClr>
+            </a:lnRef>
+            <a:fillRef idx="1">
+              <a:schemeClr val="accent1"/>
+            </a:fillRef>
+            <a:effectRef idx="0">
+              <a:schemeClr val="accent1"/>
+            </a:effectRef>
+            <a:fontRef idx="minor">
+              <a:schemeClr val="lt1"/>
+            </a:fontRef>
+          </p:style>
+          <p:txBody>
+            <a:bodyPr rtlCol="0" anchor="ctr"/>
+            <a:lstStyle/>
+            <a:p>
+              <a:pPr algn="ctr"/>
+              <a:endParaRPr lang="ko-KR" altLang="en-US"/>
+            </a:p>
+          </p:txBody>
+        </p:sp>
+        <p:sp>
+          <p:nvSpPr>
+            <p:cNvPr id="15" name="모서리가 둥근 직사각형 14"/>
+            <p:cNvSpPr/>
+            <p:nvPr/>
+          </p:nvSpPr>
+          <p:spPr>
+            <a:xfrm>
+              <a:off x="524266" y="6670585"/>
+              <a:ext cx="597524" cy="64121"/>
+            </a:xfrm>
+            <a:prstGeom prst="roundRect">
+              <a:avLst>
+                <a:gd name="adj" fmla="val 50000"/>
+              </a:avLst>
+            </a:prstGeom>
+            <a:solidFill>
+              <a:srgbClr val="00B0F0"/>
+            </a:solidFill>
+            <a:ln>
+              <a:solidFill>
+                <a:schemeClr val="bg1">
+                  <a:lumMod val="50000"/>
+                </a:schemeClr>
+              </a:solidFill>
+            </a:ln>
+          </p:spPr>
+          <p:style>
+            <a:lnRef idx="2">
+              <a:schemeClr val="accent1">
+                <a:shade val="50000"/>
+              </a:schemeClr>
+            </a:lnRef>
+            <a:fillRef idx="1">
+              <a:schemeClr val="accent1"/>
+            </a:fillRef>
+            <a:effectRef idx="0">
+              <a:schemeClr val="accent1"/>
+            </a:effectRef>
+            <a:fontRef idx="minor">
+              <a:schemeClr val="lt1"/>
+            </a:fontRef>
+          </p:style>
+          <p:txBody>
+            <a:bodyPr rtlCol="0" anchor="ctr"/>
+            <a:lstStyle/>
+            <a:p>
+              <a:pPr algn="ctr"/>
+              <a:endParaRPr lang="ko-KR" altLang="en-US"/>
+            </a:p>
+          </p:txBody>
+        </p:sp>
+      </p:grpSp>
+      <p:sp>
+        <p:nvSpPr>
+          <p:cNvPr id="82" name="직사각형 81"/>
+          <p:cNvSpPr/>
+          <p:nvPr/>
+        </p:nvSpPr>
+        <p:spPr>
+          <a:xfrm>
+            <a:off x="3353610" y="228600"/>
+            <a:ext cx="5484781" cy="655372"/>
+          </a:xfrm>
+          <a:prstGeom prst="rect">
+            <a:avLst/>
+          </a:prstGeom>
+        </p:spPr>
+        <p:txBody>
+          <a:bodyPr wrap="square">
+            <a:spAutoFit/>
+          </a:bodyPr>
+          <a:lstStyle/>
+          <a:p>
+            <a:pPr algn="ctr">
+              <a:lnSpc>
+                <a:spcPct val="150000"/>
+              </a:lnSpc>
+            </a:pPr>
+            <a:r>
+              <a:rPr lang="en-US" altLang="ko-KR" sz="2000" i="1" dirty="0" smtClean="0">
+                <a:solidFill>
+                  <a:schemeClr val="bg1">
+                    <a:lumMod val="50000"/>
+                  </a:schemeClr>
+                </a:solidFill>
+              </a:rPr>
+              <a:t>SQL</a:t>
+            </a:r>
+            <a:r>
+              <a:rPr lang="ko-KR" altLang="en-US" sz="2000" i="1" dirty="0" smtClean="0">
+                <a:solidFill>
+                  <a:schemeClr val="bg1">
+                    <a:lumMod val="50000"/>
+                  </a:schemeClr>
+                </a:solidFill>
+              </a:rPr>
+              <a:t> </a:t>
+            </a:r>
+            <a:r>
+              <a:rPr lang="en-US" altLang="ko-KR" sz="2800" b="1" i="1" dirty="0" smtClean="0">
+                <a:solidFill>
+                  <a:schemeClr val="bg1">
+                    <a:lumMod val="50000"/>
+                  </a:schemeClr>
+                </a:solidFill>
+              </a:rPr>
+              <a:t>SQL</a:t>
+            </a:r>
+            <a:endParaRPr lang="en-US" altLang="ko-KR" sz="2800" b="1" i="1" dirty="0">
+              <a:solidFill>
+                <a:schemeClr val="bg1">
+                  <a:lumMod val="50000"/>
+                </a:schemeClr>
+              </a:solidFill>
+            </a:endParaRPr>
+          </a:p>
+        </p:txBody>
+      </p:sp>
+      <p:sp>
+        <p:nvSpPr>
+          <p:cNvPr id="2" name="직사각형 1"/>
+          <p:cNvSpPr/>
+          <p:nvPr/>
+        </p:nvSpPr>
+        <p:spPr>
+          <a:xfrm>
+            <a:off x="777269" y="1664044"/>
+            <a:ext cx="7569580" cy="4423719"/>
+          </a:xfrm>
+          <a:prstGeom prst="rect">
+            <a:avLst/>
+          </a:prstGeom>
+          <a:solidFill>
+            <a:schemeClr val="bg1"/>
+          </a:solidFill>
+          <a:ln>
+            <a:solidFill>
+              <a:schemeClr val="tx1"/>
+            </a:solidFill>
+          </a:ln>
+        </p:spPr>
+        <p:style>
+          <a:lnRef idx="2">
+            <a:schemeClr val="accent1">
+              <a:shade val="50000"/>
+            </a:schemeClr>
+          </a:lnRef>
+          <a:fillRef idx="1">
+            <a:schemeClr val="accent1"/>
+          </a:fillRef>
+          <a:effectRef idx="0">
+            <a:schemeClr val="accent1"/>
+          </a:effectRef>
+          <a:fontRef idx="minor">
+            <a:schemeClr val="lt1"/>
+          </a:fontRef>
+        </p:style>
+        <p:txBody>
+          <a:bodyPr rtlCol="0" anchor="ctr"/>
+          <a:lstStyle/>
+          <a:p>
+            <a:pPr algn="ctr"/>
+            <a:endParaRPr lang="ko-KR" altLang="en-US"/>
+          </a:p>
+        </p:txBody>
+      </p:sp>
+      <p:sp>
+        <p:nvSpPr>
+          <p:cNvPr id="3" name="직사각형 2"/>
+          <p:cNvSpPr/>
+          <p:nvPr/>
+        </p:nvSpPr>
+        <p:spPr>
+          <a:xfrm>
+            <a:off x="8602764" y="1664043"/>
+            <a:ext cx="2811968" cy="4423719"/>
+          </a:xfrm>
+          <a:prstGeom prst="rect">
+            <a:avLst/>
+          </a:prstGeom>
+          <a:solidFill>
+            <a:schemeClr val="bg1"/>
+          </a:solidFill>
+          <a:ln>
+            <a:solidFill>
+              <a:schemeClr val="tx1"/>
+            </a:solidFill>
+          </a:ln>
+        </p:spPr>
+        <p:style>
+          <a:lnRef idx="2">
+            <a:schemeClr val="accent1">
+              <a:shade val="50000"/>
+            </a:schemeClr>
+          </a:lnRef>
+          <a:fillRef idx="1">
+            <a:schemeClr val="accent1"/>
+          </a:fillRef>
+          <a:effectRef idx="0">
+            <a:schemeClr val="accent1"/>
+          </a:effectRef>
+          <a:fontRef idx="minor">
+            <a:schemeClr val="lt1"/>
+          </a:fontRef>
+        </p:style>
+        <p:txBody>
+          <a:bodyPr rtlCol="0" anchor="ctr"/>
+          <a:lstStyle/>
+          <a:p>
+            <a:pPr algn="ctr"/>
+            <a:endParaRPr lang="ko-KR" altLang="en-US"/>
+          </a:p>
+        </p:txBody>
+      </p:sp>
+    </p:spTree>
+    <p:extLst>
+      <p:ext uri="{BB962C8B-B14F-4D97-AF65-F5344CB8AC3E}">
+        <p14:creationId xmlns:p14="http://schemas.microsoft.com/office/powerpoint/2010/main" val="185839275"/>
       </p:ext>
     </p:extLst>
   </p:cSld>

--- a/WebContent/발표/프로젝트5.pptx
+++ b/WebContent/발표/프로젝트5.pptx
@@ -8,15 +8,21 @@
     <p:sldId id="304" r:id="rId2"/>
     <p:sldId id="305" r:id="rId3"/>
     <p:sldId id="307" r:id="rId4"/>
-    <p:sldId id="308" r:id="rId5"/>
-    <p:sldId id="306" r:id="rId6"/>
-    <p:sldId id="310" r:id="rId7"/>
-    <p:sldId id="309" r:id="rId8"/>
-    <p:sldId id="311" r:id="rId9"/>
-    <p:sldId id="312" r:id="rId10"/>
-    <p:sldId id="313" r:id="rId11"/>
-    <p:sldId id="314" r:id="rId12"/>
-    <p:sldId id="315" r:id="rId13"/>
+    <p:sldId id="316" r:id="rId5"/>
+    <p:sldId id="317" r:id="rId6"/>
+    <p:sldId id="308" r:id="rId7"/>
+    <p:sldId id="318" r:id="rId8"/>
+    <p:sldId id="306" r:id="rId9"/>
+    <p:sldId id="319" r:id="rId10"/>
+    <p:sldId id="310" r:id="rId11"/>
+    <p:sldId id="320" r:id="rId12"/>
+    <p:sldId id="309" r:id="rId13"/>
+    <p:sldId id="321" r:id="rId14"/>
+    <p:sldId id="311" r:id="rId15"/>
+    <p:sldId id="312" r:id="rId16"/>
+    <p:sldId id="313" r:id="rId17"/>
+    <p:sldId id="314" r:id="rId18"/>
+    <p:sldId id="315" r:id="rId19"/>
   </p:sldIdLst>
   <p:sldSz cx="12192000" cy="6858000"/>
   <p:notesSz cx="6858000" cy="9144000"/>
@@ -6987,7 +6993,7 @@
           <p:cNvPr id="22" name="그림 21">
             <a:extLst>
               <a:ext uri="{FF2B5EF4-FFF2-40B4-BE49-F238E27FC236}">
-                <a16:creationId xmlns="" xmlns:a16="http://schemas.microsoft.com/office/drawing/2014/main" id="{928BE64D-A24F-42CB-B298-FBF49719BA30}"/>
+                <a16:creationId xmlns:a16="http://schemas.microsoft.com/office/drawing/2014/main" xmlns="" id="{928BE64D-A24F-42CB-B298-FBF49719BA30}"/>
               </a:ext>
             </a:extLst>
           </p:cNvPr>
@@ -7032,6 +7038,4603 @@
 </file>
 
 <file path=ppt/slides/slide10.xml><?xml version="1.0" encoding="utf-8"?>
+<p:sld xmlns:a="http://schemas.openxmlformats.org/drawingml/2006/main" xmlns:r="http://schemas.openxmlformats.org/officeDocument/2006/relationships" xmlns:p="http://schemas.openxmlformats.org/presentationml/2006/main">
+  <p:cSld>
+    <p:bg>
+      <p:bgPr>
+        <a:blipFill dpi="0" rotWithShape="1">
+          <a:blip r:embed="rId2">
+            <a:alphaModFix amt="36000"/>
+            <a:lum/>
+          </a:blip>
+          <a:srcRect/>
+          <a:tile tx="0" ty="0" sx="70000" sy="70000" flip="none" algn="tl"/>
+        </a:blipFill>
+        <a:effectLst/>
+      </p:bgPr>
+    </p:bg>
+    <p:spTree>
+      <p:nvGrpSpPr>
+        <p:cNvPr id="1" name=""/>
+        <p:cNvGrpSpPr/>
+        <p:nvPr/>
+      </p:nvGrpSpPr>
+      <p:grpSpPr>
+        <a:xfrm>
+          <a:off x="0" y="0"/>
+          <a:ext cx="0" cy="0"/>
+          <a:chOff x="0" y="0"/>
+          <a:chExt cx="0" cy="0"/>
+        </a:xfrm>
+      </p:grpSpPr>
+      <p:grpSp>
+        <p:nvGrpSpPr>
+          <p:cNvPr id="4" name="그룹 3"/>
+          <p:cNvGrpSpPr/>
+          <p:nvPr/>
+        </p:nvGrpSpPr>
+        <p:grpSpPr>
+          <a:xfrm>
+            <a:off x="152400" y="83680"/>
+            <a:ext cx="11903770" cy="6774320"/>
+            <a:chOff x="152400" y="83680"/>
+            <a:chExt cx="11903770" cy="6774320"/>
+          </a:xfrm>
+        </p:grpSpPr>
+        <p:sp>
+          <p:nvSpPr>
+            <p:cNvPr id="68" name="양쪽 모서리가 둥근 사각형 67"/>
+            <p:cNvSpPr/>
+            <p:nvPr/>
+          </p:nvSpPr>
+          <p:spPr>
+            <a:xfrm>
+              <a:off x="338203" y="83680"/>
+              <a:ext cx="11548997" cy="6482219"/>
+            </a:xfrm>
+            <a:prstGeom prst="round2SameRect">
+              <a:avLst>
+                <a:gd name="adj1" fmla="val 4566"/>
+                <a:gd name="adj2" fmla="val 0"/>
+              </a:avLst>
+            </a:prstGeom>
+            <a:pattFill prst="ltDnDiag">
+              <a:fgClr>
+                <a:schemeClr val="bg1">
+                  <a:lumMod val="75000"/>
+                </a:schemeClr>
+              </a:fgClr>
+              <a:bgClr>
+                <a:schemeClr val="bg1">
+                  <a:lumMod val="95000"/>
+                </a:schemeClr>
+              </a:bgClr>
+            </a:pattFill>
+            <a:ln w="28575">
+              <a:solidFill>
+                <a:schemeClr val="bg1">
+                  <a:lumMod val="50000"/>
+                </a:schemeClr>
+              </a:solidFill>
+            </a:ln>
+          </p:spPr>
+          <p:style>
+            <a:lnRef idx="2">
+              <a:schemeClr val="accent1">
+                <a:shade val="50000"/>
+              </a:schemeClr>
+            </a:lnRef>
+            <a:fillRef idx="1">
+              <a:schemeClr val="accent1"/>
+            </a:fillRef>
+            <a:effectRef idx="0">
+              <a:schemeClr val="accent1"/>
+            </a:effectRef>
+            <a:fontRef idx="minor">
+              <a:schemeClr val="lt1"/>
+            </a:fontRef>
+          </p:style>
+          <p:txBody>
+            <a:bodyPr rtlCol="0" anchor="ctr"/>
+            <a:lstStyle/>
+            <a:p>
+              <a:pPr algn="ctr"/>
+              <a:endParaRPr lang="ko-KR" altLang="en-US"/>
+            </a:p>
+          </p:txBody>
+        </p:sp>
+        <p:sp>
+          <p:nvSpPr>
+            <p:cNvPr id="69" name="양쪽 모서리가 둥근 사각형 68"/>
+            <p:cNvSpPr/>
+            <p:nvPr/>
+          </p:nvSpPr>
+          <p:spPr>
+            <a:xfrm>
+              <a:off x="524266" y="241300"/>
+              <a:ext cx="11176871" cy="6133424"/>
+            </a:xfrm>
+            <a:prstGeom prst="round2SameRect">
+              <a:avLst>
+                <a:gd name="adj1" fmla="val 3284"/>
+                <a:gd name="adj2" fmla="val 0"/>
+              </a:avLst>
+            </a:prstGeom>
+            <a:solidFill>
+              <a:schemeClr val="bg1"/>
+            </a:solidFill>
+            <a:ln w="19050">
+              <a:solidFill>
+                <a:schemeClr val="bg1">
+                  <a:lumMod val="50000"/>
+                </a:schemeClr>
+              </a:solidFill>
+            </a:ln>
+          </p:spPr>
+          <p:style>
+            <a:lnRef idx="2">
+              <a:schemeClr val="accent1">
+                <a:shade val="50000"/>
+              </a:schemeClr>
+            </a:lnRef>
+            <a:fillRef idx="1">
+              <a:schemeClr val="accent1"/>
+            </a:fillRef>
+            <a:effectRef idx="0">
+              <a:schemeClr val="accent1"/>
+            </a:effectRef>
+            <a:fontRef idx="minor">
+              <a:schemeClr val="lt1"/>
+            </a:fontRef>
+          </p:style>
+          <p:txBody>
+            <a:bodyPr rtlCol="0" anchor="ctr"/>
+            <a:lstStyle/>
+            <a:p>
+              <a:pPr algn="ctr"/>
+              <a:endParaRPr lang="ko-KR" altLang="en-US"/>
+            </a:p>
+          </p:txBody>
+        </p:sp>
+        <p:sp>
+          <p:nvSpPr>
+            <p:cNvPr id="84" name="양쪽 모서리가 둥근 사각형 83"/>
+            <p:cNvSpPr/>
+            <p:nvPr/>
+          </p:nvSpPr>
+          <p:spPr>
+            <a:xfrm rot="16200000">
+              <a:off x="1176083" y="5641873"/>
+              <a:ext cx="108000" cy="1798840"/>
+            </a:xfrm>
+            <a:prstGeom prst="round2SameRect">
+              <a:avLst>
+                <a:gd name="adj1" fmla="val 19304"/>
+                <a:gd name="adj2" fmla="val 0"/>
+              </a:avLst>
+            </a:prstGeom>
+            <a:gradFill flip="none" rotWithShape="1">
+              <a:gsLst>
+                <a:gs pos="17000">
+                  <a:schemeClr val="bg1">
+                    <a:lumMod val="50000"/>
+                  </a:schemeClr>
+                </a:gs>
+                <a:gs pos="59000">
+                  <a:schemeClr val="bg1">
+                    <a:shade val="100000"/>
+                    <a:satMod val="115000"/>
+                  </a:schemeClr>
+                </a:gs>
+              </a:gsLst>
+              <a:lin ang="0" scaled="1"/>
+              <a:tileRect/>
+            </a:gradFill>
+            <a:ln w="19050">
+              <a:solidFill>
+                <a:schemeClr val="bg1">
+                  <a:lumMod val="50000"/>
+                </a:schemeClr>
+              </a:solidFill>
+            </a:ln>
+          </p:spPr>
+          <p:style>
+            <a:lnRef idx="2">
+              <a:schemeClr val="accent1">
+                <a:shade val="50000"/>
+              </a:schemeClr>
+            </a:lnRef>
+            <a:fillRef idx="1">
+              <a:schemeClr val="accent1"/>
+            </a:fillRef>
+            <a:effectRef idx="0">
+              <a:schemeClr val="accent1"/>
+            </a:effectRef>
+            <a:fontRef idx="minor">
+              <a:schemeClr val="lt1"/>
+            </a:fontRef>
+          </p:style>
+          <p:txBody>
+            <a:bodyPr rtlCol="0" anchor="ctr"/>
+            <a:lstStyle/>
+            <a:p>
+              <a:pPr algn="ctr"/>
+              <a:endParaRPr lang="ko-KR" altLang="en-US">
+                <a:solidFill>
+                  <a:prstClr val="white"/>
+                </a:solidFill>
+              </a:endParaRPr>
+            </a:p>
+          </p:txBody>
+        </p:sp>
+        <p:sp>
+          <p:nvSpPr>
+            <p:cNvPr id="85" name="양쪽 모서리가 둥근 사각형 84"/>
+            <p:cNvSpPr/>
+            <p:nvPr/>
+          </p:nvSpPr>
+          <p:spPr>
+            <a:xfrm rot="5400000" flipH="1">
+              <a:off x="10930593" y="5641871"/>
+              <a:ext cx="108000" cy="1798840"/>
+            </a:xfrm>
+            <a:prstGeom prst="round2SameRect">
+              <a:avLst>
+                <a:gd name="adj1" fmla="val 19304"/>
+                <a:gd name="adj2" fmla="val 0"/>
+              </a:avLst>
+            </a:prstGeom>
+            <a:gradFill flip="none" rotWithShape="1">
+              <a:gsLst>
+                <a:gs pos="17000">
+                  <a:schemeClr val="bg1">
+                    <a:lumMod val="50000"/>
+                  </a:schemeClr>
+                </a:gs>
+                <a:gs pos="59000">
+                  <a:schemeClr val="bg1">
+                    <a:shade val="100000"/>
+                    <a:satMod val="115000"/>
+                  </a:schemeClr>
+                </a:gs>
+              </a:gsLst>
+              <a:lin ang="0" scaled="1"/>
+              <a:tileRect/>
+            </a:gradFill>
+            <a:ln w="19050">
+              <a:solidFill>
+                <a:schemeClr val="bg1">
+                  <a:lumMod val="50000"/>
+                </a:schemeClr>
+              </a:solidFill>
+            </a:ln>
+          </p:spPr>
+          <p:style>
+            <a:lnRef idx="2">
+              <a:schemeClr val="accent1">
+                <a:shade val="50000"/>
+              </a:schemeClr>
+            </a:lnRef>
+            <a:fillRef idx="1">
+              <a:schemeClr val="accent1"/>
+            </a:fillRef>
+            <a:effectRef idx="0">
+              <a:schemeClr val="accent1"/>
+            </a:effectRef>
+            <a:fontRef idx="minor">
+              <a:schemeClr val="lt1"/>
+            </a:fontRef>
+          </p:style>
+          <p:txBody>
+            <a:bodyPr rtlCol="0" anchor="ctr"/>
+            <a:lstStyle/>
+            <a:p>
+              <a:pPr algn="ctr"/>
+              <a:endParaRPr lang="ko-KR" altLang="en-US">
+                <a:solidFill>
+                  <a:prstClr val="white"/>
+                </a:solidFill>
+              </a:endParaRPr>
+            </a:p>
+          </p:txBody>
+        </p:sp>
+        <p:sp>
+          <p:nvSpPr>
+            <p:cNvPr id="86" name="양쪽 모서리가 둥근 사각형 85"/>
+            <p:cNvSpPr/>
+            <p:nvPr/>
+          </p:nvSpPr>
+          <p:spPr>
+            <a:xfrm rot="16200000">
+              <a:off x="6053339" y="2563457"/>
+              <a:ext cx="108000" cy="7955668"/>
+            </a:xfrm>
+            <a:prstGeom prst="round2SameRect">
+              <a:avLst>
+                <a:gd name="adj1" fmla="val 0"/>
+                <a:gd name="adj2" fmla="val 0"/>
+              </a:avLst>
+            </a:prstGeom>
+            <a:gradFill flip="none" rotWithShape="1">
+              <a:gsLst>
+                <a:gs pos="17000">
+                  <a:schemeClr val="bg1">
+                    <a:lumMod val="50000"/>
+                  </a:schemeClr>
+                </a:gs>
+                <a:gs pos="59000">
+                  <a:schemeClr val="bg1">
+                    <a:shade val="100000"/>
+                    <a:satMod val="115000"/>
+                  </a:schemeClr>
+                </a:gs>
+              </a:gsLst>
+              <a:lin ang="0" scaled="1"/>
+              <a:tileRect/>
+            </a:gradFill>
+            <a:ln w="19050">
+              <a:solidFill>
+                <a:schemeClr val="bg1">
+                  <a:lumMod val="50000"/>
+                </a:schemeClr>
+              </a:solidFill>
+            </a:ln>
+          </p:spPr>
+          <p:style>
+            <a:lnRef idx="2">
+              <a:schemeClr val="accent1">
+                <a:shade val="50000"/>
+              </a:schemeClr>
+            </a:lnRef>
+            <a:fillRef idx="1">
+              <a:schemeClr val="accent1"/>
+            </a:fillRef>
+            <a:effectRef idx="0">
+              <a:schemeClr val="accent1"/>
+            </a:effectRef>
+            <a:fontRef idx="minor">
+              <a:schemeClr val="lt1"/>
+            </a:fontRef>
+          </p:style>
+          <p:txBody>
+            <a:bodyPr rtlCol="0" anchor="ctr"/>
+            <a:lstStyle/>
+            <a:p>
+              <a:pPr algn="ctr"/>
+              <a:endParaRPr lang="ko-KR" altLang="en-US">
+                <a:solidFill>
+                  <a:prstClr val="white"/>
+                </a:solidFill>
+              </a:endParaRPr>
+            </a:p>
+          </p:txBody>
+        </p:sp>
+        <p:sp>
+          <p:nvSpPr>
+            <p:cNvPr id="14" name="자유형 13"/>
+            <p:cNvSpPr/>
+            <p:nvPr/>
+          </p:nvSpPr>
+          <p:spPr>
+            <a:xfrm>
+              <a:off x="158507" y="6590451"/>
+              <a:ext cx="11897663" cy="267549"/>
+            </a:xfrm>
+            <a:custGeom>
+              <a:avLst/>
+              <a:gdLst>
+                <a:gd name="connsiteX0" fmla="*/ 195955 w 11897663"/>
+                <a:gd name="connsiteY0" fmla="*/ 0 h 267549"/>
+                <a:gd name="connsiteX1" fmla="*/ 11701708 w 11897663"/>
+                <a:gd name="connsiteY1" fmla="*/ 0 h 267549"/>
+                <a:gd name="connsiteX2" fmla="*/ 11897663 w 11897663"/>
+                <a:gd name="connsiteY2" fmla="*/ 267549 h 267549"/>
+                <a:gd name="connsiteX3" fmla="*/ 0 w 11897663"/>
+                <a:gd name="connsiteY3" fmla="*/ 267549 h 267549"/>
+              </a:gdLst>
+              <a:ahLst/>
+              <a:cxnLst>
+                <a:cxn ang="0">
+                  <a:pos x="connsiteX0" y="connsiteY0"/>
+                </a:cxn>
+                <a:cxn ang="0">
+                  <a:pos x="connsiteX1" y="connsiteY1"/>
+                </a:cxn>
+                <a:cxn ang="0">
+                  <a:pos x="connsiteX2" y="connsiteY2"/>
+                </a:cxn>
+                <a:cxn ang="0">
+                  <a:pos x="connsiteX3" y="connsiteY3"/>
+                </a:cxn>
+              </a:cxnLst>
+              <a:rect l="l" t="t" r="r" b="b"/>
+              <a:pathLst>
+                <a:path w="11897663" h="267549">
+                  <a:moveTo>
+                    <a:pt x="195955" y="0"/>
+                  </a:moveTo>
+                  <a:lnTo>
+                    <a:pt x="11701708" y="0"/>
+                  </a:lnTo>
+                  <a:lnTo>
+                    <a:pt x="11897663" y="267549"/>
+                  </a:lnTo>
+                  <a:lnTo>
+                    <a:pt x="0" y="267549"/>
+                  </a:lnTo>
+                  <a:close/>
+                </a:path>
+              </a:pathLst>
+            </a:custGeom>
+            <a:solidFill>
+              <a:schemeClr val="bg1"/>
+            </a:solidFill>
+            <a:ln w="19050">
+              <a:solidFill>
+                <a:schemeClr val="bg1">
+                  <a:lumMod val="50000"/>
+                </a:schemeClr>
+              </a:solidFill>
+            </a:ln>
+          </p:spPr>
+          <p:style>
+            <a:lnRef idx="2">
+              <a:schemeClr val="accent1">
+                <a:shade val="50000"/>
+              </a:schemeClr>
+            </a:lnRef>
+            <a:fillRef idx="1">
+              <a:schemeClr val="accent1"/>
+            </a:fillRef>
+            <a:effectRef idx="0">
+              <a:schemeClr val="accent1"/>
+            </a:effectRef>
+            <a:fontRef idx="minor">
+              <a:schemeClr val="lt1"/>
+            </a:fontRef>
+          </p:style>
+          <p:txBody>
+            <a:bodyPr wrap="square" rtlCol="0" anchor="ctr">
+              <a:noAutofit/>
+            </a:bodyPr>
+            <a:lstStyle/>
+            <a:p>
+              <a:pPr algn="ctr"/>
+              <a:endParaRPr lang="ko-KR" altLang="en-US">
+                <a:solidFill>
+                  <a:prstClr val="white"/>
+                </a:solidFill>
+              </a:endParaRPr>
+            </a:p>
+          </p:txBody>
+        </p:sp>
+        <p:sp>
+          <p:nvSpPr>
+            <p:cNvPr id="26" name="자유형 25"/>
+            <p:cNvSpPr/>
+            <p:nvPr/>
+          </p:nvSpPr>
+          <p:spPr>
+            <a:xfrm>
+              <a:off x="152400" y="6565900"/>
+              <a:ext cx="11750381" cy="292100"/>
+            </a:xfrm>
+            <a:custGeom>
+              <a:avLst/>
+              <a:gdLst>
+                <a:gd name="connsiteX0" fmla="*/ 177800 w 11722100"/>
+                <a:gd name="connsiteY0" fmla="*/ 0 h 292100"/>
+                <a:gd name="connsiteX1" fmla="*/ 0 w 11722100"/>
+                <a:gd name="connsiteY1" fmla="*/ 292100 h 292100"/>
+                <a:gd name="connsiteX2" fmla="*/ 11722100 w 11722100"/>
+                <a:gd name="connsiteY2" fmla="*/ 50800 h 292100"/>
+                <a:gd name="connsiteX3" fmla="*/ 177800 w 11722100"/>
+                <a:gd name="connsiteY3" fmla="*/ 0 h 292100"/>
+                <a:gd name="connsiteX0" fmla="*/ 206081 w 11722100"/>
+                <a:gd name="connsiteY0" fmla="*/ 0 h 292100"/>
+                <a:gd name="connsiteX1" fmla="*/ 0 w 11722100"/>
+                <a:gd name="connsiteY1" fmla="*/ 292100 h 292100"/>
+                <a:gd name="connsiteX2" fmla="*/ 11722100 w 11722100"/>
+                <a:gd name="connsiteY2" fmla="*/ 50800 h 292100"/>
+                <a:gd name="connsiteX3" fmla="*/ 206081 w 11722100"/>
+                <a:gd name="connsiteY3" fmla="*/ 0 h 292100"/>
+                <a:gd name="connsiteX0" fmla="*/ 206081 w 11750381"/>
+                <a:gd name="connsiteY0" fmla="*/ 0 h 292100"/>
+                <a:gd name="connsiteX1" fmla="*/ 0 w 11750381"/>
+                <a:gd name="connsiteY1" fmla="*/ 292100 h 292100"/>
+                <a:gd name="connsiteX2" fmla="*/ 11750381 w 11750381"/>
+                <a:gd name="connsiteY2" fmla="*/ 31947 h 292100"/>
+                <a:gd name="connsiteX3" fmla="*/ 206081 w 11750381"/>
+                <a:gd name="connsiteY3" fmla="*/ 0 h 292100"/>
+              </a:gdLst>
+              <a:ahLst/>
+              <a:cxnLst>
+                <a:cxn ang="0">
+                  <a:pos x="connsiteX0" y="connsiteY0"/>
+                </a:cxn>
+                <a:cxn ang="0">
+                  <a:pos x="connsiteX1" y="connsiteY1"/>
+                </a:cxn>
+                <a:cxn ang="0">
+                  <a:pos x="connsiteX2" y="connsiteY2"/>
+                </a:cxn>
+                <a:cxn ang="0">
+                  <a:pos x="connsiteX3" y="connsiteY3"/>
+                </a:cxn>
+              </a:cxnLst>
+              <a:rect l="l" t="t" r="r" b="b"/>
+              <a:pathLst>
+                <a:path w="11750381" h="292100">
+                  <a:moveTo>
+                    <a:pt x="206081" y="0"/>
+                  </a:moveTo>
+                  <a:lnTo>
+                    <a:pt x="0" y="292100"/>
+                  </a:lnTo>
+                  <a:lnTo>
+                    <a:pt x="11750381" y="31947"/>
+                  </a:lnTo>
+                  <a:lnTo>
+                    <a:pt x="206081" y="0"/>
+                  </a:lnTo>
+                  <a:close/>
+                </a:path>
+              </a:pathLst>
+            </a:custGeom>
+            <a:solidFill>
+              <a:schemeClr val="tx1">
+                <a:alpha val="13000"/>
+              </a:schemeClr>
+            </a:solidFill>
+            <a:ln>
+              <a:noFill/>
+            </a:ln>
+          </p:spPr>
+          <p:style>
+            <a:lnRef idx="2">
+              <a:schemeClr val="accent1">
+                <a:shade val="50000"/>
+              </a:schemeClr>
+            </a:lnRef>
+            <a:fillRef idx="1">
+              <a:schemeClr val="accent1"/>
+            </a:fillRef>
+            <a:effectRef idx="0">
+              <a:schemeClr val="accent1"/>
+            </a:effectRef>
+            <a:fontRef idx="minor">
+              <a:schemeClr val="lt1"/>
+            </a:fontRef>
+          </p:style>
+          <p:txBody>
+            <a:bodyPr rtlCol="0" anchor="ctr"/>
+            <a:lstStyle/>
+            <a:p>
+              <a:pPr algn="ctr"/>
+              <a:endParaRPr lang="ko-KR" altLang="en-US"/>
+            </a:p>
+          </p:txBody>
+        </p:sp>
+        <p:sp>
+          <p:nvSpPr>
+            <p:cNvPr id="15" name="모서리가 둥근 직사각형 14"/>
+            <p:cNvSpPr/>
+            <p:nvPr/>
+          </p:nvSpPr>
+          <p:spPr>
+            <a:xfrm>
+              <a:off x="524266" y="6670585"/>
+              <a:ext cx="597524" cy="64121"/>
+            </a:xfrm>
+            <a:prstGeom prst="roundRect">
+              <a:avLst>
+                <a:gd name="adj" fmla="val 50000"/>
+              </a:avLst>
+            </a:prstGeom>
+            <a:solidFill>
+              <a:srgbClr val="00B0F0"/>
+            </a:solidFill>
+            <a:ln>
+              <a:solidFill>
+                <a:schemeClr val="bg1">
+                  <a:lumMod val="50000"/>
+                </a:schemeClr>
+              </a:solidFill>
+            </a:ln>
+          </p:spPr>
+          <p:style>
+            <a:lnRef idx="2">
+              <a:schemeClr val="accent1">
+                <a:shade val="50000"/>
+              </a:schemeClr>
+            </a:lnRef>
+            <a:fillRef idx="1">
+              <a:schemeClr val="accent1"/>
+            </a:fillRef>
+            <a:effectRef idx="0">
+              <a:schemeClr val="accent1"/>
+            </a:effectRef>
+            <a:fontRef idx="minor">
+              <a:schemeClr val="lt1"/>
+            </a:fontRef>
+          </p:style>
+          <p:txBody>
+            <a:bodyPr rtlCol="0" anchor="ctr"/>
+            <a:lstStyle/>
+            <a:p>
+              <a:pPr algn="ctr"/>
+              <a:endParaRPr lang="ko-KR" altLang="en-US"/>
+            </a:p>
+          </p:txBody>
+        </p:sp>
+      </p:grpSp>
+      <p:sp>
+        <p:nvSpPr>
+          <p:cNvPr id="82" name="직사각형 81"/>
+          <p:cNvSpPr/>
+          <p:nvPr/>
+        </p:nvSpPr>
+        <p:spPr>
+          <a:xfrm>
+            <a:off x="3353610" y="228600"/>
+            <a:ext cx="5484781" cy="738664"/>
+          </a:xfrm>
+          <a:prstGeom prst="rect">
+            <a:avLst/>
+          </a:prstGeom>
+        </p:spPr>
+        <p:txBody>
+          <a:bodyPr wrap="square">
+            <a:spAutoFit/>
+          </a:bodyPr>
+          <a:lstStyle/>
+          <a:p>
+            <a:pPr algn="ctr">
+              <a:lnSpc>
+                <a:spcPct val="150000"/>
+              </a:lnSpc>
+            </a:pPr>
+            <a:r>
+              <a:rPr lang="en-US" altLang="ko-KR" sz="2000" i="1" dirty="0" smtClean="0">
+                <a:solidFill>
+                  <a:schemeClr val="bg1">
+                    <a:lumMod val="50000"/>
+                  </a:schemeClr>
+                </a:solidFill>
+              </a:rPr>
+              <a:t>ERD </a:t>
+            </a:r>
+            <a:r>
+              <a:rPr lang="en-US" altLang="ko-KR" sz="2800" b="1" i="1" dirty="0" smtClean="0">
+                <a:solidFill>
+                  <a:schemeClr val="bg1">
+                    <a:lumMod val="50000"/>
+                  </a:schemeClr>
+                </a:solidFill>
+              </a:rPr>
+              <a:t>Entity Relationship Diagram</a:t>
+            </a:r>
+            <a:endParaRPr lang="en-US" altLang="ko-KR" sz="2800" b="1" i="1" dirty="0">
+              <a:solidFill>
+                <a:schemeClr val="bg1">
+                  <a:lumMod val="50000"/>
+                </a:schemeClr>
+              </a:solidFill>
+            </a:endParaRPr>
+          </a:p>
+        </p:txBody>
+      </p:sp>
+    </p:spTree>
+    <p:extLst>
+      <p:ext uri="{BB962C8B-B14F-4D97-AF65-F5344CB8AC3E}">
+        <p14:creationId xmlns:p14="http://schemas.microsoft.com/office/powerpoint/2010/main" val="1281114008"/>
+      </p:ext>
+    </p:extLst>
+  </p:cSld>
+  <p:clrMapOvr>
+    <a:masterClrMapping/>
+  </p:clrMapOvr>
+  <p:timing>
+    <p:tnLst>
+      <p:par>
+        <p:cTn id="1" dur="indefinite" restart="never" nodeType="tmRoot"/>
+      </p:par>
+    </p:tnLst>
+  </p:timing>
+</p:sld>
+</file>
+
+<file path=ppt/slides/slide11.xml><?xml version="1.0" encoding="utf-8"?>
+<p:sld xmlns:a="http://schemas.openxmlformats.org/drawingml/2006/main" xmlns:r="http://schemas.openxmlformats.org/officeDocument/2006/relationships" xmlns:p="http://schemas.openxmlformats.org/presentationml/2006/main">
+  <p:cSld>
+    <p:spTree>
+      <p:nvGrpSpPr>
+        <p:cNvPr id="1" name=""/>
+        <p:cNvGrpSpPr/>
+        <p:nvPr/>
+      </p:nvGrpSpPr>
+      <p:grpSpPr>
+        <a:xfrm>
+          <a:off x="0" y="0"/>
+          <a:ext cx="0" cy="0"/>
+          <a:chOff x="0" y="0"/>
+          <a:chExt cx="0" cy="0"/>
+        </a:xfrm>
+      </p:grpSpPr>
+      <p:grpSp>
+        <p:nvGrpSpPr>
+          <p:cNvPr id="4" name="그룹 3"/>
+          <p:cNvGrpSpPr/>
+          <p:nvPr/>
+        </p:nvGrpSpPr>
+        <p:grpSpPr>
+          <a:xfrm>
+            <a:off x="152400" y="83680"/>
+            <a:ext cx="11903770" cy="6774320"/>
+            <a:chOff x="152400" y="83680"/>
+            <a:chExt cx="11903770" cy="6774320"/>
+          </a:xfrm>
+        </p:grpSpPr>
+        <p:sp>
+          <p:nvSpPr>
+            <p:cNvPr id="68" name="양쪽 모서리가 둥근 사각형 67"/>
+            <p:cNvSpPr/>
+            <p:nvPr/>
+          </p:nvSpPr>
+          <p:spPr>
+            <a:xfrm>
+              <a:off x="338203" y="83680"/>
+              <a:ext cx="11548997" cy="6482219"/>
+            </a:xfrm>
+            <a:prstGeom prst="round2SameRect">
+              <a:avLst>
+                <a:gd name="adj1" fmla="val 4566"/>
+                <a:gd name="adj2" fmla="val 0"/>
+              </a:avLst>
+            </a:prstGeom>
+            <a:pattFill prst="ltDnDiag">
+              <a:fgClr>
+                <a:schemeClr val="bg1">
+                  <a:lumMod val="75000"/>
+                </a:schemeClr>
+              </a:fgClr>
+              <a:bgClr>
+                <a:schemeClr val="bg1">
+                  <a:lumMod val="95000"/>
+                </a:schemeClr>
+              </a:bgClr>
+            </a:pattFill>
+            <a:ln w="28575">
+              <a:solidFill>
+                <a:schemeClr val="bg1">
+                  <a:lumMod val="50000"/>
+                </a:schemeClr>
+              </a:solidFill>
+            </a:ln>
+          </p:spPr>
+          <p:style>
+            <a:lnRef idx="2">
+              <a:schemeClr val="accent1">
+                <a:shade val="50000"/>
+              </a:schemeClr>
+            </a:lnRef>
+            <a:fillRef idx="1">
+              <a:schemeClr val="accent1"/>
+            </a:fillRef>
+            <a:effectRef idx="0">
+              <a:schemeClr val="accent1"/>
+            </a:effectRef>
+            <a:fontRef idx="minor">
+              <a:schemeClr val="lt1"/>
+            </a:fontRef>
+          </p:style>
+          <p:txBody>
+            <a:bodyPr rtlCol="0" anchor="ctr"/>
+            <a:lstStyle/>
+            <a:p>
+              <a:pPr algn="ctr"/>
+              <a:endParaRPr lang="ko-KR" altLang="en-US"/>
+            </a:p>
+          </p:txBody>
+        </p:sp>
+        <p:sp>
+          <p:nvSpPr>
+            <p:cNvPr id="69" name="양쪽 모서리가 둥근 사각형 68"/>
+            <p:cNvSpPr/>
+            <p:nvPr/>
+          </p:nvSpPr>
+          <p:spPr>
+            <a:xfrm>
+              <a:off x="524266" y="241300"/>
+              <a:ext cx="11176871" cy="6133424"/>
+            </a:xfrm>
+            <a:prstGeom prst="round2SameRect">
+              <a:avLst>
+                <a:gd name="adj1" fmla="val 3284"/>
+                <a:gd name="adj2" fmla="val 0"/>
+              </a:avLst>
+            </a:prstGeom>
+            <a:solidFill>
+              <a:schemeClr val="bg1"/>
+            </a:solidFill>
+            <a:ln w="19050">
+              <a:solidFill>
+                <a:schemeClr val="bg1">
+                  <a:lumMod val="50000"/>
+                </a:schemeClr>
+              </a:solidFill>
+            </a:ln>
+          </p:spPr>
+          <p:style>
+            <a:lnRef idx="2">
+              <a:schemeClr val="accent1">
+                <a:shade val="50000"/>
+              </a:schemeClr>
+            </a:lnRef>
+            <a:fillRef idx="1">
+              <a:schemeClr val="accent1"/>
+            </a:fillRef>
+            <a:effectRef idx="0">
+              <a:schemeClr val="accent1"/>
+            </a:effectRef>
+            <a:fontRef idx="minor">
+              <a:schemeClr val="lt1"/>
+            </a:fontRef>
+          </p:style>
+          <p:txBody>
+            <a:bodyPr rtlCol="0" anchor="ctr"/>
+            <a:lstStyle/>
+            <a:p>
+              <a:pPr algn="ctr"/>
+              <a:endParaRPr lang="ko-KR" altLang="en-US"/>
+            </a:p>
+          </p:txBody>
+        </p:sp>
+        <p:sp>
+          <p:nvSpPr>
+            <p:cNvPr id="84" name="양쪽 모서리가 둥근 사각형 83"/>
+            <p:cNvSpPr/>
+            <p:nvPr/>
+          </p:nvSpPr>
+          <p:spPr>
+            <a:xfrm rot="16200000">
+              <a:off x="1176083" y="5641873"/>
+              <a:ext cx="108000" cy="1798840"/>
+            </a:xfrm>
+            <a:prstGeom prst="round2SameRect">
+              <a:avLst>
+                <a:gd name="adj1" fmla="val 19304"/>
+                <a:gd name="adj2" fmla="val 0"/>
+              </a:avLst>
+            </a:prstGeom>
+            <a:gradFill flip="none" rotWithShape="1">
+              <a:gsLst>
+                <a:gs pos="17000">
+                  <a:schemeClr val="bg1">
+                    <a:lumMod val="50000"/>
+                  </a:schemeClr>
+                </a:gs>
+                <a:gs pos="59000">
+                  <a:schemeClr val="bg1">
+                    <a:shade val="100000"/>
+                    <a:satMod val="115000"/>
+                  </a:schemeClr>
+                </a:gs>
+              </a:gsLst>
+              <a:lin ang="0" scaled="1"/>
+              <a:tileRect/>
+            </a:gradFill>
+            <a:ln w="19050">
+              <a:solidFill>
+                <a:schemeClr val="bg1">
+                  <a:lumMod val="50000"/>
+                </a:schemeClr>
+              </a:solidFill>
+            </a:ln>
+          </p:spPr>
+          <p:style>
+            <a:lnRef idx="2">
+              <a:schemeClr val="accent1">
+                <a:shade val="50000"/>
+              </a:schemeClr>
+            </a:lnRef>
+            <a:fillRef idx="1">
+              <a:schemeClr val="accent1"/>
+            </a:fillRef>
+            <a:effectRef idx="0">
+              <a:schemeClr val="accent1"/>
+            </a:effectRef>
+            <a:fontRef idx="minor">
+              <a:schemeClr val="lt1"/>
+            </a:fontRef>
+          </p:style>
+          <p:txBody>
+            <a:bodyPr rtlCol="0" anchor="ctr"/>
+            <a:lstStyle/>
+            <a:p>
+              <a:pPr algn="ctr"/>
+              <a:endParaRPr lang="ko-KR" altLang="en-US">
+                <a:solidFill>
+                  <a:prstClr val="white"/>
+                </a:solidFill>
+              </a:endParaRPr>
+            </a:p>
+          </p:txBody>
+        </p:sp>
+        <p:sp>
+          <p:nvSpPr>
+            <p:cNvPr id="85" name="양쪽 모서리가 둥근 사각형 84"/>
+            <p:cNvSpPr/>
+            <p:nvPr/>
+          </p:nvSpPr>
+          <p:spPr>
+            <a:xfrm rot="5400000" flipH="1">
+              <a:off x="10930593" y="5641871"/>
+              <a:ext cx="108000" cy="1798840"/>
+            </a:xfrm>
+            <a:prstGeom prst="round2SameRect">
+              <a:avLst>
+                <a:gd name="adj1" fmla="val 19304"/>
+                <a:gd name="adj2" fmla="val 0"/>
+              </a:avLst>
+            </a:prstGeom>
+            <a:gradFill flip="none" rotWithShape="1">
+              <a:gsLst>
+                <a:gs pos="17000">
+                  <a:schemeClr val="bg1">
+                    <a:lumMod val="50000"/>
+                  </a:schemeClr>
+                </a:gs>
+                <a:gs pos="59000">
+                  <a:schemeClr val="bg1">
+                    <a:shade val="100000"/>
+                    <a:satMod val="115000"/>
+                  </a:schemeClr>
+                </a:gs>
+              </a:gsLst>
+              <a:lin ang="0" scaled="1"/>
+              <a:tileRect/>
+            </a:gradFill>
+            <a:ln w="19050">
+              <a:solidFill>
+                <a:schemeClr val="bg1">
+                  <a:lumMod val="50000"/>
+                </a:schemeClr>
+              </a:solidFill>
+            </a:ln>
+          </p:spPr>
+          <p:style>
+            <a:lnRef idx="2">
+              <a:schemeClr val="accent1">
+                <a:shade val="50000"/>
+              </a:schemeClr>
+            </a:lnRef>
+            <a:fillRef idx="1">
+              <a:schemeClr val="accent1"/>
+            </a:fillRef>
+            <a:effectRef idx="0">
+              <a:schemeClr val="accent1"/>
+            </a:effectRef>
+            <a:fontRef idx="minor">
+              <a:schemeClr val="lt1"/>
+            </a:fontRef>
+          </p:style>
+          <p:txBody>
+            <a:bodyPr rtlCol="0" anchor="ctr"/>
+            <a:lstStyle/>
+            <a:p>
+              <a:pPr algn="ctr"/>
+              <a:endParaRPr lang="ko-KR" altLang="en-US">
+                <a:solidFill>
+                  <a:prstClr val="white"/>
+                </a:solidFill>
+              </a:endParaRPr>
+            </a:p>
+          </p:txBody>
+        </p:sp>
+        <p:sp>
+          <p:nvSpPr>
+            <p:cNvPr id="86" name="양쪽 모서리가 둥근 사각형 85"/>
+            <p:cNvSpPr/>
+            <p:nvPr/>
+          </p:nvSpPr>
+          <p:spPr>
+            <a:xfrm rot="16200000">
+              <a:off x="6053339" y="2563457"/>
+              <a:ext cx="108000" cy="7955668"/>
+            </a:xfrm>
+            <a:prstGeom prst="round2SameRect">
+              <a:avLst>
+                <a:gd name="adj1" fmla="val 0"/>
+                <a:gd name="adj2" fmla="val 0"/>
+              </a:avLst>
+            </a:prstGeom>
+            <a:gradFill flip="none" rotWithShape="1">
+              <a:gsLst>
+                <a:gs pos="17000">
+                  <a:schemeClr val="bg1">
+                    <a:lumMod val="50000"/>
+                  </a:schemeClr>
+                </a:gs>
+                <a:gs pos="59000">
+                  <a:schemeClr val="bg1">
+                    <a:shade val="100000"/>
+                    <a:satMod val="115000"/>
+                  </a:schemeClr>
+                </a:gs>
+              </a:gsLst>
+              <a:lin ang="0" scaled="1"/>
+              <a:tileRect/>
+            </a:gradFill>
+            <a:ln w="19050">
+              <a:solidFill>
+                <a:schemeClr val="bg1">
+                  <a:lumMod val="50000"/>
+                </a:schemeClr>
+              </a:solidFill>
+            </a:ln>
+          </p:spPr>
+          <p:style>
+            <a:lnRef idx="2">
+              <a:schemeClr val="accent1">
+                <a:shade val="50000"/>
+              </a:schemeClr>
+            </a:lnRef>
+            <a:fillRef idx="1">
+              <a:schemeClr val="accent1"/>
+            </a:fillRef>
+            <a:effectRef idx="0">
+              <a:schemeClr val="accent1"/>
+            </a:effectRef>
+            <a:fontRef idx="minor">
+              <a:schemeClr val="lt1"/>
+            </a:fontRef>
+          </p:style>
+          <p:txBody>
+            <a:bodyPr rtlCol="0" anchor="ctr"/>
+            <a:lstStyle/>
+            <a:p>
+              <a:pPr algn="ctr"/>
+              <a:endParaRPr lang="ko-KR" altLang="en-US">
+                <a:solidFill>
+                  <a:prstClr val="white"/>
+                </a:solidFill>
+              </a:endParaRPr>
+            </a:p>
+          </p:txBody>
+        </p:sp>
+        <p:sp>
+          <p:nvSpPr>
+            <p:cNvPr id="14" name="자유형 13"/>
+            <p:cNvSpPr/>
+            <p:nvPr/>
+          </p:nvSpPr>
+          <p:spPr>
+            <a:xfrm>
+              <a:off x="158507" y="6590451"/>
+              <a:ext cx="11897663" cy="267549"/>
+            </a:xfrm>
+            <a:custGeom>
+              <a:avLst/>
+              <a:gdLst>
+                <a:gd name="connsiteX0" fmla="*/ 195955 w 11897663"/>
+                <a:gd name="connsiteY0" fmla="*/ 0 h 267549"/>
+                <a:gd name="connsiteX1" fmla="*/ 11701708 w 11897663"/>
+                <a:gd name="connsiteY1" fmla="*/ 0 h 267549"/>
+                <a:gd name="connsiteX2" fmla="*/ 11897663 w 11897663"/>
+                <a:gd name="connsiteY2" fmla="*/ 267549 h 267549"/>
+                <a:gd name="connsiteX3" fmla="*/ 0 w 11897663"/>
+                <a:gd name="connsiteY3" fmla="*/ 267549 h 267549"/>
+              </a:gdLst>
+              <a:ahLst/>
+              <a:cxnLst>
+                <a:cxn ang="0">
+                  <a:pos x="connsiteX0" y="connsiteY0"/>
+                </a:cxn>
+                <a:cxn ang="0">
+                  <a:pos x="connsiteX1" y="connsiteY1"/>
+                </a:cxn>
+                <a:cxn ang="0">
+                  <a:pos x="connsiteX2" y="connsiteY2"/>
+                </a:cxn>
+                <a:cxn ang="0">
+                  <a:pos x="connsiteX3" y="connsiteY3"/>
+                </a:cxn>
+              </a:cxnLst>
+              <a:rect l="l" t="t" r="r" b="b"/>
+              <a:pathLst>
+                <a:path w="11897663" h="267549">
+                  <a:moveTo>
+                    <a:pt x="195955" y="0"/>
+                  </a:moveTo>
+                  <a:lnTo>
+                    <a:pt x="11701708" y="0"/>
+                  </a:lnTo>
+                  <a:lnTo>
+                    <a:pt x="11897663" y="267549"/>
+                  </a:lnTo>
+                  <a:lnTo>
+                    <a:pt x="0" y="267549"/>
+                  </a:lnTo>
+                  <a:close/>
+                </a:path>
+              </a:pathLst>
+            </a:custGeom>
+            <a:solidFill>
+              <a:schemeClr val="bg1"/>
+            </a:solidFill>
+            <a:ln w="19050">
+              <a:solidFill>
+                <a:schemeClr val="bg1">
+                  <a:lumMod val="50000"/>
+                </a:schemeClr>
+              </a:solidFill>
+            </a:ln>
+          </p:spPr>
+          <p:style>
+            <a:lnRef idx="2">
+              <a:schemeClr val="accent1">
+                <a:shade val="50000"/>
+              </a:schemeClr>
+            </a:lnRef>
+            <a:fillRef idx="1">
+              <a:schemeClr val="accent1"/>
+            </a:fillRef>
+            <a:effectRef idx="0">
+              <a:schemeClr val="accent1"/>
+            </a:effectRef>
+            <a:fontRef idx="minor">
+              <a:schemeClr val="lt1"/>
+            </a:fontRef>
+          </p:style>
+          <p:txBody>
+            <a:bodyPr wrap="square" rtlCol="0" anchor="ctr">
+              <a:noAutofit/>
+            </a:bodyPr>
+            <a:lstStyle/>
+            <a:p>
+              <a:pPr algn="ctr"/>
+              <a:endParaRPr lang="ko-KR" altLang="en-US">
+                <a:solidFill>
+                  <a:prstClr val="white"/>
+                </a:solidFill>
+              </a:endParaRPr>
+            </a:p>
+          </p:txBody>
+        </p:sp>
+        <p:sp>
+          <p:nvSpPr>
+            <p:cNvPr id="26" name="자유형 25"/>
+            <p:cNvSpPr/>
+            <p:nvPr/>
+          </p:nvSpPr>
+          <p:spPr>
+            <a:xfrm>
+              <a:off x="152400" y="6565900"/>
+              <a:ext cx="11750381" cy="292100"/>
+            </a:xfrm>
+            <a:custGeom>
+              <a:avLst/>
+              <a:gdLst>
+                <a:gd name="connsiteX0" fmla="*/ 177800 w 11722100"/>
+                <a:gd name="connsiteY0" fmla="*/ 0 h 292100"/>
+                <a:gd name="connsiteX1" fmla="*/ 0 w 11722100"/>
+                <a:gd name="connsiteY1" fmla="*/ 292100 h 292100"/>
+                <a:gd name="connsiteX2" fmla="*/ 11722100 w 11722100"/>
+                <a:gd name="connsiteY2" fmla="*/ 50800 h 292100"/>
+                <a:gd name="connsiteX3" fmla="*/ 177800 w 11722100"/>
+                <a:gd name="connsiteY3" fmla="*/ 0 h 292100"/>
+                <a:gd name="connsiteX0" fmla="*/ 206081 w 11722100"/>
+                <a:gd name="connsiteY0" fmla="*/ 0 h 292100"/>
+                <a:gd name="connsiteX1" fmla="*/ 0 w 11722100"/>
+                <a:gd name="connsiteY1" fmla="*/ 292100 h 292100"/>
+                <a:gd name="connsiteX2" fmla="*/ 11722100 w 11722100"/>
+                <a:gd name="connsiteY2" fmla="*/ 50800 h 292100"/>
+                <a:gd name="connsiteX3" fmla="*/ 206081 w 11722100"/>
+                <a:gd name="connsiteY3" fmla="*/ 0 h 292100"/>
+                <a:gd name="connsiteX0" fmla="*/ 206081 w 11750381"/>
+                <a:gd name="connsiteY0" fmla="*/ 0 h 292100"/>
+                <a:gd name="connsiteX1" fmla="*/ 0 w 11750381"/>
+                <a:gd name="connsiteY1" fmla="*/ 292100 h 292100"/>
+                <a:gd name="connsiteX2" fmla="*/ 11750381 w 11750381"/>
+                <a:gd name="connsiteY2" fmla="*/ 31947 h 292100"/>
+                <a:gd name="connsiteX3" fmla="*/ 206081 w 11750381"/>
+                <a:gd name="connsiteY3" fmla="*/ 0 h 292100"/>
+              </a:gdLst>
+              <a:ahLst/>
+              <a:cxnLst>
+                <a:cxn ang="0">
+                  <a:pos x="connsiteX0" y="connsiteY0"/>
+                </a:cxn>
+                <a:cxn ang="0">
+                  <a:pos x="connsiteX1" y="connsiteY1"/>
+                </a:cxn>
+                <a:cxn ang="0">
+                  <a:pos x="connsiteX2" y="connsiteY2"/>
+                </a:cxn>
+                <a:cxn ang="0">
+                  <a:pos x="connsiteX3" y="connsiteY3"/>
+                </a:cxn>
+              </a:cxnLst>
+              <a:rect l="l" t="t" r="r" b="b"/>
+              <a:pathLst>
+                <a:path w="11750381" h="292100">
+                  <a:moveTo>
+                    <a:pt x="206081" y="0"/>
+                  </a:moveTo>
+                  <a:lnTo>
+                    <a:pt x="0" y="292100"/>
+                  </a:lnTo>
+                  <a:lnTo>
+                    <a:pt x="11750381" y="31947"/>
+                  </a:lnTo>
+                  <a:lnTo>
+                    <a:pt x="206081" y="0"/>
+                  </a:lnTo>
+                  <a:close/>
+                </a:path>
+              </a:pathLst>
+            </a:custGeom>
+            <a:solidFill>
+              <a:schemeClr val="tx1">
+                <a:alpha val="13000"/>
+              </a:schemeClr>
+            </a:solidFill>
+            <a:ln>
+              <a:noFill/>
+            </a:ln>
+          </p:spPr>
+          <p:style>
+            <a:lnRef idx="2">
+              <a:schemeClr val="accent1">
+                <a:shade val="50000"/>
+              </a:schemeClr>
+            </a:lnRef>
+            <a:fillRef idx="1">
+              <a:schemeClr val="accent1"/>
+            </a:fillRef>
+            <a:effectRef idx="0">
+              <a:schemeClr val="accent1"/>
+            </a:effectRef>
+            <a:fontRef idx="minor">
+              <a:schemeClr val="lt1"/>
+            </a:fontRef>
+          </p:style>
+          <p:txBody>
+            <a:bodyPr rtlCol="0" anchor="ctr"/>
+            <a:lstStyle/>
+            <a:p>
+              <a:pPr algn="ctr"/>
+              <a:endParaRPr lang="ko-KR" altLang="en-US"/>
+            </a:p>
+          </p:txBody>
+        </p:sp>
+        <p:sp>
+          <p:nvSpPr>
+            <p:cNvPr id="15" name="모서리가 둥근 직사각형 14"/>
+            <p:cNvSpPr/>
+            <p:nvPr/>
+          </p:nvSpPr>
+          <p:spPr>
+            <a:xfrm>
+              <a:off x="524266" y="6670585"/>
+              <a:ext cx="597524" cy="64121"/>
+            </a:xfrm>
+            <a:prstGeom prst="roundRect">
+              <a:avLst>
+                <a:gd name="adj" fmla="val 50000"/>
+              </a:avLst>
+            </a:prstGeom>
+            <a:solidFill>
+              <a:srgbClr val="00B0F0"/>
+            </a:solidFill>
+            <a:ln>
+              <a:solidFill>
+                <a:schemeClr val="bg1">
+                  <a:lumMod val="50000"/>
+                </a:schemeClr>
+              </a:solidFill>
+            </a:ln>
+          </p:spPr>
+          <p:style>
+            <a:lnRef idx="2">
+              <a:schemeClr val="accent1">
+                <a:shade val="50000"/>
+              </a:schemeClr>
+            </a:lnRef>
+            <a:fillRef idx="1">
+              <a:schemeClr val="accent1"/>
+            </a:fillRef>
+            <a:effectRef idx="0">
+              <a:schemeClr val="accent1"/>
+            </a:effectRef>
+            <a:fontRef idx="minor">
+              <a:schemeClr val="lt1"/>
+            </a:fontRef>
+          </p:style>
+          <p:txBody>
+            <a:bodyPr rtlCol="0" anchor="ctr"/>
+            <a:lstStyle/>
+            <a:p>
+              <a:pPr algn="ctr"/>
+              <a:endParaRPr lang="ko-KR" altLang="en-US"/>
+            </a:p>
+          </p:txBody>
+        </p:sp>
+      </p:grpSp>
+      <p:sp>
+        <p:nvSpPr>
+          <p:cNvPr id="82" name="직사각형 81"/>
+          <p:cNvSpPr/>
+          <p:nvPr/>
+        </p:nvSpPr>
+        <p:spPr>
+          <a:xfrm>
+            <a:off x="1474252" y="2500098"/>
+            <a:ext cx="9266171" cy="1431995"/>
+          </a:xfrm>
+          <a:prstGeom prst="rect">
+            <a:avLst/>
+          </a:prstGeom>
+        </p:spPr>
+        <p:txBody>
+          <a:bodyPr wrap="square">
+            <a:spAutoFit/>
+          </a:bodyPr>
+          <a:lstStyle/>
+          <a:p>
+            <a:pPr algn="ctr">
+              <a:lnSpc>
+                <a:spcPct val="150000"/>
+              </a:lnSpc>
+            </a:pPr>
+            <a:r>
+              <a:rPr lang="en-US" altLang="ko-KR" sz="6600" b="1" i="1" dirty="0" smtClean="0">
+                <a:solidFill>
+                  <a:schemeClr val="bg2">
+                    <a:lumMod val="25000"/>
+                  </a:schemeClr>
+                </a:solidFill>
+                <a:latin typeface="Broadway" panose="04040905080B02020502" pitchFamily="82" charset="0"/>
+              </a:rPr>
+              <a:t>05. </a:t>
+            </a:r>
+            <a:r>
+              <a:rPr lang="ko-KR" altLang="en-US" sz="4800" i="1" dirty="0">
+                <a:solidFill>
+                  <a:schemeClr val="bg2">
+                    <a:lumMod val="25000"/>
+                  </a:schemeClr>
+                </a:solidFill>
+              </a:rPr>
+              <a:t>화면설계서</a:t>
+            </a:r>
+            <a:r>
+              <a:rPr lang="ko-KR" altLang="en-US" sz="4000" i="1" dirty="0">
+                <a:solidFill>
+                  <a:schemeClr val="bg2">
+                    <a:lumMod val="25000"/>
+                  </a:schemeClr>
+                </a:solidFill>
+              </a:rPr>
+              <a:t> </a:t>
+            </a:r>
+            <a:r>
+              <a:rPr lang="en-US" altLang="ko-KR" sz="6000" b="1" i="1" dirty="0">
+                <a:solidFill>
+                  <a:schemeClr val="bg2">
+                    <a:lumMod val="25000"/>
+                  </a:schemeClr>
+                </a:solidFill>
+              </a:rPr>
+              <a:t>Wire</a:t>
+            </a:r>
+            <a:r>
+              <a:rPr lang="en-US" altLang="ko-KR" sz="4800" b="1" i="1" dirty="0">
+                <a:solidFill>
+                  <a:schemeClr val="bg2">
+                    <a:lumMod val="25000"/>
+                  </a:schemeClr>
+                </a:solidFill>
+              </a:rPr>
+              <a:t> </a:t>
+            </a:r>
+            <a:r>
+              <a:rPr lang="en-US" altLang="ko-KR" sz="6000" b="1" i="1" dirty="0">
+                <a:solidFill>
+                  <a:schemeClr val="bg2">
+                    <a:lumMod val="25000"/>
+                  </a:schemeClr>
+                </a:solidFill>
+              </a:rPr>
+              <a:t>Frame</a:t>
+            </a:r>
+            <a:endParaRPr lang="en-US" altLang="ko-KR" sz="4800" b="1" i="1" dirty="0">
+              <a:solidFill>
+                <a:schemeClr val="bg2">
+                  <a:lumMod val="25000"/>
+                </a:schemeClr>
+              </a:solidFill>
+            </a:endParaRPr>
+          </a:p>
+        </p:txBody>
+      </p:sp>
+    </p:spTree>
+    <p:extLst>
+      <p:ext uri="{BB962C8B-B14F-4D97-AF65-F5344CB8AC3E}">
+        <p14:creationId xmlns:p14="http://schemas.microsoft.com/office/powerpoint/2010/main" val="2760061012"/>
+      </p:ext>
+    </p:extLst>
+  </p:cSld>
+  <p:clrMapOvr>
+    <a:masterClrMapping/>
+  </p:clrMapOvr>
+  <p:timing>
+    <p:tnLst>
+      <p:par>
+        <p:cTn id="1" dur="indefinite" restart="never" nodeType="tmRoot"/>
+      </p:par>
+    </p:tnLst>
+  </p:timing>
+</p:sld>
+</file>
+
+<file path=ppt/slides/slide12.xml><?xml version="1.0" encoding="utf-8"?>
+<p:sld xmlns:a="http://schemas.openxmlformats.org/drawingml/2006/main" xmlns:r="http://schemas.openxmlformats.org/officeDocument/2006/relationships" xmlns:p="http://schemas.openxmlformats.org/presentationml/2006/main">
+  <p:cSld>
+    <p:bg>
+      <p:bgPr>
+        <a:blipFill dpi="0" rotWithShape="1">
+          <a:blip r:embed="rId2">
+            <a:alphaModFix amt="36000"/>
+            <a:lum/>
+          </a:blip>
+          <a:srcRect/>
+          <a:tile tx="0" ty="0" sx="70000" sy="70000" flip="none" algn="tl"/>
+        </a:blipFill>
+        <a:effectLst/>
+      </p:bgPr>
+    </p:bg>
+    <p:spTree>
+      <p:nvGrpSpPr>
+        <p:cNvPr id="1" name=""/>
+        <p:cNvGrpSpPr/>
+        <p:nvPr/>
+      </p:nvGrpSpPr>
+      <p:grpSpPr>
+        <a:xfrm>
+          <a:off x="0" y="0"/>
+          <a:ext cx="0" cy="0"/>
+          <a:chOff x="0" y="0"/>
+          <a:chExt cx="0" cy="0"/>
+        </a:xfrm>
+      </p:grpSpPr>
+      <p:grpSp>
+        <p:nvGrpSpPr>
+          <p:cNvPr id="4" name="그룹 3"/>
+          <p:cNvGrpSpPr/>
+          <p:nvPr/>
+        </p:nvGrpSpPr>
+        <p:grpSpPr>
+          <a:xfrm>
+            <a:off x="152400" y="83680"/>
+            <a:ext cx="11903770" cy="6774320"/>
+            <a:chOff x="152400" y="83680"/>
+            <a:chExt cx="11903770" cy="6774320"/>
+          </a:xfrm>
+        </p:grpSpPr>
+        <p:sp>
+          <p:nvSpPr>
+            <p:cNvPr id="68" name="양쪽 모서리가 둥근 사각형 67"/>
+            <p:cNvSpPr/>
+            <p:nvPr/>
+          </p:nvSpPr>
+          <p:spPr>
+            <a:xfrm>
+              <a:off x="338203" y="83680"/>
+              <a:ext cx="11548997" cy="6482219"/>
+            </a:xfrm>
+            <a:prstGeom prst="round2SameRect">
+              <a:avLst>
+                <a:gd name="adj1" fmla="val 4566"/>
+                <a:gd name="adj2" fmla="val 0"/>
+              </a:avLst>
+            </a:prstGeom>
+            <a:pattFill prst="ltDnDiag">
+              <a:fgClr>
+                <a:schemeClr val="bg1">
+                  <a:lumMod val="75000"/>
+                </a:schemeClr>
+              </a:fgClr>
+              <a:bgClr>
+                <a:schemeClr val="bg1">
+                  <a:lumMod val="95000"/>
+                </a:schemeClr>
+              </a:bgClr>
+            </a:pattFill>
+            <a:ln w="28575">
+              <a:solidFill>
+                <a:schemeClr val="bg1">
+                  <a:lumMod val="50000"/>
+                </a:schemeClr>
+              </a:solidFill>
+            </a:ln>
+          </p:spPr>
+          <p:style>
+            <a:lnRef idx="2">
+              <a:schemeClr val="accent1">
+                <a:shade val="50000"/>
+              </a:schemeClr>
+            </a:lnRef>
+            <a:fillRef idx="1">
+              <a:schemeClr val="accent1"/>
+            </a:fillRef>
+            <a:effectRef idx="0">
+              <a:schemeClr val="accent1"/>
+            </a:effectRef>
+            <a:fontRef idx="minor">
+              <a:schemeClr val="lt1"/>
+            </a:fontRef>
+          </p:style>
+          <p:txBody>
+            <a:bodyPr rtlCol="0" anchor="ctr"/>
+            <a:lstStyle/>
+            <a:p>
+              <a:pPr algn="ctr"/>
+              <a:endParaRPr lang="ko-KR" altLang="en-US"/>
+            </a:p>
+          </p:txBody>
+        </p:sp>
+        <p:sp>
+          <p:nvSpPr>
+            <p:cNvPr id="69" name="양쪽 모서리가 둥근 사각형 68"/>
+            <p:cNvSpPr/>
+            <p:nvPr/>
+          </p:nvSpPr>
+          <p:spPr>
+            <a:xfrm>
+              <a:off x="524266" y="241300"/>
+              <a:ext cx="11176871" cy="6133424"/>
+            </a:xfrm>
+            <a:prstGeom prst="round2SameRect">
+              <a:avLst>
+                <a:gd name="adj1" fmla="val 3284"/>
+                <a:gd name="adj2" fmla="val 0"/>
+              </a:avLst>
+            </a:prstGeom>
+            <a:solidFill>
+              <a:schemeClr val="bg1"/>
+            </a:solidFill>
+            <a:ln w="19050">
+              <a:solidFill>
+                <a:schemeClr val="bg1">
+                  <a:lumMod val="50000"/>
+                </a:schemeClr>
+              </a:solidFill>
+            </a:ln>
+          </p:spPr>
+          <p:style>
+            <a:lnRef idx="2">
+              <a:schemeClr val="accent1">
+                <a:shade val="50000"/>
+              </a:schemeClr>
+            </a:lnRef>
+            <a:fillRef idx="1">
+              <a:schemeClr val="accent1"/>
+            </a:fillRef>
+            <a:effectRef idx="0">
+              <a:schemeClr val="accent1"/>
+            </a:effectRef>
+            <a:fontRef idx="minor">
+              <a:schemeClr val="lt1"/>
+            </a:fontRef>
+          </p:style>
+          <p:txBody>
+            <a:bodyPr rtlCol="0" anchor="ctr"/>
+            <a:lstStyle/>
+            <a:p>
+              <a:pPr algn="ctr"/>
+              <a:endParaRPr lang="ko-KR" altLang="en-US"/>
+            </a:p>
+          </p:txBody>
+        </p:sp>
+        <p:sp>
+          <p:nvSpPr>
+            <p:cNvPr id="84" name="양쪽 모서리가 둥근 사각형 83"/>
+            <p:cNvSpPr/>
+            <p:nvPr/>
+          </p:nvSpPr>
+          <p:spPr>
+            <a:xfrm rot="16200000">
+              <a:off x="1176083" y="5641873"/>
+              <a:ext cx="108000" cy="1798840"/>
+            </a:xfrm>
+            <a:prstGeom prst="round2SameRect">
+              <a:avLst>
+                <a:gd name="adj1" fmla="val 19304"/>
+                <a:gd name="adj2" fmla="val 0"/>
+              </a:avLst>
+            </a:prstGeom>
+            <a:gradFill flip="none" rotWithShape="1">
+              <a:gsLst>
+                <a:gs pos="17000">
+                  <a:schemeClr val="bg1">
+                    <a:lumMod val="50000"/>
+                  </a:schemeClr>
+                </a:gs>
+                <a:gs pos="59000">
+                  <a:schemeClr val="bg1">
+                    <a:shade val="100000"/>
+                    <a:satMod val="115000"/>
+                  </a:schemeClr>
+                </a:gs>
+              </a:gsLst>
+              <a:lin ang="0" scaled="1"/>
+              <a:tileRect/>
+            </a:gradFill>
+            <a:ln w="19050">
+              <a:solidFill>
+                <a:schemeClr val="bg1">
+                  <a:lumMod val="50000"/>
+                </a:schemeClr>
+              </a:solidFill>
+            </a:ln>
+          </p:spPr>
+          <p:style>
+            <a:lnRef idx="2">
+              <a:schemeClr val="accent1">
+                <a:shade val="50000"/>
+              </a:schemeClr>
+            </a:lnRef>
+            <a:fillRef idx="1">
+              <a:schemeClr val="accent1"/>
+            </a:fillRef>
+            <a:effectRef idx="0">
+              <a:schemeClr val="accent1"/>
+            </a:effectRef>
+            <a:fontRef idx="minor">
+              <a:schemeClr val="lt1"/>
+            </a:fontRef>
+          </p:style>
+          <p:txBody>
+            <a:bodyPr rtlCol="0" anchor="ctr"/>
+            <a:lstStyle/>
+            <a:p>
+              <a:pPr algn="ctr"/>
+              <a:endParaRPr lang="ko-KR" altLang="en-US">
+                <a:solidFill>
+                  <a:prstClr val="white"/>
+                </a:solidFill>
+              </a:endParaRPr>
+            </a:p>
+          </p:txBody>
+        </p:sp>
+        <p:sp>
+          <p:nvSpPr>
+            <p:cNvPr id="85" name="양쪽 모서리가 둥근 사각형 84"/>
+            <p:cNvSpPr/>
+            <p:nvPr/>
+          </p:nvSpPr>
+          <p:spPr>
+            <a:xfrm rot="5400000" flipH="1">
+              <a:off x="10930593" y="5641871"/>
+              <a:ext cx="108000" cy="1798840"/>
+            </a:xfrm>
+            <a:prstGeom prst="round2SameRect">
+              <a:avLst>
+                <a:gd name="adj1" fmla="val 19304"/>
+                <a:gd name="adj2" fmla="val 0"/>
+              </a:avLst>
+            </a:prstGeom>
+            <a:gradFill flip="none" rotWithShape="1">
+              <a:gsLst>
+                <a:gs pos="17000">
+                  <a:schemeClr val="bg1">
+                    <a:lumMod val="50000"/>
+                  </a:schemeClr>
+                </a:gs>
+                <a:gs pos="59000">
+                  <a:schemeClr val="bg1">
+                    <a:shade val="100000"/>
+                    <a:satMod val="115000"/>
+                  </a:schemeClr>
+                </a:gs>
+              </a:gsLst>
+              <a:lin ang="0" scaled="1"/>
+              <a:tileRect/>
+            </a:gradFill>
+            <a:ln w="19050">
+              <a:solidFill>
+                <a:schemeClr val="bg1">
+                  <a:lumMod val="50000"/>
+                </a:schemeClr>
+              </a:solidFill>
+            </a:ln>
+          </p:spPr>
+          <p:style>
+            <a:lnRef idx="2">
+              <a:schemeClr val="accent1">
+                <a:shade val="50000"/>
+              </a:schemeClr>
+            </a:lnRef>
+            <a:fillRef idx="1">
+              <a:schemeClr val="accent1"/>
+            </a:fillRef>
+            <a:effectRef idx="0">
+              <a:schemeClr val="accent1"/>
+            </a:effectRef>
+            <a:fontRef idx="minor">
+              <a:schemeClr val="lt1"/>
+            </a:fontRef>
+          </p:style>
+          <p:txBody>
+            <a:bodyPr rtlCol="0" anchor="ctr"/>
+            <a:lstStyle/>
+            <a:p>
+              <a:pPr algn="ctr"/>
+              <a:endParaRPr lang="ko-KR" altLang="en-US">
+                <a:solidFill>
+                  <a:prstClr val="white"/>
+                </a:solidFill>
+              </a:endParaRPr>
+            </a:p>
+          </p:txBody>
+        </p:sp>
+        <p:sp>
+          <p:nvSpPr>
+            <p:cNvPr id="86" name="양쪽 모서리가 둥근 사각형 85"/>
+            <p:cNvSpPr/>
+            <p:nvPr/>
+          </p:nvSpPr>
+          <p:spPr>
+            <a:xfrm rot="16200000">
+              <a:off x="6053339" y="2563457"/>
+              <a:ext cx="108000" cy="7955668"/>
+            </a:xfrm>
+            <a:prstGeom prst="round2SameRect">
+              <a:avLst>
+                <a:gd name="adj1" fmla="val 0"/>
+                <a:gd name="adj2" fmla="val 0"/>
+              </a:avLst>
+            </a:prstGeom>
+            <a:gradFill flip="none" rotWithShape="1">
+              <a:gsLst>
+                <a:gs pos="17000">
+                  <a:schemeClr val="bg1">
+                    <a:lumMod val="50000"/>
+                  </a:schemeClr>
+                </a:gs>
+                <a:gs pos="59000">
+                  <a:schemeClr val="bg1">
+                    <a:shade val="100000"/>
+                    <a:satMod val="115000"/>
+                  </a:schemeClr>
+                </a:gs>
+              </a:gsLst>
+              <a:lin ang="0" scaled="1"/>
+              <a:tileRect/>
+            </a:gradFill>
+            <a:ln w="19050">
+              <a:solidFill>
+                <a:schemeClr val="bg1">
+                  <a:lumMod val="50000"/>
+                </a:schemeClr>
+              </a:solidFill>
+            </a:ln>
+          </p:spPr>
+          <p:style>
+            <a:lnRef idx="2">
+              <a:schemeClr val="accent1">
+                <a:shade val="50000"/>
+              </a:schemeClr>
+            </a:lnRef>
+            <a:fillRef idx="1">
+              <a:schemeClr val="accent1"/>
+            </a:fillRef>
+            <a:effectRef idx="0">
+              <a:schemeClr val="accent1"/>
+            </a:effectRef>
+            <a:fontRef idx="minor">
+              <a:schemeClr val="lt1"/>
+            </a:fontRef>
+          </p:style>
+          <p:txBody>
+            <a:bodyPr rtlCol="0" anchor="ctr"/>
+            <a:lstStyle/>
+            <a:p>
+              <a:pPr algn="ctr"/>
+              <a:endParaRPr lang="ko-KR" altLang="en-US">
+                <a:solidFill>
+                  <a:prstClr val="white"/>
+                </a:solidFill>
+              </a:endParaRPr>
+            </a:p>
+          </p:txBody>
+        </p:sp>
+        <p:sp>
+          <p:nvSpPr>
+            <p:cNvPr id="14" name="자유형 13"/>
+            <p:cNvSpPr/>
+            <p:nvPr/>
+          </p:nvSpPr>
+          <p:spPr>
+            <a:xfrm>
+              <a:off x="158507" y="6590451"/>
+              <a:ext cx="11897663" cy="267549"/>
+            </a:xfrm>
+            <a:custGeom>
+              <a:avLst/>
+              <a:gdLst>
+                <a:gd name="connsiteX0" fmla="*/ 195955 w 11897663"/>
+                <a:gd name="connsiteY0" fmla="*/ 0 h 267549"/>
+                <a:gd name="connsiteX1" fmla="*/ 11701708 w 11897663"/>
+                <a:gd name="connsiteY1" fmla="*/ 0 h 267549"/>
+                <a:gd name="connsiteX2" fmla="*/ 11897663 w 11897663"/>
+                <a:gd name="connsiteY2" fmla="*/ 267549 h 267549"/>
+                <a:gd name="connsiteX3" fmla="*/ 0 w 11897663"/>
+                <a:gd name="connsiteY3" fmla="*/ 267549 h 267549"/>
+              </a:gdLst>
+              <a:ahLst/>
+              <a:cxnLst>
+                <a:cxn ang="0">
+                  <a:pos x="connsiteX0" y="connsiteY0"/>
+                </a:cxn>
+                <a:cxn ang="0">
+                  <a:pos x="connsiteX1" y="connsiteY1"/>
+                </a:cxn>
+                <a:cxn ang="0">
+                  <a:pos x="connsiteX2" y="connsiteY2"/>
+                </a:cxn>
+                <a:cxn ang="0">
+                  <a:pos x="connsiteX3" y="connsiteY3"/>
+                </a:cxn>
+              </a:cxnLst>
+              <a:rect l="l" t="t" r="r" b="b"/>
+              <a:pathLst>
+                <a:path w="11897663" h="267549">
+                  <a:moveTo>
+                    <a:pt x="195955" y="0"/>
+                  </a:moveTo>
+                  <a:lnTo>
+                    <a:pt x="11701708" y="0"/>
+                  </a:lnTo>
+                  <a:lnTo>
+                    <a:pt x="11897663" y="267549"/>
+                  </a:lnTo>
+                  <a:lnTo>
+                    <a:pt x="0" y="267549"/>
+                  </a:lnTo>
+                  <a:close/>
+                </a:path>
+              </a:pathLst>
+            </a:custGeom>
+            <a:solidFill>
+              <a:schemeClr val="bg1"/>
+            </a:solidFill>
+            <a:ln w="19050">
+              <a:solidFill>
+                <a:schemeClr val="bg1">
+                  <a:lumMod val="50000"/>
+                </a:schemeClr>
+              </a:solidFill>
+            </a:ln>
+          </p:spPr>
+          <p:style>
+            <a:lnRef idx="2">
+              <a:schemeClr val="accent1">
+                <a:shade val="50000"/>
+              </a:schemeClr>
+            </a:lnRef>
+            <a:fillRef idx="1">
+              <a:schemeClr val="accent1"/>
+            </a:fillRef>
+            <a:effectRef idx="0">
+              <a:schemeClr val="accent1"/>
+            </a:effectRef>
+            <a:fontRef idx="minor">
+              <a:schemeClr val="lt1"/>
+            </a:fontRef>
+          </p:style>
+          <p:txBody>
+            <a:bodyPr wrap="square" rtlCol="0" anchor="ctr">
+              <a:noAutofit/>
+            </a:bodyPr>
+            <a:lstStyle/>
+            <a:p>
+              <a:pPr algn="ctr"/>
+              <a:endParaRPr lang="ko-KR" altLang="en-US">
+                <a:solidFill>
+                  <a:prstClr val="white"/>
+                </a:solidFill>
+              </a:endParaRPr>
+            </a:p>
+          </p:txBody>
+        </p:sp>
+        <p:sp>
+          <p:nvSpPr>
+            <p:cNvPr id="26" name="자유형 25"/>
+            <p:cNvSpPr/>
+            <p:nvPr/>
+          </p:nvSpPr>
+          <p:spPr>
+            <a:xfrm>
+              <a:off x="152400" y="6565900"/>
+              <a:ext cx="11750381" cy="292100"/>
+            </a:xfrm>
+            <a:custGeom>
+              <a:avLst/>
+              <a:gdLst>
+                <a:gd name="connsiteX0" fmla="*/ 177800 w 11722100"/>
+                <a:gd name="connsiteY0" fmla="*/ 0 h 292100"/>
+                <a:gd name="connsiteX1" fmla="*/ 0 w 11722100"/>
+                <a:gd name="connsiteY1" fmla="*/ 292100 h 292100"/>
+                <a:gd name="connsiteX2" fmla="*/ 11722100 w 11722100"/>
+                <a:gd name="connsiteY2" fmla="*/ 50800 h 292100"/>
+                <a:gd name="connsiteX3" fmla="*/ 177800 w 11722100"/>
+                <a:gd name="connsiteY3" fmla="*/ 0 h 292100"/>
+                <a:gd name="connsiteX0" fmla="*/ 206081 w 11722100"/>
+                <a:gd name="connsiteY0" fmla="*/ 0 h 292100"/>
+                <a:gd name="connsiteX1" fmla="*/ 0 w 11722100"/>
+                <a:gd name="connsiteY1" fmla="*/ 292100 h 292100"/>
+                <a:gd name="connsiteX2" fmla="*/ 11722100 w 11722100"/>
+                <a:gd name="connsiteY2" fmla="*/ 50800 h 292100"/>
+                <a:gd name="connsiteX3" fmla="*/ 206081 w 11722100"/>
+                <a:gd name="connsiteY3" fmla="*/ 0 h 292100"/>
+                <a:gd name="connsiteX0" fmla="*/ 206081 w 11750381"/>
+                <a:gd name="connsiteY0" fmla="*/ 0 h 292100"/>
+                <a:gd name="connsiteX1" fmla="*/ 0 w 11750381"/>
+                <a:gd name="connsiteY1" fmla="*/ 292100 h 292100"/>
+                <a:gd name="connsiteX2" fmla="*/ 11750381 w 11750381"/>
+                <a:gd name="connsiteY2" fmla="*/ 31947 h 292100"/>
+                <a:gd name="connsiteX3" fmla="*/ 206081 w 11750381"/>
+                <a:gd name="connsiteY3" fmla="*/ 0 h 292100"/>
+              </a:gdLst>
+              <a:ahLst/>
+              <a:cxnLst>
+                <a:cxn ang="0">
+                  <a:pos x="connsiteX0" y="connsiteY0"/>
+                </a:cxn>
+                <a:cxn ang="0">
+                  <a:pos x="connsiteX1" y="connsiteY1"/>
+                </a:cxn>
+                <a:cxn ang="0">
+                  <a:pos x="connsiteX2" y="connsiteY2"/>
+                </a:cxn>
+                <a:cxn ang="0">
+                  <a:pos x="connsiteX3" y="connsiteY3"/>
+                </a:cxn>
+              </a:cxnLst>
+              <a:rect l="l" t="t" r="r" b="b"/>
+              <a:pathLst>
+                <a:path w="11750381" h="292100">
+                  <a:moveTo>
+                    <a:pt x="206081" y="0"/>
+                  </a:moveTo>
+                  <a:lnTo>
+                    <a:pt x="0" y="292100"/>
+                  </a:lnTo>
+                  <a:lnTo>
+                    <a:pt x="11750381" y="31947"/>
+                  </a:lnTo>
+                  <a:lnTo>
+                    <a:pt x="206081" y="0"/>
+                  </a:lnTo>
+                  <a:close/>
+                </a:path>
+              </a:pathLst>
+            </a:custGeom>
+            <a:solidFill>
+              <a:schemeClr val="tx1">
+                <a:alpha val="13000"/>
+              </a:schemeClr>
+            </a:solidFill>
+            <a:ln>
+              <a:noFill/>
+            </a:ln>
+          </p:spPr>
+          <p:style>
+            <a:lnRef idx="2">
+              <a:schemeClr val="accent1">
+                <a:shade val="50000"/>
+              </a:schemeClr>
+            </a:lnRef>
+            <a:fillRef idx="1">
+              <a:schemeClr val="accent1"/>
+            </a:fillRef>
+            <a:effectRef idx="0">
+              <a:schemeClr val="accent1"/>
+            </a:effectRef>
+            <a:fontRef idx="minor">
+              <a:schemeClr val="lt1"/>
+            </a:fontRef>
+          </p:style>
+          <p:txBody>
+            <a:bodyPr rtlCol="0" anchor="ctr"/>
+            <a:lstStyle/>
+            <a:p>
+              <a:pPr algn="ctr"/>
+              <a:endParaRPr lang="ko-KR" altLang="en-US"/>
+            </a:p>
+          </p:txBody>
+        </p:sp>
+        <p:sp>
+          <p:nvSpPr>
+            <p:cNvPr id="15" name="모서리가 둥근 직사각형 14"/>
+            <p:cNvSpPr/>
+            <p:nvPr/>
+          </p:nvSpPr>
+          <p:spPr>
+            <a:xfrm>
+              <a:off x="524266" y="6670585"/>
+              <a:ext cx="597524" cy="64121"/>
+            </a:xfrm>
+            <a:prstGeom prst="roundRect">
+              <a:avLst>
+                <a:gd name="adj" fmla="val 50000"/>
+              </a:avLst>
+            </a:prstGeom>
+            <a:solidFill>
+              <a:srgbClr val="00B0F0"/>
+            </a:solidFill>
+            <a:ln>
+              <a:solidFill>
+                <a:schemeClr val="bg1">
+                  <a:lumMod val="50000"/>
+                </a:schemeClr>
+              </a:solidFill>
+            </a:ln>
+          </p:spPr>
+          <p:style>
+            <a:lnRef idx="2">
+              <a:schemeClr val="accent1">
+                <a:shade val="50000"/>
+              </a:schemeClr>
+            </a:lnRef>
+            <a:fillRef idx="1">
+              <a:schemeClr val="accent1"/>
+            </a:fillRef>
+            <a:effectRef idx="0">
+              <a:schemeClr val="accent1"/>
+            </a:effectRef>
+            <a:fontRef idx="minor">
+              <a:schemeClr val="lt1"/>
+            </a:fontRef>
+          </p:style>
+          <p:txBody>
+            <a:bodyPr rtlCol="0" anchor="ctr"/>
+            <a:lstStyle/>
+            <a:p>
+              <a:pPr algn="ctr"/>
+              <a:endParaRPr lang="ko-KR" altLang="en-US"/>
+            </a:p>
+          </p:txBody>
+        </p:sp>
+      </p:grpSp>
+      <p:sp>
+        <p:nvSpPr>
+          <p:cNvPr id="82" name="직사각형 81"/>
+          <p:cNvSpPr/>
+          <p:nvPr/>
+        </p:nvSpPr>
+        <p:spPr>
+          <a:xfrm>
+            <a:off x="3353610" y="228600"/>
+            <a:ext cx="5484781" cy="738664"/>
+          </a:xfrm>
+          <a:prstGeom prst="rect">
+            <a:avLst/>
+          </a:prstGeom>
+        </p:spPr>
+        <p:txBody>
+          <a:bodyPr wrap="square">
+            <a:spAutoFit/>
+          </a:bodyPr>
+          <a:lstStyle/>
+          <a:p>
+            <a:pPr algn="ctr">
+              <a:lnSpc>
+                <a:spcPct val="150000"/>
+              </a:lnSpc>
+            </a:pPr>
+            <a:r>
+              <a:rPr lang="ko-KR" altLang="en-US" sz="2000" i="1" dirty="0" smtClean="0">
+                <a:solidFill>
+                  <a:schemeClr val="bg1">
+                    <a:lumMod val="50000"/>
+                  </a:schemeClr>
+                </a:solidFill>
+              </a:rPr>
+              <a:t>화면설계서 </a:t>
+            </a:r>
+            <a:r>
+              <a:rPr lang="en-US" altLang="ko-KR" sz="2800" b="1" i="1" dirty="0" smtClean="0">
+                <a:solidFill>
+                  <a:schemeClr val="bg1">
+                    <a:lumMod val="50000"/>
+                  </a:schemeClr>
+                </a:solidFill>
+              </a:rPr>
+              <a:t>Wire Frame</a:t>
+            </a:r>
+            <a:endParaRPr lang="en-US" altLang="ko-KR" sz="2800" b="1" i="1" dirty="0">
+              <a:solidFill>
+                <a:schemeClr val="bg1">
+                  <a:lumMod val="50000"/>
+                </a:schemeClr>
+              </a:solidFill>
+            </a:endParaRPr>
+          </a:p>
+        </p:txBody>
+      </p:sp>
+      <p:sp>
+        <p:nvSpPr>
+          <p:cNvPr id="2" name="직사각형 1"/>
+          <p:cNvSpPr/>
+          <p:nvPr/>
+        </p:nvSpPr>
+        <p:spPr>
+          <a:xfrm>
+            <a:off x="777269" y="1664044"/>
+            <a:ext cx="7569580" cy="4423719"/>
+          </a:xfrm>
+          <a:prstGeom prst="rect">
+            <a:avLst/>
+          </a:prstGeom>
+          <a:solidFill>
+            <a:schemeClr val="bg1"/>
+          </a:solidFill>
+          <a:ln>
+            <a:solidFill>
+              <a:schemeClr val="tx1"/>
+            </a:solidFill>
+          </a:ln>
+        </p:spPr>
+        <p:style>
+          <a:lnRef idx="2">
+            <a:schemeClr val="accent1">
+              <a:shade val="50000"/>
+            </a:schemeClr>
+          </a:lnRef>
+          <a:fillRef idx="1">
+            <a:schemeClr val="accent1"/>
+          </a:fillRef>
+          <a:effectRef idx="0">
+            <a:schemeClr val="accent1"/>
+          </a:effectRef>
+          <a:fontRef idx="minor">
+            <a:schemeClr val="lt1"/>
+          </a:fontRef>
+        </p:style>
+        <p:txBody>
+          <a:bodyPr rtlCol="0" anchor="ctr"/>
+          <a:lstStyle/>
+          <a:p>
+            <a:pPr algn="ctr"/>
+            <a:endParaRPr lang="ko-KR" altLang="en-US"/>
+          </a:p>
+        </p:txBody>
+      </p:sp>
+      <p:sp>
+        <p:nvSpPr>
+          <p:cNvPr id="3" name="직사각형 2"/>
+          <p:cNvSpPr/>
+          <p:nvPr/>
+        </p:nvSpPr>
+        <p:spPr>
+          <a:xfrm>
+            <a:off x="8602764" y="1664043"/>
+            <a:ext cx="2811968" cy="4423719"/>
+          </a:xfrm>
+          <a:prstGeom prst="rect">
+            <a:avLst/>
+          </a:prstGeom>
+          <a:solidFill>
+            <a:schemeClr val="bg1"/>
+          </a:solidFill>
+          <a:ln>
+            <a:solidFill>
+              <a:schemeClr val="tx1"/>
+            </a:solidFill>
+          </a:ln>
+        </p:spPr>
+        <p:style>
+          <a:lnRef idx="2">
+            <a:schemeClr val="accent1">
+              <a:shade val="50000"/>
+            </a:schemeClr>
+          </a:lnRef>
+          <a:fillRef idx="1">
+            <a:schemeClr val="accent1"/>
+          </a:fillRef>
+          <a:effectRef idx="0">
+            <a:schemeClr val="accent1"/>
+          </a:effectRef>
+          <a:fontRef idx="minor">
+            <a:schemeClr val="lt1"/>
+          </a:fontRef>
+        </p:style>
+        <p:txBody>
+          <a:bodyPr rtlCol="0" anchor="ctr"/>
+          <a:lstStyle/>
+          <a:p>
+            <a:pPr algn="ctr"/>
+            <a:endParaRPr lang="ko-KR" altLang="en-US"/>
+          </a:p>
+        </p:txBody>
+      </p:sp>
+    </p:spTree>
+    <p:extLst>
+      <p:ext uri="{BB962C8B-B14F-4D97-AF65-F5344CB8AC3E}">
+        <p14:creationId xmlns:p14="http://schemas.microsoft.com/office/powerpoint/2010/main" val="2509087889"/>
+      </p:ext>
+    </p:extLst>
+  </p:cSld>
+  <p:clrMapOvr>
+    <a:masterClrMapping/>
+  </p:clrMapOvr>
+  <p:timing>
+    <p:tnLst>
+      <p:par>
+        <p:cTn id="1" dur="indefinite" restart="never" nodeType="tmRoot"/>
+      </p:par>
+    </p:tnLst>
+  </p:timing>
+</p:sld>
+</file>
+
+<file path=ppt/slides/slide13.xml><?xml version="1.0" encoding="utf-8"?>
+<p:sld xmlns:a="http://schemas.openxmlformats.org/drawingml/2006/main" xmlns:r="http://schemas.openxmlformats.org/officeDocument/2006/relationships" xmlns:p="http://schemas.openxmlformats.org/presentationml/2006/main">
+  <p:cSld>
+    <p:spTree>
+      <p:nvGrpSpPr>
+        <p:cNvPr id="1" name=""/>
+        <p:cNvGrpSpPr/>
+        <p:nvPr/>
+      </p:nvGrpSpPr>
+      <p:grpSpPr>
+        <a:xfrm>
+          <a:off x="0" y="0"/>
+          <a:ext cx="0" cy="0"/>
+          <a:chOff x="0" y="0"/>
+          <a:chExt cx="0" cy="0"/>
+        </a:xfrm>
+      </p:grpSpPr>
+      <p:grpSp>
+        <p:nvGrpSpPr>
+          <p:cNvPr id="4" name="그룹 3"/>
+          <p:cNvGrpSpPr/>
+          <p:nvPr/>
+        </p:nvGrpSpPr>
+        <p:grpSpPr>
+          <a:xfrm>
+            <a:off x="152400" y="83680"/>
+            <a:ext cx="11903770" cy="6774320"/>
+            <a:chOff x="152400" y="83680"/>
+            <a:chExt cx="11903770" cy="6774320"/>
+          </a:xfrm>
+        </p:grpSpPr>
+        <p:sp>
+          <p:nvSpPr>
+            <p:cNvPr id="68" name="양쪽 모서리가 둥근 사각형 67"/>
+            <p:cNvSpPr/>
+            <p:nvPr/>
+          </p:nvSpPr>
+          <p:spPr>
+            <a:xfrm>
+              <a:off x="338203" y="83680"/>
+              <a:ext cx="11548997" cy="6482219"/>
+            </a:xfrm>
+            <a:prstGeom prst="round2SameRect">
+              <a:avLst>
+                <a:gd name="adj1" fmla="val 4566"/>
+                <a:gd name="adj2" fmla="val 0"/>
+              </a:avLst>
+            </a:prstGeom>
+            <a:pattFill prst="ltDnDiag">
+              <a:fgClr>
+                <a:schemeClr val="bg1">
+                  <a:lumMod val="75000"/>
+                </a:schemeClr>
+              </a:fgClr>
+              <a:bgClr>
+                <a:schemeClr val="bg1">
+                  <a:lumMod val="95000"/>
+                </a:schemeClr>
+              </a:bgClr>
+            </a:pattFill>
+            <a:ln w="28575">
+              <a:solidFill>
+                <a:schemeClr val="bg1">
+                  <a:lumMod val="50000"/>
+                </a:schemeClr>
+              </a:solidFill>
+            </a:ln>
+          </p:spPr>
+          <p:style>
+            <a:lnRef idx="2">
+              <a:schemeClr val="accent1">
+                <a:shade val="50000"/>
+              </a:schemeClr>
+            </a:lnRef>
+            <a:fillRef idx="1">
+              <a:schemeClr val="accent1"/>
+            </a:fillRef>
+            <a:effectRef idx="0">
+              <a:schemeClr val="accent1"/>
+            </a:effectRef>
+            <a:fontRef idx="minor">
+              <a:schemeClr val="lt1"/>
+            </a:fontRef>
+          </p:style>
+          <p:txBody>
+            <a:bodyPr rtlCol="0" anchor="ctr"/>
+            <a:lstStyle/>
+            <a:p>
+              <a:pPr algn="ctr"/>
+              <a:endParaRPr lang="ko-KR" altLang="en-US"/>
+            </a:p>
+          </p:txBody>
+        </p:sp>
+        <p:sp>
+          <p:nvSpPr>
+            <p:cNvPr id="69" name="양쪽 모서리가 둥근 사각형 68"/>
+            <p:cNvSpPr/>
+            <p:nvPr/>
+          </p:nvSpPr>
+          <p:spPr>
+            <a:xfrm>
+              <a:off x="524266" y="241300"/>
+              <a:ext cx="11176871" cy="6133424"/>
+            </a:xfrm>
+            <a:prstGeom prst="round2SameRect">
+              <a:avLst>
+                <a:gd name="adj1" fmla="val 3284"/>
+                <a:gd name="adj2" fmla="val 0"/>
+              </a:avLst>
+            </a:prstGeom>
+            <a:solidFill>
+              <a:schemeClr val="bg1"/>
+            </a:solidFill>
+            <a:ln w="19050">
+              <a:solidFill>
+                <a:schemeClr val="bg1">
+                  <a:lumMod val="50000"/>
+                </a:schemeClr>
+              </a:solidFill>
+            </a:ln>
+          </p:spPr>
+          <p:style>
+            <a:lnRef idx="2">
+              <a:schemeClr val="accent1">
+                <a:shade val="50000"/>
+              </a:schemeClr>
+            </a:lnRef>
+            <a:fillRef idx="1">
+              <a:schemeClr val="accent1"/>
+            </a:fillRef>
+            <a:effectRef idx="0">
+              <a:schemeClr val="accent1"/>
+            </a:effectRef>
+            <a:fontRef idx="minor">
+              <a:schemeClr val="lt1"/>
+            </a:fontRef>
+          </p:style>
+          <p:txBody>
+            <a:bodyPr rtlCol="0" anchor="ctr"/>
+            <a:lstStyle/>
+            <a:p>
+              <a:pPr algn="ctr"/>
+              <a:endParaRPr lang="ko-KR" altLang="en-US"/>
+            </a:p>
+          </p:txBody>
+        </p:sp>
+        <p:sp>
+          <p:nvSpPr>
+            <p:cNvPr id="84" name="양쪽 모서리가 둥근 사각형 83"/>
+            <p:cNvSpPr/>
+            <p:nvPr/>
+          </p:nvSpPr>
+          <p:spPr>
+            <a:xfrm rot="16200000">
+              <a:off x="1176083" y="5641873"/>
+              <a:ext cx="108000" cy="1798840"/>
+            </a:xfrm>
+            <a:prstGeom prst="round2SameRect">
+              <a:avLst>
+                <a:gd name="adj1" fmla="val 19304"/>
+                <a:gd name="adj2" fmla="val 0"/>
+              </a:avLst>
+            </a:prstGeom>
+            <a:gradFill flip="none" rotWithShape="1">
+              <a:gsLst>
+                <a:gs pos="17000">
+                  <a:schemeClr val="bg1">
+                    <a:lumMod val="50000"/>
+                  </a:schemeClr>
+                </a:gs>
+                <a:gs pos="59000">
+                  <a:schemeClr val="bg1">
+                    <a:shade val="100000"/>
+                    <a:satMod val="115000"/>
+                  </a:schemeClr>
+                </a:gs>
+              </a:gsLst>
+              <a:lin ang="0" scaled="1"/>
+              <a:tileRect/>
+            </a:gradFill>
+            <a:ln w="19050">
+              <a:solidFill>
+                <a:schemeClr val="bg1">
+                  <a:lumMod val="50000"/>
+                </a:schemeClr>
+              </a:solidFill>
+            </a:ln>
+          </p:spPr>
+          <p:style>
+            <a:lnRef idx="2">
+              <a:schemeClr val="accent1">
+                <a:shade val="50000"/>
+              </a:schemeClr>
+            </a:lnRef>
+            <a:fillRef idx="1">
+              <a:schemeClr val="accent1"/>
+            </a:fillRef>
+            <a:effectRef idx="0">
+              <a:schemeClr val="accent1"/>
+            </a:effectRef>
+            <a:fontRef idx="minor">
+              <a:schemeClr val="lt1"/>
+            </a:fontRef>
+          </p:style>
+          <p:txBody>
+            <a:bodyPr rtlCol="0" anchor="ctr"/>
+            <a:lstStyle/>
+            <a:p>
+              <a:pPr algn="ctr"/>
+              <a:endParaRPr lang="ko-KR" altLang="en-US">
+                <a:solidFill>
+                  <a:prstClr val="white"/>
+                </a:solidFill>
+              </a:endParaRPr>
+            </a:p>
+          </p:txBody>
+        </p:sp>
+        <p:sp>
+          <p:nvSpPr>
+            <p:cNvPr id="85" name="양쪽 모서리가 둥근 사각형 84"/>
+            <p:cNvSpPr/>
+            <p:nvPr/>
+          </p:nvSpPr>
+          <p:spPr>
+            <a:xfrm rot="5400000" flipH="1">
+              <a:off x="10930593" y="5641871"/>
+              <a:ext cx="108000" cy="1798840"/>
+            </a:xfrm>
+            <a:prstGeom prst="round2SameRect">
+              <a:avLst>
+                <a:gd name="adj1" fmla="val 19304"/>
+                <a:gd name="adj2" fmla="val 0"/>
+              </a:avLst>
+            </a:prstGeom>
+            <a:gradFill flip="none" rotWithShape="1">
+              <a:gsLst>
+                <a:gs pos="17000">
+                  <a:schemeClr val="bg1">
+                    <a:lumMod val="50000"/>
+                  </a:schemeClr>
+                </a:gs>
+                <a:gs pos="59000">
+                  <a:schemeClr val="bg1">
+                    <a:shade val="100000"/>
+                    <a:satMod val="115000"/>
+                  </a:schemeClr>
+                </a:gs>
+              </a:gsLst>
+              <a:lin ang="0" scaled="1"/>
+              <a:tileRect/>
+            </a:gradFill>
+            <a:ln w="19050">
+              <a:solidFill>
+                <a:schemeClr val="bg1">
+                  <a:lumMod val="50000"/>
+                </a:schemeClr>
+              </a:solidFill>
+            </a:ln>
+          </p:spPr>
+          <p:style>
+            <a:lnRef idx="2">
+              <a:schemeClr val="accent1">
+                <a:shade val="50000"/>
+              </a:schemeClr>
+            </a:lnRef>
+            <a:fillRef idx="1">
+              <a:schemeClr val="accent1"/>
+            </a:fillRef>
+            <a:effectRef idx="0">
+              <a:schemeClr val="accent1"/>
+            </a:effectRef>
+            <a:fontRef idx="minor">
+              <a:schemeClr val="lt1"/>
+            </a:fontRef>
+          </p:style>
+          <p:txBody>
+            <a:bodyPr rtlCol="0" anchor="ctr"/>
+            <a:lstStyle/>
+            <a:p>
+              <a:pPr algn="ctr"/>
+              <a:endParaRPr lang="ko-KR" altLang="en-US">
+                <a:solidFill>
+                  <a:prstClr val="white"/>
+                </a:solidFill>
+              </a:endParaRPr>
+            </a:p>
+          </p:txBody>
+        </p:sp>
+        <p:sp>
+          <p:nvSpPr>
+            <p:cNvPr id="86" name="양쪽 모서리가 둥근 사각형 85"/>
+            <p:cNvSpPr/>
+            <p:nvPr/>
+          </p:nvSpPr>
+          <p:spPr>
+            <a:xfrm rot="16200000">
+              <a:off x="6053339" y="2563457"/>
+              <a:ext cx="108000" cy="7955668"/>
+            </a:xfrm>
+            <a:prstGeom prst="round2SameRect">
+              <a:avLst>
+                <a:gd name="adj1" fmla="val 0"/>
+                <a:gd name="adj2" fmla="val 0"/>
+              </a:avLst>
+            </a:prstGeom>
+            <a:gradFill flip="none" rotWithShape="1">
+              <a:gsLst>
+                <a:gs pos="17000">
+                  <a:schemeClr val="bg1">
+                    <a:lumMod val="50000"/>
+                  </a:schemeClr>
+                </a:gs>
+                <a:gs pos="59000">
+                  <a:schemeClr val="bg1">
+                    <a:shade val="100000"/>
+                    <a:satMod val="115000"/>
+                  </a:schemeClr>
+                </a:gs>
+              </a:gsLst>
+              <a:lin ang="0" scaled="1"/>
+              <a:tileRect/>
+            </a:gradFill>
+            <a:ln w="19050">
+              <a:solidFill>
+                <a:schemeClr val="bg1">
+                  <a:lumMod val="50000"/>
+                </a:schemeClr>
+              </a:solidFill>
+            </a:ln>
+          </p:spPr>
+          <p:style>
+            <a:lnRef idx="2">
+              <a:schemeClr val="accent1">
+                <a:shade val="50000"/>
+              </a:schemeClr>
+            </a:lnRef>
+            <a:fillRef idx="1">
+              <a:schemeClr val="accent1"/>
+            </a:fillRef>
+            <a:effectRef idx="0">
+              <a:schemeClr val="accent1"/>
+            </a:effectRef>
+            <a:fontRef idx="minor">
+              <a:schemeClr val="lt1"/>
+            </a:fontRef>
+          </p:style>
+          <p:txBody>
+            <a:bodyPr rtlCol="0" anchor="ctr"/>
+            <a:lstStyle/>
+            <a:p>
+              <a:pPr algn="ctr"/>
+              <a:endParaRPr lang="ko-KR" altLang="en-US">
+                <a:solidFill>
+                  <a:prstClr val="white"/>
+                </a:solidFill>
+              </a:endParaRPr>
+            </a:p>
+          </p:txBody>
+        </p:sp>
+        <p:sp>
+          <p:nvSpPr>
+            <p:cNvPr id="14" name="자유형 13"/>
+            <p:cNvSpPr/>
+            <p:nvPr/>
+          </p:nvSpPr>
+          <p:spPr>
+            <a:xfrm>
+              <a:off x="158507" y="6590451"/>
+              <a:ext cx="11897663" cy="267549"/>
+            </a:xfrm>
+            <a:custGeom>
+              <a:avLst/>
+              <a:gdLst>
+                <a:gd name="connsiteX0" fmla="*/ 195955 w 11897663"/>
+                <a:gd name="connsiteY0" fmla="*/ 0 h 267549"/>
+                <a:gd name="connsiteX1" fmla="*/ 11701708 w 11897663"/>
+                <a:gd name="connsiteY1" fmla="*/ 0 h 267549"/>
+                <a:gd name="connsiteX2" fmla="*/ 11897663 w 11897663"/>
+                <a:gd name="connsiteY2" fmla="*/ 267549 h 267549"/>
+                <a:gd name="connsiteX3" fmla="*/ 0 w 11897663"/>
+                <a:gd name="connsiteY3" fmla="*/ 267549 h 267549"/>
+              </a:gdLst>
+              <a:ahLst/>
+              <a:cxnLst>
+                <a:cxn ang="0">
+                  <a:pos x="connsiteX0" y="connsiteY0"/>
+                </a:cxn>
+                <a:cxn ang="0">
+                  <a:pos x="connsiteX1" y="connsiteY1"/>
+                </a:cxn>
+                <a:cxn ang="0">
+                  <a:pos x="connsiteX2" y="connsiteY2"/>
+                </a:cxn>
+                <a:cxn ang="0">
+                  <a:pos x="connsiteX3" y="connsiteY3"/>
+                </a:cxn>
+              </a:cxnLst>
+              <a:rect l="l" t="t" r="r" b="b"/>
+              <a:pathLst>
+                <a:path w="11897663" h="267549">
+                  <a:moveTo>
+                    <a:pt x="195955" y="0"/>
+                  </a:moveTo>
+                  <a:lnTo>
+                    <a:pt x="11701708" y="0"/>
+                  </a:lnTo>
+                  <a:lnTo>
+                    <a:pt x="11897663" y="267549"/>
+                  </a:lnTo>
+                  <a:lnTo>
+                    <a:pt x="0" y="267549"/>
+                  </a:lnTo>
+                  <a:close/>
+                </a:path>
+              </a:pathLst>
+            </a:custGeom>
+            <a:solidFill>
+              <a:schemeClr val="bg1"/>
+            </a:solidFill>
+            <a:ln w="19050">
+              <a:solidFill>
+                <a:schemeClr val="bg1">
+                  <a:lumMod val="50000"/>
+                </a:schemeClr>
+              </a:solidFill>
+            </a:ln>
+          </p:spPr>
+          <p:style>
+            <a:lnRef idx="2">
+              <a:schemeClr val="accent1">
+                <a:shade val="50000"/>
+              </a:schemeClr>
+            </a:lnRef>
+            <a:fillRef idx="1">
+              <a:schemeClr val="accent1"/>
+            </a:fillRef>
+            <a:effectRef idx="0">
+              <a:schemeClr val="accent1"/>
+            </a:effectRef>
+            <a:fontRef idx="minor">
+              <a:schemeClr val="lt1"/>
+            </a:fontRef>
+          </p:style>
+          <p:txBody>
+            <a:bodyPr wrap="square" rtlCol="0" anchor="ctr">
+              <a:noAutofit/>
+            </a:bodyPr>
+            <a:lstStyle/>
+            <a:p>
+              <a:pPr algn="ctr"/>
+              <a:endParaRPr lang="ko-KR" altLang="en-US">
+                <a:solidFill>
+                  <a:prstClr val="white"/>
+                </a:solidFill>
+              </a:endParaRPr>
+            </a:p>
+          </p:txBody>
+        </p:sp>
+        <p:sp>
+          <p:nvSpPr>
+            <p:cNvPr id="26" name="자유형 25"/>
+            <p:cNvSpPr/>
+            <p:nvPr/>
+          </p:nvSpPr>
+          <p:spPr>
+            <a:xfrm>
+              <a:off x="152400" y="6565900"/>
+              <a:ext cx="11750381" cy="292100"/>
+            </a:xfrm>
+            <a:custGeom>
+              <a:avLst/>
+              <a:gdLst>
+                <a:gd name="connsiteX0" fmla="*/ 177800 w 11722100"/>
+                <a:gd name="connsiteY0" fmla="*/ 0 h 292100"/>
+                <a:gd name="connsiteX1" fmla="*/ 0 w 11722100"/>
+                <a:gd name="connsiteY1" fmla="*/ 292100 h 292100"/>
+                <a:gd name="connsiteX2" fmla="*/ 11722100 w 11722100"/>
+                <a:gd name="connsiteY2" fmla="*/ 50800 h 292100"/>
+                <a:gd name="connsiteX3" fmla="*/ 177800 w 11722100"/>
+                <a:gd name="connsiteY3" fmla="*/ 0 h 292100"/>
+                <a:gd name="connsiteX0" fmla="*/ 206081 w 11722100"/>
+                <a:gd name="connsiteY0" fmla="*/ 0 h 292100"/>
+                <a:gd name="connsiteX1" fmla="*/ 0 w 11722100"/>
+                <a:gd name="connsiteY1" fmla="*/ 292100 h 292100"/>
+                <a:gd name="connsiteX2" fmla="*/ 11722100 w 11722100"/>
+                <a:gd name="connsiteY2" fmla="*/ 50800 h 292100"/>
+                <a:gd name="connsiteX3" fmla="*/ 206081 w 11722100"/>
+                <a:gd name="connsiteY3" fmla="*/ 0 h 292100"/>
+                <a:gd name="connsiteX0" fmla="*/ 206081 w 11750381"/>
+                <a:gd name="connsiteY0" fmla="*/ 0 h 292100"/>
+                <a:gd name="connsiteX1" fmla="*/ 0 w 11750381"/>
+                <a:gd name="connsiteY1" fmla="*/ 292100 h 292100"/>
+                <a:gd name="connsiteX2" fmla="*/ 11750381 w 11750381"/>
+                <a:gd name="connsiteY2" fmla="*/ 31947 h 292100"/>
+                <a:gd name="connsiteX3" fmla="*/ 206081 w 11750381"/>
+                <a:gd name="connsiteY3" fmla="*/ 0 h 292100"/>
+              </a:gdLst>
+              <a:ahLst/>
+              <a:cxnLst>
+                <a:cxn ang="0">
+                  <a:pos x="connsiteX0" y="connsiteY0"/>
+                </a:cxn>
+                <a:cxn ang="0">
+                  <a:pos x="connsiteX1" y="connsiteY1"/>
+                </a:cxn>
+                <a:cxn ang="0">
+                  <a:pos x="connsiteX2" y="connsiteY2"/>
+                </a:cxn>
+                <a:cxn ang="0">
+                  <a:pos x="connsiteX3" y="connsiteY3"/>
+                </a:cxn>
+              </a:cxnLst>
+              <a:rect l="l" t="t" r="r" b="b"/>
+              <a:pathLst>
+                <a:path w="11750381" h="292100">
+                  <a:moveTo>
+                    <a:pt x="206081" y="0"/>
+                  </a:moveTo>
+                  <a:lnTo>
+                    <a:pt x="0" y="292100"/>
+                  </a:lnTo>
+                  <a:lnTo>
+                    <a:pt x="11750381" y="31947"/>
+                  </a:lnTo>
+                  <a:lnTo>
+                    <a:pt x="206081" y="0"/>
+                  </a:lnTo>
+                  <a:close/>
+                </a:path>
+              </a:pathLst>
+            </a:custGeom>
+            <a:solidFill>
+              <a:schemeClr val="tx1">
+                <a:alpha val="13000"/>
+              </a:schemeClr>
+            </a:solidFill>
+            <a:ln>
+              <a:noFill/>
+            </a:ln>
+          </p:spPr>
+          <p:style>
+            <a:lnRef idx="2">
+              <a:schemeClr val="accent1">
+                <a:shade val="50000"/>
+              </a:schemeClr>
+            </a:lnRef>
+            <a:fillRef idx="1">
+              <a:schemeClr val="accent1"/>
+            </a:fillRef>
+            <a:effectRef idx="0">
+              <a:schemeClr val="accent1"/>
+            </a:effectRef>
+            <a:fontRef idx="minor">
+              <a:schemeClr val="lt1"/>
+            </a:fontRef>
+          </p:style>
+          <p:txBody>
+            <a:bodyPr rtlCol="0" anchor="ctr"/>
+            <a:lstStyle/>
+            <a:p>
+              <a:pPr algn="ctr"/>
+              <a:endParaRPr lang="ko-KR" altLang="en-US"/>
+            </a:p>
+          </p:txBody>
+        </p:sp>
+        <p:sp>
+          <p:nvSpPr>
+            <p:cNvPr id="15" name="모서리가 둥근 직사각형 14"/>
+            <p:cNvSpPr/>
+            <p:nvPr/>
+          </p:nvSpPr>
+          <p:spPr>
+            <a:xfrm>
+              <a:off x="524266" y="6670585"/>
+              <a:ext cx="597524" cy="64121"/>
+            </a:xfrm>
+            <a:prstGeom prst="roundRect">
+              <a:avLst>
+                <a:gd name="adj" fmla="val 50000"/>
+              </a:avLst>
+            </a:prstGeom>
+            <a:solidFill>
+              <a:srgbClr val="00B0F0"/>
+            </a:solidFill>
+            <a:ln>
+              <a:solidFill>
+                <a:schemeClr val="bg1">
+                  <a:lumMod val="50000"/>
+                </a:schemeClr>
+              </a:solidFill>
+            </a:ln>
+          </p:spPr>
+          <p:style>
+            <a:lnRef idx="2">
+              <a:schemeClr val="accent1">
+                <a:shade val="50000"/>
+              </a:schemeClr>
+            </a:lnRef>
+            <a:fillRef idx="1">
+              <a:schemeClr val="accent1"/>
+            </a:fillRef>
+            <a:effectRef idx="0">
+              <a:schemeClr val="accent1"/>
+            </a:effectRef>
+            <a:fontRef idx="minor">
+              <a:schemeClr val="lt1"/>
+            </a:fontRef>
+          </p:style>
+          <p:txBody>
+            <a:bodyPr rtlCol="0" anchor="ctr"/>
+            <a:lstStyle/>
+            <a:p>
+              <a:pPr algn="ctr"/>
+              <a:endParaRPr lang="ko-KR" altLang="en-US"/>
+            </a:p>
+          </p:txBody>
+        </p:sp>
+      </p:grpSp>
+      <p:sp>
+        <p:nvSpPr>
+          <p:cNvPr id="82" name="직사각형 81"/>
+          <p:cNvSpPr/>
+          <p:nvPr/>
+        </p:nvSpPr>
+        <p:spPr>
+          <a:xfrm>
+            <a:off x="1474252" y="1896856"/>
+            <a:ext cx="9266171" cy="3000821"/>
+          </a:xfrm>
+          <a:prstGeom prst="rect">
+            <a:avLst/>
+          </a:prstGeom>
+        </p:spPr>
+        <p:txBody>
+          <a:bodyPr wrap="square">
+            <a:spAutoFit/>
+          </a:bodyPr>
+          <a:lstStyle/>
+          <a:p>
+            <a:pPr algn="ctr">
+              <a:lnSpc>
+                <a:spcPct val="150000"/>
+              </a:lnSpc>
+            </a:pPr>
+            <a:r>
+              <a:rPr lang="en-US" altLang="ko-KR" sz="6600" b="1" i="1" dirty="0" smtClean="0">
+                <a:solidFill>
+                  <a:schemeClr val="bg2">
+                    <a:lumMod val="25000"/>
+                  </a:schemeClr>
+                </a:solidFill>
+                <a:latin typeface="Broadway" panose="04040905080B02020502" pitchFamily="82" charset="0"/>
+              </a:rPr>
+              <a:t>06. </a:t>
+            </a:r>
+            <a:r>
+              <a:rPr lang="ko-KR" altLang="en-US" sz="4800" i="1" dirty="0">
+                <a:solidFill>
+                  <a:schemeClr val="bg2">
+                    <a:lumMod val="25000"/>
+                  </a:schemeClr>
+                </a:solidFill>
+              </a:rPr>
+              <a:t>화면구현</a:t>
+            </a:r>
+            <a:r>
+              <a:rPr lang="ko-KR" altLang="en-US" sz="4000" i="1" dirty="0">
+                <a:solidFill>
+                  <a:schemeClr val="bg2">
+                    <a:lumMod val="25000"/>
+                  </a:schemeClr>
+                </a:solidFill>
+              </a:rPr>
+              <a:t> </a:t>
+            </a:r>
+            <a:endParaRPr lang="en-US" altLang="ko-KR" sz="4000" i="1" dirty="0" smtClean="0">
+              <a:solidFill>
+                <a:schemeClr val="bg2">
+                  <a:lumMod val="25000"/>
+                </a:schemeClr>
+              </a:solidFill>
+            </a:endParaRPr>
+          </a:p>
+          <a:p>
+            <a:pPr algn="ctr">
+              <a:lnSpc>
+                <a:spcPct val="150000"/>
+              </a:lnSpc>
+            </a:pPr>
+            <a:r>
+              <a:rPr lang="en-US" altLang="ko-KR" sz="6000" b="1" i="1" dirty="0" smtClean="0">
+                <a:solidFill>
+                  <a:schemeClr val="bg2">
+                    <a:lumMod val="25000"/>
+                  </a:schemeClr>
+                </a:solidFill>
+              </a:rPr>
+              <a:t>Implement</a:t>
+            </a:r>
+            <a:r>
+              <a:rPr lang="en-US" altLang="ko-KR" sz="4800" b="1" i="1" dirty="0" smtClean="0">
+                <a:solidFill>
+                  <a:schemeClr val="bg2">
+                    <a:lumMod val="25000"/>
+                  </a:schemeClr>
+                </a:solidFill>
+              </a:rPr>
+              <a:t> </a:t>
+            </a:r>
+            <a:r>
+              <a:rPr lang="en-US" altLang="ko-KR" sz="6000" b="1" i="1" dirty="0">
+                <a:solidFill>
+                  <a:schemeClr val="bg2">
+                    <a:lumMod val="25000"/>
+                  </a:schemeClr>
+                </a:solidFill>
+              </a:rPr>
+              <a:t>Screen</a:t>
+            </a:r>
+            <a:endParaRPr lang="en-US" altLang="ko-KR" sz="4800" b="1" i="1" dirty="0">
+              <a:solidFill>
+                <a:schemeClr val="bg2">
+                  <a:lumMod val="25000"/>
+                </a:schemeClr>
+              </a:solidFill>
+            </a:endParaRPr>
+          </a:p>
+        </p:txBody>
+      </p:sp>
+    </p:spTree>
+    <p:extLst>
+      <p:ext uri="{BB962C8B-B14F-4D97-AF65-F5344CB8AC3E}">
+        <p14:creationId xmlns:p14="http://schemas.microsoft.com/office/powerpoint/2010/main" val="1546600460"/>
+      </p:ext>
+    </p:extLst>
+  </p:cSld>
+  <p:clrMapOvr>
+    <a:masterClrMapping/>
+  </p:clrMapOvr>
+  <p:timing>
+    <p:tnLst>
+      <p:par>
+        <p:cTn id="1" dur="indefinite" restart="never" nodeType="tmRoot"/>
+      </p:par>
+    </p:tnLst>
+  </p:timing>
+</p:sld>
+</file>
+
+<file path=ppt/slides/slide14.xml><?xml version="1.0" encoding="utf-8"?>
+<p:sld xmlns:a="http://schemas.openxmlformats.org/drawingml/2006/main" xmlns:r="http://schemas.openxmlformats.org/officeDocument/2006/relationships" xmlns:p="http://schemas.openxmlformats.org/presentationml/2006/main">
+  <p:cSld>
+    <p:bg>
+      <p:bgPr>
+        <a:blipFill dpi="0" rotWithShape="1">
+          <a:blip r:embed="rId2">
+            <a:alphaModFix amt="36000"/>
+            <a:lum/>
+          </a:blip>
+          <a:srcRect/>
+          <a:tile tx="0" ty="0" sx="70000" sy="70000" flip="none" algn="tl"/>
+        </a:blipFill>
+        <a:effectLst/>
+      </p:bgPr>
+    </p:bg>
+    <p:spTree>
+      <p:nvGrpSpPr>
+        <p:cNvPr id="1" name=""/>
+        <p:cNvGrpSpPr/>
+        <p:nvPr/>
+      </p:nvGrpSpPr>
+      <p:grpSpPr>
+        <a:xfrm>
+          <a:off x="0" y="0"/>
+          <a:ext cx="0" cy="0"/>
+          <a:chOff x="0" y="0"/>
+          <a:chExt cx="0" cy="0"/>
+        </a:xfrm>
+      </p:grpSpPr>
+      <p:grpSp>
+        <p:nvGrpSpPr>
+          <p:cNvPr id="4" name="그룹 3"/>
+          <p:cNvGrpSpPr/>
+          <p:nvPr/>
+        </p:nvGrpSpPr>
+        <p:grpSpPr>
+          <a:xfrm>
+            <a:off x="152400" y="83680"/>
+            <a:ext cx="11903770" cy="6774320"/>
+            <a:chOff x="152400" y="83680"/>
+            <a:chExt cx="11903770" cy="6774320"/>
+          </a:xfrm>
+        </p:grpSpPr>
+        <p:sp>
+          <p:nvSpPr>
+            <p:cNvPr id="68" name="양쪽 모서리가 둥근 사각형 67"/>
+            <p:cNvSpPr/>
+            <p:nvPr/>
+          </p:nvSpPr>
+          <p:spPr>
+            <a:xfrm>
+              <a:off x="338203" y="83680"/>
+              <a:ext cx="11548997" cy="6482219"/>
+            </a:xfrm>
+            <a:prstGeom prst="round2SameRect">
+              <a:avLst>
+                <a:gd name="adj1" fmla="val 4566"/>
+                <a:gd name="adj2" fmla="val 0"/>
+              </a:avLst>
+            </a:prstGeom>
+            <a:pattFill prst="ltDnDiag">
+              <a:fgClr>
+                <a:schemeClr val="bg1">
+                  <a:lumMod val="75000"/>
+                </a:schemeClr>
+              </a:fgClr>
+              <a:bgClr>
+                <a:schemeClr val="bg1">
+                  <a:lumMod val="95000"/>
+                </a:schemeClr>
+              </a:bgClr>
+            </a:pattFill>
+            <a:ln w="28575">
+              <a:solidFill>
+                <a:schemeClr val="bg1">
+                  <a:lumMod val="50000"/>
+                </a:schemeClr>
+              </a:solidFill>
+            </a:ln>
+          </p:spPr>
+          <p:style>
+            <a:lnRef idx="2">
+              <a:schemeClr val="accent1">
+                <a:shade val="50000"/>
+              </a:schemeClr>
+            </a:lnRef>
+            <a:fillRef idx="1">
+              <a:schemeClr val="accent1"/>
+            </a:fillRef>
+            <a:effectRef idx="0">
+              <a:schemeClr val="accent1"/>
+            </a:effectRef>
+            <a:fontRef idx="minor">
+              <a:schemeClr val="lt1"/>
+            </a:fontRef>
+          </p:style>
+          <p:txBody>
+            <a:bodyPr rtlCol="0" anchor="ctr"/>
+            <a:lstStyle/>
+            <a:p>
+              <a:pPr algn="ctr"/>
+              <a:endParaRPr lang="ko-KR" altLang="en-US"/>
+            </a:p>
+          </p:txBody>
+        </p:sp>
+        <p:sp>
+          <p:nvSpPr>
+            <p:cNvPr id="69" name="양쪽 모서리가 둥근 사각형 68"/>
+            <p:cNvSpPr/>
+            <p:nvPr/>
+          </p:nvSpPr>
+          <p:spPr>
+            <a:xfrm>
+              <a:off x="524266" y="241300"/>
+              <a:ext cx="11176871" cy="6133424"/>
+            </a:xfrm>
+            <a:prstGeom prst="round2SameRect">
+              <a:avLst>
+                <a:gd name="adj1" fmla="val 3284"/>
+                <a:gd name="adj2" fmla="val 0"/>
+              </a:avLst>
+            </a:prstGeom>
+            <a:solidFill>
+              <a:schemeClr val="bg1"/>
+            </a:solidFill>
+            <a:ln w="19050">
+              <a:solidFill>
+                <a:schemeClr val="bg1">
+                  <a:lumMod val="50000"/>
+                </a:schemeClr>
+              </a:solidFill>
+            </a:ln>
+          </p:spPr>
+          <p:style>
+            <a:lnRef idx="2">
+              <a:schemeClr val="accent1">
+                <a:shade val="50000"/>
+              </a:schemeClr>
+            </a:lnRef>
+            <a:fillRef idx="1">
+              <a:schemeClr val="accent1"/>
+            </a:fillRef>
+            <a:effectRef idx="0">
+              <a:schemeClr val="accent1"/>
+            </a:effectRef>
+            <a:fontRef idx="minor">
+              <a:schemeClr val="lt1"/>
+            </a:fontRef>
+          </p:style>
+          <p:txBody>
+            <a:bodyPr rtlCol="0" anchor="ctr"/>
+            <a:lstStyle/>
+            <a:p>
+              <a:pPr algn="ctr"/>
+              <a:endParaRPr lang="ko-KR" altLang="en-US"/>
+            </a:p>
+          </p:txBody>
+        </p:sp>
+        <p:sp>
+          <p:nvSpPr>
+            <p:cNvPr id="84" name="양쪽 모서리가 둥근 사각형 83"/>
+            <p:cNvSpPr/>
+            <p:nvPr/>
+          </p:nvSpPr>
+          <p:spPr>
+            <a:xfrm rot="16200000">
+              <a:off x="1176083" y="5641873"/>
+              <a:ext cx="108000" cy="1798840"/>
+            </a:xfrm>
+            <a:prstGeom prst="round2SameRect">
+              <a:avLst>
+                <a:gd name="adj1" fmla="val 19304"/>
+                <a:gd name="adj2" fmla="val 0"/>
+              </a:avLst>
+            </a:prstGeom>
+            <a:gradFill flip="none" rotWithShape="1">
+              <a:gsLst>
+                <a:gs pos="17000">
+                  <a:schemeClr val="bg1">
+                    <a:lumMod val="50000"/>
+                  </a:schemeClr>
+                </a:gs>
+                <a:gs pos="59000">
+                  <a:schemeClr val="bg1">
+                    <a:shade val="100000"/>
+                    <a:satMod val="115000"/>
+                  </a:schemeClr>
+                </a:gs>
+              </a:gsLst>
+              <a:lin ang="0" scaled="1"/>
+              <a:tileRect/>
+            </a:gradFill>
+            <a:ln w="19050">
+              <a:solidFill>
+                <a:schemeClr val="bg1">
+                  <a:lumMod val="50000"/>
+                </a:schemeClr>
+              </a:solidFill>
+            </a:ln>
+          </p:spPr>
+          <p:style>
+            <a:lnRef idx="2">
+              <a:schemeClr val="accent1">
+                <a:shade val="50000"/>
+              </a:schemeClr>
+            </a:lnRef>
+            <a:fillRef idx="1">
+              <a:schemeClr val="accent1"/>
+            </a:fillRef>
+            <a:effectRef idx="0">
+              <a:schemeClr val="accent1"/>
+            </a:effectRef>
+            <a:fontRef idx="minor">
+              <a:schemeClr val="lt1"/>
+            </a:fontRef>
+          </p:style>
+          <p:txBody>
+            <a:bodyPr rtlCol="0" anchor="ctr"/>
+            <a:lstStyle/>
+            <a:p>
+              <a:pPr algn="ctr"/>
+              <a:endParaRPr lang="ko-KR" altLang="en-US">
+                <a:solidFill>
+                  <a:prstClr val="white"/>
+                </a:solidFill>
+              </a:endParaRPr>
+            </a:p>
+          </p:txBody>
+        </p:sp>
+        <p:sp>
+          <p:nvSpPr>
+            <p:cNvPr id="85" name="양쪽 모서리가 둥근 사각형 84"/>
+            <p:cNvSpPr/>
+            <p:nvPr/>
+          </p:nvSpPr>
+          <p:spPr>
+            <a:xfrm rot="5400000" flipH="1">
+              <a:off x="10930593" y="5641871"/>
+              <a:ext cx="108000" cy="1798840"/>
+            </a:xfrm>
+            <a:prstGeom prst="round2SameRect">
+              <a:avLst>
+                <a:gd name="adj1" fmla="val 19304"/>
+                <a:gd name="adj2" fmla="val 0"/>
+              </a:avLst>
+            </a:prstGeom>
+            <a:gradFill flip="none" rotWithShape="1">
+              <a:gsLst>
+                <a:gs pos="17000">
+                  <a:schemeClr val="bg1">
+                    <a:lumMod val="50000"/>
+                  </a:schemeClr>
+                </a:gs>
+                <a:gs pos="59000">
+                  <a:schemeClr val="bg1">
+                    <a:shade val="100000"/>
+                    <a:satMod val="115000"/>
+                  </a:schemeClr>
+                </a:gs>
+              </a:gsLst>
+              <a:lin ang="0" scaled="1"/>
+              <a:tileRect/>
+            </a:gradFill>
+            <a:ln w="19050">
+              <a:solidFill>
+                <a:schemeClr val="bg1">
+                  <a:lumMod val="50000"/>
+                </a:schemeClr>
+              </a:solidFill>
+            </a:ln>
+          </p:spPr>
+          <p:style>
+            <a:lnRef idx="2">
+              <a:schemeClr val="accent1">
+                <a:shade val="50000"/>
+              </a:schemeClr>
+            </a:lnRef>
+            <a:fillRef idx="1">
+              <a:schemeClr val="accent1"/>
+            </a:fillRef>
+            <a:effectRef idx="0">
+              <a:schemeClr val="accent1"/>
+            </a:effectRef>
+            <a:fontRef idx="minor">
+              <a:schemeClr val="lt1"/>
+            </a:fontRef>
+          </p:style>
+          <p:txBody>
+            <a:bodyPr rtlCol="0" anchor="ctr"/>
+            <a:lstStyle/>
+            <a:p>
+              <a:pPr algn="ctr"/>
+              <a:endParaRPr lang="ko-KR" altLang="en-US">
+                <a:solidFill>
+                  <a:prstClr val="white"/>
+                </a:solidFill>
+              </a:endParaRPr>
+            </a:p>
+          </p:txBody>
+        </p:sp>
+        <p:sp>
+          <p:nvSpPr>
+            <p:cNvPr id="86" name="양쪽 모서리가 둥근 사각형 85"/>
+            <p:cNvSpPr/>
+            <p:nvPr/>
+          </p:nvSpPr>
+          <p:spPr>
+            <a:xfrm rot="16200000">
+              <a:off x="6053339" y="2563457"/>
+              <a:ext cx="108000" cy="7955668"/>
+            </a:xfrm>
+            <a:prstGeom prst="round2SameRect">
+              <a:avLst>
+                <a:gd name="adj1" fmla="val 0"/>
+                <a:gd name="adj2" fmla="val 0"/>
+              </a:avLst>
+            </a:prstGeom>
+            <a:gradFill flip="none" rotWithShape="1">
+              <a:gsLst>
+                <a:gs pos="17000">
+                  <a:schemeClr val="bg1">
+                    <a:lumMod val="50000"/>
+                  </a:schemeClr>
+                </a:gs>
+                <a:gs pos="59000">
+                  <a:schemeClr val="bg1">
+                    <a:shade val="100000"/>
+                    <a:satMod val="115000"/>
+                  </a:schemeClr>
+                </a:gs>
+              </a:gsLst>
+              <a:lin ang="0" scaled="1"/>
+              <a:tileRect/>
+            </a:gradFill>
+            <a:ln w="19050">
+              <a:solidFill>
+                <a:schemeClr val="bg1">
+                  <a:lumMod val="50000"/>
+                </a:schemeClr>
+              </a:solidFill>
+            </a:ln>
+          </p:spPr>
+          <p:style>
+            <a:lnRef idx="2">
+              <a:schemeClr val="accent1">
+                <a:shade val="50000"/>
+              </a:schemeClr>
+            </a:lnRef>
+            <a:fillRef idx="1">
+              <a:schemeClr val="accent1"/>
+            </a:fillRef>
+            <a:effectRef idx="0">
+              <a:schemeClr val="accent1"/>
+            </a:effectRef>
+            <a:fontRef idx="minor">
+              <a:schemeClr val="lt1"/>
+            </a:fontRef>
+          </p:style>
+          <p:txBody>
+            <a:bodyPr rtlCol="0" anchor="ctr"/>
+            <a:lstStyle/>
+            <a:p>
+              <a:pPr algn="ctr"/>
+              <a:endParaRPr lang="ko-KR" altLang="en-US">
+                <a:solidFill>
+                  <a:prstClr val="white"/>
+                </a:solidFill>
+              </a:endParaRPr>
+            </a:p>
+          </p:txBody>
+        </p:sp>
+        <p:sp>
+          <p:nvSpPr>
+            <p:cNvPr id="14" name="자유형 13"/>
+            <p:cNvSpPr/>
+            <p:nvPr/>
+          </p:nvSpPr>
+          <p:spPr>
+            <a:xfrm>
+              <a:off x="158507" y="6590451"/>
+              <a:ext cx="11897663" cy="267549"/>
+            </a:xfrm>
+            <a:custGeom>
+              <a:avLst/>
+              <a:gdLst>
+                <a:gd name="connsiteX0" fmla="*/ 195955 w 11897663"/>
+                <a:gd name="connsiteY0" fmla="*/ 0 h 267549"/>
+                <a:gd name="connsiteX1" fmla="*/ 11701708 w 11897663"/>
+                <a:gd name="connsiteY1" fmla="*/ 0 h 267549"/>
+                <a:gd name="connsiteX2" fmla="*/ 11897663 w 11897663"/>
+                <a:gd name="connsiteY2" fmla="*/ 267549 h 267549"/>
+                <a:gd name="connsiteX3" fmla="*/ 0 w 11897663"/>
+                <a:gd name="connsiteY3" fmla="*/ 267549 h 267549"/>
+              </a:gdLst>
+              <a:ahLst/>
+              <a:cxnLst>
+                <a:cxn ang="0">
+                  <a:pos x="connsiteX0" y="connsiteY0"/>
+                </a:cxn>
+                <a:cxn ang="0">
+                  <a:pos x="connsiteX1" y="connsiteY1"/>
+                </a:cxn>
+                <a:cxn ang="0">
+                  <a:pos x="connsiteX2" y="connsiteY2"/>
+                </a:cxn>
+                <a:cxn ang="0">
+                  <a:pos x="connsiteX3" y="connsiteY3"/>
+                </a:cxn>
+              </a:cxnLst>
+              <a:rect l="l" t="t" r="r" b="b"/>
+              <a:pathLst>
+                <a:path w="11897663" h="267549">
+                  <a:moveTo>
+                    <a:pt x="195955" y="0"/>
+                  </a:moveTo>
+                  <a:lnTo>
+                    <a:pt x="11701708" y="0"/>
+                  </a:lnTo>
+                  <a:lnTo>
+                    <a:pt x="11897663" y="267549"/>
+                  </a:lnTo>
+                  <a:lnTo>
+                    <a:pt x="0" y="267549"/>
+                  </a:lnTo>
+                  <a:close/>
+                </a:path>
+              </a:pathLst>
+            </a:custGeom>
+            <a:solidFill>
+              <a:schemeClr val="bg1"/>
+            </a:solidFill>
+            <a:ln w="19050">
+              <a:solidFill>
+                <a:schemeClr val="bg1">
+                  <a:lumMod val="50000"/>
+                </a:schemeClr>
+              </a:solidFill>
+            </a:ln>
+          </p:spPr>
+          <p:style>
+            <a:lnRef idx="2">
+              <a:schemeClr val="accent1">
+                <a:shade val="50000"/>
+              </a:schemeClr>
+            </a:lnRef>
+            <a:fillRef idx="1">
+              <a:schemeClr val="accent1"/>
+            </a:fillRef>
+            <a:effectRef idx="0">
+              <a:schemeClr val="accent1"/>
+            </a:effectRef>
+            <a:fontRef idx="minor">
+              <a:schemeClr val="lt1"/>
+            </a:fontRef>
+          </p:style>
+          <p:txBody>
+            <a:bodyPr wrap="square" rtlCol="0" anchor="ctr">
+              <a:noAutofit/>
+            </a:bodyPr>
+            <a:lstStyle/>
+            <a:p>
+              <a:pPr algn="ctr"/>
+              <a:endParaRPr lang="ko-KR" altLang="en-US">
+                <a:solidFill>
+                  <a:prstClr val="white"/>
+                </a:solidFill>
+              </a:endParaRPr>
+            </a:p>
+          </p:txBody>
+        </p:sp>
+        <p:sp>
+          <p:nvSpPr>
+            <p:cNvPr id="26" name="자유형 25"/>
+            <p:cNvSpPr/>
+            <p:nvPr/>
+          </p:nvSpPr>
+          <p:spPr>
+            <a:xfrm>
+              <a:off x="152400" y="6565900"/>
+              <a:ext cx="11750381" cy="292100"/>
+            </a:xfrm>
+            <a:custGeom>
+              <a:avLst/>
+              <a:gdLst>
+                <a:gd name="connsiteX0" fmla="*/ 177800 w 11722100"/>
+                <a:gd name="connsiteY0" fmla="*/ 0 h 292100"/>
+                <a:gd name="connsiteX1" fmla="*/ 0 w 11722100"/>
+                <a:gd name="connsiteY1" fmla="*/ 292100 h 292100"/>
+                <a:gd name="connsiteX2" fmla="*/ 11722100 w 11722100"/>
+                <a:gd name="connsiteY2" fmla="*/ 50800 h 292100"/>
+                <a:gd name="connsiteX3" fmla="*/ 177800 w 11722100"/>
+                <a:gd name="connsiteY3" fmla="*/ 0 h 292100"/>
+                <a:gd name="connsiteX0" fmla="*/ 206081 w 11722100"/>
+                <a:gd name="connsiteY0" fmla="*/ 0 h 292100"/>
+                <a:gd name="connsiteX1" fmla="*/ 0 w 11722100"/>
+                <a:gd name="connsiteY1" fmla="*/ 292100 h 292100"/>
+                <a:gd name="connsiteX2" fmla="*/ 11722100 w 11722100"/>
+                <a:gd name="connsiteY2" fmla="*/ 50800 h 292100"/>
+                <a:gd name="connsiteX3" fmla="*/ 206081 w 11722100"/>
+                <a:gd name="connsiteY3" fmla="*/ 0 h 292100"/>
+                <a:gd name="connsiteX0" fmla="*/ 206081 w 11750381"/>
+                <a:gd name="connsiteY0" fmla="*/ 0 h 292100"/>
+                <a:gd name="connsiteX1" fmla="*/ 0 w 11750381"/>
+                <a:gd name="connsiteY1" fmla="*/ 292100 h 292100"/>
+                <a:gd name="connsiteX2" fmla="*/ 11750381 w 11750381"/>
+                <a:gd name="connsiteY2" fmla="*/ 31947 h 292100"/>
+                <a:gd name="connsiteX3" fmla="*/ 206081 w 11750381"/>
+                <a:gd name="connsiteY3" fmla="*/ 0 h 292100"/>
+              </a:gdLst>
+              <a:ahLst/>
+              <a:cxnLst>
+                <a:cxn ang="0">
+                  <a:pos x="connsiteX0" y="connsiteY0"/>
+                </a:cxn>
+                <a:cxn ang="0">
+                  <a:pos x="connsiteX1" y="connsiteY1"/>
+                </a:cxn>
+                <a:cxn ang="0">
+                  <a:pos x="connsiteX2" y="connsiteY2"/>
+                </a:cxn>
+                <a:cxn ang="0">
+                  <a:pos x="connsiteX3" y="connsiteY3"/>
+                </a:cxn>
+              </a:cxnLst>
+              <a:rect l="l" t="t" r="r" b="b"/>
+              <a:pathLst>
+                <a:path w="11750381" h="292100">
+                  <a:moveTo>
+                    <a:pt x="206081" y="0"/>
+                  </a:moveTo>
+                  <a:lnTo>
+                    <a:pt x="0" y="292100"/>
+                  </a:lnTo>
+                  <a:lnTo>
+                    <a:pt x="11750381" y="31947"/>
+                  </a:lnTo>
+                  <a:lnTo>
+                    <a:pt x="206081" y="0"/>
+                  </a:lnTo>
+                  <a:close/>
+                </a:path>
+              </a:pathLst>
+            </a:custGeom>
+            <a:solidFill>
+              <a:schemeClr val="tx1">
+                <a:alpha val="13000"/>
+              </a:schemeClr>
+            </a:solidFill>
+            <a:ln>
+              <a:noFill/>
+            </a:ln>
+          </p:spPr>
+          <p:style>
+            <a:lnRef idx="2">
+              <a:schemeClr val="accent1">
+                <a:shade val="50000"/>
+              </a:schemeClr>
+            </a:lnRef>
+            <a:fillRef idx="1">
+              <a:schemeClr val="accent1"/>
+            </a:fillRef>
+            <a:effectRef idx="0">
+              <a:schemeClr val="accent1"/>
+            </a:effectRef>
+            <a:fontRef idx="minor">
+              <a:schemeClr val="lt1"/>
+            </a:fontRef>
+          </p:style>
+          <p:txBody>
+            <a:bodyPr rtlCol="0" anchor="ctr"/>
+            <a:lstStyle/>
+            <a:p>
+              <a:pPr algn="ctr"/>
+              <a:endParaRPr lang="ko-KR" altLang="en-US"/>
+            </a:p>
+          </p:txBody>
+        </p:sp>
+        <p:sp>
+          <p:nvSpPr>
+            <p:cNvPr id="15" name="모서리가 둥근 직사각형 14"/>
+            <p:cNvSpPr/>
+            <p:nvPr/>
+          </p:nvSpPr>
+          <p:spPr>
+            <a:xfrm>
+              <a:off x="524266" y="6670585"/>
+              <a:ext cx="597524" cy="64121"/>
+            </a:xfrm>
+            <a:prstGeom prst="roundRect">
+              <a:avLst>
+                <a:gd name="adj" fmla="val 50000"/>
+              </a:avLst>
+            </a:prstGeom>
+            <a:solidFill>
+              <a:srgbClr val="00B0F0"/>
+            </a:solidFill>
+            <a:ln>
+              <a:solidFill>
+                <a:schemeClr val="bg1">
+                  <a:lumMod val="50000"/>
+                </a:schemeClr>
+              </a:solidFill>
+            </a:ln>
+          </p:spPr>
+          <p:style>
+            <a:lnRef idx="2">
+              <a:schemeClr val="accent1">
+                <a:shade val="50000"/>
+              </a:schemeClr>
+            </a:lnRef>
+            <a:fillRef idx="1">
+              <a:schemeClr val="accent1"/>
+            </a:fillRef>
+            <a:effectRef idx="0">
+              <a:schemeClr val="accent1"/>
+            </a:effectRef>
+            <a:fontRef idx="minor">
+              <a:schemeClr val="lt1"/>
+            </a:fontRef>
+          </p:style>
+          <p:txBody>
+            <a:bodyPr rtlCol="0" anchor="ctr"/>
+            <a:lstStyle/>
+            <a:p>
+              <a:pPr algn="ctr"/>
+              <a:endParaRPr lang="ko-KR" altLang="en-US"/>
+            </a:p>
+          </p:txBody>
+        </p:sp>
+      </p:grpSp>
+      <p:sp>
+        <p:nvSpPr>
+          <p:cNvPr id="82" name="직사각형 81"/>
+          <p:cNvSpPr/>
+          <p:nvPr/>
+        </p:nvSpPr>
+        <p:spPr>
+          <a:xfrm>
+            <a:off x="3353610" y="228600"/>
+            <a:ext cx="5484781" cy="655372"/>
+          </a:xfrm>
+          <a:prstGeom prst="rect">
+            <a:avLst/>
+          </a:prstGeom>
+        </p:spPr>
+        <p:txBody>
+          <a:bodyPr wrap="square">
+            <a:spAutoFit/>
+          </a:bodyPr>
+          <a:lstStyle/>
+          <a:p>
+            <a:pPr algn="ctr">
+              <a:lnSpc>
+                <a:spcPct val="150000"/>
+              </a:lnSpc>
+            </a:pPr>
+            <a:r>
+              <a:rPr lang="ko-KR" altLang="en-US" sz="2000" i="1" dirty="0" smtClean="0">
+                <a:solidFill>
+                  <a:schemeClr val="bg1">
+                    <a:lumMod val="50000"/>
+                  </a:schemeClr>
+                </a:solidFill>
+              </a:rPr>
+              <a:t>화면구현 </a:t>
+            </a:r>
+            <a:r>
+              <a:rPr lang="en-US" altLang="ko-KR" sz="2800" b="1" i="1" dirty="0" smtClean="0">
+                <a:solidFill>
+                  <a:schemeClr val="bg1">
+                    <a:lumMod val="50000"/>
+                  </a:schemeClr>
+                </a:solidFill>
+              </a:rPr>
+              <a:t>Implement Screen</a:t>
+            </a:r>
+            <a:endParaRPr lang="en-US" altLang="ko-KR" sz="2800" b="1" i="1" dirty="0">
+              <a:solidFill>
+                <a:schemeClr val="bg1">
+                  <a:lumMod val="50000"/>
+                </a:schemeClr>
+              </a:solidFill>
+            </a:endParaRPr>
+          </a:p>
+        </p:txBody>
+      </p:sp>
+      <p:sp>
+        <p:nvSpPr>
+          <p:cNvPr id="2" name="직사각형 1"/>
+          <p:cNvSpPr/>
+          <p:nvPr/>
+        </p:nvSpPr>
+        <p:spPr>
+          <a:xfrm>
+            <a:off x="777269" y="1664044"/>
+            <a:ext cx="7569580" cy="4423719"/>
+          </a:xfrm>
+          <a:prstGeom prst="rect">
+            <a:avLst/>
+          </a:prstGeom>
+          <a:solidFill>
+            <a:schemeClr val="bg1"/>
+          </a:solidFill>
+          <a:ln>
+            <a:solidFill>
+              <a:schemeClr val="tx1"/>
+            </a:solidFill>
+          </a:ln>
+        </p:spPr>
+        <p:style>
+          <a:lnRef idx="2">
+            <a:schemeClr val="accent1">
+              <a:shade val="50000"/>
+            </a:schemeClr>
+          </a:lnRef>
+          <a:fillRef idx="1">
+            <a:schemeClr val="accent1"/>
+          </a:fillRef>
+          <a:effectRef idx="0">
+            <a:schemeClr val="accent1"/>
+          </a:effectRef>
+          <a:fontRef idx="minor">
+            <a:schemeClr val="lt1"/>
+          </a:fontRef>
+        </p:style>
+        <p:txBody>
+          <a:bodyPr rtlCol="0" anchor="ctr"/>
+          <a:lstStyle/>
+          <a:p>
+            <a:pPr algn="ctr"/>
+            <a:endParaRPr lang="ko-KR" altLang="en-US"/>
+          </a:p>
+        </p:txBody>
+      </p:sp>
+      <p:sp>
+        <p:nvSpPr>
+          <p:cNvPr id="3" name="직사각형 2"/>
+          <p:cNvSpPr/>
+          <p:nvPr/>
+        </p:nvSpPr>
+        <p:spPr>
+          <a:xfrm>
+            <a:off x="8602764" y="1664043"/>
+            <a:ext cx="2811968" cy="4423719"/>
+          </a:xfrm>
+          <a:prstGeom prst="rect">
+            <a:avLst/>
+          </a:prstGeom>
+          <a:solidFill>
+            <a:schemeClr val="bg1"/>
+          </a:solidFill>
+          <a:ln>
+            <a:solidFill>
+              <a:schemeClr val="tx1"/>
+            </a:solidFill>
+          </a:ln>
+        </p:spPr>
+        <p:style>
+          <a:lnRef idx="2">
+            <a:schemeClr val="accent1">
+              <a:shade val="50000"/>
+            </a:schemeClr>
+          </a:lnRef>
+          <a:fillRef idx="1">
+            <a:schemeClr val="accent1"/>
+          </a:fillRef>
+          <a:effectRef idx="0">
+            <a:schemeClr val="accent1"/>
+          </a:effectRef>
+          <a:fontRef idx="minor">
+            <a:schemeClr val="lt1"/>
+          </a:fontRef>
+        </p:style>
+        <p:txBody>
+          <a:bodyPr rtlCol="0" anchor="ctr"/>
+          <a:lstStyle/>
+          <a:p>
+            <a:pPr algn="ctr"/>
+            <a:endParaRPr lang="ko-KR" altLang="en-US"/>
+          </a:p>
+        </p:txBody>
+      </p:sp>
+    </p:spTree>
+    <p:extLst>
+      <p:ext uri="{BB962C8B-B14F-4D97-AF65-F5344CB8AC3E}">
+        <p14:creationId xmlns:p14="http://schemas.microsoft.com/office/powerpoint/2010/main" val="46698870"/>
+      </p:ext>
+    </p:extLst>
+  </p:cSld>
+  <p:clrMapOvr>
+    <a:masterClrMapping/>
+  </p:clrMapOvr>
+  <p:timing>
+    <p:tnLst>
+      <p:par>
+        <p:cTn id="1" dur="indefinite" restart="never" nodeType="tmRoot"/>
+      </p:par>
+    </p:tnLst>
+  </p:timing>
+</p:sld>
+</file>
+
+<file path=ppt/slides/slide15.xml><?xml version="1.0" encoding="utf-8"?>
+<p:sld xmlns:a="http://schemas.openxmlformats.org/drawingml/2006/main" xmlns:r="http://schemas.openxmlformats.org/officeDocument/2006/relationships" xmlns:p="http://schemas.openxmlformats.org/presentationml/2006/main">
+  <p:cSld>
+    <p:spTree>
+      <p:nvGrpSpPr>
+        <p:cNvPr id="1" name=""/>
+        <p:cNvGrpSpPr/>
+        <p:nvPr/>
+      </p:nvGrpSpPr>
+      <p:grpSpPr>
+        <a:xfrm>
+          <a:off x="0" y="0"/>
+          <a:ext cx="0" cy="0"/>
+          <a:chOff x="0" y="0"/>
+          <a:chExt cx="0" cy="0"/>
+        </a:xfrm>
+      </p:grpSpPr>
+      <p:grpSp>
+        <p:nvGrpSpPr>
+          <p:cNvPr id="4" name="그룹 3"/>
+          <p:cNvGrpSpPr/>
+          <p:nvPr/>
+        </p:nvGrpSpPr>
+        <p:grpSpPr>
+          <a:xfrm>
+            <a:off x="152400" y="83680"/>
+            <a:ext cx="11903770" cy="6774320"/>
+            <a:chOff x="152400" y="83680"/>
+            <a:chExt cx="11903770" cy="6774320"/>
+          </a:xfrm>
+        </p:grpSpPr>
+        <p:sp>
+          <p:nvSpPr>
+            <p:cNvPr id="68" name="양쪽 모서리가 둥근 사각형 67"/>
+            <p:cNvSpPr/>
+            <p:nvPr/>
+          </p:nvSpPr>
+          <p:spPr>
+            <a:xfrm>
+              <a:off x="338203" y="83680"/>
+              <a:ext cx="11548997" cy="6482219"/>
+            </a:xfrm>
+            <a:prstGeom prst="round2SameRect">
+              <a:avLst>
+                <a:gd name="adj1" fmla="val 4566"/>
+                <a:gd name="adj2" fmla="val 0"/>
+              </a:avLst>
+            </a:prstGeom>
+            <a:pattFill prst="ltDnDiag">
+              <a:fgClr>
+                <a:schemeClr val="bg1">
+                  <a:lumMod val="75000"/>
+                </a:schemeClr>
+              </a:fgClr>
+              <a:bgClr>
+                <a:schemeClr val="bg1">
+                  <a:lumMod val="95000"/>
+                </a:schemeClr>
+              </a:bgClr>
+            </a:pattFill>
+            <a:ln w="28575">
+              <a:solidFill>
+                <a:schemeClr val="bg1">
+                  <a:lumMod val="50000"/>
+                </a:schemeClr>
+              </a:solidFill>
+            </a:ln>
+          </p:spPr>
+          <p:style>
+            <a:lnRef idx="2">
+              <a:schemeClr val="accent1">
+                <a:shade val="50000"/>
+              </a:schemeClr>
+            </a:lnRef>
+            <a:fillRef idx="1">
+              <a:schemeClr val="accent1"/>
+            </a:fillRef>
+            <a:effectRef idx="0">
+              <a:schemeClr val="accent1"/>
+            </a:effectRef>
+            <a:fontRef idx="minor">
+              <a:schemeClr val="lt1"/>
+            </a:fontRef>
+          </p:style>
+          <p:txBody>
+            <a:bodyPr rtlCol="0" anchor="ctr"/>
+            <a:lstStyle/>
+            <a:p>
+              <a:pPr algn="ctr"/>
+              <a:endParaRPr lang="ko-KR" altLang="en-US"/>
+            </a:p>
+          </p:txBody>
+        </p:sp>
+        <p:sp>
+          <p:nvSpPr>
+            <p:cNvPr id="69" name="양쪽 모서리가 둥근 사각형 68"/>
+            <p:cNvSpPr/>
+            <p:nvPr/>
+          </p:nvSpPr>
+          <p:spPr>
+            <a:xfrm>
+              <a:off x="524266" y="241300"/>
+              <a:ext cx="11176871" cy="6133424"/>
+            </a:xfrm>
+            <a:prstGeom prst="round2SameRect">
+              <a:avLst>
+                <a:gd name="adj1" fmla="val 3284"/>
+                <a:gd name="adj2" fmla="val 0"/>
+              </a:avLst>
+            </a:prstGeom>
+            <a:solidFill>
+              <a:schemeClr val="bg1"/>
+            </a:solidFill>
+            <a:ln w="19050">
+              <a:solidFill>
+                <a:schemeClr val="bg1">
+                  <a:lumMod val="50000"/>
+                </a:schemeClr>
+              </a:solidFill>
+            </a:ln>
+          </p:spPr>
+          <p:style>
+            <a:lnRef idx="2">
+              <a:schemeClr val="accent1">
+                <a:shade val="50000"/>
+              </a:schemeClr>
+            </a:lnRef>
+            <a:fillRef idx="1">
+              <a:schemeClr val="accent1"/>
+            </a:fillRef>
+            <a:effectRef idx="0">
+              <a:schemeClr val="accent1"/>
+            </a:effectRef>
+            <a:fontRef idx="minor">
+              <a:schemeClr val="lt1"/>
+            </a:fontRef>
+          </p:style>
+          <p:txBody>
+            <a:bodyPr rtlCol="0" anchor="ctr"/>
+            <a:lstStyle/>
+            <a:p>
+              <a:pPr algn="ctr"/>
+              <a:endParaRPr lang="ko-KR" altLang="en-US"/>
+            </a:p>
+          </p:txBody>
+        </p:sp>
+        <p:sp>
+          <p:nvSpPr>
+            <p:cNvPr id="84" name="양쪽 모서리가 둥근 사각형 83"/>
+            <p:cNvSpPr/>
+            <p:nvPr/>
+          </p:nvSpPr>
+          <p:spPr>
+            <a:xfrm rot="16200000">
+              <a:off x="1176083" y="5641873"/>
+              <a:ext cx="108000" cy="1798840"/>
+            </a:xfrm>
+            <a:prstGeom prst="round2SameRect">
+              <a:avLst>
+                <a:gd name="adj1" fmla="val 19304"/>
+                <a:gd name="adj2" fmla="val 0"/>
+              </a:avLst>
+            </a:prstGeom>
+            <a:gradFill flip="none" rotWithShape="1">
+              <a:gsLst>
+                <a:gs pos="17000">
+                  <a:schemeClr val="bg1">
+                    <a:lumMod val="50000"/>
+                  </a:schemeClr>
+                </a:gs>
+                <a:gs pos="59000">
+                  <a:schemeClr val="bg1">
+                    <a:shade val="100000"/>
+                    <a:satMod val="115000"/>
+                  </a:schemeClr>
+                </a:gs>
+              </a:gsLst>
+              <a:lin ang="0" scaled="1"/>
+              <a:tileRect/>
+            </a:gradFill>
+            <a:ln w="19050">
+              <a:solidFill>
+                <a:schemeClr val="bg1">
+                  <a:lumMod val="50000"/>
+                </a:schemeClr>
+              </a:solidFill>
+            </a:ln>
+          </p:spPr>
+          <p:style>
+            <a:lnRef idx="2">
+              <a:schemeClr val="accent1">
+                <a:shade val="50000"/>
+              </a:schemeClr>
+            </a:lnRef>
+            <a:fillRef idx="1">
+              <a:schemeClr val="accent1"/>
+            </a:fillRef>
+            <a:effectRef idx="0">
+              <a:schemeClr val="accent1"/>
+            </a:effectRef>
+            <a:fontRef idx="minor">
+              <a:schemeClr val="lt1"/>
+            </a:fontRef>
+          </p:style>
+          <p:txBody>
+            <a:bodyPr rtlCol="0" anchor="ctr"/>
+            <a:lstStyle/>
+            <a:p>
+              <a:pPr algn="ctr"/>
+              <a:endParaRPr lang="ko-KR" altLang="en-US">
+                <a:solidFill>
+                  <a:prstClr val="white"/>
+                </a:solidFill>
+              </a:endParaRPr>
+            </a:p>
+          </p:txBody>
+        </p:sp>
+        <p:sp>
+          <p:nvSpPr>
+            <p:cNvPr id="85" name="양쪽 모서리가 둥근 사각형 84"/>
+            <p:cNvSpPr/>
+            <p:nvPr/>
+          </p:nvSpPr>
+          <p:spPr>
+            <a:xfrm rot="5400000" flipH="1">
+              <a:off x="10930593" y="5641871"/>
+              <a:ext cx="108000" cy="1798840"/>
+            </a:xfrm>
+            <a:prstGeom prst="round2SameRect">
+              <a:avLst>
+                <a:gd name="adj1" fmla="val 19304"/>
+                <a:gd name="adj2" fmla="val 0"/>
+              </a:avLst>
+            </a:prstGeom>
+            <a:gradFill flip="none" rotWithShape="1">
+              <a:gsLst>
+                <a:gs pos="17000">
+                  <a:schemeClr val="bg1">
+                    <a:lumMod val="50000"/>
+                  </a:schemeClr>
+                </a:gs>
+                <a:gs pos="59000">
+                  <a:schemeClr val="bg1">
+                    <a:shade val="100000"/>
+                    <a:satMod val="115000"/>
+                  </a:schemeClr>
+                </a:gs>
+              </a:gsLst>
+              <a:lin ang="0" scaled="1"/>
+              <a:tileRect/>
+            </a:gradFill>
+            <a:ln w="19050">
+              <a:solidFill>
+                <a:schemeClr val="bg1">
+                  <a:lumMod val="50000"/>
+                </a:schemeClr>
+              </a:solidFill>
+            </a:ln>
+          </p:spPr>
+          <p:style>
+            <a:lnRef idx="2">
+              <a:schemeClr val="accent1">
+                <a:shade val="50000"/>
+              </a:schemeClr>
+            </a:lnRef>
+            <a:fillRef idx="1">
+              <a:schemeClr val="accent1"/>
+            </a:fillRef>
+            <a:effectRef idx="0">
+              <a:schemeClr val="accent1"/>
+            </a:effectRef>
+            <a:fontRef idx="minor">
+              <a:schemeClr val="lt1"/>
+            </a:fontRef>
+          </p:style>
+          <p:txBody>
+            <a:bodyPr rtlCol="0" anchor="ctr"/>
+            <a:lstStyle/>
+            <a:p>
+              <a:pPr algn="ctr"/>
+              <a:endParaRPr lang="ko-KR" altLang="en-US">
+                <a:solidFill>
+                  <a:prstClr val="white"/>
+                </a:solidFill>
+              </a:endParaRPr>
+            </a:p>
+          </p:txBody>
+        </p:sp>
+        <p:sp>
+          <p:nvSpPr>
+            <p:cNvPr id="86" name="양쪽 모서리가 둥근 사각형 85"/>
+            <p:cNvSpPr/>
+            <p:nvPr/>
+          </p:nvSpPr>
+          <p:spPr>
+            <a:xfrm rot="16200000">
+              <a:off x="6053339" y="2563457"/>
+              <a:ext cx="108000" cy="7955668"/>
+            </a:xfrm>
+            <a:prstGeom prst="round2SameRect">
+              <a:avLst>
+                <a:gd name="adj1" fmla="val 0"/>
+                <a:gd name="adj2" fmla="val 0"/>
+              </a:avLst>
+            </a:prstGeom>
+            <a:gradFill flip="none" rotWithShape="1">
+              <a:gsLst>
+                <a:gs pos="17000">
+                  <a:schemeClr val="bg1">
+                    <a:lumMod val="50000"/>
+                  </a:schemeClr>
+                </a:gs>
+                <a:gs pos="59000">
+                  <a:schemeClr val="bg1">
+                    <a:shade val="100000"/>
+                    <a:satMod val="115000"/>
+                  </a:schemeClr>
+                </a:gs>
+              </a:gsLst>
+              <a:lin ang="0" scaled="1"/>
+              <a:tileRect/>
+            </a:gradFill>
+            <a:ln w="19050">
+              <a:solidFill>
+                <a:schemeClr val="bg1">
+                  <a:lumMod val="50000"/>
+                </a:schemeClr>
+              </a:solidFill>
+            </a:ln>
+          </p:spPr>
+          <p:style>
+            <a:lnRef idx="2">
+              <a:schemeClr val="accent1">
+                <a:shade val="50000"/>
+              </a:schemeClr>
+            </a:lnRef>
+            <a:fillRef idx="1">
+              <a:schemeClr val="accent1"/>
+            </a:fillRef>
+            <a:effectRef idx="0">
+              <a:schemeClr val="accent1"/>
+            </a:effectRef>
+            <a:fontRef idx="minor">
+              <a:schemeClr val="lt1"/>
+            </a:fontRef>
+          </p:style>
+          <p:txBody>
+            <a:bodyPr rtlCol="0" anchor="ctr"/>
+            <a:lstStyle/>
+            <a:p>
+              <a:pPr algn="ctr"/>
+              <a:endParaRPr lang="ko-KR" altLang="en-US">
+                <a:solidFill>
+                  <a:prstClr val="white"/>
+                </a:solidFill>
+              </a:endParaRPr>
+            </a:p>
+          </p:txBody>
+        </p:sp>
+        <p:sp>
+          <p:nvSpPr>
+            <p:cNvPr id="14" name="자유형 13"/>
+            <p:cNvSpPr/>
+            <p:nvPr/>
+          </p:nvSpPr>
+          <p:spPr>
+            <a:xfrm>
+              <a:off x="158507" y="6590451"/>
+              <a:ext cx="11897663" cy="267549"/>
+            </a:xfrm>
+            <a:custGeom>
+              <a:avLst/>
+              <a:gdLst>
+                <a:gd name="connsiteX0" fmla="*/ 195955 w 11897663"/>
+                <a:gd name="connsiteY0" fmla="*/ 0 h 267549"/>
+                <a:gd name="connsiteX1" fmla="*/ 11701708 w 11897663"/>
+                <a:gd name="connsiteY1" fmla="*/ 0 h 267549"/>
+                <a:gd name="connsiteX2" fmla="*/ 11897663 w 11897663"/>
+                <a:gd name="connsiteY2" fmla="*/ 267549 h 267549"/>
+                <a:gd name="connsiteX3" fmla="*/ 0 w 11897663"/>
+                <a:gd name="connsiteY3" fmla="*/ 267549 h 267549"/>
+              </a:gdLst>
+              <a:ahLst/>
+              <a:cxnLst>
+                <a:cxn ang="0">
+                  <a:pos x="connsiteX0" y="connsiteY0"/>
+                </a:cxn>
+                <a:cxn ang="0">
+                  <a:pos x="connsiteX1" y="connsiteY1"/>
+                </a:cxn>
+                <a:cxn ang="0">
+                  <a:pos x="connsiteX2" y="connsiteY2"/>
+                </a:cxn>
+                <a:cxn ang="0">
+                  <a:pos x="connsiteX3" y="connsiteY3"/>
+                </a:cxn>
+              </a:cxnLst>
+              <a:rect l="l" t="t" r="r" b="b"/>
+              <a:pathLst>
+                <a:path w="11897663" h="267549">
+                  <a:moveTo>
+                    <a:pt x="195955" y="0"/>
+                  </a:moveTo>
+                  <a:lnTo>
+                    <a:pt x="11701708" y="0"/>
+                  </a:lnTo>
+                  <a:lnTo>
+                    <a:pt x="11897663" y="267549"/>
+                  </a:lnTo>
+                  <a:lnTo>
+                    <a:pt x="0" y="267549"/>
+                  </a:lnTo>
+                  <a:close/>
+                </a:path>
+              </a:pathLst>
+            </a:custGeom>
+            <a:solidFill>
+              <a:schemeClr val="bg1"/>
+            </a:solidFill>
+            <a:ln w="19050">
+              <a:solidFill>
+                <a:schemeClr val="bg1">
+                  <a:lumMod val="50000"/>
+                </a:schemeClr>
+              </a:solidFill>
+            </a:ln>
+          </p:spPr>
+          <p:style>
+            <a:lnRef idx="2">
+              <a:schemeClr val="accent1">
+                <a:shade val="50000"/>
+              </a:schemeClr>
+            </a:lnRef>
+            <a:fillRef idx="1">
+              <a:schemeClr val="accent1"/>
+            </a:fillRef>
+            <a:effectRef idx="0">
+              <a:schemeClr val="accent1"/>
+            </a:effectRef>
+            <a:fontRef idx="minor">
+              <a:schemeClr val="lt1"/>
+            </a:fontRef>
+          </p:style>
+          <p:txBody>
+            <a:bodyPr wrap="square" rtlCol="0" anchor="ctr">
+              <a:noAutofit/>
+            </a:bodyPr>
+            <a:lstStyle/>
+            <a:p>
+              <a:pPr algn="ctr"/>
+              <a:endParaRPr lang="ko-KR" altLang="en-US">
+                <a:solidFill>
+                  <a:prstClr val="white"/>
+                </a:solidFill>
+              </a:endParaRPr>
+            </a:p>
+          </p:txBody>
+        </p:sp>
+        <p:sp>
+          <p:nvSpPr>
+            <p:cNvPr id="26" name="자유형 25"/>
+            <p:cNvSpPr/>
+            <p:nvPr/>
+          </p:nvSpPr>
+          <p:spPr>
+            <a:xfrm>
+              <a:off x="152400" y="6565900"/>
+              <a:ext cx="11750381" cy="292100"/>
+            </a:xfrm>
+            <a:custGeom>
+              <a:avLst/>
+              <a:gdLst>
+                <a:gd name="connsiteX0" fmla="*/ 177800 w 11722100"/>
+                <a:gd name="connsiteY0" fmla="*/ 0 h 292100"/>
+                <a:gd name="connsiteX1" fmla="*/ 0 w 11722100"/>
+                <a:gd name="connsiteY1" fmla="*/ 292100 h 292100"/>
+                <a:gd name="connsiteX2" fmla="*/ 11722100 w 11722100"/>
+                <a:gd name="connsiteY2" fmla="*/ 50800 h 292100"/>
+                <a:gd name="connsiteX3" fmla="*/ 177800 w 11722100"/>
+                <a:gd name="connsiteY3" fmla="*/ 0 h 292100"/>
+                <a:gd name="connsiteX0" fmla="*/ 206081 w 11722100"/>
+                <a:gd name="connsiteY0" fmla="*/ 0 h 292100"/>
+                <a:gd name="connsiteX1" fmla="*/ 0 w 11722100"/>
+                <a:gd name="connsiteY1" fmla="*/ 292100 h 292100"/>
+                <a:gd name="connsiteX2" fmla="*/ 11722100 w 11722100"/>
+                <a:gd name="connsiteY2" fmla="*/ 50800 h 292100"/>
+                <a:gd name="connsiteX3" fmla="*/ 206081 w 11722100"/>
+                <a:gd name="connsiteY3" fmla="*/ 0 h 292100"/>
+                <a:gd name="connsiteX0" fmla="*/ 206081 w 11750381"/>
+                <a:gd name="connsiteY0" fmla="*/ 0 h 292100"/>
+                <a:gd name="connsiteX1" fmla="*/ 0 w 11750381"/>
+                <a:gd name="connsiteY1" fmla="*/ 292100 h 292100"/>
+                <a:gd name="connsiteX2" fmla="*/ 11750381 w 11750381"/>
+                <a:gd name="connsiteY2" fmla="*/ 31947 h 292100"/>
+                <a:gd name="connsiteX3" fmla="*/ 206081 w 11750381"/>
+                <a:gd name="connsiteY3" fmla="*/ 0 h 292100"/>
+              </a:gdLst>
+              <a:ahLst/>
+              <a:cxnLst>
+                <a:cxn ang="0">
+                  <a:pos x="connsiteX0" y="connsiteY0"/>
+                </a:cxn>
+                <a:cxn ang="0">
+                  <a:pos x="connsiteX1" y="connsiteY1"/>
+                </a:cxn>
+                <a:cxn ang="0">
+                  <a:pos x="connsiteX2" y="connsiteY2"/>
+                </a:cxn>
+                <a:cxn ang="0">
+                  <a:pos x="connsiteX3" y="connsiteY3"/>
+                </a:cxn>
+              </a:cxnLst>
+              <a:rect l="l" t="t" r="r" b="b"/>
+              <a:pathLst>
+                <a:path w="11750381" h="292100">
+                  <a:moveTo>
+                    <a:pt x="206081" y="0"/>
+                  </a:moveTo>
+                  <a:lnTo>
+                    <a:pt x="0" y="292100"/>
+                  </a:lnTo>
+                  <a:lnTo>
+                    <a:pt x="11750381" y="31947"/>
+                  </a:lnTo>
+                  <a:lnTo>
+                    <a:pt x="206081" y="0"/>
+                  </a:lnTo>
+                  <a:close/>
+                </a:path>
+              </a:pathLst>
+            </a:custGeom>
+            <a:solidFill>
+              <a:schemeClr val="tx1">
+                <a:alpha val="13000"/>
+              </a:schemeClr>
+            </a:solidFill>
+            <a:ln>
+              <a:noFill/>
+            </a:ln>
+          </p:spPr>
+          <p:style>
+            <a:lnRef idx="2">
+              <a:schemeClr val="accent1">
+                <a:shade val="50000"/>
+              </a:schemeClr>
+            </a:lnRef>
+            <a:fillRef idx="1">
+              <a:schemeClr val="accent1"/>
+            </a:fillRef>
+            <a:effectRef idx="0">
+              <a:schemeClr val="accent1"/>
+            </a:effectRef>
+            <a:fontRef idx="minor">
+              <a:schemeClr val="lt1"/>
+            </a:fontRef>
+          </p:style>
+          <p:txBody>
+            <a:bodyPr rtlCol="0" anchor="ctr"/>
+            <a:lstStyle/>
+            <a:p>
+              <a:pPr algn="ctr"/>
+              <a:endParaRPr lang="ko-KR" altLang="en-US"/>
+            </a:p>
+          </p:txBody>
+        </p:sp>
+        <p:sp>
+          <p:nvSpPr>
+            <p:cNvPr id="15" name="모서리가 둥근 직사각형 14"/>
+            <p:cNvSpPr/>
+            <p:nvPr/>
+          </p:nvSpPr>
+          <p:spPr>
+            <a:xfrm>
+              <a:off x="524266" y="6670585"/>
+              <a:ext cx="597524" cy="64121"/>
+            </a:xfrm>
+            <a:prstGeom prst="roundRect">
+              <a:avLst>
+                <a:gd name="adj" fmla="val 50000"/>
+              </a:avLst>
+            </a:prstGeom>
+            <a:solidFill>
+              <a:srgbClr val="00B0F0"/>
+            </a:solidFill>
+            <a:ln>
+              <a:solidFill>
+                <a:schemeClr val="bg1">
+                  <a:lumMod val="50000"/>
+                </a:schemeClr>
+              </a:solidFill>
+            </a:ln>
+          </p:spPr>
+          <p:style>
+            <a:lnRef idx="2">
+              <a:schemeClr val="accent1">
+                <a:shade val="50000"/>
+              </a:schemeClr>
+            </a:lnRef>
+            <a:fillRef idx="1">
+              <a:schemeClr val="accent1"/>
+            </a:fillRef>
+            <a:effectRef idx="0">
+              <a:schemeClr val="accent1"/>
+            </a:effectRef>
+            <a:fontRef idx="minor">
+              <a:schemeClr val="lt1"/>
+            </a:fontRef>
+          </p:style>
+          <p:txBody>
+            <a:bodyPr rtlCol="0" anchor="ctr"/>
+            <a:lstStyle/>
+            <a:p>
+              <a:pPr algn="ctr"/>
+              <a:endParaRPr lang="ko-KR" altLang="en-US"/>
+            </a:p>
+          </p:txBody>
+        </p:sp>
+      </p:grpSp>
+      <p:sp>
+        <p:nvSpPr>
+          <p:cNvPr id="82" name="직사각형 81"/>
+          <p:cNvSpPr/>
+          <p:nvPr/>
+        </p:nvSpPr>
+        <p:spPr>
+          <a:xfrm>
+            <a:off x="3353610" y="228600"/>
+            <a:ext cx="5484781" cy="655372"/>
+          </a:xfrm>
+          <a:prstGeom prst="rect">
+            <a:avLst/>
+          </a:prstGeom>
+        </p:spPr>
+        <p:txBody>
+          <a:bodyPr wrap="square">
+            <a:spAutoFit/>
+          </a:bodyPr>
+          <a:lstStyle/>
+          <a:p>
+            <a:pPr algn="ctr">
+              <a:lnSpc>
+                <a:spcPct val="150000"/>
+              </a:lnSpc>
+            </a:pPr>
+            <a:r>
+              <a:rPr lang="en-US" altLang="ko-KR" sz="2000" i="1" dirty="0" smtClean="0">
+                <a:solidFill>
+                  <a:schemeClr val="bg1">
+                    <a:lumMod val="50000"/>
+                  </a:schemeClr>
+                </a:solidFill>
+              </a:rPr>
+              <a:t>SQL</a:t>
+            </a:r>
+            <a:r>
+              <a:rPr lang="ko-KR" altLang="en-US" sz="2000" i="1" dirty="0" smtClean="0">
+                <a:solidFill>
+                  <a:schemeClr val="bg1">
+                    <a:lumMod val="50000"/>
+                  </a:schemeClr>
+                </a:solidFill>
+              </a:rPr>
+              <a:t> </a:t>
+            </a:r>
+            <a:r>
+              <a:rPr lang="en-US" altLang="ko-KR" sz="2800" b="1" i="1" dirty="0" smtClean="0">
+                <a:solidFill>
+                  <a:schemeClr val="bg1">
+                    <a:lumMod val="50000"/>
+                  </a:schemeClr>
+                </a:solidFill>
+              </a:rPr>
+              <a:t>SQL</a:t>
+            </a:r>
+            <a:endParaRPr lang="en-US" altLang="ko-KR" sz="2800" b="1" i="1" dirty="0">
+              <a:solidFill>
+                <a:schemeClr val="bg1">
+                  <a:lumMod val="50000"/>
+                </a:schemeClr>
+              </a:solidFill>
+            </a:endParaRPr>
+          </a:p>
+        </p:txBody>
+      </p:sp>
+      <p:sp>
+        <p:nvSpPr>
+          <p:cNvPr id="2" name="직사각형 1"/>
+          <p:cNvSpPr/>
+          <p:nvPr/>
+        </p:nvSpPr>
+        <p:spPr>
+          <a:xfrm>
+            <a:off x="777269" y="1664044"/>
+            <a:ext cx="7569580" cy="4423719"/>
+          </a:xfrm>
+          <a:prstGeom prst="rect">
+            <a:avLst/>
+          </a:prstGeom>
+          <a:solidFill>
+            <a:schemeClr val="bg1"/>
+          </a:solidFill>
+          <a:ln>
+            <a:solidFill>
+              <a:schemeClr val="tx1"/>
+            </a:solidFill>
+          </a:ln>
+        </p:spPr>
+        <p:style>
+          <a:lnRef idx="2">
+            <a:schemeClr val="accent1">
+              <a:shade val="50000"/>
+            </a:schemeClr>
+          </a:lnRef>
+          <a:fillRef idx="1">
+            <a:schemeClr val="accent1"/>
+          </a:fillRef>
+          <a:effectRef idx="0">
+            <a:schemeClr val="accent1"/>
+          </a:effectRef>
+          <a:fontRef idx="minor">
+            <a:schemeClr val="lt1"/>
+          </a:fontRef>
+        </p:style>
+        <p:txBody>
+          <a:bodyPr rtlCol="0" anchor="ctr"/>
+          <a:lstStyle/>
+          <a:p>
+            <a:pPr algn="ctr"/>
+            <a:endParaRPr lang="ko-KR" altLang="en-US"/>
+          </a:p>
+        </p:txBody>
+      </p:sp>
+      <p:sp>
+        <p:nvSpPr>
+          <p:cNvPr id="3" name="직사각형 2"/>
+          <p:cNvSpPr/>
+          <p:nvPr/>
+        </p:nvSpPr>
+        <p:spPr>
+          <a:xfrm>
+            <a:off x="8602764" y="1664043"/>
+            <a:ext cx="2811968" cy="4423719"/>
+          </a:xfrm>
+          <a:prstGeom prst="rect">
+            <a:avLst/>
+          </a:prstGeom>
+          <a:solidFill>
+            <a:schemeClr val="bg1"/>
+          </a:solidFill>
+          <a:ln>
+            <a:solidFill>
+              <a:schemeClr val="tx1"/>
+            </a:solidFill>
+          </a:ln>
+        </p:spPr>
+        <p:style>
+          <a:lnRef idx="2">
+            <a:schemeClr val="accent1">
+              <a:shade val="50000"/>
+            </a:schemeClr>
+          </a:lnRef>
+          <a:fillRef idx="1">
+            <a:schemeClr val="accent1"/>
+          </a:fillRef>
+          <a:effectRef idx="0">
+            <a:schemeClr val="accent1"/>
+          </a:effectRef>
+          <a:fontRef idx="minor">
+            <a:schemeClr val="lt1"/>
+          </a:fontRef>
+        </p:style>
+        <p:txBody>
+          <a:bodyPr rtlCol="0" anchor="ctr"/>
+          <a:lstStyle/>
+          <a:p>
+            <a:pPr algn="ctr"/>
+            <a:endParaRPr lang="ko-KR" altLang="en-US"/>
+          </a:p>
+        </p:txBody>
+      </p:sp>
+    </p:spTree>
+    <p:extLst>
+      <p:ext uri="{BB962C8B-B14F-4D97-AF65-F5344CB8AC3E}">
+        <p14:creationId xmlns:p14="http://schemas.microsoft.com/office/powerpoint/2010/main" val="185839275"/>
+      </p:ext>
+    </p:extLst>
+  </p:cSld>
+  <p:clrMapOvr>
+    <a:masterClrMapping/>
+  </p:clrMapOvr>
+  <p:timing>
+    <p:tnLst>
+      <p:par>
+        <p:cTn id="1" dur="indefinite" restart="never" nodeType="tmRoot"/>
+      </p:par>
+    </p:tnLst>
+  </p:timing>
+</p:sld>
+</file>
+
+<file path=ppt/slides/slide16.xml><?xml version="1.0" encoding="utf-8"?>
 <p:sld xmlns:a="http://schemas.openxmlformats.org/drawingml/2006/main" xmlns:r="http://schemas.openxmlformats.org/officeDocument/2006/relationships" xmlns:p="http://schemas.openxmlformats.org/presentationml/2006/main">
   <p:cSld>
     <p:spTree>
@@ -7851,7 +12454,7 @@
 </p:sld>
 </file>
 
-<file path=ppt/slides/slide11.xml><?xml version="1.0" encoding="utf-8"?>
+<file path=ppt/slides/slide17.xml><?xml version="1.0" encoding="utf-8"?>
 <p:sld xmlns:a="http://schemas.openxmlformats.org/drawingml/2006/main" xmlns:r="http://schemas.openxmlformats.org/officeDocument/2006/relationships" xmlns:p="http://schemas.openxmlformats.org/presentationml/2006/main">
   <p:cSld>
     <p:spTree>
@@ -8503,17 +13106,7 @@
                   </a:schemeClr>
                 </a:solidFill>
               </a:rPr>
-              <a:t>진행도</a:t>
-            </a:r>
-            <a:r>
-              <a:rPr lang="ko-KR" altLang="en-US" sz="2000" i="1" dirty="0" smtClean="0">
-                <a:solidFill>
-                  <a:schemeClr val="bg1">
-                    <a:lumMod val="50000"/>
-                  </a:schemeClr>
-                </a:solidFill>
-              </a:rPr>
-              <a:t> </a:t>
+              <a:t>진행도 </a:t>
             </a:r>
             <a:r>
               <a:rPr lang="en-US" altLang="ko-KR" sz="2800" b="1" i="1" dirty="0" smtClean="0">
@@ -8555,7 +13148,7 @@
 </p:sld>
 </file>
 
-<file path=ppt/slides/slide12.xml><?xml version="1.0" encoding="utf-8"?>
+<file path=ppt/slides/slide18.xml><?xml version="1.0" encoding="utf-8"?>
 <p:sld xmlns:a="http://schemas.openxmlformats.org/drawingml/2006/main" xmlns:r="http://schemas.openxmlformats.org/officeDocument/2006/relationships" xmlns:p="http://schemas.openxmlformats.org/presentationml/2006/main">
   <p:cSld>
     <p:spTree>
@@ -9207,17 +13800,7 @@
                   </a:schemeClr>
                 </a:solidFill>
               </a:rPr>
-              <a:t>논의</a:t>
-            </a:r>
-            <a:r>
-              <a:rPr lang="ko-KR" altLang="en-US" sz="2000" i="1" dirty="0" smtClean="0">
-                <a:solidFill>
-                  <a:schemeClr val="bg1">
-                    <a:lumMod val="50000"/>
-                  </a:schemeClr>
-                </a:solidFill>
-              </a:rPr>
-              <a:t> </a:t>
+              <a:t>논의 </a:t>
             </a:r>
             <a:r>
               <a:rPr lang="en-US" altLang="ko-KR" sz="2800" b="1" i="1" dirty="0" smtClean="0">
@@ -10807,8 +15390,8 @@
         </p:nvSpPr>
         <p:spPr>
           <a:xfrm>
-            <a:off x="3353610" y="228600"/>
-            <a:ext cx="5484781" cy="655372"/>
+            <a:off x="3025537" y="2500098"/>
+            <a:ext cx="6163601" cy="1431995"/>
           </a:xfrm>
           <a:prstGeom prst="rect">
             <a:avLst/>
@@ -10826,29 +15409,40 @@
               </a:lnSpc>
             </a:pPr>
             <a:r>
-              <a:rPr lang="ko-KR" altLang="en-US" sz="2000" i="1" dirty="0" smtClean="0">
-                <a:solidFill>
-                  <a:schemeClr val="bg1">
-                    <a:lumMod val="50000"/>
+              <a:rPr lang="en-US" altLang="ko-KR" sz="6600" b="1" i="1" dirty="0" smtClean="0">
+                <a:solidFill>
+                  <a:schemeClr val="bg2">
+                    <a:lumMod val="25000"/>
+                  </a:schemeClr>
+                </a:solidFill>
+                <a:latin typeface="Broadway" panose="04040905080B02020502" pitchFamily="82" charset="0"/>
+              </a:rPr>
+              <a:t>01. </a:t>
+            </a:r>
+            <a:r>
+              <a:rPr lang="ko-KR" altLang="en-US" sz="4800" i="1" dirty="0" smtClean="0">
+                <a:solidFill>
+                  <a:schemeClr val="bg2">
+                    <a:lumMod val="25000"/>
                   </a:schemeClr>
                 </a:solidFill>
               </a:rPr>
               <a:t>개요 </a:t>
             </a:r>
             <a:r>
-              <a:rPr lang="en-US" altLang="ko-KR" sz="2800" b="1" i="1" dirty="0" smtClean="0">
-                <a:solidFill>
-                  <a:schemeClr val="bg1">
-                    <a:lumMod val="50000"/>
+              <a:rPr lang="en-US" altLang="ko-KR" sz="6000" b="1" i="1" dirty="0" smtClean="0">
+                <a:solidFill>
+                  <a:schemeClr val="bg2">
+                    <a:lumMod val="25000"/>
                   </a:schemeClr>
                 </a:solidFill>
               </a:rPr>
               <a:t>Outline</a:t>
             </a:r>
-            <a:endParaRPr lang="en-US" altLang="ko-KR" sz="2800" b="1" i="1" dirty="0">
-              <a:solidFill>
-                <a:schemeClr val="bg1">
-                  <a:lumMod val="50000"/>
+            <a:endParaRPr lang="en-US" altLang="ko-KR" sz="6000" b="1" i="1" dirty="0">
+              <a:solidFill>
+                <a:schemeClr val="bg2">
+                  <a:lumMod val="25000"/>
                 </a:schemeClr>
               </a:solidFill>
             </a:endParaRPr>
@@ -10878,19 +15472,6 @@
 <file path=ppt/slides/slide4.xml><?xml version="1.0" encoding="utf-8"?>
 <p:sld xmlns:a="http://schemas.openxmlformats.org/drawingml/2006/main" xmlns:r="http://schemas.openxmlformats.org/officeDocument/2006/relationships" xmlns:p="http://schemas.openxmlformats.org/presentationml/2006/main">
   <p:cSld>
-    <p:bg>
-      <p:bgPr>
-        <a:blipFill dpi="0" rotWithShape="1">
-          <a:blip r:embed="rId2">
-            <a:alphaModFix amt="36000"/>
-            <a:lum/>
-          </a:blip>
-          <a:srcRect/>
-          <a:tile tx="0" ty="0" sx="70000" sy="70000" flip="none" algn="tl"/>
-        </a:blipFill>
-        <a:effectLst/>
-      </p:bgPr>
-    </p:bg>
     <p:spTree>
       <p:nvGrpSpPr>
         <p:cNvPr id="1" name=""/>
@@ -11514,8 +16095,8 @@
         </p:nvSpPr>
         <p:spPr>
           <a:xfrm>
-            <a:off x="3007216" y="228600"/>
-            <a:ext cx="6177568" cy="738664"/>
+            <a:off x="3353610" y="228600"/>
+            <a:ext cx="5484781" cy="655372"/>
           </a:xfrm>
           <a:prstGeom prst="rect">
             <a:avLst/>
@@ -11540,7 +16121,7 @@
                   </a:schemeClr>
                 </a:solidFill>
               </a:rPr>
-              <a:t>요구사항정의서 </a:t>
+              <a:t>개요 </a:t>
             </a:r>
             <a:r>
               <a:rPr lang="en-US" altLang="ko-KR" sz="2800" b="1" i="1" dirty="0" smtClean="0">
@@ -11550,7 +16131,7 @@
                   </a:schemeClr>
                 </a:solidFill>
               </a:rPr>
-              <a:t>Requirement Definition</a:t>
+              <a:t>Outline</a:t>
             </a:r>
             <a:endParaRPr lang="en-US" altLang="ko-KR" sz="2800" b="1" i="1" dirty="0">
               <a:solidFill>
@@ -11559,13 +16140,51 @@
                 </a:schemeClr>
               </a:solidFill>
             </a:endParaRPr>
+          </a:p>
+        </p:txBody>
+      </p:sp>
+      <p:sp>
+        <p:nvSpPr>
+          <p:cNvPr id="2" name="직사각형 1"/>
+          <p:cNvSpPr/>
+          <p:nvPr/>
+        </p:nvSpPr>
+        <p:spPr>
+          <a:xfrm>
+            <a:off x="1858214" y="1494387"/>
+            <a:ext cx="8338751" cy="4267200"/>
+          </a:xfrm>
+          <a:prstGeom prst="rect">
+            <a:avLst/>
+          </a:prstGeom>
+        </p:spPr>
+        <p:style>
+          <a:lnRef idx="2">
+            <a:schemeClr val="accent3"/>
+          </a:lnRef>
+          <a:fillRef idx="1">
+            <a:schemeClr val="lt1"/>
+          </a:fillRef>
+          <a:effectRef idx="0">
+            <a:schemeClr val="accent3"/>
+          </a:effectRef>
+          <a:fontRef idx="minor">
+            <a:schemeClr val="dk1"/>
+          </a:fontRef>
+        </p:style>
+        <p:txBody>
+          <a:bodyPr rtlCol="0" anchor="ctr"/>
+          <a:lstStyle/>
+          <a:p>
+            <a:pPr algn="ctr"/>
+            <a:endParaRPr lang="ko-KR" altLang="en-US" dirty="0"/>
           </a:p>
         </p:txBody>
       </p:sp>
     </p:spTree>
     <p:extLst>
       <p:ext uri="{BB962C8B-B14F-4D97-AF65-F5344CB8AC3E}">
-        <p14:creationId xmlns:p14="http://schemas.microsoft.com/office/powerpoint/2010/main" val="1666272509"/>
+        <p14:creationId xmlns:p14="http://schemas.microsoft.com/office/powerpoint/2010/main" val="3430841117"/>
       </p:ext>
     </p:extLst>
   </p:cSld>
@@ -11585,19 +16204,6 @@
 <file path=ppt/slides/slide5.xml><?xml version="1.0" encoding="utf-8"?>
 <p:sld xmlns:a="http://schemas.openxmlformats.org/drawingml/2006/main" xmlns:r="http://schemas.openxmlformats.org/officeDocument/2006/relationships" xmlns:p="http://schemas.openxmlformats.org/presentationml/2006/main">
   <p:cSld>
-    <p:bg>
-      <p:bgPr>
-        <a:blipFill dpi="0" rotWithShape="1">
-          <a:blip r:embed="rId2">
-            <a:alphaModFix amt="36000"/>
-            <a:lum/>
-          </a:blip>
-          <a:srcRect/>
-          <a:tile tx="0" ty="0" sx="70000" sy="70000" flip="none" algn="tl"/>
-        </a:blipFill>
-        <a:effectLst/>
-      </p:bgPr>
-    </p:bg>
     <p:spTree>
       <p:nvGrpSpPr>
         <p:cNvPr id="1" name=""/>
@@ -12221,8 +16827,8 @@
         </p:nvSpPr>
         <p:spPr>
           <a:xfrm>
-            <a:off x="3353610" y="228600"/>
-            <a:ext cx="5484781" cy="738664"/>
+            <a:off x="1574577" y="1824378"/>
+            <a:ext cx="8906026" cy="2822311"/>
           </a:xfrm>
           <a:prstGeom prst="rect">
             <a:avLst/>
@@ -12240,29 +16846,70 @@
               </a:lnSpc>
             </a:pPr>
             <a:r>
-              <a:rPr lang="ko-KR" altLang="en-US" sz="2000" i="1" dirty="0" smtClean="0">
-                <a:solidFill>
-                  <a:schemeClr val="bg1">
-                    <a:lumMod val="50000"/>
+              <a:rPr lang="en-US" altLang="ko-KR" sz="6600" b="1" i="1" dirty="0" smtClean="0">
+                <a:solidFill>
+                  <a:schemeClr val="bg2">
+                    <a:lumMod val="25000"/>
                   </a:schemeClr>
                 </a:solidFill>
+                <a:latin typeface="Broadway" panose="04040905080B02020502" pitchFamily="82" charset="0"/>
               </a:rPr>
-              <a:t>흐름도 </a:t>
+              <a:t>02. </a:t>
             </a:r>
             <a:r>
-              <a:rPr lang="en-US" altLang="ko-KR" sz="2800" b="1" i="1" dirty="0" smtClean="0">
-                <a:solidFill>
-                  <a:schemeClr val="bg1">
-                    <a:lumMod val="50000"/>
+              <a:rPr lang="ko-KR" altLang="en-US" sz="4400" i="1" dirty="0">
+                <a:solidFill>
+                  <a:schemeClr val="bg2">
+                    <a:lumMod val="25000"/>
                   </a:schemeClr>
                 </a:solidFill>
               </a:rPr>
-              <a:t>Flow Chart</a:t>
+              <a:t>요구사항정의서</a:t>
             </a:r>
-            <a:endParaRPr lang="en-US" altLang="ko-KR" sz="2800" b="1" i="1" dirty="0">
-              <a:solidFill>
-                <a:schemeClr val="bg1">
-                  <a:lumMod val="50000"/>
+            <a:r>
+              <a:rPr lang="ko-KR" altLang="en-US" sz="4000" i="1" dirty="0">
+                <a:solidFill>
+                  <a:schemeClr val="bg2">
+                    <a:lumMod val="25000"/>
+                  </a:schemeClr>
+                </a:solidFill>
+              </a:rPr>
+              <a:t> </a:t>
+            </a:r>
+            <a:r>
+              <a:rPr lang="en-US" altLang="ko-KR" sz="6000" b="1" i="1" dirty="0">
+                <a:solidFill>
+                  <a:schemeClr val="bg2">
+                    <a:lumMod val="25000"/>
+                  </a:schemeClr>
+                </a:solidFill>
+              </a:rPr>
+              <a:t>Requirement</a:t>
+            </a:r>
+            <a:r>
+              <a:rPr lang="en-US" altLang="ko-KR" sz="4800" b="1" i="1" dirty="0">
+                <a:solidFill>
+                  <a:schemeClr val="bg2">
+                    <a:lumMod val="25000"/>
+                  </a:schemeClr>
+                </a:solidFill>
+              </a:rPr>
+              <a:t> </a:t>
+            </a:r>
+            <a:r>
+              <a:rPr lang="en-US" altLang="ko-KR" sz="6000" b="1" i="1" dirty="0">
+                <a:solidFill>
+                  <a:schemeClr val="bg2">
+                    <a:lumMod val="25000"/>
+                  </a:schemeClr>
+                </a:solidFill>
+              </a:rPr>
+              <a:t>Definition</a:t>
+            </a:r>
+            <a:endParaRPr lang="en-US" altLang="ko-KR" sz="4800" b="1" i="1" dirty="0">
+              <a:solidFill>
+                <a:schemeClr val="bg2">
+                  <a:lumMod val="25000"/>
                 </a:schemeClr>
               </a:solidFill>
             </a:endParaRPr>
@@ -12272,7 +16919,7 @@
     </p:spTree>
     <p:extLst>
       <p:ext uri="{BB962C8B-B14F-4D97-AF65-F5344CB8AC3E}">
-        <p14:creationId xmlns:p14="http://schemas.microsoft.com/office/powerpoint/2010/main" val="920097569"/>
+        <p14:creationId xmlns:p14="http://schemas.microsoft.com/office/powerpoint/2010/main" val="4003125634"/>
       </p:ext>
     </p:extLst>
   </p:cSld>
@@ -12928,8 +17575,8 @@
         </p:nvSpPr>
         <p:spPr>
           <a:xfrm>
-            <a:off x="3353610" y="228600"/>
-            <a:ext cx="5484781" cy="738664"/>
+            <a:off x="3007216" y="228600"/>
+            <a:ext cx="6177568" cy="738664"/>
           </a:xfrm>
           <a:prstGeom prst="rect">
             <a:avLst/>
@@ -12947,14 +17594,14 @@
               </a:lnSpc>
             </a:pPr>
             <a:r>
-              <a:rPr lang="en-US" altLang="ko-KR" sz="2000" i="1" dirty="0" smtClean="0">
+              <a:rPr lang="ko-KR" altLang="en-US" sz="2000" i="1" dirty="0" smtClean="0">
                 <a:solidFill>
                   <a:schemeClr val="bg1">
                     <a:lumMod val="50000"/>
                   </a:schemeClr>
                 </a:solidFill>
               </a:rPr>
-              <a:t>ERD </a:t>
+              <a:t>요구사항정의서 </a:t>
             </a:r>
             <a:r>
               <a:rPr lang="en-US" altLang="ko-KR" sz="2800" b="1" i="1" dirty="0" smtClean="0">
@@ -12964,7 +17611,7 @@
                   </a:schemeClr>
                 </a:solidFill>
               </a:rPr>
-              <a:t>Entity Relationship Diagram</a:t>
+              <a:t>Requirement Definition</a:t>
             </a:r>
             <a:endParaRPr lang="en-US" altLang="ko-KR" sz="2800" b="1" i="1" dirty="0">
               <a:solidFill>
@@ -12979,7 +17626,7 @@
     </p:spTree>
     <p:extLst>
       <p:ext uri="{BB962C8B-B14F-4D97-AF65-F5344CB8AC3E}">
-        <p14:creationId xmlns:p14="http://schemas.microsoft.com/office/powerpoint/2010/main" val="1281114008"/>
+        <p14:creationId xmlns:p14="http://schemas.microsoft.com/office/powerpoint/2010/main" val="1666272509"/>
       </p:ext>
     </p:extLst>
   </p:cSld>
@@ -12999,19 +17646,6 @@
 <file path=ppt/slides/slide7.xml><?xml version="1.0" encoding="utf-8"?>
 <p:sld xmlns:a="http://schemas.openxmlformats.org/drawingml/2006/main" xmlns:r="http://schemas.openxmlformats.org/officeDocument/2006/relationships" xmlns:p="http://schemas.openxmlformats.org/presentationml/2006/main">
   <p:cSld>
-    <p:bg>
-      <p:bgPr>
-        <a:blipFill dpi="0" rotWithShape="1">
-          <a:blip r:embed="rId2">
-            <a:alphaModFix amt="36000"/>
-            <a:lum/>
-          </a:blip>
-          <a:srcRect/>
-          <a:tile tx="0" ty="0" sx="70000" sy="70000" flip="none" algn="tl"/>
-        </a:blipFill>
-        <a:effectLst/>
-      </p:bgPr>
-    </p:bg>
     <p:spTree>
       <p:nvGrpSpPr>
         <p:cNvPr id="1" name=""/>
@@ -13635,8 +18269,8 @@
         </p:nvSpPr>
         <p:spPr>
           <a:xfrm>
-            <a:off x="3353610" y="228600"/>
-            <a:ext cx="5484781" cy="738664"/>
+            <a:off x="2089442" y="2516875"/>
+            <a:ext cx="7876296" cy="1431995"/>
           </a:xfrm>
           <a:prstGeom prst="rect">
             <a:avLst/>
@@ -13654,135 +18288,80 @@
               </a:lnSpc>
             </a:pPr>
             <a:r>
-              <a:rPr lang="ko-KR" altLang="en-US" sz="2000" i="1" dirty="0" smtClean="0">
-                <a:solidFill>
-                  <a:schemeClr val="bg1">
-                    <a:lumMod val="50000"/>
+              <a:rPr lang="en-US" altLang="ko-KR" sz="6600" b="1" i="1" dirty="0" smtClean="0">
+                <a:solidFill>
+                  <a:schemeClr val="bg2">
+                    <a:lumMod val="25000"/>
                   </a:schemeClr>
                 </a:solidFill>
+                <a:latin typeface="Broadway" panose="04040905080B02020502" pitchFamily="82" charset="0"/>
               </a:rPr>
-              <a:t>화면설계서 </a:t>
+              <a:t>03. </a:t>
             </a:r>
             <a:r>
-              <a:rPr lang="en-US" altLang="ko-KR" sz="2800" b="1" i="1" dirty="0" smtClean="0">
-                <a:solidFill>
-                  <a:schemeClr val="bg1">
-                    <a:lumMod val="50000"/>
+              <a:rPr lang="ko-KR" altLang="en-US" sz="4800" i="1" dirty="0">
+                <a:solidFill>
+                  <a:schemeClr val="bg2">
+                    <a:lumMod val="25000"/>
                   </a:schemeClr>
                 </a:solidFill>
               </a:rPr>
-              <a:t>Wire Frame</a:t>
+              <a:t>흐름도</a:t>
             </a:r>
-            <a:endParaRPr lang="en-US" altLang="ko-KR" sz="2800" b="1" i="1" dirty="0">
-              <a:solidFill>
-                <a:schemeClr val="bg1">
-                  <a:lumMod val="50000"/>
+            <a:r>
+              <a:rPr lang="ko-KR" altLang="en-US" sz="3200" i="1" dirty="0">
+                <a:solidFill>
+                  <a:schemeClr val="bg2">
+                    <a:lumMod val="25000"/>
+                  </a:schemeClr>
+                </a:solidFill>
+              </a:rPr>
+              <a:t> </a:t>
+            </a:r>
+            <a:r>
+              <a:rPr lang="en-US" altLang="ko-KR" sz="6000" b="1" i="1" dirty="0">
+                <a:solidFill>
+                  <a:schemeClr val="bg2">
+                    <a:lumMod val="25000"/>
+                  </a:schemeClr>
+                </a:solidFill>
+              </a:rPr>
+              <a:t>Flow</a:t>
+            </a:r>
+            <a:r>
+              <a:rPr lang="en-US" altLang="ko-KR" sz="4000" b="1" i="1" dirty="0">
+                <a:solidFill>
+                  <a:schemeClr val="bg2">
+                    <a:lumMod val="25000"/>
+                  </a:schemeClr>
+                </a:solidFill>
+              </a:rPr>
+              <a:t> </a:t>
+            </a:r>
+            <a:r>
+              <a:rPr lang="en-US" altLang="ko-KR" sz="6000" b="1" i="1" dirty="0">
+                <a:solidFill>
+                  <a:schemeClr val="bg2">
+                    <a:lumMod val="25000"/>
+                  </a:schemeClr>
+                </a:solidFill>
+              </a:rPr>
+              <a:t>Chart</a:t>
+            </a:r>
+            <a:endParaRPr lang="en-US" altLang="ko-KR" sz="4000" b="1" i="1" dirty="0">
+              <a:solidFill>
+                <a:schemeClr val="bg2">
+                  <a:lumMod val="25000"/>
                 </a:schemeClr>
               </a:solidFill>
             </a:endParaRPr>
-          </a:p>
-        </p:txBody>
-      </p:sp>
-      <p:sp>
-        <p:nvSpPr>
-          <p:cNvPr id="2" name="직사각형 1"/>
-          <p:cNvSpPr/>
-          <p:nvPr/>
-        </p:nvSpPr>
-        <p:spPr>
-          <a:xfrm>
-            <a:off x="777269" y="1664044"/>
-            <a:ext cx="7569580" cy="4423719"/>
-          </a:xfrm>
-          <a:prstGeom prst="rect">
-            <a:avLst/>
-          </a:prstGeom>
-          <a:solidFill>
-            <a:schemeClr val="bg1"/>
-          </a:solidFill>
-          <a:ln>
-            <a:solidFill>
-              <a:schemeClr val="tx1"/>
-            </a:solidFill>
-          </a:ln>
-        </p:spPr>
-        <p:style>
-          <a:lnRef idx="2">
-            <a:schemeClr val="accent1">
-              <a:shade val="50000"/>
-            </a:schemeClr>
-          </a:lnRef>
-          <a:fillRef idx="1">
-            <a:schemeClr val="accent1"/>
-          </a:fillRef>
-          <a:effectRef idx="0">
-            <a:schemeClr val="accent1"/>
-          </a:effectRef>
-          <a:fontRef idx="minor">
-            <a:schemeClr val="lt1"/>
-          </a:fontRef>
-        </p:style>
-        <p:txBody>
-          <a:bodyPr rtlCol="0" anchor="ctr"/>
-          <a:lstStyle/>
-          <a:p>
-            <a:pPr algn="ctr"/>
-            <a:endParaRPr lang="ko-KR" altLang="en-US"/>
-          </a:p>
-        </p:txBody>
-      </p:sp>
-      <p:sp>
-        <p:nvSpPr>
-          <p:cNvPr id="3" name="직사각형 2"/>
-          <p:cNvSpPr/>
-          <p:nvPr/>
-        </p:nvSpPr>
-        <p:spPr>
-          <a:xfrm>
-            <a:off x="8602764" y="1664043"/>
-            <a:ext cx="2811968" cy="4423719"/>
-          </a:xfrm>
-          <a:prstGeom prst="rect">
-            <a:avLst/>
-          </a:prstGeom>
-          <a:solidFill>
-            <a:schemeClr val="bg1"/>
-          </a:solidFill>
-          <a:ln>
-            <a:solidFill>
-              <a:schemeClr val="tx1"/>
-            </a:solidFill>
-          </a:ln>
-        </p:spPr>
-        <p:style>
-          <a:lnRef idx="2">
-            <a:schemeClr val="accent1">
-              <a:shade val="50000"/>
-            </a:schemeClr>
-          </a:lnRef>
-          <a:fillRef idx="1">
-            <a:schemeClr val="accent1"/>
-          </a:fillRef>
-          <a:effectRef idx="0">
-            <a:schemeClr val="accent1"/>
-          </a:effectRef>
-          <a:fontRef idx="minor">
-            <a:schemeClr val="lt1"/>
-          </a:fontRef>
-        </p:style>
-        <p:txBody>
-          <a:bodyPr rtlCol="0" anchor="ctr"/>
-          <a:lstStyle/>
-          <a:p>
-            <a:pPr algn="ctr"/>
-            <a:endParaRPr lang="ko-KR" altLang="en-US"/>
           </a:p>
         </p:txBody>
       </p:sp>
     </p:spTree>
     <p:extLst>
       <p:ext uri="{BB962C8B-B14F-4D97-AF65-F5344CB8AC3E}">
-        <p14:creationId xmlns:p14="http://schemas.microsoft.com/office/powerpoint/2010/main" val="2509087889"/>
+        <p14:creationId xmlns:p14="http://schemas.microsoft.com/office/powerpoint/2010/main" val="860572484"/>
       </p:ext>
     </p:extLst>
   </p:cSld>
@@ -14439,7 +19018,7 @@
         <p:spPr>
           <a:xfrm>
             <a:off x="3353610" y="228600"/>
-            <a:ext cx="5484781" cy="655372"/>
+            <a:ext cx="5484781" cy="738664"/>
           </a:xfrm>
           <a:prstGeom prst="rect">
             <a:avLst/>
@@ -14464,7 +19043,7 @@
                   </a:schemeClr>
                 </a:solidFill>
               </a:rPr>
-              <a:t>화면구현 </a:t>
+              <a:t>흐름도 </a:t>
             </a:r>
             <a:r>
               <a:rPr lang="en-US" altLang="ko-KR" sz="2800" b="1" i="1" dirty="0" smtClean="0">
@@ -14474,7 +19053,7 @@
                   </a:schemeClr>
                 </a:solidFill>
               </a:rPr>
-              <a:t>Implement Screen</a:t>
+              <a:t>Flow Chart</a:t>
             </a:r>
             <a:endParaRPr lang="en-US" altLang="ko-KR" sz="2800" b="1" i="1" dirty="0">
               <a:solidFill>
@@ -14483,109 +19062,13 @@
                 </a:schemeClr>
               </a:solidFill>
             </a:endParaRPr>
-          </a:p>
-        </p:txBody>
-      </p:sp>
-      <p:sp>
-        <p:nvSpPr>
-          <p:cNvPr id="2" name="직사각형 1"/>
-          <p:cNvSpPr/>
-          <p:nvPr/>
-        </p:nvSpPr>
-        <p:spPr>
-          <a:xfrm>
-            <a:off x="777269" y="1664044"/>
-            <a:ext cx="7569580" cy="4423719"/>
-          </a:xfrm>
-          <a:prstGeom prst="rect">
-            <a:avLst/>
-          </a:prstGeom>
-          <a:solidFill>
-            <a:schemeClr val="bg1"/>
-          </a:solidFill>
-          <a:ln>
-            <a:solidFill>
-              <a:schemeClr val="tx1"/>
-            </a:solidFill>
-          </a:ln>
-        </p:spPr>
-        <p:style>
-          <a:lnRef idx="2">
-            <a:schemeClr val="accent1">
-              <a:shade val="50000"/>
-            </a:schemeClr>
-          </a:lnRef>
-          <a:fillRef idx="1">
-            <a:schemeClr val="accent1"/>
-          </a:fillRef>
-          <a:effectRef idx="0">
-            <a:schemeClr val="accent1"/>
-          </a:effectRef>
-          <a:fontRef idx="minor">
-            <a:schemeClr val="lt1"/>
-          </a:fontRef>
-        </p:style>
-        <p:txBody>
-          <a:bodyPr rtlCol="0" anchor="ctr"/>
-          <a:lstStyle/>
-          <a:p>
-            <a:pPr algn="ctr"/>
-            <a:endParaRPr lang="ko-KR" altLang="en-US"/>
-          </a:p>
-        </p:txBody>
-      </p:sp>
-      <p:sp>
-        <p:nvSpPr>
-          <p:cNvPr id="3" name="직사각형 2"/>
-          <p:cNvSpPr/>
-          <p:nvPr/>
-        </p:nvSpPr>
-        <p:spPr>
-          <a:xfrm>
-            <a:off x="8602764" y="1664043"/>
-            <a:ext cx="2811968" cy="4423719"/>
-          </a:xfrm>
-          <a:prstGeom prst="rect">
-            <a:avLst/>
-          </a:prstGeom>
-          <a:solidFill>
-            <a:schemeClr val="bg1"/>
-          </a:solidFill>
-          <a:ln>
-            <a:solidFill>
-              <a:schemeClr val="tx1"/>
-            </a:solidFill>
-          </a:ln>
-        </p:spPr>
-        <p:style>
-          <a:lnRef idx="2">
-            <a:schemeClr val="accent1">
-              <a:shade val="50000"/>
-            </a:schemeClr>
-          </a:lnRef>
-          <a:fillRef idx="1">
-            <a:schemeClr val="accent1"/>
-          </a:fillRef>
-          <a:effectRef idx="0">
-            <a:schemeClr val="accent1"/>
-          </a:effectRef>
-          <a:fontRef idx="minor">
-            <a:schemeClr val="lt1"/>
-          </a:fontRef>
-        </p:style>
-        <p:txBody>
-          <a:bodyPr rtlCol="0" anchor="ctr"/>
-          <a:lstStyle/>
-          <a:p>
-            <a:pPr algn="ctr"/>
-            <a:endParaRPr lang="ko-KR" altLang="en-US"/>
           </a:p>
         </p:txBody>
       </p:sp>
     </p:spTree>
     <p:extLst>
       <p:ext uri="{BB962C8B-B14F-4D97-AF65-F5344CB8AC3E}">
-        <p14:creationId xmlns:p14="http://schemas.microsoft.com/office/powerpoint/2010/main" val="46698870"/>
+        <p14:creationId xmlns:p14="http://schemas.microsoft.com/office/powerpoint/2010/main" val="920097569"/>
       </p:ext>
     </p:extLst>
   </p:cSld>
@@ -15228,8 +19711,8 @@
         </p:nvSpPr>
         <p:spPr>
           <a:xfrm>
-            <a:off x="3353610" y="228600"/>
-            <a:ext cx="5484781" cy="655372"/>
+            <a:off x="569807" y="1824378"/>
+            <a:ext cx="11075061" cy="3000821"/>
           </a:xfrm>
           <a:prstGeom prst="rect">
             <a:avLst/>
@@ -15247,145 +19730,114 @@
               </a:lnSpc>
             </a:pPr>
             <a:r>
-              <a:rPr lang="en-US" altLang="ko-KR" sz="2000" i="1" dirty="0" smtClean="0">
-                <a:solidFill>
-                  <a:schemeClr val="bg1">
-                    <a:lumMod val="50000"/>
+              <a:rPr lang="en-US" altLang="ko-KR" sz="6600" b="1" i="1" dirty="0" smtClean="0">
+                <a:solidFill>
+                  <a:schemeClr val="bg2">
+                    <a:lumMod val="25000"/>
                   </a:schemeClr>
                 </a:solidFill>
+                <a:latin typeface="Broadway" panose="04040905080B02020502" pitchFamily="82" charset="0"/>
               </a:rPr>
-              <a:t>SQL</a:t>
+              <a:t>04. </a:t>
             </a:r>
             <a:r>
-              <a:rPr lang="ko-KR" altLang="en-US" sz="2000" i="1" dirty="0" smtClean="0">
-                <a:solidFill>
-                  <a:schemeClr val="bg1">
-                    <a:lumMod val="50000"/>
+              <a:rPr lang="en-US" altLang="ko-KR" sz="4800" i="1" dirty="0">
+                <a:solidFill>
+                  <a:schemeClr val="bg2">
+                    <a:lumMod val="25000"/>
+                  </a:schemeClr>
+                </a:solidFill>
+              </a:rPr>
+              <a:t>ERD</a:t>
+            </a:r>
+            <a:r>
+              <a:rPr lang="en-US" altLang="ko-KR" sz="4000" i="1" dirty="0">
+                <a:solidFill>
+                  <a:schemeClr val="bg2">
+                    <a:lumMod val="25000"/>
+                  </a:schemeClr>
+                </a:solidFill>
+              </a:rPr>
+              <a:t> </a:t>
+            </a:r>
+            <a:endParaRPr lang="en-US" altLang="ko-KR" sz="4000" i="1" dirty="0" smtClean="0">
+              <a:solidFill>
+                <a:schemeClr val="bg2">
+                  <a:lumMod val="25000"/>
+                </a:schemeClr>
+              </a:solidFill>
+            </a:endParaRPr>
+          </a:p>
+          <a:p>
+            <a:pPr algn="ctr">
+              <a:lnSpc>
+                <a:spcPct val="150000"/>
+              </a:lnSpc>
+            </a:pPr>
+            <a:r>
+              <a:rPr lang="en-US" altLang="ko-KR" sz="6000" b="1" i="1" dirty="0" smtClean="0">
+                <a:solidFill>
+                  <a:schemeClr val="bg2">
+                    <a:lumMod val="25000"/>
+                  </a:schemeClr>
+                </a:solidFill>
+              </a:rPr>
+              <a:t>Entity</a:t>
+            </a:r>
+            <a:r>
+              <a:rPr lang="en-US" altLang="ko-KR" sz="4800" b="1" i="1" dirty="0" smtClean="0">
+                <a:solidFill>
+                  <a:schemeClr val="bg2">
+                    <a:lumMod val="25000"/>
                   </a:schemeClr>
                 </a:solidFill>
               </a:rPr>
               <a:t> </a:t>
             </a:r>
             <a:r>
-              <a:rPr lang="en-US" altLang="ko-KR" sz="2800" b="1" i="1" dirty="0" smtClean="0">
-                <a:solidFill>
-                  <a:schemeClr val="bg1">
-                    <a:lumMod val="50000"/>
+              <a:rPr lang="en-US" altLang="ko-KR" sz="6000" b="1" i="1" dirty="0">
+                <a:solidFill>
+                  <a:schemeClr val="bg2">
+                    <a:lumMod val="25000"/>
                   </a:schemeClr>
                 </a:solidFill>
               </a:rPr>
-              <a:t>SQL</a:t>
+              <a:t>Relationship</a:t>
             </a:r>
-            <a:endParaRPr lang="en-US" altLang="ko-KR" sz="2800" b="1" i="1" dirty="0">
-              <a:solidFill>
-                <a:schemeClr val="bg1">
-                  <a:lumMod val="50000"/>
+            <a:r>
+              <a:rPr lang="en-US" altLang="ko-KR" sz="4800" b="1" i="1" dirty="0">
+                <a:solidFill>
+                  <a:schemeClr val="bg2">
+                    <a:lumMod val="25000"/>
+                  </a:schemeClr>
+                </a:solidFill>
+              </a:rPr>
+              <a:t> </a:t>
+            </a:r>
+            <a:r>
+              <a:rPr lang="en-US" altLang="ko-KR" sz="6000" b="1" i="1" dirty="0">
+                <a:solidFill>
+                  <a:schemeClr val="bg2">
+                    <a:lumMod val="25000"/>
+                  </a:schemeClr>
+                </a:solidFill>
+              </a:rPr>
+              <a:t>Diagram</a:t>
+            </a:r>
+            <a:endParaRPr lang="en-US" altLang="ko-KR" sz="4800" b="1" i="1" dirty="0">
+              <a:solidFill>
+                <a:schemeClr val="bg2">
+                  <a:lumMod val="25000"/>
                 </a:schemeClr>
               </a:solidFill>
             </a:endParaRPr>
-          </a:p>
-        </p:txBody>
-      </p:sp>
-      <p:sp>
-        <p:nvSpPr>
-          <p:cNvPr id="2" name="직사각형 1"/>
-          <p:cNvSpPr/>
-          <p:nvPr/>
-        </p:nvSpPr>
-        <p:spPr>
-          <a:xfrm>
-            <a:off x="777269" y="1664044"/>
-            <a:ext cx="7569580" cy="4423719"/>
-          </a:xfrm>
-          <a:prstGeom prst="rect">
-            <a:avLst/>
-          </a:prstGeom>
-          <a:solidFill>
-            <a:schemeClr val="bg1"/>
-          </a:solidFill>
-          <a:ln>
-            <a:solidFill>
-              <a:schemeClr val="tx1"/>
-            </a:solidFill>
-          </a:ln>
-        </p:spPr>
-        <p:style>
-          <a:lnRef idx="2">
-            <a:schemeClr val="accent1">
-              <a:shade val="50000"/>
-            </a:schemeClr>
-          </a:lnRef>
-          <a:fillRef idx="1">
-            <a:schemeClr val="accent1"/>
-          </a:fillRef>
-          <a:effectRef idx="0">
-            <a:schemeClr val="accent1"/>
-          </a:effectRef>
-          <a:fontRef idx="minor">
-            <a:schemeClr val="lt1"/>
-          </a:fontRef>
-        </p:style>
-        <p:txBody>
-          <a:bodyPr rtlCol="0" anchor="ctr"/>
-          <a:lstStyle/>
-          <a:p>
-            <a:pPr algn="ctr"/>
-            <a:endParaRPr lang="ko-KR" altLang="en-US"/>
-          </a:p>
-        </p:txBody>
-      </p:sp>
-      <p:sp>
-        <p:nvSpPr>
-          <p:cNvPr id="3" name="직사각형 2"/>
-          <p:cNvSpPr/>
-          <p:nvPr/>
-        </p:nvSpPr>
-        <p:spPr>
-          <a:xfrm>
-            <a:off x="8602764" y="1664043"/>
-            <a:ext cx="2811968" cy="4423719"/>
-          </a:xfrm>
-          <a:prstGeom prst="rect">
-            <a:avLst/>
-          </a:prstGeom>
-          <a:solidFill>
-            <a:schemeClr val="bg1"/>
-          </a:solidFill>
-          <a:ln>
-            <a:solidFill>
-              <a:schemeClr val="tx1"/>
-            </a:solidFill>
-          </a:ln>
-        </p:spPr>
-        <p:style>
-          <a:lnRef idx="2">
-            <a:schemeClr val="accent1">
-              <a:shade val="50000"/>
-            </a:schemeClr>
-          </a:lnRef>
-          <a:fillRef idx="1">
-            <a:schemeClr val="accent1"/>
-          </a:fillRef>
-          <a:effectRef idx="0">
-            <a:schemeClr val="accent1"/>
-          </a:effectRef>
-          <a:fontRef idx="minor">
-            <a:schemeClr val="lt1"/>
-          </a:fontRef>
-        </p:style>
-        <p:txBody>
-          <a:bodyPr rtlCol="0" anchor="ctr"/>
-          <a:lstStyle/>
-          <a:p>
-            <a:pPr algn="ctr"/>
-            <a:endParaRPr lang="ko-KR" altLang="en-US"/>
           </a:p>
         </p:txBody>
       </p:sp>
     </p:spTree>
     <p:extLst>
       <p:ext uri="{BB962C8B-B14F-4D97-AF65-F5344CB8AC3E}">
-        <p14:creationId xmlns:p14="http://schemas.microsoft.com/office/powerpoint/2010/main" val="185839275"/>
+        <p14:creationId xmlns:p14="http://schemas.microsoft.com/office/powerpoint/2010/main" val="2851869330"/>
       </p:ext>
     </p:extLst>
   </p:cSld>

--- a/WebContent/발표/프로젝트5.pptx
+++ b/WebContent/발표/프로젝트5.pptx
@@ -6993,7 +6993,7 @@
           <p:cNvPr id="22" name="그림 21">
             <a:extLst>
               <a:ext uri="{FF2B5EF4-FFF2-40B4-BE49-F238E27FC236}">
-                <a16:creationId xmlns:a16="http://schemas.microsoft.com/office/drawing/2014/main" xmlns="" id="{928BE64D-A24F-42CB-B298-FBF49719BA30}"/>
+                <a16:creationId xmlns:a16="http://schemas.microsoft.com/office/drawing/2014/main" id="{928BE64D-A24F-42CB-B298-FBF49719BA30}"/>
               </a:ext>
             </a:extLst>
           </p:cNvPr>
@@ -7027,13 +7027,6 @@
   <p:clrMapOvr>
     <a:masterClrMapping/>
   </p:clrMapOvr>
-  <p:timing>
-    <p:tnLst>
-      <p:par>
-        <p:cTn id="1" dur="indefinite" restart="never" nodeType="tmRoot"/>
-      </p:par>
-    </p:tnLst>
-  </p:timing>
 </p:sld>
 </file>
 
@@ -7695,7 +7688,7 @@
               </a:lnSpc>
             </a:pPr>
             <a:r>
-              <a:rPr lang="en-US" altLang="ko-KR" sz="2000" i="1" dirty="0" smtClean="0">
+              <a:rPr lang="en-US" altLang="ko-KR" sz="2000" i="1" dirty="0">
                 <a:solidFill>
                   <a:schemeClr val="bg1">
                     <a:lumMod val="50000"/>
@@ -7705,7 +7698,7 @@
               <a:t>ERD </a:t>
             </a:r>
             <a:r>
-              <a:rPr lang="en-US" altLang="ko-KR" sz="2800" b="1" i="1" dirty="0" smtClean="0">
+              <a:rPr lang="en-US" altLang="ko-KR" sz="2800" b="1" i="1" dirty="0">
                 <a:solidFill>
                   <a:schemeClr val="bg1">
                     <a:lumMod val="50000"/>
@@ -7714,13 +7707,6 @@
               </a:rPr>
               <a:t>Entity Relationship Diagram</a:t>
             </a:r>
-            <a:endParaRPr lang="en-US" altLang="ko-KR" sz="2800" b="1" i="1" dirty="0">
-              <a:solidFill>
-                <a:schemeClr val="bg1">
-                  <a:lumMod val="50000"/>
-                </a:schemeClr>
-              </a:solidFill>
-            </a:endParaRPr>
           </a:p>
         </p:txBody>
       </p:sp>
@@ -7734,13 +7720,6 @@
   <p:clrMapOvr>
     <a:masterClrMapping/>
   </p:clrMapOvr>
-  <p:timing>
-    <p:tnLst>
-      <p:par>
-        <p:cTn id="1" dur="indefinite" restart="never" nodeType="tmRoot"/>
-      </p:par>
-    </p:tnLst>
-  </p:timing>
 </p:sld>
 </file>
 
@@ -8389,7 +8368,7 @@
               </a:lnSpc>
             </a:pPr>
             <a:r>
-              <a:rPr lang="en-US" altLang="ko-KR" sz="6600" b="1" i="1" dirty="0" smtClean="0">
+              <a:rPr lang="en-US" altLang="ko-KR" sz="6600" b="1" i="1" dirty="0">
                 <a:solidFill>
                   <a:schemeClr val="bg2">
                     <a:lumMod val="25000"/>
@@ -8469,13 +8448,6 @@
   <p:clrMapOvr>
     <a:masterClrMapping/>
   </p:clrMapOvr>
-  <p:timing>
-    <p:tnLst>
-      <p:par>
-        <p:cTn id="1" dur="indefinite" restart="never" nodeType="tmRoot"/>
-      </p:par>
-    </p:tnLst>
-  </p:timing>
 </p:sld>
 </file>
 
@@ -9137,7 +9109,7 @@
               </a:lnSpc>
             </a:pPr>
             <a:r>
-              <a:rPr lang="ko-KR" altLang="en-US" sz="2000" i="1" dirty="0" smtClean="0">
+              <a:rPr lang="ko-KR" altLang="en-US" sz="2000" i="1" dirty="0">
                 <a:solidFill>
                   <a:schemeClr val="bg1">
                     <a:lumMod val="50000"/>
@@ -9147,7 +9119,7 @@
               <a:t>화면설계서 </a:t>
             </a:r>
             <a:r>
-              <a:rPr lang="en-US" altLang="ko-KR" sz="2800" b="1" i="1" dirty="0" smtClean="0">
+              <a:rPr lang="en-US" altLang="ko-KR" sz="2800" b="1" i="1" dirty="0">
                 <a:solidFill>
                   <a:schemeClr val="bg1">
                     <a:lumMod val="50000"/>
@@ -9156,13 +9128,6 @@
               </a:rPr>
               <a:t>Wire Frame</a:t>
             </a:r>
-            <a:endParaRPr lang="en-US" altLang="ko-KR" sz="2800" b="1" i="1" dirty="0">
-              <a:solidFill>
-                <a:schemeClr val="bg1">
-                  <a:lumMod val="50000"/>
-                </a:schemeClr>
-              </a:solidFill>
-            </a:endParaRPr>
           </a:p>
         </p:txBody>
       </p:sp>
@@ -9272,13 +9237,6 @@
   <p:clrMapOvr>
     <a:masterClrMapping/>
   </p:clrMapOvr>
-  <p:timing>
-    <p:tnLst>
-      <p:par>
-        <p:cTn id="1" dur="indefinite" restart="never" nodeType="tmRoot"/>
-      </p:par>
-    </p:tnLst>
-  </p:timing>
 </p:sld>
 </file>
 
@@ -9927,7 +9885,7 @@
               </a:lnSpc>
             </a:pPr>
             <a:r>
-              <a:rPr lang="en-US" altLang="ko-KR" sz="6600" b="1" i="1" dirty="0" smtClean="0">
+              <a:rPr lang="en-US" altLang="ko-KR" sz="6600" b="1" i="1" dirty="0">
                 <a:solidFill>
                   <a:schemeClr val="bg2">
                     <a:lumMod val="25000"/>
@@ -9957,7 +9915,7 @@
               </a:rPr>
               <a:t> </a:t>
             </a:r>
-            <a:endParaRPr lang="en-US" altLang="ko-KR" sz="4000" i="1" dirty="0" smtClean="0">
+            <a:endParaRPr lang="en-US" altLang="ko-KR" sz="4000" i="1" dirty="0">
               <a:solidFill>
                 <a:schemeClr val="bg2">
                   <a:lumMod val="25000"/>
@@ -9972,7 +9930,7 @@
               </a:lnSpc>
             </a:pPr>
             <a:r>
-              <a:rPr lang="en-US" altLang="ko-KR" sz="6000" b="1" i="1" dirty="0" smtClean="0">
+              <a:rPr lang="en-US" altLang="ko-KR" sz="6000" b="1" i="1" dirty="0">
                 <a:solidFill>
                   <a:schemeClr val="bg2">
                     <a:lumMod val="25000"/>
@@ -9982,7 +9940,7 @@
               <a:t>Implement</a:t>
             </a:r>
             <a:r>
-              <a:rPr lang="en-US" altLang="ko-KR" sz="4800" b="1" i="1" dirty="0" smtClean="0">
+              <a:rPr lang="en-US" altLang="ko-KR" sz="4800" b="1" i="1" dirty="0">
                 <a:solidFill>
                   <a:schemeClr val="bg2">
                     <a:lumMod val="25000"/>
@@ -10021,13 +9979,6 @@
   <p:clrMapOvr>
     <a:masterClrMapping/>
   </p:clrMapOvr>
-  <p:timing>
-    <p:tnLst>
-      <p:par>
-        <p:cTn id="1" dur="indefinite" restart="never" nodeType="tmRoot"/>
-      </p:par>
-    </p:tnLst>
-  </p:timing>
 </p:sld>
 </file>
 
@@ -10689,7 +10640,7 @@
               </a:lnSpc>
             </a:pPr>
             <a:r>
-              <a:rPr lang="ko-KR" altLang="en-US" sz="2000" i="1" dirty="0" smtClean="0">
+              <a:rPr lang="ko-KR" altLang="en-US" sz="2000" i="1" dirty="0">
                 <a:solidFill>
                   <a:schemeClr val="bg1">
                     <a:lumMod val="50000"/>
@@ -10699,7 +10650,7 @@
               <a:t>화면구현 </a:t>
             </a:r>
             <a:r>
-              <a:rPr lang="en-US" altLang="ko-KR" sz="2800" b="1" i="1" dirty="0" smtClean="0">
+              <a:rPr lang="en-US" altLang="ko-KR" sz="2800" b="1" i="1" dirty="0">
                 <a:solidFill>
                   <a:schemeClr val="bg1">
                     <a:lumMod val="50000"/>
@@ -10708,13 +10659,6 @@
               </a:rPr>
               <a:t>Implement Screen</a:t>
             </a:r>
-            <a:endParaRPr lang="en-US" altLang="ko-KR" sz="2800" b="1" i="1" dirty="0">
-              <a:solidFill>
-                <a:schemeClr val="bg1">
-                  <a:lumMod val="50000"/>
-                </a:schemeClr>
-              </a:solidFill>
-            </a:endParaRPr>
           </a:p>
         </p:txBody>
       </p:sp>
@@ -10824,13 +10768,6 @@
   <p:clrMapOvr>
     <a:masterClrMapping/>
   </p:clrMapOvr>
-  <p:timing>
-    <p:tnLst>
-      <p:par>
-        <p:cTn id="1" dur="indefinite" restart="never" nodeType="tmRoot"/>
-      </p:par>
-    </p:tnLst>
-  </p:timing>
 </p:sld>
 </file>
 
@@ -11479,7 +11416,7 @@
               </a:lnSpc>
             </a:pPr>
             <a:r>
-              <a:rPr lang="en-US" altLang="ko-KR" sz="2000" i="1" dirty="0" smtClean="0">
+              <a:rPr lang="en-US" altLang="ko-KR" sz="2000" i="1" dirty="0">
                 <a:solidFill>
                   <a:schemeClr val="bg1">
                     <a:lumMod val="50000"/>
@@ -11489,7 +11426,7 @@
               <a:t>SQL</a:t>
             </a:r>
             <a:r>
-              <a:rPr lang="ko-KR" altLang="en-US" sz="2000" i="1" dirty="0" smtClean="0">
+              <a:rPr lang="ko-KR" altLang="en-US" sz="2000" i="1" dirty="0">
                 <a:solidFill>
                   <a:schemeClr val="bg1">
                     <a:lumMod val="50000"/>
@@ -11499,7 +11436,7 @@
               <a:t> </a:t>
             </a:r>
             <a:r>
-              <a:rPr lang="en-US" altLang="ko-KR" sz="2800" b="1" i="1" dirty="0" smtClean="0">
+              <a:rPr lang="en-US" altLang="ko-KR" sz="2800" b="1" i="1" dirty="0">
                 <a:solidFill>
                   <a:schemeClr val="bg1">
                     <a:lumMod val="50000"/>
@@ -11508,13 +11445,6 @@
               </a:rPr>
               <a:t>SQL</a:t>
             </a:r>
-            <a:endParaRPr lang="en-US" altLang="ko-KR" sz="2800" b="1" i="1" dirty="0">
-              <a:solidFill>
-                <a:schemeClr val="bg1">
-                  <a:lumMod val="50000"/>
-                </a:schemeClr>
-              </a:solidFill>
-            </a:endParaRPr>
           </a:p>
         </p:txBody>
       </p:sp>
@@ -11624,13 +11554,6 @@
   <p:clrMapOvr>
     <a:masterClrMapping/>
   </p:clrMapOvr>
-  <p:timing>
-    <p:tnLst>
-      <p:par>
-        <p:cTn id="1" dur="indefinite" restart="never" nodeType="tmRoot"/>
-      </p:par>
-    </p:tnLst>
-  </p:timing>
 </p:sld>
 </file>
 
@@ -12279,7 +12202,7 @@
               </a:lnSpc>
             </a:pPr>
             <a:r>
-              <a:rPr lang="ko-KR" altLang="en-US" sz="2000" i="1" dirty="0" smtClean="0">
+              <a:rPr lang="ko-KR" altLang="en-US" sz="2000" i="1" dirty="0">
                 <a:solidFill>
                   <a:schemeClr val="bg1">
                     <a:lumMod val="50000"/>
@@ -12289,7 +12212,7 @@
               <a:t>웹</a:t>
             </a:r>
             <a:r>
-              <a:rPr lang="en-US" altLang="ko-KR" sz="2000" i="1" dirty="0" smtClean="0">
+              <a:rPr lang="en-US" altLang="ko-KR" sz="2000" i="1" dirty="0">
                 <a:solidFill>
                   <a:schemeClr val="bg1">
                     <a:lumMod val="50000"/>
@@ -12299,7 +12222,7 @@
               <a:t>·</a:t>
             </a:r>
             <a:r>
-              <a:rPr lang="ko-KR" altLang="en-US" sz="2000" i="1" dirty="0" err="1" smtClean="0">
+              <a:rPr lang="ko-KR" altLang="en-US" sz="2000" i="1" dirty="0" err="1">
                 <a:solidFill>
                   <a:schemeClr val="bg1">
                     <a:lumMod val="50000"/>
@@ -12309,7 +12232,7 @@
               <a:t>안드로이드</a:t>
             </a:r>
             <a:r>
-              <a:rPr lang="ko-KR" altLang="en-US" sz="2000" i="1" dirty="0" smtClean="0">
+              <a:rPr lang="ko-KR" altLang="en-US" sz="2000" i="1" dirty="0">
                 <a:solidFill>
                   <a:schemeClr val="bg1">
                     <a:lumMod val="50000"/>
@@ -12319,7 +12242,7 @@
               <a:t> </a:t>
             </a:r>
             <a:r>
-              <a:rPr lang="en-US" altLang="ko-KR" sz="2800" b="1" i="1" dirty="0" err="1" smtClean="0">
+              <a:rPr lang="en-US" altLang="ko-KR" sz="2800" b="1" i="1" dirty="0" err="1">
                 <a:solidFill>
                   <a:schemeClr val="bg1">
                     <a:lumMod val="50000"/>
@@ -12444,13 +12367,6 @@
   <p:clrMapOvr>
     <a:masterClrMapping/>
   </p:clrMapOvr>
-  <p:timing>
-    <p:tnLst>
-      <p:par>
-        <p:cTn id="1" dur="indefinite" restart="never" nodeType="tmRoot"/>
-      </p:par>
-    </p:tnLst>
-  </p:timing>
 </p:sld>
 </file>
 
@@ -13099,7 +13015,7 @@
               </a:lnSpc>
             </a:pPr>
             <a:r>
-              <a:rPr lang="ko-KR" altLang="en-US" sz="2000" i="1" dirty="0" smtClean="0">
+              <a:rPr lang="ko-KR" altLang="en-US" sz="2000" i="1" dirty="0">
                 <a:solidFill>
                   <a:schemeClr val="bg1">
                     <a:lumMod val="50000"/>
@@ -13109,7 +13025,7 @@
               <a:t>진행도 </a:t>
             </a:r>
             <a:r>
-              <a:rPr lang="en-US" altLang="ko-KR" sz="2800" b="1" i="1" dirty="0" smtClean="0">
+              <a:rPr lang="en-US" altLang="ko-KR" sz="2800" b="1" i="1" dirty="0">
                 <a:solidFill>
                   <a:schemeClr val="bg1">
                     <a:lumMod val="50000"/>
@@ -13118,13 +13034,6 @@
               </a:rPr>
               <a:t>Progress</a:t>
             </a:r>
-            <a:endParaRPr lang="en-US" altLang="ko-KR" sz="2800" b="1" i="1" dirty="0">
-              <a:solidFill>
-                <a:schemeClr val="bg1">
-                  <a:lumMod val="50000"/>
-                </a:schemeClr>
-              </a:solidFill>
-            </a:endParaRPr>
           </a:p>
         </p:txBody>
       </p:sp>
@@ -13138,13 +13047,6 @@
   <p:clrMapOvr>
     <a:masterClrMapping/>
   </p:clrMapOvr>
-  <p:timing>
-    <p:tnLst>
-      <p:par>
-        <p:cTn id="1" dur="indefinite" restart="never" nodeType="tmRoot"/>
-      </p:par>
-    </p:tnLst>
-  </p:timing>
 </p:sld>
 </file>
 
@@ -13793,7 +13695,7 @@
               </a:lnSpc>
             </a:pPr>
             <a:r>
-              <a:rPr lang="ko-KR" altLang="en-US" sz="2000" i="1" dirty="0" smtClean="0">
+              <a:rPr lang="ko-KR" altLang="en-US" sz="2000" i="1" dirty="0">
                 <a:solidFill>
                   <a:schemeClr val="bg1">
                     <a:lumMod val="50000"/>
@@ -13803,7 +13705,7 @@
               <a:t>논의 </a:t>
             </a:r>
             <a:r>
-              <a:rPr lang="en-US" altLang="ko-KR" sz="2800" b="1" i="1" dirty="0" smtClean="0">
+              <a:rPr lang="en-US" altLang="ko-KR" sz="2800" b="1" i="1" dirty="0">
                 <a:solidFill>
                   <a:schemeClr val="bg1">
                     <a:lumMod val="50000"/>
@@ -13812,13 +13714,6 @@
               </a:rPr>
               <a:t>Issue</a:t>
             </a:r>
-            <a:endParaRPr lang="en-US" altLang="ko-KR" sz="2800" b="1" i="1" dirty="0">
-              <a:solidFill>
-                <a:schemeClr val="bg1">
-                  <a:lumMod val="50000"/>
-                </a:schemeClr>
-              </a:solidFill>
-            </a:endParaRPr>
           </a:p>
         </p:txBody>
       </p:sp>
@@ -13832,13 +13727,6 @@
   <p:clrMapOvr>
     <a:masterClrMapping/>
   </p:clrMapOvr>
-  <p:timing>
-    <p:tnLst>
-      <p:par>
-        <p:cTn id="1" dur="indefinite" restart="never" nodeType="tmRoot"/>
-      </p:par>
-    </p:tnLst>
-  </p:timing>
 </p:sld>
 </file>
 
@@ -14500,7 +14388,7 @@
               </a:lnSpc>
             </a:pPr>
             <a:r>
-              <a:rPr lang="ko-KR" altLang="en-US" sz="2000" i="1" dirty="0" smtClean="0">
+              <a:rPr lang="ko-KR" altLang="en-US" sz="2000" i="1" dirty="0">
                 <a:solidFill>
                   <a:schemeClr val="bg1">
                     <a:lumMod val="50000"/>
@@ -14510,7 +14398,7 @@
               <a:t>목차 </a:t>
             </a:r>
             <a:r>
-              <a:rPr lang="en-US" altLang="ko-KR" sz="2800" b="1" i="1" dirty="0" smtClean="0">
+              <a:rPr lang="en-US" altLang="ko-KR" sz="2800" b="1" i="1" dirty="0">
                 <a:solidFill>
                   <a:schemeClr val="bg1">
                     <a:lumMod val="50000"/>
@@ -14519,147 +14407,231 @@
               </a:rPr>
               <a:t>Table of contents</a:t>
             </a:r>
-            <a:endParaRPr lang="en-US" altLang="ko-KR" sz="2800" b="1" i="1" dirty="0">
-              <a:solidFill>
-                <a:schemeClr val="bg1">
-                  <a:lumMod val="50000"/>
-                </a:schemeClr>
-              </a:solidFill>
-            </a:endParaRPr>
           </a:p>
         </p:txBody>
       </p:sp>
       <p:grpSp>
         <p:nvGrpSpPr>
-          <p:cNvPr id="6" name="그룹 5"/>
+          <p:cNvPr id="16" name="그룹 15">
+            <a:extLst>
+              <a:ext uri="{FF2B5EF4-FFF2-40B4-BE49-F238E27FC236}">
+                <a16:creationId xmlns:a16="http://schemas.microsoft.com/office/drawing/2014/main" id="{1592706D-EFAE-4144-BFA1-6735E09271FD}"/>
+              </a:ext>
+            </a:extLst>
+          </p:cNvPr>
           <p:cNvGrpSpPr/>
           <p:nvPr/>
         </p:nvGrpSpPr>
         <p:grpSpPr>
           <a:xfrm>
-            <a:off x="2552711" y="1293341"/>
-            <a:ext cx="7109254" cy="4436655"/>
-            <a:chOff x="2552711" y="1293341"/>
-            <a:chExt cx="7109254" cy="4436655"/>
+            <a:off x="2118166" y="1260253"/>
+            <a:ext cx="7955668" cy="4738190"/>
+            <a:chOff x="426720" y="865632"/>
+            <a:chExt cx="11387328" cy="5754624"/>
           </a:xfrm>
         </p:grpSpPr>
         <p:sp>
           <p:nvSpPr>
-            <p:cNvPr id="2" name="직사각형 1"/>
+            <p:cNvPr id="17" name="양쪽 모서리가 둥근 사각형 5">
+              <a:extLst>
+                <a:ext uri="{FF2B5EF4-FFF2-40B4-BE49-F238E27FC236}">
+                  <a16:creationId xmlns:a16="http://schemas.microsoft.com/office/drawing/2014/main" id="{8078EBE2-80A2-4C73-B338-3BF0725D8C61}"/>
+                </a:ext>
+              </a:extLst>
+            </p:cNvPr>
             <p:cNvSpPr/>
             <p:nvPr/>
           </p:nvSpPr>
           <p:spPr>
             <a:xfrm>
-              <a:off x="2552711" y="1528699"/>
-              <a:ext cx="7109254" cy="4201297"/>
-            </a:xfrm>
-            <a:prstGeom prst="rect">
-              <a:avLst/>
+              <a:off x="426720" y="1170432"/>
+              <a:ext cx="11387328" cy="5449824"/>
+            </a:xfrm>
+            <a:prstGeom prst="round2SameRect">
+              <a:avLst>
+                <a:gd name="adj1" fmla="val 0"/>
+                <a:gd name="adj2" fmla="val 2405"/>
+              </a:avLst>
             </a:prstGeom>
+            <a:solidFill>
+              <a:schemeClr val="bg1"/>
+            </a:solidFill>
+            <a:ln>
+              <a:solidFill>
+                <a:schemeClr val="tx1">
+                  <a:lumMod val="50000"/>
+                  <a:lumOff val="50000"/>
+                </a:schemeClr>
+              </a:solidFill>
+            </a:ln>
+            <a:effectLst>
+              <a:outerShdw dist="254000" dir="5400000" sx="97000" sy="97000" algn="t" rotWithShape="0">
+                <a:prstClr val="black">
+                  <a:alpha val="40000"/>
+                </a:prstClr>
+              </a:outerShdw>
+            </a:effectLst>
           </p:spPr>
           <p:style>
             <a:lnRef idx="2">
-              <a:schemeClr val="accent3"/>
+              <a:schemeClr val="accent1">
+                <a:shade val="50000"/>
+              </a:schemeClr>
             </a:lnRef>
             <a:fillRef idx="1">
+              <a:schemeClr val="accent1"/>
+            </a:fillRef>
+            <a:effectRef idx="0">
+              <a:schemeClr val="accent1"/>
+            </a:effectRef>
+            <a:fontRef idx="minor">
               <a:schemeClr val="lt1"/>
-            </a:fillRef>
-            <a:effectRef idx="0">
-              <a:schemeClr val="accent3"/>
-            </a:effectRef>
-            <a:fontRef idx="minor">
-              <a:schemeClr val="dk1"/>
             </a:fontRef>
           </p:style>
           <p:txBody>
-            <a:bodyPr lIns="2520000" rtlCol="0" anchor="ctr"/>
+            <a:bodyPr rtlCol="0" anchor="ctr"/>
             <a:lstStyle/>
             <a:p>
-              <a:pPr marL="342900" indent="-342900">
+              <a:pPr marL="3086100" lvl="6" indent="-342900">
                 <a:lnSpc>
                   <a:spcPct val="200000"/>
                 </a:lnSpc>
                 <a:buAutoNum type="arabicPeriod"/>
               </a:pPr>
               <a:r>
-                <a:rPr lang="ko-KR" altLang="en-US" sz="2000" dirty="0" smtClean="0"/>
+                <a:rPr lang="ko-KR" altLang="en-US" sz="2000" dirty="0">
+                  <a:solidFill>
+                    <a:schemeClr val="tx1"/>
+                  </a:solidFill>
+                </a:rPr>
                 <a:t>개요</a:t>
               </a:r>
-              <a:endParaRPr lang="en-US" altLang="ko-KR" sz="2000" dirty="0" smtClean="0"/>
+              <a:endParaRPr lang="en-US" altLang="ko-KR" sz="2000" dirty="0">
+                <a:solidFill>
+                  <a:schemeClr val="tx1"/>
+                </a:solidFill>
+              </a:endParaRPr>
             </a:p>
             <a:p>
-              <a:pPr marL="342900" indent="-342900">
+              <a:pPr marL="3086100" lvl="6" indent="-342900">
                 <a:lnSpc>
                   <a:spcPct val="200000"/>
                 </a:lnSpc>
                 <a:buAutoNum type="arabicPeriod"/>
               </a:pPr>
               <a:r>
-                <a:rPr lang="ko-KR" altLang="en-US" sz="2000" dirty="0" smtClean="0"/>
+                <a:rPr lang="ko-KR" altLang="en-US" sz="2000" dirty="0">
+                  <a:solidFill>
+                    <a:schemeClr val="tx1"/>
+                  </a:solidFill>
+                </a:rPr>
                 <a:t>요구사항정의서</a:t>
               </a:r>
-              <a:endParaRPr lang="en-US" altLang="ko-KR" sz="2000" dirty="0" smtClean="0"/>
+              <a:endParaRPr lang="en-US" altLang="ko-KR" sz="2000" dirty="0">
+                <a:solidFill>
+                  <a:schemeClr val="tx1"/>
+                </a:solidFill>
+              </a:endParaRPr>
             </a:p>
             <a:p>
-              <a:pPr marL="342900" indent="-342900">
+              <a:pPr marL="3086100" lvl="6" indent="-342900">
                 <a:lnSpc>
                   <a:spcPct val="200000"/>
                 </a:lnSpc>
                 <a:buAutoNum type="arabicPeriod"/>
               </a:pPr>
               <a:r>
-                <a:rPr lang="ko-KR" altLang="en-US" sz="2000" dirty="0" smtClean="0"/>
+                <a:rPr lang="ko-KR" altLang="en-US" sz="2000" dirty="0">
+                  <a:solidFill>
+                    <a:schemeClr val="tx1"/>
+                  </a:solidFill>
+                </a:rPr>
                 <a:t>흐름도</a:t>
               </a:r>
-              <a:endParaRPr lang="en-US" altLang="ko-KR" sz="2000" dirty="0" smtClean="0"/>
+              <a:endParaRPr lang="en-US" altLang="ko-KR" sz="2000" dirty="0">
+                <a:solidFill>
+                  <a:schemeClr val="tx1"/>
+                </a:solidFill>
+              </a:endParaRPr>
             </a:p>
             <a:p>
-              <a:pPr marL="342900" indent="-342900">
+              <a:pPr marL="3086100" lvl="6" indent="-342900">
                 <a:lnSpc>
                   <a:spcPct val="200000"/>
                 </a:lnSpc>
                 <a:buAutoNum type="arabicPeriod"/>
               </a:pPr>
               <a:r>
-                <a:rPr lang="en-US" altLang="ko-KR" sz="2000" dirty="0" smtClean="0"/>
+                <a:rPr lang="en-US" altLang="ko-KR" sz="2000" dirty="0">
+                  <a:solidFill>
+                    <a:schemeClr val="tx1"/>
+                  </a:solidFill>
+                </a:rPr>
                 <a:t>ERD</a:t>
               </a:r>
             </a:p>
             <a:p>
-              <a:pPr marL="342900" indent="-342900">
+              <a:pPr marL="3086100" lvl="6" indent="-342900">
                 <a:lnSpc>
                   <a:spcPct val="200000"/>
                 </a:lnSpc>
                 <a:buAutoNum type="arabicPeriod"/>
               </a:pPr>
               <a:r>
-                <a:rPr lang="ko-KR" altLang="en-US" sz="2000" dirty="0" smtClean="0"/>
+                <a:rPr lang="ko-KR" altLang="en-US" sz="2000" dirty="0">
+                  <a:solidFill>
+                    <a:schemeClr val="tx1"/>
+                  </a:solidFill>
+                </a:rPr>
                 <a:t>화면설계서</a:t>
               </a:r>
-              <a:endParaRPr lang="ko-KR" altLang="en-US" sz="2000" dirty="0"/>
+            </a:p>
+            <a:p>
+              <a:pPr algn="ctr"/>
+              <a:endParaRPr lang="ko-KR" altLang="en-US" sz="2000" dirty="0">
+                <a:solidFill>
+                  <a:prstClr val="white"/>
+                </a:solidFill>
+              </a:endParaRPr>
             </a:p>
           </p:txBody>
         </p:sp>
         <p:sp>
           <p:nvSpPr>
-            <p:cNvPr id="3" name="직사각형 2"/>
+            <p:cNvPr id="18" name="양쪽 모서리가 둥근 사각형 4">
+              <a:extLst>
+                <a:ext uri="{FF2B5EF4-FFF2-40B4-BE49-F238E27FC236}">
+                  <a16:creationId xmlns:a16="http://schemas.microsoft.com/office/drawing/2014/main" id="{39BAB469-719B-4B91-8479-8CE11BC8E6B9}"/>
+                </a:ext>
+              </a:extLst>
+            </p:cNvPr>
             <p:cNvSpPr/>
             <p:nvPr/>
           </p:nvSpPr>
           <p:spPr>
             <a:xfrm>
-              <a:off x="2552711" y="1293341"/>
-              <a:ext cx="7109254" cy="235358"/>
-            </a:xfrm>
-            <a:prstGeom prst="rect">
-              <a:avLst/>
+              <a:off x="426720" y="865632"/>
+              <a:ext cx="11387328" cy="304800"/>
+            </a:xfrm>
+            <a:prstGeom prst="round2SameRect">
+              <a:avLst>
+                <a:gd name="adj1" fmla="val 44667"/>
+                <a:gd name="adj2" fmla="val 0"/>
+              </a:avLst>
             </a:prstGeom>
             <a:solidFill>
-              <a:schemeClr val="accent5">
-                <a:lumMod val="75000"/>
-              </a:schemeClr>
+              <a:srgbClr val="411F42"/>
             </a:solidFill>
+            <a:ln>
+              <a:noFill/>
+            </a:ln>
+            <a:effectLst>
+              <a:outerShdw dist="76200" dir="16200000" sx="97000" sy="97000" rotWithShape="0">
+                <a:prstClr val="black">
+                  <a:alpha val="40000"/>
+                </a:prstClr>
+              </a:outerShdw>
+            </a:effectLst>
           </p:spPr>
           <p:style>
             <a:lnRef idx="2">
@@ -14682,36 +14654,52 @@
             <a:lstStyle/>
             <a:p>
               <a:pPr algn="ctr"/>
-              <a:endParaRPr lang="ko-KR" altLang="en-US"/>
+              <a:endParaRPr lang="ko-KR" altLang="en-US">
+                <a:solidFill>
+                  <a:prstClr val="white"/>
+                </a:solidFill>
+              </a:endParaRPr>
             </a:p>
           </p:txBody>
         </p:sp>
         <p:sp>
           <p:nvSpPr>
-            <p:cNvPr id="5" name="직사각형 4"/>
+            <p:cNvPr id="19" name="직사각형 18">
+              <a:extLst>
+                <a:ext uri="{FF2B5EF4-FFF2-40B4-BE49-F238E27FC236}">
+                  <a16:creationId xmlns:a16="http://schemas.microsoft.com/office/drawing/2014/main" id="{39F1B524-4CC7-4E30-816B-3723A5813198}"/>
+                </a:ext>
+              </a:extLst>
+            </p:cNvPr>
             <p:cNvSpPr/>
             <p:nvPr/>
           </p:nvSpPr>
           <p:spPr>
             <a:xfrm>
-              <a:off x="9456018" y="1324523"/>
-              <a:ext cx="172995" cy="172995"/>
+              <a:off x="1187760" y="988416"/>
+              <a:ext cx="10152000" cy="72000"/>
             </a:xfrm>
             <a:prstGeom prst="rect">
               <a:avLst/>
             </a:prstGeom>
+            <a:solidFill>
+              <a:schemeClr val="bg1"/>
+            </a:solidFill>
+            <a:ln>
+              <a:noFill/>
+            </a:ln>
           </p:spPr>
           <p:style>
             <a:lnRef idx="2">
-              <a:schemeClr val="accent3">
+              <a:schemeClr val="accent1">
                 <a:shade val="50000"/>
               </a:schemeClr>
             </a:lnRef>
             <a:fillRef idx="1">
-              <a:schemeClr val="accent3"/>
-            </a:fillRef>
-            <a:effectRef idx="0">
-              <a:schemeClr val="accent3"/>
+              <a:schemeClr val="accent1"/>
+            </a:fillRef>
+            <a:effectRef idx="0">
+              <a:schemeClr val="accent1"/>
             </a:effectRef>
             <a:fontRef idx="minor">
               <a:schemeClr val="lt1"/>
@@ -14722,11 +14710,179 @@
             <a:lstStyle/>
             <a:p>
               <a:pPr algn="ctr"/>
-              <a:r>
-                <a:rPr lang="en-US" altLang="ko-KR" sz="1400" dirty="0" smtClean="0"/>
-                <a:t>×</a:t>
-              </a:r>
-              <a:endParaRPr lang="ko-KR" altLang="en-US" sz="1400" dirty="0"/>
+              <a:endParaRPr lang="ko-KR" altLang="en-US">
+                <a:solidFill>
+                  <a:prstClr val="white"/>
+                </a:solidFill>
+              </a:endParaRPr>
+            </a:p>
+          </p:txBody>
+        </p:sp>
+        <p:sp>
+          <p:nvSpPr>
+            <p:cNvPr id="20" name="타원 19">
+              <a:extLst>
+                <a:ext uri="{FF2B5EF4-FFF2-40B4-BE49-F238E27FC236}">
+                  <a16:creationId xmlns:a16="http://schemas.microsoft.com/office/drawing/2014/main" id="{9F7C7939-334C-4B6E-8334-1DAF6166C2BD}"/>
+                </a:ext>
+              </a:extLst>
+            </p:cNvPr>
+            <p:cNvSpPr/>
+            <p:nvPr/>
+          </p:nvSpPr>
+          <p:spPr>
+            <a:xfrm>
+              <a:off x="578741" y="988416"/>
+              <a:ext cx="72000" cy="72000"/>
+            </a:xfrm>
+            <a:prstGeom prst="ellipse">
+              <a:avLst/>
+            </a:prstGeom>
+            <a:solidFill>
+              <a:srgbClr val="FF6189"/>
+            </a:solidFill>
+            <a:ln>
+              <a:noFill/>
+            </a:ln>
+          </p:spPr>
+          <p:style>
+            <a:lnRef idx="2">
+              <a:schemeClr val="accent1">
+                <a:shade val="50000"/>
+              </a:schemeClr>
+            </a:lnRef>
+            <a:fillRef idx="1">
+              <a:schemeClr val="accent1"/>
+            </a:fillRef>
+            <a:effectRef idx="0">
+              <a:schemeClr val="accent1"/>
+            </a:effectRef>
+            <a:fontRef idx="minor">
+              <a:schemeClr val="lt1"/>
+            </a:fontRef>
+          </p:style>
+          <p:txBody>
+            <a:bodyPr rtlCol="0" anchor="ctr"/>
+            <a:lstStyle/>
+            <a:p>
+              <a:pPr algn="ctr"/>
+              <a:endParaRPr lang="ko-KR" altLang="en-US">
+                <a:solidFill>
+                  <a:prstClr val="white"/>
+                </a:solidFill>
+              </a:endParaRPr>
+            </a:p>
+          </p:txBody>
+        </p:sp>
+        <p:sp>
+          <p:nvSpPr>
+            <p:cNvPr id="21" name="타원 20">
+              <a:extLst>
+                <a:ext uri="{FF2B5EF4-FFF2-40B4-BE49-F238E27FC236}">
+                  <a16:creationId xmlns:a16="http://schemas.microsoft.com/office/drawing/2014/main" id="{3ACF8C7F-31C0-4E48-9500-11CA0520BEC1}"/>
+                </a:ext>
+              </a:extLst>
+            </p:cNvPr>
+            <p:cNvSpPr/>
+            <p:nvPr/>
+          </p:nvSpPr>
+          <p:spPr>
+            <a:xfrm>
+              <a:off x="768619" y="988416"/>
+              <a:ext cx="72000" cy="72000"/>
+            </a:xfrm>
+            <a:prstGeom prst="ellipse">
+              <a:avLst/>
+            </a:prstGeom>
+            <a:solidFill>
+              <a:srgbClr val="00B0F0"/>
+            </a:solidFill>
+            <a:ln>
+              <a:noFill/>
+            </a:ln>
+          </p:spPr>
+          <p:style>
+            <a:lnRef idx="2">
+              <a:schemeClr val="accent1">
+                <a:shade val="50000"/>
+              </a:schemeClr>
+            </a:lnRef>
+            <a:fillRef idx="1">
+              <a:schemeClr val="accent1"/>
+            </a:fillRef>
+            <a:effectRef idx="0">
+              <a:schemeClr val="accent1"/>
+            </a:effectRef>
+            <a:fontRef idx="minor">
+              <a:schemeClr val="lt1"/>
+            </a:fontRef>
+          </p:style>
+          <p:txBody>
+            <a:bodyPr rtlCol="0" anchor="ctr"/>
+            <a:lstStyle/>
+            <a:p>
+              <a:pPr algn="ctr"/>
+              <a:endParaRPr lang="ko-KR" altLang="en-US">
+                <a:solidFill>
+                  <a:prstClr val="white"/>
+                </a:solidFill>
+              </a:endParaRPr>
+            </a:p>
+          </p:txBody>
+        </p:sp>
+        <p:sp>
+          <p:nvSpPr>
+            <p:cNvPr id="22" name="타원 21">
+              <a:extLst>
+                <a:ext uri="{FF2B5EF4-FFF2-40B4-BE49-F238E27FC236}">
+                  <a16:creationId xmlns:a16="http://schemas.microsoft.com/office/drawing/2014/main" id="{CDF524C5-87D1-45D8-B459-FDB2C64EC2DD}"/>
+                </a:ext>
+              </a:extLst>
+            </p:cNvPr>
+            <p:cNvSpPr/>
+            <p:nvPr/>
+          </p:nvSpPr>
+          <p:spPr>
+            <a:xfrm>
+              <a:off x="958496" y="988416"/>
+              <a:ext cx="72000" cy="72000"/>
+            </a:xfrm>
+            <a:prstGeom prst="ellipse">
+              <a:avLst/>
+            </a:prstGeom>
+            <a:solidFill>
+              <a:schemeClr val="accent4"/>
+            </a:solidFill>
+            <a:ln>
+              <a:noFill/>
+            </a:ln>
+          </p:spPr>
+          <p:style>
+            <a:lnRef idx="2">
+              <a:schemeClr val="accent1">
+                <a:shade val="50000"/>
+              </a:schemeClr>
+            </a:lnRef>
+            <a:fillRef idx="1">
+              <a:schemeClr val="accent1"/>
+            </a:fillRef>
+            <a:effectRef idx="0">
+              <a:schemeClr val="accent1"/>
+            </a:effectRef>
+            <a:fontRef idx="minor">
+              <a:schemeClr val="lt1"/>
+            </a:fontRef>
+          </p:style>
+          <p:txBody>
+            <a:bodyPr rtlCol="0" anchor="ctr"/>
+            <a:lstStyle/>
+            <a:p>
+              <a:pPr algn="ctr"/>
+              <a:endParaRPr lang="ko-KR" altLang="en-US">
+                <a:solidFill>
+                  <a:prstClr val="white"/>
+                </a:solidFill>
+              </a:endParaRPr>
             </a:p>
           </p:txBody>
         </p:sp>
@@ -14741,13 +14897,6 @@
   <p:clrMapOvr>
     <a:masterClrMapping/>
   </p:clrMapOvr>
-  <p:timing>
-    <p:tnLst>
-      <p:par>
-        <p:cTn id="1" dur="indefinite" restart="never" nodeType="tmRoot"/>
-      </p:par>
-    </p:tnLst>
-  </p:timing>
 </p:sld>
 </file>
 
@@ -15409,7 +15558,7 @@
               </a:lnSpc>
             </a:pPr>
             <a:r>
-              <a:rPr lang="en-US" altLang="ko-KR" sz="6600" b="1" i="1" dirty="0" smtClean="0">
+              <a:rPr lang="en-US" altLang="ko-KR" sz="6600" b="1" i="1" dirty="0">
                 <a:solidFill>
                   <a:schemeClr val="bg2">
                     <a:lumMod val="25000"/>
@@ -15420,7 +15569,7 @@
               <a:t>01. </a:t>
             </a:r>
             <a:r>
-              <a:rPr lang="ko-KR" altLang="en-US" sz="4800" i="1" dirty="0" smtClean="0">
+              <a:rPr lang="ko-KR" altLang="en-US" sz="4800" i="1" dirty="0">
                 <a:solidFill>
                   <a:schemeClr val="bg2">
                     <a:lumMod val="25000"/>
@@ -15430,7 +15579,7 @@
               <a:t>개요 </a:t>
             </a:r>
             <a:r>
-              <a:rPr lang="en-US" altLang="ko-KR" sz="6000" b="1" i="1" dirty="0" smtClean="0">
+              <a:rPr lang="en-US" altLang="ko-KR" sz="6000" b="1" i="1" dirty="0">
                 <a:solidFill>
                   <a:schemeClr val="bg2">
                     <a:lumMod val="25000"/>
@@ -15439,13 +15588,6 @@
               </a:rPr>
               <a:t>Outline</a:t>
             </a:r>
-            <a:endParaRPr lang="en-US" altLang="ko-KR" sz="6000" b="1" i="1" dirty="0">
-              <a:solidFill>
-                <a:schemeClr val="bg2">
-                  <a:lumMod val="25000"/>
-                </a:schemeClr>
-              </a:solidFill>
-            </a:endParaRPr>
           </a:p>
         </p:txBody>
       </p:sp>
@@ -15459,13 +15601,6 @@
   <p:clrMapOvr>
     <a:masterClrMapping/>
   </p:clrMapOvr>
-  <p:timing>
-    <p:tnLst>
-      <p:par>
-        <p:cTn id="1" dur="indefinite" restart="never" nodeType="tmRoot"/>
-      </p:par>
-    </p:tnLst>
-  </p:timing>
 </p:sld>
 </file>
 
@@ -16114,7 +16249,7 @@
               </a:lnSpc>
             </a:pPr>
             <a:r>
-              <a:rPr lang="ko-KR" altLang="en-US" sz="2000" i="1" dirty="0" smtClean="0">
+              <a:rPr lang="ko-KR" altLang="en-US" sz="2000" i="1" dirty="0">
                 <a:solidFill>
                   <a:schemeClr val="bg1">
                     <a:lumMod val="50000"/>
@@ -16124,7 +16259,7 @@
               <a:t>개요 </a:t>
             </a:r>
             <a:r>
-              <a:rPr lang="en-US" altLang="ko-KR" sz="2800" b="1" i="1" dirty="0" smtClean="0">
+              <a:rPr lang="en-US" altLang="ko-KR" sz="2800" b="1" i="1" dirty="0">
                 <a:solidFill>
                   <a:schemeClr val="bg1">
                     <a:lumMod val="50000"/>
@@ -16133,51 +16268,6 @@
               </a:rPr>
               <a:t>Outline</a:t>
             </a:r>
-            <a:endParaRPr lang="en-US" altLang="ko-KR" sz="2800" b="1" i="1" dirty="0">
-              <a:solidFill>
-                <a:schemeClr val="bg1">
-                  <a:lumMod val="50000"/>
-                </a:schemeClr>
-              </a:solidFill>
-            </a:endParaRPr>
-          </a:p>
-        </p:txBody>
-      </p:sp>
-      <p:sp>
-        <p:nvSpPr>
-          <p:cNvPr id="2" name="직사각형 1"/>
-          <p:cNvSpPr/>
-          <p:nvPr/>
-        </p:nvSpPr>
-        <p:spPr>
-          <a:xfrm>
-            <a:off x="1858214" y="1494387"/>
-            <a:ext cx="8338751" cy="4267200"/>
-          </a:xfrm>
-          <a:prstGeom prst="rect">
-            <a:avLst/>
-          </a:prstGeom>
-        </p:spPr>
-        <p:style>
-          <a:lnRef idx="2">
-            <a:schemeClr val="accent3"/>
-          </a:lnRef>
-          <a:fillRef idx="1">
-            <a:schemeClr val="lt1"/>
-          </a:fillRef>
-          <a:effectRef idx="0">
-            <a:schemeClr val="accent3"/>
-          </a:effectRef>
-          <a:fontRef idx="minor">
-            <a:schemeClr val="dk1"/>
-          </a:fontRef>
-        </p:style>
-        <p:txBody>
-          <a:bodyPr rtlCol="0" anchor="ctr"/>
-          <a:lstStyle/>
-          <a:p>
-            <a:pPr algn="ctr"/>
-            <a:endParaRPr lang="ko-KR" altLang="en-US" dirty="0"/>
           </a:p>
         </p:txBody>
       </p:sp>
@@ -16191,13 +16281,6 @@
   <p:clrMapOvr>
     <a:masterClrMapping/>
   </p:clrMapOvr>
-  <p:timing>
-    <p:tnLst>
-      <p:par>
-        <p:cTn id="1" dur="indefinite" restart="never" nodeType="tmRoot"/>
-      </p:par>
-    </p:tnLst>
-  </p:timing>
 </p:sld>
 </file>
 
@@ -16846,7 +16929,7 @@
               </a:lnSpc>
             </a:pPr>
             <a:r>
-              <a:rPr lang="en-US" altLang="ko-KR" sz="6600" b="1" i="1" dirty="0" smtClean="0">
+              <a:rPr lang="en-US" altLang="ko-KR" sz="6600" b="1" i="1" dirty="0">
                 <a:solidFill>
                   <a:schemeClr val="bg2">
                     <a:lumMod val="25000"/>
@@ -16926,13 +17009,6 @@
   <p:clrMapOvr>
     <a:masterClrMapping/>
   </p:clrMapOvr>
-  <p:timing>
-    <p:tnLst>
-      <p:par>
-        <p:cTn id="1" dur="indefinite" restart="never" nodeType="tmRoot"/>
-      </p:par>
-    </p:tnLst>
-  </p:timing>
 </p:sld>
 </file>
 
@@ -17594,7 +17670,7 @@
               </a:lnSpc>
             </a:pPr>
             <a:r>
-              <a:rPr lang="ko-KR" altLang="en-US" sz="2000" i="1" dirty="0" smtClean="0">
+              <a:rPr lang="ko-KR" altLang="en-US" sz="2000" i="1" dirty="0">
                 <a:solidFill>
                   <a:schemeClr val="bg1">
                     <a:lumMod val="50000"/>
@@ -17604,7 +17680,7 @@
               <a:t>요구사항정의서 </a:t>
             </a:r>
             <a:r>
-              <a:rPr lang="en-US" altLang="ko-KR" sz="2800" b="1" i="1" dirty="0" smtClean="0">
+              <a:rPr lang="en-US" altLang="ko-KR" sz="2800" b="1" i="1" dirty="0">
                 <a:solidFill>
                   <a:schemeClr val="bg1">
                     <a:lumMod val="50000"/>
@@ -17613,13 +17689,6 @@
               </a:rPr>
               <a:t>Requirement Definition</a:t>
             </a:r>
-            <a:endParaRPr lang="en-US" altLang="ko-KR" sz="2800" b="1" i="1" dirty="0">
-              <a:solidFill>
-                <a:schemeClr val="bg1">
-                  <a:lumMod val="50000"/>
-                </a:schemeClr>
-              </a:solidFill>
-            </a:endParaRPr>
           </a:p>
         </p:txBody>
       </p:sp>
@@ -17633,13 +17702,6 @@
   <p:clrMapOvr>
     <a:masterClrMapping/>
   </p:clrMapOvr>
-  <p:timing>
-    <p:tnLst>
-      <p:par>
-        <p:cTn id="1" dur="indefinite" restart="never" nodeType="tmRoot"/>
-      </p:par>
-    </p:tnLst>
-  </p:timing>
 </p:sld>
 </file>
 
@@ -18288,7 +18350,7 @@
               </a:lnSpc>
             </a:pPr>
             <a:r>
-              <a:rPr lang="en-US" altLang="ko-KR" sz="6600" b="1" i="1" dirty="0" smtClean="0">
+              <a:rPr lang="en-US" altLang="ko-KR" sz="6600" b="1" i="1" dirty="0">
                 <a:solidFill>
                   <a:schemeClr val="bg2">
                     <a:lumMod val="25000"/>
@@ -18368,13 +18430,6 @@
   <p:clrMapOvr>
     <a:masterClrMapping/>
   </p:clrMapOvr>
-  <p:timing>
-    <p:tnLst>
-      <p:par>
-        <p:cTn id="1" dur="indefinite" restart="never" nodeType="tmRoot"/>
-      </p:par>
-    </p:tnLst>
-  </p:timing>
 </p:sld>
 </file>
 
@@ -19036,7 +19091,7 @@
               </a:lnSpc>
             </a:pPr>
             <a:r>
-              <a:rPr lang="ko-KR" altLang="en-US" sz="2000" i="1" dirty="0" smtClean="0">
+              <a:rPr lang="ko-KR" altLang="en-US" sz="2000" i="1" dirty="0">
                 <a:solidFill>
                   <a:schemeClr val="bg1">
                     <a:lumMod val="50000"/>
@@ -19046,7 +19101,7 @@
               <a:t>흐름도 </a:t>
             </a:r>
             <a:r>
-              <a:rPr lang="en-US" altLang="ko-KR" sz="2800" b="1" i="1" dirty="0" smtClean="0">
+              <a:rPr lang="en-US" altLang="ko-KR" sz="2800" b="1" i="1" dirty="0">
                 <a:solidFill>
                   <a:schemeClr val="bg1">
                     <a:lumMod val="50000"/>
@@ -19055,13 +19110,6 @@
               </a:rPr>
               <a:t>Flow Chart</a:t>
             </a:r>
-            <a:endParaRPr lang="en-US" altLang="ko-KR" sz="2800" b="1" i="1" dirty="0">
-              <a:solidFill>
-                <a:schemeClr val="bg1">
-                  <a:lumMod val="50000"/>
-                </a:schemeClr>
-              </a:solidFill>
-            </a:endParaRPr>
           </a:p>
         </p:txBody>
       </p:sp>
@@ -19075,13 +19123,6 @@
   <p:clrMapOvr>
     <a:masterClrMapping/>
   </p:clrMapOvr>
-  <p:timing>
-    <p:tnLst>
-      <p:par>
-        <p:cTn id="1" dur="indefinite" restart="never" nodeType="tmRoot"/>
-      </p:par>
-    </p:tnLst>
-  </p:timing>
 </p:sld>
 </file>
 
@@ -19730,7 +19771,7 @@
               </a:lnSpc>
             </a:pPr>
             <a:r>
-              <a:rPr lang="en-US" altLang="ko-KR" sz="6600" b="1" i="1" dirty="0" smtClean="0">
+              <a:rPr lang="en-US" altLang="ko-KR" sz="6600" b="1" i="1" dirty="0">
                 <a:solidFill>
                   <a:schemeClr val="bg2">
                     <a:lumMod val="25000"/>
@@ -19760,13 +19801,6 @@
               </a:rPr>
               <a:t> </a:t>
             </a:r>
-            <a:endParaRPr lang="en-US" altLang="ko-KR" sz="4000" i="1" dirty="0" smtClean="0">
-              <a:solidFill>
-                <a:schemeClr val="bg2">
-                  <a:lumMod val="25000"/>
-                </a:schemeClr>
-              </a:solidFill>
-            </a:endParaRPr>
           </a:p>
           <a:p>
             <a:pPr algn="ctr">
@@ -19775,7 +19809,7 @@
               </a:lnSpc>
             </a:pPr>
             <a:r>
-              <a:rPr lang="en-US" altLang="ko-KR" sz="6000" b="1" i="1" dirty="0" smtClean="0">
+              <a:rPr lang="en-US" altLang="ko-KR" sz="6000" b="1" i="1" dirty="0">
                 <a:solidFill>
                   <a:schemeClr val="bg2">
                     <a:lumMod val="25000"/>
@@ -19785,7 +19819,7 @@
               <a:t>Entity</a:t>
             </a:r>
             <a:r>
-              <a:rPr lang="en-US" altLang="ko-KR" sz="4800" b="1" i="1" dirty="0" smtClean="0">
+              <a:rPr lang="en-US" altLang="ko-KR" sz="4800" b="1" i="1" dirty="0">
                 <a:solidFill>
                   <a:schemeClr val="bg2">
                     <a:lumMod val="25000"/>
@@ -19844,13 +19878,6 @@
   <p:clrMapOvr>
     <a:masterClrMapping/>
   </p:clrMapOvr>
-  <p:timing>
-    <p:tnLst>
-      <p:par>
-        <p:cTn id="1" dur="indefinite" restart="never" nodeType="tmRoot"/>
-      </p:par>
-    </p:tnLst>
-  </p:timing>
 </p:sld>
 </file>
 

--- a/WebContent/발표/프로젝트5.pptx
+++ b/WebContent/발표/프로젝트5.pptx
@@ -18,11 +18,14 @@
     <p:sldId id="320" r:id="rId12"/>
     <p:sldId id="309" r:id="rId13"/>
     <p:sldId id="321" r:id="rId14"/>
-    <p:sldId id="311" r:id="rId15"/>
-    <p:sldId id="312" r:id="rId16"/>
-    <p:sldId id="313" r:id="rId17"/>
-    <p:sldId id="314" r:id="rId18"/>
-    <p:sldId id="315" r:id="rId19"/>
+    <p:sldId id="322" r:id="rId15"/>
+    <p:sldId id="323" r:id="rId16"/>
+    <p:sldId id="324" r:id="rId17"/>
+    <p:sldId id="311" r:id="rId18"/>
+    <p:sldId id="312" r:id="rId19"/>
+    <p:sldId id="313" r:id="rId20"/>
+    <p:sldId id="314" r:id="rId21"/>
+    <p:sldId id="315" r:id="rId22"/>
   </p:sldIdLst>
   <p:sldSz cx="12192000" cy="6858000"/>
   <p:notesSz cx="6858000" cy="9144000"/>
@@ -265,7 +268,7 @@
                 </a:solidFill>
               </a:rPr>
               <a:pPr/>
-              <a:t>2020-03-30</a:t>
+              <a:t>2020-03-31</a:t>
             </a:fld>
             <a:endParaRPr lang="ko-KR" altLang="en-US">
               <a:solidFill>
@@ -465,7 +468,7 @@
                 </a:solidFill>
               </a:rPr>
               <a:pPr/>
-              <a:t>2020-03-30</a:t>
+              <a:t>2020-03-31</a:t>
             </a:fld>
             <a:endParaRPr lang="ko-KR" altLang="en-US">
               <a:solidFill>
@@ -675,7 +678,7 @@
                 </a:solidFill>
               </a:rPr>
               <a:pPr/>
-              <a:t>2020-03-30</a:t>
+              <a:t>2020-03-31</a:t>
             </a:fld>
             <a:endParaRPr lang="ko-KR" altLang="en-US">
               <a:solidFill>
@@ -875,7 +878,7 @@
                 </a:solidFill>
               </a:rPr>
               <a:pPr/>
-              <a:t>2020-03-30</a:t>
+              <a:t>2020-03-31</a:t>
             </a:fld>
             <a:endParaRPr lang="ko-KR" altLang="en-US">
               <a:solidFill>
@@ -1152,7 +1155,7 @@
                 </a:solidFill>
               </a:rPr>
               <a:pPr/>
-              <a:t>2020-03-30</a:t>
+              <a:t>2020-03-31</a:t>
             </a:fld>
             <a:endParaRPr lang="ko-KR" altLang="en-US">
               <a:solidFill>
@@ -1413,7 +1416,7 @@
                 </a:solidFill>
               </a:rPr>
               <a:pPr/>
-              <a:t>2020-03-30</a:t>
+              <a:t>2020-03-31</a:t>
             </a:fld>
             <a:endParaRPr lang="ko-KR" altLang="en-US">
               <a:solidFill>
@@ -1809,7 +1812,7 @@
                 </a:solidFill>
               </a:rPr>
               <a:pPr/>
-              <a:t>2020-03-30</a:t>
+              <a:t>2020-03-31</a:t>
             </a:fld>
             <a:endParaRPr lang="ko-KR" altLang="en-US">
               <a:solidFill>
@@ -1958,7 +1961,7 @@
                 </a:solidFill>
               </a:rPr>
               <a:pPr/>
-              <a:t>2020-03-30</a:t>
+              <a:t>2020-03-31</a:t>
             </a:fld>
             <a:endParaRPr lang="ko-KR" altLang="en-US">
               <a:solidFill>
@@ -2085,7 +2088,7 @@
                 </a:solidFill>
               </a:rPr>
               <a:pPr/>
-              <a:t>2020-03-30</a:t>
+              <a:t>2020-03-31</a:t>
             </a:fld>
             <a:endParaRPr lang="ko-KR" altLang="en-US">
               <a:solidFill>
@@ -2392,7 +2395,7 @@
                 </a:solidFill>
               </a:rPr>
               <a:pPr/>
-              <a:t>2020-03-30</a:t>
+              <a:t>2020-03-31</a:t>
             </a:fld>
             <a:endParaRPr lang="ko-KR" altLang="en-US">
               <a:solidFill>
@@ -2676,7 +2679,7 @@
                 </a:solidFill>
               </a:rPr>
               <a:pPr/>
-              <a:t>2020-03-30</a:t>
+              <a:t>2020-03-31</a:t>
             </a:fld>
             <a:endParaRPr lang="ko-KR" altLang="en-US">
               <a:solidFill>
@@ -2919,7 +2922,7 @@
                 </a:solidFill>
               </a:rPr>
               <a:pPr/>
-              <a:t>2020-03-30</a:t>
+              <a:t>2020-03-31</a:t>
             </a:fld>
             <a:endParaRPr lang="ko-KR" altLang="en-US">
               <a:solidFill>
@@ -6993,7 +6996,7 @@
           <p:cNvPr id="22" name="그림 21">
             <a:extLst>
               <a:ext uri="{FF2B5EF4-FFF2-40B4-BE49-F238E27FC236}">
-                <a16:creationId xmlns:a16="http://schemas.microsoft.com/office/drawing/2014/main" id="{928BE64D-A24F-42CB-B298-FBF49719BA30}"/>
+                <a16:creationId xmlns:a16="http://schemas.microsoft.com/office/drawing/2014/main" xmlns="" id="{928BE64D-A24F-42CB-B298-FBF49719BA30}"/>
               </a:ext>
             </a:extLst>
           </p:cNvPr>
@@ -9985,6 +9988,3653 @@
 <file path=ppt/slides/slide14.xml><?xml version="1.0" encoding="utf-8"?>
 <p:sld xmlns:a="http://schemas.openxmlformats.org/drawingml/2006/main" xmlns:r="http://schemas.openxmlformats.org/officeDocument/2006/relationships" xmlns:p="http://schemas.openxmlformats.org/presentationml/2006/main">
   <p:cSld>
+    <p:spTree>
+      <p:nvGrpSpPr>
+        <p:cNvPr id="1" name=""/>
+        <p:cNvGrpSpPr/>
+        <p:nvPr/>
+      </p:nvGrpSpPr>
+      <p:grpSpPr>
+        <a:xfrm>
+          <a:off x="0" y="0"/>
+          <a:ext cx="0" cy="0"/>
+          <a:chOff x="0" y="0"/>
+          <a:chExt cx="0" cy="0"/>
+        </a:xfrm>
+      </p:grpSpPr>
+      <p:grpSp>
+        <p:nvGrpSpPr>
+          <p:cNvPr id="4" name="그룹 3"/>
+          <p:cNvGrpSpPr/>
+          <p:nvPr/>
+        </p:nvGrpSpPr>
+        <p:grpSpPr>
+          <a:xfrm>
+            <a:off x="152400" y="83680"/>
+            <a:ext cx="11903770" cy="6774320"/>
+            <a:chOff x="152400" y="83680"/>
+            <a:chExt cx="11903770" cy="6774320"/>
+          </a:xfrm>
+        </p:grpSpPr>
+        <p:sp>
+          <p:nvSpPr>
+            <p:cNvPr id="68" name="양쪽 모서리가 둥근 사각형 67"/>
+            <p:cNvSpPr/>
+            <p:nvPr/>
+          </p:nvSpPr>
+          <p:spPr>
+            <a:xfrm>
+              <a:off x="338203" y="83680"/>
+              <a:ext cx="11548997" cy="6482219"/>
+            </a:xfrm>
+            <a:prstGeom prst="round2SameRect">
+              <a:avLst>
+                <a:gd name="adj1" fmla="val 4566"/>
+                <a:gd name="adj2" fmla="val 0"/>
+              </a:avLst>
+            </a:prstGeom>
+            <a:pattFill prst="ltDnDiag">
+              <a:fgClr>
+                <a:schemeClr val="bg1">
+                  <a:lumMod val="75000"/>
+                </a:schemeClr>
+              </a:fgClr>
+              <a:bgClr>
+                <a:schemeClr val="bg1">
+                  <a:lumMod val="95000"/>
+                </a:schemeClr>
+              </a:bgClr>
+            </a:pattFill>
+            <a:ln w="28575">
+              <a:solidFill>
+                <a:schemeClr val="bg1">
+                  <a:lumMod val="50000"/>
+                </a:schemeClr>
+              </a:solidFill>
+            </a:ln>
+          </p:spPr>
+          <p:style>
+            <a:lnRef idx="2">
+              <a:schemeClr val="accent1">
+                <a:shade val="50000"/>
+              </a:schemeClr>
+            </a:lnRef>
+            <a:fillRef idx="1">
+              <a:schemeClr val="accent1"/>
+            </a:fillRef>
+            <a:effectRef idx="0">
+              <a:schemeClr val="accent1"/>
+            </a:effectRef>
+            <a:fontRef idx="minor">
+              <a:schemeClr val="lt1"/>
+            </a:fontRef>
+          </p:style>
+          <p:txBody>
+            <a:bodyPr rtlCol="0" anchor="ctr"/>
+            <a:lstStyle/>
+            <a:p>
+              <a:pPr algn="ctr"/>
+              <a:endParaRPr lang="ko-KR" altLang="en-US"/>
+            </a:p>
+          </p:txBody>
+        </p:sp>
+        <p:sp>
+          <p:nvSpPr>
+            <p:cNvPr id="69" name="양쪽 모서리가 둥근 사각형 68"/>
+            <p:cNvSpPr/>
+            <p:nvPr/>
+          </p:nvSpPr>
+          <p:spPr>
+            <a:xfrm>
+              <a:off x="524266" y="241300"/>
+              <a:ext cx="11176871" cy="6133424"/>
+            </a:xfrm>
+            <a:prstGeom prst="round2SameRect">
+              <a:avLst>
+                <a:gd name="adj1" fmla="val 3284"/>
+                <a:gd name="adj2" fmla="val 0"/>
+              </a:avLst>
+            </a:prstGeom>
+            <a:solidFill>
+              <a:schemeClr val="bg1"/>
+            </a:solidFill>
+            <a:ln w="19050">
+              <a:solidFill>
+                <a:schemeClr val="bg1">
+                  <a:lumMod val="50000"/>
+                </a:schemeClr>
+              </a:solidFill>
+            </a:ln>
+          </p:spPr>
+          <p:style>
+            <a:lnRef idx="2">
+              <a:schemeClr val="accent1">
+                <a:shade val="50000"/>
+              </a:schemeClr>
+            </a:lnRef>
+            <a:fillRef idx="1">
+              <a:schemeClr val="accent1"/>
+            </a:fillRef>
+            <a:effectRef idx="0">
+              <a:schemeClr val="accent1"/>
+            </a:effectRef>
+            <a:fontRef idx="minor">
+              <a:schemeClr val="lt1"/>
+            </a:fontRef>
+          </p:style>
+          <p:txBody>
+            <a:bodyPr rtlCol="0" anchor="ctr"/>
+            <a:lstStyle/>
+            <a:p>
+              <a:pPr algn="ctr"/>
+              <a:endParaRPr lang="ko-KR" altLang="en-US"/>
+            </a:p>
+          </p:txBody>
+        </p:sp>
+        <p:sp>
+          <p:nvSpPr>
+            <p:cNvPr id="84" name="양쪽 모서리가 둥근 사각형 83"/>
+            <p:cNvSpPr/>
+            <p:nvPr/>
+          </p:nvSpPr>
+          <p:spPr>
+            <a:xfrm rot="16200000">
+              <a:off x="1176083" y="5641873"/>
+              <a:ext cx="108000" cy="1798840"/>
+            </a:xfrm>
+            <a:prstGeom prst="round2SameRect">
+              <a:avLst>
+                <a:gd name="adj1" fmla="val 19304"/>
+                <a:gd name="adj2" fmla="val 0"/>
+              </a:avLst>
+            </a:prstGeom>
+            <a:gradFill flip="none" rotWithShape="1">
+              <a:gsLst>
+                <a:gs pos="17000">
+                  <a:schemeClr val="bg1">
+                    <a:lumMod val="50000"/>
+                  </a:schemeClr>
+                </a:gs>
+                <a:gs pos="59000">
+                  <a:schemeClr val="bg1">
+                    <a:shade val="100000"/>
+                    <a:satMod val="115000"/>
+                  </a:schemeClr>
+                </a:gs>
+              </a:gsLst>
+              <a:lin ang="0" scaled="1"/>
+              <a:tileRect/>
+            </a:gradFill>
+            <a:ln w="19050">
+              <a:solidFill>
+                <a:schemeClr val="bg1">
+                  <a:lumMod val="50000"/>
+                </a:schemeClr>
+              </a:solidFill>
+            </a:ln>
+          </p:spPr>
+          <p:style>
+            <a:lnRef idx="2">
+              <a:schemeClr val="accent1">
+                <a:shade val="50000"/>
+              </a:schemeClr>
+            </a:lnRef>
+            <a:fillRef idx="1">
+              <a:schemeClr val="accent1"/>
+            </a:fillRef>
+            <a:effectRef idx="0">
+              <a:schemeClr val="accent1"/>
+            </a:effectRef>
+            <a:fontRef idx="minor">
+              <a:schemeClr val="lt1"/>
+            </a:fontRef>
+          </p:style>
+          <p:txBody>
+            <a:bodyPr rtlCol="0" anchor="ctr"/>
+            <a:lstStyle/>
+            <a:p>
+              <a:pPr algn="ctr"/>
+              <a:endParaRPr lang="ko-KR" altLang="en-US">
+                <a:solidFill>
+                  <a:prstClr val="white"/>
+                </a:solidFill>
+              </a:endParaRPr>
+            </a:p>
+          </p:txBody>
+        </p:sp>
+        <p:sp>
+          <p:nvSpPr>
+            <p:cNvPr id="85" name="양쪽 모서리가 둥근 사각형 84"/>
+            <p:cNvSpPr/>
+            <p:nvPr/>
+          </p:nvSpPr>
+          <p:spPr>
+            <a:xfrm rot="5400000" flipH="1">
+              <a:off x="10930593" y="5641871"/>
+              <a:ext cx="108000" cy="1798840"/>
+            </a:xfrm>
+            <a:prstGeom prst="round2SameRect">
+              <a:avLst>
+                <a:gd name="adj1" fmla="val 19304"/>
+                <a:gd name="adj2" fmla="val 0"/>
+              </a:avLst>
+            </a:prstGeom>
+            <a:gradFill flip="none" rotWithShape="1">
+              <a:gsLst>
+                <a:gs pos="17000">
+                  <a:schemeClr val="bg1">
+                    <a:lumMod val="50000"/>
+                  </a:schemeClr>
+                </a:gs>
+                <a:gs pos="59000">
+                  <a:schemeClr val="bg1">
+                    <a:shade val="100000"/>
+                    <a:satMod val="115000"/>
+                  </a:schemeClr>
+                </a:gs>
+              </a:gsLst>
+              <a:lin ang="0" scaled="1"/>
+              <a:tileRect/>
+            </a:gradFill>
+            <a:ln w="19050">
+              <a:solidFill>
+                <a:schemeClr val="bg1">
+                  <a:lumMod val="50000"/>
+                </a:schemeClr>
+              </a:solidFill>
+            </a:ln>
+          </p:spPr>
+          <p:style>
+            <a:lnRef idx="2">
+              <a:schemeClr val="accent1">
+                <a:shade val="50000"/>
+              </a:schemeClr>
+            </a:lnRef>
+            <a:fillRef idx="1">
+              <a:schemeClr val="accent1"/>
+            </a:fillRef>
+            <a:effectRef idx="0">
+              <a:schemeClr val="accent1"/>
+            </a:effectRef>
+            <a:fontRef idx="minor">
+              <a:schemeClr val="lt1"/>
+            </a:fontRef>
+          </p:style>
+          <p:txBody>
+            <a:bodyPr rtlCol="0" anchor="ctr"/>
+            <a:lstStyle/>
+            <a:p>
+              <a:pPr algn="ctr"/>
+              <a:endParaRPr lang="ko-KR" altLang="en-US">
+                <a:solidFill>
+                  <a:prstClr val="white"/>
+                </a:solidFill>
+              </a:endParaRPr>
+            </a:p>
+          </p:txBody>
+        </p:sp>
+        <p:sp>
+          <p:nvSpPr>
+            <p:cNvPr id="86" name="양쪽 모서리가 둥근 사각형 85"/>
+            <p:cNvSpPr/>
+            <p:nvPr/>
+          </p:nvSpPr>
+          <p:spPr>
+            <a:xfrm rot="16200000">
+              <a:off x="6053339" y="2563457"/>
+              <a:ext cx="108000" cy="7955668"/>
+            </a:xfrm>
+            <a:prstGeom prst="round2SameRect">
+              <a:avLst>
+                <a:gd name="adj1" fmla="val 0"/>
+                <a:gd name="adj2" fmla="val 0"/>
+              </a:avLst>
+            </a:prstGeom>
+            <a:gradFill flip="none" rotWithShape="1">
+              <a:gsLst>
+                <a:gs pos="17000">
+                  <a:schemeClr val="bg1">
+                    <a:lumMod val="50000"/>
+                  </a:schemeClr>
+                </a:gs>
+                <a:gs pos="59000">
+                  <a:schemeClr val="bg1">
+                    <a:shade val="100000"/>
+                    <a:satMod val="115000"/>
+                  </a:schemeClr>
+                </a:gs>
+              </a:gsLst>
+              <a:lin ang="0" scaled="1"/>
+              <a:tileRect/>
+            </a:gradFill>
+            <a:ln w="19050">
+              <a:solidFill>
+                <a:schemeClr val="bg1">
+                  <a:lumMod val="50000"/>
+                </a:schemeClr>
+              </a:solidFill>
+            </a:ln>
+          </p:spPr>
+          <p:style>
+            <a:lnRef idx="2">
+              <a:schemeClr val="accent1">
+                <a:shade val="50000"/>
+              </a:schemeClr>
+            </a:lnRef>
+            <a:fillRef idx="1">
+              <a:schemeClr val="accent1"/>
+            </a:fillRef>
+            <a:effectRef idx="0">
+              <a:schemeClr val="accent1"/>
+            </a:effectRef>
+            <a:fontRef idx="minor">
+              <a:schemeClr val="lt1"/>
+            </a:fontRef>
+          </p:style>
+          <p:txBody>
+            <a:bodyPr rtlCol="0" anchor="ctr"/>
+            <a:lstStyle/>
+            <a:p>
+              <a:pPr algn="ctr"/>
+              <a:endParaRPr lang="ko-KR" altLang="en-US">
+                <a:solidFill>
+                  <a:prstClr val="white"/>
+                </a:solidFill>
+              </a:endParaRPr>
+            </a:p>
+          </p:txBody>
+        </p:sp>
+        <p:sp>
+          <p:nvSpPr>
+            <p:cNvPr id="14" name="자유형 13"/>
+            <p:cNvSpPr/>
+            <p:nvPr/>
+          </p:nvSpPr>
+          <p:spPr>
+            <a:xfrm>
+              <a:off x="158507" y="6590451"/>
+              <a:ext cx="11897663" cy="267549"/>
+            </a:xfrm>
+            <a:custGeom>
+              <a:avLst/>
+              <a:gdLst>
+                <a:gd name="connsiteX0" fmla="*/ 195955 w 11897663"/>
+                <a:gd name="connsiteY0" fmla="*/ 0 h 267549"/>
+                <a:gd name="connsiteX1" fmla="*/ 11701708 w 11897663"/>
+                <a:gd name="connsiteY1" fmla="*/ 0 h 267549"/>
+                <a:gd name="connsiteX2" fmla="*/ 11897663 w 11897663"/>
+                <a:gd name="connsiteY2" fmla="*/ 267549 h 267549"/>
+                <a:gd name="connsiteX3" fmla="*/ 0 w 11897663"/>
+                <a:gd name="connsiteY3" fmla="*/ 267549 h 267549"/>
+              </a:gdLst>
+              <a:ahLst/>
+              <a:cxnLst>
+                <a:cxn ang="0">
+                  <a:pos x="connsiteX0" y="connsiteY0"/>
+                </a:cxn>
+                <a:cxn ang="0">
+                  <a:pos x="connsiteX1" y="connsiteY1"/>
+                </a:cxn>
+                <a:cxn ang="0">
+                  <a:pos x="connsiteX2" y="connsiteY2"/>
+                </a:cxn>
+                <a:cxn ang="0">
+                  <a:pos x="connsiteX3" y="connsiteY3"/>
+                </a:cxn>
+              </a:cxnLst>
+              <a:rect l="l" t="t" r="r" b="b"/>
+              <a:pathLst>
+                <a:path w="11897663" h="267549">
+                  <a:moveTo>
+                    <a:pt x="195955" y="0"/>
+                  </a:moveTo>
+                  <a:lnTo>
+                    <a:pt x="11701708" y="0"/>
+                  </a:lnTo>
+                  <a:lnTo>
+                    <a:pt x="11897663" y="267549"/>
+                  </a:lnTo>
+                  <a:lnTo>
+                    <a:pt x="0" y="267549"/>
+                  </a:lnTo>
+                  <a:close/>
+                </a:path>
+              </a:pathLst>
+            </a:custGeom>
+            <a:solidFill>
+              <a:schemeClr val="bg1"/>
+            </a:solidFill>
+            <a:ln w="19050">
+              <a:solidFill>
+                <a:schemeClr val="bg1">
+                  <a:lumMod val="50000"/>
+                </a:schemeClr>
+              </a:solidFill>
+            </a:ln>
+          </p:spPr>
+          <p:style>
+            <a:lnRef idx="2">
+              <a:schemeClr val="accent1">
+                <a:shade val="50000"/>
+              </a:schemeClr>
+            </a:lnRef>
+            <a:fillRef idx="1">
+              <a:schemeClr val="accent1"/>
+            </a:fillRef>
+            <a:effectRef idx="0">
+              <a:schemeClr val="accent1"/>
+            </a:effectRef>
+            <a:fontRef idx="minor">
+              <a:schemeClr val="lt1"/>
+            </a:fontRef>
+          </p:style>
+          <p:txBody>
+            <a:bodyPr wrap="square" rtlCol="0" anchor="ctr">
+              <a:noAutofit/>
+            </a:bodyPr>
+            <a:lstStyle/>
+            <a:p>
+              <a:pPr algn="ctr"/>
+              <a:endParaRPr lang="ko-KR" altLang="en-US">
+                <a:solidFill>
+                  <a:prstClr val="white"/>
+                </a:solidFill>
+              </a:endParaRPr>
+            </a:p>
+          </p:txBody>
+        </p:sp>
+        <p:sp>
+          <p:nvSpPr>
+            <p:cNvPr id="26" name="자유형 25"/>
+            <p:cNvSpPr/>
+            <p:nvPr/>
+          </p:nvSpPr>
+          <p:spPr>
+            <a:xfrm>
+              <a:off x="152400" y="6565900"/>
+              <a:ext cx="11750381" cy="292100"/>
+            </a:xfrm>
+            <a:custGeom>
+              <a:avLst/>
+              <a:gdLst>
+                <a:gd name="connsiteX0" fmla="*/ 177800 w 11722100"/>
+                <a:gd name="connsiteY0" fmla="*/ 0 h 292100"/>
+                <a:gd name="connsiteX1" fmla="*/ 0 w 11722100"/>
+                <a:gd name="connsiteY1" fmla="*/ 292100 h 292100"/>
+                <a:gd name="connsiteX2" fmla="*/ 11722100 w 11722100"/>
+                <a:gd name="connsiteY2" fmla="*/ 50800 h 292100"/>
+                <a:gd name="connsiteX3" fmla="*/ 177800 w 11722100"/>
+                <a:gd name="connsiteY3" fmla="*/ 0 h 292100"/>
+                <a:gd name="connsiteX0" fmla="*/ 206081 w 11722100"/>
+                <a:gd name="connsiteY0" fmla="*/ 0 h 292100"/>
+                <a:gd name="connsiteX1" fmla="*/ 0 w 11722100"/>
+                <a:gd name="connsiteY1" fmla="*/ 292100 h 292100"/>
+                <a:gd name="connsiteX2" fmla="*/ 11722100 w 11722100"/>
+                <a:gd name="connsiteY2" fmla="*/ 50800 h 292100"/>
+                <a:gd name="connsiteX3" fmla="*/ 206081 w 11722100"/>
+                <a:gd name="connsiteY3" fmla="*/ 0 h 292100"/>
+                <a:gd name="connsiteX0" fmla="*/ 206081 w 11750381"/>
+                <a:gd name="connsiteY0" fmla="*/ 0 h 292100"/>
+                <a:gd name="connsiteX1" fmla="*/ 0 w 11750381"/>
+                <a:gd name="connsiteY1" fmla="*/ 292100 h 292100"/>
+                <a:gd name="connsiteX2" fmla="*/ 11750381 w 11750381"/>
+                <a:gd name="connsiteY2" fmla="*/ 31947 h 292100"/>
+                <a:gd name="connsiteX3" fmla="*/ 206081 w 11750381"/>
+                <a:gd name="connsiteY3" fmla="*/ 0 h 292100"/>
+              </a:gdLst>
+              <a:ahLst/>
+              <a:cxnLst>
+                <a:cxn ang="0">
+                  <a:pos x="connsiteX0" y="connsiteY0"/>
+                </a:cxn>
+                <a:cxn ang="0">
+                  <a:pos x="connsiteX1" y="connsiteY1"/>
+                </a:cxn>
+                <a:cxn ang="0">
+                  <a:pos x="connsiteX2" y="connsiteY2"/>
+                </a:cxn>
+                <a:cxn ang="0">
+                  <a:pos x="connsiteX3" y="connsiteY3"/>
+                </a:cxn>
+              </a:cxnLst>
+              <a:rect l="l" t="t" r="r" b="b"/>
+              <a:pathLst>
+                <a:path w="11750381" h="292100">
+                  <a:moveTo>
+                    <a:pt x="206081" y="0"/>
+                  </a:moveTo>
+                  <a:lnTo>
+                    <a:pt x="0" y="292100"/>
+                  </a:lnTo>
+                  <a:lnTo>
+                    <a:pt x="11750381" y="31947"/>
+                  </a:lnTo>
+                  <a:lnTo>
+                    <a:pt x="206081" y="0"/>
+                  </a:lnTo>
+                  <a:close/>
+                </a:path>
+              </a:pathLst>
+            </a:custGeom>
+            <a:solidFill>
+              <a:schemeClr val="tx1">
+                <a:alpha val="13000"/>
+              </a:schemeClr>
+            </a:solidFill>
+            <a:ln>
+              <a:noFill/>
+            </a:ln>
+          </p:spPr>
+          <p:style>
+            <a:lnRef idx="2">
+              <a:schemeClr val="accent1">
+                <a:shade val="50000"/>
+              </a:schemeClr>
+            </a:lnRef>
+            <a:fillRef idx="1">
+              <a:schemeClr val="accent1"/>
+            </a:fillRef>
+            <a:effectRef idx="0">
+              <a:schemeClr val="accent1"/>
+            </a:effectRef>
+            <a:fontRef idx="minor">
+              <a:schemeClr val="lt1"/>
+            </a:fontRef>
+          </p:style>
+          <p:txBody>
+            <a:bodyPr rtlCol="0" anchor="ctr"/>
+            <a:lstStyle/>
+            <a:p>
+              <a:pPr algn="ctr"/>
+              <a:endParaRPr lang="ko-KR" altLang="en-US"/>
+            </a:p>
+          </p:txBody>
+        </p:sp>
+        <p:sp>
+          <p:nvSpPr>
+            <p:cNvPr id="15" name="모서리가 둥근 직사각형 14"/>
+            <p:cNvSpPr/>
+            <p:nvPr/>
+          </p:nvSpPr>
+          <p:spPr>
+            <a:xfrm>
+              <a:off x="524266" y="6670585"/>
+              <a:ext cx="597524" cy="64121"/>
+            </a:xfrm>
+            <a:prstGeom prst="roundRect">
+              <a:avLst>
+                <a:gd name="adj" fmla="val 50000"/>
+              </a:avLst>
+            </a:prstGeom>
+            <a:solidFill>
+              <a:srgbClr val="00B0F0"/>
+            </a:solidFill>
+            <a:ln>
+              <a:solidFill>
+                <a:schemeClr val="bg1">
+                  <a:lumMod val="50000"/>
+                </a:schemeClr>
+              </a:solidFill>
+            </a:ln>
+          </p:spPr>
+          <p:style>
+            <a:lnRef idx="2">
+              <a:schemeClr val="accent1">
+                <a:shade val="50000"/>
+              </a:schemeClr>
+            </a:lnRef>
+            <a:fillRef idx="1">
+              <a:schemeClr val="accent1"/>
+            </a:fillRef>
+            <a:effectRef idx="0">
+              <a:schemeClr val="accent1"/>
+            </a:effectRef>
+            <a:fontRef idx="minor">
+              <a:schemeClr val="lt1"/>
+            </a:fontRef>
+          </p:style>
+          <p:txBody>
+            <a:bodyPr rtlCol="0" anchor="ctr"/>
+            <a:lstStyle/>
+            <a:p>
+              <a:pPr algn="ctr"/>
+              <a:endParaRPr lang="ko-KR" altLang="en-US"/>
+            </a:p>
+          </p:txBody>
+        </p:sp>
+      </p:grpSp>
+      <p:sp>
+        <p:nvSpPr>
+          <p:cNvPr id="82" name="직사각형 81"/>
+          <p:cNvSpPr/>
+          <p:nvPr/>
+        </p:nvSpPr>
+        <p:spPr>
+          <a:xfrm>
+            <a:off x="3353610" y="228600"/>
+            <a:ext cx="5484781" cy="655372"/>
+          </a:xfrm>
+          <a:prstGeom prst="rect">
+            <a:avLst/>
+          </a:prstGeom>
+        </p:spPr>
+        <p:txBody>
+          <a:bodyPr wrap="square">
+            <a:spAutoFit/>
+          </a:bodyPr>
+          <a:lstStyle/>
+          <a:p>
+            <a:pPr algn="ctr">
+              <a:lnSpc>
+                <a:spcPct val="150000"/>
+              </a:lnSpc>
+            </a:pPr>
+            <a:r>
+              <a:rPr lang="ko-KR" altLang="en-US" sz="2000" i="1" dirty="0">
+                <a:solidFill>
+                  <a:schemeClr val="bg1">
+                    <a:lumMod val="50000"/>
+                  </a:schemeClr>
+                </a:solidFill>
+              </a:rPr>
+              <a:t>화면구현 </a:t>
+            </a:r>
+            <a:r>
+              <a:rPr lang="en-US" altLang="ko-KR" sz="2800" b="1" i="1" dirty="0">
+                <a:solidFill>
+                  <a:schemeClr val="bg1">
+                    <a:lumMod val="50000"/>
+                  </a:schemeClr>
+                </a:solidFill>
+              </a:rPr>
+              <a:t>Implement Screen</a:t>
+            </a:r>
+          </a:p>
+        </p:txBody>
+      </p:sp>
+      <p:sp>
+        <p:nvSpPr>
+          <p:cNvPr id="3" name="직사각형 2"/>
+          <p:cNvSpPr/>
+          <p:nvPr/>
+        </p:nvSpPr>
+        <p:spPr>
+          <a:xfrm>
+            <a:off x="8602764" y="1664043"/>
+            <a:ext cx="2811968" cy="4423719"/>
+          </a:xfrm>
+          <a:prstGeom prst="rect">
+            <a:avLst/>
+          </a:prstGeom>
+          <a:solidFill>
+            <a:schemeClr val="bg1"/>
+          </a:solidFill>
+          <a:ln>
+            <a:solidFill>
+              <a:schemeClr val="tx1"/>
+            </a:solidFill>
+          </a:ln>
+        </p:spPr>
+        <p:style>
+          <a:lnRef idx="2">
+            <a:schemeClr val="accent1">
+              <a:shade val="50000"/>
+            </a:schemeClr>
+          </a:lnRef>
+          <a:fillRef idx="1">
+            <a:schemeClr val="accent1"/>
+          </a:fillRef>
+          <a:effectRef idx="0">
+            <a:schemeClr val="accent1"/>
+          </a:effectRef>
+          <a:fontRef idx="minor">
+            <a:schemeClr val="lt1"/>
+          </a:fontRef>
+        </p:style>
+        <p:txBody>
+          <a:bodyPr rtlCol="0" anchor="ctr"/>
+          <a:lstStyle/>
+          <a:p>
+            <a:pPr algn="ctr"/>
+            <a:endParaRPr lang="ko-KR" altLang="en-US"/>
+          </a:p>
+        </p:txBody>
+      </p:sp>
+      <p:sp>
+        <p:nvSpPr>
+          <p:cNvPr id="16" name="직사각형 15"/>
+          <p:cNvSpPr/>
+          <p:nvPr/>
+        </p:nvSpPr>
+        <p:spPr>
+          <a:xfrm>
+            <a:off x="777269" y="1664044"/>
+            <a:ext cx="7569580" cy="4423719"/>
+          </a:xfrm>
+          <a:prstGeom prst="rect">
+            <a:avLst/>
+          </a:prstGeom>
+          <a:solidFill>
+            <a:schemeClr val="bg1"/>
+          </a:solidFill>
+          <a:ln>
+            <a:solidFill>
+              <a:schemeClr val="tx1"/>
+            </a:solidFill>
+          </a:ln>
+        </p:spPr>
+        <p:style>
+          <a:lnRef idx="2">
+            <a:schemeClr val="accent1">
+              <a:shade val="50000"/>
+            </a:schemeClr>
+          </a:lnRef>
+          <a:fillRef idx="1">
+            <a:schemeClr val="accent1"/>
+          </a:fillRef>
+          <a:effectRef idx="0">
+            <a:schemeClr val="accent1"/>
+          </a:effectRef>
+          <a:fontRef idx="minor">
+            <a:schemeClr val="lt1"/>
+          </a:fontRef>
+        </p:style>
+        <p:txBody>
+          <a:bodyPr rtlCol="0" anchor="ctr"/>
+          <a:lstStyle/>
+          <a:p>
+            <a:pPr algn="ctr"/>
+            <a:endParaRPr lang="ko-KR" altLang="en-US"/>
+          </a:p>
+        </p:txBody>
+      </p:sp>
+      <p:sp>
+        <p:nvSpPr>
+          <p:cNvPr id="17" name="직사각형 16"/>
+          <p:cNvSpPr/>
+          <p:nvPr/>
+        </p:nvSpPr>
+        <p:spPr>
+          <a:xfrm>
+            <a:off x="777269" y="1664042"/>
+            <a:ext cx="7569580" cy="398177"/>
+          </a:xfrm>
+          <a:prstGeom prst="rect">
+            <a:avLst/>
+          </a:prstGeom>
+          <a:solidFill>
+            <a:schemeClr val="bg1"/>
+          </a:solidFill>
+          <a:ln>
+            <a:solidFill>
+              <a:schemeClr val="tx1"/>
+            </a:solidFill>
+          </a:ln>
+        </p:spPr>
+        <p:style>
+          <a:lnRef idx="2">
+            <a:schemeClr val="accent1">
+              <a:shade val="50000"/>
+            </a:schemeClr>
+          </a:lnRef>
+          <a:fillRef idx="1">
+            <a:schemeClr val="accent1"/>
+          </a:fillRef>
+          <a:effectRef idx="0">
+            <a:schemeClr val="accent1"/>
+          </a:effectRef>
+          <a:fontRef idx="minor">
+            <a:schemeClr val="lt1"/>
+          </a:fontRef>
+        </p:style>
+        <p:txBody>
+          <a:bodyPr rtlCol="0" anchor="ctr"/>
+          <a:lstStyle/>
+          <a:p>
+            <a:pPr algn="ctr"/>
+            <a:endParaRPr lang="ko-KR" altLang="en-US"/>
+          </a:p>
+        </p:txBody>
+      </p:sp>
+      <p:sp>
+        <p:nvSpPr>
+          <p:cNvPr id="18" name="TextBox 17"/>
+          <p:cNvSpPr txBox="1"/>
+          <p:nvPr/>
+        </p:nvSpPr>
+        <p:spPr>
+          <a:xfrm>
+            <a:off x="777269" y="2129221"/>
+            <a:ext cx="7569580" cy="338554"/>
+          </a:xfrm>
+          <a:prstGeom prst="rect">
+            <a:avLst/>
+          </a:prstGeom>
+          <a:noFill/>
+        </p:spPr>
+        <p:txBody>
+          <a:bodyPr wrap="square" rtlCol="0">
+            <a:spAutoFit/>
+          </a:bodyPr>
+          <a:lstStyle/>
+          <a:p>
+            <a:pPr algn="ctr"/>
+            <a:r>
+              <a:rPr lang="ko-KR" altLang="en-US" sz="1600" dirty="0" smtClean="0"/>
+              <a:t>조립컴퓨터               컴퓨터부품               </a:t>
+            </a:r>
+            <a:r>
+              <a:rPr lang="ko-KR" altLang="en-US" sz="1600" dirty="0" smtClean="0"/>
+              <a:t>견적문의              개인사양결제</a:t>
+            </a:r>
+            <a:endParaRPr lang="ko-KR" altLang="en-US" sz="1600" dirty="0"/>
+          </a:p>
+        </p:txBody>
+      </p:sp>
+      <p:sp>
+        <p:nvSpPr>
+          <p:cNvPr id="20" name="TextBox 19"/>
+          <p:cNvSpPr txBox="1"/>
+          <p:nvPr/>
+        </p:nvSpPr>
+        <p:spPr>
+          <a:xfrm>
+            <a:off x="885586" y="1739098"/>
+            <a:ext cx="2207742" cy="246221"/>
+          </a:xfrm>
+          <a:prstGeom prst="rect">
+            <a:avLst/>
+          </a:prstGeom>
+          <a:noFill/>
+        </p:spPr>
+        <p:txBody>
+          <a:bodyPr wrap="square" rtlCol="0">
+            <a:spAutoFit/>
+          </a:bodyPr>
+          <a:lstStyle/>
+          <a:p>
+            <a:r>
+              <a:rPr lang="ko-KR" altLang="en-US" sz="1000" dirty="0" smtClean="0"/>
+              <a:t>로고</a:t>
+            </a:r>
+            <a:endParaRPr lang="ko-KR" altLang="en-US" sz="1000" dirty="0"/>
+          </a:p>
+        </p:txBody>
+      </p:sp>
+      <p:sp>
+        <p:nvSpPr>
+          <p:cNvPr id="6" name="직사각형 5"/>
+          <p:cNvSpPr/>
+          <p:nvPr/>
+        </p:nvSpPr>
+        <p:spPr>
+          <a:xfrm>
+            <a:off x="1004757" y="2629769"/>
+            <a:ext cx="3591697" cy="3237470"/>
+          </a:xfrm>
+          <a:prstGeom prst="rect">
+            <a:avLst/>
+          </a:prstGeom>
+          <a:solidFill>
+            <a:schemeClr val="bg1"/>
+          </a:solidFill>
+          <a:ln>
+            <a:solidFill>
+              <a:schemeClr val="tx2">
+                <a:lumMod val="50000"/>
+              </a:schemeClr>
+            </a:solidFill>
+          </a:ln>
+        </p:spPr>
+        <p:style>
+          <a:lnRef idx="2">
+            <a:schemeClr val="accent1">
+              <a:shade val="50000"/>
+            </a:schemeClr>
+          </a:lnRef>
+          <a:fillRef idx="1">
+            <a:schemeClr val="accent1"/>
+          </a:fillRef>
+          <a:effectRef idx="0">
+            <a:schemeClr val="accent1"/>
+          </a:effectRef>
+          <a:fontRef idx="minor">
+            <a:schemeClr val="lt1"/>
+          </a:fontRef>
+        </p:style>
+        <p:txBody>
+          <a:bodyPr rtlCol="0" anchor="ctr"/>
+          <a:lstStyle/>
+          <a:p>
+            <a:pPr algn="ctr"/>
+            <a:r>
+              <a:rPr lang="ko-KR" altLang="en-US" dirty="0" smtClean="0">
+                <a:solidFill>
+                  <a:srgbClr val="FF0000"/>
+                </a:solidFill>
+              </a:rPr>
+              <a:t>상품 홍보</a:t>
+            </a:r>
+            <a:endParaRPr lang="ko-KR" altLang="en-US" dirty="0">
+              <a:solidFill>
+                <a:srgbClr val="FF0000"/>
+              </a:solidFill>
+            </a:endParaRPr>
+          </a:p>
+        </p:txBody>
+      </p:sp>
+      <p:sp>
+        <p:nvSpPr>
+          <p:cNvPr id="21" name="직사각형 20"/>
+          <p:cNvSpPr/>
+          <p:nvPr/>
+        </p:nvSpPr>
+        <p:spPr>
+          <a:xfrm>
+            <a:off x="4793549" y="2629769"/>
+            <a:ext cx="1563270" cy="1487895"/>
+          </a:xfrm>
+          <a:prstGeom prst="rect">
+            <a:avLst/>
+          </a:prstGeom>
+          <a:solidFill>
+            <a:schemeClr val="bg1"/>
+          </a:solidFill>
+          <a:ln>
+            <a:solidFill>
+              <a:schemeClr val="tx2">
+                <a:lumMod val="50000"/>
+              </a:schemeClr>
+            </a:solidFill>
+          </a:ln>
+        </p:spPr>
+        <p:style>
+          <a:lnRef idx="2">
+            <a:schemeClr val="accent1">
+              <a:shade val="50000"/>
+            </a:schemeClr>
+          </a:lnRef>
+          <a:fillRef idx="1">
+            <a:schemeClr val="accent1"/>
+          </a:fillRef>
+          <a:effectRef idx="0">
+            <a:schemeClr val="accent1"/>
+          </a:effectRef>
+          <a:fontRef idx="minor">
+            <a:schemeClr val="lt1"/>
+          </a:fontRef>
+        </p:style>
+        <p:txBody>
+          <a:bodyPr rtlCol="0" anchor="ctr"/>
+          <a:lstStyle/>
+          <a:p>
+            <a:pPr algn="ctr"/>
+            <a:r>
+              <a:rPr lang="en-US" altLang="ko-KR" dirty="0" smtClean="0">
+                <a:solidFill>
+                  <a:schemeClr val="tx1"/>
+                </a:solidFill>
+              </a:rPr>
+              <a:t>AS </a:t>
+            </a:r>
+            <a:r>
+              <a:rPr lang="ko-KR" altLang="en-US" dirty="0" smtClean="0">
+                <a:solidFill>
+                  <a:schemeClr val="tx1"/>
+                </a:solidFill>
+              </a:rPr>
+              <a:t>정책</a:t>
+            </a:r>
+            <a:endParaRPr lang="ko-KR" altLang="en-US" dirty="0">
+              <a:solidFill>
+                <a:schemeClr val="tx1"/>
+              </a:solidFill>
+            </a:endParaRPr>
+          </a:p>
+        </p:txBody>
+      </p:sp>
+      <p:sp>
+        <p:nvSpPr>
+          <p:cNvPr id="23" name="직사각형 22"/>
+          <p:cNvSpPr/>
+          <p:nvPr/>
+        </p:nvSpPr>
+        <p:spPr>
+          <a:xfrm>
+            <a:off x="4793549" y="4282749"/>
+            <a:ext cx="1563270" cy="1581341"/>
+          </a:xfrm>
+          <a:prstGeom prst="rect">
+            <a:avLst/>
+          </a:prstGeom>
+          <a:solidFill>
+            <a:schemeClr val="bg1"/>
+          </a:solidFill>
+          <a:ln>
+            <a:solidFill>
+              <a:schemeClr val="tx2">
+                <a:lumMod val="50000"/>
+              </a:schemeClr>
+            </a:solidFill>
+          </a:ln>
+        </p:spPr>
+        <p:style>
+          <a:lnRef idx="2">
+            <a:schemeClr val="accent1">
+              <a:shade val="50000"/>
+            </a:schemeClr>
+          </a:lnRef>
+          <a:fillRef idx="1">
+            <a:schemeClr val="accent1"/>
+          </a:fillRef>
+          <a:effectRef idx="0">
+            <a:schemeClr val="accent1"/>
+          </a:effectRef>
+          <a:fontRef idx="minor">
+            <a:schemeClr val="lt1"/>
+          </a:fontRef>
+        </p:style>
+        <p:txBody>
+          <a:bodyPr rtlCol="0" anchor="ctr"/>
+          <a:lstStyle/>
+          <a:p>
+            <a:pPr algn="ctr"/>
+            <a:r>
+              <a:rPr lang="ko-KR" altLang="en-US" dirty="0" smtClean="0">
+                <a:solidFill>
+                  <a:schemeClr val="tx1"/>
+                </a:solidFill>
+              </a:rPr>
+              <a:t>배송정책</a:t>
+            </a:r>
+            <a:endParaRPr lang="ko-KR" altLang="en-US" dirty="0">
+              <a:solidFill>
+                <a:schemeClr val="tx1"/>
+              </a:solidFill>
+            </a:endParaRPr>
+          </a:p>
+        </p:txBody>
+      </p:sp>
+      <p:sp>
+        <p:nvSpPr>
+          <p:cNvPr id="24" name="직사각형 23"/>
+          <p:cNvSpPr/>
+          <p:nvPr/>
+        </p:nvSpPr>
+        <p:spPr>
+          <a:xfrm>
+            <a:off x="6570199" y="2629769"/>
+            <a:ext cx="1563270" cy="1487895"/>
+          </a:xfrm>
+          <a:prstGeom prst="rect">
+            <a:avLst/>
+          </a:prstGeom>
+          <a:solidFill>
+            <a:schemeClr val="bg1"/>
+          </a:solidFill>
+          <a:ln>
+            <a:solidFill>
+              <a:schemeClr val="tx2">
+                <a:lumMod val="50000"/>
+              </a:schemeClr>
+            </a:solidFill>
+          </a:ln>
+        </p:spPr>
+        <p:style>
+          <a:lnRef idx="2">
+            <a:schemeClr val="accent1">
+              <a:shade val="50000"/>
+            </a:schemeClr>
+          </a:lnRef>
+          <a:fillRef idx="1">
+            <a:schemeClr val="accent1"/>
+          </a:fillRef>
+          <a:effectRef idx="0">
+            <a:schemeClr val="accent1"/>
+          </a:effectRef>
+          <a:fontRef idx="minor">
+            <a:schemeClr val="lt1"/>
+          </a:fontRef>
+        </p:style>
+        <p:txBody>
+          <a:bodyPr rtlCol="0" anchor="ctr"/>
+          <a:lstStyle/>
+          <a:p>
+            <a:pPr algn="ctr"/>
+            <a:r>
+              <a:rPr lang="ko-KR" altLang="en-US" dirty="0" smtClean="0">
+                <a:solidFill>
+                  <a:schemeClr val="tx1"/>
+                </a:solidFill>
+              </a:rPr>
+              <a:t>제작과정</a:t>
+            </a:r>
+            <a:endParaRPr lang="ko-KR" altLang="en-US" dirty="0">
+              <a:solidFill>
+                <a:schemeClr val="tx1"/>
+              </a:solidFill>
+            </a:endParaRPr>
+          </a:p>
+        </p:txBody>
+      </p:sp>
+      <p:sp>
+        <p:nvSpPr>
+          <p:cNvPr id="25" name="직사각형 24"/>
+          <p:cNvSpPr/>
+          <p:nvPr/>
+        </p:nvSpPr>
+        <p:spPr>
+          <a:xfrm>
+            <a:off x="6570199" y="4274996"/>
+            <a:ext cx="1563270" cy="1581341"/>
+          </a:xfrm>
+          <a:prstGeom prst="rect">
+            <a:avLst/>
+          </a:prstGeom>
+          <a:solidFill>
+            <a:schemeClr val="bg1"/>
+          </a:solidFill>
+          <a:ln>
+            <a:solidFill>
+              <a:schemeClr val="tx2">
+                <a:lumMod val="50000"/>
+              </a:schemeClr>
+            </a:solidFill>
+          </a:ln>
+        </p:spPr>
+        <p:style>
+          <a:lnRef idx="2">
+            <a:schemeClr val="accent1">
+              <a:shade val="50000"/>
+            </a:schemeClr>
+          </a:lnRef>
+          <a:fillRef idx="1">
+            <a:schemeClr val="accent1"/>
+          </a:fillRef>
+          <a:effectRef idx="0">
+            <a:schemeClr val="accent1"/>
+          </a:effectRef>
+          <a:fontRef idx="minor">
+            <a:schemeClr val="lt1"/>
+          </a:fontRef>
+        </p:style>
+        <p:txBody>
+          <a:bodyPr rtlCol="0" anchor="ctr"/>
+          <a:lstStyle/>
+          <a:p>
+            <a:pPr algn="ctr"/>
+            <a:r>
+              <a:rPr lang="ko-KR" altLang="en-US" dirty="0" smtClean="0">
+                <a:solidFill>
+                  <a:schemeClr val="tx1"/>
+                </a:solidFill>
+              </a:rPr>
+              <a:t>사양변경</a:t>
+            </a:r>
+            <a:endParaRPr lang="ko-KR" altLang="en-US" dirty="0">
+              <a:solidFill>
+                <a:schemeClr val="tx1"/>
+              </a:solidFill>
+            </a:endParaRPr>
+          </a:p>
+        </p:txBody>
+      </p:sp>
+      <p:cxnSp>
+        <p:nvCxnSpPr>
+          <p:cNvPr id="8" name="직선 연결선 7"/>
+          <p:cNvCxnSpPr/>
+          <p:nvPr/>
+        </p:nvCxnSpPr>
+        <p:spPr>
+          <a:xfrm>
+            <a:off x="777269" y="2517203"/>
+            <a:ext cx="7551188" cy="0"/>
+          </a:xfrm>
+          <a:prstGeom prst="line">
+            <a:avLst/>
+          </a:prstGeom>
+          <a:ln>
+            <a:solidFill>
+              <a:schemeClr val="tx1">
+                <a:lumMod val="95000"/>
+                <a:lumOff val="5000"/>
+              </a:schemeClr>
+            </a:solidFill>
+          </a:ln>
+        </p:spPr>
+        <p:style>
+          <a:lnRef idx="1">
+            <a:schemeClr val="accent1"/>
+          </a:lnRef>
+          <a:fillRef idx="0">
+            <a:schemeClr val="accent1"/>
+          </a:fillRef>
+          <a:effectRef idx="0">
+            <a:schemeClr val="accent1"/>
+          </a:effectRef>
+          <a:fontRef idx="minor">
+            <a:schemeClr val="tx1"/>
+          </a:fontRef>
+        </p:style>
+      </p:cxnSp>
+      <p:sp>
+        <p:nvSpPr>
+          <p:cNvPr id="28" name="TextBox 27"/>
+          <p:cNvSpPr txBox="1"/>
+          <p:nvPr/>
+        </p:nvSpPr>
+        <p:spPr>
+          <a:xfrm>
+            <a:off x="5494638" y="1738640"/>
+            <a:ext cx="2833819" cy="246221"/>
+          </a:xfrm>
+          <a:prstGeom prst="rect">
+            <a:avLst/>
+          </a:prstGeom>
+          <a:noFill/>
+        </p:spPr>
+        <p:txBody>
+          <a:bodyPr wrap="square" rtlCol="0">
+            <a:spAutoFit/>
+          </a:bodyPr>
+          <a:lstStyle/>
+          <a:p>
+            <a:pPr algn="r"/>
+            <a:r>
+              <a:rPr lang="ko-KR" altLang="en-US" sz="1000" dirty="0" smtClean="0"/>
+              <a:t>로그인   고객센터</a:t>
+            </a:r>
+            <a:endParaRPr lang="ko-KR" altLang="en-US" sz="1000" dirty="0"/>
+          </a:p>
+        </p:txBody>
+      </p:sp>
+      <p:sp>
+        <p:nvSpPr>
+          <p:cNvPr id="10" name="TextBox 9"/>
+          <p:cNvSpPr txBox="1"/>
+          <p:nvPr/>
+        </p:nvSpPr>
+        <p:spPr>
+          <a:xfrm>
+            <a:off x="777269" y="1243914"/>
+            <a:ext cx="2847380" cy="369332"/>
+          </a:xfrm>
+          <a:prstGeom prst="rect">
+            <a:avLst/>
+          </a:prstGeom>
+          <a:noFill/>
+        </p:spPr>
+        <p:txBody>
+          <a:bodyPr wrap="square" rtlCol="0">
+            <a:spAutoFit/>
+          </a:bodyPr>
+          <a:lstStyle/>
+          <a:p>
+            <a:r>
+              <a:rPr lang="ko-KR" altLang="en-US" dirty="0" err="1" smtClean="0"/>
+              <a:t>메인페이지</a:t>
+            </a:r>
+            <a:r>
+              <a:rPr lang="ko-KR" altLang="en-US" dirty="0" smtClean="0"/>
+              <a:t> </a:t>
+            </a:r>
+            <a:r>
+              <a:rPr lang="en-US" altLang="ko-KR" dirty="0" smtClean="0"/>
+              <a:t>– </a:t>
+            </a:r>
+            <a:r>
+              <a:rPr lang="ko-KR" altLang="en-US" dirty="0" smtClean="0"/>
+              <a:t>로그인 전</a:t>
+            </a:r>
+            <a:endParaRPr lang="ko-KR" altLang="en-US" dirty="0"/>
+          </a:p>
+        </p:txBody>
+      </p:sp>
+    </p:spTree>
+    <p:extLst>
+      <p:ext uri="{BB962C8B-B14F-4D97-AF65-F5344CB8AC3E}">
+        <p14:creationId xmlns:p14="http://schemas.microsoft.com/office/powerpoint/2010/main" val="62756394"/>
+      </p:ext>
+    </p:extLst>
+  </p:cSld>
+  <p:clrMapOvr>
+    <a:masterClrMapping/>
+  </p:clrMapOvr>
+</p:sld>
+</file>
+
+<file path=ppt/slides/slide15.xml><?xml version="1.0" encoding="utf-8"?>
+<p:sld xmlns:a="http://schemas.openxmlformats.org/drawingml/2006/main" xmlns:r="http://schemas.openxmlformats.org/officeDocument/2006/relationships" xmlns:p="http://schemas.openxmlformats.org/presentationml/2006/main">
+  <p:cSld>
+    <p:spTree>
+      <p:nvGrpSpPr>
+        <p:cNvPr id="1" name=""/>
+        <p:cNvGrpSpPr/>
+        <p:nvPr/>
+      </p:nvGrpSpPr>
+      <p:grpSpPr>
+        <a:xfrm>
+          <a:off x="0" y="0"/>
+          <a:ext cx="0" cy="0"/>
+          <a:chOff x="0" y="0"/>
+          <a:chExt cx="0" cy="0"/>
+        </a:xfrm>
+      </p:grpSpPr>
+      <p:grpSp>
+        <p:nvGrpSpPr>
+          <p:cNvPr id="4" name="그룹 3"/>
+          <p:cNvGrpSpPr/>
+          <p:nvPr/>
+        </p:nvGrpSpPr>
+        <p:grpSpPr>
+          <a:xfrm>
+            <a:off x="152400" y="83680"/>
+            <a:ext cx="11903770" cy="6774320"/>
+            <a:chOff x="152400" y="83680"/>
+            <a:chExt cx="11903770" cy="6774320"/>
+          </a:xfrm>
+        </p:grpSpPr>
+        <p:sp>
+          <p:nvSpPr>
+            <p:cNvPr id="68" name="양쪽 모서리가 둥근 사각형 67"/>
+            <p:cNvSpPr/>
+            <p:nvPr/>
+          </p:nvSpPr>
+          <p:spPr>
+            <a:xfrm>
+              <a:off x="338203" y="83680"/>
+              <a:ext cx="11548997" cy="6482219"/>
+            </a:xfrm>
+            <a:prstGeom prst="round2SameRect">
+              <a:avLst>
+                <a:gd name="adj1" fmla="val 4566"/>
+                <a:gd name="adj2" fmla="val 0"/>
+              </a:avLst>
+            </a:prstGeom>
+            <a:pattFill prst="ltDnDiag">
+              <a:fgClr>
+                <a:schemeClr val="bg1">
+                  <a:lumMod val="75000"/>
+                </a:schemeClr>
+              </a:fgClr>
+              <a:bgClr>
+                <a:schemeClr val="bg1">
+                  <a:lumMod val="95000"/>
+                </a:schemeClr>
+              </a:bgClr>
+            </a:pattFill>
+            <a:ln w="28575">
+              <a:solidFill>
+                <a:schemeClr val="bg1">
+                  <a:lumMod val="50000"/>
+                </a:schemeClr>
+              </a:solidFill>
+            </a:ln>
+          </p:spPr>
+          <p:style>
+            <a:lnRef idx="2">
+              <a:schemeClr val="accent1">
+                <a:shade val="50000"/>
+              </a:schemeClr>
+            </a:lnRef>
+            <a:fillRef idx="1">
+              <a:schemeClr val="accent1"/>
+            </a:fillRef>
+            <a:effectRef idx="0">
+              <a:schemeClr val="accent1"/>
+            </a:effectRef>
+            <a:fontRef idx="minor">
+              <a:schemeClr val="lt1"/>
+            </a:fontRef>
+          </p:style>
+          <p:txBody>
+            <a:bodyPr rtlCol="0" anchor="ctr"/>
+            <a:lstStyle/>
+            <a:p>
+              <a:pPr algn="ctr"/>
+              <a:endParaRPr lang="ko-KR" altLang="en-US"/>
+            </a:p>
+          </p:txBody>
+        </p:sp>
+        <p:sp>
+          <p:nvSpPr>
+            <p:cNvPr id="69" name="양쪽 모서리가 둥근 사각형 68"/>
+            <p:cNvSpPr/>
+            <p:nvPr/>
+          </p:nvSpPr>
+          <p:spPr>
+            <a:xfrm>
+              <a:off x="524266" y="241300"/>
+              <a:ext cx="11176871" cy="6133424"/>
+            </a:xfrm>
+            <a:prstGeom prst="round2SameRect">
+              <a:avLst>
+                <a:gd name="adj1" fmla="val 3284"/>
+                <a:gd name="adj2" fmla="val 0"/>
+              </a:avLst>
+            </a:prstGeom>
+            <a:solidFill>
+              <a:schemeClr val="bg1"/>
+            </a:solidFill>
+            <a:ln w="19050">
+              <a:solidFill>
+                <a:schemeClr val="bg1">
+                  <a:lumMod val="50000"/>
+                </a:schemeClr>
+              </a:solidFill>
+            </a:ln>
+          </p:spPr>
+          <p:style>
+            <a:lnRef idx="2">
+              <a:schemeClr val="accent1">
+                <a:shade val="50000"/>
+              </a:schemeClr>
+            </a:lnRef>
+            <a:fillRef idx="1">
+              <a:schemeClr val="accent1"/>
+            </a:fillRef>
+            <a:effectRef idx="0">
+              <a:schemeClr val="accent1"/>
+            </a:effectRef>
+            <a:fontRef idx="minor">
+              <a:schemeClr val="lt1"/>
+            </a:fontRef>
+          </p:style>
+          <p:txBody>
+            <a:bodyPr rtlCol="0" anchor="ctr"/>
+            <a:lstStyle/>
+            <a:p>
+              <a:pPr algn="ctr"/>
+              <a:endParaRPr lang="ko-KR" altLang="en-US"/>
+            </a:p>
+          </p:txBody>
+        </p:sp>
+        <p:sp>
+          <p:nvSpPr>
+            <p:cNvPr id="84" name="양쪽 모서리가 둥근 사각형 83"/>
+            <p:cNvSpPr/>
+            <p:nvPr/>
+          </p:nvSpPr>
+          <p:spPr>
+            <a:xfrm rot="16200000">
+              <a:off x="1176083" y="5641873"/>
+              <a:ext cx="108000" cy="1798840"/>
+            </a:xfrm>
+            <a:prstGeom prst="round2SameRect">
+              <a:avLst>
+                <a:gd name="adj1" fmla="val 19304"/>
+                <a:gd name="adj2" fmla="val 0"/>
+              </a:avLst>
+            </a:prstGeom>
+            <a:gradFill flip="none" rotWithShape="1">
+              <a:gsLst>
+                <a:gs pos="17000">
+                  <a:schemeClr val="bg1">
+                    <a:lumMod val="50000"/>
+                  </a:schemeClr>
+                </a:gs>
+                <a:gs pos="59000">
+                  <a:schemeClr val="bg1">
+                    <a:shade val="100000"/>
+                    <a:satMod val="115000"/>
+                  </a:schemeClr>
+                </a:gs>
+              </a:gsLst>
+              <a:lin ang="0" scaled="1"/>
+              <a:tileRect/>
+            </a:gradFill>
+            <a:ln w="19050">
+              <a:solidFill>
+                <a:schemeClr val="bg1">
+                  <a:lumMod val="50000"/>
+                </a:schemeClr>
+              </a:solidFill>
+            </a:ln>
+          </p:spPr>
+          <p:style>
+            <a:lnRef idx="2">
+              <a:schemeClr val="accent1">
+                <a:shade val="50000"/>
+              </a:schemeClr>
+            </a:lnRef>
+            <a:fillRef idx="1">
+              <a:schemeClr val="accent1"/>
+            </a:fillRef>
+            <a:effectRef idx="0">
+              <a:schemeClr val="accent1"/>
+            </a:effectRef>
+            <a:fontRef idx="minor">
+              <a:schemeClr val="lt1"/>
+            </a:fontRef>
+          </p:style>
+          <p:txBody>
+            <a:bodyPr rtlCol="0" anchor="ctr"/>
+            <a:lstStyle/>
+            <a:p>
+              <a:pPr algn="ctr"/>
+              <a:endParaRPr lang="ko-KR" altLang="en-US">
+                <a:solidFill>
+                  <a:prstClr val="white"/>
+                </a:solidFill>
+              </a:endParaRPr>
+            </a:p>
+          </p:txBody>
+        </p:sp>
+        <p:sp>
+          <p:nvSpPr>
+            <p:cNvPr id="85" name="양쪽 모서리가 둥근 사각형 84"/>
+            <p:cNvSpPr/>
+            <p:nvPr/>
+          </p:nvSpPr>
+          <p:spPr>
+            <a:xfrm rot="5400000" flipH="1">
+              <a:off x="10930593" y="5641871"/>
+              <a:ext cx="108000" cy="1798840"/>
+            </a:xfrm>
+            <a:prstGeom prst="round2SameRect">
+              <a:avLst>
+                <a:gd name="adj1" fmla="val 19304"/>
+                <a:gd name="adj2" fmla="val 0"/>
+              </a:avLst>
+            </a:prstGeom>
+            <a:gradFill flip="none" rotWithShape="1">
+              <a:gsLst>
+                <a:gs pos="17000">
+                  <a:schemeClr val="bg1">
+                    <a:lumMod val="50000"/>
+                  </a:schemeClr>
+                </a:gs>
+                <a:gs pos="59000">
+                  <a:schemeClr val="bg1">
+                    <a:shade val="100000"/>
+                    <a:satMod val="115000"/>
+                  </a:schemeClr>
+                </a:gs>
+              </a:gsLst>
+              <a:lin ang="0" scaled="1"/>
+              <a:tileRect/>
+            </a:gradFill>
+            <a:ln w="19050">
+              <a:solidFill>
+                <a:schemeClr val="bg1">
+                  <a:lumMod val="50000"/>
+                </a:schemeClr>
+              </a:solidFill>
+            </a:ln>
+          </p:spPr>
+          <p:style>
+            <a:lnRef idx="2">
+              <a:schemeClr val="accent1">
+                <a:shade val="50000"/>
+              </a:schemeClr>
+            </a:lnRef>
+            <a:fillRef idx="1">
+              <a:schemeClr val="accent1"/>
+            </a:fillRef>
+            <a:effectRef idx="0">
+              <a:schemeClr val="accent1"/>
+            </a:effectRef>
+            <a:fontRef idx="minor">
+              <a:schemeClr val="lt1"/>
+            </a:fontRef>
+          </p:style>
+          <p:txBody>
+            <a:bodyPr rtlCol="0" anchor="ctr"/>
+            <a:lstStyle/>
+            <a:p>
+              <a:pPr algn="ctr"/>
+              <a:endParaRPr lang="ko-KR" altLang="en-US">
+                <a:solidFill>
+                  <a:prstClr val="white"/>
+                </a:solidFill>
+              </a:endParaRPr>
+            </a:p>
+          </p:txBody>
+        </p:sp>
+        <p:sp>
+          <p:nvSpPr>
+            <p:cNvPr id="86" name="양쪽 모서리가 둥근 사각형 85"/>
+            <p:cNvSpPr/>
+            <p:nvPr/>
+          </p:nvSpPr>
+          <p:spPr>
+            <a:xfrm rot="16200000">
+              <a:off x="6053339" y="2563457"/>
+              <a:ext cx="108000" cy="7955668"/>
+            </a:xfrm>
+            <a:prstGeom prst="round2SameRect">
+              <a:avLst>
+                <a:gd name="adj1" fmla="val 0"/>
+                <a:gd name="adj2" fmla="val 0"/>
+              </a:avLst>
+            </a:prstGeom>
+            <a:gradFill flip="none" rotWithShape="1">
+              <a:gsLst>
+                <a:gs pos="17000">
+                  <a:schemeClr val="bg1">
+                    <a:lumMod val="50000"/>
+                  </a:schemeClr>
+                </a:gs>
+                <a:gs pos="59000">
+                  <a:schemeClr val="bg1">
+                    <a:shade val="100000"/>
+                    <a:satMod val="115000"/>
+                  </a:schemeClr>
+                </a:gs>
+              </a:gsLst>
+              <a:lin ang="0" scaled="1"/>
+              <a:tileRect/>
+            </a:gradFill>
+            <a:ln w="19050">
+              <a:solidFill>
+                <a:schemeClr val="bg1">
+                  <a:lumMod val="50000"/>
+                </a:schemeClr>
+              </a:solidFill>
+            </a:ln>
+          </p:spPr>
+          <p:style>
+            <a:lnRef idx="2">
+              <a:schemeClr val="accent1">
+                <a:shade val="50000"/>
+              </a:schemeClr>
+            </a:lnRef>
+            <a:fillRef idx="1">
+              <a:schemeClr val="accent1"/>
+            </a:fillRef>
+            <a:effectRef idx="0">
+              <a:schemeClr val="accent1"/>
+            </a:effectRef>
+            <a:fontRef idx="minor">
+              <a:schemeClr val="lt1"/>
+            </a:fontRef>
+          </p:style>
+          <p:txBody>
+            <a:bodyPr rtlCol="0" anchor="ctr"/>
+            <a:lstStyle/>
+            <a:p>
+              <a:pPr algn="ctr"/>
+              <a:endParaRPr lang="ko-KR" altLang="en-US">
+                <a:solidFill>
+                  <a:prstClr val="white"/>
+                </a:solidFill>
+              </a:endParaRPr>
+            </a:p>
+          </p:txBody>
+        </p:sp>
+        <p:sp>
+          <p:nvSpPr>
+            <p:cNvPr id="14" name="자유형 13"/>
+            <p:cNvSpPr/>
+            <p:nvPr/>
+          </p:nvSpPr>
+          <p:spPr>
+            <a:xfrm>
+              <a:off x="158507" y="6590451"/>
+              <a:ext cx="11897663" cy="267549"/>
+            </a:xfrm>
+            <a:custGeom>
+              <a:avLst/>
+              <a:gdLst>
+                <a:gd name="connsiteX0" fmla="*/ 195955 w 11897663"/>
+                <a:gd name="connsiteY0" fmla="*/ 0 h 267549"/>
+                <a:gd name="connsiteX1" fmla="*/ 11701708 w 11897663"/>
+                <a:gd name="connsiteY1" fmla="*/ 0 h 267549"/>
+                <a:gd name="connsiteX2" fmla="*/ 11897663 w 11897663"/>
+                <a:gd name="connsiteY2" fmla="*/ 267549 h 267549"/>
+                <a:gd name="connsiteX3" fmla="*/ 0 w 11897663"/>
+                <a:gd name="connsiteY3" fmla="*/ 267549 h 267549"/>
+              </a:gdLst>
+              <a:ahLst/>
+              <a:cxnLst>
+                <a:cxn ang="0">
+                  <a:pos x="connsiteX0" y="connsiteY0"/>
+                </a:cxn>
+                <a:cxn ang="0">
+                  <a:pos x="connsiteX1" y="connsiteY1"/>
+                </a:cxn>
+                <a:cxn ang="0">
+                  <a:pos x="connsiteX2" y="connsiteY2"/>
+                </a:cxn>
+                <a:cxn ang="0">
+                  <a:pos x="connsiteX3" y="connsiteY3"/>
+                </a:cxn>
+              </a:cxnLst>
+              <a:rect l="l" t="t" r="r" b="b"/>
+              <a:pathLst>
+                <a:path w="11897663" h="267549">
+                  <a:moveTo>
+                    <a:pt x="195955" y="0"/>
+                  </a:moveTo>
+                  <a:lnTo>
+                    <a:pt x="11701708" y="0"/>
+                  </a:lnTo>
+                  <a:lnTo>
+                    <a:pt x="11897663" y="267549"/>
+                  </a:lnTo>
+                  <a:lnTo>
+                    <a:pt x="0" y="267549"/>
+                  </a:lnTo>
+                  <a:close/>
+                </a:path>
+              </a:pathLst>
+            </a:custGeom>
+            <a:solidFill>
+              <a:schemeClr val="bg1"/>
+            </a:solidFill>
+            <a:ln w="19050">
+              <a:solidFill>
+                <a:schemeClr val="bg1">
+                  <a:lumMod val="50000"/>
+                </a:schemeClr>
+              </a:solidFill>
+            </a:ln>
+          </p:spPr>
+          <p:style>
+            <a:lnRef idx="2">
+              <a:schemeClr val="accent1">
+                <a:shade val="50000"/>
+              </a:schemeClr>
+            </a:lnRef>
+            <a:fillRef idx="1">
+              <a:schemeClr val="accent1"/>
+            </a:fillRef>
+            <a:effectRef idx="0">
+              <a:schemeClr val="accent1"/>
+            </a:effectRef>
+            <a:fontRef idx="minor">
+              <a:schemeClr val="lt1"/>
+            </a:fontRef>
+          </p:style>
+          <p:txBody>
+            <a:bodyPr wrap="square" rtlCol="0" anchor="ctr">
+              <a:noAutofit/>
+            </a:bodyPr>
+            <a:lstStyle/>
+            <a:p>
+              <a:pPr algn="ctr"/>
+              <a:endParaRPr lang="ko-KR" altLang="en-US">
+                <a:solidFill>
+                  <a:prstClr val="white"/>
+                </a:solidFill>
+              </a:endParaRPr>
+            </a:p>
+          </p:txBody>
+        </p:sp>
+        <p:sp>
+          <p:nvSpPr>
+            <p:cNvPr id="26" name="자유형 25"/>
+            <p:cNvSpPr/>
+            <p:nvPr/>
+          </p:nvSpPr>
+          <p:spPr>
+            <a:xfrm>
+              <a:off x="152400" y="6565900"/>
+              <a:ext cx="11750381" cy="292100"/>
+            </a:xfrm>
+            <a:custGeom>
+              <a:avLst/>
+              <a:gdLst>
+                <a:gd name="connsiteX0" fmla="*/ 177800 w 11722100"/>
+                <a:gd name="connsiteY0" fmla="*/ 0 h 292100"/>
+                <a:gd name="connsiteX1" fmla="*/ 0 w 11722100"/>
+                <a:gd name="connsiteY1" fmla="*/ 292100 h 292100"/>
+                <a:gd name="connsiteX2" fmla="*/ 11722100 w 11722100"/>
+                <a:gd name="connsiteY2" fmla="*/ 50800 h 292100"/>
+                <a:gd name="connsiteX3" fmla="*/ 177800 w 11722100"/>
+                <a:gd name="connsiteY3" fmla="*/ 0 h 292100"/>
+                <a:gd name="connsiteX0" fmla="*/ 206081 w 11722100"/>
+                <a:gd name="connsiteY0" fmla="*/ 0 h 292100"/>
+                <a:gd name="connsiteX1" fmla="*/ 0 w 11722100"/>
+                <a:gd name="connsiteY1" fmla="*/ 292100 h 292100"/>
+                <a:gd name="connsiteX2" fmla="*/ 11722100 w 11722100"/>
+                <a:gd name="connsiteY2" fmla="*/ 50800 h 292100"/>
+                <a:gd name="connsiteX3" fmla="*/ 206081 w 11722100"/>
+                <a:gd name="connsiteY3" fmla="*/ 0 h 292100"/>
+                <a:gd name="connsiteX0" fmla="*/ 206081 w 11750381"/>
+                <a:gd name="connsiteY0" fmla="*/ 0 h 292100"/>
+                <a:gd name="connsiteX1" fmla="*/ 0 w 11750381"/>
+                <a:gd name="connsiteY1" fmla="*/ 292100 h 292100"/>
+                <a:gd name="connsiteX2" fmla="*/ 11750381 w 11750381"/>
+                <a:gd name="connsiteY2" fmla="*/ 31947 h 292100"/>
+                <a:gd name="connsiteX3" fmla="*/ 206081 w 11750381"/>
+                <a:gd name="connsiteY3" fmla="*/ 0 h 292100"/>
+              </a:gdLst>
+              <a:ahLst/>
+              <a:cxnLst>
+                <a:cxn ang="0">
+                  <a:pos x="connsiteX0" y="connsiteY0"/>
+                </a:cxn>
+                <a:cxn ang="0">
+                  <a:pos x="connsiteX1" y="connsiteY1"/>
+                </a:cxn>
+                <a:cxn ang="0">
+                  <a:pos x="connsiteX2" y="connsiteY2"/>
+                </a:cxn>
+                <a:cxn ang="0">
+                  <a:pos x="connsiteX3" y="connsiteY3"/>
+                </a:cxn>
+              </a:cxnLst>
+              <a:rect l="l" t="t" r="r" b="b"/>
+              <a:pathLst>
+                <a:path w="11750381" h="292100">
+                  <a:moveTo>
+                    <a:pt x="206081" y="0"/>
+                  </a:moveTo>
+                  <a:lnTo>
+                    <a:pt x="0" y="292100"/>
+                  </a:lnTo>
+                  <a:lnTo>
+                    <a:pt x="11750381" y="31947"/>
+                  </a:lnTo>
+                  <a:lnTo>
+                    <a:pt x="206081" y="0"/>
+                  </a:lnTo>
+                  <a:close/>
+                </a:path>
+              </a:pathLst>
+            </a:custGeom>
+            <a:solidFill>
+              <a:schemeClr val="tx1">
+                <a:alpha val="13000"/>
+              </a:schemeClr>
+            </a:solidFill>
+            <a:ln>
+              <a:noFill/>
+            </a:ln>
+          </p:spPr>
+          <p:style>
+            <a:lnRef idx="2">
+              <a:schemeClr val="accent1">
+                <a:shade val="50000"/>
+              </a:schemeClr>
+            </a:lnRef>
+            <a:fillRef idx="1">
+              <a:schemeClr val="accent1"/>
+            </a:fillRef>
+            <a:effectRef idx="0">
+              <a:schemeClr val="accent1"/>
+            </a:effectRef>
+            <a:fontRef idx="minor">
+              <a:schemeClr val="lt1"/>
+            </a:fontRef>
+          </p:style>
+          <p:txBody>
+            <a:bodyPr rtlCol="0" anchor="ctr"/>
+            <a:lstStyle/>
+            <a:p>
+              <a:pPr algn="ctr"/>
+              <a:endParaRPr lang="ko-KR" altLang="en-US"/>
+            </a:p>
+          </p:txBody>
+        </p:sp>
+        <p:sp>
+          <p:nvSpPr>
+            <p:cNvPr id="15" name="모서리가 둥근 직사각형 14"/>
+            <p:cNvSpPr/>
+            <p:nvPr/>
+          </p:nvSpPr>
+          <p:spPr>
+            <a:xfrm>
+              <a:off x="524266" y="6670585"/>
+              <a:ext cx="597524" cy="64121"/>
+            </a:xfrm>
+            <a:prstGeom prst="roundRect">
+              <a:avLst>
+                <a:gd name="adj" fmla="val 50000"/>
+              </a:avLst>
+            </a:prstGeom>
+            <a:solidFill>
+              <a:srgbClr val="00B0F0"/>
+            </a:solidFill>
+            <a:ln>
+              <a:solidFill>
+                <a:schemeClr val="bg1">
+                  <a:lumMod val="50000"/>
+                </a:schemeClr>
+              </a:solidFill>
+            </a:ln>
+          </p:spPr>
+          <p:style>
+            <a:lnRef idx="2">
+              <a:schemeClr val="accent1">
+                <a:shade val="50000"/>
+              </a:schemeClr>
+            </a:lnRef>
+            <a:fillRef idx="1">
+              <a:schemeClr val="accent1"/>
+            </a:fillRef>
+            <a:effectRef idx="0">
+              <a:schemeClr val="accent1"/>
+            </a:effectRef>
+            <a:fontRef idx="minor">
+              <a:schemeClr val="lt1"/>
+            </a:fontRef>
+          </p:style>
+          <p:txBody>
+            <a:bodyPr rtlCol="0" anchor="ctr"/>
+            <a:lstStyle/>
+            <a:p>
+              <a:pPr algn="ctr"/>
+              <a:endParaRPr lang="ko-KR" altLang="en-US"/>
+            </a:p>
+          </p:txBody>
+        </p:sp>
+      </p:grpSp>
+      <p:sp>
+        <p:nvSpPr>
+          <p:cNvPr id="82" name="직사각형 81"/>
+          <p:cNvSpPr/>
+          <p:nvPr/>
+        </p:nvSpPr>
+        <p:spPr>
+          <a:xfrm>
+            <a:off x="3353610" y="228600"/>
+            <a:ext cx="5484781" cy="655372"/>
+          </a:xfrm>
+          <a:prstGeom prst="rect">
+            <a:avLst/>
+          </a:prstGeom>
+        </p:spPr>
+        <p:txBody>
+          <a:bodyPr wrap="square">
+            <a:spAutoFit/>
+          </a:bodyPr>
+          <a:lstStyle/>
+          <a:p>
+            <a:pPr algn="ctr">
+              <a:lnSpc>
+                <a:spcPct val="150000"/>
+              </a:lnSpc>
+            </a:pPr>
+            <a:r>
+              <a:rPr lang="ko-KR" altLang="en-US" sz="2000" i="1" dirty="0">
+                <a:solidFill>
+                  <a:schemeClr val="bg1">
+                    <a:lumMod val="50000"/>
+                  </a:schemeClr>
+                </a:solidFill>
+              </a:rPr>
+              <a:t>화면구현 </a:t>
+            </a:r>
+            <a:r>
+              <a:rPr lang="en-US" altLang="ko-KR" sz="2800" b="1" i="1" dirty="0">
+                <a:solidFill>
+                  <a:schemeClr val="bg1">
+                    <a:lumMod val="50000"/>
+                  </a:schemeClr>
+                </a:solidFill>
+              </a:rPr>
+              <a:t>Implement Screen</a:t>
+            </a:r>
+          </a:p>
+        </p:txBody>
+      </p:sp>
+      <p:sp>
+        <p:nvSpPr>
+          <p:cNvPr id="3" name="직사각형 2"/>
+          <p:cNvSpPr/>
+          <p:nvPr/>
+        </p:nvSpPr>
+        <p:spPr>
+          <a:xfrm>
+            <a:off x="8602764" y="1664043"/>
+            <a:ext cx="2811968" cy="4423719"/>
+          </a:xfrm>
+          <a:prstGeom prst="rect">
+            <a:avLst/>
+          </a:prstGeom>
+          <a:solidFill>
+            <a:schemeClr val="bg1"/>
+          </a:solidFill>
+          <a:ln>
+            <a:solidFill>
+              <a:schemeClr val="tx1"/>
+            </a:solidFill>
+          </a:ln>
+        </p:spPr>
+        <p:style>
+          <a:lnRef idx="2">
+            <a:schemeClr val="accent1">
+              <a:shade val="50000"/>
+            </a:schemeClr>
+          </a:lnRef>
+          <a:fillRef idx="1">
+            <a:schemeClr val="accent1"/>
+          </a:fillRef>
+          <a:effectRef idx="0">
+            <a:schemeClr val="accent1"/>
+          </a:effectRef>
+          <a:fontRef idx="minor">
+            <a:schemeClr val="lt1"/>
+          </a:fontRef>
+        </p:style>
+        <p:txBody>
+          <a:bodyPr rtlCol="0" anchor="ctr"/>
+          <a:lstStyle/>
+          <a:p>
+            <a:pPr algn="ctr"/>
+            <a:endParaRPr lang="ko-KR" altLang="en-US"/>
+          </a:p>
+        </p:txBody>
+      </p:sp>
+      <p:sp>
+        <p:nvSpPr>
+          <p:cNvPr id="16" name="직사각형 15"/>
+          <p:cNvSpPr/>
+          <p:nvPr/>
+        </p:nvSpPr>
+        <p:spPr>
+          <a:xfrm>
+            <a:off x="777269" y="1664044"/>
+            <a:ext cx="7569580" cy="4423719"/>
+          </a:xfrm>
+          <a:prstGeom prst="rect">
+            <a:avLst/>
+          </a:prstGeom>
+          <a:solidFill>
+            <a:schemeClr val="bg1"/>
+          </a:solidFill>
+          <a:ln>
+            <a:solidFill>
+              <a:schemeClr val="tx1"/>
+            </a:solidFill>
+          </a:ln>
+        </p:spPr>
+        <p:style>
+          <a:lnRef idx="2">
+            <a:schemeClr val="accent1">
+              <a:shade val="50000"/>
+            </a:schemeClr>
+          </a:lnRef>
+          <a:fillRef idx="1">
+            <a:schemeClr val="accent1"/>
+          </a:fillRef>
+          <a:effectRef idx="0">
+            <a:schemeClr val="accent1"/>
+          </a:effectRef>
+          <a:fontRef idx="minor">
+            <a:schemeClr val="lt1"/>
+          </a:fontRef>
+        </p:style>
+        <p:txBody>
+          <a:bodyPr rtlCol="0" anchor="ctr"/>
+          <a:lstStyle/>
+          <a:p>
+            <a:pPr algn="ctr"/>
+            <a:endParaRPr lang="ko-KR" altLang="en-US"/>
+          </a:p>
+        </p:txBody>
+      </p:sp>
+      <p:sp>
+        <p:nvSpPr>
+          <p:cNvPr id="17" name="직사각형 16"/>
+          <p:cNvSpPr/>
+          <p:nvPr/>
+        </p:nvSpPr>
+        <p:spPr>
+          <a:xfrm>
+            <a:off x="777269" y="1664042"/>
+            <a:ext cx="7569580" cy="398177"/>
+          </a:xfrm>
+          <a:prstGeom prst="rect">
+            <a:avLst/>
+          </a:prstGeom>
+          <a:solidFill>
+            <a:schemeClr val="bg1"/>
+          </a:solidFill>
+          <a:ln>
+            <a:solidFill>
+              <a:schemeClr val="tx1"/>
+            </a:solidFill>
+          </a:ln>
+        </p:spPr>
+        <p:style>
+          <a:lnRef idx="2">
+            <a:schemeClr val="accent1">
+              <a:shade val="50000"/>
+            </a:schemeClr>
+          </a:lnRef>
+          <a:fillRef idx="1">
+            <a:schemeClr val="accent1"/>
+          </a:fillRef>
+          <a:effectRef idx="0">
+            <a:schemeClr val="accent1"/>
+          </a:effectRef>
+          <a:fontRef idx="minor">
+            <a:schemeClr val="lt1"/>
+          </a:fontRef>
+        </p:style>
+        <p:txBody>
+          <a:bodyPr rtlCol="0" anchor="ctr"/>
+          <a:lstStyle/>
+          <a:p>
+            <a:pPr algn="ctr"/>
+            <a:endParaRPr lang="ko-KR" altLang="en-US"/>
+          </a:p>
+        </p:txBody>
+      </p:sp>
+      <p:sp>
+        <p:nvSpPr>
+          <p:cNvPr id="18" name="TextBox 17"/>
+          <p:cNvSpPr txBox="1"/>
+          <p:nvPr/>
+        </p:nvSpPr>
+        <p:spPr>
+          <a:xfrm>
+            <a:off x="777269" y="2129221"/>
+            <a:ext cx="7569580" cy="338554"/>
+          </a:xfrm>
+          <a:prstGeom prst="rect">
+            <a:avLst/>
+          </a:prstGeom>
+          <a:noFill/>
+        </p:spPr>
+        <p:txBody>
+          <a:bodyPr wrap="square" rtlCol="0">
+            <a:spAutoFit/>
+          </a:bodyPr>
+          <a:lstStyle/>
+          <a:p>
+            <a:pPr algn="ctr"/>
+            <a:r>
+              <a:rPr lang="ko-KR" altLang="en-US" sz="1600" dirty="0" smtClean="0"/>
+              <a:t>조립컴퓨터               컴퓨터부품               </a:t>
+            </a:r>
+            <a:r>
+              <a:rPr lang="ko-KR" altLang="en-US" sz="1600" dirty="0" smtClean="0"/>
+              <a:t>견적문의              개인사양결제</a:t>
+            </a:r>
+            <a:endParaRPr lang="ko-KR" altLang="en-US" sz="1600" dirty="0"/>
+          </a:p>
+        </p:txBody>
+      </p:sp>
+      <p:sp>
+        <p:nvSpPr>
+          <p:cNvPr id="19" name="TextBox 18"/>
+          <p:cNvSpPr txBox="1"/>
+          <p:nvPr/>
+        </p:nvSpPr>
+        <p:spPr>
+          <a:xfrm>
+            <a:off x="5494638" y="1738640"/>
+            <a:ext cx="2833819" cy="246221"/>
+          </a:xfrm>
+          <a:prstGeom prst="rect">
+            <a:avLst/>
+          </a:prstGeom>
+          <a:noFill/>
+        </p:spPr>
+        <p:txBody>
+          <a:bodyPr wrap="square" rtlCol="0">
+            <a:spAutoFit/>
+          </a:bodyPr>
+          <a:lstStyle/>
+          <a:p>
+            <a:pPr algn="r"/>
+            <a:r>
+              <a:rPr lang="ko-KR" altLang="en-US" sz="1000" dirty="0" smtClean="0"/>
+              <a:t>로그아웃    장바구니    </a:t>
+            </a:r>
+            <a:r>
+              <a:rPr lang="ko-KR" altLang="en-US" sz="1000" dirty="0" err="1" smtClean="0"/>
+              <a:t>마이페이지</a:t>
+            </a:r>
+            <a:r>
+              <a:rPr lang="ko-KR" altLang="en-US" sz="1000" dirty="0" smtClean="0"/>
+              <a:t>   고객센터</a:t>
+            </a:r>
+            <a:endParaRPr lang="ko-KR" altLang="en-US" sz="1000" dirty="0"/>
+          </a:p>
+        </p:txBody>
+      </p:sp>
+      <p:sp>
+        <p:nvSpPr>
+          <p:cNvPr id="20" name="TextBox 19"/>
+          <p:cNvSpPr txBox="1"/>
+          <p:nvPr/>
+        </p:nvSpPr>
+        <p:spPr>
+          <a:xfrm>
+            <a:off x="885586" y="1739098"/>
+            <a:ext cx="2207742" cy="246221"/>
+          </a:xfrm>
+          <a:prstGeom prst="rect">
+            <a:avLst/>
+          </a:prstGeom>
+          <a:noFill/>
+        </p:spPr>
+        <p:txBody>
+          <a:bodyPr wrap="square" rtlCol="0">
+            <a:spAutoFit/>
+          </a:bodyPr>
+          <a:lstStyle/>
+          <a:p>
+            <a:r>
+              <a:rPr lang="ko-KR" altLang="en-US" sz="1000" dirty="0" smtClean="0"/>
+              <a:t>로고</a:t>
+            </a:r>
+            <a:endParaRPr lang="ko-KR" altLang="en-US" sz="1000" dirty="0"/>
+          </a:p>
+        </p:txBody>
+      </p:sp>
+      <p:sp>
+        <p:nvSpPr>
+          <p:cNvPr id="6" name="직사각형 5"/>
+          <p:cNvSpPr/>
+          <p:nvPr/>
+        </p:nvSpPr>
+        <p:spPr>
+          <a:xfrm>
+            <a:off x="1004757" y="2629769"/>
+            <a:ext cx="3591697" cy="3237470"/>
+          </a:xfrm>
+          <a:prstGeom prst="rect">
+            <a:avLst/>
+          </a:prstGeom>
+          <a:solidFill>
+            <a:schemeClr val="bg1"/>
+          </a:solidFill>
+          <a:ln>
+            <a:solidFill>
+              <a:schemeClr val="tx2">
+                <a:lumMod val="50000"/>
+              </a:schemeClr>
+            </a:solidFill>
+          </a:ln>
+        </p:spPr>
+        <p:style>
+          <a:lnRef idx="2">
+            <a:schemeClr val="accent1">
+              <a:shade val="50000"/>
+            </a:schemeClr>
+          </a:lnRef>
+          <a:fillRef idx="1">
+            <a:schemeClr val="accent1"/>
+          </a:fillRef>
+          <a:effectRef idx="0">
+            <a:schemeClr val="accent1"/>
+          </a:effectRef>
+          <a:fontRef idx="minor">
+            <a:schemeClr val="lt1"/>
+          </a:fontRef>
+        </p:style>
+        <p:txBody>
+          <a:bodyPr rtlCol="0" anchor="ctr"/>
+          <a:lstStyle/>
+          <a:p>
+            <a:pPr algn="ctr"/>
+            <a:r>
+              <a:rPr lang="ko-KR" altLang="en-US" dirty="0" smtClean="0">
+                <a:solidFill>
+                  <a:srgbClr val="FF0000"/>
+                </a:solidFill>
+              </a:rPr>
+              <a:t>상품 홍보</a:t>
+            </a:r>
+            <a:endParaRPr lang="ko-KR" altLang="en-US" dirty="0">
+              <a:solidFill>
+                <a:srgbClr val="FF0000"/>
+              </a:solidFill>
+            </a:endParaRPr>
+          </a:p>
+        </p:txBody>
+      </p:sp>
+      <p:sp>
+        <p:nvSpPr>
+          <p:cNvPr id="21" name="직사각형 20"/>
+          <p:cNvSpPr/>
+          <p:nvPr/>
+        </p:nvSpPr>
+        <p:spPr>
+          <a:xfrm>
+            <a:off x="4793549" y="2629769"/>
+            <a:ext cx="1563270" cy="1487895"/>
+          </a:xfrm>
+          <a:prstGeom prst="rect">
+            <a:avLst/>
+          </a:prstGeom>
+          <a:solidFill>
+            <a:schemeClr val="bg1"/>
+          </a:solidFill>
+          <a:ln>
+            <a:solidFill>
+              <a:schemeClr val="tx2">
+                <a:lumMod val="50000"/>
+              </a:schemeClr>
+            </a:solidFill>
+          </a:ln>
+        </p:spPr>
+        <p:style>
+          <a:lnRef idx="2">
+            <a:schemeClr val="accent1">
+              <a:shade val="50000"/>
+            </a:schemeClr>
+          </a:lnRef>
+          <a:fillRef idx="1">
+            <a:schemeClr val="accent1"/>
+          </a:fillRef>
+          <a:effectRef idx="0">
+            <a:schemeClr val="accent1"/>
+          </a:effectRef>
+          <a:fontRef idx="minor">
+            <a:schemeClr val="lt1"/>
+          </a:fontRef>
+        </p:style>
+        <p:txBody>
+          <a:bodyPr rtlCol="0" anchor="ctr"/>
+          <a:lstStyle/>
+          <a:p>
+            <a:pPr algn="ctr"/>
+            <a:r>
+              <a:rPr lang="en-US" altLang="ko-KR" dirty="0" smtClean="0">
+                <a:solidFill>
+                  <a:schemeClr val="tx1"/>
+                </a:solidFill>
+              </a:rPr>
+              <a:t>AS </a:t>
+            </a:r>
+            <a:r>
+              <a:rPr lang="ko-KR" altLang="en-US" dirty="0" smtClean="0">
+                <a:solidFill>
+                  <a:schemeClr val="tx1"/>
+                </a:solidFill>
+              </a:rPr>
+              <a:t>정책</a:t>
+            </a:r>
+            <a:endParaRPr lang="ko-KR" altLang="en-US" dirty="0">
+              <a:solidFill>
+                <a:schemeClr val="tx1"/>
+              </a:solidFill>
+            </a:endParaRPr>
+          </a:p>
+        </p:txBody>
+      </p:sp>
+      <p:sp>
+        <p:nvSpPr>
+          <p:cNvPr id="23" name="직사각형 22"/>
+          <p:cNvSpPr/>
+          <p:nvPr/>
+        </p:nvSpPr>
+        <p:spPr>
+          <a:xfrm>
+            <a:off x="4793549" y="4282749"/>
+            <a:ext cx="1563270" cy="1581341"/>
+          </a:xfrm>
+          <a:prstGeom prst="rect">
+            <a:avLst/>
+          </a:prstGeom>
+          <a:solidFill>
+            <a:schemeClr val="bg1"/>
+          </a:solidFill>
+          <a:ln>
+            <a:solidFill>
+              <a:schemeClr val="tx2">
+                <a:lumMod val="50000"/>
+              </a:schemeClr>
+            </a:solidFill>
+          </a:ln>
+        </p:spPr>
+        <p:style>
+          <a:lnRef idx="2">
+            <a:schemeClr val="accent1">
+              <a:shade val="50000"/>
+            </a:schemeClr>
+          </a:lnRef>
+          <a:fillRef idx="1">
+            <a:schemeClr val="accent1"/>
+          </a:fillRef>
+          <a:effectRef idx="0">
+            <a:schemeClr val="accent1"/>
+          </a:effectRef>
+          <a:fontRef idx="minor">
+            <a:schemeClr val="lt1"/>
+          </a:fontRef>
+        </p:style>
+        <p:txBody>
+          <a:bodyPr rtlCol="0" anchor="ctr"/>
+          <a:lstStyle/>
+          <a:p>
+            <a:pPr algn="ctr"/>
+            <a:r>
+              <a:rPr lang="ko-KR" altLang="en-US" dirty="0" smtClean="0">
+                <a:solidFill>
+                  <a:schemeClr val="tx1"/>
+                </a:solidFill>
+              </a:rPr>
+              <a:t>배송정책</a:t>
+            </a:r>
+            <a:endParaRPr lang="ko-KR" altLang="en-US" dirty="0">
+              <a:solidFill>
+                <a:schemeClr val="tx1"/>
+              </a:solidFill>
+            </a:endParaRPr>
+          </a:p>
+        </p:txBody>
+      </p:sp>
+      <p:sp>
+        <p:nvSpPr>
+          <p:cNvPr id="24" name="직사각형 23"/>
+          <p:cNvSpPr/>
+          <p:nvPr/>
+        </p:nvSpPr>
+        <p:spPr>
+          <a:xfrm>
+            <a:off x="6570199" y="2629769"/>
+            <a:ext cx="1563270" cy="1487895"/>
+          </a:xfrm>
+          <a:prstGeom prst="rect">
+            <a:avLst/>
+          </a:prstGeom>
+          <a:solidFill>
+            <a:schemeClr val="bg1"/>
+          </a:solidFill>
+          <a:ln>
+            <a:solidFill>
+              <a:schemeClr val="tx2">
+                <a:lumMod val="50000"/>
+              </a:schemeClr>
+            </a:solidFill>
+          </a:ln>
+        </p:spPr>
+        <p:style>
+          <a:lnRef idx="2">
+            <a:schemeClr val="accent1">
+              <a:shade val="50000"/>
+            </a:schemeClr>
+          </a:lnRef>
+          <a:fillRef idx="1">
+            <a:schemeClr val="accent1"/>
+          </a:fillRef>
+          <a:effectRef idx="0">
+            <a:schemeClr val="accent1"/>
+          </a:effectRef>
+          <a:fontRef idx="minor">
+            <a:schemeClr val="lt1"/>
+          </a:fontRef>
+        </p:style>
+        <p:txBody>
+          <a:bodyPr rtlCol="0" anchor="ctr"/>
+          <a:lstStyle/>
+          <a:p>
+            <a:pPr algn="ctr"/>
+            <a:r>
+              <a:rPr lang="ko-KR" altLang="en-US" dirty="0" smtClean="0">
+                <a:solidFill>
+                  <a:schemeClr val="tx1"/>
+                </a:solidFill>
+              </a:rPr>
+              <a:t>제작과정</a:t>
+            </a:r>
+            <a:endParaRPr lang="ko-KR" altLang="en-US" dirty="0">
+              <a:solidFill>
+                <a:schemeClr val="tx1"/>
+              </a:solidFill>
+            </a:endParaRPr>
+          </a:p>
+        </p:txBody>
+      </p:sp>
+      <p:sp>
+        <p:nvSpPr>
+          <p:cNvPr id="25" name="직사각형 24"/>
+          <p:cNvSpPr/>
+          <p:nvPr/>
+        </p:nvSpPr>
+        <p:spPr>
+          <a:xfrm>
+            <a:off x="6570199" y="4274996"/>
+            <a:ext cx="1563270" cy="1581341"/>
+          </a:xfrm>
+          <a:prstGeom prst="rect">
+            <a:avLst/>
+          </a:prstGeom>
+          <a:solidFill>
+            <a:schemeClr val="bg1"/>
+          </a:solidFill>
+          <a:ln>
+            <a:solidFill>
+              <a:schemeClr val="tx2">
+                <a:lumMod val="50000"/>
+              </a:schemeClr>
+            </a:solidFill>
+          </a:ln>
+        </p:spPr>
+        <p:style>
+          <a:lnRef idx="2">
+            <a:schemeClr val="accent1">
+              <a:shade val="50000"/>
+            </a:schemeClr>
+          </a:lnRef>
+          <a:fillRef idx="1">
+            <a:schemeClr val="accent1"/>
+          </a:fillRef>
+          <a:effectRef idx="0">
+            <a:schemeClr val="accent1"/>
+          </a:effectRef>
+          <a:fontRef idx="minor">
+            <a:schemeClr val="lt1"/>
+          </a:fontRef>
+        </p:style>
+        <p:txBody>
+          <a:bodyPr rtlCol="0" anchor="ctr"/>
+          <a:lstStyle/>
+          <a:p>
+            <a:pPr algn="ctr"/>
+            <a:r>
+              <a:rPr lang="ko-KR" altLang="en-US" dirty="0" smtClean="0">
+                <a:solidFill>
+                  <a:schemeClr val="tx1"/>
+                </a:solidFill>
+              </a:rPr>
+              <a:t>사양변경</a:t>
+            </a:r>
+            <a:endParaRPr lang="ko-KR" altLang="en-US" dirty="0">
+              <a:solidFill>
+                <a:schemeClr val="tx1"/>
+              </a:solidFill>
+            </a:endParaRPr>
+          </a:p>
+        </p:txBody>
+      </p:sp>
+      <p:cxnSp>
+        <p:nvCxnSpPr>
+          <p:cNvPr id="8" name="직선 연결선 7"/>
+          <p:cNvCxnSpPr/>
+          <p:nvPr/>
+        </p:nvCxnSpPr>
+        <p:spPr>
+          <a:xfrm>
+            <a:off x="777269" y="2517203"/>
+            <a:ext cx="7551188" cy="0"/>
+          </a:xfrm>
+          <a:prstGeom prst="line">
+            <a:avLst/>
+          </a:prstGeom>
+          <a:ln>
+            <a:solidFill>
+              <a:schemeClr val="tx1">
+                <a:lumMod val="95000"/>
+                <a:lumOff val="5000"/>
+              </a:schemeClr>
+            </a:solidFill>
+          </a:ln>
+        </p:spPr>
+        <p:style>
+          <a:lnRef idx="1">
+            <a:schemeClr val="accent1"/>
+          </a:lnRef>
+          <a:fillRef idx="0">
+            <a:schemeClr val="accent1"/>
+          </a:fillRef>
+          <a:effectRef idx="0">
+            <a:schemeClr val="accent1"/>
+          </a:effectRef>
+          <a:fontRef idx="minor">
+            <a:schemeClr val="tx1"/>
+          </a:fontRef>
+        </p:style>
+      </p:cxnSp>
+      <p:sp>
+        <p:nvSpPr>
+          <p:cNvPr id="27" name="TextBox 26"/>
+          <p:cNvSpPr txBox="1"/>
+          <p:nvPr/>
+        </p:nvSpPr>
+        <p:spPr>
+          <a:xfrm>
+            <a:off x="777269" y="1243914"/>
+            <a:ext cx="2847380" cy="369332"/>
+          </a:xfrm>
+          <a:prstGeom prst="rect">
+            <a:avLst/>
+          </a:prstGeom>
+          <a:noFill/>
+        </p:spPr>
+        <p:txBody>
+          <a:bodyPr wrap="square" rtlCol="0">
+            <a:spAutoFit/>
+          </a:bodyPr>
+          <a:lstStyle/>
+          <a:p>
+            <a:r>
+              <a:rPr lang="ko-KR" altLang="en-US" dirty="0" err="1" smtClean="0"/>
+              <a:t>메인페이지</a:t>
+            </a:r>
+            <a:r>
+              <a:rPr lang="ko-KR" altLang="en-US" dirty="0" smtClean="0"/>
+              <a:t> </a:t>
+            </a:r>
+            <a:r>
+              <a:rPr lang="en-US" altLang="ko-KR" dirty="0" smtClean="0"/>
+              <a:t>– </a:t>
+            </a:r>
+            <a:r>
+              <a:rPr lang="ko-KR" altLang="en-US" dirty="0" smtClean="0"/>
+              <a:t>로그인 후</a:t>
+            </a:r>
+            <a:endParaRPr lang="ko-KR" altLang="en-US" dirty="0"/>
+          </a:p>
+        </p:txBody>
+      </p:sp>
+    </p:spTree>
+    <p:extLst>
+      <p:ext uri="{BB962C8B-B14F-4D97-AF65-F5344CB8AC3E}">
+        <p14:creationId xmlns:p14="http://schemas.microsoft.com/office/powerpoint/2010/main" val="3565302651"/>
+      </p:ext>
+    </p:extLst>
+  </p:cSld>
+  <p:clrMapOvr>
+    <a:masterClrMapping/>
+  </p:clrMapOvr>
+</p:sld>
+</file>
+
+<file path=ppt/slides/slide16.xml><?xml version="1.0" encoding="utf-8"?>
+<p:sld xmlns:a="http://schemas.openxmlformats.org/drawingml/2006/main" xmlns:r="http://schemas.openxmlformats.org/officeDocument/2006/relationships" xmlns:p="http://schemas.openxmlformats.org/presentationml/2006/main">
+  <p:cSld>
+    <p:spTree>
+      <p:nvGrpSpPr>
+        <p:cNvPr id="1" name=""/>
+        <p:cNvGrpSpPr/>
+        <p:nvPr/>
+      </p:nvGrpSpPr>
+      <p:grpSpPr>
+        <a:xfrm>
+          <a:off x="0" y="0"/>
+          <a:ext cx="0" cy="0"/>
+          <a:chOff x="0" y="0"/>
+          <a:chExt cx="0" cy="0"/>
+        </a:xfrm>
+      </p:grpSpPr>
+      <p:grpSp>
+        <p:nvGrpSpPr>
+          <p:cNvPr id="4" name="그룹 3"/>
+          <p:cNvGrpSpPr/>
+          <p:nvPr/>
+        </p:nvGrpSpPr>
+        <p:grpSpPr>
+          <a:xfrm>
+            <a:off x="152400" y="83680"/>
+            <a:ext cx="11903770" cy="6774320"/>
+            <a:chOff x="152400" y="83680"/>
+            <a:chExt cx="11903770" cy="6774320"/>
+          </a:xfrm>
+        </p:grpSpPr>
+        <p:sp>
+          <p:nvSpPr>
+            <p:cNvPr id="68" name="양쪽 모서리가 둥근 사각형 67"/>
+            <p:cNvSpPr/>
+            <p:nvPr/>
+          </p:nvSpPr>
+          <p:spPr>
+            <a:xfrm>
+              <a:off x="338203" y="83680"/>
+              <a:ext cx="11548997" cy="6482219"/>
+            </a:xfrm>
+            <a:prstGeom prst="round2SameRect">
+              <a:avLst>
+                <a:gd name="adj1" fmla="val 4566"/>
+                <a:gd name="adj2" fmla="val 0"/>
+              </a:avLst>
+            </a:prstGeom>
+            <a:pattFill prst="ltDnDiag">
+              <a:fgClr>
+                <a:schemeClr val="bg1">
+                  <a:lumMod val="75000"/>
+                </a:schemeClr>
+              </a:fgClr>
+              <a:bgClr>
+                <a:schemeClr val="bg1">
+                  <a:lumMod val="95000"/>
+                </a:schemeClr>
+              </a:bgClr>
+            </a:pattFill>
+            <a:ln w="28575">
+              <a:solidFill>
+                <a:schemeClr val="bg1">
+                  <a:lumMod val="50000"/>
+                </a:schemeClr>
+              </a:solidFill>
+            </a:ln>
+          </p:spPr>
+          <p:style>
+            <a:lnRef idx="2">
+              <a:schemeClr val="accent1">
+                <a:shade val="50000"/>
+              </a:schemeClr>
+            </a:lnRef>
+            <a:fillRef idx="1">
+              <a:schemeClr val="accent1"/>
+            </a:fillRef>
+            <a:effectRef idx="0">
+              <a:schemeClr val="accent1"/>
+            </a:effectRef>
+            <a:fontRef idx="minor">
+              <a:schemeClr val="lt1"/>
+            </a:fontRef>
+          </p:style>
+          <p:txBody>
+            <a:bodyPr rtlCol="0" anchor="ctr"/>
+            <a:lstStyle/>
+            <a:p>
+              <a:pPr algn="ctr"/>
+              <a:endParaRPr lang="ko-KR" altLang="en-US"/>
+            </a:p>
+          </p:txBody>
+        </p:sp>
+        <p:sp>
+          <p:nvSpPr>
+            <p:cNvPr id="69" name="양쪽 모서리가 둥근 사각형 68"/>
+            <p:cNvSpPr/>
+            <p:nvPr/>
+          </p:nvSpPr>
+          <p:spPr>
+            <a:xfrm>
+              <a:off x="524266" y="241300"/>
+              <a:ext cx="11176871" cy="6133424"/>
+            </a:xfrm>
+            <a:prstGeom prst="round2SameRect">
+              <a:avLst>
+                <a:gd name="adj1" fmla="val 3284"/>
+                <a:gd name="adj2" fmla="val 0"/>
+              </a:avLst>
+            </a:prstGeom>
+            <a:solidFill>
+              <a:schemeClr val="bg1"/>
+            </a:solidFill>
+            <a:ln w="19050">
+              <a:solidFill>
+                <a:schemeClr val="bg1">
+                  <a:lumMod val="50000"/>
+                </a:schemeClr>
+              </a:solidFill>
+            </a:ln>
+          </p:spPr>
+          <p:style>
+            <a:lnRef idx="2">
+              <a:schemeClr val="accent1">
+                <a:shade val="50000"/>
+              </a:schemeClr>
+            </a:lnRef>
+            <a:fillRef idx="1">
+              <a:schemeClr val="accent1"/>
+            </a:fillRef>
+            <a:effectRef idx="0">
+              <a:schemeClr val="accent1"/>
+            </a:effectRef>
+            <a:fontRef idx="minor">
+              <a:schemeClr val="lt1"/>
+            </a:fontRef>
+          </p:style>
+          <p:txBody>
+            <a:bodyPr rtlCol="0" anchor="ctr"/>
+            <a:lstStyle/>
+            <a:p>
+              <a:pPr algn="ctr"/>
+              <a:endParaRPr lang="ko-KR" altLang="en-US"/>
+            </a:p>
+          </p:txBody>
+        </p:sp>
+        <p:sp>
+          <p:nvSpPr>
+            <p:cNvPr id="84" name="양쪽 모서리가 둥근 사각형 83"/>
+            <p:cNvSpPr/>
+            <p:nvPr/>
+          </p:nvSpPr>
+          <p:spPr>
+            <a:xfrm rot="16200000">
+              <a:off x="1176083" y="5641873"/>
+              <a:ext cx="108000" cy="1798840"/>
+            </a:xfrm>
+            <a:prstGeom prst="round2SameRect">
+              <a:avLst>
+                <a:gd name="adj1" fmla="val 19304"/>
+                <a:gd name="adj2" fmla="val 0"/>
+              </a:avLst>
+            </a:prstGeom>
+            <a:gradFill flip="none" rotWithShape="1">
+              <a:gsLst>
+                <a:gs pos="17000">
+                  <a:schemeClr val="bg1">
+                    <a:lumMod val="50000"/>
+                  </a:schemeClr>
+                </a:gs>
+                <a:gs pos="59000">
+                  <a:schemeClr val="bg1">
+                    <a:shade val="100000"/>
+                    <a:satMod val="115000"/>
+                  </a:schemeClr>
+                </a:gs>
+              </a:gsLst>
+              <a:lin ang="0" scaled="1"/>
+              <a:tileRect/>
+            </a:gradFill>
+            <a:ln w="19050">
+              <a:solidFill>
+                <a:schemeClr val="bg1">
+                  <a:lumMod val="50000"/>
+                </a:schemeClr>
+              </a:solidFill>
+            </a:ln>
+          </p:spPr>
+          <p:style>
+            <a:lnRef idx="2">
+              <a:schemeClr val="accent1">
+                <a:shade val="50000"/>
+              </a:schemeClr>
+            </a:lnRef>
+            <a:fillRef idx="1">
+              <a:schemeClr val="accent1"/>
+            </a:fillRef>
+            <a:effectRef idx="0">
+              <a:schemeClr val="accent1"/>
+            </a:effectRef>
+            <a:fontRef idx="minor">
+              <a:schemeClr val="lt1"/>
+            </a:fontRef>
+          </p:style>
+          <p:txBody>
+            <a:bodyPr rtlCol="0" anchor="ctr"/>
+            <a:lstStyle/>
+            <a:p>
+              <a:pPr algn="ctr"/>
+              <a:endParaRPr lang="ko-KR" altLang="en-US">
+                <a:solidFill>
+                  <a:prstClr val="white"/>
+                </a:solidFill>
+              </a:endParaRPr>
+            </a:p>
+          </p:txBody>
+        </p:sp>
+        <p:sp>
+          <p:nvSpPr>
+            <p:cNvPr id="85" name="양쪽 모서리가 둥근 사각형 84"/>
+            <p:cNvSpPr/>
+            <p:nvPr/>
+          </p:nvSpPr>
+          <p:spPr>
+            <a:xfrm rot="5400000" flipH="1">
+              <a:off x="10930593" y="5641871"/>
+              <a:ext cx="108000" cy="1798840"/>
+            </a:xfrm>
+            <a:prstGeom prst="round2SameRect">
+              <a:avLst>
+                <a:gd name="adj1" fmla="val 19304"/>
+                <a:gd name="adj2" fmla="val 0"/>
+              </a:avLst>
+            </a:prstGeom>
+            <a:gradFill flip="none" rotWithShape="1">
+              <a:gsLst>
+                <a:gs pos="17000">
+                  <a:schemeClr val="bg1">
+                    <a:lumMod val="50000"/>
+                  </a:schemeClr>
+                </a:gs>
+                <a:gs pos="59000">
+                  <a:schemeClr val="bg1">
+                    <a:shade val="100000"/>
+                    <a:satMod val="115000"/>
+                  </a:schemeClr>
+                </a:gs>
+              </a:gsLst>
+              <a:lin ang="0" scaled="1"/>
+              <a:tileRect/>
+            </a:gradFill>
+            <a:ln w="19050">
+              <a:solidFill>
+                <a:schemeClr val="bg1">
+                  <a:lumMod val="50000"/>
+                </a:schemeClr>
+              </a:solidFill>
+            </a:ln>
+          </p:spPr>
+          <p:style>
+            <a:lnRef idx="2">
+              <a:schemeClr val="accent1">
+                <a:shade val="50000"/>
+              </a:schemeClr>
+            </a:lnRef>
+            <a:fillRef idx="1">
+              <a:schemeClr val="accent1"/>
+            </a:fillRef>
+            <a:effectRef idx="0">
+              <a:schemeClr val="accent1"/>
+            </a:effectRef>
+            <a:fontRef idx="minor">
+              <a:schemeClr val="lt1"/>
+            </a:fontRef>
+          </p:style>
+          <p:txBody>
+            <a:bodyPr rtlCol="0" anchor="ctr"/>
+            <a:lstStyle/>
+            <a:p>
+              <a:pPr algn="ctr"/>
+              <a:endParaRPr lang="ko-KR" altLang="en-US">
+                <a:solidFill>
+                  <a:prstClr val="white"/>
+                </a:solidFill>
+              </a:endParaRPr>
+            </a:p>
+          </p:txBody>
+        </p:sp>
+        <p:sp>
+          <p:nvSpPr>
+            <p:cNvPr id="86" name="양쪽 모서리가 둥근 사각형 85"/>
+            <p:cNvSpPr/>
+            <p:nvPr/>
+          </p:nvSpPr>
+          <p:spPr>
+            <a:xfrm rot="16200000">
+              <a:off x="6053339" y="2563457"/>
+              <a:ext cx="108000" cy="7955668"/>
+            </a:xfrm>
+            <a:prstGeom prst="round2SameRect">
+              <a:avLst>
+                <a:gd name="adj1" fmla="val 0"/>
+                <a:gd name="adj2" fmla="val 0"/>
+              </a:avLst>
+            </a:prstGeom>
+            <a:gradFill flip="none" rotWithShape="1">
+              <a:gsLst>
+                <a:gs pos="17000">
+                  <a:schemeClr val="bg1">
+                    <a:lumMod val="50000"/>
+                  </a:schemeClr>
+                </a:gs>
+                <a:gs pos="59000">
+                  <a:schemeClr val="bg1">
+                    <a:shade val="100000"/>
+                    <a:satMod val="115000"/>
+                  </a:schemeClr>
+                </a:gs>
+              </a:gsLst>
+              <a:lin ang="0" scaled="1"/>
+              <a:tileRect/>
+            </a:gradFill>
+            <a:ln w="19050">
+              <a:solidFill>
+                <a:schemeClr val="bg1">
+                  <a:lumMod val="50000"/>
+                </a:schemeClr>
+              </a:solidFill>
+            </a:ln>
+          </p:spPr>
+          <p:style>
+            <a:lnRef idx="2">
+              <a:schemeClr val="accent1">
+                <a:shade val="50000"/>
+              </a:schemeClr>
+            </a:lnRef>
+            <a:fillRef idx="1">
+              <a:schemeClr val="accent1"/>
+            </a:fillRef>
+            <a:effectRef idx="0">
+              <a:schemeClr val="accent1"/>
+            </a:effectRef>
+            <a:fontRef idx="minor">
+              <a:schemeClr val="lt1"/>
+            </a:fontRef>
+          </p:style>
+          <p:txBody>
+            <a:bodyPr rtlCol="0" anchor="ctr"/>
+            <a:lstStyle/>
+            <a:p>
+              <a:pPr algn="ctr"/>
+              <a:endParaRPr lang="ko-KR" altLang="en-US">
+                <a:solidFill>
+                  <a:prstClr val="white"/>
+                </a:solidFill>
+              </a:endParaRPr>
+            </a:p>
+          </p:txBody>
+        </p:sp>
+        <p:sp>
+          <p:nvSpPr>
+            <p:cNvPr id="14" name="자유형 13"/>
+            <p:cNvSpPr/>
+            <p:nvPr/>
+          </p:nvSpPr>
+          <p:spPr>
+            <a:xfrm>
+              <a:off x="158507" y="6590451"/>
+              <a:ext cx="11897663" cy="267549"/>
+            </a:xfrm>
+            <a:custGeom>
+              <a:avLst/>
+              <a:gdLst>
+                <a:gd name="connsiteX0" fmla="*/ 195955 w 11897663"/>
+                <a:gd name="connsiteY0" fmla="*/ 0 h 267549"/>
+                <a:gd name="connsiteX1" fmla="*/ 11701708 w 11897663"/>
+                <a:gd name="connsiteY1" fmla="*/ 0 h 267549"/>
+                <a:gd name="connsiteX2" fmla="*/ 11897663 w 11897663"/>
+                <a:gd name="connsiteY2" fmla="*/ 267549 h 267549"/>
+                <a:gd name="connsiteX3" fmla="*/ 0 w 11897663"/>
+                <a:gd name="connsiteY3" fmla="*/ 267549 h 267549"/>
+              </a:gdLst>
+              <a:ahLst/>
+              <a:cxnLst>
+                <a:cxn ang="0">
+                  <a:pos x="connsiteX0" y="connsiteY0"/>
+                </a:cxn>
+                <a:cxn ang="0">
+                  <a:pos x="connsiteX1" y="connsiteY1"/>
+                </a:cxn>
+                <a:cxn ang="0">
+                  <a:pos x="connsiteX2" y="connsiteY2"/>
+                </a:cxn>
+                <a:cxn ang="0">
+                  <a:pos x="connsiteX3" y="connsiteY3"/>
+                </a:cxn>
+              </a:cxnLst>
+              <a:rect l="l" t="t" r="r" b="b"/>
+              <a:pathLst>
+                <a:path w="11897663" h="267549">
+                  <a:moveTo>
+                    <a:pt x="195955" y="0"/>
+                  </a:moveTo>
+                  <a:lnTo>
+                    <a:pt x="11701708" y="0"/>
+                  </a:lnTo>
+                  <a:lnTo>
+                    <a:pt x="11897663" y="267549"/>
+                  </a:lnTo>
+                  <a:lnTo>
+                    <a:pt x="0" y="267549"/>
+                  </a:lnTo>
+                  <a:close/>
+                </a:path>
+              </a:pathLst>
+            </a:custGeom>
+            <a:solidFill>
+              <a:schemeClr val="bg1"/>
+            </a:solidFill>
+            <a:ln w="19050">
+              <a:solidFill>
+                <a:schemeClr val="bg1">
+                  <a:lumMod val="50000"/>
+                </a:schemeClr>
+              </a:solidFill>
+            </a:ln>
+          </p:spPr>
+          <p:style>
+            <a:lnRef idx="2">
+              <a:schemeClr val="accent1">
+                <a:shade val="50000"/>
+              </a:schemeClr>
+            </a:lnRef>
+            <a:fillRef idx="1">
+              <a:schemeClr val="accent1"/>
+            </a:fillRef>
+            <a:effectRef idx="0">
+              <a:schemeClr val="accent1"/>
+            </a:effectRef>
+            <a:fontRef idx="minor">
+              <a:schemeClr val="lt1"/>
+            </a:fontRef>
+          </p:style>
+          <p:txBody>
+            <a:bodyPr wrap="square" rtlCol="0" anchor="ctr">
+              <a:noAutofit/>
+            </a:bodyPr>
+            <a:lstStyle/>
+            <a:p>
+              <a:pPr algn="ctr"/>
+              <a:endParaRPr lang="ko-KR" altLang="en-US">
+                <a:solidFill>
+                  <a:prstClr val="white"/>
+                </a:solidFill>
+              </a:endParaRPr>
+            </a:p>
+          </p:txBody>
+        </p:sp>
+        <p:sp>
+          <p:nvSpPr>
+            <p:cNvPr id="26" name="자유형 25"/>
+            <p:cNvSpPr/>
+            <p:nvPr/>
+          </p:nvSpPr>
+          <p:spPr>
+            <a:xfrm>
+              <a:off x="152400" y="6565900"/>
+              <a:ext cx="11750381" cy="292100"/>
+            </a:xfrm>
+            <a:custGeom>
+              <a:avLst/>
+              <a:gdLst>
+                <a:gd name="connsiteX0" fmla="*/ 177800 w 11722100"/>
+                <a:gd name="connsiteY0" fmla="*/ 0 h 292100"/>
+                <a:gd name="connsiteX1" fmla="*/ 0 w 11722100"/>
+                <a:gd name="connsiteY1" fmla="*/ 292100 h 292100"/>
+                <a:gd name="connsiteX2" fmla="*/ 11722100 w 11722100"/>
+                <a:gd name="connsiteY2" fmla="*/ 50800 h 292100"/>
+                <a:gd name="connsiteX3" fmla="*/ 177800 w 11722100"/>
+                <a:gd name="connsiteY3" fmla="*/ 0 h 292100"/>
+                <a:gd name="connsiteX0" fmla="*/ 206081 w 11722100"/>
+                <a:gd name="connsiteY0" fmla="*/ 0 h 292100"/>
+                <a:gd name="connsiteX1" fmla="*/ 0 w 11722100"/>
+                <a:gd name="connsiteY1" fmla="*/ 292100 h 292100"/>
+                <a:gd name="connsiteX2" fmla="*/ 11722100 w 11722100"/>
+                <a:gd name="connsiteY2" fmla="*/ 50800 h 292100"/>
+                <a:gd name="connsiteX3" fmla="*/ 206081 w 11722100"/>
+                <a:gd name="connsiteY3" fmla="*/ 0 h 292100"/>
+                <a:gd name="connsiteX0" fmla="*/ 206081 w 11750381"/>
+                <a:gd name="connsiteY0" fmla="*/ 0 h 292100"/>
+                <a:gd name="connsiteX1" fmla="*/ 0 w 11750381"/>
+                <a:gd name="connsiteY1" fmla="*/ 292100 h 292100"/>
+                <a:gd name="connsiteX2" fmla="*/ 11750381 w 11750381"/>
+                <a:gd name="connsiteY2" fmla="*/ 31947 h 292100"/>
+                <a:gd name="connsiteX3" fmla="*/ 206081 w 11750381"/>
+                <a:gd name="connsiteY3" fmla="*/ 0 h 292100"/>
+              </a:gdLst>
+              <a:ahLst/>
+              <a:cxnLst>
+                <a:cxn ang="0">
+                  <a:pos x="connsiteX0" y="connsiteY0"/>
+                </a:cxn>
+                <a:cxn ang="0">
+                  <a:pos x="connsiteX1" y="connsiteY1"/>
+                </a:cxn>
+                <a:cxn ang="0">
+                  <a:pos x="connsiteX2" y="connsiteY2"/>
+                </a:cxn>
+                <a:cxn ang="0">
+                  <a:pos x="connsiteX3" y="connsiteY3"/>
+                </a:cxn>
+              </a:cxnLst>
+              <a:rect l="l" t="t" r="r" b="b"/>
+              <a:pathLst>
+                <a:path w="11750381" h="292100">
+                  <a:moveTo>
+                    <a:pt x="206081" y="0"/>
+                  </a:moveTo>
+                  <a:lnTo>
+                    <a:pt x="0" y="292100"/>
+                  </a:lnTo>
+                  <a:lnTo>
+                    <a:pt x="11750381" y="31947"/>
+                  </a:lnTo>
+                  <a:lnTo>
+                    <a:pt x="206081" y="0"/>
+                  </a:lnTo>
+                  <a:close/>
+                </a:path>
+              </a:pathLst>
+            </a:custGeom>
+            <a:solidFill>
+              <a:schemeClr val="tx1">
+                <a:alpha val="13000"/>
+              </a:schemeClr>
+            </a:solidFill>
+            <a:ln>
+              <a:noFill/>
+            </a:ln>
+          </p:spPr>
+          <p:style>
+            <a:lnRef idx="2">
+              <a:schemeClr val="accent1">
+                <a:shade val="50000"/>
+              </a:schemeClr>
+            </a:lnRef>
+            <a:fillRef idx="1">
+              <a:schemeClr val="accent1"/>
+            </a:fillRef>
+            <a:effectRef idx="0">
+              <a:schemeClr val="accent1"/>
+            </a:effectRef>
+            <a:fontRef idx="minor">
+              <a:schemeClr val="lt1"/>
+            </a:fontRef>
+          </p:style>
+          <p:txBody>
+            <a:bodyPr rtlCol="0" anchor="ctr"/>
+            <a:lstStyle/>
+            <a:p>
+              <a:pPr algn="ctr"/>
+              <a:endParaRPr lang="ko-KR" altLang="en-US"/>
+            </a:p>
+          </p:txBody>
+        </p:sp>
+        <p:sp>
+          <p:nvSpPr>
+            <p:cNvPr id="15" name="모서리가 둥근 직사각형 14"/>
+            <p:cNvSpPr/>
+            <p:nvPr/>
+          </p:nvSpPr>
+          <p:spPr>
+            <a:xfrm>
+              <a:off x="524266" y="6670585"/>
+              <a:ext cx="597524" cy="64121"/>
+            </a:xfrm>
+            <a:prstGeom prst="roundRect">
+              <a:avLst>
+                <a:gd name="adj" fmla="val 50000"/>
+              </a:avLst>
+            </a:prstGeom>
+            <a:solidFill>
+              <a:srgbClr val="00B0F0"/>
+            </a:solidFill>
+            <a:ln>
+              <a:solidFill>
+                <a:schemeClr val="bg1">
+                  <a:lumMod val="50000"/>
+                </a:schemeClr>
+              </a:solidFill>
+            </a:ln>
+          </p:spPr>
+          <p:style>
+            <a:lnRef idx="2">
+              <a:schemeClr val="accent1">
+                <a:shade val="50000"/>
+              </a:schemeClr>
+            </a:lnRef>
+            <a:fillRef idx="1">
+              <a:schemeClr val="accent1"/>
+            </a:fillRef>
+            <a:effectRef idx="0">
+              <a:schemeClr val="accent1"/>
+            </a:effectRef>
+            <a:fontRef idx="minor">
+              <a:schemeClr val="lt1"/>
+            </a:fontRef>
+          </p:style>
+          <p:txBody>
+            <a:bodyPr rtlCol="0" anchor="ctr"/>
+            <a:lstStyle/>
+            <a:p>
+              <a:pPr algn="ctr"/>
+              <a:endParaRPr lang="ko-KR" altLang="en-US"/>
+            </a:p>
+          </p:txBody>
+        </p:sp>
+      </p:grpSp>
+      <p:sp>
+        <p:nvSpPr>
+          <p:cNvPr id="82" name="직사각형 81"/>
+          <p:cNvSpPr/>
+          <p:nvPr/>
+        </p:nvSpPr>
+        <p:spPr>
+          <a:xfrm>
+            <a:off x="3353610" y="228600"/>
+            <a:ext cx="5484781" cy="655372"/>
+          </a:xfrm>
+          <a:prstGeom prst="rect">
+            <a:avLst/>
+          </a:prstGeom>
+        </p:spPr>
+        <p:txBody>
+          <a:bodyPr wrap="square">
+            <a:spAutoFit/>
+          </a:bodyPr>
+          <a:lstStyle/>
+          <a:p>
+            <a:pPr algn="ctr">
+              <a:lnSpc>
+                <a:spcPct val="150000"/>
+              </a:lnSpc>
+            </a:pPr>
+            <a:r>
+              <a:rPr lang="ko-KR" altLang="en-US" sz="2000" i="1" dirty="0">
+                <a:solidFill>
+                  <a:schemeClr val="bg1">
+                    <a:lumMod val="50000"/>
+                  </a:schemeClr>
+                </a:solidFill>
+              </a:rPr>
+              <a:t>화면구현 </a:t>
+            </a:r>
+            <a:r>
+              <a:rPr lang="en-US" altLang="ko-KR" sz="2800" b="1" i="1" dirty="0">
+                <a:solidFill>
+                  <a:schemeClr val="bg1">
+                    <a:lumMod val="50000"/>
+                  </a:schemeClr>
+                </a:solidFill>
+              </a:rPr>
+              <a:t>Implement Screen</a:t>
+            </a:r>
+          </a:p>
+        </p:txBody>
+      </p:sp>
+      <p:sp>
+        <p:nvSpPr>
+          <p:cNvPr id="3" name="직사각형 2"/>
+          <p:cNvSpPr/>
+          <p:nvPr/>
+        </p:nvSpPr>
+        <p:spPr>
+          <a:xfrm>
+            <a:off x="8602764" y="1664043"/>
+            <a:ext cx="2811968" cy="4423719"/>
+          </a:xfrm>
+          <a:prstGeom prst="rect">
+            <a:avLst/>
+          </a:prstGeom>
+          <a:solidFill>
+            <a:schemeClr val="bg1"/>
+          </a:solidFill>
+          <a:ln>
+            <a:solidFill>
+              <a:schemeClr val="tx1"/>
+            </a:solidFill>
+          </a:ln>
+        </p:spPr>
+        <p:style>
+          <a:lnRef idx="2">
+            <a:schemeClr val="accent1">
+              <a:shade val="50000"/>
+            </a:schemeClr>
+          </a:lnRef>
+          <a:fillRef idx="1">
+            <a:schemeClr val="accent1"/>
+          </a:fillRef>
+          <a:effectRef idx="0">
+            <a:schemeClr val="accent1"/>
+          </a:effectRef>
+          <a:fontRef idx="minor">
+            <a:schemeClr val="lt1"/>
+          </a:fontRef>
+        </p:style>
+        <p:txBody>
+          <a:bodyPr rtlCol="0" anchor="ctr"/>
+          <a:lstStyle/>
+          <a:p>
+            <a:pPr algn="ctr"/>
+            <a:endParaRPr lang="ko-KR" altLang="en-US"/>
+          </a:p>
+        </p:txBody>
+      </p:sp>
+      <p:sp>
+        <p:nvSpPr>
+          <p:cNvPr id="16" name="직사각형 15"/>
+          <p:cNvSpPr/>
+          <p:nvPr/>
+        </p:nvSpPr>
+        <p:spPr>
+          <a:xfrm>
+            <a:off x="777269" y="1664044"/>
+            <a:ext cx="7569580" cy="4423719"/>
+          </a:xfrm>
+          <a:prstGeom prst="rect">
+            <a:avLst/>
+          </a:prstGeom>
+          <a:solidFill>
+            <a:schemeClr val="bg1"/>
+          </a:solidFill>
+          <a:ln>
+            <a:solidFill>
+              <a:schemeClr val="tx1"/>
+            </a:solidFill>
+          </a:ln>
+        </p:spPr>
+        <p:style>
+          <a:lnRef idx="2">
+            <a:schemeClr val="accent1">
+              <a:shade val="50000"/>
+            </a:schemeClr>
+          </a:lnRef>
+          <a:fillRef idx="1">
+            <a:schemeClr val="accent1"/>
+          </a:fillRef>
+          <a:effectRef idx="0">
+            <a:schemeClr val="accent1"/>
+          </a:effectRef>
+          <a:fontRef idx="minor">
+            <a:schemeClr val="lt1"/>
+          </a:fontRef>
+        </p:style>
+        <p:txBody>
+          <a:bodyPr rtlCol="0" anchor="ctr"/>
+          <a:lstStyle/>
+          <a:p>
+            <a:pPr algn="ctr"/>
+            <a:endParaRPr lang="ko-KR" altLang="en-US"/>
+          </a:p>
+        </p:txBody>
+      </p:sp>
+      <p:sp>
+        <p:nvSpPr>
+          <p:cNvPr id="17" name="직사각형 16"/>
+          <p:cNvSpPr/>
+          <p:nvPr/>
+        </p:nvSpPr>
+        <p:spPr>
+          <a:xfrm>
+            <a:off x="777269" y="1664042"/>
+            <a:ext cx="7569580" cy="398177"/>
+          </a:xfrm>
+          <a:prstGeom prst="rect">
+            <a:avLst/>
+          </a:prstGeom>
+          <a:solidFill>
+            <a:schemeClr val="bg1"/>
+          </a:solidFill>
+          <a:ln>
+            <a:solidFill>
+              <a:schemeClr val="tx1"/>
+            </a:solidFill>
+          </a:ln>
+        </p:spPr>
+        <p:style>
+          <a:lnRef idx="2">
+            <a:schemeClr val="accent1">
+              <a:shade val="50000"/>
+            </a:schemeClr>
+          </a:lnRef>
+          <a:fillRef idx="1">
+            <a:schemeClr val="accent1"/>
+          </a:fillRef>
+          <a:effectRef idx="0">
+            <a:schemeClr val="accent1"/>
+          </a:effectRef>
+          <a:fontRef idx="minor">
+            <a:schemeClr val="lt1"/>
+          </a:fontRef>
+        </p:style>
+        <p:txBody>
+          <a:bodyPr rtlCol="0" anchor="ctr"/>
+          <a:lstStyle/>
+          <a:p>
+            <a:pPr algn="ctr"/>
+            <a:endParaRPr lang="ko-KR" altLang="en-US"/>
+          </a:p>
+        </p:txBody>
+      </p:sp>
+      <p:sp>
+        <p:nvSpPr>
+          <p:cNvPr id="19" name="TextBox 18"/>
+          <p:cNvSpPr txBox="1"/>
+          <p:nvPr/>
+        </p:nvSpPr>
+        <p:spPr>
+          <a:xfrm>
+            <a:off x="5494638" y="1738640"/>
+            <a:ext cx="2833819" cy="246221"/>
+          </a:xfrm>
+          <a:prstGeom prst="rect">
+            <a:avLst/>
+          </a:prstGeom>
+          <a:noFill/>
+        </p:spPr>
+        <p:txBody>
+          <a:bodyPr wrap="square" rtlCol="0">
+            <a:spAutoFit/>
+          </a:bodyPr>
+          <a:lstStyle/>
+          <a:p>
+            <a:pPr algn="r"/>
+            <a:r>
+              <a:rPr lang="ko-KR" altLang="en-US" sz="1000" dirty="0" smtClean="0"/>
+              <a:t>로그아웃</a:t>
+            </a:r>
+            <a:endParaRPr lang="ko-KR" altLang="en-US" sz="1000" dirty="0"/>
+          </a:p>
+        </p:txBody>
+      </p:sp>
+      <p:sp>
+        <p:nvSpPr>
+          <p:cNvPr id="20" name="TextBox 19"/>
+          <p:cNvSpPr txBox="1"/>
+          <p:nvPr/>
+        </p:nvSpPr>
+        <p:spPr>
+          <a:xfrm>
+            <a:off x="885586" y="1739098"/>
+            <a:ext cx="2207742" cy="246221"/>
+          </a:xfrm>
+          <a:prstGeom prst="rect">
+            <a:avLst/>
+          </a:prstGeom>
+          <a:noFill/>
+        </p:spPr>
+        <p:txBody>
+          <a:bodyPr wrap="square" rtlCol="0">
+            <a:spAutoFit/>
+          </a:bodyPr>
+          <a:lstStyle/>
+          <a:p>
+            <a:r>
+              <a:rPr lang="ko-KR" altLang="en-US" sz="1000" dirty="0" smtClean="0"/>
+              <a:t>로고</a:t>
+            </a:r>
+            <a:endParaRPr lang="ko-KR" altLang="en-US" sz="1000" dirty="0"/>
+          </a:p>
+        </p:txBody>
+      </p:sp>
+      <p:cxnSp>
+        <p:nvCxnSpPr>
+          <p:cNvPr id="8" name="직선 연결선 7"/>
+          <p:cNvCxnSpPr/>
+          <p:nvPr/>
+        </p:nvCxnSpPr>
+        <p:spPr>
+          <a:xfrm>
+            <a:off x="777269" y="2517203"/>
+            <a:ext cx="7551188" cy="0"/>
+          </a:xfrm>
+          <a:prstGeom prst="line">
+            <a:avLst/>
+          </a:prstGeom>
+          <a:ln>
+            <a:solidFill>
+              <a:schemeClr val="tx1">
+                <a:lumMod val="95000"/>
+                <a:lumOff val="5000"/>
+              </a:schemeClr>
+            </a:solidFill>
+          </a:ln>
+        </p:spPr>
+        <p:style>
+          <a:lnRef idx="1">
+            <a:schemeClr val="accent1"/>
+          </a:lnRef>
+          <a:fillRef idx="0">
+            <a:schemeClr val="accent1"/>
+          </a:fillRef>
+          <a:effectRef idx="0">
+            <a:schemeClr val="accent1"/>
+          </a:effectRef>
+          <a:fontRef idx="minor">
+            <a:schemeClr val="tx1"/>
+          </a:fontRef>
+        </p:style>
+      </p:cxnSp>
+      <p:sp>
+        <p:nvSpPr>
+          <p:cNvPr id="2" name="TextBox 1"/>
+          <p:cNvSpPr txBox="1"/>
+          <p:nvPr/>
+        </p:nvSpPr>
+        <p:spPr>
+          <a:xfrm>
+            <a:off x="892601" y="2103409"/>
+            <a:ext cx="7312285" cy="369332"/>
+          </a:xfrm>
+          <a:prstGeom prst="rect">
+            <a:avLst/>
+          </a:prstGeom>
+          <a:noFill/>
+        </p:spPr>
+        <p:txBody>
+          <a:bodyPr wrap="square" rtlCol="0">
+            <a:spAutoFit/>
+          </a:bodyPr>
+          <a:lstStyle/>
+          <a:p>
+            <a:r>
+              <a:rPr lang="ko-KR" altLang="en-US" dirty="0" smtClean="0"/>
+              <a:t>회원관리</a:t>
+            </a:r>
+            <a:r>
+              <a:rPr lang="en-US" altLang="ko-KR" dirty="0"/>
+              <a:t> </a:t>
+            </a:r>
+            <a:r>
+              <a:rPr lang="en-US" altLang="ko-KR" dirty="0" smtClean="0"/>
+              <a:t>      </a:t>
+            </a:r>
+            <a:r>
+              <a:rPr lang="ko-KR" altLang="en-US" dirty="0" smtClean="0"/>
+              <a:t>상품관리       견적문의관리       주문관리       </a:t>
+            </a:r>
+            <a:r>
+              <a:rPr lang="en-US" altLang="ko-KR" dirty="0" smtClean="0"/>
+              <a:t>AS</a:t>
+            </a:r>
+            <a:r>
+              <a:rPr lang="ko-KR" altLang="en-US" dirty="0" smtClean="0"/>
+              <a:t>관리</a:t>
+            </a:r>
+            <a:endParaRPr lang="ko-KR" altLang="en-US" dirty="0"/>
+          </a:p>
+        </p:txBody>
+      </p:sp>
+      <p:sp>
+        <p:nvSpPr>
+          <p:cNvPr id="27" name="TextBox 26"/>
+          <p:cNvSpPr txBox="1"/>
+          <p:nvPr/>
+        </p:nvSpPr>
+        <p:spPr>
+          <a:xfrm>
+            <a:off x="777269" y="1243914"/>
+            <a:ext cx="2847380" cy="369332"/>
+          </a:xfrm>
+          <a:prstGeom prst="rect">
+            <a:avLst/>
+          </a:prstGeom>
+          <a:noFill/>
+        </p:spPr>
+        <p:txBody>
+          <a:bodyPr wrap="square" rtlCol="0">
+            <a:spAutoFit/>
+          </a:bodyPr>
+          <a:lstStyle/>
+          <a:p>
+            <a:r>
+              <a:rPr lang="ko-KR" altLang="en-US" dirty="0" smtClean="0"/>
+              <a:t>관리자 페이지</a:t>
+            </a:r>
+            <a:endParaRPr lang="ko-KR" altLang="en-US" dirty="0"/>
+          </a:p>
+        </p:txBody>
+      </p:sp>
+    </p:spTree>
+    <p:extLst>
+      <p:ext uri="{BB962C8B-B14F-4D97-AF65-F5344CB8AC3E}">
+        <p14:creationId xmlns:p14="http://schemas.microsoft.com/office/powerpoint/2010/main" val="3022545385"/>
+      </p:ext>
+    </p:extLst>
+  </p:cSld>
+  <p:clrMapOvr>
+    <a:masterClrMapping/>
+  </p:clrMapOvr>
+</p:sld>
+</file>
+
+<file path=ppt/slides/slide17.xml><?xml version="1.0" encoding="utf-8"?>
+<p:sld xmlns:a="http://schemas.openxmlformats.org/drawingml/2006/main" xmlns:r="http://schemas.openxmlformats.org/officeDocument/2006/relationships" xmlns:p="http://schemas.openxmlformats.org/presentationml/2006/main">
+  <p:cSld>
     <p:bg>
       <p:bgPr>
         <a:blipFill dpi="0" rotWithShape="1">
@@ -10771,7 +14421,7 @@
 </p:sld>
 </file>
 
-<file path=ppt/slides/slide15.xml><?xml version="1.0" encoding="utf-8"?>
+<file path=ppt/slides/slide18.xml><?xml version="1.0" encoding="utf-8"?>
 <p:sld xmlns:a="http://schemas.openxmlformats.org/drawingml/2006/main" xmlns:r="http://schemas.openxmlformats.org/officeDocument/2006/relationships" xmlns:p="http://schemas.openxmlformats.org/presentationml/2006/main">
   <p:cSld>
     <p:spTree>
@@ -11557,7 +15207,7 @@
 </p:sld>
 </file>
 
-<file path=ppt/slides/slide16.xml><?xml version="1.0" encoding="utf-8"?>
+<file path=ppt/slides/slide19.xml><?xml version="1.0" encoding="utf-8"?>
 <p:sld xmlns:a="http://schemas.openxmlformats.org/drawingml/2006/main" xmlns:r="http://schemas.openxmlformats.org/officeDocument/2006/relationships" xmlns:p="http://schemas.openxmlformats.org/presentationml/2006/main">
   <p:cSld>
     <p:spTree>
@@ -12370,9 +16020,22 @@
 </p:sld>
 </file>
 
-<file path=ppt/slides/slide17.xml><?xml version="1.0" encoding="utf-8"?>
+<file path=ppt/slides/slide2.xml><?xml version="1.0" encoding="utf-8"?>
 <p:sld xmlns:a="http://schemas.openxmlformats.org/drawingml/2006/main" xmlns:r="http://schemas.openxmlformats.org/officeDocument/2006/relationships" xmlns:p="http://schemas.openxmlformats.org/presentationml/2006/main">
   <p:cSld>
+    <p:bg>
+      <p:bgPr>
+        <a:blipFill dpi="0" rotWithShape="1">
+          <a:blip r:embed="rId2">
+            <a:alphaModFix amt="36000"/>
+            <a:lum/>
+          </a:blip>
+          <a:srcRect/>
+          <a:tile tx="0" ty="0" sx="70000" sy="70000" flip="none" algn="tl"/>
+        </a:blipFill>
+        <a:effectLst/>
+      </p:bgPr>
+    </p:bg>
     <p:spTree>
       <p:nvGrpSpPr>
         <p:cNvPr id="1" name=""/>
@@ -12512,7 +16175,7 @@
             <a:lstStyle/>
             <a:p>
               <a:pPr algn="ctr"/>
-              <a:endParaRPr lang="ko-KR" altLang="en-US"/>
+              <a:endParaRPr lang="ko-KR" altLang="en-US" dirty="0"/>
             </a:p>
           </p:txBody>
         </p:sp>
@@ -13022,7 +16685,7 @@
                   </a:schemeClr>
                 </a:solidFill>
               </a:rPr>
-              <a:t>진행도 </a:t>
+              <a:t>목차 </a:t>
             </a:r>
             <a:r>
               <a:rPr lang="en-US" altLang="ko-KR" sz="2800" b="1" i="1" dirty="0">
@@ -13032,15 +16695,492 @@
                   </a:schemeClr>
                 </a:solidFill>
               </a:rPr>
-              <a:t>Progress</a:t>
+              <a:t>Table of contents</a:t>
             </a:r>
           </a:p>
         </p:txBody>
       </p:sp>
+      <p:grpSp>
+        <p:nvGrpSpPr>
+          <p:cNvPr id="16" name="그룹 15">
+            <a:extLst>
+              <a:ext uri="{FF2B5EF4-FFF2-40B4-BE49-F238E27FC236}">
+                <a16:creationId xmlns:a16="http://schemas.microsoft.com/office/drawing/2014/main" xmlns="" id="{1592706D-EFAE-4144-BFA1-6735E09271FD}"/>
+              </a:ext>
+            </a:extLst>
+          </p:cNvPr>
+          <p:cNvGrpSpPr/>
+          <p:nvPr/>
+        </p:nvGrpSpPr>
+        <p:grpSpPr>
+          <a:xfrm>
+            <a:off x="2118166" y="1260253"/>
+            <a:ext cx="7955668" cy="4738190"/>
+            <a:chOff x="426720" y="865632"/>
+            <a:chExt cx="11387328" cy="5754624"/>
+          </a:xfrm>
+        </p:grpSpPr>
+        <p:sp>
+          <p:nvSpPr>
+            <p:cNvPr id="17" name="양쪽 모서리가 둥근 사각형 5">
+              <a:extLst>
+                <a:ext uri="{FF2B5EF4-FFF2-40B4-BE49-F238E27FC236}">
+                  <a16:creationId xmlns:a16="http://schemas.microsoft.com/office/drawing/2014/main" xmlns="" id="{8078EBE2-80A2-4C73-B338-3BF0725D8C61}"/>
+                </a:ext>
+              </a:extLst>
+            </p:cNvPr>
+            <p:cNvSpPr/>
+            <p:nvPr/>
+          </p:nvSpPr>
+          <p:spPr>
+            <a:xfrm>
+              <a:off x="426720" y="1170432"/>
+              <a:ext cx="11387328" cy="5449824"/>
+            </a:xfrm>
+            <a:prstGeom prst="round2SameRect">
+              <a:avLst>
+                <a:gd name="adj1" fmla="val 0"/>
+                <a:gd name="adj2" fmla="val 2405"/>
+              </a:avLst>
+            </a:prstGeom>
+            <a:solidFill>
+              <a:schemeClr val="bg1"/>
+            </a:solidFill>
+            <a:ln>
+              <a:solidFill>
+                <a:schemeClr val="tx1">
+                  <a:lumMod val="50000"/>
+                  <a:lumOff val="50000"/>
+                </a:schemeClr>
+              </a:solidFill>
+            </a:ln>
+            <a:effectLst>
+              <a:outerShdw dist="254000" dir="5400000" sx="97000" sy="97000" algn="t" rotWithShape="0">
+                <a:prstClr val="black">
+                  <a:alpha val="40000"/>
+                </a:prstClr>
+              </a:outerShdw>
+            </a:effectLst>
+          </p:spPr>
+          <p:style>
+            <a:lnRef idx="2">
+              <a:schemeClr val="accent1">
+                <a:shade val="50000"/>
+              </a:schemeClr>
+            </a:lnRef>
+            <a:fillRef idx="1">
+              <a:schemeClr val="accent1"/>
+            </a:fillRef>
+            <a:effectRef idx="0">
+              <a:schemeClr val="accent1"/>
+            </a:effectRef>
+            <a:fontRef idx="minor">
+              <a:schemeClr val="lt1"/>
+            </a:fontRef>
+          </p:style>
+          <p:txBody>
+            <a:bodyPr rtlCol="0" anchor="ctr"/>
+            <a:lstStyle/>
+            <a:p>
+              <a:pPr marL="3086100" lvl="6" indent="-342900">
+                <a:lnSpc>
+                  <a:spcPct val="200000"/>
+                </a:lnSpc>
+                <a:buAutoNum type="arabicPeriod"/>
+              </a:pPr>
+              <a:r>
+                <a:rPr lang="ko-KR" altLang="en-US" sz="2000" dirty="0">
+                  <a:solidFill>
+                    <a:schemeClr val="tx1"/>
+                  </a:solidFill>
+                </a:rPr>
+                <a:t>개요</a:t>
+              </a:r>
+              <a:endParaRPr lang="en-US" altLang="ko-KR" sz="2000" dirty="0">
+                <a:solidFill>
+                  <a:schemeClr val="tx1"/>
+                </a:solidFill>
+              </a:endParaRPr>
+            </a:p>
+            <a:p>
+              <a:pPr marL="3086100" lvl="6" indent="-342900">
+                <a:lnSpc>
+                  <a:spcPct val="200000"/>
+                </a:lnSpc>
+                <a:buAutoNum type="arabicPeriod"/>
+              </a:pPr>
+              <a:r>
+                <a:rPr lang="ko-KR" altLang="en-US" sz="2000" dirty="0">
+                  <a:solidFill>
+                    <a:schemeClr val="tx1"/>
+                  </a:solidFill>
+                </a:rPr>
+                <a:t>요구사항정의서</a:t>
+              </a:r>
+              <a:endParaRPr lang="en-US" altLang="ko-KR" sz="2000" dirty="0">
+                <a:solidFill>
+                  <a:schemeClr val="tx1"/>
+                </a:solidFill>
+              </a:endParaRPr>
+            </a:p>
+            <a:p>
+              <a:pPr marL="3086100" lvl="6" indent="-342900">
+                <a:lnSpc>
+                  <a:spcPct val="200000"/>
+                </a:lnSpc>
+                <a:buAutoNum type="arabicPeriod"/>
+              </a:pPr>
+              <a:r>
+                <a:rPr lang="ko-KR" altLang="en-US" sz="2000" dirty="0">
+                  <a:solidFill>
+                    <a:schemeClr val="tx1"/>
+                  </a:solidFill>
+                </a:rPr>
+                <a:t>흐름도</a:t>
+              </a:r>
+              <a:endParaRPr lang="en-US" altLang="ko-KR" sz="2000" dirty="0">
+                <a:solidFill>
+                  <a:schemeClr val="tx1"/>
+                </a:solidFill>
+              </a:endParaRPr>
+            </a:p>
+            <a:p>
+              <a:pPr marL="3086100" lvl="6" indent="-342900">
+                <a:lnSpc>
+                  <a:spcPct val="200000"/>
+                </a:lnSpc>
+                <a:buAutoNum type="arabicPeriod"/>
+              </a:pPr>
+              <a:r>
+                <a:rPr lang="en-US" altLang="ko-KR" sz="2000" dirty="0">
+                  <a:solidFill>
+                    <a:schemeClr val="tx1"/>
+                  </a:solidFill>
+                </a:rPr>
+                <a:t>ERD</a:t>
+              </a:r>
+            </a:p>
+            <a:p>
+              <a:pPr marL="3086100" lvl="6" indent="-342900">
+                <a:lnSpc>
+                  <a:spcPct val="200000"/>
+                </a:lnSpc>
+                <a:buAutoNum type="arabicPeriod"/>
+              </a:pPr>
+              <a:r>
+                <a:rPr lang="ko-KR" altLang="en-US" sz="2000" dirty="0">
+                  <a:solidFill>
+                    <a:schemeClr val="tx1"/>
+                  </a:solidFill>
+                </a:rPr>
+                <a:t>화면설계서</a:t>
+              </a:r>
+            </a:p>
+            <a:p>
+              <a:pPr algn="ctr"/>
+              <a:endParaRPr lang="ko-KR" altLang="en-US" sz="2000" dirty="0">
+                <a:solidFill>
+                  <a:prstClr val="white"/>
+                </a:solidFill>
+              </a:endParaRPr>
+            </a:p>
+          </p:txBody>
+        </p:sp>
+        <p:sp>
+          <p:nvSpPr>
+            <p:cNvPr id="18" name="양쪽 모서리가 둥근 사각형 4">
+              <a:extLst>
+                <a:ext uri="{FF2B5EF4-FFF2-40B4-BE49-F238E27FC236}">
+                  <a16:creationId xmlns:a16="http://schemas.microsoft.com/office/drawing/2014/main" xmlns="" id="{39BAB469-719B-4B91-8479-8CE11BC8E6B9}"/>
+                </a:ext>
+              </a:extLst>
+            </p:cNvPr>
+            <p:cNvSpPr/>
+            <p:nvPr/>
+          </p:nvSpPr>
+          <p:spPr>
+            <a:xfrm>
+              <a:off x="426720" y="865632"/>
+              <a:ext cx="11387328" cy="304800"/>
+            </a:xfrm>
+            <a:prstGeom prst="round2SameRect">
+              <a:avLst>
+                <a:gd name="adj1" fmla="val 44667"/>
+                <a:gd name="adj2" fmla="val 0"/>
+              </a:avLst>
+            </a:prstGeom>
+            <a:solidFill>
+              <a:srgbClr val="411F42"/>
+            </a:solidFill>
+            <a:ln>
+              <a:noFill/>
+            </a:ln>
+            <a:effectLst>
+              <a:outerShdw dist="76200" dir="16200000" sx="97000" sy="97000" rotWithShape="0">
+                <a:prstClr val="black">
+                  <a:alpha val="40000"/>
+                </a:prstClr>
+              </a:outerShdw>
+            </a:effectLst>
+          </p:spPr>
+          <p:style>
+            <a:lnRef idx="2">
+              <a:schemeClr val="accent1">
+                <a:shade val="50000"/>
+              </a:schemeClr>
+            </a:lnRef>
+            <a:fillRef idx="1">
+              <a:schemeClr val="accent1"/>
+            </a:fillRef>
+            <a:effectRef idx="0">
+              <a:schemeClr val="accent1"/>
+            </a:effectRef>
+            <a:fontRef idx="minor">
+              <a:schemeClr val="lt1"/>
+            </a:fontRef>
+          </p:style>
+          <p:txBody>
+            <a:bodyPr rtlCol="0" anchor="ctr"/>
+            <a:lstStyle/>
+            <a:p>
+              <a:pPr algn="ctr"/>
+              <a:endParaRPr lang="ko-KR" altLang="en-US">
+                <a:solidFill>
+                  <a:prstClr val="white"/>
+                </a:solidFill>
+              </a:endParaRPr>
+            </a:p>
+          </p:txBody>
+        </p:sp>
+        <p:sp>
+          <p:nvSpPr>
+            <p:cNvPr id="19" name="직사각형 18">
+              <a:extLst>
+                <a:ext uri="{FF2B5EF4-FFF2-40B4-BE49-F238E27FC236}">
+                  <a16:creationId xmlns:a16="http://schemas.microsoft.com/office/drawing/2014/main" xmlns="" id="{39F1B524-4CC7-4E30-816B-3723A5813198}"/>
+                </a:ext>
+              </a:extLst>
+            </p:cNvPr>
+            <p:cNvSpPr/>
+            <p:nvPr/>
+          </p:nvSpPr>
+          <p:spPr>
+            <a:xfrm>
+              <a:off x="1187760" y="988416"/>
+              <a:ext cx="10152000" cy="72000"/>
+            </a:xfrm>
+            <a:prstGeom prst="rect">
+              <a:avLst/>
+            </a:prstGeom>
+            <a:solidFill>
+              <a:schemeClr val="bg1"/>
+            </a:solidFill>
+            <a:ln>
+              <a:noFill/>
+            </a:ln>
+          </p:spPr>
+          <p:style>
+            <a:lnRef idx="2">
+              <a:schemeClr val="accent1">
+                <a:shade val="50000"/>
+              </a:schemeClr>
+            </a:lnRef>
+            <a:fillRef idx="1">
+              <a:schemeClr val="accent1"/>
+            </a:fillRef>
+            <a:effectRef idx="0">
+              <a:schemeClr val="accent1"/>
+            </a:effectRef>
+            <a:fontRef idx="minor">
+              <a:schemeClr val="lt1"/>
+            </a:fontRef>
+          </p:style>
+          <p:txBody>
+            <a:bodyPr rtlCol="0" anchor="ctr"/>
+            <a:lstStyle/>
+            <a:p>
+              <a:pPr algn="ctr"/>
+              <a:endParaRPr lang="ko-KR" altLang="en-US">
+                <a:solidFill>
+                  <a:prstClr val="white"/>
+                </a:solidFill>
+              </a:endParaRPr>
+            </a:p>
+          </p:txBody>
+        </p:sp>
+        <p:sp>
+          <p:nvSpPr>
+            <p:cNvPr id="20" name="타원 19">
+              <a:extLst>
+                <a:ext uri="{FF2B5EF4-FFF2-40B4-BE49-F238E27FC236}">
+                  <a16:creationId xmlns:a16="http://schemas.microsoft.com/office/drawing/2014/main" xmlns="" id="{9F7C7939-334C-4B6E-8334-1DAF6166C2BD}"/>
+                </a:ext>
+              </a:extLst>
+            </p:cNvPr>
+            <p:cNvSpPr/>
+            <p:nvPr/>
+          </p:nvSpPr>
+          <p:spPr>
+            <a:xfrm>
+              <a:off x="578741" y="988416"/>
+              <a:ext cx="72000" cy="72000"/>
+            </a:xfrm>
+            <a:prstGeom prst="ellipse">
+              <a:avLst/>
+            </a:prstGeom>
+            <a:solidFill>
+              <a:srgbClr val="FF6189"/>
+            </a:solidFill>
+            <a:ln>
+              <a:noFill/>
+            </a:ln>
+          </p:spPr>
+          <p:style>
+            <a:lnRef idx="2">
+              <a:schemeClr val="accent1">
+                <a:shade val="50000"/>
+              </a:schemeClr>
+            </a:lnRef>
+            <a:fillRef idx="1">
+              <a:schemeClr val="accent1"/>
+            </a:fillRef>
+            <a:effectRef idx="0">
+              <a:schemeClr val="accent1"/>
+            </a:effectRef>
+            <a:fontRef idx="minor">
+              <a:schemeClr val="lt1"/>
+            </a:fontRef>
+          </p:style>
+          <p:txBody>
+            <a:bodyPr rtlCol="0" anchor="ctr"/>
+            <a:lstStyle/>
+            <a:p>
+              <a:pPr algn="ctr"/>
+              <a:endParaRPr lang="ko-KR" altLang="en-US">
+                <a:solidFill>
+                  <a:prstClr val="white"/>
+                </a:solidFill>
+              </a:endParaRPr>
+            </a:p>
+          </p:txBody>
+        </p:sp>
+        <p:sp>
+          <p:nvSpPr>
+            <p:cNvPr id="21" name="타원 20">
+              <a:extLst>
+                <a:ext uri="{FF2B5EF4-FFF2-40B4-BE49-F238E27FC236}">
+                  <a16:creationId xmlns:a16="http://schemas.microsoft.com/office/drawing/2014/main" xmlns="" id="{3ACF8C7F-31C0-4E48-9500-11CA0520BEC1}"/>
+                </a:ext>
+              </a:extLst>
+            </p:cNvPr>
+            <p:cNvSpPr/>
+            <p:nvPr/>
+          </p:nvSpPr>
+          <p:spPr>
+            <a:xfrm>
+              <a:off x="768619" y="988416"/>
+              <a:ext cx="72000" cy="72000"/>
+            </a:xfrm>
+            <a:prstGeom prst="ellipse">
+              <a:avLst/>
+            </a:prstGeom>
+            <a:solidFill>
+              <a:srgbClr val="00B0F0"/>
+            </a:solidFill>
+            <a:ln>
+              <a:noFill/>
+            </a:ln>
+          </p:spPr>
+          <p:style>
+            <a:lnRef idx="2">
+              <a:schemeClr val="accent1">
+                <a:shade val="50000"/>
+              </a:schemeClr>
+            </a:lnRef>
+            <a:fillRef idx="1">
+              <a:schemeClr val="accent1"/>
+            </a:fillRef>
+            <a:effectRef idx="0">
+              <a:schemeClr val="accent1"/>
+            </a:effectRef>
+            <a:fontRef idx="minor">
+              <a:schemeClr val="lt1"/>
+            </a:fontRef>
+          </p:style>
+          <p:txBody>
+            <a:bodyPr rtlCol="0" anchor="ctr"/>
+            <a:lstStyle/>
+            <a:p>
+              <a:pPr algn="ctr"/>
+              <a:endParaRPr lang="ko-KR" altLang="en-US">
+                <a:solidFill>
+                  <a:prstClr val="white"/>
+                </a:solidFill>
+              </a:endParaRPr>
+            </a:p>
+          </p:txBody>
+        </p:sp>
+        <p:sp>
+          <p:nvSpPr>
+            <p:cNvPr id="22" name="타원 21">
+              <a:extLst>
+                <a:ext uri="{FF2B5EF4-FFF2-40B4-BE49-F238E27FC236}">
+                  <a16:creationId xmlns:a16="http://schemas.microsoft.com/office/drawing/2014/main" xmlns="" id="{CDF524C5-87D1-45D8-B459-FDB2C64EC2DD}"/>
+                </a:ext>
+              </a:extLst>
+            </p:cNvPr>
+            <p:cNvSpPr/>
+            <p:nvPr/>
+          </p:nvSpPr>
+          <p:spPr>
+            <a:xfrm>
+              <a:off x="958496" y="988416"/>
+              <a:ext cx="72000" cy="72000"/>
+            </a:xfrm>
+            <a:prstGeom prst="ellipse">
+              <a:avLst/>
+            </a:prstGeom>
+            <a:solidFill>
+              <a:schemeClr val="accent4"/>
+            </a:solidFill>
+            <a:ln>
+              <a:noFill/>
+            </a:ln>
+          </p:spPr>
+          <p:style>
+            <a:lnRef idx="2">
+              <a:schemeClr val="accent1">
+                <a:shade val="50000"/>
+              </a:schemeClr>
+            </a:lnRef>
+            <a:fillRef idx="1">
+              <a:schemeClr val="accent1"/>
+            </a:fillRef>
+            <a:effectRef idx="0">
+              <a:schemeClr val="accent1"/>
+            </a:effectRef>
+            <a:fontRef idx="minor">
+              <a:schemeClr val="lt1"/>
+            </a:fontRef>
+          </p:style>
+          <p:txBody>
+            <a:bodyPr rtlCol="0" anchor="ctr"/>
+            <a:lstStyle/>
+            <a:p>
+              <a:pPr algn="ctr"/>
+              <a:endParaRPr lang="ko-KR" altLang="en-US">
+                <a:solidFill>
+                  <a:prstClr val="white"/>
+                </a:solidFill>
+              </a:endParaRPr>
+            </a:p>
+          </p:txBody>
+        </p:sp>
+      </p:grpSp>
     </p:spTree>
     <p:extLst>
       <p:ext uri="{BB962C8B-B14F-4D97-AF65-F5344CB8AC3E}">
-        <p14:creationId xmlns:p14="http://schemas.microsoft.com/office/powerpoint/2010/main" val="209962418"/>
+        <p14:creationId xmlns:p14="http://schemas.microsoft.com/office/powerpoint/2010/main" val="1500081173"/>
       </p:ext>
     </p:extLst>
   </p:cSld>
@@ -13050,7 +17190,7 @@
 </p:sld>
 </file>
 
-<file path=ppt/slides/slide18.xml><?xml version="1.0" encoding="utf-8"?>
+<file path=ppt/slides/slide20.xml><?xml version="1.0" encoding="utf-8"?>
 <p:sld xmlns:a="http://schemas.openxmlformats.org/drawingml/2006/main" xmlns:r="http://schemas.openxmlformats.org/officeDocument/2006/relationships" xmlns:p="http://schemas.openxmlformats.org/presentationml/2006/main">
   <p:cSld>
     <p:spTree>
@@ -13702,7 +17842,7 @@
                   </a:schemeClr>
                 </a:solidFill>
               </a:rPr>
-              <a:t>논의 </a:t>
+              <a:t>진행도 </a:t>
             </a:r>
             <a:r>
               <a:rPr lang="en-US" altLang="ko-KR" sz="2800" b="1" i="1" dirty="0">
@@ -13712,7 +17852,7 @@
                   </a:schemeClr>
                 </a:solidFill>
               </a:rPr>
-              <a:t>Issue</a:t>
+              <a:t>Progress</a:t>
             </a:r>
           </a:p>
         </p:txBody>
@@ -13720,7 +17860,7 @@
     </p:spTree>
     <p:extLst>
       <p:ext uri="{BB962C8B-B14F-4D97-AF65-F5344CB8AC3E}">
-        <p14:creationId xmlns:p14="http://schemas.microsoft.com/office/powerpoint/2010/main" val="3821294017"/>
+        <p14:creationId xmlns:p14="http://schemas.microsoft.com/office/powerpoint/2010/main" val="209962418"/>
       </p:ext>
     </p:extLst>
   </p:cSld>
@@ -13730,22 +17870,9 @@
 </p:sld>
 </file>
 
-<file path=ppt/slides/slide2.xml><?xml version="1.0" encoding="utf-8"?>
+<file path=ppt/slides/slide21.xml><?xml version="1.0" encoding="utf-8"?>
 <p:sld xmlns:a="http://schemas.openxmlformats.org/drawingml/2006/main" xmlns:r="http://schemas.openxmlformats.org/officeDocument/2006/relationships" xmlns:p="http://schemas.openxmlformats.org/presentationml/2006/main">
   <p:cSld>
-    <p:bg>
-      <p:bgPr>
-        <a:blipFill dpi="0" rotWithShape="1">
-          <a:blip r:embed="rId2">
-            <a:alphaModFix amt="36000"/>
-            <a:lum/>
-          </a:blip>
-          <a:srcRect/>
-          <a:tile tx="0" ty="0" sx="70000" sy="70000" flip="none" algn="tl"/>
-        </a:blipFill>
-        <a:effectLst/>
-      </p:bgPr>
-    </p:bg>
     <p:spTree>
       <p:nvGrpSpPr>
         <p:cNvPr id="1" name=""/>
@@ -13885,7 +18012,7 @@
             <a:lstStyle/>
             <a:p>
               <a:pPr algn="ctr"/>
-              <a:endParaRPr lang="ko-KR" altLang="en-US" dirty="0"/>
+              <a:endParaRPr lang="ko-KR" altLang="en-US"/>
             </a:p>
           </p:txBody>
         </p:sp>
@@ -14395,7 +18522,7 @@
                   </a:schemeClr>
                 </a:solidFill>
               </a:rPr>
-              <a:t>목차 </a:t>
+              <a:t>논의 </a:t>
             </a:r>
             <a:r>
               <a:rPr lang="en-US" altLang="ko-KR" sz="2800" b="1" i="1" dirty="0">
@@ -14405,492 +18532,15 @@
                   </a:schemeClr>
                 </a:solidFill>
               </a:rPr>
-              <a:t>Table of contents</a:t>
+              <a:t>Issue</a:t>
             </a:r>
           </a:p>
         </p:txBody>
       </p:sp>
-      <p:grpSp>
-        <p:nvGrpSpPr>
-          <p:cNvPr id="16" name="그룹 15">
-            <a:extLst>
-              <a:ext uri="{FF2B5EF4-FFF2-40B4-BE49-F238E27FC236}">
-                <a16:creationId xmlns:a16="http://schemas.microsoft.com/office/drawing/2014/main" id="{1592706D-EFAE-4144-BFA1-6735E09271FD}"/>
-              </a:ext>
-            </a:extLst>
-          </p:cNvPr>
-          <p:cNvGrpSpPr/>
-          <p:nvPr/>
-        </p:nvGrpSpPr>
-        <p:grpSpPr>
-          <a:xfrm>
-            <a:off x="2118166" y="1260253"/>
-            <a:ext cx="7955668" cy="4738190"/>
-            <a:chOff x="426720" y="865632"/>
-            <a:chExt cx="11387328" cy="5754624"/>
-          </a:xfrm>
-        </p:grpSpPr>
-        <p:sp>
-          <p:nvSpPr>
-            <p:cNvPr id="17" name="양쪽 모서리가 둥근 사각형 5">
-              <a:extLst>
-                <a:ext uri="{FF2B5EF4-FFF2-40B4-BE49-F238E27FC236}">
-                  <a16:creationId xmlns:a16="http://schemas.microsoft.com/office/drawing/2014/main" id="{8078EBE2-80A2-4C73-B338-3BF0725D8C61}"/>
-                </a:ext>
-              </a:extLst>
-            </p:cNvPr>
-            <p:cNvSpPr/>
-            <p:nvPr/>
-          </p:nvSpPr>
-          <p:spPr>
-            <a:xfrm>
-              <a:off x="426720" y="1170432"/>
-              <a:ext cx="11387328" cy="5449824"/>
-            </a:xfrm>
-            <a:prstGeom prst="round2SameRect">
-              <a:avLst>
-                <a:gd name="adj1" fmla="val 0"/>
-                <a:gd name="adj2" fmla="val 2405"/>
-              </a:avLst>
-            </a:prstGeom>
-            <a:solidFill>
-              <a:schemeClr val="bg1"/>
-            </a:solidFill>
-            <a:ln>
-              <a:solidFill>
-                <a:schemeClr val="tx1">
-                  <a:lumMod val="50000"/>
-                  <a:lumOff val="50000"/>
-                </a:schemeClr>
-              </a:solidFill>
-            </a:ln>
-            <a:effectLst>
-              <a:outerShdw dist="254000" dir="5400000" sx="97000" sy="97000" algn="t" rotWithShape="0">
-                <a:prstClr val="black">
-                  <a:alpha val="40000"/>
-                </a:prstClr>
-              </a:outerShdw>
-            </a:effectLst>
-          </p:spPr>
-          <p:style>
-            <a:lnRef idx="2">
-              <a:schemeClr val="accent1">
-                <a:shade val="50000"/>
-              </a:schemeClr>
-            </a:lnRef>
-            <a:fillRef idx="1">
-              <a:schemeClr val="accent1"/>
-            </a:fillRef>
-            <a:effectRef idx="0">
-              <a:schemeClr val="accent1"/>
-            </a:effectRef>
-            <a:fontRef idx="minor">
-              <a:schemeClr val="lt1"/>
-            </a:fontRef>
-          </p:style>
-          <p:txBody>
-            <a:bodyPr rtlCol="0" anchor="ctr"/>
-            <a:lstStyle/>
-            <a:p>
-              <a:pPr marL="3086100" lvl="6" indent="-342900">
-                <a:lnSpc>
-                  <a:spcPct val="200000"/>
-                </a:lnSpc>
-                <a:buAutoNum type="arabicPeriod"/>
-              </a:pPr>
-              <a:r>
-                <a:rPr lang="ko-KR" altLang="en-US" sz="2000" dirty="0">
-                  <a:solidFill>
-                    <a:schemeClr val="tx1"/>
-                  </a:solidFill>
-                </a:rPr>
-                <a:t>개요</a:t>
-              </a:r>
-              <a:endParaRPr lang="en-US" altLang="ko-KR" sz="2000" dirty="0">
-                <a:solidFill>
-                  <a:schemeClr val="tx1"/>
-                </a:solidFill>
-              </a:endParaRPr>
-            </a:p>
-            <a:p>
-              <a:pPr marL="3086100" lvl="6" indent="-342900">
-                <a:lnSpc>
-                  <a:spcPct val="200000"/>
-                </a:lnSpc>
-                <a:buAutoNum type="arabicPeriod"/>
-              </a:pPr>
-              <a:r>
-                <a:rPr lang="ko-KR" altLang="en-US" sz="2000" dirty="0">
-                  <a:solidFill>
-                    <a:schemeClr val="tx1"/>
-                  </a:solidFill>
-                </a:rPr>
-                <a:t>요구사항정의서</a:t>
-              </a:r>
-              <a:endParaRPr lang="en-US" altLang="ko-KR" sz="2000" dirty="0">
-                <a:solidFill>
-                  <a:schemeClr val="tx1"/>
-                </a:solidFill>
-              </a:endParaRPr>
-            </a:p>
-            <a:p>
-              <a:pPr marL="3086100" lvl="6" indent="-342900">
-                <a:lnSpc>
-                  <a:spcPct val="200000"/>
-                </a:lnSpc>
-                <a:buAutoNum type="arabicPeriod"/>
-              </a:pPr>
-              <a:r>
-                <a:rPr lang="ko-KR" altLang="en-US" sz="2000" dirty="0">
-                  <a:solidFill>
-                    <a:schemeClr val="tx1"/>
-                  </a:solidFill>
-                </a:rPr>
-                <a:t>흐름도</a:t>
-              </a:r>
-              <a:endParaRPr lang="en-US" altLang="ko-KR" sz="2000" dirty="0">
-                <a:solidFill>
-                  <a:schemeClr val="tx1"/>
-                </a:solidFill>
-              </a:endParaRPr>
-            </a:p>
-            <a:p>
-              <a:pPr marL="3086100" lvl="6" indent="-342900">
-                <a:lnSpc>
-                  <a:spcPct val="200000"/>
-                </a:lnSpc>
-                <a:buAutoNum type="arabicPeriod"/>
-              </a:pPr>
-              <a:r>
-                <a:rPr lang="en-US" altLang="ko-KR" sz="2000" dirty="0">
-                  <a:solidFill>
-                    <a:schemeClr val="tx1"/>
-                  </a:solidFill>
-                </a:rPr>
-                <a:t>ERD</a:t>
-              </a:r>
-            </a:p>
-            <a:p>
-              <a:pPr marL="3086100" lvl="6" indent="-342900">
-                <a:lnSpc>
-                  <a:spcPct val="200000"/>
-                </a:lnSpc>
-                <a:buAutoNum type="arabicPeriod"/>
-              </a:pPr>
-              <a:r>
-                <a:rPr lang="ko-KR" altLang="en-US" sz="2000" dirty="0">
-                  <a:solidFill>
-                    <a:schemeClr val="tx1"/>
-                  </a:solidFill>
-                </a:rPr>
-                <a:t>화면설계서</a:t>
-              </a:r>
-            </a:p>
-            <a:p>
-              <a:pPr algn="ctr"/>
-              <a:endParaRPr lang="ko-KR" altLang="en-US" sz="2000" dirty="0">
-                <a:solidFill>
-                  <a:prstClr val="white"/>
-                </a:solidFill>
-              </a:endParaRPr>
-            </a:p>
-          </p:txBody>
-        </p:sp>
-        <p:sp>
-          <p:nvSpPr>
-            <p:cNvPr id="18" name="양쪽 모서리가 둥근 사각형 4">
-              <a:extLst>
-                <a:ext uri="{FF2B5EF4-FFF2-40B4-BE49-F238E27FC236}">
-                  <a16:creationId xmlns:a16="http://schemas.microsoft.com/office/drawing/2014/main" id="{39BAB469-719B-4B91-8479-8CE11BC8E6B9}"/>
-                </a:ext>
-              </a:extLst>
-            </p:cNvPr>
-            <p:cNvSpPr/>
-            <p:nvPr/>
-          </p:nvSpPr>
-          <p:spPr>
-            <a:xfrm>
-              <a:off x="426720" y="865632"/>
-              <a:ext cx="11387328" cy="304800"/>
-            </a:xfrm>
-            <a:prstGeom prst="round2SameRect">
-              <a:avLst>
-                <a:gd name="adj1" fmla="val 44667"/>
-                <a:gd name="adj2" fmla="val 0"/>
-              </a:avLst>
-            </a:prstGeom>
-            <a:solidFill>
-              <a:srgbClr val="411F42"/>
-            </a:solidFill>
-            <a:ln>
-              <a:noFill/>
-            </a:ln>
-            <a:effectLst>
-              <a:outerShdw dist="76200" dir="16200000" sx="97000" sy="97000" rotWithShape="0">
-                <a:prstClr val="black">
-                  <a:alpha val="40000"/>
-                </a:prstClr>
-              </a:outerShdw>
-            </a:effectLst>
-          </p:spPr>
-          <p:style>
-            <a:lnRef idx="2">
-              <a:schemeClr val="accent1">
-                <a:shade val="50000"/>
-              </a:schemeClr>
-            </a:lnRef>
-            <a:fillRef idx="1">
-              <a:schemeClr val="accent1"/>
-            </a:fillRef>
-            <a:effectRef idx="0">
-              <a:schemeClr val="accent1"/>
-            </a:effectRef>
-            <a:fontRef idx="minor">
-              <a:schemeClr val="lt1"/>
-            </a:fontRef>
-          </p:style>
-          <p:txBody>
-            <a:bodyPr rtlCol="0" anchor="ctr"/>
-            <a:lstStyle/>
-            <a:p>
-              <a:pPr algn="ctr"/>
-              <a:endParaRPr lang="ko-KR" altLang="en-US">
-                <a:solidFill>
-                  <a:prstClr val="white"/>
-                </a:solidFill>
-              </a:endParaRPr>
-            </a:p>
-          </p:txBody>
-        </p:sp>
-        <p:sp>
-          <p:nvSpPr>
-            <p:cNvPr id="19" name="직사각형 18">
-              <a:extLst>
-                <a:ext uri="{FF2B5EF4-FFF2-40B4-BE49-F238E27FC236}">
-                  <a16:creationId xmlns:a16="http://schemas.microsoft.com/office/drawing/2014/main" id="{39F1B524-4CC7-4E30-816B-3723A5813198}"/>
-                </a:ext>
-              </a:extLst>
-            </p:cNvPr>
-            <p:cNvSpPr/>
-            <p:nvPr/>
-          </p:nvSpPr>
-          <p:spPr>
-            <a:xfrm>
-              <a:off x="1187760" y="988416"/>
-              <a:ext cx="10152000" cy="72000"/>
-            </a:xfrm>
-            <a:prstGeom prst="rect">
-              <a:avLst/>
-            </a:prstGeom>
-            <a:solidFill>
-              <a:schemeClr val="bg1"/>
-            </a:solidFill>
-            <a:ln>
-              <a:noFill/>
-            </a:ln>
-          </p:spPr>
-          <p:style>
-            <a:lnRef idx="2">
-              <a:schemeClr val="accent1">
-                <a:shade val="50000"/>
-              </a:schemeClr>
-            </a:lnRef>
-            <a:fillRef idx="1">
-              <a:schemeClr val="accent1"/>
-            </a:fillRef>
-            <a:effectRef idx="0">
-              <a:schemeClr val="accent1"/>
-            </a:effectRef>
-            <a:fontRef idx="minor">
-              <a:schemeClr val="lt1"/>
-            </a:fontRef>
-          </p:style>
-          <p:txBody>
-            <a:bodyPr rtlCol="0" anchor="ctr"/>
-            <a:lstStyle/>
-            <a:p>
-              <a:pPr algn="ctr"/>
-              <a:endParaRPr lang="ko-KR" altLang="en-US">
-                <a:solidFill>
-                  <a:prstClr val="white"/>
-                </a:solidFill>
-              </a:endParaRPr>
-            </a:p>
-          </p:txBody>
-        </p:sp>
-        <p:sp>
-          <p:nvSpPr>
-            <p:cNvPr id="20" name="타원 19">
-              <a:extLst>
-                <a:ext uri="{FF2B5EF4-FFF2-40B4-BE49-F238E27FC236}">
-                  <a16:creationId xmlns:a16="http://schemas.microsoft.com/office/drawing/2014/main" id="{9F7C7939-334C-4B6E-8334-1DAF6166C2BD}"/>
-                </a:ext>
-              </a:extLst>
-            </p:cNvPr>
-            <p:cNvSpPr/>
-            <p:nvPr/>
-          </p:nvSpPr>
-          <p:spPr>
-            <a:xfrm>
-              <a:off x="578741" y="988416"/>
-              <a:ext cx="72000" cy="72000"/>
-            </a:xfrm>
-            <a:prstGeom prst="ellipse">
-              <a:avLst/>
-            </a:prstGeom>
-            <a:solidFill>
-              <a:srgbClr val="FF6189"/>
-            </a:solidFill>
-            <a:ln>
-              <a:noFill/>
-            </a:ln>
-          </p:spPr>
-          <p:style>
-            <a:lnRef idx="2">
-              <a:schemeClr val="accent1">
-                <a:shade val="50000"/>
-              </a:schemeClr>
-            </a:lnRef>
-            <a:fillRef idx="1">
-              <a:schemeClr val="accent1"/>
-            </a:fillRef>
-            <a:effectRef idx="0">
-              <a:schemeClr val="accent1"/>
-            </a:effectRef>
-            <a:fontRef idx="minor">
-              <a:schemeClr val="lt1"/>
-            </a:fontRef>
-          </p:style>
-          <p:txBody>
-            <a:bodyPr rtlCol="0" anchor="ctr"/>
-            <a:lstStyle/>
-            <a:p>
-              <a:pPr algn="ctr"/>
-              <a:endParaRPr lang="ko-KR" altLang="en-US">
-                <a:solidFill>
-                  <a:prstClr val="white"/>
-                </a:solidFill>
-              </a:endParaRPr>
-            </a:p>
-          </p:txBody>
-        </p:sp>
-        <p:sp>
-          <p:nvSpPr>
-            <p:cNvPr id="21" name="타원 20">
-              <a:extLst>
-                <a:ext uri="{FF2B5EF4-FFF2-40B4-BE49-F238E27FC236}">
-                  <a16:creationId xmlns:a16="http://schemas.microsoft.com/office/drawing/2014/main" id="{3ACF8C7F-31C0-4E48-9500-11CA0520BEC1}"/>
-                </a:ext>
-              </a:extLst>
-            </p:cNvPr>
-            <p:cNvSpPr/>
-            <p:nvPr/>
-          </p:nvSpPr>
-          <p:spPr>
-            <a:xfrm>
-              <a:off x="768619" y="988416"/>
-              <a:ext cx="72000" cy="72000"/>
-            </a:xfrm>
-            <a:prstGeom prst="ellipse">
-              <a:avLst/>
-            </a:prstGeom>
-            <a:solidFill>
-              <a:srgbClr val="00B0F0"/>
-            </a:solidFill>
-            <a:ln>
-              <a:noFill/>
-            </a:ln>
-          </p:spPr>
-          <p:style>
-            <a:lnRef idx="2">
-              <a:schemeClr val="accent1">
-                <a:shade val="50000"/>
-              </a:schemeClr>
-            </a:lnRef>
-            <a:fillRef idx="1">
-              <a:schemeClr val="accent1"/>
-            </a:fillRef>
-            <a:effectRef idx="0">
-              <a:schemeClr val="accent1"/>
-            </a:effectRef>
-            <a:fontRef idx="minor">
-              <a:schemeClr val="lt1"/>
-            </a:fontRef>
-          </p:style>
-          <p:txBody>
-            <a:bodyPr rtlCol="0" anchor="ctr"/>
-            <a:lstStyle/>
-            <a:p>
-              <a:pPr algn="ctr"/>
-              <a:endParaRPr lang="ko-KR" altLang="en-US">
-                <a:solidFill>
-                  <a:prstClr val="white"/>
-                </a:solidFill>
-              </a:endParaRPr>
-            </a:p>
-          </p:txBody>
-        </p:sp>
-        <p:sp>
-          <p:nvSpPr>
-            <p:cNvPr id="22" name="타원 21">
-              <a:extLst>
-                <a:ext uri="{FF2B5EF4-FFF2-40B4-BE49-F238E27FC236}">
-                  <a16:creationId xmlns:a16="http://schemas.microsoft.com/office/drawing/2014/main" id="{CDF524C5-87D1-45D8-B459-FDB2C64EC2DD}"/>
-                </a:ext>
-              </a:extLst>
-            </p:cNvPr>
-            <p:cNvSpPr/>
-            <p:nvPr/>
-          </p:nvSpPr>
-          <p:spPr>
-            <a:xfrm>
-              <a:off x="958496" y="988416"/>
-              <a:ext cx="72000" cy="72000"/>
-            </a:xfrm>
-            <a:prstGeom prst="ellipse">
-              <a:avLst/>
-            </a:prstGeom>
-            <a:solidFill>
-              <a:schemeClr val="accent4"/>
-            </a:solidFill>
-            <a:ln>
-              <a:noFill/>
-            </a:ln>
-          </p:spPr>
-          <p:style>
-            <a:lnRef idx="2">
-              <a:schemeClr val="accent1">
-                <a:shade val="50000"/>
-              </a:schemeClr>
-            </a:lnRef>
-            <a:fillRef idx="1">
-              <a:schemeClr val="accent1"/>
-            </a:fillRef>
-            <a:effectRef idx="0">
-              <a:schemeClr val="accent1"/>
-            </a:effectRef>
-            <a:fontRef idx="minor">
-              <a:schemeClr val="lt1"/>
-            </a:fontRef>
-          </p:style>
-          <p:txBody>
-            <a:bodyPr rtlCol="0" anchor="ctr"/>
-            <a:lstStyle/>
-            <a:p>
-              <a:pPr algn="ctr"/>
-              <a:endParaRPr lang="ko-KR" altLang="en-US">
-                <a:solidFill>
-                  <a:prstClr val="white"/>
-                </a:solidFill>
-              </a:endParaRPr>
-            </a:p>
-          </p:txBody>
-        </p:sp>
-      </p:grpSp>
     </p:spTree>
     <p:extLst>
       <p:ext uri="{BB962C8B-B14F-4D97-AF65-F5344CB8AC3E}">
-        <p14:creationId xmlns:p14="http://schemas.microsoft.com/office/powerpoint/2010/main" val="1500081173"/>
+        <p14:creationId xmlns:p14="http://schemas.microsoft.com/office/powerpoint/2010/main" val="3821294017"/>
       </p:ext>
     </p:extLst>
   </p:cSld>

--- a/WebContent/발표/프로젝트5.pptx
+++ b/WebContent/발표/프로젝트5.pptx
@@ -15,34 +15,39 @@
     <p:sldId id="319" r:id="rId9"/>
     <p:sldId id="310" r:id="rId10"/>
     <p:sldId id="320" r:id="rId11"/>
-    <p:sldId id="325" r:id="rId12"/>
-    <p:sldId id="326" r:id="rId13"/>
-    <p:sldId id="327" r:id="rId14"/>
-    <p:sldId id="328" r:id="rId15"/>
-    <p:sldId id="329" r:id="rId16"/>
-    <p:sldId id="330" r:id="rId17"/>
-    <p:sldId id="331" r:id="rId18"/>
-    <p:sldId id="332" r:id="rId19"/>
-    <p:sldId id="341" r:id="rId20"/>
-    <p:sldId id="342" r:id="rId21"/>
-    <p:sldId id="343" r:id="rId22"/>
-    <p:sldId id="344" r:id="rId23"/>
-    <p:sldId id="333" r:id="rId24"/>
-    <p:sldId id="334" r:id="rId25"/>
-    <p:sldId id="335" r:id="rId26"/>
-    <p:sldId id="336" r:id="rId27"/>
-    <p:sldId id="337" r:id="rId28"/>
-    <p:sldId id="338" r:id="rId29"/>
-    <p:sldId id="339" r:id="rId30"/>
-    <p:sldId id="340" r:id="rId31"/>
-    <p:sldId id="309" r:id="rId32"/>
-    <p:sldId id="321" r:id="rId33"/>
-    <p:sldId id="324" r:id="rId34"/>
-    <p:sldId id="311" r:id="rId35"/>
-    <p:sldId id="312" r:id="rId36"/>
-    <p:sldId id="313" r:id="rId37"/>
-    <p:sldId id="314" r:id="rId38"/>
-    <p:sldId id="315" r:id="rId39"/>
+    <p:sldId id="349" r:id="rId12"/>
+    <p:sldId id="350" r:id="rId13"/>
+    <p:sldId id="351" r:id="rId14"/>
+    <p:sldId id="345" r:id="rId15"/>
+    <p:sldId id="352" r:id="rId16"/>
+    <p:sldId id="353" r:id="rId17"/>
+    <p:sldId id="354" r:id="rId18"/>
+    <p:sldId id="355" r:id="rId19"/>
+    <p:sldId id="356" r:id="rId20"/>
+    <p:sldId id="357" r:id="rId21"/>
+    <p:sldId id="346" r:id="rId22"/>
+    <p:sldId id="358" r:id="rId23"/>
+    <p:sldId id="359" r:id="rId24"/>
+    <p:sldId id="360" r:id="rId25"/>
+    <p:sldId id="361" r:id="rId26"/>
+    <p:sldId id="362" r:id="rId27"/>
+    <p:sldId id="363" r:id="rId28"/>
+    <p:sldId id="364" r:id="rId29"/>
+    <p:sldId id="365" r:id="rId30"/>
+    <p:sldId id="347" r:id="rId31"/>
+    <p:sldId id="366" r:id="rId32"/>
+    <p:sldId id="367" r:id="rId33"/>
+    <p:sldId id="348" r:id="rId34"/>
+    <p:sldId id="339" r:id="rId35"/>
+    <p:sldId id="340" r:id="rId36"/>
+    <p:sldId id="309" r:id="rId37"/>
+    <p:sldId id="321" r:id="rId38"/>
+    <p:sldId id="324" r:id="rId39"/>
+    <p:sldId id="311" r:id="rId40"/>
+    <p:sldId id="312" r:id="rId41"/>
+    <p:sldId id="313" r:id="rId42"/>
+    <p:sldId id="314" r:id="rId43"/>
+    <p:sldId id="315" r:id="rId44"/>
   </p:sldIdLst>
   <p:sldSz cx="12192000" cy="6858000"/>
   <p:notesSz cx="6858000" cy="9144000"/>
@@ -143,7 +148,18 @@
   </p:defaultTextStyle>
   <p:extLst>
     <p:ext uri="{EFAFB233-063F-42B5-8137-9DF3F51BA10A}">
-      <p15:sldGuideLst xmlns:p15="http://schemas.microsoft.com/office/powerpoint/2012/main" xmlns=""/>
+      <p15:sldGuideLst xmlns:p15="http://schemas.microsoft.com/office/powerpoint/2012/main">
+        <p15:guide id="1" orient="horz" pos="2160">
+          <p15:clr>
+            <a:srgbClr val="A4A3A4"/>
+          </p15:clr>
+        </p15:guide>
+        <p15:guide id="2" pos="3840">
+          <p15:clr>
+            <a:srgbClr val="A4A3A4"/>
+          </p15:clr>
+        </p15:guide>
+      </p15:sldGuideLst>
     </p:ext>
   </p:extLst>
 </p:presentation>
@@ -4037,7 +4053,7 @@
           <p:cNvPr id="16" name="그룹 15">
             <a:extLst>
               <a:ext uri="{FF2B5EF4-FFF2-40B4-BE49-F238E27FC236}">
-                <a16:creationId xmlns:a16="http://schemas.microsoft.com/office/drawing/2014/main" xmlns="" id="{1592706D-EFAE-4144-BFA1-6735E09271FD}"/>
+                <a16:creationId xmlns="" xmlns:a16="http://schemas.microsoft.com/office/drawing/2014/main" id="{1592706D-EFAE-4144-BFA1-6735E09271FD}"/>
               </a:ext>
             </a:extLst>
           </p:cNvPr>
@@ -4057,7 +4073,7 @@
             <p:cNvPr id="17" name="양쪽 모서리가 둥근 사각형 5">
               <a:extLst>
                 <a:ext uri="{FF2B5EF4-FFF2-40B4-BE49-F238E27FC236}">
-                  <a16:creationId xmlns:a16="http://schemas.microsoft.com/office/drawing/2014/main" xmlns="" id="{8078EBE2-80A2-4C73-B338-3BF0725D8C61}"/>
+                  <a16:creationId xmlns="" xmlns:a16="http://schemas.microsoft.com/office/drawing/2014/main" id="{8078EBE2-80A2-4C73-B338-3BF0725D8C61}"/>
                 </a:ext>
               </a:extLst>
             </p:cNvPr>
@@ -4223,7 +4239,7 @@
             <p:cNvPr id="18" name="양쪽 모서리가 둥근 사각형 4">
               <a:extLst>
                 <a:ext uri="{FF2B5EF4-FFF2-40B4-BE49-F238E27FC236}">
-                  <a16:creationId xmlns:a16="http://schemas.microsoft.com/office/drawing/2014/main" xmlns="" id="{39BAB469-719B-4B91-8479-8CE11BC8E6B9}"/>
+                  <a16:creationId xmlns="" xmlns:a16="http://schemas.microsoft.com/office/drawing/2014/main" id="{39BAB469-719B-4B91-8479-8CE11BC8E6B9}"/>
                 </a:ext>
               </a:extLst>
             </p:cNvPr>
@@ -4289,7 +4305,7 @@
             <p:cNvPr id="19" name="직사각형 18">
               <a:extLst>
                 <a:ext uri="{FF2B5EF4-FFF2-40B4-BE49-F238E27FC236}">
-                  <a16:creationId xmlns:a16="http://schemas.microsoft.com/office/drawing/2014/main" xmlns="" id="{39F1B524-4CC7-4E30-816B-3723A5813198}"/>
+                  <a16:creationId xmlns="" xmlns:a16="http://schemas.microsoft.com/office/drawing/2014/main" id="{39F1B524-4CC7-4E30-816B-3723A5813198}"/>
                 </a:ext>
               </a:extLst>
             </p:cNvPr>
@@ -4345,7 +4361,7 @@
             <p:cNvPr id="20" name="타원 19">
               <a:extLst>
                 <a:ext uri="{FF2B5EF4-FFF2-40B4-BE49-F238E27FC236}">
-                  <a16:creationId xmlns:a16="http://schemas.microsoft.com/office/drawing/2014/main" xmlns="" id="{9F7C7939-334C-4B6E-8334-1DAF6166C2BD}"/>
+                  <a16:creationId xmlns="" xmlns:a16="http://schemas.microsoft.com/office/drawing/2014/main" id="{9F7C7939-334C-4B6E-8334-1DAF6166C2BD}"/>
                 </a:ext>
               </a:extLst>
             </p:cNvPr>
@@ -4401,7 +4417,7 @@
             <p:cNvPr id="21" name="타원 20">
               <a:extLst>
                 <a:ext uri="{FF2B5EF4-FFF2-40B4-BE49-F238E27FC236}">
-                  <a16:creationId xmlns:a16="http://schemas.microsoft.com/office/drawing/2014/main" xmlns="" id="{3ACF8C7F-31C0-4E48-9500-11CA0520BEC1}"/>
+                  <a16:creationId xmlns="" xmlns:a16="http://schemas.microsoft.com/office/drawing/2014/main" id="{3ACF8C7F-31C0-4E48-9500-11CA0520BEC1}"/>
                 </a:ext>
               </a:extLst>
             </p:cNvPr>
@@ -4457,7 +4473,7 @@
             <p:cNvPr id="22" name="타원 21">
               <a:extLst>
                 <a:ext uri="{FF2B5EF4-FFF2-40B4-BE49-F238E27FC236}">
-                  <a16:creationId xmlns:a16="http://schemas.microsoft.com/office/drawing/2014/main" xmlns="" id="{CDF524C5-87D1-45D8-B459-FDB2C64EC2DD}"/>
+                  <a16:creationId xmlns="" xmlns:a16="http://schemas.microsoft.com/office/drawing/2014/main" id="{CDF524C5-87D1-45D8-B459-FDB2C64EC2DD}"/>
                 </a:ext>
               </a:extLst>
             </p:cNvPr>
@@ -5258,6 +5274,721 @@
 </file>
 
 <file path=ppt/slides/slide11.xml><?xml version="1.0" encoding="utf-8"?>
+<p:sld xmlns:a="http://schemas.openxmlformats.org/drawingml/2006/main" xmlns:r="http://schemas.openxmlformats.org/officeDocument/2006/relationships" xmlns:p="http://schemas.openxmlformats.org/presentationml/2006/main">
+  <p:cSld>
+    <p:spTree>
+      <p:nvGrpSpPr>
+        <p:cNvPr id="1" name=""/>
+        <p:cNvGrpSpPr/>
+        <p:nvPr/>
+      </p:nvGrpSpPr>
+      <p:grpSpPr>
+        <a:xfrm>
+          <a:off x="0" y="0"/>
+          <a:ext cx="0" cy="0"/>
+          <a:chOff x="0" y="0"/>
+          <a:chExt cx="0" cy="0"/>
+        </a:xfrm>
+      </p:grpSpPr>
+      <p:grpSp>
+        <p:nvGrpSpPr>
+          <p:cNvPr id="4" name="그룹 3"/>
+          <p:cNvGrpSpPr/>
+          <p:nvPr/>
+        </p:nvGrpSpPr>
+        <p:grpSpPr>
+          <a:xfrm>
+            <a:off x="152400" y="83680"/>
+            <a:ext cx="11903770" cy="6774320"/>
+            <a:chOff x="152400" y="83680"/>
+            <a:chExt cx="11903770" cy="6774320"/>
+          </a:xfrm>
+        </p:grpSpPr>
+        <p:sp>
+          <p:nvSpPr>
+            <p:cNvPr id="68" name="양쪽 모서리가 둥근 사각형 67"/>
+            <p:cNvSpPr/>
+            <p:nvPr/>
+          </p:nvSpPr>
+          <p:spPr>
+            <a:xfrm>
+              <a:off x="338203" y="83680"/>
+              <a:ext cx="11548997" cy="6482219"/>
+            </a:xfrm>
+            <a:prstGeom prst="round2SameRect">
+              <a:avLst>
+                <a:gd name="adj1" fmla="val 4566"/>
+                <a:gd name="adj2" fmla="val 0"/>
+              </a:avLst>
+            </a:prstGeom>
+            <a:pattFill prst="ltDnDiag">
+              <a:fgClr>
+                <a:schemeClr val="bg1">
+                  <a:lumMod val="75000"/>
+                </a:schemeClr>
+              </a:fgClr>
+              <a:bgClr>
+                <a:schemeClr val="bg1">
+                  <a:lumMod val="95000"/>
+                </a:schemeClr>
+              </a:bgClr>
+            </a:pattFill>
+            <a:ln w="28575">
+              <a:solidFill>
+                <a:schemeClr val="bg1">
+                  <a:lumMod val="50000"/>
+                </a:schemeClr>
+              </a:solidFill>
+            </a:ln>
+          </p:spPr>
+          <p:style>
+            <a:lnRef idx="2">
+              <a:schemeClr val="accent1">
+                <a:shade val="50000"/>
+              </a:schemeClr>
+            </a:lnRef>
+            <a:fillRef idx="1">
+              <a:schemeClr val="accent1"/>
+            </a:fillRef>
+            <a:effectRef idx="0">
+              <a:schemeClr val="accent1"/>
+            </a:effectRef>
+            <a:fontRef idx="minor">
+              <a:schemeClr val="lt1"/>
+            </a:fontRef>
+          </p:style>
+          <p:txBody>
+            <a:bodyPr rtlCol="0" anchor="ctr"/>
+            <a:lstStyle/>
+            <a:p>
+              <a:pPr algn="ctr"/>
+              <a:endParaRPr lang="ko-KR" altLang="en-US"/>
+            </a:p>
+          </p:txBody>
+        </p:sp>
+        <p:sp>
+          <p:nvSpPr>
+            <p:cNvPr id="69" name="양쪽 모서리가 둥근 사각형 68"/>
+            <p:cNvSpPr/>
+            <p:nvPr/>
+          </p:nvSpPr>
+          <p:spPr>
+            <a:xfrm>
+              <a:off x="524266" y="241300"/>
+              <a:ext cx="11176871" cy="6133424"/>
+            </a:xfrm>
+            <a:prstGeom prst="round2SameRect">
+              <a:avLst>
+                <a:gd name="adj1" fmla="val 3284"/>
+                <a:gd name="adj2" fmla="val 0"/>
+              </a:avLst>
+            </a:prstGeom>
+            <a:solidFill>
+              <a:schemeClr val="bg1"/>
+            </a:solidFill>
+            <a:ln w="19050">
+              <a:solidFill>
+                <a:schemeClr val="bg1">
+                  <a:lumMod val="50000"/>
+                </a:schemeClr>
+              </a:solidFill>
+            </a:ln>
+          </p:spPr>
+          <p:style>
+            <a:lnRef idx="2">
+              <a:schemeClr val="accent1">
+                <a:shade val="50000"/>
+              </a:schemeClr>
+            </a:lnRef>
+            <a:fillRef idx="1">
+              <a:schemeClr val="accent1"/>
+            </a:fillRef>
+            <a:effectRef idx="0">
+              <a:schemeClr val="accent1"/>
+            </a:effectRef>
+            <a:fontRef idx="minor">
+              <a:schemeClr val="lt1"/>
+            </a:fontRef>
+          </p:style>
+          <p:txBody>
+            <a:bodyPr rtlCol="0" anchor="ctr"/>
+            <a:lstStyle/>
+            <a:p>
+              <a:pPr algn="ctr"/>
+              <a:endParaRPr lang="ko-KR" altLang="en-US"/>
+            </a:p>
+          </p:txBody>
+        </p:sp>
+        <p:sp>
+          <p:nvSpPr>
+            <p:cNvPr id="84" name="양쪽 모서리가 둥근 사각형 83"/>
+            <p:cNvSpPr/>
+            <p:nvPr/>
+          </p:nvSpPr>
+          <p:spPr>
+            <a:xfrm rot="16200000">
+              <a:off x="1176083" y="5641873"/>
+              <a:ext cx="108000" cy="1798840"/>
+            </a:xfrm>
+            <a:prstGeom prst="round2SameRect">
+              <a:avLst>
+                <a:gd name="adj1" fmla="val 19304"/>
+                <a:gd name="adj2" fmla="val 0"/>
+              </a:avLst>
+            </a:prstGeom>
+            <a:gradFill flip="none" rotWithShape="1">
+              <a:gsLst>
+                <a:gs pos="17000">
+                  <a:schemeClr val="bg1">
+                    <a:lumMod val="50000"/>
+                  </a:schemeClr>
+                </a:gs>
+                <a:gs pos="59000">
+                  <a:schemeClr val="bg1">
+                    <a:shade val="100000"/>
+                    <a:satMod val="115000"/>
+                  </a:schemeClr>
+                </a:gs>
+              </a:gsLst>
+              <a:lin ang="0" scaled="1"/>
+              <a:tileRect/>
+            </a:gradFill>
+            <a:ln w="19050">
+              <a:solidFill>
+                <a:schemeClr val="bg1">
+                  <a:lumMod val="50000"/>
+                </a:schemeClr>
+              </a:solidFill>
+            </a:ln>
+          </p:spPr>
+          <p:style>
+            <a:lnRef idx="2">
+              <a:schemeClr val="accent1">
+                <a:shade val="50000"/>
+              </a:schemeClr>
+            </a:lnRef>
+            <a:fillRef idx="1">
+              <a:schemeClr val="accent1"/>
+            </a:fillRef>
+            <a:effectRef idx="0">
+              <a:schemeClr val="accent1"/>
+            </a:effectRef>
+            <a:fontRef idx="minor">
+              <a:schemeClr val="lt1"/>
+            </a:fontRef>
+          </p:style>
+          <p:txBody>
+            <a:bodyPr rtlCol="0" anchor="ctr"/>
+            <a:lstStyle/>
+            <a:p>
+              <a:pPr algn="ctr"/>
+              <a:endParaRPr lang="ko-KR" altLang="en-US">
+                <a:solidFill>
+                  <a:prstClr val="white"/>
+                </a:solidFill>
+              </a:endParaRPr>
+            </a:p>
+          </p:txBody>
+        </p:sp>
+        <p:sp>
+          <p:nvSpPr>
+            <p:cNvPr id="85" name="양쪽 모서리가 둥근 사각형 84"/>
+            <p:cNvSpPr/>
+            <p:nvPr/>
+          </p:nvSpPr>
+          <p:spPr>
+            <a:xfrm rot="5400000" flipH="1">
+              <a:off x="10930593" y="5641871"/>
+              <a:ext cx="108000" cy="1798840"/>
+            </a:xfrm>
+            <a:prstGeom prst="round2SameRect">
+              <a:avLst>
+                <a:gd name="adj1" fmla="val 19304"/>
+                <a:gd name="adj2" fmla="val 0"/>
+              </a:avLst>
+            </a:prstGeom>
+            <a:gradFill flip="none" rotWithShape="1">
+              <a:gsLst>
+                <a:gs pos="17000">
+                  <a:schemeClr val="bg1">
+                    <a:lumMod val="50000"/>
+                  </a:schemeClr>
+                </a:gs>
+                <a:gs pos="59000">
+                  <a:schemeClr val="bg1">
+                    <a:shade val="100000"/>
+                    <a:satMod val="115000"/>
+                  </a:schemeClr>
+                </a:gs>
+              </a:gsLst>
+              <a:lin ang="0" scaled="1"/>
+              <a:tileRect/>
+            </a:gradFill>
+            <a:ln w="19050">
+              <a:solidFill>
+                <a:schemeClr val="bg1">
+                  <a:lumMod val="50000"/>
+                </a:schemeClr>
+              </a:solidFill>
+            </a:ln>
+          </p:spPr>
+          <p:style>
+            <a:lnRef idx="2">
+              <a:schemeClr val="accent1">
+                <a:shade val="50000"/>
+              </a:schemeClr>
+            </a:lnRef>
+            <a:fillRef idx="1">
+              <a:schemeClr val="accent1"/>
+            </a:fillRef>
+            <a:effectRef idx="0">
+              <a:schemeClr val="accent1"/>
+            </a:effectRef>
+            <a:fontRef idx="minor">
+              <a:schemeClr val="lt1"/>
+            </a:fontRef>
+          </p:style>
+          <p:txBody>
+            <a:bodyPr rtlCol="0" anchor="ctr"/>
+            <a:lstStyle/>
+            <a:p>
+              <a:pPr algn="ctr"/>
+              <a:endParaRPr lang="ko-KR" altLang="en-US">
+                <a:solidFill>
+                  <a:prstClr val="white"/>
+                </a:solidFill>
+              </a:endParaRPr>
+            </a:p>
+          </p:txBody>
+        </p:sp>
+        <p:sp>
+          <p:nvSpPr>
+            <p:cNvPr id="86" name="양쪽 모서리가 둥근 사각형 85"/>
+            <p:cNvSpPr/>
+            <p:nvPr/>
+          </p:nvSpPr>
+          <p:spPr>
+            <a:xfrm rot="16200000">
+              <a:off x="6053339" y="2563457"/>
+              <a:ext cx="108000" cy="7955668"/>
+            </a:xfrm>
+            <a:prstGeom prst="round2SameRect">
+              <a:avLst>
+                <a:gd name="adj1" fmla="val 0"/>
+                <a:gd name="adj2" fmla="val 0"/>
+              </a:avLst>
+            </a:prstGeom>
+            <a:gradFill flip="none" rotWithShape="1">
+              <a:gsLst>
+                <a:gs pos="17000">
+                  <a:schemeClr val="bg1">
+                    <a:lumMod val="50000"/>
+                  </a:schemeClr>
+                </a:gs>
+                <a:gs pos="59000">
+                  <a:schemeClr val="bg1">
+                    <a:shade val="100000"/>
+                    <a:satMod val="115000"/>
+                  </a:schemeClr>
+                </a:gs>
+              </a:gsLst>
+              <a:lin ang="0" scaled="1"/>
+              <a:tileRect/>
+            </a:gradFill>
+            <a:ln w="19050">
+              <a:solidFill>
+                <a:schemeClr val="bg1">
+                  <a:lumMod val="50000"/>
+                </a:schemeClr>
+              </a:solidFill>
+            </a:ln>
+          </p:spPr>
+          <p:style>
+            <a:lnRef idx="2">
+              <a:schemeClr val="accent1">
+                <a:shade val="50000"/>
+              </a:schemeClr>
+            </a:lnRef>
+            <a:fillRef idx="1">
+              <a:schemeClr val="accent1"/>
+            </a:fillRef>
+            <a:effectRef idx="0">
+              <a:schemeClr val="accent1"/>
+            </a:effectRef>
+            <a:fontRef idx="minor">
+              <a:schemeClr val="lt1"/>
+            </a:fontRef>
+          </p:style>
+          <p:txBody>
+            <a:bodyPr rtlCol="0" anchor="ctr"/>
+            <a:lstStyle/>
+            <a:p>
+              <a:pPr algn="ctr"/>
+              <a:endParaRPr lang="ko-KR" altLang="en-US">
+                <a:solidFill>
+                  <a:prstClr val="white"/>
+                </a:solidFill>
+              </a:endParaRPr>
+            </a:p>
+          </p:txBody>
+        </p:sp>
+        <p:sp>
+          <p:nvSpPr>
+            <p:cNvPr id="14" name="자유형 13"/>
+            <p:cNvSpPr/>
+            <p:nvPr/>
+          </p:nvSpPr>
+          <p:spPr>
+            <a:xfrm>
+              <a:off x="158507" y="6590451"/>
+              <a:ext cx="11897663" cy="267549"/>
+            </a:xfrm>
+            <a:custGeom>
+              <a:avLst/>
+              <a:gdLst>
+                <a:gd name="connsiteX0" fmla="*/ 195955 w 11897663"/>
+                <a:gd name="connsiteY0" fmla="*/ 0 h 267549"/>
+                <a:gd name="connsiteX1" fmla="*/ 11701708 w 11897663"/>
+                <a:gd name="connsiteY1" fmla="*/ 0 h 267549"/>
+                <a:gd name="connsiteX2" fmla="*/ 11897663 w 11897663"/>
+                <a:gd name="connsiteY2" fmla="*/ 267549 h 267549"/>
+                <a:gd name="connsiteX3" fmla="*/ 0 w 11897663"/>
+                <a:gd name="connsiteY3" fmla="*/ 267549 h 267549"/>
+              </a:gdLst>
+              <a:ahLst/>
+              <a:cxnLst>
+                <a:cxn ang="0">
+                  <a:pos x="connsiteX0" y="connsiteY0"/>
+                </a:cxn>
+                <a:cxn ang="0">
+                  <a:pos x="connsiteX1" y="connsiteY1"/>
+                </a:cxn>
+                <a:cxn ang="0">
+                  <a:pos x="connsiteX2" y="connsiteY2"/>
+                </a:cxn>
+                <a:cxn ang="0">
+                  <a:pos x="connsiteX3" y="connsiteY3"/>
+                </a:cxn>
+              </a:cxnLst>
+              <a:rect l="l" t="t" r="r" b="b"/>
+              <a:pathLst>
+                <a:path w="11897663" h="267549">
+                  <a:moveTo>
+                    <a:pt x="195955" y="0"/>
+                  </a:moveTo>
+                  <a:lnTo>
+                    <a:pt x="11701708" y="0"/>
+                  </a:lnTo>
+                  <a:lnTo>
+                    <a:pt x="11897663" y="267549"/>
+                  </a:lnTo>
+                  <a:lnTo>
+                    <a:pt x="0" y="267549"/>
+                  </a:lnTo>
+                  <a:close/>
+                </a:path>
+              </a:pathLst>
+            </a:custGeom>
+            <a:solidFill>
+              <a:schemeClr val="bg1"/>
+            </a:solidFill>
+            <a:ln w="19050">
+              <a:solidFill>
+                <a:schemeClr val="bg1">
+                  <a:lumMod val="50000"/>
+                </a:schemeClr>
+              </a:solidFill>
+            </a:ln>
+          </p:spPr>
+          <p:style>
+            <a:lnRef idx="2">
+              <a:schemeClr val="accent1">
+                <a:shade val="50000"/>
+              </a:schemeClr>
+            </a:lnRef>
+            <a:fillRef idx="1">
+              <a:schemeClr val="accent1"/>
+            </a:fillRef>
+            <a:effectRef idx="0">
+              <a:schemeClr val="accent1"/>
+            </a:effectRef>
+            <a:fontRef idx="minor">
+              <a:schemeClr val="lt1"/>
+            </a:fontRef>
+          </p:style>
+          <p:txBody>
+            <a:bodyPr wrap="square" rtlCol="0" anchor="ctr">
+              <a:noAutofit/>
+            </a:bodyPr>
+            <a:lstStyle/>
+            <a:p>
+              <a:pPr algn="ctr"/>
+              <a:endParaRPr lang="ko-KR" altLang="en-US">
+                <a:solidFill>
+                  <a:prstClr val="white"/>
+                </a:solidFill>
+              </a:endParaRPr>
+            </a:p>
+          </p:txBody>
+        </p:sp>
+        <p:sp>
+          <p:nvSpPr>
+            <p:cNvPr id="26" name="자유형 25"/>
+            <p:cNvSpPr/>
+            <p:nvPr/>
+          </p:nvSpPr>
+          <p:spPr>
+            <a:xfrm>
+              <a:off x="152400" y="6565900"/>
+              <a:ext cx="11750381" cy="292100"/>
+            </a:xfrm>
+            <a:custGeom>
+              <a:avLst/>
+              <a:gdLst>
+                <a:gd name="connsiteX0" fmla="*/ 177800 w 11722100"/>
+                <a:gd name="connsiteY0" fmla="*/ 0 h 292100"/>
+                <a:gd name="connsiteX1" fmla="*/ 0 w 11722100"/>
+                <a:gd name="connsiteY1" fmla="*/ 292100 h 292100"/>
+                <a:gd name="connsiteX2" fmla="*/ 11722100 w 11722100"/>
+                <a:gd name="connsiteY2" fmla="*/ 50800 h 292100"/>
+                <a:gd name="connsiteX3" fmla="*/ 177800 w 11722100"/>
+                <a:gd name="connsiteY3" fmla="*/ 0 h 292100"/>
+                <a:gd name="connsiteX0" fmla="*/ 206081 w 11722100"/>
+                <a:gd name="connsiteY0" fmla="*/ 0 h 292100"/>
+                <a:gd name="connsiteX1" fmla="*/ 0 w 11722100"/>
+                <a:gd name="connsiteY1" fmla="*/ 292100 h 292100"/>
+                <a:gd name="connsiteX2" fmla="*/ 11722100 w 11722100"/>
+                <a:gd name="connsiteY2" fmla="*/ 50800 h 292100"/>
+                <a:gd name="connsiteX3" fmla="*/ 206081 w 11722100"/>
+                <a:gd name="connsiteY3" fmla="*/ 0 h 292100"/>
+                <a:gd name="connsiteX0" fmla="*/ 206081 w 11750381"/>
+                <a:gd name="connsiteY0" fmla="*/ 0 h 292100"/>
+                <a:gd name="connsiteX1" fmla="*/ 0 w 11750381"/>
+                <a:gd name="connsiteY1" fmla="*/ 292100 h 292100"/>
+                <a:gd name="connsiteX2" fmla="*/ 11750381 w 11750381"/>
+                <a:gd name="connsiteY2" fmla="*/ 31947 h 292100"/>
+                <a:gd name="connsiteX3" fmla="*/ 206081 w 11750381"/>
+                <a:gd name="connsiteY3" fmla="*/ 0 h 292100"/>
+              </a:gdLst>
+              <a:ahLst/>
+              <a:cxnLst>
+                <a:cxn ang="0">
+                  <a:pos x="connsiteX0" y="connsiteY0"/>
+                </a:cxn>
+                <a:cxn ang="0">
+                  <a:pos x="connsiteX1" y="connsiteY1"/>
+                </a:cxn>
+                <a:cxn ang="0">
+                  <a:pos x="connsiteX2" y="connsiteY2"/>
+                </a:cxn>
+                <a:cxn ang="0">
+                  <a:pos x="connsiteX3" y="connsiteY3"/>
+                </a:cxn>
+              </a:cxnLst>
+              <a:rect l="l" t="t" r="r" b="b"/>
+              <a:pathLst>
+                <a:path w="11750381" h="292100">
+                  <a:moveTo>
+                    <a:pt x="206081" y="0"/>
+                  </a:moveTo>
+                  <a:lnTo>
+                    <a:pt x="0" y="292100"/>
+                  </a:lnTo>
+                  <a:lnTo>
+                    <a:pt x="11750381" y="31947"/>
+                  </a:lnTo>
+                  <a:lnTo>
+                    <a:pt x="206081" y="0"/>
+                  </a:lnTo>
+                  <a:close/>
+                </a:path>
+              </a:pathLst>
+            </a:custGeom>
+            <a:solidFill>
+              <a:schemeClr val="tx1">
+                <a:alpha val="13000"/>
+              </a:schemeClr>
+            </a:solidFill>
+            <a:ln>
+              <a:noFill/>
+            </a:ln>
+          </p:spPr>
+          <p:style>
+            <a:lnRef idx="2">
+              <a:schemeClr val="accent1">
+                <a:shade val="50000"/>
+              </a:schemeClr>
+            </a:lnRef>
+            <a:fillRef idx="1">
+              <a:schemeClr val="accent1"/>
+            </a:fillRef>
+            <a:effectRef idx="0">
+              <a:schemeClr val="accent1"/>
+            </a:effectRef>
+            <a:fontRef idx="minor">
+              <a:schemeClr val="lt1"/>
+            </a:fontRef>
+          </p:style>
+          <p:txBody>
+            <a:bodyPr rtlCol="0" anchor="ctr"/>
+            <a:lstStyle/>
+            <a:p>
+              <a:pPr algn="ctr"/>
+              <a:endParaRPr lang="ko-KR" altLang="en-US"/>
+            </a:p>
+          </p:txBody>
+        </p:sp>
+        <p:sp>
+          <p:nvSpPr>
+            <p:cNvPr id="15" name="모서리가 둥근 직사각형 14"/>
+            <p:cNvSpPr/>
+            <p:nvPr/>
+          </p:nvSpPr>
+          <p:spPr>
+            <a:xfrm>
+              <a:off x="524266" y="6670585"/>
+              <a:ext cx="597524" cy="64121"/>
+            </a:xfrm>
+            <a:prstGeom prst="roundRect">
+              <a:avLst>
+                <a:gd name="adj" fmla="val 50000"/>
+              </a:avLst>
+            </a:prstGeom>
+            <a:solidFill>
+              <a:srgbClr val="00B0F0"/>
+            </a:solidFill>
+            <a:ln>
+              <a:solidFill>
+                <a:schemeClr val="bg1">
+                  <a:lumMod val="50000"/>
+                </a:schemeClr>
+              </a:solidFill>
+            </a:ln>
+          </p:spPr>
+          <p:style>
+            <a:lnRef idx="2">
+              <a:schemeClr val="accent1">
+                <a:shade val="50000"/>
+              </a:schemeClr>
+            </a:lnRef>
+            <a:fillRef idx="1">
+              <a:schemeClr val="accent1"/>
+            </a:fillRef>
+            <a:effectRef idx="0">
+              <a:schemeClr val="accent1"/>
+            </a:effectRef>
+            <a:fontRef idx="minor">
+              <a:schemeClr val="lt1"/>
+            </a:fontRef>
+          </p:style>
+          <p:txBody>
+            <a:bodyPr rtlCol="0" anchor="ctr"/>
+            <a:lstStyle/>
+            <a:p>
+              <a:pPr algn="ctr"/>
+              <a:endParaRPr lang="ko-KR" altLang="en-US"/>
+            </a:p>
+          </p:txBody>
+        </p:sp>
+      </p:grpSp>
+      <p:sp>
+        <p:nvSpPr>
+          <p:cNvPr id="82" name="직사각형 81"/>
+          <p:cNvSpPr/>
+          <p:nvPr/>
+        </p:nvSpPr>
+        <p:spPr>
+          <a:xfrm>
+            <a:off x="1474252" y="2500098"/>
+            <a:ext cx="9266171" cy="1615827"/>
+          </a:xfrm>
+          <a:prstGeom prst="rect">
+            <a:avLst/>
+          </a:prstGeom>
+        </p:spPr>
+        <p:txBody>
+          <a:bodyPr wrap="square">
+            <a:spAutoFit/>
+          </a:bodyPr>
+          <a:lstStyle/>
+          <a:p>
+            <a:pPr algn="ctr">
+              <a:lnSpc>
+                <a:spcPct val="150000"/>
+              </a:lnSpc>
+            </a:pPr>
+            <a:r>
+              <a:rPr lang="en-US" altLang="ko-KR" sz="6600" b="1" i="1" dirty="0" smtClean="0">
+                <a:solidFill>
+                  <a:schemeClr val="bg2">
+                    <a:lumMod val="25000"/>
+                  </a:schemeClr>
+                </a:solidFill>
+                <a:latin typeface="Broadway" panose="04040905080B02020502" pitchFamily="82" charset="0"/>
+              </a:rPr>
+              <a:t> </a:t>
+            </a:r>
+            <a:r>
+              <a:rPr lang="ko-KR" altLang="en-US" sz="4800" i="1" dirty="0" smtClean="0">
+                <a:solidFill>
+                  <a:schemeClr val="bg2">
+                    <a:lumMod val="25000"/>
+                  </a:schemeClr>
+                </a:solidFill>
+              </a:rPr>
+              <a:t>화면설계서 </a:t>
+            </a:r>
+            <a:r>
+              <a:rPr lang="en-US" altLang="ko-KR" sz="4800" i="1" dirty="0" smtClean="0">
+                <a:solidFill>
+                  <a:schemeClr val="bg2">
+                    <a:lumMod val="25000"/>
+                  </a:schemeClr>
+                </a:solidFill>
+              </a:rPr>
+              <a:t>– </a:t>
+            </a:r>
+            <a:r>
+              <a:rPr lang="ko-KR" altLang="en-US" sz="4800" i="1" dirty="0" smtClean="0">
+                <a:solidFill>
+                  <a:schemeClr val="bg2">
+                    <a:lumMod val="25000"/>
+                  </a:schemeClr>
+                </a:solidFill>
+              </a:rPr>
+              <a:t>메인</a:t>
+            </a:r>
+            <a:endParaRPr lang="en-US" altLang="ko-KR" sz="4800" b="1" i="1" dirty="0">
+              <a:solidFill>
+                <a:schemeClr val="bg2">
+                  <a:lumMod val="25000"/>
+                </a:schemeClr>
+              </a:solidFill>
+            </a:endParaRPr>
+          </a:p>
+        </p:txBody>
+      </p:sp>
+    </p:spTree>
+    <p:extLst>
+      <p:ext uri="{BB962C8B-B14F-4D97-AF65-F5344CB8AC3E}">
+        <p14:creationId xmlns:p14="http://schemas.microsoft.com/office/powerpoint/2010/main" val="302001176"/>
+      </p:ext>
+    </p:extLst>
+  </p:cSld>
+  <p:clrMapOvr>
+    <a:masterClrMapping/>
+  </p:clrMapOvr>
+  <p:timing>
+    <p:tnLst>
+      <p:par>
+        <p:cTn id="1" dur="indefinite" restart="never" nodeType="tmRoot"/>
+      </p:par>
+    </p:tnLst>
+  </p:timing>
+</p:sld>
+</file>
+
+<file path=ppt/slides/slide12.xml><?xml version="1.0" encoding="utf-8"?>
 <p:sld xmlns:a="http://schemas.openxmlformats.org/drawingml/2006/main" xmlns:r="http://schemas.openxmlformats.org/officeDocument/2006/relationships" xmlns:p="http://schemas.openxmlformats.org/presentationml/2006/main">
   <p:cSld>
     <p:spTree>
@@ -6561,7 +7292,7 @@
     </p:spTree>
     <p:extLst>
       <p:ext uri="{BB962C8B-B14F-4D97-AF65-F5344CB8AC3E}">
-        <p14:creationId xmlns:p14="http://schemas.microsoft.com/office/powerpoint/2010/main" val="1348934102"/>
+        <p14:creationId xmlns:p14="http://schemas.microsoft.com/office/powerpoint/2010/main" val="2391185043"/>
       </p:ext>
     </p:extLst>
   </p:cSld>
@@ -6578,7 +7309,7 @@
 </p:sld>
 </file>
 
-<file path=ppt/slides/slide12.xml><?xml version="1.0" encoding="utf-8"?>
+<file path=ppt/slides/slide13.xml><?xml version="1.0" encoding="utf-8"?>
 <p:sld xmlns:a="http://schemas.openxmlformats.org/drawingml/2006/main" xmlns:r="http://schemas.openxmlformats.org/officeDocument/2006/relationships" xmlns:p="http://schemas.openxmlformats.org/presentationml/2006/main">
   <p:cSld>
     <p:spTree>
@@ -7890,7 +8621,7 @@
     </p:spTree>
     <p:extLst>
       <p:ext uri="{BB962C8B-B14F-4D97-AF65-F5344CB8AC3E}">
-        <p14:creationId xmlns:p14="http://schemas.microsoft.com/office/powerpoint/2010/main" val="1757318352"/>
+        <p14:creationId xmlns:p14="http://schemas.microsoft.com/office/powerpoint/2010/main" val="95347268"/>
       </p:ext>
     </p:extLst>
   </p:cSld>
@@ -7907,7 +8638,722 @@
 </p:sld>
 </file>
 
-<file path=ppt/slides/slide13.xml><?xml version="1.0" encoding="utf-8"?>
+<file path=ppt/slides/slide14.xml><?xml version="1.0" encoding="utf-8"?>
+<p:sld xmlns:a="http://schemas.openxmlformats.org/drawingml/2006/main" xmlns:r="http://schemas.openxmlformats.org/officeDocument/2006/relationships" xmlns:p="http://schemas.openxmlformats.org/presentationml/2006/main">
+  <p:cSld>
+    <p:spTree>
+      <p:nvGrpSpPr>
+        <p:cNvPr id="1" name=""/>
+        <p:cNvGrpSpPr/>
+        <p:nvPr/>
+      </p:nvGrpSpPr>
+      <p:grpSpPr>
+        <a:xfrm>
+          <a:off x="0" y="0"/>
+          <a:ext cx="0" cy="0"/>
+          <a:chOff x="0" y="0"/>
+          <a:chExt cx="0" cy="0"/>
+        </a:xfrm>
+      </p:grpSpPr>
+      <p:grpSp>
+        <p:nvGrpSpPr>
+          <p:cNvPr id="4" name="그룹 3"/>
+          <p:cNvGrpSpPr/>
+          <p:nvPr/>
+        </p:nvGrpSpPr>
+        <p:grpSpPr>
+          <a:xfrm>
+            <a:off x="152400" y="83680"/>
+            <a:ext cx="11903770" cy="6774320"/>
+            <a:chOff x="152400" y="83680"/>
+            <a:chExt cx="11903770" cy="6774320"/>
+          </a:xfrm>
+        </p:grpSpPr>
+        <p:sp>
+          <p:nvSpPr>
+            <p:cNvPr id="68" name="양쪽 모서리가 둥근 사각형 67"/>
+            <p:cNvSpPr/>
+            <p:nvPr/>
+          </p:nvSpPr>
+          <p:spPr>
+            <a:xfrm>
+              <a:off x="338203" y="83680"/>
+              <a:ext cx="11548997" cy="6482219"/>
+            </a:xfrm>
+            <a:prstGeom prst="round2SameRect">
+              <a:avLst>
+                <a:gd name="adj1" fmla="val 4566"/>
+                <a:gd name="adj2" fmla="val 0"/>
+              </a:avLst>
+            </a:prstGeom>
+            <a:pattFill prst="ltDnDiag">
+              <a:fgClr>
+                <a:schemeClr val="bg1">
+                  <a:lumMod val="75000"/>
+                </a:schemeClr>
+              </a:fgClr>
+              <a:bgClr>
+                <a:schemeClr val="bg1">
+                  <a:lumMod val="95000"/>
+                </a:schemeClr>
+              </a:bgClr>
+            </a:pattFill>
+            <a:ln w="28575">
+              <a:solidFill>
+                <a:schemeClr val="bg1">
+                  <a:lumMod val="50000"/>
+                </a:schemeClr>
+              </a:solidFill>
+            </a:ln>
+          </p:spPr>
+          <p:style>
+            <a:lnRef idx="2">
+              <a:schemeClr val="accent1">
+                <a:shade val="50000"/>
+              </a:schemeClr>
+            </a:lnRef>
+            <a:fillRef idx="1">
+              <a:schemeClr val="accent1"/>
+            </a:fillRef>
+            <a:effectRef idx="0">
+              <a:schemeClr val="accent1"/>
+            </a:effectRef>
+            <a:fontRef idx="minor">
+              <a:schemeClr val="lt1"/>
+            </a:fontRef>
+          </p:style>
+          <p:txBody>
+            <a:bodyPr rtlCol="0" anchor="ctr"/>
+            <a:lstStyle/>
+            <a:p>
+              <a:pPr algn="ctr"/>
+              <a:endParaRPr lang="ko-KR" altLang="en-US"/>
+            </a:p>
+          </p:txBody>
+        </p:sp>
+        <p:sp>
+          <p:nvSpPr>
+            <p:cNvPr id="69" name="양쪽 모서리가 둥근 사각형 68"/>
+            <p:cNvSpPr/>
+            <p:nvPr/>
+          </p:nvSpPr>
+          <p:spPr>
+            <a:xfrm>
+              <a:off x="524266" y="241300"/>
+              <a:ext cx="11176871" cy="6133424"/>
+            </a:xfrm>
+            <a:prstGeom prst="round2SameRect">
+              <a:avLst>
+                <a:gd name="adj1" fmla="val 3284"/>
+                <a:gd name="adj2" fmla="val 0"/>
+              </a:avLst>
+            </a:prstGeom>
+            <a:solidFill>
+              <a:schemeClr val="bg1"/>
+            </a:solidFill>
+            <a:ln w="19050">
+              <a:solidFill>
+                <a:schemeClr val="bg1">
+                  <a:lumMod val="50000"/>
+                </a:schemeClr>
+              </a:solidFill>
+            </a:ln>
+          </p:spPr>
+          <p:style>
+            <a:lnRef idx="2">
+              <a:schemeClr val="accent1">
+                <a:shade val="50000"/>
+              </a:schemeClr>
+            </a:lnRef>
+            <a:fillRef idx="1">
+              <a:schemeClr val="accent1"/>
+            </a:fillRef>
+            <a:effectRef idx="0">
+              <a:schemeClr val="accent1"/>
+            </a:effectRef>
+            <a:fontRef idx="minor">
+              <a:schemeClr val="lt1"/>
+            </a:fontRef>
+          </p:style>
+          <p:txBody>
+            <a:bodyPr rtlCol="0" anchor="ctr"/>
+            <a:lstStyle/>
+            <a:p>
+              <a:pPr algn="ctr"/>
+              <a:endParaRPr lang="ko-KR" altLang="en-US"/>
+            </a:p>
+          </p:txBody>
+        </p:sp>
+        <p:sp>
+          <p:nvSpPr>
+            <p:cNvPr id="84" name="양쪽 모서리가 둥근 사각형 83"/>
+            <p:cNvSpPr/>
+            <p:nvPr/>
+          </p:nvSpPr>
+          <p:spPr>
+            <a:xfrm rot="16200000">
+              <a:off x="1176083" y="5641873"/>
+              <a:ext cx="108000" cy="1798840"/>
+            </a:xfrm>
+            <a:prstGeom prst="round2SameRect">
+              <a:avLst>
+                <a:gd name="adj1" fmla="val 19304"/>
+                <a:gd name="adj2" fmla="val 0"/>
+              </a:avLst>
+            </a:prstGeom>
+            <a:gradFill flip="none" rotWithShape="1">
+              <a:gsLst>
+                <a:gs pos="17000">
+                  <a:schemeClr val="bg1">
+                    <a:lumMod val="50000"/>
+                  </a:schemeClr>
+                </a:gs>
+                <a:gs pos="59000">
+                  <a:schemeClr val="bg1">
+                    <a:shade val="100000"/>
+                    <a:satMod val="115000"/>
+                  </a:schemeClr>
+                </a:gs>
+              </a:gsLst>
+              <a:lin ang="0" scaled="1"/>
+              <a:tileRect/>
+            </a:gradFill>
+            <a:ln w="19050">
+              <a:solidFill>
+                <a:schemeClr val="bg1">
+                  <a:lumMod val="50000"/>
+                </a:schemeClr>
+              </a:solidFill>
+            </a:ln>
+          </p:spPr>
+          <p:style>
+            <a:lnRef idx="2">
+              <a:schemeClr val="accent1">
+                <a:shade val="50000"/>
+              </a:schemeClr>
+            </a:lnRef>
+            <a:fillRef idx="1">
+              <a:schemeClr val="accent1"/>
+            </a:fillRef>
+            <a:effectRef idx="0">
+              <a:schemeClr val="accent1"/>
+            </a:effectRef>
+            <a:fontRef idx="minor">
+              <a:schemeClr val="lt1"/>
+            </a:fontRef>
+          </p:style>
+          <p:txBody>
+            <a:bodyPr rtlCol="0" anchor="ctr"/>
+            <a:lstStyle/>
+            <a:p>
+              <a:pPr algn="ctr"/>
+              <a:endParaRPr lang="ko-KR" altLang="en-US">
+                <a:solidFill>
+                  <a:prstClr val="white"/>
+                </a:solidFill>
+              </a:endParaRPr>
+            </a:p>
+          </p:txBody>
+        </p:sp>
+        <p:sp>
+          <p:nvSpPr>
+            <p:cNvPr id="85" name="양쪽 모서리가 둥근 사각형 84"/>
+            <p:cNvSpPr/>
+            <p:nvPr/>
+          </p:nvSpPr>
+          <p:spPr>
+            <a:xfrm rot="5400000" flipH="1">
+              <a:off x="10930593" y="5641871"/>
+              <a:ext cx="108000" cy="1798840"/>
+            </a:xfrm>
+            <a:prstGeom prst="round2SameRect">
+              <a:avLst>
+                <a:gd name="adj1" fmla="val 19304"/>
+                <a:gd name="adj2" fmla="val 0"/>
+              </a:avLst>
+            </a:prstGeom>
+            <a:gradFill flip="none" rotWithShape="1">
+              <a:gsLst>
+                <a:gs pos="17000">
+                  <a:schemeClr val="bg1">
+                    <a:lumMod val="50000"/>
+                  </a:schemeClr>
+                </a:gs>
+                <a:gs pos="59000">
+                  <a:schemeClr val="bg1">
+                    <a:shade val="100000"/>
+                    <a:satMod val="115000"/>
+                  </a:schemeClr>
+                </a:gs>
+              </a:gsLst>
+              <a:lin ang="0" scaled="1"/>
+              <a:tileRect/>
+            </a:gradFill>
+            <a:ln w="19050">
+              <a:solidFill>
+                <a:schemeClr val="bg1">
+                  <a:lumMod val="50000"/>
+                </a:schemeClr>
+              </a:solidFill>
+            </a:ln>
+          </p:spPr>
+          <p:style>
+            <a:lnRef idx="2">
+              <a:schemeClr val="accent1">
+                <a:shade val="50000"/>
+              </a:schemeClr>
+            </a:lnRef>
+            <a:fillRef idx="1">
+              <a:schemeClr val="accent1"/>
+            </a:fillRef>
+            <a:effectRef idx="0">
+              <a:schemeClr val="accent1"/>
+            </a:effectRef>
+            <a:fontRef idx="minor">
+              <a:schemeClr val="lt1"/>
+            </a:fontRef>
+          </p:style>
+          <p:txBody>
+            <a:bodyPr rtlCol="0" anchor="ctr"/>
+            <a:lstStyle/>
+            <a:p>
+              <a:pPr algn="ctr"/>
+              <a:endParaRPr lang="ko-KR" altLang="en-US">
+                <a:solidFill>
+                  <a:prstClr val="white"/>
+                </a:solidFill>
+              </a:endParaRPr>
+            </a:p>
+          </p:txBody>
+        </p:sp>
+        <p:sp>
+          <p:nvSpPr>
+            <p:cNvPr id="86" name="양쪽 모서리가 둥근 사각형 85"/>
+            <p:cNvSpPr/>
+            <p:nvPr/>
+          </p:nvSpPr>
+          <p:spPr>
+            <a:xfrm rot="16200000">
+              <a:off x="6053339" y="2563457"/>
+              <a:ext cx="108000" cy="7955668"/>
+            </a:xfrm>
+            <a:prstGeom prst="round2SameRect">
+              <a:avLst>
+                <a:gd name="adj1" fmla="val 0"/>
+                <a:gd name="adj2" fmla="val 0"/>
+              </a:avLst>
+            </a:prstGeom>
+            <a:gradFill flip="none" rotWithShape="1">
+              <a:gsLst>
+                <a:gs pos="17000">
+                  <a:schemeClr val="bg1">
+                    <a:lumMod val="50000"/>
+                  </a:schemeClr>
+                </a:gs>
+                <a:gs pos="59000">
+                  <a:schemeClr val="bg1">
+                    <a:shade val="100000"/>
+                    <a:satMod val="115000"/>
+                  </a:schemeClr>
+                </a:gs>
+              </a:gsLst>
+              <a:lin ang="0" scaled="1"/>
+              <a:tileRect/>
+            </a:gradFill>
+            <a:ln w="19050">
+              <a:solidFill>
+                <a:schemeClr val="bg1">
+                  <a:lumMod val="50000"/>
+                </a:schemeClr>
+              </a:solidFill>
+            </a:ln>
+          </p:spPr>
+          <p:style>
+            <a:lnRef idx="2">
+              <a:schemeClr val="accent1">
+                <a:shade val="50000"/>
+              </a:schemeClr>
+            </a:lnRef>
+            <a:fillRef idx="1">
+              <a:schemeClr val="accent1"/>
+            </a:fillRef>
+            <a:effectRef idx="0">
+              <a:schemeClr val="accent1"/>
+            </a:effectRef>
+            <a:fontRef idx="minor">
+              <a:schemeClr val="lt1"/>
+            </a:fontRef>
+          </p:style>
+          <p:txBody>
+            <a:bodyPr rtlCol="0" anchor="ctr"/>
+            <a:lstStyle/>
+            <a:p>
+              <a:pPr algn="ctr"/>
+              <a:endParaRPr lang="ko-KR" altLang="en-US">
+                <a:solidFill>
+                  <a:prstClr val="white"/>
+                </a:solidFill>
+              </a:endParaRPr>
+            </a:p>
+          </p:txBody>
+        </p:sp>
+        <p:sp>
+          <p:nvSpPr>
+            <p:cNvPr id="14" name="자유형 13"/>
+            <p:cNvSpPr/>
+            <p:nvPr/>
+          </p:nvSpPr>
+          <p:spPr>
+            <a:xfrm>
+              <a:off x="158507" y="6590451"/>
+              <a:ext cx="11897663" cy="267549"/>
+            </a:xfrm>
+            <a:custGeom>
+              <a:avLst/>
+              <a:gdLst>
+                <a:gd name="connsiteX0" fmla="*/ 195955 w 11897663"/>
+                <a:gd name="connsiteY0" fmla="*/ 0 h 267549"/>
+                <a:gd name="connsiteX1" fmla="*/ 11701708 w 11897663"/>
+                <a:gd name="connsiteY1" fmla="*/ 0 h 267549"/>
+                <a:gd name="connsiteX2" fmla="*/ 11897663 w 11897663"/>
+                <a:gd name="connsiteY2" fmla="*/ 267549 h 267549"/>
+                <a:gd name="connsiteX3" fmla="*/ 0 w 11897663"/>
+                <a:gd name="connsiteY3" fmla="*/ 267549 h 267549"/>
+              </a:gdLst>
+              <a:ahLst/>
+              <a:cxnLst>
+                <a:cxn ang="0">
+                  <a:pos x="connsiteX0" y="connsiteY0"/>
+                </a:cxn>
+                <a:cxn ang="0">
+                  <a:pos x="connsiteX1" y="connsiteY1"/>
+                </a:cxn>
+                <a:cxn ang="0">
+                  <a:pos x="connsiteX2" y="connsiteY2"/>
+                </a:cxn>
+                <a:cxn ang="0">
+                  <a:pos x="connsiteX3" y="connsiteY3"/>
+                </a:cxn>
+              </a:cxnLst>
+              <a:rect l="l" t="t" r="r" b="b"/>
+              <a:pathLst>
+                <a:path w="11897663" h="267549">
+                  <a:moveTo>
+                    <a:pt x="195955" y="0"/>
+                  </a:moveTo>
+                  <a:lnTo>
+                    <a:pt x="11701708" y="0"/>
+                  </a:lnTo>
+                  <a:lnTo>
+                    <a:pt x="11897663" y="267549"/>
+                  </a:lnTo>
+                  <a:lnTo>
+                    <a:pt x="0" y="267549"/>
+                  </a:lnTo>
+                  <a:close/>
+                </a:path>
+              </a:pathLst>
+            </a:custGeom>
+            <a:solidFill>
+              <a:schemeClr val="bg1"/>
+            </a:solidFill>
+            <a:ln w="19050">
+              <a:solidFill>
+                <a:schemeClr val="bg1">
+                  <a:lumMod val="50000"/>
+                </a:schemeClr>
+              </a:solidFill>
+            </a:ln>
+          </p:spPr>
+          <p:style>
+            <a:lnRef idx="2">
+              <a:schemeClr val="accent1">
+                <a:shade val="50000"/>
+              </a:schemeClr>
+            </a:lnRef>
+            <a:fillRef idx="1">
+              <a:schemeClr val="accent1"/>
+            </a:fillRef>
+            <a:effectRef idx="0">
+              <a:schemeClr val="accent1"/>
+            </a:effectRef>
+            <a:fontRef idx="minor">
+              <a:schemeClr val="lt1"/>
+            </a:fontRef>
+          </p:style>
+          <p:txBody>
+            <a:bodyPr wrap="square" rtlCol="0" anchor="ctr">
+              <a:noAutofit/>
+            </a:bodyPr>
+            <a:lstStyle/>
+            <a:p>
+              <a:pPr algn="ctr"/>
+              <a:endParaRPr lang="ko-KR" altLang="en-US">
+                <a:solidFill>
+                  <a:prstClr val="white"/>
+                </a:solidFill>
+              </a:endParaRPr>
+            </a:p>
+          </p:txBody>
+        </p:sp>
+        <p:sp>
+          <p:nvSpPr>
+            <p:cNvPr id="26" name="자유형 25"/>
+            <p:cNvSpPr/>
+            <p:nvPr/>
+          </p:nvSpPr>
+          <p:spPr>
+            <a:xfrm>
+              <a:off x="152400" y="6565900"/>
+              <a:ext cx="11750381" cy="292100"/>
+            </a:xfrm>
+            <a:custGeom>
+              <a:avLst/>
+              <a:gdLst>
+                <a:gd name="connsiteX0" fmla="*/ 177800 w 11722100"/>
+                <a:gd name="connsiteY0" fmla="*/ 0 h 292100"/>
+                <a:gd name="connsiteX1" fmla="*/ 0 w 11722100"/>
+                <a:gd name="connsiteY1" fmla="*/ 292100 h 292100"/>
+                <a:gd name="connsiteX2" fmla="*/ 11722100 w 11722100"/>
+                <a:gd name="connsiteY2" fmla="*/ 50800 h 292100"/>
+                <a:gd name="connsiteX3" fmla="*/ 177800 w 11722100"/>
+                <a:gd name="connsiteY3" fmla="*/ 0 h 292100"/>
+                <a:gd name="connsiteX0" fmla="*/ 206081 w 11722100"/>
+                <a:gd name="connsiteY0" fmla="*/ 0 h 292100"/>
+                <a:gd name="connsiteX1" fmla="*/ 0 w 11722100"/>
+                <a:gd name="connsiteY1" fmla="*/ 292100 h 292100"/>
+                <a:gd name="connsiteX2" fmla="*/ 11722100 w 11722100"/>
+                <a:gd name="connsiteY2" fmla="*/ 50800 h 292100"/>
+                <a:gd name="connsiteX3" fmla="*/ 206081 w 11722100"/>
+                <a:gd name="connsiteY3" fmla="*/ 0 h 292100"/>
+                <a:gd name="connsiteX0" fmla="*/ 206081 w 11750381"/>
+                <a:gd name="connsiteY0" fmla="*/ 0 h 292100"/>
+                <a:gd name="connsiteX1" fmla="*/ 0 w 11750381"/>
+                <a:gd name="connsiteY1" fmla="*/ 292100 h 292100"/>
+                <a:gd name="connsiteX2" fmla="*/ 11750381 w 11750381"/>
+                <a:gd name="connsiteY2" fmla="*/ 31947 h 292100"/>
+                <a:gd name="connsiteX3" fmla="*/ 206081 w 11750381"/>
+                <a:gd name="connsiteY3" fmla="*/ 0 h 292100"/>
+              </a:gdLst>
+              <a:ahLst/>
+              <a:cxnLst>
+                <a:cxn ang="0">
+                  <a:pos x="connsiteX0" y="connsiteY0"/>
+                </a:cxn>
+                <a:cxn ang="0">
+                  <a:pos x="connsiteX1" y="connsiteY1"/>
+                </a:cxn>
+                <a:cxn ang="0">
+                  <a:pos x="connsiteX2" y="connsiteY2"/>
+                </a:cxn>
+                <a:cxn ang="0">
+                  <a:pos x="connsiteX3" y="connsiteY3"/>
+                </a:cxn>
+              </a:cxnLst>
+              <a:rect l="l" t="t" r="r" b="b"/>
+              <a:pathLst>
+                <a:path w="11750381" h="292100">
+                  <a:moveTo>
+                    <a:pt x="206081" y="0"/>
+                  </a:moveTo>
+                  <a:lnTo>
+                    <a:pt x="0" y="292100"/>
+                  </a:lnTo>
+                  <a:lnTo>
+                    <a:pt x="11750381" y="31947"/>
+                  </a:lnTo>
+                  <a:lnTo>
+                    <a:pt x="206081" y="0"/>
+                  </a:lnTo>
+                  <a:close/>
+                </a:path>
+              </a:pathLst>
+            </a:custGeom>
+            <a:solidFill>
+              <a:schemeClr val="tx1">
+                <a:alpha val="13000"/>
+              </a:schemeClr>
+            </a:solidFill>
+            <a:ln>
+              <a:noFill/>
+            </a:ln>
+          </p:spPr>
+          <p:style>
+            <a:lnRef idx="2">
+              <a:schemeClr val="accent1">
+                <a:shade val="50000"/>
+              </a:schemeClr>
+            </a:lnRef>
+            <a:fillRef idx="1">
+              <a:schemeClr val="accent1"/>
+            </a:fillRef>
+            <a:effectRef idx="0">
+              <a:schemeClr val="accent1"/>
+            </a:effectRef>
+            <a:fontRef idx="minor">
+              <a:schemeClr val="lt1"/>
+            </a:fontRef>
+          </p:style>
+          <p:txBody>
+            <a:bodyPr rtlCol="0" anchor="ctr"/>
+            <a:lstStyle/>
+            <a:p>
+              <a:pPr algn="ctr"/>
+              <a:endParaRPr lang="ko-KR" altLang="en-US"/>
+            </a:p>
+          </p:txBody>
+        </p:sp>
+        <p:sp>
+          <p:nvSpPr>
+            <p:cNvPr id="15" name="모서리가 둥근 직사각형 14"/>
+            <p:cNvSpPr/>
+            <p:nvPr/>
+          </p:nvSpPr>
+          <p:spPr>
+            <a:xfrm>
+              <a:off x="524266" y="6670585"/>
+              <a:ext cx="597524" cy="64121"/>
+            </a:xfrm>
+            <a:prstGeom prst="roundRect">
+              <a:avLst>
+                <a:gd name="adj" fmla="val 50000"/>
+              </a:avLst>
+            </a:prstGeom>
+            <a:solidFill>
+              <a:srgbClr val="00B0F0"/>
+            </a:solidFill>
+            <a:ln>
+              <a:solidFill>
+                <a:schemeClr val="bg1">
+                  <a:lumMod val="50000"/>
+                </a:schemeClr>
+              </a:solidFill>
+            </a:ln>
+          </p:spPr>
+          <p:style>
+            <a:lnRef idx="2">
+              <a:schemeClr val="accent1">
+                <a:shade val="50000"/>
+              </a:schemeClr>
+            </a:lnRef>
+            <a:fillRef idx="1">
+              <a:schemeClr val="accent1"/>
+            </a:fillRef>
+            <a:effectRef idx="0">
+              <a:schemeClr val="accent1"/>
+            </a:effectRef>
+            <a:fontRef idx="minor">
+              <a:schemeClr val="lt1"/>
+            </a:fontRef>
+          </p:style>
+          <p:txBody>
+            <a:bodyPr rtlCol="0" anchor="ctr"/>
+            <a:lstStyle/>
+            <a:p>
+              <a:pPr algn="ctr"/>
+              <a:endParaRPr lang="ko-KR" altLang="en-US"/>
+            </a:p>
+          </p:txBody>
+        </p:sp>
+      </p:grpSp>
+      <p:sp>
+        <p:nvSpPr>
+          <p:cNvPr id="82" name="직사각형 81"/>
+          <p:cNvSpPr/>
+          <p:nvPr/>
+        </p:nvSpPr>
+        <p:spPr>
+          <a:xfrm>
+            <a:off x="1474252" y="2500098"/>
+            <a:ext cx="9266171" cy="1431995"/>
+          </a:xfrm>
+          <a:prstGeom prst="rect">
+            <a:avLst/>
+          </a:prstGeom>
+        </p:spPr>
+        <p:txBody>
+          <a:bodyPr wrap="square">
+            <a:spAutoFit/>
+          </a:bodyPr>
+          <a:lstStyle/>
+          <a:p>
+            <a:pPr algn="ctr">
+              <a:lnSpc>
+                <a:spcPct val="150000"/>
+              </a:lnSpc>
+            </a:pPr>
+            <a:r>
+              <a:rPr lang="en-US" altLang="ko-KR" sz="6600" b="1" i="1" dirty="0" smtClean="0">
+                <a:solidFill>
+                  <a:schemeClr val="bg2">
+                    <a:lumMod val="25000"/>
+                  </a:schemeClr>
+                </a:solidFill>
+                <a:latin typeface="Broadway" panose="04040905080B02020502" pitchFamily="82" charset="0"/>
+              </a:rPr>
+              <a:t> </a:t>
+            </a:r>
+            <a:r>
+              <a:rPr lang="ko-KR" altLang="en-US" sz="4800" i="1" dirty="0" smtClean="0">
+                <a:solidFill>
+                  <a:schemeClr val="bg2">
+                    <a:lumMod val="25000"/>
+                  </a:schemeClr>
+                </a:solidFill>
+              </a:rPr>
+              <a:t>화면설계서 </a:t>
+            </a:r>
+            <a:r>
+              <a:rPr lang="en-US" altLang="ko-KR" sz="4800" i="1" dirty="0" smtClean="0">
+                <a:solidFill>
+                  <a:schemeClr val="bg2">
+                    <a:lumMod val="25000"/>
+                  </a:schemeClr>
+                </a:solidFill>
+              </a:rPr>
+              <a:t>– </a:t>
+            </a:r>
+            <a:r>
+              <a:rPr lang="ko-KR" altLang="en-US" sz="4800" i="1" dirty="0" smtClean="0">
+                <a:solidFill>
+                  <a:schemeClr val="bg2">
+                    <a:lumMod val="25000"/>
+                  </a:schemeClr>
+                </a:solidFill>
+              </a:rPr>
+              <a:t>회원등록 </a:t>
+            </a:r>
+            <a:endParaRPr lang="en-US" altLang="ko-KR" sz="4800" b="1" i="1" dirty="0">
+              <a:solidFill>
+                <a:schemeClr val="bg2">
+                  <a:lumMod val="25000"/>
+                </a:schemeClr>
+              </a:solidFill>
+            </a:endParaRPr>
+          </a:p>
+        </p:txBody>
+      </p:sp>
+    </p:spTree>
+    <p:extLst>
+      <p:ext uri="{BB962C8B-B14F-4D97-AF65-F5344CB8AC3E}">
+        <p14:creationId xmlns:p14="http://schemas.microsoft.com/office/powerpoint/2010/main" val="1349260501"/>
+      </p:ext>
+    </p:extLst>
+  </p:cSld>
+  <p:clrMapOvr>
+    <a:masterClrMapping/>
+  </p:clrMapOvr>
+  <p:timing>
+    <p:tnLst>
+      <p:par>
+        <p:cTn id="1" dur="indefinite" restart="never" nodeType="tmRoot"/>
+      </p:par>
+    </p:tnLst>
+  </p:timing>
+</p:sld>
+</file>
+
+<file path=ppt/slides/slide15.xml><?xml version="1.0" encoding="utf-8"?>
 <p:sld xmlns:a="http://schemas.openxmlformats.org/drawingml/2006/main" xmlns:r="http://schemas.openxmlformats.org/officeDocument/2006/relationships" xmlns:p="http://schemas.openxmlformats.org/presentationml/2006/main">
   <p:cSld>
     <p:spTree>
@@ -9066,7 +10512,7 @@
     </p:spTree>
     <p:extLst>
       <p:ext uri="{BB962C8B-B14F-4D97-AF65-F5344CB8AC3E}">
-        <p14:creationId xmlns:p14="http://schemas.microsoft.com/office/powerpoint/2010/main" val="4002882359"/>
+        <p14:creationId xmlns:p14="http://schemas.microsoft.com/office/powerpoint/2010/main" val="1068285859"/>
       </p:ext>
     </p:extLst>
   </p:cSld>
@@ -9083,7 +10529,7 @@
 </p:sld>
 </file>
 
-<file path=ppt/slides/slide14.xml><?xml version="1.0" encoding="utf-8"?>
+<file path=ppt/slides/slide16.xml><?xml version="1.0" encoding="utf-8"?>
 <p:sld xmlns:a="http://schemas.openxmlformats.org/drawingml/2006/main" xmlns:r="http://schemas.openxmlformats.org/officeDocument/2006/relationships" xmlns:p="http://schemas.openxmlformats.org/presentationml/2006/main">
   <p:cSld>
     <p:spTree>
@@ -10558,7 +12004,7 @@
     </p:spTree>
     <p:extLst>
       <p:ext uri="{BB962C8B-B14F-4D97-AF65-F5344CB8AC3E}">
-        <p14:creationId xmlns:p14="http://schemas.microsoft.com/office/powerpoint/2010/main" val="1098522053"/>
+        <p14:creationId xmlns:p14="http://schemas.microsoft.com/office/powerpoint/2010/main" val="3146657217"/>
       </p:ext>
     </p:extLst>
   </p:cSld>
@@ -10575,7 +12021,7 @@
 </p:sld>
 </file>
 
-<file path=ppt/slides/slide15.xml><?xml version="1.0" encoding="utf-8"?>
+<file path=ppt/slides/slide17.xml><?xml version="1.0" encoding="utf-8"?>
 <p:sld xmlns:a="http://schemas.openxmlformats.org/drawingml/2006/main" xmlns:r="http://schemas.openxmlformats.org/officeDocument/2006/relationships" xmlns:p="http://schemas.openxmlformats.org/presentationml/2006/main">
   <p:cSld>
     <p:spTree>
@@ -11923,7 +13369,7 @@
     </p:spTree>
     <p:extLst>
       <p:ext uri="{BB962C8B-B14F-4D97-AF65-F5344CB8AC3E}">
-        <p14:creationId xmlns:p14="http://schemas.microsoft.com/office/powerpoint/2010/main" val="2829803292"/>
+        <p14:creationId xmlns:p14="http://schemas.microsoft.com/office/powerpoint/2010/main" val="1130955069"/>
       </p:ext>
     </p:extLst>
   </p:cSld>
@@ -11940,7 +13386,7 @@
 </p:sld>
 </file>
 
-<file path=ppt/slides/slide16.xml><?xml version="1.0" encoding="utf-8"?>
+<file path=ppt/slides/slide18.xml><?xml version="1.0" encoding="utf-8"?>
 <p:sld xmlns:a="http://schemas.openxmlformats.org/drawingml/2006/main" xmlns:r="http://schemas.openxmlformats.org/officeDocument/2006/relationships" xmlns:p="http://schemas.openxmlformats.org/presentationml/2006/main">
   <p:cSld>
     <p:spTree>
@@ -13415,7 +14861,7 @@
     </p:spTree>
     <p:extLst>
       <p:ext uri="{BB962C8B-B14F-4D97-AF65-F5344CB8AC3E}">
-        <p14:creationId xmlns:p14="http://schemas.microsoft.com/office/powerpoint/2010/main" val="1374934075"/>
+        <p14:creationId xmlns:p14="http://schemas.microsoft.com/office/powerpoint/2010/main" val="926695951"/>
       </p:ext>
     </p:extLst>
   </p:cSld>
@@ -13432,7 +14878,7 @@
 </p:sld>
 </file>
 
-<file path=ppt/slides/slide17.xml><?xml version="1.0" encoding="utf-8"?>
+<file path=ppt/slides/slide19.xml><?xml version="1.0" encoding="utf-8"?>
 <p:sld xmlns:a="http://schemas.openxmlformats.org/drawingml/2006/main" xmlns:r="http://schemas.openxmlformats.org/officeDocument/2006/relationships" xmlns:p="http://schemas.openxmlformats.org/presentationml/2006/main">
   <p:cSld>
     <p:spTree>
@@ -14870,7 +16316,7 @@
     </p:spTree>
     <p:extLst>
       <p:ext uri="{BB962C8B-B14F-4D97-AF65-F5344CB8AC3E}">
-        <p14:creationId xmlns:p14="http://schemas.microsoft.com/office/powerpoint/2010/main" val="1077659242"/>
+        <p14:creationId xmlns:p14="http://schemas.microsoft.com/office/powerpoint/2010/main" val="3925240704"/>
       </p:ext>
     </p:extLst>
   </p:cSld>
@@ -14887,7 +16333,711 @@
 </p:sld>
 </file>
 
-<file path=ppt/slides/slide18.xml><?xml version="1.0" encoding="utf-8"?>
+<file path=ppt/slides/slide2.xml><?xml version="1.0" encoding="utf-8"?>
+<p:sld xmlns:a="http://schemas.openxmlformats.org/drawingml/2006/main" xmlns:r="http://schemas.openxmlformats.org/officeDocument/2006/relationships" xmlns:p="http://schemas.openxmlformats.org/presentationml/2006/main">
+  <p:cSld>
+    <p:bg>
+      <p:bgPr>
+        <a:blipFill dpi="0" rotWithShape="1">
+          <a:blip r:embed="rId2">
+            <a:alphaModFix amt="36000"/>
+            <a:lum/>
+          </a:blip>
+          <a:srcRect/>
+          <a:tile tx="0" ty="0" sx="70000" sy="70000" flip="none" algn="tl"/>
+        </a:blipFill>
+        <a:effectLst/>
+      </p:bgPr>
+    </p:bg>
+    <p:spTree>
+      <p:nvGrpSpPr>
+        <p:cNvPr id="1" name=""/>
+        <p:cNvGrpSpPr/>
+        <p:nvPr/>
+      </p:nvGrpSpPr>
+      <p:grpSpPr>
+        <a:xfrm>
+          <a:off x="0" y="0"/>
+          <a:ext cx="0" cy="0"/>
+          <a:chOff x="0" y="0"/>
+          <a:chExt cx="0" cy="0"/>
+        </a:xfrm>
+      </p:grpSpPr>
+      <p:grpSp>
+        <p:nvGrpSpPr>
+          <p:cNvPr id="4" name="그룹 3"/>
+          <p:cNvGrpSpPr/>
+          <p:nvPr/>
+        </p:nvGrpSpPr>
+        <p:grpSpPr>
+          <a:xfrm>
+            <a:off x="152400" y="83680"/>
+            <a:ext cx="11903770" cy="6774320"/>
+            <a:chOff x="152400" y="83680"/>
+            <a:chExt cx="11903770" cy="6774320"/>
+          </a:xfrm>
+        </p:grpSpPr>
+        <p:sp>
+          <p:nvSpPr>
+            <p:cNvPr id="68" name="양쪽 모서리가 둥근 사각형 67"/>
+            <p:cNvSpPr/>
+            <p:nvPr/>
+          </p:nvSpPr>
+          <p:spPr>
+            <a:xfrm>
+              <a:off x="338203" y="83680"/>
+              <a:ext cx="11548997" cy="6482219"/>
+            </a:xfrm>
+            <a:prstGeom prst="round2SameRect">
+              <a:avLst>
+                <a:gd name="adj1" fmla="val 4566"/>
+                <a:gd name="adj2" fmla="val 0"/>
+              </a:avLst>
+            </a:prstGeom>
+            <a:pattFill prst="ltDnDiag">
+              <a:fgClr>
+                <a:schemeClr val="bg1">
+                  <a:lumMod val="75000"/>
+                </a:schemeClr>
+              </a:fgClr>
+              <a:bgClr>
+                <a:schemeClr val="bg1">
+                  <a:lumMod val="95000"/>
+                </a:schemeClr>
+              </a:bgClr>
+            </a:pattFill>
+            <a:ln w="28575">
+              <a:solidFill>
+                <a:schemeClr val="bg1">
+                  <a:lumMod val="50000"/>
+                </a:schemeClr>
+              </a:solidFill>
+            </a:ln>
+          </p:spPr>
+          <p:style>
+            <a:lnRef idx="2">
+              <a:schemeClr val="accent1">
+                <a:shade val="50000"/>
+              </a:schemeClr>
+            </a:lnRef>
+            <a:fillRef idx="1">
+              <a:schemeClr val="accent1"/>
+            </a:fillRef>
+            <a:effectRef idx="0">
+              <a:schemeClr val="accent1"/>
+            </a:effectRef>
+            <a:fontRef idx="minor">
+              <a:schemeClr val="lt1"/>
+            </a:fontRef>
+          </p:style>
+          <p:txBody>
+            <a:bodyPr rtlCol="0" anchor="ctr"/>
+            <a:lstStyle/>
+            <a:p>
+              <a:pPr algn="ctr"/>
+              <a:endParaRPr lang="ko-KR" altLang="en-US"/>
+            </a:p>
+          </p:txBody>
+        </p:sp>
+        <p:sp>
+          <p:nvSpPr>
+            <p:cNvPr id="69" name="양쪽 모서리가 둥근 사각형 68"/>
+            <p:cNvSpPr/>
+            <p:nvPr/>
+          </p:nvSpPr>
+          <p:spPr>
+            <a:xfrm>
+              <a:off x="524266" y="241300"/>
+              <a:ext cx="11176871" cy="6133424"/>
+            </a:xfrm>
+            <a:prstGeom prst="round2SameRect">
+              <a:avLst>
+                <a:gd name="adj1" fmla="val 3284"/>
+                <a:gd name="adj2" fmla="val 0"/>
+              </a:avLst>
+            </a:prstGeom>
+            <a:solidFill>
+              <a:schemeClr val="bg1"/>
+            </a:solidFill>
+            <a:ln w="19050">
+              <a:solidFill>
+                <a:schemeClr val="bg1">
+                  <a:lumMod val="50000"/>
+                </a:schemeClr>
+              </a:solidFill>
+            </a:ln>
+          </p:spPr>
+          <p:style>
+            <a:lnRef idx="2">
+              <a:schemeClr val="accent1">
+                <a:shade val="50000"/>
+              </a:schemeClr>
+            </a:lnRef>
+            <a:fillRef idx="1">
+              <a:schemeClr val="accent1"/>
+            </a:fillRef>
+            <a:effectRef idx="0">
+              <a:schemeClr val="accent1"/>
+            </a:effectRef>
+            <a:fontRef idx="minor">
+              <a:schemeClr val="lt1"/>
+            </a:fontRef>
+          </p:style>
+          <p:txBody>
+            <a:bodyPr rtlCol="0" anchor="ctr"/>
+            <a:lstStyle/>
+            <a:p>
+              <a:pPr algn="ctr"/>
+              <a:endParaRPr lang="ko-KR" altLang="en-US"/>
+            </a:p>
+          </p:txBody>
+        </p:sp>
+        <p:sp>
+          <p:nvSpPr>
+            <p:cNvPr id="84" name="양쪽 모서리가 둥근 사각형 83"/>
+            <p:cNvSpPr/>
+            <p:nvPr/>
+          </p:nvSpPr>
+          <p:spPr>
+            <a:xfrm rot="16200000">
+              <a:off x="1176083" y="5641873"/>
+              <a:ext cx="108000" cy="1798840"/>
+            </a:xfrm>
+            <a:prstGeom prst="round2SameRect">
+              <a:avLst>
+                <a:gd name="adj1" fmla="val 19304"/>
+                <a:gd name="adj2" fmla="val 0"/>
+              </a:avLst>
+            </a:prstGeom>
+            <a:gradFill flip="none" rotWithShape="1">
+              <a:gsLst>
+                <a:gs pos="17000">
+                  <a:schemeClr val="bg1">
+                    <a:lumMod val="50000"/>
+                  </a:schemeClr>
+                </a:gs>
+                <a:gs pos="59000">
+                  <a:schemeClr val="bg1">
+                    <a:shade val="100000"/>
+                    <a:satMod val="115000"/>
+                  </a:schemeClr>
+                </a:gs>
+              </a:gsLst>
+              <a:lin ang="0" scaled="1"/>
+              <a:tileRect/>
+            </a:gradFill>
+            <a:ln w="19050">
+              <a:solidFill>
+                <a:schemeClr val="bg1">
+                  <a:lumMod val="50000"/>
+                </a:schemeClr>
+              </a:solidFill>
+            </a:ln>
+          </p:spPr>
+          <p:style>
+            <a:lnRef idx="2">
+              <a:schemeClr val="accent1">
+                <a:shade val="50000"/>
+              </a:schemeClr>
+            </a:lnRef>
+            <a:fillRef idx="1">
+              <a:schemeClr val="accent1"/>
+            </a:fillRef>
+            <a:effectRef idx="0">
+              <a:schemeClr val="accent1"/>
+            </a:effectRef>
+            <a:fontRef idx="minor">
+              <a:schemeClr val="lt1"/>
+            </a:fontRef>
+          </p:style>
+          <p:txBody>
+            <a:bodyPr rtlCol="0" anchor="ctr"/>
+            <a:lstStyle/>
+            <a:p>
+              <a:pPr algn="ctr"/>
+              <a:endParaRPr lang="ko-KR" altLang="en-US">
+                <a:solidFill>
+                  <a:prstClr val="white"/>
+                </a:solidFill>
+              </a:endParaRPr>
+            </a:p>
+          </p:txBody>
+        </p:sp>
+        <p:sp>
+          <p:nvSpPr>
+            <p:cNvPr id="85" name="양쪽 모서리가 둥근 사각형 84"/>
+            <p:cNvSpPr/>
+            <p:nvPr/>
+          </p:nvSpPr>
+          <p:spPr>
+            <a:xfrm rot="5400000" flipH="1">
+              <a:off x="10930593" y="5641871"/>
+              <a:ext cx="108000" cy="1798840"/>
+            </a:xfrm>
+            <a:prstGeom prst="round2SameRect">
+              <a:avLst>
+                <a:gd name="adj1" fmla="val 19304"/>
+                <a:gd name="adj2" fmla="val 0"/>
+              </a:avLst>
+            </a:prstGeom>
+            <a:gradFill flip="none" rotWithShape="1">
+              <a:gsLst>
+                <a:gs pos="17000">
+                  <a:schemeClr val="bg1">
+                    <a:lumMod val="50000"/>
+                  </a:schemeClr>
+                </a:gs>
+                <a:gs pos="59000">
+                  <a:schemeClr val="bg1">
+                    <a:shade val="100000"/>
+                    <a:satMod val="115000"/>
+                  </a:schemeClr>
+                </a:gs>
+              </a:gsLst>
+              <a:lin ang="0" scaled="1"/>
+              <a:tileRect/>
+            </a:gradFill>
+            <a:ln w="19050">
+              <a:solidFill>
+                <a:schemeClr val="bg1">
+                  <a:lumMod val="50000"/>
+                </a:schemeClr>
+              </a:solidFill>
+            </a:ln>
+          </p:spPr>
+          <p:style>
+            <a:lnRef idx="2">
+              <a:schemeClr val="accent1">
+                <a:shade val="50000"/>
+              </a:schemeClr>
+            </a:lnRef>
+            <a:fillRef idx="1">
+              <a:schemeClr val="accent1"/>
+            </a:fillRef>
+            <a:effectRef idx="0">
+              <a:schemeClr val="accent1"/>
+            </a:effectRef>
+            <a:fontRef idx="minor">
+              <a:schemeClr val="lt1"/>
+            </a:fontRef>
+          </p:style>
+          <p:txBody>
+            <a:bodyPr rtlCol="0" anchor="ctr"/>
+            <a:lstStyle/>
+            <a:p>
+              <a:pPr algn="ctr"/>
+              <a:endParaRPr lang="ko-KR" altLang="en-US">
+                <a:solidFill>
+                  <a:prstClr val="white"/>
+                </a:solidFill>
+              </a:endParaRPr>
+            </a:p>
+          </p:txBody>
+        </p:sp>
+        <p:sp>
+          <p:nvSpPr>
+            <p:cNvPr id="86" name="양쪽 모서리가 둥근 사각형 85"/>
+            <p:cNvSpPr/>
+            <p:nvPr/>
+          </p:nvSpPr>
+          <p:spPr>
+            <a:xfrm rot="16200000">
+              <a:off x="6053339" y="2563457"/>
+              <a:ext cx="108000" cy="7955668"/>
+            </a:xfrm>
+            <a:prstGeom prst="round2SameRect">
+              <a:avLst>
+                <a:gd name="adj1" fmla="val 0"/>
+                <a:gd name="adj2" fmla="val 0"/>
+              </a:avLst>
+            </a:prstGeom>
+            <a:gradFill flip="none" rotWithShape="1">
+              <a:gsLst>
+                <a:gs pos="17000">
+                  <a:schemeClr val="bg1">
+                    <a:lumMod val="50000"/>
+                  </a:schemeClr>
+                </a:gs>
+                <a:gs pos="59000">
+                  <a:schemeClr val="bg1">
+                    <a:shade val="100000"/>
+                    <a:satMod val="115000"/>
+                  </a:schemeClr>
+                </a:gs>
+              </a:gsLst>
+              <a:lin ang="0" scaled="1"/>
+              <a:tileRect/>
+            </a:gradFill>
+            <a:ln w="19050">
+              <a:solidFill>
+                <a:schemeClr val="bg1">
+                  <a:lumMod val="50000"/>
+                </a:schemeClr>
+              </a:solidFill>
+            </a:ln>
+          </p:spPr>
+          <p:style>
+            <a:lnRef idx="2">
+              <a:schemeClr val="accent1">
+                <a:shade val="50000"/>
+              </a:schemeClr>
+            </a:lnRef>
+            <a:fillRef idx="1">
+              <a:schemeClr val="accent1"/>
+            </a:fillRef>
+            <a:effectRef idx="0">
+              <a:schemeClr val="accent1"/>
+            </a:effectRef>
+            <a:fontRef idx="minor">
+              <a:schemeClr val="lt1"/>
+            </a:fontRef>
+          </p:style>
+          <p:txBody>
+            <a:bodyPr rtlCol="0" anchor="ctr"/>
+            <a:lstStyle/>
+            <a:p>
+              <a:pPr algn="ctr"/>
+              <a:endParaRPr lang="ko-KR" altLang="en-US">
+                <a:solidFill>
+                  <a:prstClr val="white"/>
+                </a:solidFill>
+              </a:endParaRPr>
+            </a:p>
+          </p:txBody>
+        </p:sp>
+        <p:sp>
+          <p:nvSpPr>
+            <p:cNvPr id="14" name="자유형 13"/>
+            <p:cNvSpPr/>
+            <p:nvPr/>
+          </p:nvSpPr>
+          <p:spPr>
+            <a:xfrm>
+              <a:off x="158507" y="6590451"/>
+              <a:ext cx="11897663" cy="267549"/>
+            </a:xfrm>
+            <a:custGeom>
+              <a:avLst/>
+              <a:gdLst>
+                <a:gd name="connsiteX0" fmla="*/ 195955 w 11897663"/>
+                <a:gd name="connsiteY0" fmla="*/ 0 h 267549"/>
+                <a:gd name="connsiteX1" fmla="*/ 11701708 w 11897663"/>
+                <a:gd name="connsiteY1" fmla="*/ 0 h 267549"/>
+                <a:gd name="connsiteX2" fmla="*/ 11897663 w 11897663"/>
+                <a:gd name="connsiteY2" fmla="*/ 267549 h 267549"/>
+                <a:gd name="connsiteX3" fmla="*/ 0 w 11897663"/>
+                <a:gd name="connsiteY3" fmla="*/ 267549 h 267549"/>
+              </a:gdLst>
+              <a:ahLst/>
+              <a:cxnLst>
+                <a:cxn ang="0">
+                  <a:pos x="connsiteX0" y="connsiteY0"/>
+                </a:cxn>
+                <a:cxn ang="0">
+                  <a:pos x="connsiteX1" y="connsiteY1"/>
+                </a:cxn>
+                <a:cxn ang="0">
+                  <a:pos x="connsiteX2" y="connsiteY2"/>
+                </a:cxn>
+                <a:cxn ang="0">
+                  <a:pos x="connsiteX3" y="connsiteY3"/>
+                </a:cxn>
+              </a:cxnLst>
+              <a:rect l="l" t="t" r="r" b="b"/>
+              <a:pathLst>
+                <a:path w="11897663" h="267549">
+                  <a:moveTo>
+                    <a:pt x="195955" y="0"/>
+                  </a:moveTo>
+                  <a:lnTo>
+                    <a:pt x="11701708" y="0"/>
+                  </a:lnTo>
+                  <a:lnTo>
+                    <a:pt x="11897663" y="267549"/>
+                  </a:lnTo>
+                  <a:lnTo>
+                    <a:pt x="0" y="267549"/>
+                  </a:lnTo>
+                  <a:close/>
+                </a:path>
+              </a:pathLst>
+            </a:custGeom>
+            <a:solidFill>
+              <a:schemeClr val="bg1"/>
+            </a:solidFill>
+            <a:ln w="19050">
+              <a:solidFill>
+                <a:schemeClr val="bg1">
+                  <a:lumMod val="50000"/>
+                </a:schemeClr>
+              </a:solidFill>
+            </a:ln>
+          </p:spPr>
+          <p:style>
+            <a:lnRef idx="2">
+              <a:schemeClr val="accent1">
+                <a:shade val="50000"/>
+              </a:schemeClr>
+            </a:lnRef>
+            <a:fillRef idx="1">
+              <a:schemeClr val="accent1"/>
+            </a:fillRef>
+            <a:effectRef idx="0">
+              <a:schemeClr val="accent1"/>
+            </a:effectRef>
+            <a:fontRef idx="minor">
+              <a:schemeClr val="lt1"/>
+            </a:fontRef>
+          </p:style>
+          <p:txBody>
+            <a:bodyPr wrap="square" rtlCol="0" anchor="ctr">
+              <a:noAutofit/>
+            </a:bodyPr>
+            <a:lstStyle/>
+            <a:p>
+              <a:pPr algn="ctr"/>
+              <a:endParaRPr lang="ko-KR" altLang="en-US">
+                <a:solidFill>
+                  <a:prstClr val="white"/>
+                </a:solidFill>
+              </a:endParaRPr>
+            </a:p>
+          </p:txBody>
+        </p:sp>
+        <p:sp>
+          <p:nvSpPr>
+            <p:cNvPr id="26" name="자유형 25"/>
+            <p:cNvSpPr/>
+            <p:nvPr/>
+          </p:nvSpPr>
+          <p:spPr>
+            <a:xfrm>
+              <a:off x="152400" y="6565900"/>
+              <a:ext cx="11750381" cy="292100"/>
+            </a:xfrm>
+            <a:custGeom>
+              <a:avLst/>
+              <a:gdLst>
+                <a:gd name="connsiteX0" fmla="*/ 177800 w 11722100"/>
+                <a:gd name="connsiteY0" fmla="*/ 0 h 292100"/>
+                <a:gd name="connsiteX1" fmla="*/ 0 w 11722100"/>
+                <a:gd name="connsiteY1" fmla="*/ 292100 h 292100"/>
+                <a:gd name="connsiteX2" fmla="*/ 11722100 w 11722100"/>
+                <a:gd name="connsiteY2" fmla="*/ 50800 h 292100"/>
+                <a:gd name="connsiteX3" fmla="*/ 177800 w 11722100"/>
+                <a:gd name="connsiteY3" fmla="*/ 0 h 292100"/>
+                <a:gd name="connsiteX0" fmla="*/ 206081 w 11722100"/>
+                <a:gd name="connsiteY0" fmla="*/ 0 h 292100"/>
+                <a:gd name="connsiteX1" fmla="*/ 0 w 11722100"/>
+                <a:gd name="connsiteY1" fmla="*/ 292100 h 292100"/>
+                <a:gd name="connsiteX2" fmla="*/ 11722100 w 11722100"/>
+                <a:gd name="connsiteY2" fmla="*/ 50800 h 292100"/>
+                <a:gd name="connsiteX3" fmla="*/ 206081 w 11722100"/>
+                <a:gd name="connsiteY3" fmla="*/ 0 h 292100"/>
+                <a:gd name="connsiteX0" fmla="*/ 206081 w 11750381"/>
+                <a:gd name="connsiteY0" fmla="*/ 0 h 292100"/>
+                <a:gd name="connsiteX1" fmla="*/ 0 w 11750381"/>
+                <a:gd name="connsiteY1" fmla="*/ 292100 h 292100"/>
+                <a:gd name="connsiteX2" fmla="*/ 11750381 w 11750381"/>
+                <a:gd name="connsiteY2" fmla="*/ 31947 h 292100"/>
+                <a:gd name="connsiteX3" fmla="*/ 206081 w 11750381"/>
+                <a:gd name="connsiteY3" fmla="*/ 0 h 292100"/>
+              </a:gdLst>
+              <a:ahLst/>
+              <a:cxnLst>
+                <a:cxn ang="0">
+                  <a:pos x="connsiteX0" y="connsiteY0"/>
+                </a:cxn>
+                <a:cxn ang="0">
+                  <a:pos x="connsiteX1" y="connsiteY1"/>
+                </a:cxn>
+                <a:cxn ang="0">
+                  <a:pos x="connsiteX2" y="connsiteY2"/>
+                </a:cxn>
+                <a:cxn ang="0">
+                  <a:pos x="connsiteX3" y="connsiteY3"/>
+                </a:cxn>
+              </a:cxnLst>
+              <a:rect l="l" t="t" r="r" b="b"/>
+              <a:pathLst>
+                <a:path w="11750381" h="292100">
+                  <a:moveTo>
+                    <a:pt x="206081" y="0"/>
+                  </a:moveTo>
+                  <a:lnTo>
+                    <a:pt x="0" y="292100"/>
+                  </a:lnTo>
+                  <a:lnTo>
+                    <a:pt x="11750381" y="31947"/>
+                  </a:lnTo>
+                  <a:lnTo>
+                    <a:pt x="206081" y="0"/>
+                  </a:lnTo>
+                  <a:close/>
+                </a:path>
+              </a:pathLst>
+            </a:custGeom>
+            <a:solidFill>
+              <a:schemeClr val="tx1">
+                <a:alpha val="13000"/>
+              </a:schemeClr>
+            </a:solidFill>
+            <a:ln>
+              <a:noFill/>
+            </a:ln>
+          </p:spPr>
+          <p:style>
+            <a:lnRef idx="2">
+              <a:schemeClr val="accent1">
+                <a:shade val="50000"/>
+              </a:schemeClr>
+            </a:lnRef>
+            <a:fillRef idx="1">
+              <a:schemeClr val="accent1"/>
+            </a:fillRef>
+            <a:effectRef idx="0">
+              <a:schemeClr val="accent1"/>
+            </a:effectRef>
+            <a:fontRef idx="minor">
+              <a:schemeClr val="lt1"/>
+            </a:fontRef>
+          </p:style>
+          <p:txBody>
+            <a:bodyPr rtlCol="0" anchor="ctr"/>
+            <a:lstStyle/>
+            <a:p>
+              <a:pPr algn="ctr"/>
+              <a:endParaRPr lang="ko-KR" altLang="en-US"/>
+            </a:p>
+          </p:txBody>
+        </p:sp>
+        <p:sp>
+          <p:nvSpPr>
+            <p:cNvPr id="15" name="모서리가 둥근 직사각형 14"/>
+            <p:cNvSpPr/>
+            <p:nvPr/>
+          </p:nvSpPr>
+          <p:spPr>
+            <a:xfrm>
+              <a:off x="524266" y="6670585"/>
+              <a:ext cx="597524" cy="64121"/>
+            </a:xfrm>
+            <a:prstGeom prst="roundRect">
+              <a:avLst>
+                <a:gd name="adj" fmla="val 50000"/>
+              </a:avLst>
+            </a:prstGeom>
+            <a:solidFill>
+              <a:srgbClr val="00B0F0"/>
+            </a:solidFill>
+            <a:ln>
+              <a:solidFill>
+                <a:schemeClr val="bg1">
+                  <a:lumMod val="50000"/>
+                </a:schemeClr>
+              </a:solidFill>
+            </a:ln>
+          </p:spPr>
+          <p:style>
+            <a:lnRef idx="2">
+              <a:schemeClr val="accent1">
+                <a:shade val="50000"/>
+              </a:schemeClr>
+            </a:lnRef>
+            <a:fillRef idx="1">
+              <a:schemeClr val="accent1"/>
+            </a:fillRef>
+            <a:effectRef idx="0">
+              <a:schemeClr val="accent1"/>
+            </a:effectRef>
+            <a:fontRef idx="minor">
+              <a:schemeClr val="lt1"/>
+            </a:fontRef>
+          </p:style>
+          <p:txBody>
+            <a:bodyPr rtlCol="0" anchor="ctr"/>
+            <a:lstStyle/>
+            <a:p>
+              <a:pPr algn="ctr"/>
+              <a:endParaRPr lang="ko-KR" altLang="en-US"/>
+            </a:p>
+          </p:txBody>
+        </p:sp>
+      </p:grpSp>
+      <p:sp>
+        <p:nvSpPr>
+          <p:cNvPr id="82" name="직사각형 81"/>
+          <p:cNvSpPr/>
+          <p:nvPr/>
+        </p:nvSpPr>
+        <p:spPr>
+          <a:xfrm>
+            <a:off x="3025537" y="2500098"/>
+            <a:ext cx="6163601" cy="1431995"/>
+          </a:xfrm>
+          <a:prstGeom prst="rect">
+            <a:avLst/>
+          </a:prstGeom>
+        </p:spPr>
+        <p:txBody>
+          <a:bodyPr wrap="square">
+            <a:spAutoFit/>
+          </a:bodyPr>
+          <a:lstStyle/>
+          <a:p>
+            <a:pPr algn="ctr">
+              <a:lnSpc>
+                <a:spcPct val="150000"/>
+              </a:lnSpc>
+            </a:pPr>
+            <a:r>
+              <a:rPr lang="en-US" altLang="ko-KR" sz="6600" b="1" i="1" dirty="0">
+                <a:solidFill>
+                  <a:schemeClr val="bg2">
+                    <a:lumMod val="25000"/>
+                  </a:schemeClr>
+                </a:solidFill>
+                <a:latin typeface="Broadway" panose="04040905080B02020502" pitchFamily="82" charset="0"/>
+              </a:rPr>
+              <a:t>01. </a:t>
+            </a:r>
+            <a:r>
+              <a:rPr lang="ko-KR" altLang="en-US" sz="4800" i="1" dirty="0">
+                <a:solidFill>
+                  <a:schemeClr val="bg2">
+                    <a:lumMod val="25000"/>
+                  </a:schemeClr>
+                </a:solidFill>
+              </a:rPr>
+              <a:t>개요 </a:t>
+            </a:r>
+            <a:r>
+              <a:rPr lang="en-US" altLang="ko-KR" sz="6000" b="1" i="1" dirty="0">
+                <a:solidFill>
+                  <a:schemeClr val="bg2">
+                    <a:lumMod val="25000"/>
+                  </a:schemeClr>
+                </a:solidFill>
+              </a:rPr>
+              <a:t>Outline</a:t>
+            </a:r>
+          </a:p>
+        </p:txBody>
+      </p:sp>
+    </p:spTree>
+    <p:extLst>
+      <p:ext uri="{BB962C8B-B14F-4D97-AF65-F5344CB8AC3E}">
+        <p14:creationId xmlns:p14="http://schemas.microsoft.com/office/powerpoint/2010/main" val="3074889684"/>
+      </p:ext>
+    </p:extLst>
+  </p:cSld>
+  <p:clrMapOvr>
+    <a:masterClrMapping/>
+  </p:clrMapOvr>
+</p:sld>
+</file>
+
+<file path=ppt/slides/slide20.xml><?xml version="1.0" encoding="utf-8"?>
 <p:sld xmlns:a="http://schemas.openxmlformats.org/drawingml/2006/main" xmlns:r="http://schemas.openxmlformats.org/officeDocument/2006/relationships" xmlns:p="http://schemas.openxmlformats.org/presentationml/2006/main">
   <p:cSld>
     <p:spTree>
@@ -16502,7 +18652,7 @@
     </p:spTree>
     <p:extLst>
       <p:ext uri="{BB962C8B-B14F-4D97-AF65-F5344CB8AC3E}">
-        <p14:creationId xmlns:p14="http://schemas.microsoft.com/office/powerpoint/2010/main" val="1609452083"/>
+        <p14:creationId xmlns:p14="http://schemas.microsoft.com/office/powerpoint/2010/main" val="57594357"/>
       </p:ext>
     </p:extLst>
   </p:cSld>
@@ -16519,7 +18669,722 @@
 </p:sld>
 </file>
 
-<file path=ppt/slides/slide19.xml><?xml version="1.0" encoding="utf-8"?>
+<file path=ppt/slides/slide21.xml><?xml version="1.0" encoding="utf-8"?>
+<p:sld xmlns:a="http://schemas.openxmlformats.org/drawingml/2006/main" xmlns:r="http://schemas.openxmlformats.org/officeDocument/2006/relationships" xmlns:p="http://schemas.openxmlformats.org/presentationml/2006/main">
+  <p:cSld>
+    <p:spTree>
+      <p:nvGrpSpPr>
+        <p:cNvPr id="1" name=""/>
+        <p:cNvGrpSpPr/>
+        <p:nvPr/>
+      </p:nvGrpSpPr>
+      <p:grpSpPr>
+        <a:xfrm>
+          <a:off x="0" y="0"/>
+          <a:ext cx="0" cy="0"/>
+          <a:chOff x="0" y="0"/>
+          <a:chExt cx="0" cy="0"/>
+        </a:xfrm>
+      </p:grpSpPr>
+      <p:grpSp>
+        <p:nvGrpSpPr>
+          <p:cNvPr id="4" name="그룹 3"/>
+          <p:cNvGrpSpPr/>
+          <p:nvPr/>
+        </p:nvGrpSpPr>
+        <p:grpSpPr>
+          <a:xfrm>
+            <a:off x="152400" y="83680"/>
+            <a:ext cx="11903770" cy="6774320"/>
+            <a:chOff x="152400" y="83680"/>
+            <a:chExt cx="11903770" cy="6774320"/>
+          </a:xfrm>
+        </p:grpSpPr>
+        <p:sp>
+          <p:nvSpPr>
+            <p:cNvPr id="68" name="양쪽 모서리가 둥근 사각형 67"/>
+            <p:cNvSpPr/>
+            <p:nvPr/>
+          </p:nvSpPr>
+          <p:spPr>
+            <a:xfrm>
+              <a:off x="338203" y="83680"/>
+              <a:ext cx="11548997" cy="6482219"/>
+            </a:xfrm>
+            <a:prstGeom prst="round2SameRect">
+              <a:avLst>
+                <a:gd name="adj1" fmla="val 4566"/>
+                <a:gd name="adj2" fmla="val 0"/>
+              </a:avLst>
+            </a:prstGeom>
+            <a:pattFill prst="ltDnDiag">
+              <a:fgClr>
+                <a:schemeClr val="bg1">
+                  <a:lumMod val="75000"/>
+                </a:schemeClr>
+              </a:fgClr>
+              <a:bgClr>
+                <a:schemeClr val="bg1">
+                  <a:lumMod val="95000"/>
+                </a:schemeClr>
+              </a:bgClr>
+            </a:pattFill>
+            <a:ln w="28575">
+              <a:solidFill>
+                <a:schemeClr val="bg1">
+                  <a:lumMod val="50000"/>
+                </a:schemeClr>
+              </a:solidFill>
+            </a:ln>
+          </p:spPr>
+          <p:style>
+            <a:lnRef idx="2">
+              <a:schemeClr val="accent1">
+                <a:shade val="50000"/>
+              </a:schemeClr>
+            </a:lnRef>
+            <a:fillRef idx="1">
+              <a:schemeClr val="accent1"/>
+            </a:fillRef>
+            <a:effectRef idx="0">
+              <a:schemeClr val="accent1"/>
+            </a:effectRef>
+            <a:fontRef idx="minor">
+              <a:schemeClr val="lt1"/>
+            </a:fontRef>
+          </p:style>
+          <p:txBody>
+            <a:bodyPr rtlCol="0" anchor="ctr"/>
+            <a:lstStyle/>
+            <a:p>
+              <a:pPr algn="ctr"/>
+              <a:endParaRPr lang="ko-KR" altLang="en-US"/>
+            </a:p>
+          </p:txBody>
+        </p:sp>
+        <p:sp>
+          <p:nvSpPr>
+            <p:cNvPr id="69" name="양쪽 모서리가 둥근 사각형 68"/>
+            <p:cNvSpPr/>
+            <p:nvPr/>
+          </p:nvSpPr>
+          <p:spPr>
+            <a:xfrm>
+              <a:off x="524266" y="241300"/>
+              <a:ext cx="11176871" cy="6133424"/>
+            </a:xfrm>
+            <a:prstGeom prst="round2SameRect">
+              <a:avLst>
+                <a:gd name="adj1" fmla="val 3284"/>
+                <a:gd name="adj2" fmla="val 0"/>
+              </a:avLst>
+            </a:prstGeom>
+            <a:solidFill>
+              <a:schemeClr val="bg1"/>
+            </a:solidFill>
+            <a:ln w="19050">
+              <a:solidFill>
+                <a:schemeClr val="bg1">
+                  <a:lumMod val="50000"/>
+                </a:schemeClr>
+              </a:solidFill>
+            </a:ln>
+          </p:spPr>
+          <p:style>
+            <a:lnRef idx="2">
+              <a:schemeClr val="accent1">
+                <a:shade val="50000"/>
+              </a:schemeClr>
+            </a:lnRef>
+            <a:fillRef idx="1">
+              <a:schemeClr val="accent1"/>
+            </a:fillRef>
+            <a:effectRef idx="0">
+              <a:schemeClr val="accent1"/>
+            </a:effectRef>
+            <a:fontRef idx="minor">
+              <a:schemeClr val="lt1"/>
+            </a:fontRef>
+          </p:style>
+          <p:txBody>
+            <a:bodyPr rtlCol="0" anchor="ctr"/>
+            <a:lstStyle/>
+            <a:p>
+              <a:pPr algn="ctr"/>
+              <a:endParaRPr lang="ko-KR" altLang="en-US"/>
+            </a:p>
+          </p:txBody>
+        </p:sp>
+        <p:sp>
+          <p:nvSpPr>
+            <p:cNvPr id="84" name="양쪽 모서리가 둥근 사각형 83"/>
+            <p:cNvSpPr/>
+            <p:nvPr/>
+          </p:nvSpPr>
+          <p:spPr>
+            <a:xfrm rot="16200000">
+              <a:off x="1176083" y="5641873"/>
+              <a:ext cx="108000" cy="1798840"/>
+            </a:xfrm>
+            <a:prstGeom prst="round2SameRect">
+              <a:avLst>
+                <a:gd name="adj1" fmla="val 19304"/>
+                <a:gd name="adj2" fmla="val 0"/>
+              </a:avLst>
+            </a:prstGeom>
+            <a:gradFill flip="none" rotWithShape="1">
+              <a:gsLst>
+                <a:gs pos="17000">
+                  <a:schemeClr val="bg1">
+                    <a:lumMod val="50000"/>
+                  </a:schemeClr>
+                </a:gs>
+                <a:gs pos="59000">
+                  <a:schemeClr val="bg1">
+                    <a:shade val="100000"/>
+                    <a:satMod val="115000"/>
+                  </a:schemeClr>
+                </a:gs>
+              </a:gsLst>
+              <a:lin ang="0" scaled="1"/>
+              <a:tileRect/>
+            </a:gradFill>
+            <a:ln w="19050">
+              <a:solidFill>
+                <a:schemeClr val="bg1">
+                  <a:lumMod val="50000"/>
+                </a:schemeClr>
+              </a:solidFill>
+            </a:ln>
+          </p:spPr>
+          <p:style>
+            <a:lnRef idx="2">
+              <a:schemeClr val="accent1">
+                <a:shade val="50000"/>
+              </a:schemeClr>
+            </a:lnRef>
+            <a:fillRef idx="1">
+              <a:schemeClr val="accent1"/>
+            </a:fillRef>
+            <a:effectRef idx="0">
+              <a:schemeClr val="accent1"/>
+            </a:effectRef>
+            <a:fontRef idx="minor">
+              <a:schemeClr val="lt1"/>
+            </a:fontRef>
+          </p:style>
+          <p:txBody>
+            <a:bodyPr rtlCol="0" anchor="ctr"/>
+            <a:lstStyle/>
+            <a:p>
+              <a:pPr algn="ctr"/>
+              <a:endParaRPr lang="ko-KR" altLang="en-US">
+                <a:solidFill>
+                  <a:prstClr val="white"/>
+                </a:solidFill>
+              </a:endParaRPr>
+            </a:p>
+          </p:txBody>
+        </p:sp>
+        <p:sp>
+          <p:nvSpPr>
+            <p:cNvPr id="85" name="양쪽 모서리가 둥근 사각형 84"/>
+            <p:cNvSpPr/>
+            <p:nvPr/>
+          </p:nvSpPr>
+          <p:spPr>
+            <a:xfrm rot="5400000" flipH="1">
+              <a:off x="10930593" y="5641871"/>
+              <a:ext cx="108000" cy="1798840"/>
+            </a:xfrm>
+            <a:prstGeom prst="round2SameRect">
+              <a:avLst>
+                <a:gd name="adj1" fmla="val 19304"/>
+                <a:gd name="adj2" fmla="val 0"/>
+              </a:avLst>
+            </a:prstGeom>
+            <a:gradFill flip="none" rotWithShape="1">
+              <a:gsLst>
+                <a:gs pos="17000">
+                  <a:schemeClr val="bg1">
+                    <a:lumMod val="50000"/>
+                  </a:schemeClr>
+                </a:gs>
+                <a:gs pos="59000">
+                  <a:schemeClr val="bg1">
+                    <a:shade val="100000"/>
+                    <a:satMod val="115000"/>
+                  </a:schemeClr>
+                </a:gs>
+              </a:gsLst>
+              <a:lin ang="0" scaled="1"/>
+              <a:tileRect/>
+            </a:gradFill>
+            <a:ln w="19050">
+              <a:solidFill>
+                <a:schemeClr val="bg1">
+                  <a:lumMod val="50000"/>
+                </a:schemeClr>
+              </a:solidFill>
+            </a:ln>
+          </p:spPr>
+          <p:style>
+            <a:lnRef idx="2">
+              <a:schemeClr val="accent1">
+                <a:shade val="50000"/>
+              </a:schemeClr>
+            </a:lnRef>
+            <a:fillRef idx="1">
+              <a:schemeClr val="accent1"/>
+            </a:fillRef>
+            <a:effectRef idx="0">
+              <a:schemeClr val="accent1"/>
+            </a:effectRef>
+            <a:fontRef idx="minor">
+              <a:schemeClr val="lt1"/>
+            </a:fontRef>
+          </p:style>
+          <p:txBody>
+            <a:bodyPr rtlCol="0" anchor="ctr"/>
+            <a:lstStyle/>
+            <a:p>
+              <a:pPr algn="ctr"/>
+              <a:endParaRPr lang="ko-KR" altLang="en-US">
+                <a:solidFill>
+                  <a:prstClr val="white"/>
+                </a:solidFill>
+              </a:endParaRPr>
+            </a:p>
+          </p:txBody>
+        </p:sp>
+        <p:sp>
+          <p:nvSpPr>
+            <p:cNvPr id="86" name="양쪽 모서리가 둥근 사각형 85"/>
+            <p:cNvSpPr/>
+            <p:nvPr/>
+          </p:nvSpPr>
+          <p:spPr>
+            <a:xfrm rot="16200000">
+              <a:off x="6053339" y="2563457"/>
+              <a:ext cx="108000" cy="7955668"/>
+            </a:xfrm>
+            <a:prstGeom prst="round2SameRect">
+              <a:avLst>
+                <a:gd name="adj1" fmla="val 0"/>
+                <a:gd name="adj2" fmla="val 0"/>
+              </a:avLst>
+            </a:prstGeom>
+            <a:gradFill flip="none" rotWithShape="1">
+              <a:gsLst>
+                <a:gs pos="17000">
+                  <a:schemeClr val="bg1">
+                    <a:lumMod val="50000"/>
+                  </a:schemeClr>
+                </a:gs>
+                <a:gs pos="59000">
+                  <a:schemeClr val="bg1">
+                    <a:shade val="100000"/>
+                    <a:satMod val="115000"/>
+                  </a:schemeClr>
+                </a:gs>
+              </a:gsLst>
+              <a:lin ang="0" scaled="1"/>
+              <a:tileRect/>
+            </a:gradFill>
+            <a:ln w="19050">
+              <a:solidFill>
+                <a:schemeClr val="bg1">
+                  <a:lumMod val="50000"/>
+                </a:schemeClr>
+              </a:solidFill>
+            </a:ln>
+          </p:spPr>
+          <p:style>
+            <a:lnRef idx="2">
+              <a:schemeClr val="accent1">
+                <a:shade val="50000"/>
+              </a:schemeClr>
+            </a:lnRef>
+            <a:fillRef idx="1">
+              <a:schemeClr val="accent1"/>
+            </a:fillRef>
+            <a:effectRef idx="0">
+              <a:schemeClr val="accent1"/>
+            </a:effectRef>
+            <a:fontRef idx="minor">
+              <a:schemeClr val="lt1"/>
+            </a:fontRef>
+          </p:style>
+          <p:txBody>
+            <a:bodyPr rtlCol="0" anchor="ctr"/>
+            <a:lstStyle/>
+            <a:p>
+              <a:pPr algn="ctr"/>
+              <a:endParaRPr lang="ko-KR" altLang="en-US">
+                <a:solidFill>
+                  <a:prstClr val="white"/>
+                </a:solidFill>
+              </a:endParaRPr>
+            </a:p>
+          </p:txBody>
+        </p:sp>
+        <p:sp>
+          <p:nvSpPr>
+            <p:cNvPr id="14" name="자유형 13"/>
+            <p:cNvSpPr/>
+            <p:nvPr/>
+          </p:nvSpPr>
+          <p:spPr>
+            <a:xfrm>
+              <a:off x="158507" y="6590451"/>
+              <a:ext cx="11897663" cy="267549"/>
+            </a:xfrm>
+            <a:custGeom>
+              <a:avLst/>
+              <a:gdLst>
+                <a:gd name="connsiteX0" fmla="*/ 195955 w 11897663"/>
+                <a:gd name="connsiteY0" fmla="*/ 0 h 267549"/>
+                <a:gd name="connsiteX1" fmla="*/ 11701708 w 11897663"/>
+                <a:gd name="connsiteY1" fmla="*/ 0 h 267549"/>
+                <a:gd name="connsiteX2" fmla="*/ 11897663 w 11897663"/>
+                <a:gd name="connsiteY2" fmla="*/ 267549 h 267549"/>
+                <a:gd name="connsiteX3" fmla="*/ 0 w 11897663"/>
+                <a:gd name="connsiteY3" fmla="*/ 267549 h 267549"/>
+              </a:gdLst>
+              <a:ahLst/>
+              <a:cxnLst>
+                <a:cxn ang="0">
+                  <a:pos x="connsiteX0" y="connsiteY0"/>
+                </a:cxn>
+                <a:cxn ang="0">
+                  <a:pos x="connsiteX1" y="connsiteY1"/>
+                </a:cxn>
+                <a:cxn ang="0">
+                  <a:pos x="connsiteX2" y="connsiteY2"/>
+                </a:cxn>
+                <a:cxn ang="0">
+                  <a:pos x="connsiteX3" y="connsiteY3"/>
+                </a:cxn>
+              </a:cxnLst>
+              <a:rect l="l" t="t" r="r" b="b"/>
+              <a:pathLst>
+                <a:path w="11897663" h="267549">
+                  <a:moveTo>
+                    <a:pt x="195955" y="0"/>
+                  </a:moveTo>
+                  <a:lnTo>
+                    <a:pt x="11701708" y="0"/>
+                  </a:lnTo>
+                  <a:lnTo>
+                    <a:pt x="11897663" y="267549"/>
+                  </a:lnTo>
+                  <a:lnTo>
+                    <a:pt x="0" y="267549"/>
+                  </a:lnTo>
+                  <a:close/>
+                </a:path>
+              </a:pathLst>
+            </a:custGeom>
+            <a:solidFill>
+              <a:schemeClr val="bg1"/>
+            </a:solidFill>
+            <a:ln w="19050">
+              <a:solidFill>
+                <a:schemeClr val="bg1">
+                  <a:lumMod val="50000"/>
+                </a:schemeClr>
+              </a:solidFill>
+            </a:ln>
+          </p:spPr>
+          <p:style>
+            <a:lnRef idx="2">
+              <a:schemeClr val="accent1">
+                <a:shade val="50000"/>
+              </a:schemeClr>
+            </a:lnRef>
+            <a:fillRef idx="1">
+              <a:schemeClr val="accent1"/>
+            </a:fillRef>
+            <a:effectRef idx="0">
+              <a:schemeClr val="accent1"/>
+            </a:effectRef>
+            <a:fontRef idx="minor">
+              <a:schemeClr val="lt1"/>
+            </a:fontRef>
+          </p:style>
+          <p:txBody>
+            <a:bodyPr wrap="square" rtlCol="0" anchor="ctr">
+              <a:noAutofit/>
+            </a:bodyPr>
+            <a:lstStyle/>
+            <a:p>
+              <a:pPr algn="ctr"/>
+              <a:endParaRPr lang="ko-KR" altLang="en-US">
+                <a:solidFill>
+                  <a:prstClr val="white"/>
+                </a:solidFill>
+              </a:endParaRPr>
+            </a:p>
+          </p:txBody>
+        </p:sp>
+        <p:sp>
+          <p:nvSpPr>
+            <p:cNvPr id="26" name="자유형 25"/>
+            <p:cNvSpPr/>
+            <p:nvPr/>
+          </p:nvSpPr>
+          <p:spPr>
+            <a:xfrm>
+              <a:off x="152400" y="6565900"/>
+              <a:ext cx="11750381" cy="292100"/>
+            </a:xfrm>
+            <a:custGeom>
+              <a:avLst/>
+              <a:gdLst>
+                <a:gd name="connsiteX0" fmla="*/ 177800 w 11722100"/>
+                <a:gd name="connsiteY0" fmla="*/ 0 h 292100"/>
+                <a:gd name="connsiteX1" fmla="*/ 0 w 11722100"/>
+                <a:gd name="connsiteY1" fmla="*/ 292100 h 292100"/>
+                <a:gd name="connsiteX2" fmla="*/ 11722100 w 11722100"/>
+                <a:gd name="connsiteY2" fmla="*/ 50800 h 292100"/>
+                <a:gd name="connsiteX3" fmla="*/ 177800 w 11722100"/>
+                <a:gd name="connsiteY3" fmla="*/ 0 h 292100"/>
+                <a:gd name="connsiteX0" fmla="*/ 206081 w 11722100"/>
+                <a:gd name="connsiteY0" fmla="*/ 0 h 292100"/>
+                <a:gd name="connsiteX1" fmla="*/ 0 w 11722100"/>
+                <a:gd name="connsiteY1" fmla="*/ 292100 h 292100"/>
+                <a:gd name="connsiteX2" fmla="*/ 11722100 w 11722100"/>
+                <a:gd name="connsiteY2" fmla="*/ 50800 h 292100"/>
+                <a:gd name="connsiteX3" fmla="*/ 206081 w 11722100"/>
+                <a:gd name="connsiteY3" fmla="*/ 0 h 292100"/>
+                <a:gd name="connsiteX0" fmla="*/ 206081 w 11750381"/>
+                <a:gd name="connsiteY0" fmla="*/ 0 h 292100"/>
+                <a:gd name="connsiteX1" fmla="*/ 0 w 11750381"/>
+                <a:gd name="connsiteY1" fmla="*/ 292100 h 292100"/>
+                <a:gd name="connsiteX2" fmla="*/ 11750381 w 11750381"/>
+                <a:gd name="connsiteY2" fmla="*/ 31947 h 292100"/>
+                <a:gd name="connsiteX3" fmla="*/ 206081 w 11750381"/>
+                <a:gd name="connsiteY3" fmla="*/ 0 h 292100"/>
+              </a:gdLst>
+              <a:ahLst/>
+              <a:cxnLst>
+                <a:cxn ang="0">
+                  <a:pos x="connsiteX0" y="connsiteY0"/>
+                </a:cxn>
+                <a:cxn ang="0">
+                  <a:pos x="connsiteX1" y="connsiteY1"/>
+                </a:cxn>
+                <a:cxn ang="0">
+                  <a:pos x="connsiteX2" y="connsiteY2"/>
+                </a:cxn>
+                <a:cxn ang="0">
+                  <a:pos x="connsiteX3" y="connsiteY3"/>
+                </a:cxn>
+              </a:cxnLst>
+              <a:rect l="l" t="t" r="r" b="b"/>
+              <a:pathLst>
+                <a:path w="11750381" h="292100">
+                  <a:moveTo>
+                    <a:pt x="206081" y="0"/>
+                  </a:moveTo>
+                  <a:lnTo>
+                    <a:pt x="0" y="292100"/>
+                  </a:lnTo>
+                  <a:lnTo>
+                    <a:pt x="11750381" y="31947"/>
+                  </a:lnTo>
+                  <a:lnTo>
+                    <a:pt x="206081" y="0"/>
+                  </a:lnTo>
+                  <a:close/>
+                </a:path>
+              </a:pathLst>
+            </a:custGeom>
+            <a:solidFill>
+              <a:schemeClr val="tx1">
+                <a:alpha val="13000"/>
+              </a:schemeClr>
+            </a:solidFill>
+            <a:ln>
+              <a:noFill/>
+            </a:ln>
+          </p:spPr>
+          <p:style>
+            <a:lnRef idx="2">
+              <a:schemeClr val="accent1">
+                <a:shade val="50000"/>
+              </a:schemeClr>
+            </a:lnRef>
+            <a:fillRef idx="1">
+              <a:schemeClr val="accent1"/>
+            </a:fillRef>
+            <a:effectRef idx="0">
+              <a:schemeClr val="accent1"/>
+            </a:effectRef>
+            <a:fontRef idx="minor">
+              <a:schemeClr val="lt1"/>
+            </a:fontRef>
+          </p:style>
+          <p:txBody>
+            <a:bodyPr rtlCol="0" anchor="ctr"/>
+            <a:lstStyle/>
+            <a:p>
+              <a:pPr algn="ctr"/>
+              <a:endParaRPr lang="ko-KR" altLang="en-US"/>
+            </a:p>
+          </p:txBody>
+        </p:sp>
+        <p:sp>
+          <p:nvSpPr>
+            <p:cNvPr id="15" name="모서리가 둥근 직사각형 14"/>
+            <p:cNvSpPr/>
+            <p:nvPr/>
+          </p:nvSpPr>
+          <p:spPr>
+            <a:xfrm>
+              <a:off x="524266" y="6670585"/>
+              <a:ext cx="597524" cy="64121"/>
+            </a:xfrm>
+            <a:prstGeom prst="roundRect">
+              <a:avLst>
+                <a:gd name="adj" fmla="val 50000"/>
+              </a:avLst>
+            </a:prstGeom>
+            <a:solidFill>
+              <a:srgbClr val="00B0F0"/>
+            </a:solidFill>
+            <a:ln>
+              <a:solidFill>
+                <a:schemeClr val="bg1">
+                  <a:lumMod val="50000"/>
+                </a:schemeClr>
+              </a:solidFill>
+            </a:ln>
+          </p:spPr>
+          <p:style>
+            <a:lnRef idx="2">
+              <a:schemeClr val="accent1">
+                <a:shade val="50000"/>
+              </a:schemeClr>
+            </a:lnRef>
+            <a:fillRef idx="1">
+              <a:schemeClr val="accent1"/>
+            </a:fillRef>
+            <a:effectRef idx="0">
+              <a:schemeClr val="accent1"/>
+            </a:effectRef>
+            <a:fontRef idx="minor">
+              <a:schemeClr val="lt1"/>
+            </a:fontRef>
+          </p:style>
+          <p:txBody>
+            <a:bodyPr rtlCol="0" anchor="ctr"/>
+            <a:lstStyle/>
+            <a:p>
+              <a:pPr algn="ctr"/>
+              <a:endParaRPr lang="ko-KR" altLang="en-US"/>
+            </a:p>
+          </p:txBody>
+        </p:sp>
+      </p:grpSp>
+      <p:sp>
+        <p:nvSpPr>
+          <p:cNvPr id="82" name="직사각형 81"/>
+          <p:cNvSpPr/>
+          <p:nvPr/>
+        </p:nvSpPr>
+        <p:spPr>
+          <a:xfrm>
+            <a:off x="1474252" y="2500098"/>
+            <a:ext cx="9266171" cy="1615827"/>
+          </a:xfrm>
+          <a:prstGeom prst="rect">
+            <a:avLst/>
+          </a:prstGeom>
+        </p:spPr>
+        <p:txBody>
+          <a:bodyPr wrap="square">
+            <a:spAutoFit/>
+          </a:bodyPr>
+          <a:lstStyle/>
+          <a:p>
+            <a:pPr algn="ctr">
+              <a:lnSpc>
+                <a:spcPct val="150000"/>
+              </a:lnSpc>
+            </a:pPr>
+            <a:r>
+              <a:rPr lang="en-US" altLang="ko-KR" sz="6600" b="1" i="1" dirty="0" smtClean="0">
+                <a:solidFill>
+                  <a:schemeClr val="bg2">
+                    <a:lumMod val="25000"/>
+                  </a:schemeClr>
+                </a:solidFill>
+                <a:latin typeface="Broadway" panose="04040905080B02020502" pitchFamily="82" charset="0"/>
+              </a:rPr>
+              <a:t> </a:t>
+            </a:r>
+            <a:r>
+              <a:rPr lang="ko-KR" altLang="en-US" sz="4800" i="1" dirty="0" smtClean="0">
+                <a:solidFill>
+                  <a:schemeClr val="bg2">
+                    <a:lumMod val="25000"/>
+                  </a:schemeClr>
+                </a:solidFill>
+              </a:rPr>
+              <a:t>화면설계서 </a:t>
+            </a:r>
+            <a:r>
+              <a:rPr lang="en-US" altLang="ko-KR" sz="4800" i="1" dirty="0" smtClean="0">
+                <a:solidFill>
+                  <a:schemeClr val="bg2">
+                    <a:lumMod val="25000"/>
+                  </a:schemeClr>
+                </a:solidFill>
+              </a:rPr>
+              <a:t>– </a:t>
+            </a:r>
+            <a:r>
+              <a:rPr lang="ko-KR" altLang="en-US" sz="4800" i="1" dirty="0" smtClean="0">
+                <a:solidFill>
+                  <a:schemeClr val="bg2">
+                    <a:lumMod val="25000"/>
+                  </a:schemeClr>
+                </a:solidFill>
+              </a:rPr>
+              <a:t>회원서비스 </a:t>
+            </a:r>
+            <a:endParaRPr lang="en-US" altLang="ko-KR" sz="4800" b="1" i="1" dirty="0">
+              <a:solidFill>
+                <a:schemeClr val="bg2">
+                  <a:lumMod val="25000"/>
+                </a:schemeClr>
+              </a:solidFill>
+            </a:endParaRPr>
+          </a:p>
+        </p:txBody>
+      </p:sp>
+    </p:spTree>
+    <p:extLst>
+      <p:ext uri="{BB962C8B-B14F-4D97-AF65-F5344CB8AC3E}">
+        <p14:creationId xmlns:p14="http://schemas.microsoft.com/office/powerpoint/2010/main" val="2794477949"/>
+      </p:ext>
+    </p:extLst>
+  </p:cSld>
+  <p:clrMapOvr>
+    <a:masterClrMapping/>
+  </p:clrMapOvr>
+  <p:timing>
+    <p:tnLst>
+      <p:par>
+        <p:cTn id="1" dur="indefinite" restart="never" nodeType="tmRoot"/>
+      </p:par>
+    </p:tnLst>
+  </p:timing>
+</p:sld>
+</file>
+
+<file path=ppt/slides/slide22.xml><?xml version="1.0" encoding="utf-8"?>
 <p:sld xmlns:a="http://schemas.openxmlformats.org/drawingml/2006/main" xmlns:r="http://schemas.openxmlformats.org/officeDocument/2006/relationships" xmlns:p="http://schemas.openxmlformats.org/presentationml/2006/main">
   <p:cSld>
     <p:spTree>
@@ -18656,7 +21521,7 @@
     </p:spTree>
     <p:extLst>
       <p:ext uri="{BB962C8B-B14F-4D97-AF65-F5344CB8AC3E}">
-        <p14:creationId xmlns:p14="http://schemas.microsoft.com/office/powerpoint/2010/main" val="2459386988"/>
+        <p14:creationId xmlns:p14="http://schemas.microsoft.com/office/powerpoint/2010/main" val="3012526723"/>
       </p:ext>
     </p:extLst>
   </p:cSld>
@@ -18666,711 +21531,7 @@
 </p:sld>
 </file>
 
-<file path=ppt/slides/slide2.xml><?xml version="1.0" encoding="utf-8"?>
-<p:sld xmlns:a="http://schemas.openxmlformats.org/drawingml/2006/main" xmlns:r="http://schemas.openxmlformats.org/officeDocument/2006/relationships" xmlns:p="http://schemas.openxmlformats.org/presentationml/2006/main">
-  <p:cSld>
-    <p:bg>
-      <p:bgPr>
-        <a:blipFill dpi="0" rotWithShape="1">
-          <a:blip r:embed="rId2">
-            <a:alphaModFix amt="36000"/>
-            <a:lum/>
-          </a:blip>
-          <a:srcRect/>
-          <a:tile tx="0" ty="0" sx="70000" sy="70000" flip="none" algn="tl"/>
-        </a:blipFill>
-        <a:effectLst/>
-      </p:bgPr>
-    </p:bg>
-    <p:spTree>
-      <p:nvGrpSpPr>
-        <p:cNvPr id="1" name=""/>
-        <p:cNvGrpSpPr/>
-        <p:nvPr/>
-      </p:nvGrpSpPr>
-      <p:grpSpPr>
-        <a:xfrm>
-          <a:off x="0" y="0"/>
-          <a:ext cx="0" cy="0"/>
-          <a:chOff x="0" y="0"/>
-          <a:chExt cx="0" cy="0"/>
-        </a:xfrm>
-      </p:grpSpPr>
-      <p:grpSp>
-        <p:nvGrpSpPr>
-          <p:cNvPr id="4" name="그룹 3"/>
-          <p:cNvGrpSpPr/>
-          <p:nvPr/>
-        </p:nvGrpSpPr>
-        <p:grpSpPr>
-          <a:xfrm>
-            <a:off x="152400" y="83680"/>
-            <a:ext cx="11903770" cy="6774320"/>
-            <a:chOff x="152400" y="83680"/>
-            <a:chExt cx="11903770" cy="6774320"/>
-          </a:xfrm>
-        </p:grpSpPr>
-        <p:sp>
-          <p:nvSpPr>
-            <p:cNvPr id="68" name="양쪽 모서리가 둥근 사각형 67"/>
-            <p:cNvSpPr/>
-            <p:nvPr/>
-          </p:nvSpPr>
-          <p:spPr>
-            <a:xfrm>
-              <a:off x="338203" y="83680"/>
-              <a:ext cx="11548997" cy="6482219"/>
-            </a:xfrm>
-            <a:prstGeom prst="round2SameRect">
-              <a:avLst>
-                <a:gd name="adj1" fmla="val 4566"/>
-                <a:gd name="adj2" fmla="val 0"/>
-              </a:avLst>
-            </a:prstGeom>
-            <a:pattFill prst="ltDnDiag">
-              <a:fgClr>
-                <a:schemeClr val="bg1">
-                  <a:lumMod val="75000"/>
-                </a:schemeClr>
-              </a:fgClr>
-              <a:bgClr>
-                <a:schemeClr val="bg1">
-                  <a:lumMod val="95000"/>
-                </a:schemeClr>
-              </a:bgClr>
-            </a:pattFill>
-            <a:ln w="28575">
-              <a:solidFill>
-                <a:schemeClr val="bg1">
-                  <a:lumMod val="50000"/>
-                </a:schemeClr>
-              </a:solidFill>
-            </a:ln>
-          </p:spPr>
-          <p:style>
-            <a:lnRef idx="2">
-              <a:schemeClr val="accent1">
-                <a:shade val="50000"/>
-              </a:schemeClr>
-            </a:lnRef>
-            <a:fillRef idx="1">
-              <a:schemeClr val="accent1"/>
-            </a:fillRef>
-            <a:effectRef idx="0">
-              <a:schemeClr val="accent1"/>
-            </a:effectRef>
-            <a:fontRef idx="minor">
-              <a:schemeClr val="lt1"/>
-            </a:fontRef>
-          </p:style>
-          <p:txBody>
-            <a:bodyPr rtlCol="0" anchor="ctr"/>
-            <a:lstStyle/>
-            <a:p>
-              <a:pPr algn="ctr"/>
-              <a:endParaRPr lang="ko-KR" altLang="en-US"/>
-            </a:p>
-          </p:txBody>
-        </p:sp>
-        <p:sp>
-          <p:nvSpPr>
-            <p:cNvPr id="69" name="양쪽 모서리가 둥근 사각형 68"/>
-            <p:cNvSpPr/>
-            <p:nvPr/>
-          </p:nvSpPr>
-          <p:spPr>
-            <a:xfrm>
-              <a:off x="524266" y="241300"/>
-              <a:ext cx="11176871" cy="6133424"/>
-            </a:xfrm>
-            <a:prstGeom prst="round2SameRect">
-              <a:avLst>
-                <a:gd name="adj1" fmla="val 3284"/>
-                <a:gd name="adj2" fmla="val 0"/>
-              </a:avLst>
-            </a:prstGeom>
-            <a:solidFill>
-              <a:schemeClr val="bg1"/>
-            </a:solidFill>
-            <a:ln w="19050">
-              <a:solidFill>
-                <a:schemeClr val="bg1">
-                  <a:lumMod val="50000"/>
-                </a:schemeClr>
-              </a:solidFill>
-            </a:ln>
-          </p:spPr>
-          <p:style>
-            <a:lnRef idx="2">
-              <a:schemeClr val="accent1">
-                <a:shade val="50000"/>
-              </a:schemeClr>
-            </a:lnRef>
-            <a:fillRef idx="1">
-              <a:schemeClr val="accent1"/>
-            </a:fillRef>
-            <a:effectRef idx="0">
-              <a:schemeClr val="accent1"/>
-            </a:effectRef>
-            <a:fontRef idx="minor">
-              <a:schemeClr val="lt1"/>
-            </a:fontRef>
-          </p:style>
-          <p:txBody>
-            <a:bodyPr rtlCol="0" anchor="ctr"/>
-            <a:lstStyle/>
-            <a:p>
-              <a:pPr algn="ctr"/>
-              <a:endParaRPr lang="ko-KR" altLang="en-US"/>
-            </a:p>
-          </p:txBody>
-        </p:sp>
-        <p:sp>
-          <p:nvSpPr>
-            <p:cNvPr id="84" name="양쪽 모서리가 둥근 사각형 83"/>
-            <p:cNvSpPr/>
-            <p:nvPr/>
-          </p:nvSpPr>
-          <p:spPr>
-            <a:xfrm rot="16200000">
-              <a:off x="1176083" y="5641873"/>
-              <a:ext cx="108000" cy="1798840"/>
-            </a:xfrm>
-            <a:prstGeom prst="round2SameRect">
-              <a:avLst>
-                <a:gd name="adj1" fmla="val 19304"/>
-                <a:gd name="adj2" fmla="val 0"/>
-              </a:avLst>
-            </a:prstGeom>
-            <a:gradFill flip="none" rotWithShape="1">
-              <a:gsLst>
-                <a:gs pos="17000">
-                  <a:schemeClr val="bg1">
-                    <a:lumMod val="50000"/>
-                  </a:schemeClr>
-                </a:gs>
-                <a:gs pos="59000">
-                  <a:schemeClr val="bg1">
-                    <a:shade val="100000"/>
-                    <a:satMod val="115000"/>
-                  </a:schemeClr>
-                </a:gs>
-              </a:gsLst>
-              <a:lin ang="0" scaled="1"/>
-              <a:tileRect/>
-            </a:gradFill>
-            <a:ln w="19050">
-              <a:solidFill>
-                <a:schemeClr val="bg1">
-                  <a:lumMod val="50000"/>
-                </a:schemeClr>
-              </a:solidFill>
-            </a:ln>
-          </p:spPr>
-          <p:style>
-            <a:lnRef idx="2">
-              <a:schemeClr val="accent1">
-                <a:shade val="50000"/>
-              </a:schemeClr>
-            </a:lnRef>
-            <a:fillRef idx="1">
-              <a:schemeClr val="accent1"/>
-            </a:fillRef>
-            <a:effectRef idx="0">
-              <a:schemeClr val="accent1"/>
-            </a:effectRef>
-            <a:fontRef idx="minor">
-              <a:schemeClr val="lt1"/>
-            </a:fontRef>
-          </p:style>
-          <p:txBody>
-            <a:bodyPr rtlCol="0" anchor="ctr"/>
-            <a:lstStyle/>
-            <a:p>
-              <a:pPr algn="ctr"/>
-              <a:endParaRPr lang="ko-KR" altLang="en-US">
-                <a:solidFill>
-                  <a:prstClr val="white"/>
-                </a:solidFill>
-              </a:endParaRPr>
-            </a:p>
-          </p:txBody>
-        </p:sp>
-        <p:sp>
-          <p:nvSpPr>
-            <p:cNvPr id="85" name="양쪽 모서리가 둥근 사각형 84"/>
-            <p:cNvSpPr/>
-            <p:nvPr/>
-          </p:nvSpPr>
-          <p:spPr>
-            <a:xfrm rot="5400000" flipH="1">
-              <a:off x="10930593" y="5641871"/>
-              <a:ext cx="108000" cy="1798840"/>
-            </a:xfrm>
-            <a:prstGeom prst="round2SameRect">
-              <a:avLst>
-                <a:gd name="adj1" fmla="val 19304"/>
-                <a:gd name="adj2" fmla="val 0"/>
-              </a:avLst>
-            </a:prstGeom>
-            <a:gradFill flip="none" rotWithShape="1">
-              <a:gsLst>
-                <a:gs pos="17000">
-                  <a:schemeClr val="bg1">
-                    <a:lumMod val="50000"/>
-                  </a:schemeClr>
-                </a:gs>
-                <a:gs pos="59000">
-                  <a:schemeClr val="bg1">
-                    <a:shade val="100000"/>
-                    <a:satMod val="115000"/>
-                  </a:schemeClr>
-                </a:gs>
-              </a:gsLst>
-              <a:lin ang="0" scaled="1"/>
-              <a:tileRect/>
-            </a:gradFill>
-            <a:ln w="19050">
-              <a:solidFill>
-                <a:schemeClr val="bg1">
-                  <a:lumMod val="50000"/>
-                </a:schemeClr>
-              </a:solidFill>
-            </a:ln>
-          </p:spPr>
-          <p:style>
-            <a:lnRef idx="2">
-              <a:schemeClr val="accent1">
-                <a:shade val="50000"/>
-              </a:schemeClr>
-            </a:lnRef>
-            <a:fillRef idx="1">
-              <a:schemeClr val="accent1"/>
-            </a:fillRef>
-            <a:effectRef idx="0">
-              <a:schemeClr val="accent1"/>
-            </a:effectRef>
-            <a:fontRef idx="minor">
-              <a:schemeClr val="lt1"/>
-            </a:fontRef>
-          </p:style>
-          <p:txBody>
-            <a:bodyPr rtlCol="0" anchor="ctr"/>
-            <a:lstStyle/>
-            <a:p>
-              <a:pPr algn="ctr"/>
-              <a:endParaRPr lang="ko-KR" altLang="en-US">
-                <a:solidFill>
-                  <a:prstClr val="white"/>
-                </a:solidFill>
-              </a:endParaRPr>
-            </a:p>
-          </p:txBody>
-        </p:sp>
-        <p:sp>
-          <p:nvSpPr>
-            <p:cNvPr id="86" name="양쪽 모서리가 둥근 사각형 85"/>
-            <p:cNvSpPr/>
-            <p:nvPr/>
-          </p:nvSpPr>
-          <p:spPr>
-            <a:xfrm rot="16200000">
-              <a:off x="6053339" y="2563457"/>
-              <a:ext cx="108000" cy="7955668"/>
-            </a:xfrm>
-            <a:prstGeom prst="round2SameRect">
-              <a:avLst>
-                <a:gd name="adj1" fmla="val 0"/>
-                <a:gd name="adj2" fmla="val 0"/>
-              </a:avLst>
-            </a:prstGeom>
-            <a:gradFill flip="none" rotWithShape="1">
-              <a:gsLst>
-                <a:gs pos="17000">
-                  <a:schemeClr val="bg1">
-                    <a:lumMod val="50000"/>
-                  </a:schemeClr>
-                </a:gs>
-                <a:gs pos="59000">
-                  <a:schemeClr val="bg1">
-                    <a:shade val="100000"/>
-                    <a:satMod val="115000"/>
-                  </a:schemeClr>
-                </a:gs>
-              </a:gsLst>
-              <a:lin ang="0" scaled="1"/>
-              <a:tileRect/>
-            </a:gradFill>
-            <a:ln w="19050">
-              <a:solidFill>
-                <a:schemeClr val="bg1">
-                  <a:lumMod val="50000"/>
-                </a:schemeClr>
-              </a:solidFill>
-            </a:ln>
-          </p:spPr>
-          <p:style>
-            <a:lnRef idx="2">
-              <a:schemeClr val="accent1">
-                <a:shade val="50000"/>
-              </a:schemeClr>
-            </a:lnRef>
-            <a:fillRef idx="1">
-              <a:schemeClr val="accent1"/>
-            </a:fillRef>
-            <a:effectRef idx="0">
-              <a:schemeClr val="accent1"/>
-            </a:effectRef>
-            <a:fontRef idx="minor">
-              <a:schemeClr val="lt1"/>
-            </a:fontRef>
-          </p:style>
-          <p:txBody>
-            <a:bodyPr rtlCol="0" anchor="ctr"/>
-            <a:lstStyle/>
-            <a:p>
-              <a:pPr algn="ctr"/>
-              <a:endParaRPr lang="ko-KR" altLang="en-US">
-                <a:solidFill>
-                  <a:prstClr val="white"/>
-                </a:solidFill>
-              </a:endParaRPr>
-            </a:p>
-          </p:txBody>
-        </p:sp>
-        <p:sp>
-          <p:nvSpPr>
-            <p:cNvPr id="14" name="자유형 13"/>
-            <p:cNvSpPr/>
-            <p:nvPr/>
-          </p:nvSpPr>
-          <p:spPr>
-            <a:xfrm>
-              <a:off x="158507" y="6590451"/>
-              <a:ext cx="11897663" cy="267549"/>
-            </a:xfrm>
-            <a:custGeom>
-              <a:avLst/>
-              <a:gdLst>
-                <a:gd name="connsiteX0" fmla="*/ 195955 w 11897663"/>
-                <a:gd name="connsiteY0" fmla="*/ 0 h 267549"/>
-                <a:gd name="connsiteX1" fmla="*/ 11701708 w 11897663"/>
-                <a:gd name="connsiteY1" fmla="*/ 0 h 267549"/>
-                <a:gd name="connsiteX2" fmla="*/ 11897663 w 11897663"/>
-                <a:gd name="connsiteY2" fmla="*/ 267549 h 267549"/>
-                <a:gd name="connsiteX3" fmla="*/ 0 w 11897663"/>
-                <a:gd name="connsiteY3" fmla="*/ 267549 h 267549"/>
-              </a:gdLst>
-              <a:ahLst/>
-              <a:cxnLst>
-                <a:cxn ang="0">
-                  <a:pos x="connsiteX0" y="connsiteY0"/>
-                </a:cxn>
-                <a:cxn ang="0">
-                  <a:pos x="connsiteX1" y="connsiteY1"/>
-                </a:cxn>
-                <a:cxn ang="0">
-                  <a:pos x="connsiteX2" y="connsiteY2"/>
-                </a:cxn>
-                <a:cxn ang="0">
-                  <a:pos x="connsiteX3" y="connsiteY3"/>
-                </a:cxn>
-              </a:cxnLst>
-              <a:rect l="l" t="t" r="r" b="b"/>
-              <a:pathLst>
-                <a:path w="11897663" h="267549">
-                  <a:moveTo>
-                    <a:pt x="195955" y="0"/>
-                  </a:moveTo>
-                  <a:lnTo>
-                    <a:pt x="11701708" y="0"/>
-                  </a:lnTo>
-                  <a:lnTo>
-                    <a:pt x="11897663" y="267549"/>
-                  </a:lnTo>
-                  <a:lnTo>
-                    <a:pt x="0" y="267549"/>
-                  </a:lnTo>
-                  <a:close/>
-                </a:path>
-              </a:pathLst>
-            </a:custGeom>
-            <a:solidFill>
-              <a:schemeClr val="bg1"/>
-            </a:solidFill>
-            <a:ln w="19050">
-              <a:solidFill>
-                <a:schemeClr val="bg1">
-                  <a:lumMod val="50000"/>
-                </a:schemeClr>
-              </a:solidFill>
-            </a:ln>
-          </p:spPr>
-          <p:style>
-            <a:lnRef idx="2">
-              <a:schemeClr val="accent1">
-                <a:shade val="50000"/>
-              </a:schemeClr>
-            </a:lnRef>
-            <a:fillRef idx="1">
-              <a:schemeClr val="accent1"/>
-            </a:fillRef>
-            <a:effectRef idx="0">
-              <a:schemeClr val="accent1"/>
-            </a:effectRef>
-            <a:fontRef idx="minor">
-              <a:schemeClr val="lt1"/>
-            </a:fontRef>
-          </p:style>
-          <p:txBody>
-            <a:bodyPr wrap="square" rtlCol="0" anchor="ctr">
-              <a:noAutofit/>
-            </a:bodyPr>
-            <a:lstStyle/>
-            <a:p>
-              <a:pPr algn="ctr"/>
-              <a:endParaRPr lang="ko-KR" altLang="en-US">
-                <a:solidFill>
-                  <a:prstClr val="white"/>
-                </a:solidFill>
-              </a:endParaRPr>
-            </a:p>
-          </p:txBody>
-        </p:sp>
-        <p:sp>
-          <p:nvSpPr>
-            <p:cNvPr id="26" name="자유형 25"/>
-            <p:cNvSpPr/>
-            <p:nvPr/>
-          </p:nvSpPr>
-          <p:spPr>
-            <a:xfrm>
-              <a:off x="152400" y="6565900"/>
-              <a:ext cx="11750381" cy="292100"/>
-            </a:xfrm>
-            <a:custGeom>
-              <a:avLst/>
-              <a:gdLst>
-                <a:gd name="connsiteX0" fmla="*/ 177800 w 11722100"/>
-                <a:gd name="connsiteY0" fmla="*/ 0 h 292100"/>
-                <a:gd name="connsiteX1" fmla="*/ 0 w 11722100"/>
-                <a:gd name="connsiteY1" fmla="*/ 292100 h 292100"/>
-                <a:gd name="connsiteX2" fmla="*/ 11722100 w 11722100"/>
-                <a:gd name="connsiteY2" fmla="*/ 50800 h 292100"/>
-                <a:gd name="connsiteX3" fmla="*/ 177800 w 11722100"/>
-                <a:gd name="connsiteY3" fmla="*/ 0 h 292100"/>
-                <a:gd name="connsiteX0" fmla="*/ 206081 w 11722100"/>
-                <a:gd name="connsiteY0" fmla="*/ 0 h 292100"/>
-                <a:gd name="connsiteX1" fmla="*/ 0 w 11722100"/>
-                <a:gd name="connsiteY1" fmla="*/ 292100 h 292100"/>
-                <a:gd name="connsiteX2" fmla="*/ 11722100 w 11722100"/>
-                <a:gd name="connsiteY2" fmla="*/ 50800 h 292100"/>
-                <a:gd name="connsiteX3" fmla="*/ 206081 w 11722100"/>
-                <a:gd name="connsiteY3" fmla="*/ 0 h 292100"/>
-                <a:gd name="connsiteX0" fmla="*/ 206081 w 11750381"/>
-                <a:gd name="connsiteY0" fmla="*/ 0 h 292100"/>
-                <a:gd name="connsiteX1" fmla="*/ 0 w 11750381"/>
-                <a:gd name="connsiteY1" fmla="*/ 292100 h 292100"/>
-                <a:gd name="connsiteX2" fmla="*/ 11750381 w 11750381"/>
-                <a:gd name="connsiteY2" fmla="*/ 31947 h 292100"/>
-                <a:gd name="connsiteX3" fmla="*/ 206081 w 11750381"/>
-                <a:gd name="connsiteY3" fmla="*/ 0 h 292100"/>
-              </a:gdLst>
-              <a:ahLst/>
-              <a:cxnLst>
-                <a:cxn ang="0">
-                  <a:pos x="connsiteX0" y="connsiteY0"/>
-                </a:cxn>
-                <a:cxn ang="0">
-                  <a:pos x="connsiteX1" y="connsiteY1"/>
-                </a:cxn>
-                <a:cxn ang="0">
-                  <a:pos x="connsiteX2" y="connsiteY2"/>
-                </a:cxn>
-                <a:cxn ang="0">
-                  <a:pos x="connsiteX3" y="connsiteY3"/>
-                </a:cxn>
-              </a:cxnLst>
-              <a:rect l="l" t="t" r="r" b="b"/>
-              <a:pathLst>
-                <a:path w="11750381" h="292100">
-                  <a:moveTo>
-                    <a:pt x="206081" y="0"/>
-                  </a:moveTo>
-                  <a:lnTo>
-                    <a:pt x="0" y="292100"/>
-                  </a:lnTo>
-                  <a:lnTo>
-                    <a:pt x="11750381" y="31947"/>
-                  </a:lnTo>
-                  <a:lnTo>
-                    <a:pt x="206081" y="0"/>
-                  </a:lnTo>
-                  <a:close/>
-                </a:path>
-              </a:pathLst>
-            </a:custGeom>
-            <a:solidFill>
-              <a:schemeClr val="tx1">
-                <a:alpha val="13000"/>
-              </a:schemeClr>
-            </a:solidFill>
-            <a:ln>
-              <a:noFill/>
-            </a:ln>
-          </p:spPr>
-          <p:style>
-            <a:lnRef idx="2">
-              <a:schemeClr val="accent1">
-                <a:shade val="50000"/>
-              </a:schemeClr>
-            </a:lnRef>
-            <a:fillRef idx="1">
-              <a:schemeClr val="accent1"/>
-            </a:fillRef>
-            <a:effectRef idx="0">
-              <a:schemeClr val="accent1"/>
-            </a:effectRef>
-            <a:fontRef idx="minor">
-              <a:schemeClr val="lt1"/>
-            </a:fontRef>
-          </p:style>
-          <p:txBody>
-            <a:bodyPr rtlCol="0" anchor="ctr"/>
-            <a:lstStyle/>
-            <a:p>
-              <a:pPr algn="ctr"/>
-              <a:endParaRPr lang="ko-KR" altLang="en-US"/>
-            </a:p>
-          </p:txBody>
-        </p:sp>
-        <p:sp>
-          <p:nvSpPr>
-            <p:cNvPr id="15" name="모서리가 둥근 직사각형 14"/>
-            <p:cNvSpPr/>
-            <p:nvPr/>
-          </p:nvSpPr>
-          <p:spPr>
-            <a:xfrm>
-              <a:off x="524266" y="6670585"/>
-              <a:ext cx="597524" cy="64121"/>
-            </a:xfrm>
-            <a:prstGeom prst="roundRect">
-              <a:avLst>
-                <a:gd name="adj" fmla="val 50000"/>
-              </a:avLst>
-            </a:prstGeom>
-            <a:solidFill>
-              <a:srgbClr val="00B0F0"/>
-            </a:solidFill>
-            <a:ln>
-              <a:solidFill>
-                <a:schemeClr val="bg1">
-                  <a:lumMod val="50000"/>
-                </a:schemeClr>
-              </a:solidFill>
-            </a:ln>
-          </p:spPr>
-          <p:style>
-            <a:lnRef idx="2">
-              <a:schemeClr val="accent1">
-                <a:shade val="50000"/>
-              </a:schemeClr>
-            </a:lnRef>
-            <a:fillRef idx="1">
-              <a:schemeClr val="accent1"/>
-            </a:fillRef>
-            <a:effectRef idx="0">
-              <a:schemeClr val="accent1"/>
-            </a:effectRef>
-            <a:fontRef idx="minor">
-              <a:schemeClr val="lt1"/>
-            </a:fontRef>
-          </p:style>
-          <p:txBody>
-            <a:bodyPr rtlCol="0" anchor="ctr"/>
-            <a:lstStyle/>
-            <a:p>
-              <a:pPr algn="ctr"/>
-              <a:endParaRPr lang="ko-KR" altLang="en-US"/>
-            </a:p>
-          </p:txBody>
-        </p:sp>
-      </p:grpSp>
-      <p:sp>
-        <p:nvSpPr>
-          <p:cNvPr id="82" name="직사각형 81"/>
-          <p:cNvSpPr/>
-          <p:nvPr/>
-        </p:nvSpPr>
-        <p:spPr>
-          <a:xfrm>
-            <a:off x="3025537" y="2500098"/>
-            <a:ext cx="6163601" cy="1431995"/>
-          </a:xfrm>
-          <a:prstGeom prst="rect">
-            <a:avLst/>
-          </a:prstGeom>
-        </p:spPr>
-        <p:txBody>
-          <a:bodyPr wrap="square">
-            <a:spAutoFit/>
-          </a:bodyPr>
-          <a:lstStyle/>
-          <a:p>
-            <a:pPr algn="ctr">
-              <a:lnSpc>
-                <a:spcPct val="150000"/>
-              </a:lnSpc>
-            </a:pPr>
-            <a:r>
-              <a:rPr lang="en-US" altLang="ko-KR" sz="6600" b="1" i="1" dirty="0">
-                <a:solidFill>
-                  <a:schemeClr val="bg2">
-                    <a:lumMod val="25000"/>
-                  </a:schemeClr>
-                </a:solidFill>
-                <a:latin typeface="Broadway" panose="04040905080B02020502" pitchFamily="82" charset="0"/>
-              </a:rPr>
-              <a:t>01. </a:t>
-            </a:r>
-            <a:r>
-              <a:rPr lang="ko-KR" altLang="en-US" sz="4800" i="1" dirty="0">
-                <a:solidFill>
-                  <a:schemeClr val="bg2">
-                    <a:lumMod val="25000"/>
-                  </a:schemeClr>
-                </a:solidFill>
-              </a:rPr>
-              <a:t>개요 </a:t>
-            </a:r>
-            <a:r>
-              <a:rPr lang="en-US" altLang="ko-KR" sz="6000" b="1" i="1" dirty="0">
-                <a:solidFill>
-                  <a:schemeClr val="bg2">
-                    <a:lumMod val="25000"/>
-                  </a:schemeClr>
-                </a:solidFill>
-              </a:rPr>
-              <a:t>Outline</a:t>
-            </a:r>
-          </a:p>
-        </p:txBody>
-      </p:sp>
-    </p:spTree>
-    <p:extLst>
-      <p:ext uri="{BB962C8B-B14F-4D97-AF65-F5344CB8AC3E}">
-        <p14:creationId xmlns:p14="http://schemas.microsoft.com/office/powerpoint/2010/main" val="3074889684"/>
-      </p:ext>
-    </p:extLst>
-  </p:cSld>
-  <p:clrMapOvr>
-    <a:masterClrMapping/>
-  </p:clrMapOvr>
-</p:sld>
-</file>
-
-<file path=ppt/slides/slide20.xml><?xml version="1.0" encoding="utf-8"?>
+<file path=ppt/slides/slide23.xml><?xml version="1.0" encoding="utf-8"?>
 <p:sld xmlns:a="http://schemas.openxmlformats.org/drawingml/2006/main" xmlns:r="http://schemas.openxmlformats.org/officeDocument/2006/relationships" xmlns:p="http://schemas.openxmlformats.org/presentationml/2006/main">
   <p:cSld>
     <p:spTree>
@@ -21048,7 +23209,7 @@
     </p:spTree>
     <p:extLst>
       <p:ext uri="{BB962C8B-B14F-4D97-AF65-F5344CB8AC3E}">
-        <p14:creationId xmlns:p14="http://schemas.microsoft.com/office/powerpoint/2010/main" val="2655283226"/>
+        <p14:creationId xmlns:p14="http://schemas.microsoft.com/office/powerpoint/2010/main" val="2259917972"/>
       </p:ext>
     </p:extLst>
   </p:cSld>
@@ -21058,7 +23219,7 @@
 </p:sld>
 </file>
 
-<file path=ppt/slides/slide21.xml><?xml version="1.0" encoding="utf-8"?>
+<file path=ppt/slides/slide24.xml><?xml version="1.0" encoding="utf-8"?>
 <p:sld xmlns:a="http://schemas.openxmlformats.org/drawingml/2006/main" xmlns:r="http://schemas.openxmlformats.org/officeDocument/2006/relationships" xmlns:p="http://schemas.openxmlformats.org/presentationml/2006/main">
   <p:cSld>
     <p:spTree>
@@ -23259,7 +25420,7 @@
     </p:spTree>
     <p:extLst>
       <p:ext uri="{BB962C8B-B14F-4D97-AF65-F5344CB8AC3E}">
-        <p14:creationId xmlns:p14="http://schemas.microsoft.com/office/powerpoint/2010/main" val="2713713405"/>
+        <p14:creationId xmlns:p14="http://schemas.microsoft.com/office/powerpoint/2010/main" val="3567745735"/>
       </p:ext>
     </p:extLst>
   </p:cSld>
@@ -23269,7 +25430,7 @@
 </p:sld>
 </file>
 
-<file path=ppt/slides/slide22.xml><?xml version="1.0" encoding="utf-8"?>
+<file path=ppt/slides/slide25.xml><?xml version="1.0" encoding="utf-8"?>
 <p:sld xmlns:a="http://schemas.openxmlformats.org/drawingml/2006/main" xmlns:r="http://schemas.openxmlformats.org/officeDocument/2006/relationships" xmlns:p="http://schemas.openxmlformats.org/presentationml/2006/main">
   <p:cSld>
     <p:spTree>
@@ -24380,11 +26541,6 @@
               </a:rPr>
               <a:t>주변기기</a:t>
             </a:r>
-            <a:endParaRPr lang="ko-KR" altLang="en-US" sz="1400">
-              <a:solidFill>
-                <a:schemeClr val="tx1"/>
-              </a:solidFill>
-            </a:endParaRPr>
           </a:p>
         </p:txBody>
       </p:sp>
@@ -24829,7 +26985,7 @@
     </p:spTree>
     <p:extLst>
       <p:ext uri="{BB962C8B-B14F-4D97-AF65-F5344CB8AC3E}">
-        <p14:creationId xmlns:p14="http://schemas.microsoft.com/office/powerpoint/2010/main" val="3271410701"/>
+        <p14:creationId xmlns:p14="http://schemas.microsoft.com/office/powerpoint/2010/main" val="4132877158"/>
       </p:ext>
     </p:extLst>
   </p:cSld>
@@ -24839,7 +26995,7 @@
 </p:sld>
 </file>
 
-<file path=ppt/slides/slide23.xml><?xml version="1.0" encoding="utf-8"?>
+<file path=ppt/slides/slide26.xml><?xml version="1.0" encoding="utf-8"?>
 <p:sld xmlns:a="http://schemas.openxmlformats.org/drawingml/2006/main" xmlns:r="http://schemas.openxmlformats.org/officeDocument/2006/relationships" xmlns:p="http://schemas.openxmlformats.org/presentationml/2006/main">
   <p:cSld>
     <p:spTree>
@@ -26508,7 +28664,7 @@
     </p:spTree>
     <p:extLst>
       <p:ext uri="{BB962C8B-B14F-4D97-AF65-F5344CB8AC3E}">
-        <p14:creationId xmlns:p14="http://schemas.microsoft.com/office/powerpoint/2010/main" val="360538213"/>
+        <p14:creationId xmlns:p14="http://schemas.microsoft.com/office/powerpoint/2010/main" val="170871378"/>
       </p:ext>
     </p:extLst>
   </p:cSld>
@@ -26525,7 +28681,7 @@
 </p:sld>
 </file>
 
-<file path=ppt/slides/slide24.xml><?xml version="1.0" encoding="utf-8"?>
+<file path=ppt/slides/slide27.xml><?xml version="1.0" encoding="utf-8"?>
 <p:sld xmlns:a="http://schemas.openxmlformats.org/drawingml/2006/main" xmlns:r="http://schemas.openxmlformats.org/officeDocument/2006/relationships" xmlns:p="http://schemas.openxmlformats.org/presentationml/2006/main">
   <p:cSld>
     <p:spTree>
@@ -28226,7 +30382,7 @@
     </p:spTree>
     <p:extLst>
       <p:ext uri="{BB962C8B-B14F-4D97-AF65-F5344CB8AC3E}">
-        <p14:creationId xmlns:p14="http://schemas.microsoft.com/office/powerpoint/2010/main" val="321744711"/>
+        <p14:creationId xmlns:p14="http://schemas.microsoft.com/office/powerpoint/2010/main" val="338918976"/>
       </p:ext>
     </p:extLst>
   </p:cSld>
@@ -28243,7 +30399,7 @@
 </p:sld>
 </file>
 
-<file path=ppt/slides/slide25.xml><?xml version="1.0" encoding="utf-8"?>
+<file path=ppt/slides/slide28.xml><?xml version="1.0" encoding="utf-8"?>
 <p:sld xmlns:a="http://schemas.openxmlformats.org/drawingml/2006/main" xmlns:r="http://schemas.openxmlformats.org/officeDocument/2006/relationships" xmlns:p="http://schemas.openxmlformats.org/presentationml/2006/main">
   <p:cSld>
     <p:spTree>
@@ -29944,7 +32100,7 @@
     </p:spTree>
     <p:extLst>
       <p:ext uri="{BB962C8B-B14F-4D97-AF65-F5344CB8AC3E}">
-        <p14:creationId xmlns:p14="http://schemas.microsoft.com/office/powerpoint/2010/main" val="2723384197"/>
+        <p14:creationId xmlns:p14="http://schemas.microsoft.com/office/powerpoint/2010/main" val="2022732413"/>
       </p:ext>
     </p:extLst>
   </p:cSld>
@@ -29961,7 +32117,7 @@
 </p:sld>
 </file>
 
-<file path=ppt/slides/slide26.xml><?xml version="1.0" encoding="utf-8"?>
+<file path=ppt/slides/slide29.xml><?xml version="1.0" encoding="utf-8"?>
 <p:sld xmlns:a="http://schemas.openxmlformats.org/drawingml/2006/main" xmlns:r="http://schemas.openxmlformats.org/officeDocument/2006/relationships" xmlns:p="http://schemas.openxmlformats.org/presentationml/2006/main">
   <p:cSld>
     <p:spTree>
@@ -31712,7 +33868,7 @@
     </p:spTree>
     <p:extLst>
       <p:ext uri="{BB962C8B-B14F-4D97-AF65-F5344CB8AC3E}">
-        <p14:creationId xmlns:p14="http://schemas.microsoft.com/office/powerpoint/2010/main" val="2239078772"/>
+        <p14:creationId xmlns:p14="http://schemas.microsoft.com/office/powerpoint/2010/main" val="3813351057"/>
       </p:ext>
     </p:extLst>
   </p:cSld>
@@ -31729,7 +33885,1402 @@
 </p:sld>
 </file>
 
-<file path=ppt/slides/slide27.xml><?xml version="1.0" encoding="utf-8"?>
+<file path=ppt/slides/slide3.xml><?xml version="1.0" encoding="utf-8"?>
+<p:sld xmlns:a="http://schemas.openxmlformats.org/drawingml/2006/main" xmlns:r="http://schemas.openxmlformats.org/officeDocument/2006/relationships" xmlns:p="http://schemas.openxmlformats.org/presentationml/2006/main">
+  <p:cSld>
+    <p:spTree>
+      <p:nvGrpSpPr>
+        <p:cNvPr id="1" name=""/>
+        <p:cNvGrpSpPr/>
+        <p:nvPr/>
+      </p:nvGrpSpPr>
+      <p:grpSpPr>
+        <a:xfrm>
+          <a:off x="0" y="0"/>
+          <a:ext cx="0" cy="0"/>
+          <a:chOff x="0" y="0"/>
+          <a:chExt cx="0" cy="0"/>
+        </a:xfrm>
+      </p:grpSpPr>
+      <p:grpSp>
+        <p:nvGrpSpPr>
+          <p:cNvPr id="4" name="그룹 3"/>
+          <p:cNvGrpSpPr/>
+          <p:nvPr/>
+        </p:nvGrpSpPr>
+        <p:grpSpPr>
+          <a:xfrm>
+            <a:off x="152400" y="83680"/>
+            <a:ext cx="11903770" cy="6774320"/>
+            <a:chOff x="152400" y="83680"/>
+            <a:chExt cx="11903770" cy="6774320"/>
+          </a:xfrm>
+        </p:grpSpPr>
+        <p:sp>
+          <p:nvSpPr>
+            <p:cNvPr id="68" name="양쪽 모서리가 둥근 사각형 67"/>
+            <p:cNvSpPr/>
+            <p:nvPr/>
+          </p:nvSpPr>
+          <p:spPr>
+            <a:xfrm>
+              <a:off x="338203" y="83680"/>
+              <a:ext cx="11548997" cy="6482219"/>
+            </a:xfrm>
+            <a:prstGeom prst="round2SameRect">
+              <a:avLst>
+                <a:gd name="adj1" fmla="val 4566"/>
+                <a:gd name="adj2" fmla="val 0"/>
+              </a:avLst>
+            </a:prstGeom>
+            <a:pattFill prst="ltDnDiag">
+              <a:fgClr>
+                <a:schemeClr val="bg1">
+                  <a:lumMod val="75000"/>
+                </a:schemeClr>
+              </a:fgClr>
+              <a:bgClr>
+                <a:schemeClr val="bg1">
+                  <a:lumMod val="95000"/>
+                </a:schemeClr>
+              </a:bgClr>
+            </a:pattFill>
+            <a:ln w="28575">
+              <a:solidFill>
+                <a:schemeClr val="bg1">
+                  <a:lumMod val="50000"/>
+                </a:schemeClr>
+              </a:solidFill>
+            </a:ln>
+          </p:spPr>
+          <p:style>
+            <a:lnRef idx="2">
+              <a:schemeClr val="accent1">
+                <a:shade val="50000"/>
+              </a:schemeClr>
+            </a:lnRef>
+            <a:fillRef idx="1">
+              <a:schemeClr val="accent1"/>
+            </a:fillRef>
+            <a:effectRef idx="0">
+              <a:schemeClr val="accent1"/>
+            </a:effectRef>
+            <a:fontRef idx="minor">
+              <a:schemeClr val="lt1"/>
+            </a:fontRef>
+          </p:style>
+          <p:txBody>
+            <a:bodyPr rtlCol="0" anchor="ctr"/>
+            <a:lstStyle/>
+            <a:p>
+              <a:pPr algn="ctr"/>
+              <a:endParaRPr lang="ko-KR" altLang="en-US"/>
+            </a:p>
+          </p:txBody>
+        </p:sp>
+        <p:sp>
+          <p:nvSpPr>
+            <p:cNvPr id="69" name="양쪽 모서리가 둥근 사각형 68"/>
+            <p:cNvSpPr/>
+            <p:nvPr/>
+          </p:nvSpPr>
+          <p:spPr>
+            <a:xfrm>
+              <a:off x="524266" y="241300"/>
+              <a:ext cx="11176871" cy="6133424"/>
+            </a:xfrm>
+            <a:prstGeom prst="round2SameRect">
+              <a:avLst>
+                <a:gd name="adj1" fmla="val 3284"/>
+                <a:gd name="adj2" fmla="val 0"/>
+              </a:avLst>
+            </a:prstGeom>
+            <a:solidFill>
+              <a:schemeClr val="bg1"/>
+            </a:solidFill>
+            <a:ln w="19050">
+              <a:solidFill>
+                <a:schemeClr val="bg1">
+                  <a:lumMod val="50000"/>
+                </a:schemeClr>
+              </a:solidFill>
+            </a:ln>
+          </p:spPr>
+          <p:style>
+            <a:lnRef idx="2">
+              <a:schemeClr val="accent1">
+                <a:shade val="50000"/>
+              </a:schemeClr>
+            </a:lnRef>
+            <a:fillRef idx="1">
+              <a:schemeClr val="accent1"/>
+            </a:fillRef>
+            <a:effectRef idx="0">
+              <a:schemeClr val="accent1"/>
+            </a:effectRef>
+            <a:fontRef idx="minor">
+              <a:schemeClr val="lt1"/>
+            </a:fontRef>
+          </p:style>
+          <p:txBody>
+            <a:bodyPr rtlCol="0" anchor="ctr"/>
+            <a:lstStyle/>
+            <a:p>
+              <a:pPr algn="ctr"/>
+              <a:endParaRPr lang="ko-KR" altLang="en-US"/>
+            </a:p>
+          </p:txBody>
+        </p:sp>
+        <p:sp>
+          <p:nvSpPr>
+            <p:cNvPr id="84" name="양쪽 모서리가 둥근 사각형 83"/>
+            <p:cNvSpPr/>
+            <p:nvPr/>
+          </p:nvSpPr>
+          <p:spPr>
+            <a:xfrm rot="16200000">
+              <a:off x="1176083" y="5641873"/>
+              <a:ext cx="108000" cy="1798840"/>
+            </a:xfrm>
+            <a:prstGeom prst="round2SameRect">
+              <a:avLst>
+                <a:gd name="adj1" fmla="val 19304"/>
+                <a:gd name="adj2" fmla="val 0"/>
+              </a:avLst>
+            </a:prstGeom>
+            <a:gradFill flip="none" rotWithShape="1">
+              <a:gsLst>
+                <a:gs pos="17000">
+                  <a:schemeClr val="bg1">
+                    <a:lumMod val="50000"/>
+                  </a:schemeClr>
+                </a:gs>
+                <a:gs pos="59000">
+                  <a:schemeClr val="bg1">
+                    <a:shade val="100000"/>
+                    <a:satMod val="115000"/>
+                  </a:schemeClr>
+                </a:gs>
+              </a:gsLst>
+              <a:lin ang="0" scaled="1"/>
+              <a:tileRect/>
+            </a:gradFill>
+            <a:ln w="19050">
+              <a:solidFill>
+                <a:schemeClr val="bg1">
+                  <a:lumMod val="50000"/>
+                </a:schemeClr>
+              </a:solidFill>
+            </a:ln>
+          </p:spPr>
+          <p:style>
+            <a:lnRef idx="2">
+              <a:schemeClr val="accent1">
+                <a:shade val="50000"/>
+              </a:schemeClr>
+            </a:lnRef>
+            <a:fillRef idx="1">
+              <a:schemeClr val="accent1"/>
+            </a:fillRef>
+            <a:effectRef idx="0">
+              <a:schemeClr val="accent1"/>
+            </a:effectRef>
+            <a:fontRef idx="minor">
+              <a:schemeClr val="lt1"/>
+            </a:fontRef>
+          </p:style>
+          <p:txBody>
+            <a:bodyPr rtlCol="0" anchor="ctr"/>
+            <a:lstStyle/>
+            <a:p>
+              <a:pPr algn="ctr"/>
+              <a:endParaRPr lang="ko-KR" altLang="en-US">
+                <a:solidFill>
+                  <a:prstClr val="white"/>
+                </a:solidFill>
+              </a:endParaRPr>
+            </a:p>
+          </p:txBody>
+        </p:sp>
+        <p:sp>
+          <p:nvSpPr>
+            <p:cNvPr id="85" name="양쪽 모서리가 둥근 사각형 84"/>
+            <p:cNvSpPr/>
+            <p:nvPr/>
+          </p:nvSpPr>
+          <p:spPr>
+            <a:xfrm rot="5400000" flipH="1">
+              <a:off x="10930593" y="5641871"/>
+              <a:ext cx="108000" cy="1798840"/>
+            </a:xfrm>
+            <a:prstGeom prst="round2SameRect">
+              <a:avLst>
+                <a:gd name="adj1" fmla="val 19304"/>
+                <a:gd name="adj2" fmla="val 0"/>
+              </a:avLst>
+            </a:prstGeom>
+            <a:gradFill flip="none" rotWithShape="1">
+              <a:gsLst>
+                <a:gs pos="17000">
+                  <a:schemeClr val="bg1">
+                    <a:lumMod val="50000"/>
+                  </a:schemeClr>
+                </a:gs>
+                <a:gs pos="59000">
+                  <a:schemeClr val="bg1">
+                    <a:shade val="100000"/>
+                    <a:satMod val="115000"/>
+                  </a:schemeClr>
+                </a:gs>
+              </a:gsLst>
+              <a:lin ang="0" scaled="1"/>
+              <a:tileRect/>
+            </a:gradFill>
+            <a:ln w="19050">
+              <a:solidFill>
+                <a:schemeClr val="bg1">
+                  <a:lumMod val="50000"/>
+                </a:schemeClr>
+              </a:solidFill>
+            </a:ln>
+          </p:spPr>
+          <p:style>
+            <a:lnRef idx="2">
+              <a:schemeClr val="accent1">
+                <a:shade val="50000"/>
+              </a:schemeClr>
+            </a:lnRef>
+            <a:fillRef idx="1">
+              <a:schemeClr val="accent1"/>
+            </a:fillRef>
+            <a:effectRef idx="0">
+              <a:schemeClr val="accent1"/>
+            </a:effectRef>
+            <a:fontRef idx="minor">
+              <a:schemeClr val="lt1"/>
+            </a:fontRef>
+          </p:style>
+          <p:txBody>
+            <a:bodyPr rtlCol="0" anchor="ctr"/>
+            <a:lstStyle/>
+            <a:p>
+              <a:pPr algn="ctr"/>
+              <a:endParaRPr lang="ko-KR" altLang="en-US">
+                <a:solidFill>
+                  <a:prstClr val="white"/>
+                </a:solidFill>
+              </a:endParaRPr>
+            </a:p>
+          </p:txBody>
+        </p:sp>
+        <p:sp>
+          <p:nvSpPr>
+            <p:cNvPr id="86" name="양쪽 모서리가 둥근 사각형 85"/>
+            <p:cNvSpPr/>
+            <p:nvPr/>
+          </p:nvSpPr>
+          <p:spPr>
+            <a:xfrm rot="16200000">
+              <a:off x="6053339" y="2563457"/>
+              <a:ext cx="108000" cy="7955668"/>
+            </a:xfrm>
+            <a:prstGeom prst="round2SameRect">
+              <a:avLst>
+                <a:gd name="adj1" fmla="val 0"/>
+                <a:gd name="adj2" fmla="val 0"/>
+              </a:avLst>
+            </a:prstGeom>
+            <a:gradFill flip="none" rotWithShape="1">
+              <a:gsLst>
+                <a:gs pos="17000">
+                  <a:schemeClr val="bg1">
+                    <a:lumMod val="50000"/>
+                  </a:schemeClr>
+                </a:gs>
+                <a:gs pos="59000">
+                  <a:schemeClr val="bg1">
+                    <a:shade val="100000"/>
+                    <a:satMod val="115000"/>
+                  </a:schemeClr>
+                </a:gs>
+              </a:gsLst>
+              <a:lin ang="0" scaled="1"/>
+              <a:tileRect/>
+            </a:gradFill>
+            <a:ln w="19050">
+              <a:solidFill>
+                <a:schemeClr val="bg1">
+                  <a:lumMod val="50000"/>
+                </a:schemeClr>
+              </a:solidFill>
+            </a:ln>
+          </p:spPr>
+          <p:style>
+            <a:lnRef idx="2">
+              <a:schemeClr val="accent1">
+                <a:shade val="50000"/>
+              </a:schemeClr>
+            </a:lnRef>
+            <a:fillRef idx="1">
+              <a:schemeClr val="accent1"/>
+            </a:fillRef>
+            <a:effectRef idx="0">
+              <a:schemeClr val="accent1"/>
+            </a:effectRef>
+            <a:fontRef idx="minor">
+              <a:schemeClr val="lt1"/>
+            </a:fontRef>
+          </p:style>
+          <p:txBody>
+            <a:bodyPr rtlCol="0" anchor="ctr"/>
+            <a:lstStyle/>
+            <a:p>
+              <a:pPr algn="ctr"/>
+              <a:endParaRPr lang="ko-KR" altLang="en-US">
+                <a:solidFill>
+                  <a:prstClr val="white"/>
+                </a:solidFill>
+              </a:endParaRPr>
+            </a:p>
+          </p:txBody>
+        </p:sp>
+        <p:sp>
+          <p:nvSpPr>
+            <p:cNvPr id="14" name="자유형 13"/>
+            <p:cNvSpPr/>
+            <p:nvPr/>
+          </p:nvSpPr>
+          <p:spPr>
+            <a:xfrm>
+              <a:off x="158507" y="6590451"/>
+              <a:ext cx="11897663" cy="267549"/>
+            </a:xfrm>
+            <a:custGeom>
+              <a:avLst/>
+              <a:gdLst>
+                <a:gd name="connsiteX0" fmla="*/ 195955 w 11897663"/>
+                <a:gd name="connsiteY0" fmla="*/ 0 h 267549"/>
+                <a:gd name="connsiteX1" fmla="*/ 11701708 w 11897663"/>
+                <a:gd name="connsiteY1" fmla="*/ 0 h 267549"/>
+                <a:gd name="connsiteX2" fmla="*/ 11897663 w 11897663"/>
+                <a:gd name="connsiteY2" fmla="*/ 267549 h 267549"/>
+                <a:gd name="connsiteX3" fmla="*/ 0 w 11897663"/>
+                <a:gd name="connsiteY3" fmla="*/ 267549 h 267549"/>
+              </a:gdLst>
+              <a:ahLst/>
+              <a:cxnLst>
+                <a:cxn ang="0">
+                  <a:pos x="connsiteX0" y="connsiteY0"/>
+                </a:cxn>
+                <a:cxn ang="0">
+                  <a:pos x="connsiteX1" y="connsiteY1"/>
+                </a:cxn>
+                <a:cxn ang="0">
+                  <a:pos x="connsiteX2" y="connsiteY2"/>
+                </a:cxn>
+                <a:cxn ang="0">
+                  <a:pos x="connsiteX3" y="connsiteY3"/>
+                </a:cxn>
+              </a:cxnLst>
+              <a:rect l="l" t="t" r="r" b="b"/>
+              <a:pathLst>
+                <a:path w="11897663" h="267549">
+                  <a:moveTo>
+                    <a:pt x="195955" y="0"/>
+                  </a:moveTo>
+                  <a:lnTo>
+                    <a:pt x="11701708" y="0"/>
+                  </a:lnTo>
+                  <a:lnTo>
+                    <a:pt x="11897663" y="267549"/>
+                  </a:lnTo>
+                  <a:lnTo>
+                    <a:pt x="0" y="267549"/>
+                  </a:lnTo>
+                  <a:close/>
+                </a:path>
+              </a:pathLst>
+            </a:custGeom>
+            <a:solidFill>
+              <a:schemeClr val="bg1"/>
+            </a:solidFill>
+            <a:ln w="19050">
+              <a:solidFill>
+                <a:schemeClr val="bg1">
+                  <a:lumMod val="50000"/>
+                </a:schemeClr>
+              </a:solidFill>
+            </a:ln>
+          </p:spPr>
+          <p:style>
+            <a:lnRef idx="2">
+              <a:schemeClr val="accent1">
+                <a:shade val="50000"/>
+              </a:schemeClr>
+            </a:lnRef>
+            <a:fillRef idx="1">
+              <a:schemeClr val="accent1"/>
+            </a:fillRef>
+            <a:effectRef idx="0">
+              <a:schemeClr val="accent1"/>
+            </a:effectRef>
+            <a:fontRef idx="minor">
+              <a:schemeClr val="lt1"/>
+            </a:fontRef>
+          </p:style>
+          <p:txBody>
+            <a:bodyPr wrap="square" rtlCol="0" anchor="ctr">
+              <a:noAutofit/>
+            </a:bodyPr>
+            <a:lstStyle/>
+            <a:p>
+              <a:pPr algn="ctr"/>
+              <a:endParaRPr lang="ko-KR" altLang="en-US">
+                <a:solidFill>
+                  <a:prstClr val="white"/>
+                </a:solidFill>
+              </a:endParaRPr>
+            </a:p>
+          </p:txBody>
+        </p:sp>
+        <p:sp>
+          <p:nvSpPr>
+            <p:cNvPr id="26" name="자유형 25"/>
+            <p:cNvSpPr/>
+            <p:nvPr/>
+          </p:nvSpPr>
+          <p:spPr>
+            <a:xfrm>
+              <a:off x="152400" y="6565900"/>
+              <a:ext cx="11750381" cy="292100"/>
+            </a:xfrm>
+            <a:custGeom>
+              <a:avLst/>
+              <a:gdLst>
+                <a:gd name="connsiteX0" fmla="*/ 177800 w 11722100"/>
+                <a:gd name="connsiteY0" fmla="*/ 0 h 292100"/>
+                <a:gd name="connsiteX1" fmla="*/ 0 w 11722100"/>
+                <a:gd name="connsiteY1" fmla="*/ 292100 h 292100"/>
+                <a:gd name="connsiteX2" fmla="*/ 11722100 w 11722100"/>
+                <a:gd name="connsiteY2" fmla="*/ 50800 h 292100"/>
+                <a:gd name="connsiteX3" fmla="*/ 177800 w 11722100"/>
+                <a:gd name="connsiteY3" fmla="*/ 0 h 292100"/>
+                <a:gd name="connsiteX0" fmla="*/ 206081 w 11722100"/>
+                <a:gd name="connsiteY0" fmla="*/ 0 h 292100"/>
+                <a:gd name="connsiteX1" fmla="*/ 0 w 11722100"/>
+                <a:gd name="connsiteY1" fmla="*/ 292100 h 292100"/>
+                <a:gd name="connsiteX2" fmla="*/ 11722100 w 11722100"/>
+                <a:gd name="connsiteY2" fmla="*/ 50800 h 292100"/>
+                <a:gd name="connsiteX3" fmla="*/ 206081 w 11722100"/>
+                <a:gd name="connsiteY3" fmla="*/ 0 h 292100"/>
+                <a:gd name="connsiteX0" fmla="*/ 206081 w 11750381"/>
+                <a:gd name="connsiteY0" fmla="*/ 0 h 292100"/>
+                <a:gd name="connsiteX1" fmla="*/ 0 w 11750381"/>
+                <a:gd name="connsiteY1" fmla="*/ 292100 h 292100"/>
+                <a:gd name="connsiteX2" fmla="*/ 11750381 w 11750381"/>
+                <a:gd name="connsiteY2" fmla="*/ 31947 h 292100"/>
+                <a:gd name="connsiteX3" fmla="*/ 206081 w 11750381"/>
+                <a:gd name="connsiteY3" fmla="*/ 0 h 292100"/>
+              </a:gdLst>
+              <a:ahLst/>
+              <a:cxnLst>
+                <a:cxn ang="0">
+                  <a:pos x="connsiteX0" y="connsiteY0"/>
+                </a:cxn>
+                <a:cxn ang="0">
+                  <a:pos x="connsiteX1" y="connsiteY1"/>
+                </a:cxn>
+                <a:cxn ang="0">
+                  <a:pos x="connsiteX2" y="connsiteY2"/>
+                </a:cxn>
+                <a:cxn ang="0">
+                  <a:pos x="connsiteX3" y="connsiteY3"/>
+                </a:cxn>
+              </a:cxnLst>
+              <a:rect l="l" t="t" r="r" b="b"/>
+              <a:pathLst>
+                <a:path w="11750381" h="292100">
+                  <a:moveTo>
+                    <a:pt x="206081" y="0"/>
+                  </a:moveTo>
+                  <a:lnTo>
+                    <a:pt x="0" y="292100"/>
+                  </a:lnTo>
+                  <a:lnTo>
+                    <a:pt x="11750381" y="31947"/>
+                  </a:lnTo>
+                  <a:lnTo>
+                    <a:pt x="206081" y="0"/>
+                  </a:lnTo>
+                  <a:close/>
+                </a:path>
+              </a:pathLst>
+            </a:custGeom>
+            <a:solidFill>
+              <a:schemeClr val="tx1">
+                <a:alpha val="13000"/>
+              </a:schemeClr>
+            </a:solidFill>
+            <a:ln>
+              <a:noFill/>
+            </a:ln>
+          </p:spPr>
+          <p:style>
+            <a:lnRef idx="2">
+              <a:schemeClr val="accent1">
+                <a:shade val="50000"/>
+              </a:schemeClr>
+            </a:lnRef>
+            <a:fillRef idx="1">
+              <a:schemeClr val="accent1"/>
+            </a:fillRef>
+            <a:effectRef idx="0">
+              <a:schemeClr val="accent1"/>
+            </a:effectRef>
+            <a:fontRef idx="minor">
+              <a:schemeClr val="lt1"/>
+            </a:fontRef>
+          </p:style>
+          <p:txBody>
+            <a:bodyPr rtlCol="0" anchor="ctr"/>
+            <a:lstStyle/>
+            <a:p>
+              <a:pPr algn="ctr"/>
+              <a:endParaRPr lang="ko-KR" altLang="en-US"/>
+            </a:p>
+          </p:txBody>
+        </p:sp>
+        <p:sp>
+          <p:nvSpPr>
+            <p:cNvPr id="15" name="모서리가 둥근 직사각형 14"/>
+            <p:cNvSpPr/>
+            <p:nvPr/>
+          </p:nvSpPr>
+          <p:spPr>
+            <a:xfrm>
+              <a:off x="524266" y="6670585"/>
+              <a:ext cx="597524" cy="64121"/>
+            </a:xfrm>
+            <a:prstGeom prst="roundRect">
+              <a:avLst>
+                <a:gd name="adj" fmla="val 50000"/>
+              </a:avLst>
+            </a:prstGeom>
+            <a:solidFill>
+              <a:srgbClr val="00B0F0"/>
+            </a:solidFill>
+            <a:ln>
+              <a:solidFill>
+                <a:schemeClr val="bg1">
+                  <a:lumMod val="50000"/>
+                </a:schemeClr>
+              </a:solidFill>
+            </a:ln>
+          </p:spPr>
+          <p:style>
+            <a:lnRef idx="2">
+              <a:schemeClr val="accent1">
+                <a:shade val="50000"/>
+              </a:schemeClr>
+            </a:lnRef>
+            <a:fillRef idx="1">
+              <a:schemeClr val="accent1"/>
+            </a:fillRef>
+            <a:effectRef idx="0">
+              <a:schemeClr val="accent1"/>
+            </a:effectRef>
+            <a:fontRef idx="minor">
+              <a:schemeClr val="lt1"/>
+            </a:fontRef>
+          </p:style>
+          <p:txBody>
+            <a:bodyPr rtlCol="0" anchor="ctr"/>
+            <a:lstStyle/>
+            <a:p>
+              <a:pPr algn="ctr"/>
+              <a:endParaRPr lang="ko-KR" altLang="en-US"/>
+            </a:p>
+          </p:txBody>
+        </p:sp>
+      </p:grpSp>
+      <p:sp>
+        <p:nvSpPr>
+          <p:cNvPr id="82" name="직사각형 81"/>
+          <p:cNvSpPr/>
+          <p:nvPr/>
+        </p:nvSpPr>
+        <p:spPr>
+          <a:xfrm>
+            <a:off x="3353610" y="228600"/>
+            <a:ext cx="5484781" cy="655372"/>
+          </a:xfrm>
+          <a:prstGeom prst="rect">
+            <a:avLst/>
+          </a:prstGeom>
+        </p:spPr>
+        <p:txBody>
+          <a:bodyPr wrap="square">
+            <a:spAutoFit/>
+          </a:bodyPr>
+          <a:lstStyle/>
+          <a:p>
+            <a:pPr algn="ctr">
+              <a:lnSpc>
+                <a:spcPct val="150000"/>
+              </a:lnSpc>
+            </a:pPr>
+            <a:r>
+              <a:rPr lang="ko-KR" altLang="en-US" sz="2000" i="1" dirty="0">
+                <a:solidFill>
+                  <a:schemeClr val="bg1">
+                    <a:lumMod val="50000"/>
+                  </a:schemeClr>
+                </a:solidFill>
+              </a:rPr>
+              <a:t>개요 </a:t>
+            </a:r>
+            <a:r>
+              <a:rPr lang="en-US" altLang="ko-KR" sz="2800" b="1" i="1" dirty="0">
+                <a:solidFill>
+                  <a:schemeClr val="bg1">
+                    <a:lumMod val="50000"/>
+                  </a:schemeClr>
+                </a:solidFill>
+              </a:rPr>
+              <a:t>Outline</a:t>
+            </a:r>
+          </a:p>
+        </p:txBody>
+      </p:sp>
+    </p:spTree>
+    <p:extLst>
+      <p:ext uri="{BB962C8B-B14F-4D97-AF65-F5344CB8AC3E}">
+        <p14:creationId xmlns:p14="http://schemas.microsoft.com/office/powerpoint/2010/main" val="3430841117"/>
+      </p:ext>
+    </p:extLst>
+  </p:cSld>
+  <p:clrMapOvr>
+    <a:masterClrMapping/>
+  </p:clrMapOvr>
+</p:sld>
+</file>
+
+<file path=ppt/slides/slide30.xml><?xml version="1.0" encoding="utf-8"?>
+<p:sld xmlns:a="http://schemas.openxmlformats.org/drawingml/2006/main" xmlns:r="http://schemas.openxmlformats.org/officeDocument/2006/relationships" xmlns:p="http://schemas.openxmlformats.org/presentationml/2006/main">
+  <p:cSld>
+    <p:spTree>
+      <p:nvGrpSpPr>
+        <p:cNvPr id="1" name=""/>
+        <p:cNvGrpSpPr/>
+        <p:nvPr/>
+      </p:nvGrpSpPr>
+      <p:grpSpPr>
+        <a:xfrm>
+          <a:off x="0" y="0"/>
+          <a:ext cx="0" cy="0"/>
+          <a:chOff x="0" y="0"/>
+          <a:chExt cx="0" cy="0"/>
+        </a:xfrm>
+      </p:grpSpPr>
+      <p:grpSp>
+        <p:nvGrpSpPr>
+          <p:cNvPr id="4" name="그룹 3"/>
+          <p:cNvGrpSpPr/>
+          <p:nvPr/>
+        </p:nvGrpSpPr>
+        <p:grpSpPr>
+          <a:xfrm>
+            <a:off x="152400" y="83680"/>
+            <a:ext cx="11903770" cy="6774320"/>
+            <a:chOff x="152400" y="83680"/>
+            <a:chExt cx="11903770" cy="6774320"/>
+          </a:xfrm>
+        </p:grpSpPr>
+        <p:sp>
+          <p:nvSpPr>
+            <p:cNvPr id="68" name="양쪽 모서리가 둥근 사각형 67"/>
+            <p:cNvSpPr/>
+            <p:nvPr/>
+          </p:nvSpPr>
+          <p:spPr>
+            <a:xfrm>
+              <a:off x="338203" y="83680"/>
+              <a:ext cx="11548997" cy="6482219"/>
+            </a:xfrm>
+            <a:prstGeom prst="round2SameRect">
+              <a:avLst>
+                <a:gd name="adj1" fmla="val 4566"/>
+                <a:gd name="adj2" fmla="val 0"/>
+              </a:avLst>
+            </a:prstGeom>
+            <a:pattFill prst="ltDnDiag">
+              <a:fgClr>
+                <a:schemeClr val="bg1">
+                  <a:lumMod val="75000"/>
+                </a:schemeClr>
+              </a:fgClr>
+              <a:bgClr>
+                <a:schemeClr val="bg1">
+                  <a:lumMod val="95000"/>
+                </a:schemeClr>
+              </a:bgClr>
+            </a:pattFill>
+            <a:ln w="28575">
+              <a:solidFill>
+                <a:schemeClr val="bg1">
+                  <a:lumMod val="50000"/>
+                </a:schemeClr>
+              </a:solidFill>
+            </a:ln>
+          </p:spPr>
+          <p:style>
+            <a:lnRef idx="2">
+              <a:schemeClr val="accent1">
+                <a:shade val="50000"/>
+              </a:schemeClr>
+            </a:lnRef>
+            <a:fillRef idx="1">
+              <a:schemeClr val="accent1"/>
+            </a:fillRef>
+            <a:effectRef idx="0">
+              <a:schemeClr val="accent1"/>
+            </a:effectRef>
+            <a:fontRef idx="minor">
+              <a:schemeClr val="lt1"/>
+            </a:fontRef>
+          </p:style>
+          <p:txBody>
+            <a:bodyPr rtlCol="0" anchor="ctr"/>
+            <a:lstStyle/>
+            <a:p>
+              <a:pPr algn="ctr"/>
+              <a:endParaRPr lang="ko-KR" altLang="en-US"/>
+            </a:p>
+          </p:txBody>
+        </p:sp>
+        <p:sp>
+          <p:nvSpPr>
+            <p:cNvPr id="69" name="양쪽 모서리가 둥근 사각형 68"/>
+            <p:cNvSpPr/>
+            <p:nvPr/>
+          </p:nvSpPr>
+          <p:spPr>
+            <a:xfrm>
+              <a:off x="524266" y="241300"/>
+              <a:ext cx="11176871" cy="6133424"/>
+            </a:xfrm>
+            <a:prstGeom prst="round2SameRect">
+              <a:avLst>
+                <a:gd name="adj1" fmla="val 3284"/>
+                <a:gd name="adj2" fmla="val 0"/>
+              </a:avLst>
+            </a:prstGeom>
+            <a:solidFill>
+              <a:schemeClr val="bg1"/>
+            </a:solidFill>
+            <a:ln w="19050">
+              <a:solidFill>
+                <a:schemeClr val="bg1">
+                  <a:lumMod val="50000"/>
+                </a:schemeClr>
+              </a:solidFill>
+            </a:ln>
+          </p:spPr>
+          <p:style>
+            <a:lnRef idx="2">
+              <a:schemeClr val="accent1">
+                <a:shade val="50000"/>
+              </a:schemeClr>
+            </a:lnRef>
+            <a:fillRef idx="1">
+              <a:schemeClr val="accent1"/>
+            </a:fillRef>
+            <a:effectRef idx="0">
+              <a:schemeClr val="accent1"/>
+            </a:effectRef>
+            <a:fontRef idx="minor">
+              <a:schemeClr val="lt1"/>
+            </a:fontRef>
+          </p:style>
+          <p:txBody>
+            <a:bodyPr rtlCol="0" anchor="ctr"/>
+            <a:lstStyle/>
+            <a:p>
+              <a:pPr algn="ctr"/>
+              <a:endParaRPr lang="ko-KR" altLang="en-US"/>
+            </a:p>
+          </p:txBody>
+        </p:sp>
+        <p:sp>
+          <p:nvSpPr>
+            <p:cNvPr id="84" name="양쪽 모서리가 둥근 사각형 83"/>
+            <p:cNvSpPr/>
+            <p:nvPr/>
+          </p:nvSpPr>
+          <p:spPr>
+            <a:xfrm rot="16200000">
+              <a:off x="1176083" y="5641873"/>
+              <a:ext cx="108000" cy="1798840"/>
+            </a:xfrm>
+            <a:prstGeom prst="round2SameRect">
+              <a:avLst>
+                <a:gd name="adj1" fmla="val 19304"/>
+                <a:gd name="adj2" fmla="val 0"/>
+              </a:avLst>
+            </a:prstGeom>
+            <a:gradFill flip="none" rotWithShape="1">
+              <a:gsLst>
+                <a:gs pos="17000">
+                  <a:schemeClr val="bg1">
+                    <a:lumMod val="50000"/>
+                  </a:schemeClr>
+                </a:gs>
+                <a:gs pos="59000">
+                  <a:schemeClr val="bg1">
+                    <a:shade val="100000"/>
+                    <a:satMod val="115000"/>
+                  </a:schemeClr>
+                </a:gs>
+              </a:gsLst>
+              <a:lin ang="0" scaled="1"/>
+              <a:tileRect/>
+            </a:gradFill>
+            <a:ln w="19050">
+              <a:solidFill>
+                <a:schemeClr val="bg1">
+                  <a:lumMod val="50000"/>
+                </a:schemeClr>
+              </a:solidFill>
+            </a:ln>
+          </p:spPr>
+          <p:style>
+            <a:lnRef idx="2">
+              <a:schemeClr val="accent1">
+                <a:shade val="50000"/>
+              </a:schemeClr>
+            </a:lnRef>
+            <a:fillRef idx="1">
+              <a:schemeClr val="accent1"/>
+            </a:fillRef>
+            <a:effectRef idx="0">
+              <a:schemeClr val="accent1"/>
+            </a:effectRef>
+            <a:fontRef idx="minor">
+              <a:schemeClr val="lt1"/>
+            </a:fontRef>
+          </p:style>
+          <p:txBody>
+            <a:bodyPr rtlCol="0" anchor="ctr"/>
+            <a:lstStyle/>
+            <a:p>
+              <a:pPr algn="ctr"/>
+              <a:endParaRPr lang="ko-KR" altLang="en-US">
+                <a:solidFill>
+                  <a:prstClr val="white"/>
+                </a:solidFill>
+              </a:endParaRPr>
+            </a:p>
+          </p:txBody>
+        </p:sp>
+        <p:sp>
+          <p:nvSpPr>
+            <p:cNvPr id="85" name="양쪽 모서리가 둥근 사각형 84"/>
+            <p:cNvSpPr/>
+            <p:nvPr/>
+          </p:nvSpPr>
+          <p:spPr>
+            <a:xfrm rot="5400000" flipH="1">
+              <a:off x="10930593" y="5641871"/>
+              <a:ext cx="108000" cy="1798840"/>
+            </a:xfrm>
+            <a:prstGeom prst="round2SameRect">
+              <a:avLst>
+                <a:gd name="adj1" fmla="val 19304"/>
+                <a:gd name="adj2" fmla="val 0"/>
+              </a:avLst>
+            </a:prstGeom>
+            <a:gradFill flip="none" rotWithShape="1">
+              <a:gsLst>
+                <a:gs pos="17000">
+                  <a:schemeClr val="bg1">
+                    <a:lumMod val="50000"/>
+                  </a:schemeClr>
+                </a:gs>
+                <a:gs pos="59000">
+                  <a:schemeClr val="bg1">
+                    <a:shade val="100000"/>
+                    <a:satMod val="115000"/>
+                  </a:schemeClr>
+                </a:gs>
+              </a:gsLst>
+              <a:lin ang="0" scaled="1"/>
+              <a:tileRect/>
+            </a:gradFill>
+            <a:ln w="19050">
+              <a:solidFill>
+                <a:schemeClr val="bg1">
+                  <a:lumMod val="50000"/>
+                </a:schemeClr>
+              </a:solidFill>
+            </a:ln>
+          </p:spPr>
+          <p:style>
+            <a:lnRef idx="2">
+              <a:schemeClr val="accent1">
+                <a:shade val="50000"/>
+              </a:schemeClr>
+            </a:lnRef>
+            <a:fillRef idx="1">
+              <a:schemeClr val="accent1"/>
+            </a:fillRef>
+            <a:effectRef idx="0">
+              <a:schemeClr val="accent1"/>
+            </a:effectRef>
+            <a:fontRef idx="minor">
+              <a:schemeClr val="lt1"/>
+            </a:fontRef>
+          </p:style>
+          <p:txBody>
+            <a:bodyPr rtlCol="0" anchor="ctr"/>
+            <a:lstStyle/>
+            <a:p>
+              <a:pPr algn="ctr"/>
+              <a:endParaRPr lang="ko-KR" altLang="en-US">
+                <a:solidFill>
+                  <a:prstClr val="white"/>
+                </a:solidFill>
+              </a:endParaRPr>
+            </a:p>
+          </p:txBody>
+        </p:sp>
+        <p:sp>
+          <p:nvSpPr>
+            <p:cNvPr id="86" name="양쪽 모서리가 둥근 사각형 85"/>
+            <p:cNvSpPr/>
+            <p:nvPr/>
+          </p:nvSpPr>
+          <p:spPr>
+            <a:xfrm rot="16200000">
+              <a:off x="6053339" y="2563457"/>
+              <a:ext cx="108000" cy="7955668"/>
+            </a:xfrm>
+            <a:prstGeom prst="round2SameRect">
+              <a:avLst>
+                <a:gd name="adj1" fmla="val 0"/>
+                <a:gd name="adj2" fmla="val 0"/>
+              </a:avLst>
+            </a:prstGeom>
+            <a:gradFill flip="none" rotWithShape="1">
+              <a:gsLst>
+                <a:gs pos="17000">
+                  <a:schemeClr val="bg1">
+                    <a:lumMod val="50000"/>
+                  </a:schemeClr>
+                </a:gs>
+                <a:gs pos="59000">
+                  <a:schemeClr val="bg1">
+                    <a:shade val="100000"/>
+                    <a:satMod val="115000"/>
+                  </a:schemeClr>
+                </a:gs>
+              </a:gsLst>
+              <a:lin ang="0" scaled="1"/>
+              <a:tileRect/>
+            </a:gradFill>
+            <a:ln w="19050">
+              <a:solidFill>
+                <a:schemeClr val="bg1">
+                  <a:lumMod val="50000"/>
+                </a:schemeClr>
+              </a:solidFill>
+            </a:ln>
+          </p:spPr>
+          <p:style>
+            <a:lnRef idx="2">
+              <a:schemeClr val="accent1">
+                <a:shade val="50000"/>
+              </a:schemeClr>
+            </a:lnRef>
+            <a:fillRef idx="1">
+              <a:schemeClr val="accent1"/>
+            </a:fillRef>
+            <a:effectRef idx="0">
+              <a:schemeClr val="accent1"/>
+            </a:effectRef>
+            <a:fontRef idx="minor">
+              <a:schemeClr val="lt1"/>
+            </a:fontRef>
+          </p:style>
+          <p:txBody>
+            <a:bodyPr rtlCol="0" anchor="ctr"/>
+            <a:lstStyle/>
+            <a:p>
+              <a:pPr algn="ctr"/>
+              <a:endParaRPr lang="ko-KR" altLang="en-US">
+                <a:solidFill>
+                  <a:prstClr val="white"/>
+                </a:solidFill>
+              </a:endParaRPr>
+            </a:p>
+          </p:txBody>
+        </p:sp>
+        <p:sp>
+          <p:nvSpPr>
+            <p:cNvPr id="14" name="자유형 13"/>
+            <p:cNvSpPr/>
+            <p:nvPr/>
+          </p:nvSpPr>
+          <p:spPr>
+            <a:xfrm>
+              <a:off x="158507" y="6590451"/>
+              <a:ext cx="11897663" cy="267549"/>
+            </a:xfrm>
+            <a:custGeom>
+              <a:avLst/>
+              <a:gdLst>
+                <a:gd name="connsiteX0" fmla="*/ 195955 w 11897663"/>
+                <a:gd name="connsiteY0" fmla="*/ 0 h 267549"/>
+                <a:gd name="connsiteX1" fmla="*/ 11701708 w 11897663"/>
+                <a:gd name="connsiteY1" fmla="*/ 0 h 267549"/>
+                <a:gd name="connsiteX2" fmla="*/ 11897663 w 11897663"/>
+                <a:gd name="connsiteY2" fmla="*/ 267549 h 267549"/>
+                <a:gd name="connsiteX3" fmla="*/ 0 w 11897663"/>
+                <a:gd name="connsiteY3" fmla="*/ 267549 h 267549"/>
+              </a:gdLst>
+              <a:ahLst/>
+              <a:cxnLst>
+                <a:cxn ang="0">
+                  <a:pos x="connsiteX0" y="connsiteY0"/>
+                </a:cxn>
+                <a:cxn ang="0">
+                  <a:pos x="connsiteX1" y="connsiteY1"/>
+                </a:cxn>
+                <a:cxn ang="0">
+                  <a:pos x="connsiteX2" y="connsiteY2"/>
+                </a:cxn>
+                <a:cxn ang="0">
+                  <a:pos x="connsiteX3" y="connsiteY3"/>
+                </a:cxn>
+              </a:cxnLst>
+              <a:rect l="l" t="t" r="r" b="b"/>
+              <a:pathLst>
+                <a:path w="11897663" h="267549">
+                  <a:moveTo>
+                    <a:pt x="195955" y="0"/>
+                  </a:moveTo>
+                  <a:lnTo>
+                    <a:pt x="11701708" y="0"/>
+                  </a:lnTo>
+                  <a:lnTo>
+                    <a:pt x="11897663" y="267549"/>
+                  </a:lnTo>
+                  <a:lnTo>
+                    <a:pt x="0" y="267549"/>
+                  </a:lnTo>
+                  <a:close/>
+                </a:path>
+              </a:pathLst>
+            </a:custGeom>
+            <a:solidFill>
+              <a:schemeClr val="bg1"/>
+            </a:solidFill>
+            <a:ln w="19050">
+              <a:solidFill>
+                <a:schemeClr val="bg1">
+                  <a:lumMod val="50000"/>
+                </a:schemeClr>
+              </a:solidFill>
+            </a:ln>
+          </p:spPr>
+          <p:style>
+            <a:lnRef idx="2">
+              <a:schemeClr val="accent1">
+                <a:shade val="50000"/>
+              </a:schemeClr>
+            </a:lnRef>
+            <a:fillRef idx="1">
+              <a:schemeClr val="accent1"/>
+            </a:fillRef>
+            <a:effectRef idx="0">
+              <a:schemeClr val="accent1"/>
+            </a:effectRef>
+            <a:fontRef idx="minor">
+              <a:schemeClr val="lt1"/>
+            </a:fontRef>
+          </p:style>
+          <p:txBody>
+            <a:bodyPr wrap="square" rtlCol="0" anchor="ctr">
+              <a:noAutofit/>
+            </a:bodyPr>
+            <a:lstStyle/>
+            <a:p>
+              <a:pPr algn="ctr"/>
+              <a:endParaRPr lang="ko-KR" altLang="en-US">
+                <a:solidFill>
+                  <a:prstClr val="white"/>
+                </a:solidFill>
+              </a:endParaRPr>
+            </a:p>
+          </p:txBody>
+        </p:sp>
+        <p:sp>
+          <p:nvSpPr>
+            <p:cNvPr id="26" name="자유형 25"/>
+            <p:cNvSpPr/>
+            <p:nvPr/>
+          </p:nvSpPr>
+          <p:spPr>
+            <a:xfrm>
+              <a:off x="152400" y="6565900"/>
+              <a:ext cx="11750381" cy="292100"/>
+            </a:xfrm>
+            <a:custGeom>
+              <a:avLst/>
+              <a:gdLst>
+                <a:gd name="connsiteX0" fmla="*/ 177800 w 11722100"/>
+                <a:gd name="connsiteY0" fmla="*/ 0 h 292100"/>
+                <a:gd name="connsiteX1" fmla="*/ 0 w 11722100"/>
+                <a:gd name="connsiteY1" fmla="*/ 292100 h 292100"/>
+                <a:gd name="connsiteX2" fmla="*/ 11722100 w 11722100"/>
+                <a:gd name="connsiteY2" fmla="*/ 50800 h 292100"/>
+                <a:gd name="connsiteX3" fmla="*/ 177800 w 11722100"/>
+                <a:gd name="connsiteY3" fmla="*/ 0 h 292100"/>
+                <a:gd name="connsiteX0" fmla="*/ 206081 w 11722100"/>
+                <a:gd name="connsiteY0" fmla="*/ 0 h 292100"/>
+                <a:gd name="connsiteX1" fmla="*/ 0 w 11722100"/>
+                <a:gd name="connsiteY1" fmla="*/ 292100 h 292100"/>
+                <a:gd name="connsiteX2" fmla="*/ 11722100 w 11722100"/>
+                <a:gd name="connsiteY2" fmla="*/ 50800 h 292100"/>
+                <a:gd name="connsiteX3" fmla="*/ 206081 w 11722100"/>
+                <a:gd name="connsiteY3" fmla="*/ 0 h 292100"/>
+                <a:gd name="connsiteX0" fmla="*/ 206081 w 11750381"/>
+                <a:gd name="connsiteY0" fmla="*/ 0 h 292100"/>
+                <a:gd name="connsiteX1" fmla="*/ 0 w 11750381"/>
+                <a:gd name="connsiteY1" fmla="*/ 292100 h 292100"/>
+                <a:gd name="connsiteX2" fmla="*/ 11750381 w 11750381"/>
+                <a:gd name="connsiteY2" fmla="*/ 31947 h 292100"/>
+                <a:gd name="connsiteX3" fmla="*/ 206081 w 11750381"/>
+                <a:gd name="connsiteY3" fmla="*/ 0 h 292100"/>
+              </a:gdLst>
+              <a:ahLst/>
+              <a:cxnLst>
+                <a:cxn ang="0">
+                  <a:pos x="connsiteX0" y="connsiteY0"/>
+                </a:cxn>
+                <a:cxn ang="0">
+                  <a:pos x="connsiteX1" y="connsiteY1"/>
+                </a:cxn>
+                <a:cxn ang="0">
+                  <a:pos x="connsiteX2" y="connsiteY2"/>
+                </a:cxn>
+                <a:cxn ang="0">
+                  <a:pos x="connsiteX3" y="connsiteY3"/>
+                </a:cxn>
+              </a:cxnLst>
+              <a:rect l="l" t="t" r="r" b="b"/>
+              <a:pathLst>
+                <a:path w="11750381" h="292100">
+                  <a:moveTo>
+                    <a:pt x="206081" y="0"/>
+                  </a:moveTo>
+                  <a:lnTo>
+                    <a:pt x="0" y="292100"/>
+                  </a:lnTo>
+                  <a:lnTo>
+                    <a:pt x="11750381" y="31947"/>
+                  </a:lnTo>
+                  <a:lnTo>
+                    <a:pt x="206081" y="0"/>
+                  </a:lnTo>
+                  <a:close/>
+                </a:path>
+              </a:pathLst>
+            </a:custGeom>
+            <a:solidFill>
+              <a:schemeClr val="tx1">
+                <a:alpha val="13000"/>
+              </a:schemeClr>
+            </a:solidFill>
+            <a:ln>
+              <a:noFill/>
+            </a:ln>
+          </p:spPr>
+          <p:style>
+            <a:lnRef idx="2">
+              <a:schemeClr val="accent1">
+                <a:shade val="50000"/>
+              </a:schemeClr>
+            </a:lnRef>
+            <a:fillRef idx="1">
+              <a:schemeClr val="accent1"/>
+            </a:fillRef>
+            <a:effectRef idx="0">
+              <a:schemeClr val="accent1"/>
+            </a:effectRef>
+            <a:fontRef idx="minor">
+              <a:schemeClr val="lt1"/>
+            </a:fontRef>
+          </p:style>
+          <p:txBody>
+            <a:bodyPr rtlCol="0" anchor="ctr"/>
+            <a:lstStyle/>
+            <a:p>
+              <a:pPr algn="ctr"/>
+              <a:endParaRPr lang="ko-KR" altLang="en-US"/>
+            </a:p>
+          </p:txBody>
+        </p:sp>
+        <p:sp>
+          <p:nvSpPr>
+            <p:cNvPr id="15" name="모서리가 둥근 직사각형 14"/>
+            <p:cNvSpPr/>
+            <p:nvPr/>
+          </p:nvSpPr>
+          <p:spPr>
+            <a:xfrm>
+              <a:off x="524266" y="6670585"/>
+              <a:ext cx="597524" cy="64121"/>
+            </a:xfrm>
+            <a:prstGeom prst="roundRect">
+              <a:avLst>
+                <a:gd name="adj" fmla="val 50000"/>
+              </a:avLst>
+            </a:prstGeom>
+            <a:solidFill>
+              <a:srgbClr val="00B0F0"/>
+            </a:solidFill>
+            <a:ln>
+              <a:solidFill>
+                <a:schemeClr val="bg1">
+                  <a:lumMod val="50000"/>
+                </a:schemeClr>
+              </a:solidFill>
+            </a:ln>
+          </p:spPr>
+          <p:style>
+            <a:lnRef idx="2">
+              <a:schemeClr val="accent1">
+                <a:shade val="50000"/>
+              </a:schemeClr>
+            </a:lnRef>
+            <a:fillRef idx="1">
+              <a:schemeClr val="accent1"/>
+            </a:fillRef>
+            <a:effectRef idx="0">
+              <a:schemeClr val="accent1"/>
+            </a:effectRef>
+            <a:fontRef idx="minor">
+              <a:schemeClr val="lt1"/>
+            </a:fontRef>
+          </p:style>
+          <p:txBody>
+            <a:bodyPr rtlCol="0" anchor="ctr"/>
+            <a:lstStyle/>
+            <a:p>
+              <a:pPr algn="ctr"/>
+              <a:endParaRPr lang="ko-KR" altLang="en-US"/>
+            </a:p>
+          </p:txBody>
+        </p:sp>
+      </p:grpSp>
+      <p:sp>
+        <p:nvSpPr>
+          <p:cNvPr id="82" name="직사각형 81"/>
+          <p:cNvSpPr/>
+          <p:nvPr/>
+        </p:nvSpPr>
+        <p:spPr>
+          <a:xfrm>
+            <a:off x="1474252" y="2500098"/>
+            <a:ext cx="9266171" cy="1615827"/>
+          </a:xfrm>
+          <a:prstGeom prst="rect">
+            <a:avLst/>
+          </a:prstGeom>
+        </p:spPr>
+        <p:txBody>
+          <a:bodyPr wrap="square">
+            <a:spAutoFit/>
+          </a:bodyPr>
+          <a:lstStyle/>
+          <a:p>
+            <a:pPr algn="ctr">
+              <a:lnSpc>
+                <a:spcPct val="150000"/>
+              </a:lnSpc>
+            </a:pPr>
+            <a:r>
+              <a:rPr lang="en-US" altLang="ko-KR" sz="6600" b="1" i="1" dirty="0" smtClean="0">
+                <a:solidFill>
+                  <a:schemeClr val="bg2">
+                    <a:lumMod val="25000"/>
+                  </a:schemeClr>
+                </a:solidFill>
+                <a:latin typeface="Broadway" panose="04040905080B02020502" pitchFamily="82" charset="0"/>
+              </a:rPr>
+              <a:t> </a:t>
+            </a:r>
+            <a:r>
+              <a:rPr lang="ko-KR" altLang="en-US" sz="4800" i="1" dirty="0" smtClean="0">
+                <a:solidFill>
+                  <a:schemeClr val="bg2">
+                    <a:lumMod val="25000"/>
+                  </a:schemeClr>
+                </a:solidFill>
+              </a:rPr>
+              <a:t>화면설계서 </a:t>
+            </a:r>
+            <a:r>
+              <a:rPr lang="en-US" altLang="ko-KR" sz="4800" i="1" dirty="0" smtClean="0">
+                <a:solidFill>
+                  <a:schemeClr val="bg2">
+                    <a:lumMod val="25000"/>
+                  </a:schemeClr>
+                </a:solidFill>
+              </a:rPr>
+              <a:t>– </a:t>
+            </a:r>
+            <a:r>
+              <a:rPr lang="ko-KR" altLang="en-US" sz="4800" i="1" dirty="0" err="1" smtClean="0">
+                <a:solidFill>
+                  <a:schemeClr val="bg2">
+                    <a:lumMod val="25000"/>
+                  </a:schemeClr>
+                </a:solidFill>
+              </a:rPr>
+              <a:t>마이페이지</a:t>
+            </a:r>
+            <a:endParaRPr lang="en-US" altLang="ko-KR" sz="4800" b="1" i="1" dirty="0">
+              <a:solidFill>
+                <a:schemeClr val="bg2">
+                  <a:lumMod val="25000"/>
+                </a:schemeClr>
+              </a:solidFill>
+            </a:endParaRPr>
+          </a:p>
+        </p:txBody>
+      </p:sp>
+    </p:spTree>
+    <p:extLst>
+      <p:ext uri="{BB962C8B-B14F-4D97-AF65-F5344CB8AC3E}">
+        <p14:creationId xmlns:p14="http://schemas.microsoft.com/office/powerpoint/2010/main" val="3800384880"/>
+      </p:ext>
+    </p:extLst>
+  </p:cSld>
+  <p:clrMapOvr>
+    <a:masterClrMapping/>
+  </p:clrMapOvr>
+  <p:timing>
+    <p:tnLst>
+      <p:par>
+        <p:cTn id="1" dur="indefinite" restart="never" nodeType="tmRoot"/>
+      </p:par>
+    </p:tnLst>
+  </p:timing>
+</p:sld>
+</file>
+
+<file path=ppt/slides/slide31.xml><?xml version="1.0" encoding="utf-8"?>
 <p:sld xmlns:a="http://schemas.openxmlformats.org/drawingml/2006/main" xmlns:r="http://schemas.openxmlformats.org/officeDocument/2006/relationships" xmlns:p="http://schemas.openxmlformats.org/presentationml/2006/main">
   <p:cSld>
     <p:spTree>
@@ -33731,7 +37282,7 @@
     </p:spTree>
     <p:extLst>
       <p:ext uri="{BB962C8B-B14F-4D97-AF65-F5344CB8AC3E}">
-        <p14:creationId xmlns:p14="http://schemas.microsoft.com/office/powerpoint/2010/main" val="540640872"/>
+        <p14:creationId xmlns:p14="http://schemas.microsoft.com/office/powerpoint/2010/main" val="217179502"/>
       </p:ext>
     </p:extLst>
   </p:cSld>
@@ -33748,7 +37299,7 @@
 </p:sld>
 </file>
 
-<file path=ppt/slides/slide28.xml><?xml version="1.0" encoding="utf-8"?>
+<file path=ppt/slides/slide32.xml><?xml version="1.0" encoding="utf-8"?>
 <p:sld xmlns:a="http://schemas.openxmlformats.org/drawingml/2006/main" xmlns:r="http://schemas.openxmlformats.org/officeDocument/2006/relationships" xmlns:p="http://schemas.openxmlformats.org/presentationml/2006/main">
   <p:cSld>
     <p:spTree>
@@ -35340,7 +38891,7 @@
     </p:spTree>
     <p:extLst>
       <p:ext uri="{BB962C8B-B14F-4D97-AF65-F5344CB8AC3E}">
-        <p14:creationId xmlns:p14="http://schemas.microsoft.com/office/powerpoint/2010/main" val="3086332413"/>
+        <p14:creationId xmlns:p14="http://schemas.microsoft.com/office/powerpoint/2010/main" val="2697250268"/>
       </p:ext>
     </p:extLst>
   </p:cSld>
@@ -35357,7 +38908,722 @@
 </p:sld>
 </file>
 
-<file path=ppt/slides/slide29.xml><?xml version="1.0" encoding="utf-8"?>
+<file path=ppt/slides/slide33.xml><?xml version="1.0" encoding="utf-8"?>
+<p:sld xmlns:a="http://schemas.openxmlformats.org/drawingml/2006/main" xmlns:r="http://schemas.openxmlformats.org/officeDocument/2006/relationships" xmlns:p="http://schemas.openxmlformats.org/presentationml/2006/main">
+  <p:cSld>
+    <p:spTree>
+      <p:nvGrpSpPr>
+        <p:cNvPr id="1" name=""/>
+        <p:cNvGrpSpPr/>
+        <p:nvPr/>
+      </p:nvGrpSpPr>
+      <p:grpSpPr>
+        <a:xfrm>
+          <a:off x="0" y="0"/>
+          <a:ext cx="0" cy="0"/>
+          <a:chOff x="0" y="0"/>
+          <a:chExt cx="0" cy="0"/>
+        </a:xfrm>
+      </p:grpSpPr>
+      <p:grpSp>
+        <p:nvGrpSpPr>
+          <p:cNvPr id="4" name="그룹 3"/>
+          <p:cNvGrpSpPr/>
+          <p:nvPr/>
+        </p:nvGrpSpPr>
+        <p:grpSpPr>
+          <a:xfrm>
+            <a:off x="152400" y="83680"/>
+            <a:ext cx="11903770" cy="6774320"/>
+            <a:chOff x="152400" y="83680"/>
+            <a:chExt cx="11903770" cy="6774320"/>
+          </a:xfrm>
+        </p:grpSpPr>
+        <p:sp>
+          <p:nvSpPr>
+            <p:cNvPr id="68" name="양쪽 모서리가 둥근 사각형 67"/>
+            <p:cNvSpPr/>
+            <p:nvPr/>
+          </p:nvSpPr>
+          <p:spPr>
+            <a:xfrm>
+              <a:off x="338203" y="83680"/>
+              <a:ext cx="11548997" cy="6482219"/>
+            </a:xfrm>
+            <a:prstGeom prst="round2SameRect">
+              <a:avLst>
+                <a:gd name="adj1" fmla="val 4566"/>
+                <a:gd name="adj2" fmla="val 0"/>
+              </a:avLst>
+            </a:prstGeom>
+            <a:pattFill prst="ltDnDiag">
+              <a:fgClr>
+                <a:schemeClr val="bg1">
+                  <a:lumMod val="75000"/>
+                </a:schemeClr>
+              </a:fgClr>
+              <a:bgClr>
+                <a:schemeClr val="bg1">
+                  <a:lumMod val="95000"/>
+                </a:schemeClr>
+              </a:bgClr>
+            </a:pattFill>
+            <a:ln w="28575">
+              <a:solidFill>
+                <a:schemeClr val="bg1">
+                  <a:lumMod val="50000"/>
+                </a:schemeClr>
+              </a:solidFill>
+            </a:ln>
+          </p:spPr>
+          <p:style>
+            <a:lnRef idx="2">
+              <a:schemeClr val="accent1">
+                <a:shade val="50000"/>
+              </a:schemeClr>
+            </a:lnRef>
+            <a:fillRef idx="1">
+              <a:schemeClr val="accent1"/>
+            </a:fillRef>
+            <a:effectRef idx="0">
+              <a:schemeClr val="accent1"/>
+            </a:effectRef>
+            <a:fontRef idx="minor">
+              <a:schemeClr val="lt1"/>
+            </a:fontRef>
+          </p:style>
+          <p:txBody>
+            <a:bodyPr rtlCol="0" anchor="ctr"/>
+            <a:lstStyle/>
+            <a:p>
+              <a:pPr algn="ctr"/>
+              <a:endParaRPr lang="ko-KR" altLang="en-US"/>
+            </a:p>
+          </p:txBody>
+        </p:sp>
+        <p:sp>
+          <p:nvSpPr>
+            <p:cNvPr id="69" name="양쪽 모서리가 둥근 사각형 68"/>
+            <p:cNvSpPr/>
+            <p:nvPr/>
+          </p:nvSpPr>
+          <p:spPr>
+            <a:xfrm>
+              <a:off x="524266" y="241300"/>
+              <a:ext cx="11176871" cy="6133424"/>
+            </a:xfrm>
+            <a:prstGeom prst="round2SameRect">
+              <a:avLst>
+                <a:gd name="adj1" fmla="val 3284"/>
+                <a:gd name="adj2" fmla="val 0"/>
+              </a:avLst>
+            </a:prstGeom>
+            <a:solidFill>
+              <a:schemeClr val="bg1"/>
+            </a:solidFill>
+            <a:ln w="19050">
+              <a:solidFill>
+                <a:schemeClr val="bg1">
+                  <a:lumMod val="50000"/>
+                </a:schemeClr>
+              </a:solidFill>
+            </a:ln>
+          </p:spPr>
+          <p:style>
+            <a:lnRef idx="2">
+              <a:schemeClr val="accent1">
+                <a:shade val="50000"/>
+              </a:schemeClr>
+            </a:lnRef>
+            <a:fillRef idx="1">
+              <a:schemeClr val="accent1"/>
+            </a:fillRef>
+            <a:effectRef idx="0">
+              <a:schemeClr val="accent1"/>
+            </a:effectRef>
+            <a:fontRef idx="minor">
+              <a:schemeClr val="lt1"/>
+            </a:fontRef>
+          </p:style>
+          <p:txBody>
+            <a:bodyPr rtlCol="0" anchor="ctr"/>
+            <a:lstStyle/>
+            <a:p>
+              <a:pPr algn="ctr"/>
+              <a:endParaRPr lang="ko-KR" altLang="en-US"/>
+            </a:p>
+          </p:txBody>
+        </p:sp>
+        <p:sp>
+          <p:nvSpPr>
+            <p:cNvPr id="84" name="양쪽 모서리가 둥근 사각형 83"/>
+            <p:cNvSpPr/>
+            <p:nvPr/>
+          </p:nvSpPr>
+          <p:spPr>
+            <a:xfrm rot="16200000">
+              <a:off x="1176083" y="5641873"/>
+              <a:ext cx="108000" cy="1798840"/>
+            </a:xfrm>
+            <a:prstGeom prst="round2SameRect">
+              <a:avLst>
+                <a:gd name="adj1" fmla="val 19304"/>
+                <a:gd name="adj2" fmla="val 0"/>
+              </a:avLst>
+            </a:prstGeom>
+            <a:gradFill flip="none" rotWithShape="1">
+              <a:gsLst>
+                <a:gs pos="17000">
+                  <a:schemeClr val="bg1">
+                    <a:lumMod val="50000"/>
+                  </a:schemeClr>
+                </a:gs>
+                <a:gs pos="59000">
+                  <a:schemeClr val="bg1">
+                    <a:shade val="100000"/>
+                    <a:satMod val="115000"/>
+                  </a:schemeClr>
+                </a:gs>
+              </a:gsLst>
+              <a:lin ang="0" scaled="1"/>
+              <a:tileRect/>
+            </a:gradFill>
+            <a:ln w="19050">
+              <a:solidFill>
+                <a:schemeClr val="bg1">
+                  <a:lumMod val="50000"/>
+                </a:schemeClr>
+              </a:solidFill>
+            </a:ln>
+          </p:spPr>
+          <p:style>
+            <a:lnRef idx="2">
+              <a:schemeClr val="accent1">
+                <a:shade val="50000"/>
+              </a:schemeClr>
+            </a:lnRef>
+            <a:fillRef idx="1">
+              <a:schemeClr val="accent1"/>
+            </a:fillRef>
+            <a:effectRef idx="0">
+              <a:schemeClr val="accent1"/>
+            </a:effectRef>
+            <a:fontRef idx="minor">
+              <a:schemeClr val="lt1"/>
+            </a:fontRef>
+          </p:style>
+          <p:txBody>
+            <a:bodyPr rtlCol="0" anchor="ctr"/>
+            <a:lstStyle/>
+            <a:p>
+              <a:pPr algn="ctr"/>
+              <a:endParaRPr lang="ko-KR" altLang="en-US">
+                <a:solidFill>
+                  <a:prstClr val="white"/>
+                </a:solidFill>
+              </a:endParaRPr>
+            </a:p>
+          </p:txBody>
+        </p:sp>
+        <p:sp>
+          <p:nvSpPr>
+            <p:cNvPr id="85" name="양쪽 모서리가 둥근 사각형 84"/>
+            <p:cNvSpPr/>
+            <p:nvPr/>
+          </p:nvSpPr>
+          <p:spPr>
+            <a:xfrm rot="5400000" flipH="1">
+              <a:off x="10930593" y="5641871"/>
+              <a:ext cx="108000" cy="1798840"/>
+            </a:xfrm>
+            <a:prstGeom prst="round2SameRect">
+              <a:avLst>
+                <a:gd name="adj1" fmla="val 19304"/>
+                <a:gd name="adj2" fmla="val 0"/>
+              </a:avLst>
+            </a:prstGeom>
+            <a:gradFill flip="none" rotWithShape="1">
+              <a:gsLst>
+                <a:gs pos="17000">
+                  <a:schemeClr val="bg1">
+                    <a:lumMod val="50000"/>
+                  </a:schemeClr>
+                </a:gs>
+                <a:gs pos="59000">
+                  <a:schemeClr val="bg1">
+                    <a:shade val="100000"/>
+                    <a:satMod val="115000"/>
+                  </a:schemeClr>
+                </a:gs>
+              </a:gsLst>
+              <a:lin ang="0" scaled="1"/>
+              <a:tileRect/>
+            </a:gradFill>
+            <a:ln w="19050">
+              <a:solidFill>
+                <a:schemeClr val="bg1">
+                  <a:lumMod val="50000"/>
+                </a:schemeClr>
+              </a:solidFill>
+            </a:ln>
+          </p:spPr>
+          <p:style>
+            <a:lnRef idx="2">
+              <a:schemeClr val="accent1">
+                <a:shade val="50000"/>
+              </a:schemeClr>
+            </a:lnRef>
+            <a:fillRef idx="1">
+              <a:schemeClr val="accent1"/>
+            </a:fillRef>
+            <a:effectRef idx="0">
+              <a:schemeClr val="accent1"/>
+            </a:effectRef>
+            <a:fontRef idx="minor">
+              <a:schemeClr val="lt1"/>
+            </a:fontRef>
+          </p:style>
+          <p:txBody>
+            <a:bodyPr rtlCol="0" anchor="ctr"/>
+            <a:lstStyle/>
+            <a:p>
+              <a:pPr algn="ctr"/>
+              <a:endParaRPr lang="ko-KR" altLang="en-US">
+                <a:solidFill>
+                  <a:prstClr val="white"/>
+                </a:solidFill>
+              </a:endParaRPr>
+            </a:p>
+          </p:txBody>
+        </p:sp>
+        <p:sp>
+          <p:nvSpPr>
+            <p:cNvPr id="86" name="양쪽 모서리가 둥근 사각형 85"/>
+            <p:cNvSpPr/>
+            <p:nvPr/>
+          </p:nvSpPr>
+          <p:spPr>
+            <a:xfrm rot="16200000">
+              <a:off x="6053339" y="2563457"/>
+              <a:ext cx="108000" cy="7955668"/>
+            </a:xfrm>
+            <a:prstGeom prst="round2SameRect">
+              <a:avLst>
+                <a:gd name="adj1" fmla="val 0"/>
+                <a:gd name="adj2" fmla="val 0"/>
+              </a:avLst>
+            </a:prstGeom>
+            <a:gradFill flip="none" rotWithShape="1">
+              <a:gsLst>
+                <a:gs pos="17000">
+                  <a:schemeClr val="bg1">
+                    <a:lumMod val="50000"/>
+                  </a:schemeClr>
+                </a:gs>
+                <a:gs pos="59000">
+                  <a:schemeClr val="bg1">
+                    <a:shade val="100000"/>
+                    <a:satMod val="115000"/>
+                  </a:schemeClr>
+                </a:gs>
+              </a:gsLst>
+              <a:lin ang="0" scaled="1"/>
+              <a:tileRect/>
+            </a:gradFill>
+            <a:ln w="19050">
+              <a:solidFill>
+                <a:schemeClr val="bg1">
+                  <a:lumMod val="50000"/>
+                </a:schemeClr>
+              </a:solidFill>
+            </a:ln>
+          </p:spPr>
+          <p:style>
+            <a:lnRef idx="2">
+              <a:schemeClr val="accent1">
+                <a:shade val="50000"/>
+              </a:schemeClr>
+            </a:lnRef>
+            <a:fillRef idx="1">
+              <a:schemeClr val="accent1"/>
+            </a:fillRef>
+            <a:effectRef idx="0">
+              <a:schemeClr val="accent1"/>
+            </a:effectRef>
+            <a:fontRef idx="minor">
+              <a:schemeClr val="lt1"/>
+            </a:fontRef>
+          </p:style>
+          <p:txBody>
+            <a:bodyPr rtlCol="0" anchor="ctr"/>
+            <a:lstStyle/>
+            <a:p>
+              <a:pPr algn="ctr"/>
+              <a:endParaRPr lang="ko-KR" altLang="en-US">
+                <a:solidFill>
+                  <a:prstClr val="white"/>
+                </a:solidFill>
+              </a:endParaRPr>
+            </a:p>
+          </p:txBody>
+        </p:sp>
+        <p:sp>
+          <p:nvSpPr>
+            <p:cNvPr id="14" name="자유형 13"/>
+            <p:cNvSpPr/>
+            <p:nvPr/>
+          </p:nvSpPr>
+          <p:spPr>
+            <a:xfrm>
+              <a:off x="158507" y="6590451"/>
+              <a:ext cx="11897663" cy="267549"/>
+            </a:xfrm>
+            <a:custGeom>
+              <a:avLst/>
+              <a:gdLst>
+                <a:gd name="connsiteX0" fmla="*/ 195955 w 11897663"/>
+                <a:gd name="connsiteY0" fmla="*/ 0 h 267549"/>
+                <a:gd name="connsiteX1" fmla="*/ 11701708 w 11897663"/>
+                <a:gd name="connsiteY1" fmla="*/ 0 h 267549"/>
+                <a:gd name="connsiteX2" fmla="*/ 11897663 w 11897663"/>
+                <a:gd name="connsiteY2" fmla="*/ 267549 h 267549"/>
+                <a:gd name="connsiteX3" fmla="*/ 0 w 11897663"/>
+                <a:gd name="connsiteY3" fmla="*/ 267549 h 267549"/>
+              </a:gdLst>
+              <a:ahLst/>
+              <a:cxnLst>
+                <a:cxn ang="0">
+                  <a:pos x="connsiteX0" y="connsiteY0"/>
+                </a:cxn>
+                <a:cxn ang="0">
+                  <a:pos x="connsiteX1" y="connsiteY1"/>
+                </a:cxn>
+                <a:cxn ang="0">
+                  <a:pos x="connsiteX2" y="connsiteY2"/>
+                </a:cxn>
+                <a:cxn ang="0">
+                  <a:pos x="connsiteX3" y="connsiteY3"/>
+                </a:cxn>
+              </a:cxnLst>
+              <a:rect l="l" t="t" r="r" b="b"/>
+              <a:pathLst>
+                <a:path w="11897663" h="267549">
+                  <a:moveTo>
+                    <a:pt x="195955" y="0"/>
+                  </a:moveTo>
+                  <a:lnTo>
+                    <a:pt x="11701708" y="0"/>
+                  </a:lnTo>
+                  <a:lnTo>
+                    <a:pt x="11897663" y="267549"/>
+                  </a:lnTo>
+                  <a:lnTo>
+                    <a:pt x="0" y="267549"/>
+                  </a:lnTo>
+                  <a:close/>
+                </a:path>
+              </a:pathLst>
+            </a:custGeom>
+            <a:solidFill>
+              <a:schemeClr val="bg1"/>
+            </a:solidFill>
+            <a:ln w="19050">
+              <a:solidFill>
+                <a:schemeClr val="bg1">
+                  <a:lumMod val="50000"/>
+                </a:schemeClr>
+              </a:solidFill>
+            </a:ln>
+          </p:spPr>
+          <p:style>
+            <a:lnRef idx="2">
+              <a:schemeClr val="accent1">
+                <a:shade val="50000"/>
+              </a:schemeClr>
+            </a:lnRef>
+            <a:fillRef idx="1">
+              <a:schemeClr val="accent1"/>
+            </a:fillRef>
+            <a:effectRef idx="0">
+              <a:schemeClr val="accent1"/>
+            </a:effectRef>
+            <a:fontRef idx="minor">
+              <a:schemeClr val="lt1"/>
+            </a:fontRef>
+          </p:style>
+          <p:txBody>
+            <a:bodyPr wrap="square" rtlCol="0" anchor="ctr">
+              <a:noAutofit/>
+            </a:bodyPr>
+            <a:lstStyle/>
+            <a:p>
+              <a:pPr algn="ctr"/>
+              <a:endParaRPr lang="ko-KR" altLang="en-US">
+                <a:solidFill>
+                  <a:prstClr val="white"/>
+                </a:solidFill>
+              </a:endParaRPr>
+            </a:p>
+          </p:txBody>
+        </p:sp>
+        <p:sp>
+          <p:nvSpPr>
+            <p:cNvPr id="26" name="자유형 25"/>
+            <p:cNvSpPr/>
+            <p:nvPr/>
+          </p:nvSpPr>
+          <p:spPr>
+            <a:xfrm>
+              <a:off x="152400" y="6565900"/>
+              <a:ext cx="11750381" cy="292100"/>
+            </a:xfrm>
+            <a:custGeom>
+              <a:avLst/>
+              <a:gdLst>
+                <a:gd name="connsiteX0" fmla="*/ 177800 w 11722100"/>
+                <a:gd name="connsiteY0" fmla="*/ 0 h 292100"/>
+                <a:gd name="connsiteX1" fmla="*/ 0 w 11722100"/>
+                <a:gd name="connsiteY1" fmla="*/ 292100 h 292100"/>
+                <a:gd name="connsiteX2" fmla="*/ 11722100 w 11722100"/>
+                <a:gd name="connsiteY2" fmla="*/ 50800 h 292100"/>
+                <a:gd name="connsiteX3" fmla="*/ 177800 w 11722100"/>
+                <a:gd name="connsiteY3" fmla="*/ 0 h 292100"/>
+                <a:gd name="connsiteX0" fmla="*/ 206081 w 11722100"/>
+                <a:gd name="connsiteY0" fmla="*/ 0 h 292100"/>
+                <a:gd name="connsiteX1" fmla="*/ 0 w 11722100"/>
+                <a:gd name="connsiteY1" fmla="*/ 292100 h 292100"/>
+                <a:gd name="connsiteX2" fmla="*/ 11722100 w 11722100"/>
+                <a:gd name="connsiteY2" fmla="*/ 50800 h 292100"/>
+                <a:gd name="connsiteX3" fmla="*/ 206081 w 11722100"/>
+                <a:gd name="connsiteY3" fmla="*/ 0 h 292100"/>
+                <a:gd name="connsiteX0" fmla="*/ 206081 w 11750381"/>
+                <a:gd name="connsiteY0" fmla="*/ 0 h 292100"/>
+                <a:gd name="connsiteX1" fmla="*/ 0 w 11750381"/>
+                <a:gd name="connsiteY1" fmla="*/ 292100 h 292100"/>
+                <a:gd name="connsiteX2" fmla="*/ 11750381 w 11750381"/>
+                <a:gd name="connsiteY2" fmla="*/ 31947 h 292100"/>
+                <a:gd name="connsiteX3" fmla="*/ 206081 w 11750381"/>
+                <a:gd name="connsiteY3" fmla="*/ 0 h 292100"/>
+              </a:gdLst>
+              <a:ahLst/>
+              <a:cxnLst>
+                <a:cxn ang="0">
+                  <a:pos x="connsiteX0" y="connsiteY0"/>
+                </a:cxn>
+                <a:cxn ang="0">
+                  <a:pos x="connsiteX1" y="connsiteY1"/>
+                </a:cxn>
+                <a:cxn ang="0">
+                  <a:pos x="connsiteX2" y="connsiteY2"/>
+                </a:cxn>
+                <a:cxn ang="0">
+                  <a:pos x="connsiteX3" y="connsiteY3"/>
+                </a:cxn>
+              </a:cxnLst>
+              <a:rect l="l" t="t" r="r" b="b"/>
+              <a:pathLst>
+                <a:path w="11750381" h="292100">
+                  <a:moveTo>
+                    <a:pt x="206081" y="0"/>
+                  </a:moveTo>
+                  <a:lnTo>
+                    <a:pt x="0" y="292100"/>
+                  </a:lnTo>
+                  <a:lnTo>
+                    <a:pt x="11750381" y="31947"/>
+                  </a:lnTo>
+                  <a:lnTo>
+                    <a:pt x="206081" y="0"/>
+                  </a:lnTo>
+                  <a:close/>
+                </a:path>
+              </a:pathLst>
+            </a:custGeom>
+            <a:solidFill>
+              <a:schemeClr val="tx1">
+                <a:alpha val="13000"/>
+              </a:schemeClr>
+            </a:solidFill>
+            <a:ln>
+              <a:noFill/>
+            </a:ln>
+          </p:spPr>
+          <p:style>
+            <a:lnRef idx="2">
+              <a:schemeClr val="accent1">
+                <a:shade val="50000"/>
+              </a:schemeClr>
+            </a:lnRef>
+            <a:fillRef idx="1">
+              <a:schemeClr val="accent1"/>
+            </a:fillRef>
+            <a:effectRef idx="0">
+              <a:schemeClr val="accent1"/>
+            </a:effectRef>
+            <a:fontRef idx="minor">
+              <a:schemeClr val="lt1"/>
+            </a:fontRef>
+          </p:style>
+          <p:txBody>
+            <a:bodyPr rtlCol="0" anchor="ctr"/>
+            <a:lstStyle/>
+            <a:p>
+              <a:pPr algn="ctr"/>
+              <a:endParaRPr lang="ko-KR" altLang="en-US"/>
+            </a:p>
+          </p:txBody>
+        </p:sp>
+        <p:sp>
+          <p:nvSpPr>
+            <p:cNvPr id="15" name="모서리가 둥근 직사각형 14"/>
+            <p:cNvSpPr/>
+            <p:nvPr/>
+          </p:nvSpPr>
+          <p:spPr>
+            <a:xfrm>
+              <a:off x="524266" y="6670585"/>
+              <a:ext cx="597524" cy="64121"/>
+            </a:xfrm>
+            <a:prstGeom prst="roundRect">
+              <a:avLst>
+                <a:gd name="adj" fmla="val 50000"/>
+              </a:avLst>
+            </a:prstGeom>
+            <a:solidFill>
+              <a:srgbClr val="00B0F0"/>
+            </a:solidFill>
+            <a:ln>
+              <a:solidFill>
+                <a:schemeClr val="bg1">
+                  <a:lumMod val="50000"/>
+                </a:schemeClr>
+              </a:solidFill>
+            </a:ln>
+          </p:spPr>
+          <p:style>
+            <a:lnRef idx="2">
+              <a:schemeClr val="accent1">
+                <a:shade val="50000"/>
+              </a:schemeClr>
+            </a:lnRef>
+            <a:fillRef idx="1">
+              <a:schemeClr val="accent1"/>
+            </a:fillRef>
+            <a:effectRef idx="0">
+              <a:schemeClr val="accent1"/>
+            </a:effectRef>
+            <a:fontRef idx="minor">
+              <a:schemeClr val="lt1"/>
+            </a:fontRef>
+          </p:style>
+          <p:txBody>
+            <a:bodyPr rtlCol="0" anchor="ctr"/>
+            <a:lstStyle/>
+            <a:p>
+              <a:pPr algn="ctr"/>
+              <a:endParaRPr lang="ko-KR" altLang="en-US"/>
+            </a:p>
+          </p:txBody>
+        </p:sp>
+      </p:grpSp>
+      <p:sp>
+        <p:nvSpPr>
+          <p:cNvPr id="82" name="직사각형 81"/>
+          <p:cNvSpPr/>
+          <p:nvPr/>
+        </p:nvSpPr>
+        <p:spPr>
+          <a:xfrm>
+            <a:off x="1474252" y="2500098"/>
+            <a:ext cx="9266171" cy="1615827"/>
+          </a:xfrm>
+          <a:prstGeom prst="rect">
+            <a:avLst/>
+          </a:prstGeom>
+        </p:spPr>
+        <p:txBody>
+          <a:bodyPr wrap="square">
+            <a:spAutoFit/>
+          </a:bodyPr>
+          <a:lstStyle/>
+          <a:p>
+            <a:pPr algn="ctr">
+              <a:lnSpc>
+                <a:spcPct val="150000"/>
+              </a:lnSpc>
+            </a:pPr>
+            <a:r>
+              <a:rPr lang="en-US" altLang="ko-KR" sz="6600" b="1" i="1" dirty="0" smtClean="0">
+                <a:solidFill>
+                  <a:schemeClr val="bg2">
+                    <a:lumMod val="25000"/>
+                  </a:schemeClr>
+                </a:solidFill>
+                <a:latin typeface="Broadway" panose="04040905080B02020502" pitchFamily="82" charset="0"/>
+              </a:rPr>
+              <a:t> </a:t>
+            </a:r>
+            <a:r>
+              <a:rPr lang="ko-KR" altLang="en-US" sz="4800" i="1" dirty="0" smtClean="0">
+                <a:solidFill>
+                  <a:schemeClr val="bg2">
+                    <a:lumMod val="25000"/>
+                  </a:schemeClr>
+                </a:solidFill>
+              </a:rPr>
+              <a:t>화면설계서 </a:t>
+            </a:r>
+            <a:r>
+              <a:rPr lang="en-US" altLang="ko-KR" sz="4800" i="1" dirty="0" smtClean="0">
+                <a:solidFill>
+                  <a:schemeClr val="bg2">
+                    <a:lumMod val="25000"/>
+                  </a:schemeClr>
+                </a:solidFill>
+              </a:rPr>
+              <a:t>– </a:t>
+            </a:r>
+            <a:r>
+              <a:rPr lang="ko-KR" altLang="en-US" sz="4800" i="1" dirty="0" smtClean="0">
+                <a:solidFill>
+                  <a:schemeClr val="bg2">
+                    <a:lumMod val="25000"/>
+                  </a:schemeClr>
+                </a:solidFill>
+              </a:rPr>
+              <a:t>관리자</a:t>
+            </a:r>
+            <a:endParaRPr lang="en-US" altLang="ko-KR" sz="4800" b="1" i="1" dirty="0">
+              <a:solidFill>
+                <a:schemeClr val="bg2">
+                  <a:lumMod val="25000"/>
+                </a:schemeClr>
+              </a:solidFill>
+            </a:endParaRPr>
+          </a:p>
+        </p:txBody>
+      </p:sp>
+    </p:spTree>
+    <p:extLst>
+      <p:ext uri="{BB962C8B-B14F-4D97-AF65-F5344CB8AC3E}">
+        <p14:creationId xmlns:p14="http://schemas.microsoft.com/office/powerpoint/2010/main" val="563264281"/>
+      </p:ext>
+    </p:extLst>
+  </p:cSld>
+  <p:clrMapOvr>
+    <a:masterClrMapping/>
+  </p:clrMapOvr>
+  <p:timing>
+    <p:tnLst>
+      <p:par>
+        <p:cTn id="1" dur="indefinite" restart="never" nodeType="tmRoot"/>
+      </p:par>
+    </p:tnLst>
+  </p:timing>
+</p:sld>
+</file>
+
+<file path=ppt/slides/slide34.xml><?xml version="1.0" encoding="utf-8"?>
 <p:sld xmlns:a="http://schemas.openxmlformats.org/drawingml/2006/main" xmlns:r="http://schemas.openxmlformats.org/officeDocument/2006/relationships" xmlns:p="http://schemas.openxmlformats.org/presentationml/2006/main">
   <p:cSld>
     <p:spTree>
@@ -36830,687 +41096,7 @@
 </p:sld>
 </file>
 
-<file path=ppt/slides/slide3.xml><?xml version="1.0" encoding="utf-8"?>
-<p:sld xmlns:a="http://schemas.openxmlformats.org/drawingml/2006/main" xmlns:r="http://schemas.openxmlformats.org/officeDocument/2006/relationships" xmlns:p="http://schemas.openxmlformats.org/presentationml/2006/main">
-  <p:cSld>
-    <p:spTree>
-      <p:nvGrpSpPr>
-        <p:cNvPr id="1" name=""/>
-        <p:cNvGrpSpPr/>
-        <p:nvPr/>
-      </p:nvGrpSpPr>
-      <p:grpSpPr>
-        <a:xfrm>
-          <a:off x="0" y="0"/>
-          <a:ext cx="0" cy="0"/>
-          <a:chOff x="0" y="0"/>
-          <a:chExt cx="0" cy="0"/>
-        </a:xfrm>
-      </p:grpSpPr>
-      <p:grpSp>
-        <p:nvGrpSpPr>
-          <p:cNvPr id="4" name="그룹 3"/>
-          <p:cNvGrpSpPr/>
-          <p:nvPr/>
-        </p:nvGrpSpPr>
-        <p:grpSpPr>
-          <a:xfrm>
-            <a:off x="152400" y="83680"/>
-            <a:ext cx="11903770" cy="6774320"/>
-            <a:chOff x="152400" y="83680"/>
-            <a:chExt cx="11903770" cy="6774320"/>
-          </a:xfrm>
-        </p:grpSpPr>
-        <p:sp>
-          <p:nvSpPr>
-            <p:cNvPr id="68" name="양쪽 모서리가 둥근 사각형 67"/>
-            <p:cNvSpPr/>
-            <p:nvPr/>
-          </p:nvSpPr>
-          <p:spPr>
-            <a:xfrm>
-              <a:off x="338203" y="83680"/>
-              <a:ext cx="11548997" cy="6482219"/>
-            </a:xfrm>
-            <a:prstGeom prst="round2SameRect">
-              <a:avLst>
-                <a:gd name="adj1" fmla="val 4566"/>
-                <a:gd name="adj2" fmla="val 0"/>
-              </a:avLst>
-            </a:prstGeom>
-            <a:pattFill prst="ltDnDiag">
-              <a:fgClr>
-                <a:schemeClr val="bg1">
-                  <a:lumMod val="75000"/>
-                </a:schemeClr>
-              </a:fgClr>
-              <a:bgClr>
-                <a:schemeClr val="bg1">
-                  <a:lumMod val="95000"/>
-                </a:schemeClr>
-              </a:bgClr>
-            </a:pattFill>
-            <a:ln w="28575">
-              <a:solidFill>
-                <a:schemeClr val="bg1">
-                  <a:lumMod val="50000"/>
-                </a:schemeClr>
-              </a:solidFill>
-            </a:ln>
-          </p:spPr>
-          <p:style>
-            <a:lnRef idx="2">
-              <a:schemeClr val="accent1">
-                <a:shade val="50000"/>
-              </a:schemeClr>
-            </a:lnRef>
-            <a:fillRef idx="1">
-              <a:schemeClr val="accent1"/>
-            </a:fillRef>
-            <a:effectRef idx="0">
-              <a:schemeClr val="accent1"/>
-            </a:effectRef>
-            <a:fontRef idx="minor">
-              <a:schemeClr val="lt1"/>
-            </a:fontRef>
-          </p:style>
-          <p:txBody>
-            <a:bodyPr rtlCol="0" anchor="ctr"/>
-            <a:lstStyle/>
-            <a:p>
-              <a:pPr algn="ctr"/>
-              <a:endParaRPr lang="ko-KR" altLang="en-US"/>
-            </a:p>
-          </p:txBody>
-        </p:sp>
-        <p:sp>
-          <p:nvSpPr>
-            <p:cNvPr id="69" name="양쪽 모서리가 둥근 사각형 68"/>
-            <p:cNvSpPr/>
-            <p:nvPr/>
-          </p:nvSpPr>
-          <p:spPr>
-            <a:xfrm>
-              <a:off x="524266" y="241300"/>
-              <a:ext cx="11176871" cy="6133424"/>
-            </a:xfrm>
-            <a:prstGeom prst="round2SameRect">
-              <a:avLst>
-                <a:gd name="adj1" fmla="val 3284"/>
-                <a:gd name="adj2" fmla="val 0"/>
-              </a:avLst>
-            </a:prstGeom>
-            <a:solidFill>
-              <a:schemeClr val="bg1"/>
-            </a:solidFill>
-            <a:ln w="19050">
-              <a:solidFill>
-                <a:schemeClr val="bg1">
-                  <a:lumMod val="50000"/>
-                </a:schemeClr>
-              </a:solidFill>
-            </a:ln>
-          </p:spPr>
-          <p:style>
-            <a:lnRef idx="2">
-              <a:schemeClr val="accent1">
-                <a:shade val="50000"/>
-              </a:schemeClr>
-            </a:lnRef>
-            <a:fillRef idx="1">
-              <a:schemeClr val="accent1"/>
-            </a:fillRef>
-            <a:effectRef idx="0">
-              <a:schemeClr val="accent1"/>
-            </a:effectRef>
-            <a:fontRef idx="minor">
-              <a:schemeClr val="lt1"/>
-            </a:fontRef>
-          </p:style>
-          <p:txBody>
-            <a:bodyPr rtlCol="0" anchor="ctr"/>
-            <a:lstStyle/>
-            <a:p>
-              <a:pPr algn="ctr"/>
-              <a:endParaRPr lang="ko-KR" altLang="en-US"/>
-            </a:p>
-          </p:txBody>
-        </p:sp>
-        <p:sp>
-          <p:nvSpPr>
-            <p:cNvPr id="84" name="양쪽 모서리가 둥근 사각형 83"/>
-            <p:cNvSpPr/>
-            <p:nvPr/>
-          </p:nvSpPr>
-          <p:spPr>
-            <a:xfrm rot="16200000">
-              <a:off x="1176083" y="5641873"/>
-              <a:ext cx="108000" cy="1798840"/>
-            </a:xfrm>
-            <a:prstGeom prst="round2SameRect">
-              <a:avLst>
-                <a:gd name="adj1" fmla="val 19304"/>
-                <a:gd name="adj2" fmla="val 0"/>
-              </a:avLst>
-            </a:prstGeom>
-            <a:gradFill flip="none" rotWithShape="1">
-              <a:gsLst>
-                <a:gs pos="17000">
-                  <a:schemeClr val="bg1">
-                    <a:lumMod val="50000"/>
-                  </a:schemeClr>
-                </a:gs>
-                <a:gs pos="59000">
-                  <a:schemeClr val="bg1">
-                    <a:shade val="100000"/>
-                    <a:satMod val="115000"/>
-                  </a:schemeClr>
-                </a:gs>
-              </a:gsLst>
-              <a:lin ang="0" scaled="1"/>
-              <a:tileRect/>
-            </a:gradFill>
-            <a:ln w="19050">
-              <a:solidFill>
-                <a:schemeClr val="bg1">
-                  <a:lumMod val="50000"/>
-                </a:schemeClr>
-              </a:solidFill>
-            </a:ln>
-          </p:spPr>
-          <p:style>
-            <a:lnRef idx="2">
-              <a:schemeClr val="accent1">
-                <a:shade val="50000"/>
-              </a:schemeClr>
-            </a:lnRef>
-            <a:fillRef idx="1">
-              <a:schemeClr val="accent1"/>
-            </a:fillRef>
-            <a:effectRef idx="0">
-              <a:schemeClr val="accent1"/>
-            </a:effectRef>
-            <a:fontRef idx="minor">
-              <a:schemeClr val="lt1"/>
-            </a:fontRef>
-          </p:style>
-          <p:txBody>
-            <a:bodyPr rtlCol="0" anchor="ctr"/>
-            <a:lstStyle/>
-            <a:p>
-              <a:pPr algn="ctr"/>
-              <a:endParaRPr lang="ko-KR" altLang="en-US">
-                <a:solidFill>
-                  <a:prstClr val="white"/>
-                </a:solidFill>
-              </a:endParaRPr>
-            </a:p>
-          </p:txBody>
-        </p:sp>
-        <p:sp>
-          <p:nvSpPr>
-            <p:cNvPr id="85" name="양쪽 모서리가 둥근 사각형 84"/>
-            <p:cNvSpPr/>
-            <p:nvPr/>
-          </p:nvSpPr>
-          <p:spPr>
-            <a:xfrm rot="5400000" flipH="1">
-              <a:off x="10930593" y="5641871"/>
-              <a:ext cx="108000" cy="1798840"/>
-            </a:xfrm>
-            <a:prstGeom prst="round2SameRect">
-              <a:avLst>
-                <a:gd name="adj1" fmla="val 19304"/>
-                <a:gd name="adj2" fmla="val 0"/>
-              </a:avLst>
-            </a:prstGeom>
-            <a:gradFill flip="none" rotWithShape="1">
-              <a:gsLst>
-                <a:gs pos="17000">
-                  <a:schemeClr val="bg1">
-                    <a:lumMod val="50000"/>
-                  </a:schemeClr>
-                </a:gs>
-                <a:gs pos="59000">
-                  <a:schemeClr val="bg1">
-                    <a:shade val="100000"/>
-                    <a:satMod val="115000"/>
-                  </a:schemeClr>
-                </a:gs>
-              </a:gsLst>
-              <a:lin ang="0" scaled="1"/>
-              <a:tileRect/>
-            </a:gradFill>
-            <a:ln w="19050">
-              <a:solidFill>
-                <a:schemeClr val="bg1">
-                  <a:lumMod val="50000"/>
-                </a:schemeClr>
-              </a:solidFill>
-            </a:ln>
-          </p:spPr>
-          <p:style>
-            <a:lnRef idx="2">
-              <a:schemeClr val="accent1">
-                <a:shade val="50000"/>
-              </a:schemeClr>
-            </a:lnRef>
-            <a:fillRef idx="1">
-              <a:schemeClr val="accent1"/>
-            </a:fillRef>
-            <a:effectRef idx="0">
-              <a:schemeClr val="accent1"/>
-            </a:effectRef>
-            <a:fontRef idx="minor">
-              <a:schemeClr val="lt1"/>
-            </a:fontRef>
-          </p:style>
-          <p:txBody>
-            <a:bodyPr rtlCol="0" anchor="ctr"/>
-            <a:lstStyle/>
-            <a:p>
-              <a:pPr algn="ctr"/>
-              <a:endParaRPr lang="ko-KR" altLang="en-US">
-                <a:solidFill>
-                  <a:prstClr val="white"/>
-                </a:solidFill>
-              </a:endParaRPr>
-            </a:p>
-          </p:txBody>
-        </p:sp>
-        <p:sp>
-          <p:nvSpPr>
-            <p:cNvPr id="86" name="양쪽 모서리가 둥근 사각형 85"/>
-            <p:cNvSpPr/>
-            <p:nvPr/>
-          </p:nvSpPr>
-          <p:spPr>
-            <a:xfrm rot="16200000">
-              <a:off x="6053339" y="2563457"/>
-              <a:ext cx="108000" cy="7955668"/>
-            </a:xfrm>
-            <a:prstGeom prst="round2SameRect">
-              <a:avLst>
-                <a:gd name="adj1" fmla="val 0"/>
-                <a:gd name="adj2" fmla="val 0"/>
-              </a:avLst>
-            </a:prstGeom>
-            <a:gradFill flip="none" rotWithShape="1">
-              <a:gsLst>
-                <a:gs pos="17000">
-                  <a:schemeClr val="bg1">
-                    <a:lumMod val="50000"/>
-                  </a:schemeClr>
-                </a:gs>
-                <a:gs pos="59000">
-                  <a:schemeClr val="bg1">
-                    <a:shade val="100000"/>
-                    <a:satMod val="115000"/>
-                  </a:schemeClr>
-                </a:gs>
-              </a:gsLst>
-              <a:lin ang="0" scaled="1"/>
-              <a:tileRect/>
-            </a:gradFill>
-            <a:ln w="19050">
-              <a:solidFill>
-                <a:schemeClr val="bg1">
-                  <a:lumMod val="50000"/>
-                </a:schemeClr>
-              </a:solidFill>
-            </a:ln>
-          </p:spPr>
-          <p:style>
-            <a:lnRef idx="2">
-              <a:schemeClr val="accent1">
-                <a:shade val="50000"/>
-              </a:schemeClr>
-            </a:lnRef>
-            <a:fillRef idx="1">
-              <a:schemeClr val="accent1"/>
-            </a:fillRef>
-            <a:effectRef idx="0">
-              <a:schemeClr val="accent1"/>
-            </a:effectRef>
-            <a:fontRef idx="minor">
-              <a:schemeClr val="lt1"/>
-            </a:fontRef>
-          </p:style>
-          <p:txBody>
-            <a:bodyPr rtlCol="0" anchor="ctr"/>
-            <a:lstStyle/>
-            <a:p>
-              <a:pPr algn="ctr"/>
-              <a:endParaRPr lang="ko-KR" altLang="en-US">
-                <a:solidFill>
-                  <a:prstClr val="white"/>
-                </a:solidFill>
-              </a:endParaRPr>
-            </a:p>
-          </p:txBody>
-        </p:sp>
-        <p:sp>
-          <p:nvSpPr>
-            <p:cNvPr id="14" name="자유형 13"/>
-            <p:cNvSpPr/>
-            <p:nvPr/>
-          </p:nvSpPr>
-          <p:spPr>
-            <a:xfrm>
-              <a:off x="158507" y="6590451"/>
-              <a:ext cx="11897663" cy="267549"/>
-            </a:xfrm>
-            <a:custGeom>
-              <a:avLst/>
-              <a:gdLst>
-                <a:gd name="connsiteX0" fmla="*/ 195955 w 11897663"/>
-                <a:gd name="connsiteY0" fmla="*/ 0 h 267549"/>
-                <a:gd name="connsiteX1" fmla="*/ 11701708 w 11897663"/>
-                <a:gd name="connsiteY1" fmla="*/ 0 h 267549"/>
-                <a:gd name="connsiteX2" fmla="*/ 11897663 w 11897663"/>
-                <a:gd name="connsiteY2" fmla="*/ 267549 h 267549"/>
-                <a:gd name="connsiteX3" fmla="*/ 0 w 11897663"/>
-                <a:gd name="connsiteY3" fmla="*/ 267549 h 267549"/>
-              </a:gdLst>
-              <a:ahLst/>
-              <a:cxnLst>
-                <a:cxn ang="0">
-                  <a:pos x="connsiteX0" y="connsiteY0"/>
-                </a:cxn>
-                <a:cxn ang="0">
-                  <a:pos x="connsiteX1" y="connsiteY1"/>
-                </a:cxn>
-                <a:cxn ang="0">
-                  <a:pos x="connsiteX2" y="connsiteY2"/>
-                </a:cxn>
-                <a:cxn ang="0">
-                  <a:pos x="connsiteX3" y="connsiteY3"/>
-                </a:cxn>
-              </a:cxnLst>
-              <a:rect l="l" t="t" r="r" b="b"/>
-              <a:pathLst>
-                <a:path w="11897663" h="267549">
-                  <a:moveTo>
-                    <a:pt x="195955" y="0"/>
-                  </a:moveTo>
-                  <a:lnTo>
-                    <a:pt x="11701708" y="0"/>
-                  </a:lnTo>
-                  <a:lnTo>
-                    <a:pt x="11897663" y="267549"/>
-                  </a:lnTo>
-                  <a:lnTo>
-                    <a:pt x="0" y="267549"/>
-                  </a:lnTo>
-                  <a:close/>
-                </a:path>
-              </a:pathLst>
-            </a:custGeom>
-            <a:solidFill>
-              <a:schemeClr val="bg1"/>
-            </a:solidFill>
-            <a:ln w="19050">
-              <a:solidFill>
-                <a:schemeClr val="bg1">
-                  <a:lumMod val="50000"/>
-                </a:schemeClr>
-              </a:solidFill>
-            </a:ln>
-          </p:spPr>
-          <p:style>
-            <a:lnRef idx="2">
-              <a:schemeClr val="accent1">
-                <a:shade val="50000"/>
-              </a:schemeClr>
-            </a:lnRef>
-            <a:fillRef idx="1">
-              <a:schemeClr val="accent1"/>
-            </a:fillRef>
-            <a:effectRef idx="0">
-              <a:schemeClr val="accent1"/>
-            </a:effectRef>
-            <a:fontRef idx="minor">
-              <a:schemeClr val="lt1"/>
-            </a:fontRef>
-          </p:style>
-          <p:txBody>
-            <a:bodyPr wrap="square" rtlCol="0" anchor="ctr">
-              <a:noAutofit/>
-            </a:bodyPr>
-            <a:lstStyle/>
-            <a:p>
-              <a:pPr algn="ctr"/>
-              <a:endParaRPr lang="ko-KR" altLang="en-US">
-                <a:solidFill>
-                  <a:prstClr val="white"/>
-                </a:solidFill>
-              </a:endParaRPr>
-            </a:p>
-          </p:txBody>
-        </p:sp>
-        <p:sp>
-          <p:nvSpPr>
-            <p:cNvPr id="26" name="자유형 25"/>
-            <p:cNvSpPr/>
-            <p:nvPr/>
-          </p:nvSpPr>
-          <p:spPr>
-            <a:xfrm>
-              <a:off x="152400" y="6565900"/>
-              <a:ext cx="11750381" cy="292100"/>
-            </a:xfrm>
-            <a:custGeom>
-              <a:avLst/>
-              <a:gdLst>
-                <a:gd name="connsiteX0" fmla="*/ 177800 w 11722100"/>
-                <a:gd name="connsiteY0" fmla="*/ 0 h 292100"/>
-                <a:gd name="connsiteX1" fmla="*/ 0 w 11722100"/>
-                <a:gd name="connsiteY1" fmla="*/ 292100 h 292100"/>
-                <a:gd name="connsiteX2" fmla="*/ 11722100 w 11722100"/>
-                <a:gd name="connsiteY2" fmla="*/ 50800 h 292100"/>
-                <a:gd name="connsiteX3" fmla="*/ 177800 w 11722100"/>
-                <a:gd name="connsiteY3" fmla="*/ 0 h 292100"/>
-                <a:gd name="connsiteX0" fmla="*/ 206081 w 11722100"/>
-                <a:gd name="connsiteY0" fmla="*/ 0 h 292100"/>
-                <a:gd name="connsiteX1" fmla="*/ 0 w 11722100"/>
-                <a:gd name="connsiteY1" fmla="*/ 292100 h 292100"/>
-                <a:gd name="connsiteX2" fmla="*/ 11722100 w 11722100"/>
-                <a:gd name="connsiteY2" fmla="*/ 50800 h 292100"/>
-                <a:gd name="connsiteX3" fmla="*/ 206081 w 11722100"/>
-                <a:gd name="connsiteY3" fmla="*/ 0 h 292100"/>
-                <a:gd name="connsiteX0" fmla="*/ 206081 w 11750381"/>
-                <a:gd name="connsiteY0" fmla="*/ 0 h 292100"/>
-                <a:gd name="connsiteX1" fmla="*/ 0 w 11750381"/>
-                <a:gd name="connsiteY1" fmla="*/ 292100 h 292100"/>
-                <a:gd name="connsiteX2" fmla="*/ 11750381 w 11750381"/>
-                <a:gd name="connsiteY2" fmla="*/ 31947 h 292100"/>
-                <a:gd name="connsiteX3" fmla="*/ 206081 w 11750381"/>
-                <a:gd name="connsiteY3" fmla="*/ 0 h 292100"/>
-              </a:gdLst>
-              <a:ahLst/>
-              <a:cxnLst>
-                <a:cxn ang="0">
-                  <a:pos x="connsiteX0" y="connsiteY0"/>
-                </a:cxn>
-                <a:cxn ang="0">
-                  <a:pos x="connsiteX1" y="connsiteY1"/>
-                </a:cxn>
-                <a:cxn ang="0">
-                  <a:pos x="connsiteX2" y="connsiteY2"/>
-                </a:cxn>
-                <a:cxn ang="0">
-                  <a:pos x="connsiteX3" y="connsiteY3"/>
-                </a:cxn>
-              </a:cxnLst>
-              <a:rect l="l" t="t" r="r" b="b"/>
-              <a:pathLst>
-                <a:path w="11750381" h="292100">
-                  <a:moveTo>
-                    <a:pt x="206081" y="0"/>
-                  </a:moveTo>
-                  <a:lnTo>
-                    <a:pt x="0" y="292100"/>
-                  </a:lnTo>
-                  <a:lnTo>
-                    <a:pt x="11750381" y="31947"/>
-                  </a:lnTo>
-                  <a:lnTo>
-                    <a:pt x="206081" y="0"/>
-                  </a:lnTo>
-                  <a:close/>
-                </a:path>
-              </a:pathLst>
-            </a:custGeom>
-            <a:solidFill>
-              <a:schemeClr val="tx1">
-                <a:alpha val="13000"/>
-              </a:schemeClr>
-            </a:solidFill>
-            <a:ln>
-              <a:noFill/>
-            </a:ln>
-          </p:spPr>
-          <p:style>
-            <a:lnRef idx="2">
-              <a:schemeClr val="accent1">
-                <a:shade val="50000"/>
-              </a:schemeClr>
-            </a:lnRef>
-            <a:fillRef idx="1">
-              <a:schemeClr val="accent1"/>
-            </a:fillRef>
-            <a:effectRef idx="0">
-              <a:schemeClr val="accent1"/>
-            </a:effectRef>
-            <a:fontRef idx="minor">
-              <a:schemeClr val="lt1"/>
-            </a:fontRef>
-          </p:style>
-          <p:txBody>
-            <a:bodyPr rtlCol="0" anchor="ctr"/>
-            <a:lstStyle/>
-            <a:p>
-              <a:pPr algn="ctr"/>
-              <a:endParaRPr lang="ko-KR" altLang="en-US"/>
-            </a:p>
-          </p:txBody>
-        </p:sp>
-        <p:sp>
-          <p:nvSpPr>
-            <p:cNvPr id="15" name="모서리가 둥근 직사각형 14"/>
-            <p:cNvSpPr/>
-            <p:nvPr/>
-          </p:nvSpPr>
-          <p:spPr>
-            <a:xfrm>
-              <a:off x="524266" y="6670585"/>
-              <a:ext cx="597524" cy="64121"/>
-            </a:xfrm>
-            <a:prstGeom prst="roundRect">
-              <a:avLst>
-                <a:gd name="adj" fmla="val 50000"/>
-              </a:avLst>
-            </a:prstGeom>
-            <a:solidFill>
-              <a:srgbClr val="00B0F0"/>
-            </a:solidFill>
-            <a:ln>
-              <a:solidFill>
-                <a:schemeClr val="bg1">
-                  <a:lumMod val="50000"/>
-                </a:schemeClr>
-              </a:solidFill>
-            </a:ln>
-          </p:spPr>
-          <p:style>
-            <a:lnRef idx="2">
-              <a:schemeClr val="accent1">
-                <a:shade val="50000"/>
-              </a:schemeClr>
-            </a:lnRef>
-            <a:fillRef idx="1">
-              <a:schemeClr val="accent1"/>
-            </a:fillRef>
-            <a:effectRef idx="0">
-              <a:schemeClr val="accent1"/>
-            </a:effectRef>
-            <a:fontRef idx="minor">
-              <a:schemeClr val="lt1"/>
-            </a:fontRef>
-          </p:style>
-          <p:txBody>
-            <a:bodyPr rtlCol="0" anchor="ctr"/>
-            <a:lstStyle/>
-            <a:p>
-              <a:pPr algn="ctr"/>
-              <a:endParaRPr lang="ko-KR" altLang="en-US"/>
-            </a:p>
-          </p:txBody>
-        </p:sp>
-      </p:grpSp>
-      <p:sp>
-        <p:nvSpPr>
-          <p:cNvPr id="82" name="직사각형 81"/>
-          <p:cNvSpPr/>
-          <p:nvPr/>
-        </p:nvSpPr>
-        <p:spPr>
-          <a:xfrm>
-            <a:off x="3353610" y="228600"/>
-            <a:ext cx="5484781" cy="655372"/>
-          </a:xfrm>
-          <a:prstGeom prst="rect">
-            <a:avLst/>
-          </a:prstGeom>
-        </p:spPr>
-        <p:txBody>
-          <a:bodyPr wrap="square">
-            <a:spAutoFit/>
-          </a:bodyPr>
-          <a:lstStyle/>
-          <a:p>
-            <a:pPr algn="ctr">
-              <a:lnSpc>
-                <a:spcPct val="150000"/>
-              </a:lnSpc>
-            </a:pPr>
-            <a:r>
-              <a:rPr lang="ko-KR" altLang="en-US" sz="2000" i="1" dirty="0">
-                <a:solidFill>
-                  <a:schemeClr val="bg1">
-                    <a:lumMod val="50000"/>
-                  </a:schemeClr>
-                </a:solidFill>
-              </a:rPr>
-              <a:t>개요 </a:t>
-            </a:r>
-            <a:r>
-              <a:rPr lang="en-US" altLang="ko-KR" sz="2800" b="1" i="1" dirty="0">
-                <a:solidFill>
-                  <a:schemeClr val="bg1">
-                    <a:lumMod val="50000"/>
-                  </a:schemeClr>
-                </a:solidFill>
-              </a:rPr>
-              <a:t>Outline</a:t>
-            </a:r>
-          </a:p>
-        </p:txBody>
-      </p:sp>
-    </p:spTree>
-    <p:extLst>
-      <p:ext uri="{BB962C8B-B14F-4D97-AF65-F5344CB8AC3E}">
-        <p14:creationId xmlns:p14="http://schemas.microsoft.com/office/powerpoint/2010/main" val="3430841117"/>
-      </p:ext>
-    </p:extLst>
-  </p:cSld>
-  <p:clrMapOvr>
-    <a:masterClrMapping/>
-  </p:clrMapOvr>
-</p:sld>
-</file>
-
-<file path=ppt/slides/slide30.xml><?xml version="1.0" encoding="utf-8"?>
+<file path=ppt/slides/slide35.xml><?xml version="1.0" encoding="utf-8"?>
 <p:sld xmlns:a="http://schemas.openxmlformats.org/drawingml/2006/main" xmlns:r="http://schemas.openxmlformats.org/officeDocument/2006/relationships" xmlns:p="http://schemas.openxmlformats.org/presentationml/2006/main">
   <p:cSld>
     <p:spTree>
@@ -39146,7 +42732,7 @@
 </p:sld>
 </file>
 
-<file path=ppt/slides/slide31.xml><?xml version="1.0" encoding="utf-8"?>
+<file path=ppt/slides/slide36.xml><?xml version="1.0" encoding="utf-8"?>
 <p:sld xmlns:a="http://schemas.openxmlformats.org/drawingml/2006/main" xmlns:r="http://schemas.openxmlformats.org/officeDocument/2006/relationships" xmlns:p="http://schemas.openxmlformats.org/presentationml/2006/main">
   <p:cSld>
     <p:bg>
@@ -39935,7 +43521,7 @@
 </p:sld>
 </file>
 
-<file path=ppt/slides/slide32.xml><?xml version="1.0" encoding="utf-8"?>
+<file path=ppt/slides/slide37.xml><?xml version="1.0" encoding="utf-8"?>
 <p:sld xmlns:a="http://schemas.openxmlformats.org/drawingml/2006/main" xmlns:r="http://schemas.openxmlformats.org/officeDocument/2006/relationships" xmlns:p="http://schemas.openxmlformats.org/presentationml/2006/main">
   <p:cSld>
     <p:spTree>
@@ -40684,7 +44270,7 @@
 </p:sld>
 </file>
 
-<file path=ppt/slides/slide33.xml><?xml version="1.0" encoding="utf-8"?>
+<file path=ppt/slides/slide38.xml><?xml version="1.0" encoding="utf-8"?>
 <p:sld xmlns:a="http://schemas.openxmlformats.org/drawingml/2006/main" xmlns:r="http://schemas.openxmlformats.org/officeDocument/2006/relationships" xmlns:p="http://schemas.openxmlformats.org/presentationml/2006/main">
   <p:cSld>
     <p:spTree>
@@ -41694,7 +45280,7 @@
 </p:sld>
 </file>
 
-<file path=ppt/slides/slide34.xml><?xml version="1.0" encoding="utf-8"?>
+<file path=ppt/slides/slide39.xml><?xml version="1.0" encoding="utf-8"?>
 <p:sld xmlns:a="http://schemas.openxmlformats.org/drawingml/2006/main" xmlns:r="http://schemas.openxmlformats.org/officeDocument/2006/relationships" xmlns:p="http://schemas.openxmlformats.org/presentationml/2006/main">
   <p:cSld>
     <p:bg>
@@ -42483,7 +46069,735 @@
 </p:sld>
 </file>
 
-<file path=ppt/slides/slide35.xml><?xml version="1.0" encoding="utf-8"?>
+<file path=ppt/slides/slide4.xml><?xml version="1.0" encoding="utf-8"?>
+<p:sld xmlns:a="http://schemas.openxmlformats.org/drawingml/2006/main" xmlns:r="http://schemas.openxmlformats.org/officeDocument/2006/relationships" xmlns:p="http://schemas.openxmlformats.org/presentationml/2006/main">
+  <p:cSld>
+    <p:spTree>
+      <p:nvGrpSpPr>
+        <p:cNvPr id="1" name=""/>
+        <p:cNvGrpSpPr/>
+        <p:nvPr/>
+      </p:nvGrpSpPr>
+      <p:grpSpPr>
+        <a:xfrm>
+          <a:off x="0" y="0"/>
+          <a:ext cx="0" cy="0"/>
+          <a:chOff x="0" y="0"/>
+          <a:chExt cx="0" cy="0"/>
+        </a:xfrm>
+      </p:grpSpPr>
+      <p:grpSp>
+        <p:nvGrpSpPr>
+          <p:cNvPr id="4" name="그룹 3"/>
+          <p:cNvGrpSpPr/>
+          <p:nvPr/>
+        </p:nvGrpSpPr>
+        <p:grpSpPr>
+          <a:xfrm>
+            <a:off x="152400" y="83680"/>
+            <a:ext cx="11903770" cy="6774320"/>
+            <a:chOff x="152400" y="83680"/>
+            <a:chExt cx="11903770" cy="6774320"/>
+          </a:xfrm>
+        </p:grpSpPr>
+        <p:sp>
+          <p:nvSpPr>
+            <p:cNvPr id="68" name="양쪽 모서리가 둥근 사각형 67"/>
+            <p:cNvSpPr/>
+            <p:nvPr/>
+          </p:nvSpPr>
+          <p:spPr>
+            <a:xfrm>
+              <a:off x="338203" y="83680"/>
+              <a:ext cx="11548997" cy="6482219"/>
+            </a:xfrm>
+            <a:prstGeom prst="round2SameRect">
+              <a:avLst>
+                <a:gd name="adj1" fmla="val 4566"/>
+                <a:gd name="adj2" fmla="val 0"/>
+              </a:avLst>
+            </a:prstGeom>
+            <a:pattFill prst="ltDnDiag">
+              <a:fgClr>
+                <a:schemeClr val="bg1">
+                  <a:lumMod val="75000"/>
+                </a:schemeClr>
+              </a:fgClr>
+              <a:bgClr>
+                <a:schemeClr val="bg1">
+                  <a:lumMod val="95000"/>
+                </a:schemeClr>
+              </a:bgClr>
+            </a:pattFill>
+            <a:ln w="28575">
+              <a:solidFill>
+                <a:schemeClr val="bg1">
+                  <a:lumMod val="50000"/>
+                </a:schemeClr>
+              </a:solidFill>
+            </a:ln>
+          </p:spPr>
+          <p:style>
+            <a:lnRef idx="2">
+              <a:schemeClr val="accent1">
+                <a:shade val="50000"/>
+              </a:schemeClr>
+            </a:lnRef>
+            <a:fillRef idx="1">
+              <a:schemeClr val="accent1"/>
+            </a:fillRef>
+            <a:effectRef idx="0">
+              <a:schemeClr val="accent1"/>
+            </a:effectRef>
+            <a:fontRef idx="minor">
+              <a:schemeClr val="lt1"/>
+            </a:fontRef>
+          </p:style>
+          <p:txBody>
+            <a:bodyPr rtlCol="0" anchor="ctr"/>
+            <a:lstStyle/>
+            <a:p>
+              <a:pPr algn="ctr"/>
+              <a:endParaRPr lang="ko-KR" altLang="en-US"/>
+            </a:p>
+          </p:txBody>
+        </p:sp>
+        <p:sp>
+          <p:nvSpPr>
+            <p:cNvPr id="69" name="양쪽 모서리가 둥근 사각형 68"/>
+            <p:cNvSpPr/>
+            <p:nvPr/>
+          </p:nvSpPr>
+          <p:spPr>
+            <a:xfrm>
+              <a:off x="524266" y="241300"/>
+              <a:ext cx="11176871" cy="6133424"/>
+            </a:xfrm>
+            <a:prstGeom prst="round2SameRect">
+              <a:avLst>
+                <a:gd name="adj1" fmla="val 3284"/>
+                <a:gd name="adj2" fmla="val 0"/>
+              </a:avLst>
+            </a:prstGeom>
+            <a:solidFill>
+              <a:schemeClr val="bg1"/>
+            </a:solidFill>
+            <a:ln w="19050">
+              <a:solidFill>
+                <a:schemeClr val="bg1">
+                  <a:lumMod val="50000"/>
+                </a:schemeClr>
+              </a:solidFill>
+            </a:ln>
+          </p:spPr>
+          <p:style>
+            <a:lnRef idx="2">
+              <a:schemeClr val="accent1">
+                <a:shade val="50000"/>
+              </a:schemeClr>
+            </a:lnRef>
+            <a:fillRef idx="1">
+              <a:schemeClr val="accent1"/>
+            </a:fillRef>
+            <a:effectRef idx="0">
+              <a:schemeClr val="accent1"/>
+            </a:effectRef>
+            <a:fontRef idx="minor">
+              <a:schemeClr val="lt1"/>
+            </a:fontRef>
+          </p:style>
+          <p:txBody>
+            <a:bodyPr rtlCol="0" anchor="ctr"/>
+            <a:lstStyle/>
+            <a:p>
+              <a:pPr algn="ctr"/>
+              <a:endParaRPr lang="ko-KR" altLang="en-US"/>
+            </a:p>
+          </p:txBody>
+        </p:sp>
+        <p:sp>
+          <p:nvSpPr>
+            <p:cNvPr id="84" name="양쪽 모서리가 둥근 사각형 83"/>
+            <p:cNvSpPr/>
+            <p:nvPr/>
+          </p:nvSpPr>
+          <p:spPr>
+            <a:xfrm rot="16200000">
+              <a:off x="1176083" y="5641873"/>
+              <a:ext cx="108000" cy="1798840"/>
+            </a:xfrm>
+            <a:prstGeom prst="round2SameRect">
+              <a:avLst>
+                <a:gd name="adj1" fmla="val 19304"/>
+                <a:gd name="adj2" fmla="val 0"/>
+              </a:avLst>
+            </a:prstGeom>
+            <a:gradFill flip="none" rotWithShape="1">
+              <a:gsLst>
+                <a:gs pos="17000">
+                  <a:schemeClr val="bg1">
+                    <a:lumMod val="50000"/>
+                  </a:schemeClr>
+                </a:gs>
+                <a:gs pos="59000">
+                  <a:schemeClr val="bg1">
+                    <a:shade val="100000"/>
+                    <a:satMod val="115000"/>
+                  </a:schemeClr>
+                </a:gs>
+              </a:gsLst>
+              <a:lin ang="0" scaled="1"/>
+              <a:tileRect/>
+            </a:gradFill>
+            <a:ln w="19050">
+              <a:solidFill>
+                <a:schemeClr val="bg1">
+                  <a:lumMod val="50000"/>
+                </a:schemeClr>
+              </a:solidFill>
+            </a:ln>
+          </p:spPr>
+          <p:style>
+            <a:lnRef idx="2">
+              <a:schemeClr val="accent1">
+                <a:shade val="50000"/>
+              </a:schemeClr>
+            </a:lnRef>
+            <a:fillRef idx="1">
+              <a:schemeClr val="accent1"/>
+            </a:fillRef>
+            <a:effectRef idx="0">
+              <a:schemeClr val="accent1"/>
+            </a:effectRef>
+            <a:fontRef idx="minor">
+              <a:schemeClr val="lt1"/>
+            </a:fontRef>
+          </p:style>
+          <p:txBody>
+            <a:bodyPr rtlCol="0" anchor="ctr"/>
+            <a:lstStyle/>
+            <a:p>
+              <a:pPr algn="ctr"/>
+              <a:endParaRPr lang="ko-KR" altLang="en-US">
+                <a:solidFill>
+                  <a:prstClr val="white"/>
+                </a:solidFill>
+              </a:endParaRPr>
+            </a:p>
+          </p:txBody>
+        </p:sp>
+        <p:sp>
+          <p:nvSpPr>
+            <p:cNvPr id="85" name="양쪽 모서리가 둥근 사각형 84"/>
+            <p:cNvSpPr/>
+            <p:nvPr/>
+          </p:nvSpPr>
+          <p:spPr>
+            <a:xfrm rot="5400000" flipH="1">
+              <a:off x="10930593" y="5641871"/>
+              <a:ext cx="108000" cy="1798840"/>
+            </a:xfrm>
+            <a:prstGeom prst="round2SameRect">
+              <a:avLst>
+                <a:gd name="adj1" fmla="val 19304"/>
+                <a:gd name="adj2" fmla="val 0"/>
+              </a:avLst>
+            </a:prstGeom>
+            <a:gradFill flip="none" rotWithShape="1">
+              <a:gsLst>
+                <a:gs pos="17000">
+                  <a:schemeClr val="bg1">
+                    <a:lumMod val="50000"/>
+                  </a:schemeClr>
+                </a:gs>
+                <a:gs pos="59000">
+                  <a:schemeClr val="bg1">
+                    <a:shade val="100000"/>
+                    <a:satMod val="115000"/>
+                  </a:schemeClr>
+                </a:gs>
+              </a:gsLst>
+              <a:lin ang="0" scaled="1"/>
+              <a:tileRect/>
+            </a:gradFill>
+            <a:ln w="19050">
+              <a:solidFill>
+                <a:schemeClr val="bg1">
+                  <a:lumMod val="50000"/>
+                </a:schemeClr>
+              </a:solidFill>
+            </a:ln>
+          </p:spPr>
+          <p:style>
+            <a:lnRef idx="2">
+              <a:schemeClr val="accent1">
+                <a:shade val="50000"/>
+              </a:schemeClr>
+            </a:lnRef>
+            <a:fillRef idx="1">
+              <a:schemeClr val="accent1"/>
+            </a:fillRef>
+            <a:effectRef idx="0">
+              <a:schemeClr val="accent1"/>
+            </a:effectRef>
+            <a:fontRef idx="minor">
+              <a:schemeClr val="lt1"/>
+            </a:fontRef>
+          </p:style>
+          <p:txBody>
+            <a:bodyPr rtlCol="0" anchor="ctr"/>
+            <a:lstStyle/>
+            <a:p>
+              <a:pPr algn="ctr"/>
+              <a:endParaRPr lang="ko-KR" altLang="en-US">
+                <a:solidFill>
+                  <a:prstClr val="white"/>
+                </a:solidFill>
+              </a:endParaRPr>
+            </a:p>
+          </p:txBody>
+        </p:sp>
+        <p:sp>
+          <p:nvSpPr>
+            <p:cNvPr id="86" name="양쪽 모서리가 둥근 사각형 85"/>
+            <p:cNvSpPr/>
+            <p:nvPr/>
+          </p:nvSpPr>
+          <p:spPr>
+            <a:xfrm rot="16200000">
+              <a:off x="6053339" y="2563457"/>
+              <a:ext cx="108000" cy="7955668"/>
+            </a:xfrm>
+            <a:prstGeom prst="round2SameRect">
+              <a:avLst>
+                <a:gd name="adj1" fmla="val 0"/>
+                <a:gd name="adj2" fmla="val 0"/>
+              </a:avLst>
+            </a:prstGeom>
+            <a:gradFill flip="none" rotWithShape="1">
+              <a:gsLst>
+                <a:gs pos="17000">
+                  <a:schemeClr val="bg1">
+                    <a:lumMod val="50000"/>
+                  </a:schemeClr>
+                </a:gs>
+                <a:gs pos="59000">
+                  <a:schemeClr val="bg1">
+                    <a:shade val="100000"/>
+                    <a:satMod val="115000"/>
+                  </a:schemeClr>
+                </a:gs>
+              </a:gsLst>
+              <a:lin ang="0" scaled="1"/>
+              <a:tileRect/>
+            </a:gradFill>
+            <a:ln w="19050">
+              <a:solidFill>
+                <a:schemeClr val="bg1">
+                  <a:lumMod val="50000"/>
+                </a:schemeClr>
+              </a:solidFill>
+            </a:ln>
+          </p:spPr>
+          <p:style>
+            <a:lnRef idx="2">
+              <a:schemeClr val="accent1">
+                <a:shade val="50000"/>
+              </a:schemeClr>
+            </a:lnRef>
+            <a:fillRef idx="1">
+              <a:schemeClr val="accent1"/>
+            </a:fillRef>
+            <a:effectRef idx="0">
+              <a:schemeClr val="accent1"/>
+            </a:effectRef>
+            <a:fontRef idx="minor">
+              <a:schemeClr val="lt1"/>
+            </a:fontRef>
+          </p:style>
+          <p:txBody>
+            <a:bodyPr rtlCol="0" anchor="ctr"/>
+            <a:lstStyle/>
+            <a:p>
+              <a:pPr algn="ctr"/>
+              <a:endParaRPr lang="ko-KR" altLang="en-US">
+                <a:solidFill>
+                  <a:prstClr val="white"/>
+                </a:solidFill>
+              </a:endParaRPr>
+            </a:p>
+          </p:txBody>
+        </p:sp>
+        <p:sp>
+          <p:nvSpPr>
+            <p:cNvPr id="14" name="자유형 13"/>
+            <p:cNvSpPr/>
+            <p:nvPr/>
+          </p:nvSpPr>
+          <p:spPr>
+            <a:xfrm>
+              <a:off x="158507" y="6590451"/>
+              <a:ext cx="11897663" cy="267549"/>
+            </a:xfrm>
+            <a:custGeom>
+              <a:avLst/>
+              <a:gdLst>
+                <a:gd name="connsiteX0" fmla="*/ 195955 w 11897663"/>
+                <a:gd name="connsiteY0" fmla="*/ 0 h 267549"/>
+                <a:gd name="connsiteX1" fmla="*/ 11701708 w 11897663"/>
+                <a:gd name="connsiteY1" fmla="*/ 0 h 267549"/>
+                <a:gd name="connsiteX2" fmla="*/ 11897663 w 11897663"/>
+                <a:gd name="connsiteY2" fmla="*/ 267549 h 267549"/>
+                <a:gd name="connsiteX3" fmla="*/ 0 w 11897663"/>
+                <a:gd name="connsiteY3" fmla="*/ 267549 h 267549"/>
+              </a:gdLst>
+              <a:ahLst/>
+              <a:cxnLst>
+                <a:cxn ang="0">
+                  <a:pos x="connsiteX0" y="connsiteY0"/>
+                </a:cxn>
+                <a:cxn ang="0">
+                  <a:pos x="connsiteX1" y="connsiteY1"/>
+                </a:cxn>
+                <a:cxn ang="0">
+                  <a:pos x="connsiteX2" y="connsiteY2"/>
+                </a:cxn>
+                <a:cxn ang="0">
+                  <a:pos x="connsiteX3" y="connsiteY3"/>
+                </a:cxn>
+              </a:cxnLst>
+              <a:rect l="l" t="t" r="r" b="b"/>
+              <a:pathLst>
+                <a:path w="11897663" h="267549">
+                  <a:moveTo>
+                    <a:pt x="195955" y="0"/>
+                  </a:moveTo>
+                  <a:lnTo>
+                    <a:pt x="11701708" y="0"/>
+                  </a:lnTo>
+                  <a:lnTo>
+                    <a:pt x="11897663" y="267549"/>
+                  </a:lnTo>
+                  <a:lnTo>
+                    <a:pt x="0" y="267549"/>
+                  </a:lnTo>
+                  <a:close/>
+                </a:path>
+              </a:pathLst>
+            </a:custGeom>
+            <a:solidFill>
+              <a:schemeClr val="bg1"/>
+            </a:solidFill>
+            <a:ln w="19050">
+              <a:solidFill>
+                <a:schemeClr val="bg1">
+                  <a:lumMod val="50000"/>
+                </a:schemeClr>
+              </a:solidFill>
+            </a:ln>
+          </p:spPr>
+          <p:style>
+            <a:lnRef idx="2">
+              <a:schemeClr val="accent1">
+                <a:shade val="50000"/>
+              </a:schemeClr>
+            </a:lnRef>
+            <a:fillRef idx="1">
+              <a:schemeClr val="accent1"/>
+            </a:fillRef>
+            <a:effectRef idx="0">
+              <a:schemeClr val="accent1"/>
+            </a:effectRef>
+            <a:fontRef idx="minor">
+              <a:schemeClr val="lt1"/>
+            </a:fontRef>
+          </p:style>
+          <p:txBody>
+            <a:bodyPr wrap="square" rtlCol="0" anchor="ctr">
+              <a:noAutofit/>
+            </a:bodyPr>
+            <a:lstStyle/>
+            <a:p>
+              <a:pPr algn="ctr"/>
+              <a:endParaRPr lang="ko-KR" altLang="en-US">
+                <a:solidFill>
+                  <a:prstClr val="white"/>
+                </a:solidFill>
+              </a:endParaRPr>
+            </a:p>
+          </p:txBody>
+        </p:sp>
+        <p:sp>
+          <p:nvSpPr>
+            <p:cNvPr id="26" name="자유형 25"/>
+            <p:cNvSpPr/>
+            <p:nvPr/>
+          </p:nvSpPr>
+          <p:spPr>
+            <a:xfrm>
+              <a:off x="152400" y="6565900"/>
+              <a:ext cx="11750381" cy="292100"/>
+            </a:xfrm>
+            <a:custGeom>
+              <a:avLst/>
+              <a:gdLst>
+                <a:gd name="connsiteX0" fmla="*/ 177800 w 11722100"/>
+                <a:gd name="connsiteY0" fmla="*/ 0 h 292100"/>
+                <a:gd name="connsiteX1" fmla="*/ 0 w 11722100"/>
+                <a:gd name="connsiteY1" fmla="*/ 292100 h 292100"/>
+                <a:gd name="connsiteX2" fmla="*/ 11722100 w 11722100"/>
+                <a:gd name="connsiteY2" fmla="*/ 50800 h 292100"/>
+                <a:gd name="connsiteX3" fmla="*/ 177800 w 11722100"/>
+                <a:gd name="connsiteY3" fmla="*/ 0 h 292100"/>
+                <a:gd name="connsiteX0" fmla="*/ 206081 w 11722100"/>
+                <a:gd name="connsiteY0" fmla="*/ 0 h 292100"/>
+                <a:gd name="connsiteX1" fmla="*/ 0 w 11722100"/>
+                <a:gd name="connsiteY1" fmla="*/ 292100 h 292100"/>
+                <a:gd name="connsiteX2" fmla="*/ 11722100 w 11722100"/>
+                <a:gd name="connsiteY2" fmla="*/ 50800 h 292100"/>
+                <a:gd name="connsiteX3" fmla="*/ 206081 w 11722100"/>
+                <a:gd name="connsiteY3" fmla="*/ 0 h 292100"/>
+                <a:gd name="connsiteX0" fmla="*/ 206081 w 11750381"/>
+                <a:gd name="connsiteY0" fmla="*/ 0 h 292100"/>
+                <a:gd name="connsiteX1" fmla="*/ 0 w 11750381"/>
+                <a:gd name="connsiteY1" fmla="*/ 292100 h 292100"/>
+                <a:gd name="connsiteX2" fmla="*/ 11750381 w 11750381"/>
+                <a:gd name="connsiteY2" fmla="*/ 31947 h 292100"/>
+                <a:gd name="connsiteX3" fmla="*/ 206081 w 11750381"/>
+                <a:gd name="connsiteY3" fmla="*/ 0 h 292100"/>
+              </a:gdLst>
+              <a:ahLst/>
+              <a:cxnLst>
+                <a:cxn ang="0">
+                  <a:pos x="connsiteX0" y="connsiteY0"/>
+                </a:cxn>
+                <a:cxn ang="0">
+                  <a:pos x="connsiteX1" y="connsiteY1"/>
+                </a:cxn>
+                <a:cxn ang="0">
+                  <a:pos x="connsiteX2" y="connsiteY2"/>
+                </a:cxn>
+                <a:cxn ang="0">
+                  <a:pos x="connsiteX3" y="connsiteY3"/>
+                </a:cxn>
+              </a:cxnLst>
+              <a:rect l="l" t="t" r="r" b="b"/>
+              <a:pathLst>
+                <a:path w="11750381" h="292100">
+                  <a:moveTo>
+                    <a:pt x="206081" y="0"/>
+                  </a:moveTo>
+                  <a:lnTo>
+                    <a:pt x="0" y="292100"/>
+                  </a:lnTo>
+                  <a:lnTo>
+                    <a:pt x="11750381" y="31947"/>
+                  </a:lnTo>
+                  <a:lnTo>
+                    <a:pt x="206081" y="0"/>
+                  </a:lnTo>
+                  <a:close/>
+                </a:path>
+              </a:pathLst>
+            </a:custGeom>
+            <a:solidFill>
+              <a:schemeClr val="tx1">
+                <a:alpha val="13000"/>
+              </a:schemeClr>
+            </a:solidFill>
+            <a:ln>
+              <a:noFill/>
+            </a:ln>
+          </p:spPr>
+          <p:style>
+            <a:lnRef idx="2">
+              <a:schemeClr val="accent1">
+                <a:shade val="50000"/>
+              </a:schemeClr>
+            </a:lnRef>
+            <a:fillRef idx="1">
+              <a:schemeClr val="accent1"/>
+            </a:fillRef>
+            <a:effectRef idx="0">
+              <a:schemeClr val="accent1"/>
+            </a:effectRef>
+            <a:fontRef idx="minor">
+              <a:schemeClr val="lt1"/>
+            </a:fontRef>
+          </p:style>
+          <p:txBody>
+            <a:bodyPr rtlCol="0" anchor="ctr"/>
+            <a:lstStyle/>
+            <a:p>
+              <a:pPr algn="ctr"/>
+              <a:endParaRPr lang="ko-KR" altLang="en-US"/>
+            </a:p>
+          </p:txBody>
+        </p:sp>
+        <p:sp>
+          <p:nvSpPr>
+            <p:cNvPr id="15" name="모서리가 둥근 직사각형 14"/>
+            <p:cNvSpPr/>
+            <p:nvPr/>
+          </p:nvSpPr>
+          <p:spPr>
+            <a:xfrm>
+              <a:off x="524266" y="6670585"/>
+              <a:ext cx="597524" cy="64121"/>
+            </a:xfrm>
+            <a:prstGeom prst="roundRect">
+              <a:avLst>
+                <a:gd name="adj" fmla="val 50000"/>
+              </a:avLst>
+            </a:prstGeom>
+            <a:solidFill>
+              <a:srgbClr val="00B0F0"/>
+            </a:solidFill>
+            <a:ln>
+              <a:solidFill>
+                <a:schemeClr val="bg1">
+                  <a:lumMod val="50000"/>
+                </a:schemeClr>
+              </a:solidFill>
+            </a:ln>
+          </p:spPr>
+          <p:style>
+            <a:lnRef idx="2">
+              <a:schemeClr val="accent1">
+                <a:shade val="50000"/>
+              </a:schemeClr>
+            </a:lnRef>
+            <a:fillRef idx="1">
+              <a:schemeClr val="accent1"/>
+            </a:fillRef>
+            <a:effectRef idx="0">
+              <a:schemeClr val="accent1"/>
+            </a:effectRef>
+            <a:fontRef idx="minor">
+              <a:schemeClr val="lt1"/>
+            </a:fontRef>
+          </p:style>
+          <p:txBody>
+            <a:bodyPr rtlCol="0" anchor="ctr"/>
+            <a:lstStyle/>
+            <a:p>
+              <a:pPr algn="ctr"/>
+              <a:endParaRPr lang="ko-KR" altLang="en-US"/>
+            </a:p>
+          </p:txBody>
+        </p:sp>
+      </p:grpSp>
+      <p:sp>
+        <p:nvSpPr>
+          <p:cNvPr id="82" name="직사각형 81"/>
+          <p:cNvSpPr/>
+          <p:nvPr/>
+        </p:nvSpPr>
+        <p:spPr>
+          <a:xfrm>
+            <a:off x="1574577" y="1824378"/>
+            <a:ext cx="8906026" cy="2822311"/>
+          </a:xfrm>
+          <a:prstGeom prst="rect">
+            <a:avLst/>
+          </a:prstGeom>
+        </p:spPr>
+        <p:txBody>
+          <a:bodyPr wrap="square">
+            <a:spAutoFit/>
+          </a:bodyPr>
+          <a:lstStyle/>
+          <a:p>
+            <a:pPr algn="ctr">
+              <a:lnSpc>
+                <a:spcPct val="150000"/>
+              </a:lnSpc>
+            </a:pPr>
+            <a:r>
+              <a:rPr lang="en-US" altLang="ko-KR" sz="6600" b="1" i="1" dirty="0">
+                <a:solidFill>
+                  <a:schemeClr val="bg2">
+                    <a:lumMod val="25000"/>
+                  </a:schemeClr>
+                </a:solidFill>
+                <a:latin typeface="Broadway" panose="04040905080B02020502" pitchFamily="82" charset="0"/>
+              </a:rPr>
+              <a:t>02. </a:t>
+            </a:r>
+            <a:r>
+              <a:rPr lang="ko-KR" altLang="en-US" sz="4400" i="1" dirty="0">
+                <a:solidFill>
+                  <a:schemeClr val="bg2">
+                    <a:lumMod val="25000"/>
+                  </a:schemeClr>
+                </a:solidFill>
+              </a:rPr>
+              <a:t>요구사항정의서</a:t>
+            </a:r>
+            <a:r>
+              <a:rPr lang="ko-KR" altLang="en-US" sz="4000" i="1" dirty="0">
+                <a:solidFill>
+                  <a:schemeClr val="bg2">
+                    <a:lumMod val="25000"/>
+                  </a:schemeClr>
+                </a:solidFill>
+              </a:rPr>
+              <a:t> </a:t>
+            </a:r>
+            <a:r>
+              <a:rPr lang="en-US" altLang="ko-KR" sz="6000" b="1" i="1" dirty="0">
+                <a:solidFill>
+                  <a:schemeClr val="bg2">
+                    <a:lumMod val="25000"/>
+                  </a:schemeClr>
+                </a:solidFill>
+              </a:rPr>
+              <a:t>Requirement</a:t>
+            </a:r>
+            <a:r>
+              <a:rPr lang="en-US" altLang="ko-KR" sz="4800" b="1" i="1" dirty="0">
+                <a:solidFill>
+                  <a:schemeClr val="bg2">
+                    <a:lumMod val="25000"/>
+                  </a:schemeClr>
+                </a:solidFill>
+              </a:rPr>
+              <a:t> </a:t>
+            </a:r>
+            <a:r>
+              <a:rPr lang="en-US" altLang="ko-KR" sz="6000" b="1" i="1" dirty="0">
+                <a:solidFill>
+                  <a:schemeClr val="bg2">
+                    <a:lumMod val="25000"/>
+                  </a:schemeClr>
+                </a:solidFill>
+              </a:rPr>
+              <a:t>Definition</a:t>
+            </a:r>
+            <a:endParaRPr lang="en-US" altLang="ko-KR" sz="4800" b="1" i="1" dirty="0">
+              <a:solidFill>
+                <a:schemeClr val="bg2">
+                  <a:lumMod val="25000"/>
+                </a:schemeClr>
+              </a:solidFill>
+            </a:endParaRPr>
+          </a:p>
+        </p:txBody>
+      </p:sp>
+    </p:spTree>
+    <p:extLst>
+      <p:ext uri="{BB962C8B-B14F-4D97-AF65-F5344CB8AC3E}">
+        <p14:creationId xmlns:p14="http://schemas.microsoft.com/office/powerpoint/2010/main" val="4003125634"/>
+      </p:ext>
+    </p:extLst>
+  </p:cSld>
+  <p:clrMapOvr>
+    <a:masterClrMapping/>
+  </p:clrMapOvr>
+</p:sld>
+</file>
+
+<file path=ppt/slides/slide40.xml><?xml version="1.0" encoding="utf-8"?>
 <p:sld xmlns:a="http://schemas.openxmlformats.org/drawingml/2006/main" xmlns:r="http://schemas.openxmlformats.org/officeDocument/2006/relationships" xmlns:p="http://schemas.openxmlformats.org/presentationml/2006/main">
   <p:cSld>
     <p:spTree>
@@ -43269,7 +47583,7 @@
 </p:sld>
 </file>
 
-<file path=ppt/slides/slide36.xml><?xml version="1.0" encoding="utf-8"?>
+<file path=ppt/slides/slide41.xml><?xml version="1.0" encoding="utf-8"?>
 <p:sld xmlns:a="http://schemas.openxmlformats.org/drawingml/2006/main" xmlns:r="http://schemas.openxmlformats.org/officeDocument/2006/relationships" xmlns:p="http://schemas.openxmlformats.org/presentationml/2006/main">
   <p:cSld>
     <p:spTree>
@@ -44082,7 +48396,7 @@
 </p:sld>
 </file>
 
-<file path=ppt/slides/slide37.xml><?xml version="1.0" encoding="utf-8"?>
+<file path=ppt/slides/slide42.xml><?xml version="1.0" encoding="utf-8"?>
 <p:sld xmlns:a="http://schemas.openxmlformats.org/drawingml/2006/main" xmlns:r="http://schemas.openxmlformats.org/officeDocument/2006/relationships" xmlns:p="http://schemas.openxmlformats.org/presentationml/2006/main">
   <p:cSld>
     <p:spTree>
@@ -44762,7 +49076,7 @@
 </p:sld>
 </file>
 
-<file path=ppt/slides/slide38.xml><?xml version="1.0" encoding="utf-8"?>
+<file path=ppt/slides/slide43.xml><?xml version="1.0" encoding="utf-8"?>
 <p:sld xmlns:a="http://schemas.openxmlformats.org/drawingml/2006/main" xmlns:r="http://schemas.openxmlformats.org/officeDocument/2006/relationships" xmlns:p="http://schemas.openxmlformats.org/presentationml/2006/main">
   <p:cSld>
     <p:spTree>
@@ -45433,734 +49747,6 @@
     <p:extLst>
       <p:ext uri="{BB962C8B-B14F-4D97-AF65-F5344CB8AC3E}">
         <p14:creationId xmlns:p14="http://schemas.microsoft.com/office/powerpoint/2010/main" val="3821294017"/>
-      </p:ext>
-    </p:extLst>
-  </p:cSld>
-  <p:clrMapOvr>
-    <a:masterClrMapping/>
-  </p:clrMapOvr>
-</p:sld>
-</file>
-
-<file path=ppt/slides/slide4.xml><?xml version="1.0" encoding="utf-8"?>
-<p:sld xmlns:a="http://schemas.openxmlformats.org/drawingml/2006/main" xmlns:r="http://schemas.openxmlformats.org/officeDocument/2006/relationships" xmlns:p="http://schemas.openxmlformats.org/presentationml/2006/main">
-  <p:cSld>
-    <p:spTree>
-      <p:nvGrpSpPr>
-        <p:cNvPr id="1" name=""/>
-        <p:cNvGrpSpPr/>
-        <p:nvPr/>
-      </p:nvGrpSpPr>
-      <p:grpSpPr>
-        <a:xfrm>
-          <a:off x="0" y="0"/>
-          <a:ext cx="0" cy="0"/>
-          <a:chOff x="0" y="0"/>
-          <a:chExt cx="0" cy="0"/>
-        </a:xfrm>
-      </p:grpSpPr>
-      <p:grpSp>
-        <p:nvGrpSpPr>
-          <p:cNvPr id="4" name="그룹 3"/>
-          <p:cNvGrpSpPr/>
-          <p:nvPr/>
-        </p:nvGrpSpPr>
-        <p:grpSpPr>
-          <a:xfrm>
-            <a:off x="152400" y="83680"/>
-            <a:ext cx="11903770" cy="6774320"/>
-            <a:chOff x="152400" y="83680"/>
-            <a:chExt cx="11903770" cy="6774320"/>
-          </a:xfrm>
-        </p:grpSpPr>
-        <p:sp>
-          <p:nvSpPr>
-            <p:cNvPr id="68" name="양쪽 모서리가 둥근 사각형 67"/>
-            <p:cNvSpPr/>
-            <p:nvPr/>
-          </p:nvSpPr>
-          <p:spPr>
-            <a:xfrm>
-              <a:off x="338203" y="83680"/>
-              <a:ext cx="11548997" cy="6482219"/>
-            </a:xfrm>
-            <a:prstGeom prst="round2SameRect">
-              <a:avLst>
-                <a:gd name="adj1" fmla="val 4566"/>
-                <a:gd name="adj2" fmla="val 0"/>
-              </a:avLst>
-            </a:prstGeom>
-            <a:pattFill prst="ltDnDiag">
-              <a:fgClr>
-                <a:schemeClr val="bg1">
-                  <a:lumMod val="75000"/>
-                </a:schemeClr>
-              </a:fgClr>
-              <a:bgClr>
-                <a:schemeClr val="bg1">
-                  <a:lumMod val="95000"/>
-                </a:schemeClr>
-              </a:bgClr>
-            </a:pattFill>
-            <a:ln w="28575">
-              <a:solidFill>
-                <a:schemeClr val="bg1">
-                  <a:lumMod val="50000"/>
-                </a:schemeClr>
-              </a:solidFill>
-            </a:ln>
-          </p:spPr>
-          <p:style>
-            <a:lnRef idx="2">
-              <a:schemeClr val="accent1">
-                <a:shade val="50000"/>
-              </a:schemeClr>
-            </a:lnRef>
-            <a:fillRef idx="1">
-              <a:schemeClr val="accent1"/>
-            </a:fillRef>
-            <a:effectRef idx="0">
-              <a:schemeClr val="accent1"/>
-            </a:effectRef>
-            <a:fontRef idx="minor">
-              <a:schemeClr val="lt1"/>
-            </a:fontRef>
-          </p:style>
-          <p:txBody>
-            <a:bodyPr rtlCol="0" anchor="ctr"/>
-            <a:lstStyle/>
-            <a:p>
-              <a:pPr algn="ctr"/>
-              <a:endParaRPr lang="ko-KR" altLang="en-US"/>
-            </a:p>
-          </p:txBody>
-        </p:sp>
-        <p:sp>
-          <p:nvSpPr>
-            <p:cNvPr id="69" name="양쪽 모서리가 둥근 사각형 68"/>
-            <p:cNvSpPr/>
-            <p:nvPr/>
-          </p:nvSpPr>
-          <p:spPr>
-            <a:xfrm>
-              <a:off x="524266" y="241300"/>
-              <a:ext cx="11176871" cy="6133424"/>
-            </a:xfrm>
-            <a:prstGeom prst="round2SameRect">
-              <a:avLst>
-                <a:gd name="adj1" fmla="val 3284"/>
-                <a:gd name="adj2" fmla="val 0"/>
-              </a:avLst>
-            </a:prstGeom>
-            <a:solidFill>
-              <a:schemeClr val="bg1"/>
-            </a:solidFill>
-            <a:ln w="19050">
-              <a:solidFill>
-                <a:schemeClr val="bg1">
-                  <a:lumMod val="50000"/>
-                </a:schemeClr>
-              </a:solidFill>
-            </a:ln>
-          </p:spPr>
-          <p:style>
-            <a:lnRef idx="2">
-              <a:schemeClr val="accent1">
-                <a:shade val="50000"/>
-              </a:schemeClr>
-            </a:lnRef>
-            <a:fillRef idx="1">
-              <a:schemeClr val="accent1"/>
-            </a:fillRef>
-            <a:effectRef idx="0">
-              <a:schemeClr val="accent1"/>
-            </a:effectRef>
-            <a:fontRef idx="minor">
-              <a:schemeClr val="lt1"/>
-            </a:fontRef>
-          </p:style>
-          <p:txBody>
-            <a:bodyPr rtlCol="0" anchor="ctr"/>
-            <a:lstStyle/>
-            <a:p>
-              <a:pPr algn="ctr"/>
-              <a:endParaRPr lang="ko-KR" altLang="en-US"/>
-            </a:p>
-          </p:txBody>
-        </p:sp>
-        <p:sp>
-          <p:nvSpPr>
-            <p:cNvPr id="84" name="양쪽 모서리가 둥근 사각형 83"/>
-            <p:cNvSpPr/>
-            <p:nvPr/>
-          </p:nvSpPr>
-          <p:spPr>
-            <a:xfrm rot="16200000">
-              <a:off x="1176083" y="5641873"/>
-              <a:ext cx="108000" cy="1798840"/>
-            </a:xfrm>
-            <a:prstGeom prst="round2SameRect">
-              <a:avLst>
-                <a:gd name="adj1" fmla="val 19304"/>
-                <a:gd name="adj2" fmla="val 0"/>
-              </a:avLst>
-            </a:prstGeom>
-            <a:gradFill flip="none" rotWithShape="1">
-              <a:gsLst>
-                <a:gs pos="17000">
-                  <a:schemeClr val="bg1">
-                    <a:lumMod val="50000"/>
-                  </a:schemeClr>
-                </a:gs>
-                <a:gs pos="59000">
-                  <a:schemeClr val="bg1">
-                    <a:shade val="100000"/>
-                    <a:satMod val="115000"/>
-                  </a:schemeClr>
-                </a:gs>
-              </a:gsLst>
-              <a:lin ang="0" scaled="1"/>
-              <a:tileRect/>
-            </a:gradFill>
-            <a:ln w="19050">
-              <a:solidFill>
-                <a:schemeClr val="bg1">
-                  <a:lumMod val="50000"/>
-                </a:schemeClr>
-              </a:solidFill>
-            </a:ln>
-          </p:spPr>
-          <p:style>
-            <a:lnRef idx="2">
-              <a:schemeClr val="accent1">
-                <a:shade val="50000"/>
-              </a:schemeClr>
-            </a:lnRef>
-            <a:fillRef idx="1">
-              <a:schemeClr val="accent1"/>
-            </a:fillRef>
-            <a:effectRef idx="0">
-              <a:schemeClr val="accent1"/>
-            </a:effectRef>
-            <a:fontRef idx="minor">
-              <a:schemeClr val="lt1"/>
-            </a:fontRef>
-          </p:style>
-          <p:txBody>
-            <a:bodyPr rtlCol="0" anchor="ctr"/>
-            <a:lstStyle/>
-            <a:p>
-              <a:pPr algn="ctr"/>
-              <a:endParaRPr lang="ko-KR" altLang="en-US">
-                <a:solidFill>
-                  <a:prstClr val="white"/>
-                </a:solidFill>
-              </a:endParaRPr>
-            </a:p>
-          </p:txBody>
-        </p:sp>
-        <p:sp>
-          <p:nvSpPr>
-            <p:cNvPr id="85" name="양쪽 모서리가 둥근 사각형 84"/>
-            <p:cNvSpPr/>
-            <p:nvPr/>
-          </p:nvSpPr>
-          <p:spPr>
-            <a:xfrm rot="5400000" flipH="1">
-              <a:off x="10930593" y="5641871"/>
-              <a:ext cx="108000" cy="1798840"/>
-            </a:xfrm>
-            <a:prstGeom prst="round2SameRect">
-              <a:avLst>
-                <a:gd name="adj1" fmla="val 19304"/>
-                <a:gd name="adj2" fmla="val 0"/>
-              </a:avLst>
-            </a:prstGeom>
-            <a:gradFill flip="none" rotWithShape="1">
-              <a:gsLst>
-                <a:gs pos="17000">
-                  <a:schemeClr val="bg1">
-                    <a:lumMod val="50000"/>
-                  </a:schemeClr>
-                </a:gs>
-                <a:gs pos="59000">
-                  <a:schemeClr val="bg1">
-                    <a:shade val="100000"/>
-                    <a:satMod val="115000"/>
-                  </a:schemeClr>
-                </a:gs>
-              </a:gsLst>
-              <a:lin ang="0" scaled="1"/>
-              <a:tileRect/>
-            </a:gradFill>
-            <a:ln w="19050">
-              <a:solidFill>
-                <a:schemeClr val="bg1">
-                  <a:lumMod val="50000"/>
-                </a:schemeClr>
-              </a:solidFill>
-            </a:ln>
-          </p:spPr>
-          <p:style>
-            <a:lnRef idx="2">
-              <a:schemeClr val="accent1">
-                <a:shade val="50000"/>
-              </a:schemeClr>
-            </a:lnRef>
-            <a:fillRef idx="1">
-              <a:schemeClr val="accent1"/>
-            </a:fillRef>
-            <a:effectRef idx="0">
-              <a:schemeClr val="accent1"/>
-            </a:effectRef>
-            <a:fontRef idx="minor">
-              <a:schemeClr val="lt1"/>
-            </a:fontRef>
-          </p:style>
-          <p:txBody>
-            <a:bodyPr rtlCol="0" anchor="ctr"/>
-            <a:lstStyle/>
-            <a:p>
-              <a:pPr algn="ctr"/>
-              <a:endParaRPr lang="ko-KR" altLang="en-US">
-                <a:solidFill>
-                  <a:prstClr val="white"/>
-                </a:solidFill>
-              </a:endParaRPr>
-            </a:p>
-          </p:txBody>
-        </p:sp>
-        <p:sp>
-          <p:nvSpPr>
-            <p:cNvPr id="86" name="양쪽 모서리가 둥근 사각형 85"/>
-            <p:cNvSpPr/>
-            <p:nvPr/>
-          </p:nvSpPr>
-          <p:spPr>
-            <a:xfrm rot="16200000">
-              <a:off x="6053339" y="2563457"/>
-              <a:ext cx="108000" cy="7955668"/>
-            </a:xfrm>
-            <a:prstGeom prst="round2SameRect">
-              <a:avLst>
-                <a:gd name="adj1" fmla="val 0"/>
-                <a:gd name="adj2" fmla="val 0"/>
-              </a:avLst>
-            </a:prstGeom>
-            <a:gradFill flip="none" rotWithShape="1">
-              <a:gsLst>
-                <a:gs pos="17000">
-                  <a:schemeClr val="bg1">
-                    <a:lumMod val="50000"/>
-                  </a:schemeClr>
-                </a:gs>
-                <a:gs pos="59000">
-                  <a:schemeClr val="bg1">
-                    <a:shade val="100000"/>
-                    <a:satMod val="115000"/>
-                  </a:schemeClr>
-                </a:gs>
-              </a:gsLst>
-              <a:lin ang="0" scaled="1"/>
-              <a:tileRect/>
-            </a:gradFill>
-            <a:ln w="19050">
-              <a:solidFill>
-                <a:schemeClr val="bg1">
-                  <a:lumMod val="50000"/>
-                </a:schemeClr>
-              </a:solidFill>
-            </a:ln>
-          </p:spPr>
-          <p:style>
-            <a:lnRef idx="2">
-              <a:schemeClr val="accent1">
-                <a:shade val="50000"/>
-              </a:schemeClr>
-            </a:lnRef>
-            <a:fillRef idx="1">
-              <a:schemeClr val="accent1"/>
-            </a:fillRef>
-            <a:effectRef idx="0">
-              <a:schemeClr val="accent1"/>
-            </a:effectRef>
-            <a:fontRef idx="minor">
-              <a:schemeClr val="lt1"/>
-            </a:fontRef>
-          </p:style>
-          <p:txBody>
-            <a:bodyPr rtlCol="0" anchor="ctr"/>
-            <a:lstStyle/>
-            <a:p>
-              <a:pPr algn="ctr"/>
-              <a:endParaRPr lang="ko-KR" altLang="en-US">
-                <a:solidFill>
-                  <a:prstClr val="white"/>
-                </a:solidFill>
-              </a:endParaRPr>
-            </a:p>
-          </p:txBody>
-        </p:sp>
-        <p:sp>
-          <p:nvSpPr>
-            <p:cNvPr id="14" name="자유형 13"/>
-            <p:cNvSpPr/>
-            <p:nvPr/>
-          </p:nvSpPr>
-          <p:spPr>
-            <a:xfrm>
-              <a:off x="158507" y="6590451"/>
-              <a:ext cx="11897663" cy="267549"/>
-            </a:xfrm>
-            <a:custGeom>
-              <a:avLst/>
-              <a:gdLst>
-                <a:gd name="connsiteX0" fmla="*/ 195955 w 11897663"/>
-                <a:gd name="connsiteY0" fmla="*/ 0 h 267549"/>
-                <a:gd name="connsiteX1" fmla="*/ 11701708 w 11897663"/>
-                <a:gd name="connsiteY1" fmla="*/ 0 h 267549"/>
-                <a:gd name="connsiteX2" fmla="*/ 11897663 w 11897663"/>
-                <a:gd name="connsiteY2" fmla="*/ 267549 h 267549"/>
-                <a:gd name="connsiteX3" fmla="*/ 0 w 11897663"/>
-                <a:gd name="connsiteY3" fmla="*/ 267549 h 267549"/>
-              </a:gdLst>
-              <a:ahLst/>
-              <a:cxnLst>
-                <a:cxn ang="0">
-                  <a:pos x="connsiteX0" y="connsiteY0"/>
-                </a:cxn>
-                <a:cxn ang="0">
-                  <a:pos x="connsiteX1" y="connsiteY1"/>
-                </a:cxn>
-                <a:cxn ang="0">
-                  <a:pos x="connsiteX2" y="connsiteY2"/>
-                </a:cxn>
-                <a:cxn ang="0">
-                  <a:pos x="connsiteX3" y="connsiteY3"/>
-                </a:cxn>
-              </a:cxnLst>
-              <a:rect l="l" t="t" r="r" b="b"/>
-              <a:pathLst>
-                <a:path w="11897663" h="267549">
-                  <a:moveTo>
-                    <a:pt x="195955" y="0"/>
-                  </a:moveTo>
-                  <a:lnTo>
-                    <a:pt x="11701708" y="0"/>
-                  </a:lnTo>
-                  <a:lnTo>
-                    <a:pt x="11897663" y="267549"/>
-                  </a:lnTo>
-                  <a:lnTo>
-                    <a:pt x="0" y="267549"/>
-                  </a:lnTo>
-                  <a:close/>
-                </a:path>
-              </a:pathLst>
-            </a:custGeom>
-            <a:solidFill>
-              <a:schemeClr val="bg1"/>
-            </a:solidFill>
-            <a:ln w="19050">
-              <a:solidFill>
-                <a:schemeClr val="bg1">
-                  <a:lumMod val="50000"/>
-                </a:schemeClr>
-              </a:solidFill>
-            </a:ln>
-          </p:spPr>
-          <p:style>
-            <a:lnRef idx="2">
-              <a:schemeClr val="accent1">
-                <a:shade val="50000"/>
-              </a:schemeClr>
-            </a:lnRef>
-            <a:fillRef idx="1">
-              <a:schemeClr val="accent1"/>
-            </a:fillRef>
-            <a:effectRef idx="0">
-              <a:schemeClr val="accent1"/>
-            </a:effectRef>
-            <a:fontRef idx="minor">
-              <a:schemeClr val="lt1"/>
-            </a:fontRef>
-          </p:style>
-          <p:txBody>
-            <a:bodyPr wrap="square" rtlCol="0" anchor="ctr">
-              <a:noAutofit/>
-            </a:bodyPr>
-            <a:lstStyle/>
-            <a:p>
-              <a:pPr algn="ctr"/>
-              <a:endParaRPr lang="ko-KR" altLang="en-US">
-                <a:solidFill>
-                  <a:prstClr val="white"/>
-                </a:solidFill>
-              </a:endParaRPr>
-            </a:p>
-          </p:txBody>
-        </p:sp>
-        <p:sp>
-          <p:nvSpPr>
-            <p:cNvPr id="26" name="자유형 25"/>
-            <p:cNvSpPr/>
-            <p:nvPr/>
-          </p:nvSpPr>
-          <p:spPr>
-            <a:xfrm>
-              <a:off x="152400" y="6565900"/>
-              <a:ext cx="11750381" cy="292100"/>
-            </a:xfrm>
-            <a:custGeom>
-              <a:avLst/>
-              <a:gdLst>
-                <a:gd name="connsiteX0" fmla="*/ 177800 w 11722100"/>
-                <a:gd name="connsiteY0" fmla="*/ 0 h 292100"/>
-                <a:gd name="connsiteX1" fmla="*/ 0 w 11722100"/>
-                <a:gd name="connsiteY1" fmla="*/ 292100 h 292100"/>
-                <a:gd name="connsiteX2" fmla="*/ 11722100 w 11722100"/>
-                <a:gd name="connsiteY2" fmla="*/ 50800 h 292100"/>
-                <a:gd name="connsiteX3" fmla="*/ 177800 w 11722100"/>
-                <a:gd name="connsiteY3" fmla="*/ 0 h 292100"/>
-                <a:gd name="connsiteX0" fmla="*/ 206081 w 11722100"/>
-                <a:gd name="connsiteY0" fmla="*/ 0 h 292100"/>
-                <a:gd name="connsiteX1" fmla="*/ 0 w 11722100"/>
-                <a:gd name="connsiteY1" fmla="*/ 292100 h 292100"/>
-                <a:gd name="connsiteX2" fmla="*/ 11722100 w 11722100"/>
-                <a:gd name="connsiteY2" fmla="*/ 50800 h 292100"/>
-                <a:gd name="connsiteX3" fmla="*/ 206081 w 11722100"/>
-                <a:gd name="connsiteY3" fmla="*/ 0 h 292100"/>
-                <a:gd name="connsiteX0" fmla="*/ 206081 w 11750381"/>
-                <a:gd name="connsiteY0" fmla="*/ 0 h 292100"/>
-                <a:gd name="connsiteX1" fmla="*/ 0 w 11750381"/>
-                <a:gd name="connsiteY1" fmla="*/ 292100 h 292100"/>
-                <a:gd name="connsiteX2" fmla="*/ 11750381 w 11750381"/>
-                <a:gd name="connsiteY2" fmla="*/ 31947 h 292100"/>
-                <a:gd name="connsiteX3" fmla="*/ 206081 w 11750381"/>
-                <a:gd name="connsiteY3" fmla="*/ 0 h 292100"/>
-              </a:gdLst>
-              <a:ahLst/>
-              <a:cxnLst>
-                <a:cxn ang="0">
-                  <a:pos x="connsiteX0" y="connsiteY0"/>
-                </a:cxn>
-                <a:cxn ang="0">
-                  <a:pos x="connsiteX1" y="connsiteY1"/>
-                </a:cxn>
-                <a:cxn ang="0">
-                  <a:pos x="connsiteX2" y="connsiteY2"/>
-                </a:cxn>
-                <a:cxn ang="0">
-                  <a:pos x="connsiteX3" y="connsiteY3"/>
-                </a:cxn>
-              </a:cxnLst>
-              <a:rect l="l" t="t" r="r" b="b"/>
-              <a:pathLst>
-                <a:path w="11750381" h="292100">
-                  <a:moveTo>
-                    <a:pt x="206081" y="0"/>
-                  </a:moveTo>
-                  <a:lnTo>
-                    <a:pt x="0" y="292100"/>
-                  </a:lnTo>
-                  <a:lnTo>
-                    <a:pt x="11750381" y="31947"/>
-                  </a:lnTo>
-                  <a:lnTo>
-                    <a:pt x="206081" y="0"/>
-                  </a:lnTo>
-                  <a:close/>
-                </a:path>
-              </a:pathLst>
-            </a:custGeom>
-            <a:solidFill>
-              <a:schemeClr val="tx1">
-                <a:alpha val="13000"/>
-              </a:schemeClr>
-            </a:solidFill>
-            <a:ln>
-              <a:noFill/>
-            </a:ln>
-          </p:spPr>
-          <p:style>
-            <a:lnRef idx="2">
-              <a:schemeClr val="accent1">
-                <a:shade val="50000"/>
-              </a:schemeClr>
-            </a:lnRef>
-            <a:fillRef idx="1">
-              <a:schemeClr val="accent1"/>
-            </a:fillRef>
-            <a:effectRef idx="0">
-              <a:schemeClr val="accent1"/>
-            </a:effectRef>
-            <a:fontRef idx="minor">
-              <a:schemeClr val="lt1"/>
-            </a:fontRef>
-          </p:style>
-          <p:txBody>
-            <a:bodyPr rtlCol="0" anchor="ctr"/>
-            <a:lstStyle/>
-            <a:p>
-              <a:pPr algn="ctr"/>
-              <a:endParaRPr lang="ko-KR" altLang="en-US"/>
-            </a:p>
-          </p:txBody>
-        </p:sp>
-        <p:sp>
-          <p:nvSpPr>
-            <p:cNvPr id="15" name="모서리가 둥근 직사각형 14"/>
-            <p:cNvSpPr/>
-            <p:nvPr/>
-          </p:nvSpPr>
-          <p:spPr>
-            <a:xfrm>
-              <a:off x="524266" y="6670585"/>
-              <a:ext cx="597524" cy="64121"/>
-            </a:xfrm>
-            <a:prstGeom prst="roundRect">
-              <a:avLst>
-                <a:gd name="adj" fmla="val 50000"/>
-              </a:avLst>
-            </a:prstGeom>
-            <a:solidFill>
-              <a:srgbClr val="00B0F0"/>
-            </a:solidFill>
-            <a:ln>
-              <a:solidFill>
-                <a:schemeClr val="bg1">
-                  <a:lumMod val="50000"/>
-                </a:schemeClr>
-              </a:solidFill>
-            </a:ln>
-          </p:spPr>
-          <p:style>
-            <a:lnRef idx="2">
-              <a:schemeClr val="accent1">
-                <a:shade val="50000"/>
-              </a:schemeClr>
-            </a:lnRef>
-            <a:fillRef idx="1">
-              <a:schemeClr val="accent1"/>
-            </a:fillRef>
-            <a:effectRef idx="0">
-              <a:schemeClr val="accent1"/>
-            </a:effectRef>
-            <a:fontRef idx="minor">
-              <a:schemeClr val="lt1"/>
-            </a:fontRef>
-          </p:style>
-          <p:txBody>
-            <a:bodyPr rtlCol="0" anchor="ctr"/>
-            <a:lstStyle/>
-            <a:p>
-              <a:pPr algn="ctr"/>
-              <a:endParaRPr lang="ko-KR" altLang="en-US"/>
-            </a:p>
-          </p:txBody>
-        </p:sp>
-      </p:grpSp>
-      <p:sp>
-        <p:nvSpPr>
-          <p:cNvPr id="82" name="직사각형 81"/>
-          <p:cNvSpPr/>
-          <p:nvPr/>
-        </p:nvSpPr>
-        <p:spPr>
-          <a:xfrm>
-            <a:off x="1574577" y="1824378"/>
-            <a:ext cx="8906026" cy="2822311"/>
-          </a:xfrm>
-          <a:prstGeom prst="rect">
-            <a:avLst/>
-          </a:prstGeom>
-        </p:spPr>
-        <p:txBody>
-          <a:bodyPr wrap="square">
-            <a:spAutoFit/>
-          </a:bodyPr>
-          <a:lstStyle/>
-          <a:p>
-            <a:pPr algn="ctr">
-              <a:lnSpc>
-                <a:spcPct val="150000"/>
-              </a:lnSpc>
-            </a:pPr>
-            <a:r>
-              <a:rPr lang="en-US" altLang="ko-KR" sz="6600" b="1" i="1" dirty="0">
-                <a:solidFill>
-                  <a:schemeClr val="bg2">
-                    <a:lumMod val="25000"/>
-                  </a:schemeClr>
-                </a:solidFill>
-                <a:latin typeface="Broadway" panose="04040905080B02020502" pitchFamily="82" charset="0"/>
-              </a:rPr>
-              <a:t>02. </a:t>
-            </a:r>
-            <a:r>
-              <a:rPr lang="ko-KR" altLang="en-US" sz="4400" i="1" dirty="0">
-                <a:solidFill>
-                  <a:schemeClr val="bg2">
-                    <a:lumMod val="25000"/>
-                  </a:schemeClr>
-                </a:solidFill>
-              </a:rPr>
-              <a:t>요구사항정의서</a:t>
-            </a:r>
-            <a:r>
-              <a:rPr lang="ko-KR" altLang="en-US" sz="4000" i="1" dirty="0">
-                <a:solidFill>
-                  <a:schemeClr val="bg2">
-                    <a:lumMod val="25000"/>
-                  </a:schemeClr>
-                </a:solidFill>
-              </a:rPr>
-              <a:t> </a:t>
-            </a:r>
-            <a:r>
-              <a:rPr lang="en-US" altLang="ko-KR" sz="6000" b="1" i="1" dirty="0">
-                <a:solidFill>
-                  <a:schemeClr val="bg2">
-                    <a:lumMod val="25000"/>
-                  </a:schemeClr>
-                </a:solidFill>
-              </a:rPr>
-              <a:t>Requirement</a:t>
-            </a:r>
-            <a:r>
-              <a:rPr lang="en-US" altLang="ko-KR" sz="4800" b="1" i="1" dirty="0">
-                <a:solidFill>
-                  <a:schemeClr val="bg2">
-                    <a:lumMod val="25000"/>
-                  </a:schemeClr>
-                </a:solidFill>
-              </a:rPr>
-              <a:t> </a:t>
-            </a:r>
-            <a:r>
-              <a:rPr lang="en-US" altLang="ko-KR" sz="6000" b="1" i="1" dirty="0">
-                <a:solidFill>
-                  <a:schemeClr val="bg2">
-                    <a:lumMod val="25000"/>
-                  </a:schemeClr>
-                </a:solidFill>
-              </a:rPr>
-              <a:t>Definition</a:t>
-            </a:r>
-            <a:endParaRPr lang="en-US" altLang="ko-KR" sz="4800" b="1" i="1" dirty="0">
-              <a:solidFill>
-                <a:schemeClr val="bg2">
-                  <a:lumMod val="25000"/>
-                </a:schemeClr>
-              </a:solidFill>
-            </a:endParaRPr>
-          </a:p>
-        </p:txBody>
-      </p:sp>
-    </p:spTree>
-    <p:extLst>
-      <p:ext uri="{BB962C8B-B14F-4D97-AF65-F5344CB8AC3E}">
-        <p14:creationId xmlns:p14="http://schemas.microsoft.com/office/powerpoint/2010/main" val="4003125634"/>
       </p:ext>
     </p:extLst>
   </p:cSld>
@@ -49987,7 +53573,7 @@
   <a:extraClrSchemeLst/>
   <a:extLst>
     <a:ext uri="{05A4C25C-085E-4340-85A3-A5531E510DB2}">
-      <thm15:themeFamily xmlns:thm15="http://schemas.microsoft.com/office/thememl/2012/main" xmlns="" name="Office Theme" id="{62F939B6-93AF-4DB8-9C6B-D6C7DFDC589F}" vid="{4A3C46E8-61CC-4603-A589-7422A47A8E4A}"/>
+      <thm15:themeFamily xmlns:thm15="http://schemas.microsoft.com/office/thememl/2012/main" name="Office Theme" id="{62F939B6-93AF-4DB8-9C6B-D6C7DFDC589F}" vid="{4A3C46E8-61CC-4603-A589-7422A47A8E4A}"/>
     </a:ext>
   </a:extLst>
 </a:theme>

--- a/WebContent/발표/프로젝트5.pptx
+++ b/WebContent/발표/프로젝트5.pptx
@@ -4053,7 +4053,7 @@
           <p:cNvPr id="16" name="그룹 15">
             <a:extLst>
               <a:ext uri="{FF2B5EF4-FFF2-40B4-BE49-F238E27FC236}">
-                <a16:creationId xmlns="" xmlns:a16="http://schemas.microsoft.com/office/drawing/2014/main" id="{1592706D-EFAE-4144-BFA1-6735E09271FD}"/>
+                <a16:creationId xmlns:a16="http://schemas.microsoft.com/office/drawing/2014/main" xmlns="" id="{1592706D-EFAE-4144-BFA1-6735E09271FD}"/>
               </a:ext>
             </a:extLst>
           </p:cNvPr>
@@ -4073,7 +4073,7 @@
             <p:cNvPr id="17" name="양쪽 모서리가 둥근 사각형 5">
               <a:extLst>
                 <a:ext uri="{FF2B5EF4-FFF2-40B4-BE49-F238E27FC236}">
-                  <a16:creationId xmlns="" xmlns:a16="http://schemas.microsoft.com/office/drawing/2014/main" id="{8078EBE2-80A2-4C73-B338-3BF0725D8C61}"/>
+                  <a16:creationId xmlns:a16="http://schemas.microsoft.com/office/drawing/2014/main" xmlns="" id="{8078EBE2-80A2-4C73-B338-3BF0725D8C61}"/>
                 </a:ext>
               </a:extLst>
             </p:cNvPr>
@@ -4239,7 +4239,7 @@
             <p:cNvPr id="18" name="양쪽 모서리가 둥근 사각형 4">
               <a:extLst>
                 <a:ext uri="{FF2B5EF4-FFF2-40B4-BE49-F238E27FC236}">
-                  <a16:creationId xmlns="" xmlns:a16="http://schemas.microsoft.com/office/drawing/2014/main" id="{39BAB469-719B-4B91-8479-8CE11BC8E6B9}"/>
+                  <a16:creationId xmlns:a16="http://schemas.microsoft.com/office/drawing/2014/main" xmlns="" id="{39BAB469-719B-4B91-8479-8CE11BC8E6B9}"/>
                 </a:ext>
               </a:extLst>
             </p:cNvPr>
@@ -4305,7 +4305,7 @@
             <p:cNvPr id="19" name="직사각형 18">
               <a:extLst>
                 <a:ext uri="{FF2B5EF4-FFF2-40B4-BE49-F238E27FC236}">
-                  <a16:creationId xmlns="" xmlns:a16="http://schemas.microsoft.com/office/drawing/2014/main" id="{39F1B524-4CC7-4E30-816B-3723A5813198}"/>
+                  <a16:creationId xmlns:a16="http://schemas.microsoft.com/office/drawing/2014/main" xmlns="" id="{39F1B524-4CC7-4E30-816B-3723A5813198}"/>
                 </a:ext>
               </a:extLst>
             </p:cNvPr>
@@ -4361,7 +4361,7 @@
             <p:cNvPr id="20" name="타원 19">
               <a:extLst>
                 <a:ext uri="{FF2B5EF4-FFF2-40B4-BE49-F238E27FC236}">
-                  <a16:creationId xmlns="" xmlns:a16="http://schemas.microsoft.com/office/drawing/2014/main" id="{9F7C7939-334C-4B6E-8334-1DAF6166C2BD}"/>
+                  <a16:creationId xmlns:a16="http://schemas.microsoft.com/office/drawing/2014/main" xmlns="" id="{9F7C7939-334C-4B6E-8334-1DAF6166C2BD}"/>
                 </a:ext>
               </a:extLst>
             </p:cNvPr>
@@ -4417,7 +4417,7 @@
             <p:cNvPr id="21" name="타원 20">
               <a:extLst>
                 <a:ext uri="{FF2B5EF4-FFF2-40B4-BE49-F238E27FC236}">
-                  <a16:creationId xmlns="" xmlns:a16="http://schemas.microsoft.com/office/drawing/2014/main" id="{3ACF8C7F-31C0-4E48-9500-11CA0520BEC1}"/>
+                  <a16:creationId xmlns:a16="http://schemas.microsoft.com/office/drawing/2014/main" xmlns="" id="{3ACF8C7F-31C0-4E48-9500-11CA0520BEC1}"/>
                 </a:ext>
               </a:extLst>
             </p:cNvPr>
@@ -4473,7 +4473,7 @@
             <p:cNvPr id="22" name="타원 21">
               <a:extLst>
                 <a:ext uri="{FF2B5EF4-FFF2-40B4-BE49-F238E27FC236}">
-                  <a16:creationId xmlns="" xmlns:a16="http://schemas.microsoft.com/office/drawing/2014/main" id="{CDF524C5-87D1-45D8-B459-FDB2C64EC2DD}"/>
+                  <a16:creationId xmlns:a16="http://schemas.microsoft.com/office/drawing/2014/main" xmlns="" id="{CDF524C5-87D1-45D8-B459-FDB2C64EC2DD}"/>
                 </a:ext>
               </a:extLst>
             </p:cNvPr>
